--- a/material/02_Git 기초.pptx
+++ b/material/02_Git 기초.pptx
@@ -5,7 +5,7 @@
     <p:sldMasterId id="2147483660" r:id="rId1"/>
   </p:sldMasterIdLst>
   <p:notesMasterIdLst>
-    <p:notesMasterId r:id="rId70"/>
+    <p:notesMasterId r:id="rId71"/>
   </p:notesMasterIdLst>
   <p:sldIdLst>
     <p:sldId id="659" r:id="rId2"/>
@@ -70,12 +70,13 @@
     <p:sldId id="845" r:id="rId61"/>
     <p:sldId id="846" r:id="rId62"/>
     <p:sldId id="847" r:id="rId63"/>
-    <p:sldId id="848" r:id="rId64"/>
-    <p:sldId id="835" r:id="rId65"/>
-    <p:sldId id="836" r:id="rId66"/>
-    <p:sldId id="837" r:id="rId67"/>
-    <p:sldId id="838" r:id="rId68"/>
-    <p:sldId id="839" r:id="rId69"/>
+    <p:sldId id="850" r:id="rId64"/>
+    <p:sldId id="848" r:id="rId65"/>
+    <p:sldId id="835" r:id="rId66"/>
+    <p:sldId id="836" r:id="rId67"/>
+    <p:sldId id="837" r:id="rId68"/>
+    <p:sldId id="838" r:id="rId69"/>
+    <p:sldId id="839" r:id="rId70"/>
   </p:sldIdLst>
   <p:sldSz cx="12192000" cy="6858000"/>
   <p:notesSz cx="6858000" cy="9144000"/>
@@ -264,7 +265,7 @@
           <a:p>
             <a:fld id="{F3DEFEDB-2439-49E8-84B2-1D6C2F3A631A}" type="datetimeFigureOut">
               <a:rPr lang="ko-KR" altLang="en-US" smtClean="0"/>
-              <a:t>2025-04-20</a:t>
+              <a:t>2025-04-21</a:t>
             </a:fld>
             <a:endParaRPr lang="ko-KR" altLang="en-US"/>
           </a:p>
@@ -2090,11 +2091,7 @@
             </a:pPr>
             <a:r>
               <a:rPr lang="ko-KR" altLang="en-US" dirty="0" smtClean="0"/>
-              <a:t>리눅스 명령어 체</a:t>
-            </a:r>
-            <a:r>
-              <a:rPr lang="ko-KR" altLang="en-US" dirty="0" smtClean="0"/>
-              <a:t>계</a:t>
+              <a:t>리눅스 명령어 체계</a:t>
             </a:r>
             <a:endParaRPr lang="en-US" altLang="ko-KR" dirty="0" smtClean="0"/>
           </a:p>
@@ -7646,6 +7643,63 @@
           <a:bodyPr/>
           <a:lstStyle/>
           <a:p>
+            <a:r>
+              <a:rPr lang="en-US" altLang="ko-KR" dirty="0" smtClean="0"/>
+              <a:t>2</a:t>
+            </a:r>
+            <a:r>
+              <a:rPr lang="ko-KR" altLang="en-US" dirty="0" smtClean="0"/>
+              <a:t>차 보안</a:t>
+            </a:r>
+            <a:endParaRPr lang="en-US" altLang="ko-KR" dirty="0" smtClean="0"/>
+          </a:p>
+          <a:p>
+            <a:pPr marL="171450" indent="-171450">
+              <a:buFont typeface="Symbol" panose="05050102010706020507" pitchFamily="18" charset="2"/>
+              <a:buChar char="Þ"/>
+            </a:pPr>
+            <a:r>
+              <a:rPr lang="en-US" altLang="ko-KR" baseline="0" dirty="0" smtClean="0"/>
+              <a:t>2</a:t>
+            </a:r>
+            <a:r>
+              <a:rPr lang="ko-KR" altLang="en-US" baseline="0" dirty="0" smtClean="0"/>
+              <a:t>단계 인증 </a:t>
+            </a:r>
+            <a:r>
+              <a:rPr lang="en-US" altLang="ko-KR" baseline="0" dirty="0" smtClean="0"/>
+              <a:t>(2FA, Two-Factor Authentication)</a:t>
+            </a:r>
+          </a:p>
+          <a:p>
+            <a:pPr marL="0" indent="0">
+              <a:buFont typeface="Symbol" panose="05050102010706020507" pitchFamily="18" charset="2"/>
+              <a:buNone/>
+            </a:pPr>
+            <a:r>
+              <a:rPr lang="en-US" altLang="ko-KR" dirty="0" smtClean="0">
+                <a:sym typeface="Wingdings" panose="05000000000000000000" pitchFamily="2" charset="2"/>
+              </a:rPr>
+              <a:t> notion</a:t>
+            </a:r>
+            <a:r>
+              <a:rPr lang="en-US" altLang="ko-KR" baseline="0" dirty="0" smtClean="0">
+                <a:sym typeface="Wingdings" panose="05000000000000000000" pitchFamily="2" charset="2"/>
+              </a:rPr>
+              <a:t> </a:t>
+            </a:r>
+            <a:r>
+              <a:rPr lang="ko-KR" altLang="en-US" baseline="0" dirty="0" smtClean="0">
+                <a:sym typeface="Wingdings" panose="05000000000000000000" pitchFamily="2" charset="2"/>
+              </a:rPr>
+              <a:t>보기</a:t>
+            </a:r>
+            <a:r>
+              <a:rPr lang="en-US" altLang="ko-KR" baseline="0" dirty="0" smtClean="0">
+                <a:sym typeface="Wingdings" panose="05000000000000000000" pitchFamily="2" charset="2"/>
+              </a:rPr>
+              <a:t>.</a:t>
+            </a:r>
             <a:endParaRPr lang="ko-KR" altLang="en-US" dirty="0"/>
           </a:p>
         </p:txBody>
@@ -7789,6 +7843,45 @@
             </a:r>
           </a:p>
           <a:p>
+            <a:r>
+              <a:rPr lang="en-US" altLang="ko-KR" dirty="0" smtClean="0"/>
+              <a:t>- </a:t>
+            </a:r>
+            <a:r>
+              <a:rPr lang="ko-KR" altLang="en-US" dirty="0" smtClean="0"/>
+              <a:t>절대 다른 사람과 공유하면 안됨 </a:t>
+            </a:r>
+            <a:r>
+              <a:rPr lang="en-US" altLang="ko-KR" dirty="0" smtClean="0"/>
+              <a:t>/ </a:t>
+            </a:r>
+            <a:r>
+              <a:rPr lang="ko-KR" altLang="en-US" dirty="0" smtClean="0"/>
+              <a:t>이 </a:t>
+            </a:r>
+            <a:r>
+              <a:rPr lang="ko-KR" altLang="en-US" dirty="0" err="1" smtClean="0"/>
+              <a:t>토근이</a:t>
+            </a:r>
+            <a:r>
+              <a:rPr lang="ko-KR" altLang="en-US" dirty="0" smtClean="0"/>
+              <a:t> 있으면 당신의 </a:t>
+            </a:r>
+            <a:r>
+              <a:rPr lang="ko-KR" altLang="en-US" dirty="0" err="1" smtClean="0"/>
+              <a:t>깃허브에</a:t>
+            </a:r>
+            <a:r>
+              <a:rPr lang="ko-KR" altLang="en-US" dirty="0" smtClean="0"/>
+              <a:t> 접근할 수 있음</a:t>
+            </a:r>
+            <a:r>
+              <a:rPr lang="en-US" altLang="ko-KR" dirty="0" smtClean="0"/>
+              <a:t>.</a:t>
+            </a:r>
+            <a:endParaRPr lang="en-US" altLang="ko-KR" dirty="0" smtClean="0"/>
+          </a:p>
+          <a:p>
             <a:endParaRPr lang="en-US" altLang="ko-KR" dirty="0" smtClean="0"/>
           </a:p>
           <a:p>
@@ -8521,252 +8614,50 @@
           <a:lstStyle/>
           <a:p>
             <a:r>
-              <a:rPr lang="ko-KR" altLang="en-US" b="1" dirty="0" smtClean="0"/>
-              <a:t>✅ </a:t>
-            </a:r>
-            <a:r>
-              <a:rPr lang="en-US" altLang="ko-KR" b="1" dirty="0" smtClean="0"/>
-              <a:t>origin</a:t>
-            </a:r>
-            <a:r>
-              <a:rPr lang="ko-KR" altLang="en-US" b="1" dirty="0" smtClean="0"/>
-              <a:t>이란</a:t>
-            </a:r>
-            <a:r>
-              <a:rPr lang="en-US" altLang="ko-KR" b="1" dirty="0" smtClean="0"/>
-              <a:t>?</a:t>
-            </a:r>
-          </a:p>
-          <a:p>
-            <a:r>
-              <a:rPr lang="ko-KR" altLang="en-US" b="1" dirty="0" smtClean="0"/>
-              <a:t>원격 저장소</a:t>
-            </a:r>
-            <a:r>
-              <a:rPr lang="en-US" altLang="ko-KR" b="1" dirty="0" smtClean="0"/>
-              <a:t>(Remote Repository)</a:t>
-            </a:r>
-            <a:r>
-              <a:rPr lang="ko-KR" altLang="en-US" b="1" dirty="0" smtClean="0"/>
-              <a:t>의 </a:t>
-            </a:r>
-            <a:r>
-              <a:rPr lang="en-US" altLang="ko-KR" b="1" dirty="0" smtClean="0"/>
-              <a:t>"</a:t>
-            </a:r>
-            <a:r>
-              <a:rPr lang="ko-KR" altLang="en-US" b="1" dirty="0" smtClean="0"/>
-              <a:t>별명</a:t>
-            </a:r>
-            <a:r>
-              <a:rPr lang="en-US" altLang="ko-KR" b="1" dirty="0" smtClean="0"/>
-              <a:t>(</a:t>
-            </a:r>
-            <a:r>
-              <a:rPr lang="ko-KR" altLang="en-US" b="1" dirty="0" smtClean="0"/>
-              <a:t>이름</a:t>
-            </a:r>
-            <a:r>
-              <a:rPr lang="en-US" altLang="ko-KR" b="1" dirty="0" smtClean="0"/>
-              <a:t>)"</a:t>
-            </a:r>
-            <a:r>
-              <a:rPr lang="ko-KR" altLang="en-US" b="1" dirty="0" smtClean="0"/>
-              <a:t>입니다</a:t>
-            </a:r>
-            <a:r>
-              <a:rPr lang="en-US" altLang="ko-KR" b="1" dirty="0" smtClean="0"/>
-              <a:t>.</a:t>
-            </a:r>
-            <a:endParaRPr lang="ko-KR" altLang="en-US" dirty="0" smtClean="0"/>
-          </a:p>
-          <a:p>
-            <a:r>
-              <a:rPr lang="en-US" altLang="ko-KR" dirty="0" err="1" smtClean="0"/>
-              <a:t>Git</a:t>
-            </a:r>
-            <a:r>
-              <a:rPr lang="ko-KR" altLang="en-US" dirty="0" smtClean="0"/>
-              <a:t>에서 원격 저장소</a:t>
-            </a:r>
-            <a:r>
-              <a:rPr lang="en-US" altLang="ko-KR" dirty="0" smtClean="0"/>
-              <a:t>(</a:t>
-            </a:r>
-            <a:r>
-              <a:rPr lang="ko-KR" altLang="en-US" dirty="0" smtClean="0"/>
-              <a:t>예</a:t>
-            </a:r>
-            <a:r>
-              <a:rPr lang="en-US" altLang="ko-KR" dirty="0" smtClean="0"/>
-              <a:t>: GitHub</a:t>
-            </a:r>
-            <a:r>
-              <a:rPr lang="ko-KR" altLang="en-US" dirty="0" smtClean="0"/>
-              <a:t>에 있는 저장소</a:t>
-            </a:r>
-            <a:r>
-              <a:rPr lang="en-US" altLang="ko-KR" dirty="0" smtClean="0"/>
-              <a:t>)</a:t>
-            </a:r>
-            <a:r>
-              <a:rPr lang="ko-KR" altLang="en-US" dirty="0" smtClean="0"/>
-              <a:t>를 연결할 때</a:t>
-            </a:r>
-            <a:br>
-              <a:rPr lang="ko-KR" altLang="en-US" dirty="0" smtClean="0"/>
-            </a:br>
-            <a:r>
-              <a:rPr lang="ko-KR" altLang="en-US" dirty="0" smtClean="0"/>
-              <a:t>매번 긴 주소를 쓰기 불편하니까</a:t>
-            </a:r>
-            <a:r>
-              <a:rPr lang="en-US" altLang="ko-KR" dirty="0" smtClean="0"/>
-              <a:t>,</a:t>
-            </a:r>
-            <a:br>
-              <a:rPr lang="en-US" altLang="ko-KR" dirty="0" smtClean="0"/>
-            </a:br>
-            <a:r>
-              <a:rPr lang="ko-KR" altLang="en-US" b="1" dirty="0" smtClean="0"/>
-              <a:t>짧은 별명을 하나 붙여두는 것</a:t>
-            </a:r>
-            <a:r>
-              <a:rPr lang="ko-KR" altLang="en-US" dirty="0" smtClean="0"/>
-              <a:t>이에요</a:t>
-            </a:r>
-            <a:r>
-              <a:rPr lang="en-US" altLang="ko-KR" dirty="0" smtClean="0"/>
-              <a:t>.</a:t>
-            </a:r>
-          </a:p>
-          <a:p>
-            <a:endParaRPr lang="en-US" altLang="ko-KR" dirty="0" smtClean="0"/>
-          </a:p>
-          <a:p>
-            <a:r>
-              <a:rPr lang="ko-KR" altLang="en-US" b="1" dirty="0" smtClean="0"/>
-              <a:t>✅ 그러면 </a:t>
-            </a:r>
-            <a:r>
-              <a:rPr lang="en-US" altLang="ko-KR" b="1" dirty="0" smtClean="0"/>
-              <a:t>origin</a:t>
-            </a:r>
-            <a:r>
-              <a:rPr lang="ko-KR" altLang="en-US" b="1" dirty="0" smtClean="0"/>
-              <a:t>은 뭘 의미하나요</a:t>
-            </a:r>
-            <a:r>
-              <a:rPr lang="en-US" altLang="ko-KR" b="1" dirty="0" smtClean="0"/>
-              <a:t>?</a:t>
-            </a:r>
-          </a:p>
-          <a:p>
-            <a:r>
-              <a:rPr lang="en-US" altLang="ko-KR" dirty="0" smtClean="0"/>
-              <a:t>"</a:t>
-            </a:r>
-            <a:r>
-              <a:rPr lang="ko-KR" altLang="en-US" dirty="0" smtClean="0"/>
-              <a:t>이 </a:t>
-            </a:r>
-            <a:r>
-              <a:rPr lang="en-US" altLang="ko-KR" dirty="0" smtClean="0"/>
-              <a:t>GitHub </a:t>
-            </a:r>
-            <a:r>
-              <a:rPr lang="ko-KR" altLang="en-US" dirty="0" smtClean="0"/>
-              <a:t>주소를 </a:t>
-            </a:r>
-            <a:r>
-              <a:rPr lang="en-US" altLang="ko-KR" dirty="0" smtClean="0"/>
-              <a:t>origin</a:t>
-            </a:r>
-            <a:r>
-              <a:rPr lang="ko-KR" altLang="en-US" dirty="0" smtClean="0"/>
-              <a:t>이라고 부르자</a:t>
-            </a:r>
-            <a:r>
-              <a:rPr lang="en-US" altLang="ko-KR" dirty="0" smtClean="0"/>
-              <a:t>" </a:t>
-            </a:r>
-            <a:r>
-              <a:rPr lang="ko-KR" altLang="en-US" dirty="0" smtClean="0"/>
-              <a:t>라고 약속하는 거예요</a:t>
-            </a:r>
-            <a:r>
-              <a:rPr lang="en-US" altLang="ko-KR" dirty="0" smtClean="0"/>
-              <a:t>.</a:t>
-            </a:r>
-          </a:p>
-          <a:p>
-            <a:endParaRPr lang="en-US" altLang="ko-KR" dirty="0" smtClean="0"/>
-          </a:p>
-          <a:p>
-            <a:r>
-              <a:rPr lang="ko-KR" altLang="en-US" b="1" dirty="0" smtClean="0"/>
-              <a:t>✅ 꼭 이름이 </a:t>
-            </a:r>
-            <a:r>
-              <a:rPr lang="en-US" altLang="ko-KR" b="1" dirty="0" smtClean="0"/>
-              <a:t>origin</a:t>
-            </a:r>
-            <a:r>
-              <a:rPr lang="ko-KR" altLang="en-US" b="1" dirty="0" smtClean="0"/>
-              <a:t>이어야 하나요</a:t>
-            </a:r>
-            <a:r>
-              <a:rPr lang="en-US" altLang="ko-KR" b="1" dirty="0" smtClean="0"/>
-              <a:t>?</a:t>
-            </a:r>
-          </a:p>
-          <a:p>
-            <a:r>
-              <a:rPr lang="ko-KR" altLang="en-US" dirty="0" smtClean="0"/>
-              <a:t>❌ 아닙니다</a:t>
-            </a:r>
-            <a:r>
-              <a:rPr lang="en-US" altLang="ko-KR" dirty="0" smtClean="0"/>
-              <a:t>!</a:t>
-            </a:r>
-            <a:br>
-              <a:rPr lang="en-US" altLang="ko-KR" dirty="0" smtClean="0"/>
-            </a:br>
-            <a:r>
-              <a:rPr lang="ko-KR" altLang="en-US" dirty="0" smtClean="0"/>
-              <a:t>원한다면 다른 이름도 붙일 수 있습니다</a:t>
-            </a:r>
-            <a:r>
-              <a:rPr lang="en-US" altLang="ko-KR" dirty="0" smtClean="0"/>
-              <a:t>.</a:t>
-            </a:r>
-          </a:p>
-          <a:p>
-            <a:r>
-              <a:rPr lang="ko-KR" altLang="en-US" dirty="0" smtClean="0"/>
-              <a:t>예</a:t>
-            </a:r>
-            <a:r>
-              <a:rPr lang="en-US" altLang="ko-KR" dirty="0" smtClean="0"/>
-              <a:t>:</a:t>
-            </a:r>
-          </a:p>
-          <a:p>
-            <a:r>
               <a:rPr lang="en-US" altLang="ko-KR" dirty="0" err="1" smtClean="0"/>
               <a:t>git</a:t>
             </a:r>
             <a:r>
               <a:rPr lang="en-US" altLang="ko-KR" dirty="0" smtClean="0"/>
-              <a:t> remote add </a:t>
+              <a:t> clone https://github.com/</a:t>
+            </a:r>
+            <a:r>
+              <a:rPr lang="ko-KR" altLang="en-US" dirty="0" smtClean="0"/>
+              <a:t>사용자아이디</a:t>
+            </a:r>
+            <a:r>
+              <a:rPr lang="en-US" altLang="ko-KR" dirty="0" smtClean="0"/>
+              <a:t>/</a:t>
             </a:r>
             <a:r>
               <a:rPr lang="en-US" altLang="ko-KR" dirty="0" err="1" smtClean="0"/>
-              <a:t>github</a:t>
-            </a:r>
+              <a:t>MyTestRepo.git</a:t>
+            </a:r>
+            <a:endParaRPr lang="en-US" altLang="ko-KR" dirty="0" smtClean="0"/>
+          </a:p>
+          <a:p>
             <a:r>
               <a:rPr lang="en-US" altLang="ko-KR" dirty="0" smtClean="0"/>
-              <a:t> https://github.com/Damon0527/TestSF5th.git </a:t>
+              <a:t>cd </a:t>
+            </a:r>
+            <a:r>
+              <a:rPr lang="en-US" altLang="ko-KR" dirty="0" err="1" smtClean="0"/>
+              <a:t>MyTestRepo</a:t>
+            </a:r>
+            <a:endParaRPr lang="en-US" altLang="ko-KR" dirty="0" smtClean="0"/>
+          </a:p>
+          <a:p>
+            <a:r>
+              <a:rPr lang="en-US" altLang="ko-KR" dirty="0" smtClean="0"/>
+              <a:t>echo "</a:t>
+            </a:r>
+            <a:r>
+              <a:rPr lang="ko-KR" altLang="en-US" dirty="0" smtClean="0"/>
+              <a:t>이건 새로 만든 파일입니다</a:t>
+            </a:r>
+            <a:r>
+              <a:rPr lang="en-US" altLang="ko-KR" dirty="0" smtClean="0"/>
+              <a:t>" &gt; new_file.txt</a:t>
             </a:r>
           </a:p>
           <a:p>
@@ -8776,268 +8667,31 @@
             </a:r>
             <a:r>
               <a:rPr lang="en-US" altLang="ko-KR" dirty="0" smtClean="0"/>
-              <a:t> push </a:t>
-            </a:r>
-            <a:r>
-              <a:rPr lang="en-US" altLang="ko-KR" dirty="0" err="1" smtClean="0"/>
-              <a:t>github</a:t>
-            </a:r>
-            <a:r>
-              <a:rPr lang="en-US" altLang="ko-KR" dirty="0" smtClean="0"/>
-              <a:t> main </a:t>
-            </a:r>
-          </a:p>
-          <a:p>
-            <a:r>
-              <a:rPr lang="ko-KR" altLang="en-US" dirty="0" smtClean="0"/>
-              <a:t>하지만 실무에서는 거의 다 </a:t>
-            </a:r>
-            <a:r>
-              <a:rPr lang="en-US" altLang="ko-KR" dirty="0" smtClean="0"/>
-              <a:t>origin</a:t>
-            </a:r>
-            <a:r>
-              <a:rPr lang="ko-KR" altLang="en-US" dirty="0" smtClean="0"/>
-              <a:t>을 쓰는 것이 </a:t>
-            </a:r>
-            <a:r>
-              <a:rPr lang="ko-KR" altLang="en-US" b="1" dirty="0" err="1" smtClean="0"/>
-              <a:t>관례이자</a:t>
-            </a:r>
-            <a:r>
-              <a:rPr lang="ko-KR" altLang="en-US" b="1" dirty="0" smtClean="0"/>
-              <a:t> 표준처럼 자리잡고</a:t>
-            </a:r>
-            <a:r>
-              <a:rPr lang="ko-KR" altLang="en-US" dirty="0" smtClean="0"/>
-              <a:t> 있어서</a:t>
-            </a:r>
-            <a:br>
-              <a:rPr lang="ko-KR" altLang="en-US" dirty="0" smtClean="0"/>
-            </a:br>
-            <a:r>
-              <a:rPr lang="ko-KR" altLang="en-US" dirty="0" smtClean="0"/>
-              <a:t>학생들에게도 기본은 </a:t>
-            </a:r>
-            <a:r>
-              <a:rPr lang="en-US" altLang="ko-KR" dirty="0" smtClean="0"/>
-              <a:t>origin</a:t>
-            </a:r>
-            <a:r>
-              <a:rPr lang="ko-KR" altLang="en-US" dirty="0" smtClean="0"/>
-              <a:t>으로 알려주는 것이 좋습니다</a:t>
-            </a:r>
-            <a:r>
-              <a:rPr lang="en-US" altLang="ko-KR" dirty="0" smtClean="0"/>
-              <a:t>.</a:t>
-            </a:r>
-          </a:p>
-          <a:p>
-            <a:endParaRPr lang="en-US" altLang="ko-KR" dirty="0" smtClean="0"/>
-          </a:p>
-          <a:p>
-            <a:r>
-              <a:rPr lang="ko-KR" altLang="en-US" b="1" dirty="0" smtClean="0"/>
-              <a:t>✅ 확인하고 싶다면</a:t>
-            </a:r>
-            <a:r>
-              <a:rPr lang="en-US" altLang="ko-KR" b="1" dirty="0" smtClean="0"/>
-              <a:t>? </a:t>
-            </a:r>
+              <a:t> add new_file.txt</a:t>
+            </a:r>
+          </a:p>
+          <a:p>
             <a:r>
               <a:rPr lang="en-US" altLang="ko-KR" dirty="0" err="1" smtClean="0"/>
               <a:t>git</a:t>
             </a:r>
             <a:r>
               <a:rPr lang="en-US" altLang="ko-KR" dirty="0" smtClean="0"/>
-              <a:t> remote -v </a:t>
-            </a:r>
-          </a:p>
-          <a:p>
-            <a:r>
-              <a:rPr lang="en-US" altLang="ko-KR" dirty="0" smtClean="0"/>
-              <a:t>→ </a:t>
-            </a:r>
-            <a:r>
-              <a:rPr lang="ko-KR" altLang="en-US" dirty="0" smtClean="0"/>
-              <a:t>연결된 원격 저장소 목록과 별명</a:t>
-            </a:r>
-            <a:r>
-              <a:rPr lang="en-US" altLang="ko-KR" dirty="0" smtClean="0"/>
-              <a:t>(origin </a:t>
-            </a:r>
-            <a:r>
-              <a:rPr lang="ko-KR" altLang="en-US" dirty="0" smtClean="0"/>
-              <a:t>등</a:t>
-            </a:r>
-            <a:r>
-              <a:rPr lang="en-US" altLang="ko-KR" dirty="0" smtClean="0"/>
-              <a:t>)</a:t>
-            </a:r>
-            <a:r>
-              <a:rPr lang="ko-KR" altLang="en-US" dirty="0" smtClean="0"/>
-              <a:t>을 확인할 수 있어요</a:t>
-            </a:r>
-            <a:r>
-              <a:rPr lang="en-US" altLang="ko-KR" dirty="0" smtClean="0"/>
-              <a:t>.</a:t>
-            </a:r>
-          </a:p>
-          <a:p>
-            <a:endParaRPr lang="en-US" altLang="ko-KR" dirty="0" smtClean="0"/>
-          </a:p>
-          <a:p>
-            <a:r>
-              <a:rPr lang="en-US" altLang="ko-KR" dirty="0" smtClean="0"/>
-              <a:t>fetch   </a:t>
-            </a:r>
-            <a:r>
-              <a:rPr lang="en-US" altLang="ko-KR" b="1" dirty="0" smtClean="0"/>
-              <a:t>GitHub</a:t>
-            </a:r>
-            <a:r>
-              <a:rPr lang="ko-KR" altLang="en-US" b="1" dirty="0" smtClean="0"/>
-              <a:t>에서 내 로컬로 가져오는 용도</a:t>
-            </a:r>
-            <a:r>
-              <a:rPr lang="ko-KR" altLang="en-US" dirty="0" smtClean="0"/>
-              <a:t> </a:t>
-            </a:r>
-            <a:r>
-              <a:rPr lang="en-US" altLang="ko-KR" dirty="0" smtClean="0"/>
-              <a:t>(</a:t>
-            </a:r>
-            <a:r>
-              <a:rPr lang="ko-KR" altLang="en-US" dirty="0" smtClean="0"/>
-              <a:t>예</a:t>
-            </a:r>
-            <a:r>
-              <a:rPr lang="en-US" altLang="ko-KR" dirty="0" smtClean="0"/>
-              <a:t>: </a:t>
-            </a:r>
+              <a:t> commit -m "Add new_file.txt"</a:t>
+            </a:r>
+          </a:p>
+          <a:p>
             <a:r>
               <a:rPr lang="en-US" altLang="ko-KR" dirty="0" err="1" smtClean="0"/>
               <a:t>git</a:t>
             </a:r>
             <a:r>
               <a:rPr lang="en-US" altLang="ko-KR" dirty="0" smtClean="0"/>
-              <a:t> pull)</a:t>
-            </a:r>
-          </a:p>
-          <a:p>
-            <a:r>
-              <a:rPr lang="en-US" altLang="ko-KR" dirty="0" smtClean="0"/>
-              <a:t>push   </a:t>
-            </a:r>
-            <a:r>
-              <a:rPr lang="ko-KR" altLang="en-US" b="1" dirty="0" smtClean="0"/>
-              <a:t>내 로컬에서 </a:t>
-            </a:r>
-            <a:r>
-              <a:rPr lang="en-US" altLang="ko-KR" b="1" dirty="0" smtClean="0"/>
-              <a:t>GitHub</a:t>
-            </a:r>
-            <a:r>
-              <a:rPr lang="ko-KR" altLang="en-US" b="1" dirty="0" smtClean="0"/>
-              <a:t>로 올리는 용도</a:t>
-            </a:r>
-            <a:r>
-              <a:rPr lang="ko-KR" altLang="en-US" dirty="0" smtClean="0"/>
-              <a:t> </a:t>
-            </a:r>
-            <a:r>
-              <a:rPr lang="en-US" altLang="ko-KR" dirty="0" smtClean="0"/>
-              <a:t>(</a:t>
-            </a:r>
-            <a:r>
-              <a:rPr lang="ko-KR" altLang="en-US" dirty="0" smtClean="0"/>
-              <a:t>예</a:t>
-            </a:r>
-            <a:r>
-              <a:rPr lang="en-US" altLang="ko-KR" dirty="0" smtClean="0"/>
-              <a:t>: </a:t>
-            </a:r>
-            <a:r>
-              <a:rPr lang="en-US" altLang="ko-KR" dirty="0" err="1" smtClean="0"/>
-              <a:t>git</a:t>
-            </a:r>
-            <a:r>
-              <a:rPr lang="en-US" altLang="ko-KR" dirty="0" smtClean="0"/>
-              <a:t> push)</a:t>
-            </a:r>
-          </a:p>
-          <a:p>
-            <a:r>
-              <a:rPr lang="ko-KR" altLang="en-US" dirty="0" smtClean="0"/>
-              <a:t>보통은 두 주소가 </a:t>
-            </a:r>
-            <a:r>
-              <a:rPr lang="ko-KR" altLang="en-US" b="1" dirty="0" smtClean="0"/>
-              <a:t>같지만</a:t>
-            </a:r>
-            <a:r>
-              <a:rPr lang="en-US" altLang="ko-KR" dirty="0" smtClean="0"/>
-              <a:t>,</a:t>
-            </a:r>
-            <a:br>
-              <a:rPr lang="en-US" altLang="ko-KR" dirty="0" smtClean="0"/>
-            </a:br>
-            <a:r>
-              <a:rPr lang="en-US" altLang="ko-KR" dirty="0" err="1" smtClean="0"/>
-              <a:t>Git</a:t>
-            </a:r>
-            <a:r>
-              <a:rPr lang="ko-KR" altLang="en-US" dirty="0" smtClean="0"/>
-              <a:t>은 </a:t>
-            </a:r>
-            <a:r>
-              <a:rPr lang="en-US" altLang="ko-KR" b="1" dirty="0" smtClean="0"/>
-              <a:t>fetch</a:t>
-            </a:r>
-            <a:r>
-              <a:rPr lang="ko-KR" altLang="en-US" b="1" dirty="0" smtClean="0"/>
-              <a:t>용 </a:t>
-            </a:r>
-            <a:r>
-              <a:rPr lang="en-US" altLang="ko-KR" b="1" dirty="0" smtClean="0"/>
-              <a:t>URL</a:t>
-            </a:r>
-            <a:r>
-              <a:rPr lang="ko-KR" altLang="en-US" dirty="0" smtClean="0"/>
-              <a:t>과 </a:t>
-            </a:r>
-            <a:r>
-              <a:rPr lang="en-US" altLang="ko-KR" b="1" dirty="0" smtClean="0"/>
-              <a:t>push</a:t>
-            </a:r>
-            <a:r>
-              <a:rPr lang="ko-KR" altLang="en-US" b="1" dirty="0" smtClean="0"/>
-              <a:t>용 </a:t>
-            </a:r>
-            <a:r>
-              <a:rPr lang="en-US" altLang="ko-KR" b="1" dirty="0" smtClean="0"/>
-              <a:t>URL</a:t>
-            </a:r>
-            <a:r>
-              <a:rPr lang="ko-KR" altLang="en-US" dirty="0" smtClean="0"/>
-              <a:t>을 </a:t>
-            </a:r>
-            <a:r>
-              <a:rPr lang="ko-KR" altLang="en-US" b="1" dirty="0" smtClean="0"/>
-              <a:t>따로 설정할 수 있는 기능</a:t>
-            </a:r>
-            <a:r>
-              <a:rPr lang="ko-KR" altLang="en-US" dirty="0" smtClean="0"/>
-              <a:t>을 지원합니다</a:t>
-            </a:r>
-            <a:r>
-              <a:rPr lang="en-US" altLang="ko-KR" dirty="0" smtClean="0"/>
-              <a:t>.</a:t>
-            </a:r>
-            <a:endParaRPr lang="ko-KR" altLang="en-US" dirty="0" smtClean="0"/>
-          </a:p>
-          <a:p>
-            <a:endParaRPr lang="ko-KR" altLang="en-US" dirty="0"/>
+              <a:t> push origin main</a:t>
+            </a:r>
+          </a:p>
+          <a:p>
+            <a:endParaRPr lang="en-US" altLang="ko-KR" dirty="0"/>
           </a:p>
         </p:txBody>
       </p:sp>
@@ -9058,7 +8712,7 @@
           <a:p>
             <a:fld id="{80927ADC-3725-4C53-90DA-A7CB1E9F9FDE}" type="slidenum">
               <a:rPr lang="ko-KR" altLang="en-US" smtClean="0"/>
-              <a:t>61</a:t>
+              <a:t>59</a:t>
             </a:fld>
             <a:endParaRPr lang="ko-KR" altLang="en-US"/>
           </a:p>
@@ -9067,7 +8721,7 @@
     </p:spTree>
     <p:extLst>
       <p:ext uri="{BB962C8B-B14F-4D97-AF65-F5344CB8AC3E}">
-        <p14:creationId xmlns:p14="http://schemas.microsoft.com/office/powerpoint/2010/main" val="1149557836"/>
+        <p14:creationId xmlns:p14="http://schemas.microsoft.com/office/powerpoint/2010/main" val="840810868"/>
       </p:ext>
     </p:extLst>
   </p:cSld>
@@ -9123,27 +8777,489 @@
           <a:p>
             <a:r>
               <a:rPr lang="ko-KR" altLang="en-US" b="1" dirty="0" smtClean="0"/>
-              <a:t>로컬과 원격 저장소가 서로 다른 </a:t>
+              <a:t>✅ </a:t>
+            </a:r>
+            <a:r>
+              <a:rPr lang="en-US" altLang="ko-KR" b="1" dirty="0" smtClean="0"/>
+              <a:t>origin</a:t>
+            </a:r>
+            <a:r>
+              <a:rPr lang="ko-KR" altLang="en-US" b="1" dirty="0" smtClean="0"/>
+              <a:t>이란</a:t>
+            </a:r>
+            <a:r>
+              <a:rPr lang="en-US" altLang="ko-KR" b="1" dirty="0" smtClean="0"/>
+              <a:t>?</a:t>
+            </a:r>
+          </a:p>
+          <a:p>
+            <a:r>
+              <a:rPr lang="ko-KR" altLang="en-US" b="1" dirty="0" smtClean="0"/>
+              <a:t>원격 저장소</a:t>
+            </a:r>
+            <a:r>
+              <a:rPr lang="en-US" altLang="ko-KR" b="1" dirty="0" smtClean="0"/>
+              <a:t>(Remote Repository)</a:t>
+            </a:r>
+            <a:r>
+              <a:rPr lang="ko-KR" altLang="en-US" b="1" dirty="0" smtClean="0"/>
+              <a:t>의 </a:t>
             </a:r>
             <a:r>
               <a:rPr lang="en-US" altLang="ko-KR" b="1" dirty="0" smtClean="0"/>
               <a:t>"</a:t>
             </a:r>
             <a:r>
+              <a:rPr lang="ko-KR" altLang="en-US" b="1" dirty="0" smtClean="0"/>
+              <a:t>별명</a:t>
+            </a:r>
+            <a:r>
+              <a:rPr lang="en-US" altLang="ko-KR" b="1" dirty="0" smtClean="0"/>
+              <a:t>(</a:t>
+            </a:r>
+            <a:r>
+              <a:rPr lang="ko-KR" altLang="en-US" b="1" dirty="0" smtClean="0"/>
+              <a:t>이름</a:t>
+            </a:r>
+            <a:r>
+              <a:rPr lang="en-US" altLang="ko-KR" b="1" dirty="0" smtClean="0"/>
+              <a:t>)"</a:t>
+            </a:r>
+            <a:r>
+              <a:rPr lang="ko-KR" altLang="en-US" b="1" dirty="0" smtClean="0"/>
+              <a:t>입니다</a:t>
+            </a:r>
+            <a:r>
+              <a:rPr lang="en-US" altLang="ko-KR" b="1" dirty="0" smtClean="0"/>
+              <a:t>.</a:t>
+            </a:r>
+            <a:endParaRPr lang="ko-KR" altLang="en-US" dirty="0" smtClean="0"/>
+          </a:p>
+          <a:p>
+            <a:r>
+              <a:rPr lang="en-US" altLang="ko-KR" dirty="0" err="1" smtClean="0"/>
+              <a:t>Git</a:t>
+            </a:r>
+            <a:r>
+              <a:rPr lang="ko-KR" altLang="en-US" dirty="0" smtClean="0"/>
+              <a:t>에서 원격 저장소</a:t>
+            </a:r>
+            <a:r>
+              <a:rPr lang="en-US" altLang="ko-KR" dirty="0" smtClean="0"/>
+              <a:t>(</a:t>
+            </a:r>
+            <a:r>
+              <a:rPr lang="ko-KR" altLang="en-US" dirty="0" smtClean="0"/>
+              <a:t>예</a:t>
+            </a:r>
+            <a:r>
+              <a:rPr lang="en-US" altLang="ko-KR" dirty="0" smtClean="0"/>
+              <a:t>: GitHub</a:t>
+            </a:r>
+            <a:r>
+              <a:rPr lang="ko-KR" altLang="en-US" dirty="0" smtClean="0"/>
+              <a:t>에 있는 저장소</a:t>
+            </a:r>
+            <a:r>
+              <a:rPr lang="en-US" altLang="ko-KR" dirty="0" smtClean="0"/>
+              <a:t>)</a:t>
+            </a:r>
+            <a:r>
+              <a:rPr lang="ko-KR" altLang="en-US" dirty="0" smtClean="0"/>
+              <a:t>를 연결할 때</a:t>
+            </a:r>
+            <a:br>
+              <a:rPr lang="ko-KR" altLang="en-US" dirty="0" smtClean="0"/>
+            </a:br>
+            <a:r>
+              <a:rPr lang="ko-KR" altLang="en-US" dirty="0" smtClean="0"/>
+              <a:t>매번 긴 주소를 쓰기 불편하니까</a:t>
+            </a:r>
+            <a:r>
+              <a:rPr lang="en-US" altLang="ko-KR" dirty="0" smtClean="0"/>
+              <a:t>,</a:t>
+            </a:r>
+            <a:br>
+              <a:rPr lang="en-US" altLang="ko-KR" dirty="0" smtClean="0"/>
+            </a:br>
+            <a:r>
+              <a:rPr lang="ko-KR" altLang="en-US" b="1" dirty="0" smtClean="0"/>
+              <a:t>짧은 별명을 하나 붙여두는 것</a:t>
+            </a:r>
+            <a:r>
+              <a:rPr lang="ko-KR" altLang="en-US" dirty="0" smtClean="0"/>
+              <a:t>이에요</a:t>
+            </a:r>
+            <a:r>
+              <a:rPr lang="en-US" altLang="ko-KR" dirty="0" smtClean="0"/>
+              <a:t>.</a:t>
+            </a:r>
+          </a:p>
+          <a:p>
+            <a:endParaRPr lang="en-US" altLang="ko-KR" dirty="0" smtClean="0"/>
+          </a:p>
+          <a:p>
+            <a:r>
+              <a:rPr lang="ko-KR" altLang="en-US" b="1" dirty="0" smtClean="0"/>
+              <a:t>✅ 그러면 </a:t>
+            </a:r>
+            <a:r>
+              <a:rPr lang="en-US" altLang="ko-KR" b="1" dirty="0" smtClean="0"/>
+              <a:t>origin</a:t>
+            </a:r>
+            <a:r>
+              <a:rPr lang="ko-KR" altLang="en-US" b="1" dirty="0" smtClean="0"/>
+              <a:t>은 뭘 의미하나요</a:t>
+            </a:r>
+            <a:r>
+              <a:rPr lang="en-US" altLang="ko-KR" b="1" dirty="0" smtClean="0"/>
+              <a:t>?</a:t>
+            </a:r>
+          </a:p>
+          <a:p>
+            <a:r>
+              <a:rPr lang="en-US" altLang="ko-KR" dirty="0" smtClean="0"/>
+              <a:t>"</a:t>
+            </a:r>
+            <a:r>
+              <a:rPr lang="ko-KR" altLang="en-US" dirty="0" smtClean="0"/>
+              <a:t>이 </a:t>
+            </a:r>
+            <a:r>
+              <a:rPr lang="en-US" altLang="ko-KR" dirty="0" smtClean="0"/>
+              <a:t>GitHub </a:t>
+            </a:r>
+            <a:r>
+              <a:rPr lang="ko-KR" altLang="en-US" dirty="0" smtClean="0"/>
+              <a:t>주소를 </a:t>
+            </a:r>
+            <a:r>
+              <a:rPr lang="en-US" altLang="ko-KR" dirty="0" smtClean="0"/>
+              <a:t>origin</a:t>
+            </a:r>
+            <a:r>
+              <a:rPr lang="ko-KR" altLang="en-US" dirty="0" smtClean="0"/>
+              <a:t>이라고 부르자</a:t>
+            </a:r>
+            <a:r>
+              <a:rPr lang="en-US" altLang="ko-KR" dirty="0" smtClean="0"/>
+              <a:t>" </a:t>
+            </a:r>
+            <a:r>
+              <a:rPr lang="ko-KR" altLang="en-US" dirty="0" smtClean="0"/>
+              <a:t>라고 약속하는 거예요</a:t>
+            </a:r>
+            <a:r>
+              <a:rPr lang="en-US" altLang="ko-KR" dirty="0" smtClean="0"/>
+              <a:t>.</a:t>
+            </a:r>
+          </a:p>
+          <a:p>
+            <a:endParaRPr lang="en-US" altLang="ko-KR" dirty="0" smtClean="0"/>
+          </a:p>
+          <a:p>
+            <a:r>
+              <a:rPr lang="ko-KR" altLang="en-US" b="1" dirty="0" smtClean="0"/>
+              <a:t>✅ 꼭 이름이 </a:t>
+            </a:r>
+            <a:r>
+              <a:rPr lang="en-US" altLang="ko-KR" b="1" dirty="0" smtClean="0"/>
+              <a:t>origin</a:t>
+            </a:r>
+            <a:r>
+              <a:rPr lang="ko-KR" altLang="en-US" b="1" dirty="0" smtClean="0"/>
+              <a:t>이어야 하나요</a:t>
+            </a:r>
+            <a:r>
+              <a:rPr lang="en-US" altLang="ko-KR" b="1" dirty="0" smtClean="0"/>
+              <a:t>?</a:t>
+            </a:r>
+          </a:p>
+          <a:p>
+            <a:r>
+              <a:rPr lang="ko-KR" altLang="en-US" dirty="0" smtClean="0"/>
+              <a:t>❌ 아닙니다</a:t>
+            </a:r>
+            <a:r>
+              <a:rPr lang="en-US" altLang="ko-KR" dirty="0" smtClean="0"/>
+              <a:t>!</a:t>
+            </a:r>
+            <a:br>
+              <a:rPr lang="en-US" altLang="ko-KR" dirty="0" smtClean="0"/>
+            </a:br>
+            <a:r>
+              <a:rPr lang="ko-KR" altLang="en-US" dirty="0" smtClean="0"/>
+              <a:t>원한다면 다른 이름도 붙일 수 있습니다</a:t>
+            </a:r>
+            <a:r>
+              <a:rPr lang="en-US" altLang="ko-KR" dirty="0" smtClean="0"/>
+              <a:t>.</a:t>
+            </a:r>
+          </a:p>
+          <a:p>
+            <a:r>
+              <a:rPr lang="ko-KR" altLang="en-US" dirty="0" smtClean="0"/>
+              <a:t>예</a:t>
+            </a:r>
+            <a:r>
+              <a:rPr lang="en-US" altLang="ko-KR" dirty="0" smtClean="0"/>
+              <a:t>:</a:t>
+            </a:r>
+          </a:p>
+          <a:p>
+            <a:r>
+              <a:rPr lang="en-US" altLang="ko-KR" dirty="0" err="1" smtClean="0"/>
+              <a:t>git</a:t>
+            </a:r>
+            <a:r>
+              <a:rPr lang="en-US" altLang="ko-KR" dirty="0" smtClean="0"/>
+              <a:t> remote add </a:t>
+            </a:r>
+            <a:r>
+              <a:rPr lang="en-US" altLang="ko-KR" dirty="0" err="1" smtClean="0"/>
+              <a:t>github</a:t>
+            </a:r>
+            <a:r>
+              <a:rPr lang="en-US" altLang="ko-KR" dirty="0" smtClean="0"/>
+              <a:t> https://github.com/Damon0527/TestSF5th.git </a:t>
+            </a:r>
+          </a:p>
+          <a:p>
+            <a:r>
+              <a:rPr lang="en-US" altLang="ko-KR" dirty="0" err="1" smtClean="0"/>
+              <a:t>git</a:t>
+            </a:r>
+            <a:r>
+              <a:rPr lang="en-US" altLang="ko-KR" dirty="0" smtClean="0"/>
+              <a:t> push </a:t>
+            </a:r>
+            <a:r>
+              <a:rPr lang="en-US" altLang="ko-KR" dirty="0" err="1" smtClean="0"/>
+              <a:t>github</a:t>
+            </a:r>
+            <a:r>
+              <a:rPr lang="en-US" altLang="ko-KR" dirty="0" smtClean="0"/>
+              <a:t> main </a:t>
+            </a:r>
+          </a:p>
+          <a:p>
+            <a:r>
+              <a:rPr lang="ko-KR" altLang="en-US" dirty="0" smtClean="0"/>
+              <a:t>하지만 실무에서는 거의 다 </a:t>
+            </a:r>
+            <a:r>
+              <a:rPr lang="en-US" altLang="ko-KR" dirty="0" smtClean="0"/>
+              <a:t>origin</a:t>
+            </a:r>
+            <a:r>
+              <a:rPr lang="ko-KR" altLang="en-US" dirty="0" smtClean="0"/>
+              <a:t>을 쓰는 것이 </a:t>
+            </a:r>
+            <a:r>
               <a:rPr lang="ko-KR" altLang="en-US" b="1" dirty="0" err="1" smtClean="0"/>
-              <a:t>커밋</a:t>
+              <a:t>관례이자</a:t>
             </a:r>
             <a:r>
               <a:rPr lang="ko-KR" altLang="en-US" b="1" dirty="0" smtClean="0"/>
-              <a:t> 이력</a:t>
+              <a:t> 표준처럼 자리잡고</a:t>
+            </a:r>
+            <a:r>
+              <a:rPr lang="ko-KR" altLang="en-US" dirty="0" smtClean="0"/>
+              <a:t> 있어서</a:t>
+            </a:r>
+            <a:br>
+              <a:rPr lang="ko-KR" altLang="en-US" dirty="0" smtClean="0"/>
+            </a:br>
+            <a:r>
+              <a:rPr lang="ko-KR" altLang="en-US" dirty="0" smtClean="0"/>
+              <a:t>학생들에게도 기본은 </a:t>
+            </a:r>
+            <a:r>
+              <a:rPr lang="en-US" altLang="ko-KR" dirty="0" smtClean="0"/>
+              <a:t>origin</a:t>
+            </a:r>
+            <a:r>
+              <a:rPr lang="ko-KR" altLang="en-US" dirty="0" smtClean="0"/>
+              <a:t>으로 알려주는 것이 좋습니다</a:t>
+            </a:r>
+            <a:r>
+              <a:rPr lang="en-US" altLang="ko-KR" dirty="0" smtClean="0"/>
+              <a:t>.</a:t>
+            </a:r>
+          </a:p>
+          <a:p>
+            <a:endParaRPr lang="en-US" altLang="ko-KR" dirty="0" smtClean="0"/>
+          </a:p>
+          <a:p>
+            <a:r>
+              <a:rPr lang="ko-KR" altLang="en-US" b="1" dirty="0" smtClean="0"/>
+              <a:t>✅ 확인하고 싶다면</a:t>
             </a:r>
             <a:r>
               <a:rPr lang="en-US" altLang="ko-KR" b="1" dirty="0" smtClean="0"/>
-              <a:t>"</a:t>
+              <a:t>? </a:t>
+            </a:r>
+            <a:r>
+              <a:rPr lang="en-US" altLang="ko-KR" dirty="0" err="1" smtClean="0"/>
+              <a:t>git</a:t>
+            </a:r>
+            <a:r>
+              <a:rPr lang="en-US" altLang="ko-KR" dirty="0" smtClean="0"/>
+              <a:t> remote -v </a:t>
+            </a:r>
+          </a:p>
+          <a:p>
+            <a:r>
+              <a:rPr lang="en-US" altLang="ko-KR" dirty="0" smtClean="0"/>
+              <a:t>→ </a:t>
+            </a:r>
+            <a:r>
+              <a:rPr lang="ko-KR" altLang="en-US" dirty="0" smtClean="0"/>
+              <a:t>연결된 원격 저장소 목록과 별명</a:t>
+            </a:r>
+            <a:r>
+              <a:rPr lang="en-US" altLang="ko-KR" dirty="0" smtClean="0"/>
+              <a:t>(origin </a:t>
+            </a:r>
+            <a:r>
+              <a:rPr lang="ko-KR" altLang="en-US" dirty="0" smtClean="0"/>
+              <a:t>등</a:t>
+            </a:r>
+            <a:r>
+              <a:rPr lang="en-US" altLang="ko-KR" dirty="0" smtClean="0"/>
+              <a:t>)</a:t>
+            </a:r>
+            <a:r>
+              <a:rPr lang="ko-KR" altLang="en-US" dirty="0" smtClean="0"/>
+              <a:t>을 확인할 수 있어요</a:t>
+            </a:r>
+            <a:r>
+              <a:rPr lang="en-US" altLang="ko-KR" dirty="0" smtClean="0"/>
+              <a:t>.</a:t>
+            </a:r>
+          </a:p>
+          <a:p>
+            <a:endParaRPr lang="en-US" altLang="ko-KR" dirty="0" smtClean="0"/>
+          </a:p>
+          <a:p>
+            <a:r>
+              <a:rPr lang="en-US" altLang="ko-KR" dirty="0" smtClean="0"/>
+              <a:t>fetch   </a:t>
+            </a:r>
+            <a:r>
+              <a:rPr lang="en-US" altLang="ko-KR" b="1" dirty="0" smtClean="0"/>
+              <a:t>GitHub</a:t>
             </a:r>
             <a:r>
               <a:rPr lang="ko-KR" altLang="en-US" b="1" dirty="0" smtClean="0"/>
-              <a:t>을 가지고 있으면 </a:t>
+              <a:t>에서 내 로컬로 가져오는 용도</a:t>
+            </a:r>
+            <a:r>
+              <a:rPr lang="ko-KR" altLang="en-US" dirty="0" smtClean="0"/>
+              <a:t> </a:t>
+            </a:r>
+            <a:r>
+              <a:rPr lang="en-US" altLang="ko-KR" dirty="0" smtClean="0"/>
+              <a:t>(</a:t>
+            </a:r>
+            <a:r>
+              <a:rPr lang="ko-KR" altLang="en-US" dirty="0" smtClean="0"/>
+              <a:t>예</a:t>
+            </a:r>
+            <a:r>
+              <a:rPr lang="en-US" altLang="ko-KR" dirty="0" smtClean="0"/>
+              <a:t>: </a:t>
+            </a:r>
+            <a:r>
+              <a:rPr lang="en-US" altLang="ko-KR" dirty="0" err="1" smtClean="0"/>
+              <a:t>git</a:t>
+            </a:r>
+            <a:r>
+              <a:rPr lang="en-US" altLang="ko-KR" dirty="0" smtClean="0"/>
+              <a:t> pull)</a:t>
+            </a:r>
+          </a:p>
+          <a:p>
+            <a:r>
+              <a:rPr lang="en-US" altLang="ko-KR" dirty="0" smtClean="0"/>
+              <a:t>push   </a:t>
+            </a:r>
+            <a:r>
+              <a:rPr lang="ko-KR" altLang="en-US" b="1" dirty="0" smtClean="0"/>
+              <a:t>내 로컬에서 </a:t>
+            </a:r>
+            <a:r>
+              <a:rPr lang="en-US" altLang="ko-KR" b="1" dirty="0" smtClean="0"/>
+              <a:t>GitHub</a:t>
+            </a:r>
+            <a:r>
+              <a:rPr lang="ko-KR" altLang="en-US" b="1" dirty="0" smtClean="0"/>
+              <a:t>로 올리는 용도</a:t>
+            </a:r>
+            <a:r>
+              <a:rPr lang="ko-KR" altLang="en-US" dirty="0" smtClean="0"/>
+              <a:t> </a:t>
+            </a:r>
+            <a:r>
+              <a:rPr lang="en-US" altLang="ko-KR" dirty="0" smtClean="0"/>
+              <a:t>(</a:t>
+            </a:r>
+            <a:r>
+              <a:rPr lang="ko-KR" altLang="en-US" dirty="0" smtClean="0"/>
+              <a:t>예</a:t>
+            </a:r>
+            <a:r>
+              <a:rPr lang="en-US" altLang="ko-KR" dirty="0" smtClean="0"/>
+              <a:t>: </a:t>
+            </a:r>
+            <a:r>
+              <a:rPr lang="en-US" altLang="ko-KR" dirty="0" err="1" smtClean="0"/>
+              <a:t>git</a:t>
+            </a:r>
+            <a:r>
+              <a:rPr lang="en-US" altLang="ko-KR" dirty="0" smtClean="0"/>
+              <a:t> push)</a:t>
+            </a:r>
+          </a:p>
+          <a:p>
+            <a:r>
+              <a:rPr lang="ko-KR" altLang="en-US" dirty="0" smtClean="0"/>
+              <a:t>보통은 두 주소가 </a:t>
+            </a:r>
+            <a:r>
+              <a:rPr lang="ko-KR" altLang="en-US" b="1" dirty="0" smtClean="0"/>
+              <a:t>같지만</a:t>
+            </a:r>
+            <a:r>
+              <a:rPr lang="en-US" altLang="ko-KR" dirty="0" smtClean="0"/>
+              <a:t>,</a:t>
+            </a:r>
+            <a:br>
+              <a:rPr lang="en-US" altLang="ko-KR" dirty="0" smtClean="0"/>
+            </a:br>
+            <a:r>
+              <a:rPr lang="en-US" altLang="ko-KR" dirty="0" err="1" smtClean="0"/>
+              <a:t>Git</a:t>
+            </a:r>
+            <a:r>
+              <a:rPr lang="ko-KR" altLang="en-US" dirty="0" smtClean="0"/>
+              <a:t>은 </a:t>
+            </a:r>
+            <a:r>
+              <a:rPr lang="en-US" altLang="ko-KR" b="1" dirty="0" smtClean="0"/>
+              <a:t>fetch</a:t>
+            </a:r>
+            <a:r>
+              <a:rPr lang="ko-KR" altLang="en-US" b="1" dirty="0" smtClean="0"/>
+              <a:t>용 </a:t>
+            </a:r>
+            <a:r>
+              <a:rPr lang="en-US" altLang="ko-KR" b="1" dirty="0" smtClean="0"/>
+              <a:t>URL</a:t>
+            </a:r>
+            <a:r>
+              <a:rPr lang="ko-KR" altLang="en-US" dirty="0" smtClean="0"/>
+              <a:t>과 </a:t>
             </a:r>
             <a:r>
               <a:rPr lang="en-US" altLang="ko-KR" b="1" dirty="0" smtClean="0"/>
@@ -9151,197 +9267,29 @@
             </a:r>
             <a:r>
               <a:rPr lang="ko-KR" altLang="en-US" b="1" dirty="0" smtClean="0"/>
-              <a:t>가 안 된다</a:t>
+              <a:t>용 </a:t>
             </a:r>
             <a:r>
               <a:rPr lang="en-US" altLang="ko-KR" b="1" dirty="0" smtClean="0"/>
-              <a:t>!</a:t>
-            </a:r>
-          </a:p>
-          <a:p>
-            <a:r>
-              <a:rPr lang="en-US" altLang="ko-KR" dirty="0" err="1" smtClean="0"/>
-              <a:t>Git</a:t>
+              <a:t>URL</a:t>
             </a:r>
             <a:r>
               <a:rPr lang="ko-KR" altLang="en-US" dirty="0" smtClean="0"/>
-              <a:t>은 </a:t>
-            </a:r>
-            <a:r>
-              <a:rPr lang="en-US" altLang="ko-KR" dirty="0" smtClean="0"/>
-              <a:t>push</a:t>
+              <a:t>을 </a:t>
+            </a:r>
+            <a:r>
+              <a:rPr lang="ko-KR" altLang="en-US" b="1" dirty="0" smtClean="0"/>
+              <a:t>따로 설정할 수 있는 기능</a:t>
             </a:r>
             <a:r>
               <a:rPr lang="ko-KR" altLang="en-US" dirty="0" smtClean="0"/>
-              <a:t>할 때</a:t>
-            </a:r>
-            <a:r>
-              <a:rPr lang="en-US" altLang="ko-KR" dirty="0" smtClean="0"/>
-              <a:t>, </a:t>
-            </a:r>
-            <a:r>
-              <a:rPr lang="ko-KR" altLang="en-US" dirty="0" smtClean="0"/>
-              <a:t>로컬과 원격 저장소의 **</a:t>
-            </a:r>
-            <a:r>
-              <a:rPr lang="ko-KR" altLang="en-US" dirty="0" err="1" smtClean="0"/>
-              <a:t>히스토리</a:t>
-            </a:r>
-            <a:r>
-              <a:rPr lang="en-US" altLang="ko-KR" dirty="0" smtClean="0"/>
-              <a:t>(</a:t>
-            </a:r>
-            <a:r>
-              <a:rPr lang="ko-KR" altLang="en-US" dirty="0" err="1" smtClean="0"/>
-              <a:t>커밋</a:t>
-            </a:r>
-            <a:r>
-              <a:rPr lang="ko-KR" altLang="en-US" dirty="0" smtClean="0"/>
-              <a:t> 흐름</a:t>
-            </a:r>
-            <a:r>
-              <a:rPr lang="en-US" altLang="ko-KR" dirty="0" smtClean="0"/>
-              <a:t>)**</a:t>
-            </a:r>
-            <a:r>
-              <a:rPr lang="ko-KR" altLang="en-US" dirty="0" smtClean="0"/>
-              <a:t>를 비교합니다</a:t>
+              <a:t>을 지원합니다</a:t>
             </a:r>
             <a:r>
               <a:rPr lang="en-US" altLang="ko-KR" dirty="0" smtClean="0"/>
               <a:t>.</a:t>
             </a:r>
-          </a:p>
-          <a:p>
-            <a:r>
-              <a:rPr lang="ko-KR" altLang="en-US" dirty="0" smtClean="0"/>
-              <a:t>서로 </a:t>
-            </a:r>
-            <a:r>
-              <a:rPr lang="ko-KR" altLang="en-US" b="1" dirty="0" smtClean="0"/>
-              <a:t>공통된 </a:t>
-            </a:r>
-            <a:r>
-              <a:rPr lang="ko-KR" altLang="en-US" b="1" dirty="0" err="1" smtClean="0"/>
-              <a:t>커밋</a:t>
-            </a:r>
-            <a:r>
-              <a:rPr lang="ko-KR" altLang="en-US" b="1" dirty="0" smtClean="0"/>
-              <a:t> 지점이 없으면</a:t>
-            </a:r>
-            <a:r>
-              <a:rPr lang="en-US" altLang="ko-KR" dirty="0" smtClean="0"/>
-              <a:t>, </a:t>
-            </a:r>
-            <a:r>
-              <a:rPr lang="en-US" altLang="ko-KR" dirty="0" err="1" smtClean="0"/>
-              <a:t>Git</a:t>
-            </a:r>
-            <a:r>
-              <a:rPr lang="ko-KR" altLang="en-US" dirty="0" smtClean="0"/>
-              <a:t>은 </a:t>
-            </a:r>
-            <a:r>
-              <a:rPr lang="en-US" altLang="ko-KR" dirty="0" smtClean="0"/>
-              <a:t>"</a:t>
-            </a:r>
-            <a:r>
-              <a:rPr lang="ko-KR" altLang="en-US" dirty="0" smtClean="0"/>
-              <a:t>이건 완전히 다른 이력</a:t>
-            </a:r>
-            <a:r>
-              <a:rPr lang="en-US" altLang="ko-KR" dirty="0" smtClean="0"/>
-              <a:t>"</a:t>
-            </a:r>
-            <a:r>
-              <a:rPr lang="ko-KR" altLang="en-US" dirty="0" smtClean="0"/>
-              <a:t>이라고 판단해서 </a:t>
-            </a:r>
-            <a:r>
-              <a:rPr lang="en-US" altLang="ko-KR" dirty="0" smtClean="0"/>
-              <a:t>push</a:t>
-            </a:r>
-            <a:r>
-              <a:rPr lang="ko-KR" altLang="en-US" dirty="0" smtClean="0"/>
-              <a:t>를 거부합니다</a:t>
-            </a:r>
-            <a:r>
-              <a:rPr lang="en-US" altLang="ko-KR" dirty="0" smtClean="0"/>
-              <a:t>.</a:t>
-            </a:r>
-          </a:p>
-          <a:p>
-            <a:endParaRPr lang="en-US" altLang="ko-KR" dirty="0" smtClean="0"/>
-          </a:p>
-          <a:p>
-            <a:r>
-              <a:rPr lang="ko-KR" altLang="en-US" dirty="0" smtClean="0"/>
-              <a:t>강제로 </a:t>
-            </a:r>
-            <a:r>
-              <a:rPr lang="ko-KR" altLang="en-US" b="1" dirty="0" smtClean="0"/>
-              <a:t>내 로컬 저장소 상태를 원격 저장소에 덮어쓰기</a:t>
-            </a:r>
-            <a:r>
-              <a:rPr lang="ko-KR" altLang="en-US" dirty="0" smtClean="0"/>
-              <a:t> 합니다</a:t>
-            </a:r>
-            <a:r>
-              <a:rPr lang="en-US" altLang="ko-KR" dirty="0" smtClean="0"/>
-              <a:t>.</a:t>
-            </a:r>
-          </a:p>
-          <a:p>
-            <a:r>
-              <a:rPr lang="ko-KR" altLang="en-US" dirty="0" smtClean="0"/>
-              <a:t>즉</a:t>
-            </a:r>
-            <a:r>
-              <a:rPr lang="en-US" altLang="ko-KR" dirty="0" smtClean="0"/>
-              <a:t>, </a:t>
-            </a:r>
-            <a:r>
-              <a:rPr lang="ko-KR" altLang="en-US" dirty="0" smtClean="0"/>
-              <a:t>원격 저장소에 있던 기존 </a:t>
-            </a:r>
-            <a:r>
-              <a:rPr lang="ko-KR" altLang="en-US" dirty="0" err="1" smtClean="0"/>
-              <a:t>히스토리는</a:t>
-            </a:r>
-            <a:r>
-              <a:rPr lang="ko-KR" altLang="en-US" dirty="0" smtClean="0"/>
-              <a:t> </a:t>
-            </a:r>
-            <a:r>
-              <a:rPr lang="ko-KR" altLang="en-US" b="1" dirty="0" smtClean="0"/>
-              <a:t>모두 사라지고 내 것만 남음</a:t>
-            </a:r>
-            <a:r>
-              <a:rPr lang="en-US" altLang="ko-KR" b="1" dirty="0" smtClean="0"/>
-              <a:t>!</a:t>
-            </a:r>
-            <a:r>
-              <a:rPr lang="ko-KR" altLang="en-US" dirty="0" smtClean="0"/>
-              <a:t> 💣</a:t>
-            </a:r>
-          </a:p>
-          <a:p>
-            <a:r>
-              <a:rPr lang="ko-KR" altLang="en-US" dirty="0" smtClean="0"/>
-              <a:t>✔ 주의</a:t>
-            </a:r>
-            <a:r>
-              <a:rPr lang="en-US" altLang="ko-KR" dirty="0" smtClean="0"/>
-              <a:t>: </a:t>
-            </a:r>
-            <a:r>
-              <a:rPr lang="ko-KR" altLang="en-US" dirty="0" smtClean="0"/>
-              <a:t>협업 중에는 위험하므로 혼자 쓰는 저장소일 때만 사용하는 것이 좋아요</a:t>
-            </a:r>
-            <a:r>
-              <a:rPr lang="en-US" altLang="ko-KR" dirty="0" smtClean="0"/>
-              <a:t>!</a:t>
-            </a:r>
+            <a:endParaRPr lang="ko-KR" altLang="en-US" dirty="0" smtClean="0"/>
           </a:p>
           <a:p>
             <a:endParaRPr lang="ko-KR" altLang="en-US" dirty="0"/>
@@ -9355,7 +9303,7 @@
             <a:spLocks noGrp="1"/>
           </p:cNvSpPr>
           <p:nvPr>
-            <p:ph type="sldNum" sz="quarter" idx="5"/>
+            <p:ph type="sldNum" sz="quarter" idx="10"/>
           </p:nvPr>
         </p:nvSpPr>
         <p:spPr/>
@@ -9363,9 +9311,9 @@
           <a:bodyPr/>
           <a:lstStyle/>
           <a:p>
-            <a:fld id="{C09E5BFC-1559-42F1-8940-AB342D56BF02}" type="slidenum">
+            <a:fld id="{80927ADC-3725-4C53-90DA-A7CB1E9F9FDE}" type="slidenum">
               <a:rPr lang="ko-KR" altLang="en-US" smtClean="0"/>
-              <a:t>62</a:t>
+              <a:t>61</a:t>
             </a:fld>
             <a:endParaRPr lang="ko-KR" altLang="en-US"/>
           </a:p>
@@ -9374,7 +9322,7 @@
     </p:spTree>
     <p:extLst>
       <p:ext uri="{BB962C8B-B14F-4D97-AF65-F5344CB8AC3E}">
-        <p14:creationId xmlns:p14="http://schemas.microsoft.com/office/powerpoint/2010/main" val="718502675"/>
+        <p14:creationId xmlns:p14="http://schemas.microsoft.com/office/powerpoint/2010/main" val="1149557836"/>
       </p:ext>
     </p:extLst>
   </p:cSld>
@@ -9428,6 +9376,299 @@
           <a:bodyPr/>
           <a:lstStyle/>
           <a:p>
+            <a:r>
+              <a:rPr lang="ko-KR" altLang="en-US" b="1" dirty="0" smtClean="0"/>
+              <a:t>로컬과 </a:t>
+            </a:r>
+            <a:r>
+              <a:rPr lang="ko-KR" altLang="en-US" b="1" dirty="0" smtClean="0"/>
+              <a:t>원격 저장소가 서로 다른 </a:t>
+            </a:r>
+            <a:r>
+              <a:rPr lang="en-US" altLang="ko-KR" b="1" dirty="0" smtClean="0"/>
+              <a:t>"</a:t>
+            </a:r>
+            <a:r>
+              <a:rPr lang="ko-KR" altLang="en-US" b="1" dirty="0" err="1" smtClean="0"/>
+              <a:t>커밋</a:t>
+            </a:r>
+            <a:r>
+              <a:rPr lang="ko-KR" altLang="en-US" b="1" dirty="0" smtClean="0"/>
+              <a:t> 이력</a:t>
+            </a:r>
+            <a:r>
+              <a:rPr lang="en-US" altLang="ko-KR" b="1" dirty="0" smtClean="0"/>
+              <a:t>"</a:t>
+            </a:r>
+            <a:r>
+              <a:rPr lang="ko-KR" altLang="en-US" b="1" dirty="0" smtClean="0"/>
+              <a:t>을 가지고 있으면 </a:t>
+            </a:r>
+            <a:r>
+              <a:rPr lang="en-US" altLang="ko-KR" b="1" dirty="0" smtClean="0"/>
+              <a:t>push</a:t>
+            </a:r>
+            <a:r>
+              <a:rPr lang="ko-KR" altLang="en-US" b="1" dirty="0" smtClean="0"/>
+              <a:t>가 안 된다</a:t>
+            </a:r>
+            <a:r>
+              <a:rPr lang="en-US" altLang="ko-KR" b="1" dirty="0" smtClean="0"/>
+              <a:t>!</a:t>
+            </a:r>
+          </a:p>
+          <a:p>
+            <a:r>
+              <a:rPr lang="en-US" altLang="ko-KR" dirty="0" err="1" smtClean="0"/>
+              <a:t>Git</a:t>
+            </a:r>
+            <a:r>
+              <a:rPr lang="ko-KR" altLang="en-US" dirty="0" smtClean="0"/>
+              <a:t>은 </a:t>
+            </a:r>
+            <a:r>
+              <a:rPr lang="en-US" altLang="ko-KR" dirty="0" smtClean="0"/>
+              <a:t>push</a:t>
+            </a:r>
+            <a:r>
+              <a:rPr lang="ko-KR" altLang="en-US" dirty="0" smtClean="0"/>
+              <a:t>할 때</a:t>
+            </a:r>
+            <a:r>
+              <a:rPr lang="en-US" altLang="ko-KR" dirty="0" smtClean="0"/>
+              <a:t>, </a:t>
+            </a:r>
+            <a:r>
+              <a:rPr lang="ko-KR" altLang="en-US" dirty="0" smtClean="0"/>
+              <a:t>로컬과 원격 저장소의 **</a:t>
+            </a:r>
+            <a:r>
+              <a:rPr lang="ko-KR" altLang="en-US" dirty="0" err="1" smtClean="0"/>
+              <a:t>히스토리</a:t>
+            </a:r>
+            <a:r>
+              <a:rPr lang="en-US" altLang="ko-KR" dirty="0" smtClean="0"/>
+              <a:t>(</a:t>
+            </a:r>
+            <a:r>
+              <a:rPr lang="ko-KR" altLang="en-US" dirty="0" err="1" smtClean="0"/>
+              <a:t>커밋</a:t>
+            </a:r>
+            <a:r>
+              <a:rPr lang="ko-KR" altLang="en-US" dirty="0" smtClean="0"/>
+              <a:t> 흐름</a:t>
+            </a:r>
+            <a:r>
+              <a:rPr lang="en-US" altLang="ko-KR" dirty="0" smtClean="0"/>
+              <a:t>)**</a:t>
+            </a:r>
+            <a:r>
+              <a:rPr lang="ko-KR" altLang="en-US" dirty="0" smtClean="0"/>
+              <a:t>를 비교합니다</a:t>
+            </a:r>
+            <a:r>
+              <a:rPr lang="en-US" altLang="ko-KR" dirty="0" smtClean="0"/>
+              <a:t>.</a:t>
+            </a:r>
+          </a:p>
+          <a:p>
+            <a:r>
+              <a:rPr lang="ko-KR" altLang="en-US" dirty="0" smtClean="0"/>
+              <a:t>서로 </a:t>
+            </a:r>
+            <a:r>
+              <a:rPr lang="ko-KR" altLang="en-US" b="1" dirty="0" smtClean="0"/>
+              <a:t>공통된 </a:t>
+            </a:r>
+            <a:r>
+              <a:rPr lang="ko-KR" altLang="en-US" b="1" dirty="0" err="1" smtClean="0"/>
+              <a:t>커밋</a:t>
+            </a:r>
+            <a:r>
+              <a:rPr lang="ko-KR" altLang="en-US" b="1" dirty="0" smtClean="0"/>
+              <a:t> 지점이 없으면</a:t>
+            </a:r>
+            <a:r>
+              <a:rPr lang="en-US" altLang="ko-KR" dirty="0" smtClean="0"/>
+              <a:t>, </a:t>
+            </a:r>
+            <a:r>
+              <a:rPr lang="en-US" altLang="ko-KR" dirty="0" err="1" smtClean="0"/>
+              <a:t>Git</a:t>
+            </a:r>
+            <a:r>
+              <a:rPr lang="ko-KR" altLang="en-US" dirty="0" smtClean="0"/>
+              <a:t>은 </a:t>
+            </a:r>
+            <a:r>
+              <a:rPr lang="en-US" altLang="ko-KR" dirty="0" smtClean="0"/>
+              <a:t>"</a:t>
+            </a:r>
+            <a:r>
+              <a:rPr lang="ko-KR" altLang="en-US" dirty="0" smtClean="0"/>
+              <a:t>이건 완전히 다른 이력</a:t>
+            </a:r>
+            <a:r>
+              <a:rPr lang="en-US" altLang="ko-KR" dirty="0" smtClean="0"/>
+              <a:t>"</a:t>
+            </a:r>
+            <a:r>
+              <a:rPr lang="ko-KR" altLang="en-US" dirty="0" smtClean="0"/>
+              <a:t>이라고 판단해서 </a:t>
+            </a:r>
+            <a:r>
+              <a:rPr lang="en-US" altLang="ko-KR" dirty="0" smtClean="0"/>
+              <a:t>push</a:t>
+            </a:r>
+            <a:r>
+              <a:rPr lang="ko-KR" altLang="en-US" dirty="0" smtClean="0"/>
+              <a:t>를 거부합니다</a:t>
+            </a:r>
+            <a:r>
+              <a:rPr lang="en-US" altLang="ko-KR" dirty="0" smtClean="0"/>
+              <a:t>.</a:t>
+            </a:r>
+          </a:p>
+          <a:p>
+            <a:endParaRPr lang="en-US" altLang="ko-KR" dirty="0" smtClean="0"/>
+          </a:p>
+          <a:p>
+            <a:r>
+              <a:rPr lang="ko-KR" altLang="en-US" dirty="0" smtClean="0"/>
+              <a:t>예</a:t>
+            </a:r>
+            <a:r>
+              <a:rPr lang="en-US" altLang="ko-KR" dirty="0" smtClean="0"/>
+              <a:t>: GitHub</a:t>
+            </a:r>
+            <a:r>
+              <a:rPr lang="ko-KR" altLang="en-US" dirty="0" smtClean="0"/>
+              <a:t>에서 저장소를 만들면서 </a:t>
+            </a:r>
+            <a:r>
+              <a:rPr lang="en-US" altLang="ko-KR" dirty="0" smtClean="0"/>
+              <a:t>README.md </a:t>
+            </a:r>
+            <a:r>
+              <a:rPr lang="ko-KR" altLang="en-US" dirty="0" smtClean="0"/>
+              <a:t>체크함 → 자동 </a:t>
+            </a:r>
+            <a:r>
+              <a:rPr lang="ko-KR" altLang="en-US" dirty="0" err="1" smtClean="0"/>
+              <a:t>커밋</a:t>
+            </a:r>
+            <a:r>
+              <a:rPr lang="ko-KR" altLang="en-US" dirty="0" smtClean="0"/>
+              <a:t> 생김</a:t>
+            </a:r>
+          </a:p>
+          <a:p>
+            <a:r>
+              <a:rPr lang="ko-KR" altLang="en-US" dirty="0" smtClean="0"/>
+              <a:t>그런데 나는 </a:t>
+            </a:r>
+            <a:r>
+              <a:rPr lang="en-US" altLang="ko-KR" dirty="0" err="1" smtClean="0"/>
+              <a:t>git</a:t>
+            </a:r>
+            <a:r>
+              <a:rPr lang="en-US" altLang="ko-KR" dirty="0" smtClean="0"/>
+              <a:t> </a:t>
+            </a:r>
+            <a:r>
+              <a:rPr lang="en-US" altLang="ko-KR" dirty="0" err="1" smtClean="0"/>
+              <a:t>init</a:t>
+            </a:r>
+            <a:r>
+              <a:rPr lang="ko-KR" altLang="en-US" dirty="0" smtClean="0"/>
+              <a:t>해서 따로 작업함 → 둘 사이에 공통 </a:t>
+            </a:r>
+            <a:r>
+              <a:rPr lang="ko-KR" altLang="en-US" dirty="0" err="1" smtClean="0"/>
+              <a:t>커밋이</a:t>
+            </a:r>
+            <a:r>
+              <a:rPr lang="ko-KR" altLang="en-US" dirty="0" smtClean="0"/>
+              <a:t> 없음</a:t>
+            </a:r>
+          </a:p>
+          <a:p>
+            <a:endParaRPr lang="en-US" altLang="ko-KR" dirty="0" smtClean="0"/>
+          </a:p>
+          <a:p>
+            <a:endParaRPr lang="en-US" altLang="ko-KR" dirty="0" smtClean="0"/>
+          </a:p>
+          <a:p>
+            <a:r>
+              <a:rPr lang="ko-KR" altLang="en-US" dirty="0" smtClean="0"/>
+              <a:t>강제로 </a:t>
+            </a:r>
+            <a:r>
+              <a:rPr lang="ko-KR" altLang="en-US" b="1" dirty="0" smtClean="0"/>
+              <a:t>내 로컬 저장소 상태를 원격 저장소에 덮어쓰기</a:t>
+            </a:r>
+            <a:r>
+              <a:rPr lang="ko-KR" altLang="en-US" dirty="0" smtClean="0"/>
+              <a:t> 합니다</a:t>
+            </a:r>
+            <a:r>
+              <a:rPr lang="en-US" altLang="ko-KR" dirty="0" smtClean="0"/>
+              <a:t>.</a:t>
+            </a:r>
+          </a:p>
+          <a:p>
+            <a:r>
+              <a:rPr lang="ko-KR" altLang="en-US" dirty="0" smtClean="0"/>
+              <a:t>즉</a:t>
+            </a:r>
+            <a:r>
+              <a:rPr lang="en-US" altLang="ko-KR" dirty="0" smtClean="0"/>
+              <a:t>, </a:t>
+            </a:r>
+            <a:r>
+              <a:rPr lang="ko-KR" altLang="en-US" dirty="0" smtClean="0"/>
+              <a:t>원격 저장소에 있던 기존 </a:t>
+            </a:r>
+            <a:r>
+              <a:rPr lang="ko-KR" altLang="en-US" dirty="0" err="1" smtClean="0"/>
+              <a:t>히스토리는</a:t>
+            </a:r>
+            <a:r>
+              <a:rPr lang="ko-KR" altLang="en-US" dirty="0" smtClean="0"/>
+              <a:t> </a:t>
+            </a:r>
+            <a:r>
+              <a:rPr lang="ko-KR" altLang="en-US" b="1" dirty="0" smtClean="0"/>
+              <a:t>모두 사라지고 내 것만 남음</a:t>
+            </a:r>
+            <a:r>
+              <a:rPr lang="en-US" altLang="ko-KR" b="1" dirty="0" smtClean="0"/>
+              <a:t>!</a:t>
+            </a:r>
+            <a:r>
+              <a:rPr lang="ko-KR" altLang="en-US" dirty="0" smtClean="0"/>
+              <a:t> 💣</a:t>
+            </a:r>
+          </a:p>
+          <a:p>
+            <a:r>
+              <a:rPr lang="ko-KR" altLang="en-US" dirty="0" smtClean="0"/>
+              <a:t>✔ 주의</a:t>
+            </a:r>
+            <a:r>
+              <a:rPr lang="en-US" altLang="ko-KR" dirty="0" smtClean="0"/>
+              <a:t>: </a:t>
+            </a:r>
+            <a:r>
+              <a:rPr lang="ko-KR" altLang="en-US" dirty="0" smtClean="0"/>
+              <a:t>협업 중에는 위험하므로 혼자 쓰는 저장소일 때만 사용하는 것이 좋아요</a:t>
+            </a:r>
+            <a:r>
+              <a:rPr lang="en-US" altLang="ko-KR" dirty="0" smtClean="0"/>
+              <a:t>!</a:t>
+            </a:r>
+          </a:p>
+          <a:p>
             <a:endParaRPr lang="ko-KR" altLang="en-US" dirty="0"/>
           </a:p>
         </p:txBody>
@@ -9449,7 +9690,7 @@
           <a:p>
             <a:fld id="{C09E5BFC-1559-42F1-8940-AB342D56BF02}" type="slidenum">
               <a:rPr lang="ko-KR" altLang="en-US" smtClean="0"/>
-              <a:t>63</a:t>
+              <a:t>62</a:t>
             </a:fld>
             <a:endParaRPr lang="ko-KR" altLang="en-US"/>
           </a:p>
@@ -9458,7 +9699,7 @@
     </p:spTree>
     <p:extLst>
       <p:ext uri="{BB962C8B-B14F-4D97-AF65-F5344CB8AC3E}">
-        <p14:creationId xmlns:p14="http://schemas.microsoft.com/office/powerpoint/2010/main" val="114423695"/>
+        <p14:creationId xmlns:p14="http://schemas.microsoft.com/office/powerpoint/2010/main" val="718502675"/>
       </p:ext>
     </p:extLst>
   </p:cSld>
@@ -9512,10 +9753,192 @@
           <a:bodyPr/>
           <a:lstStyle/>
           <a:p>
-            <a:endParaRPr lang="ko-KR" altLang="en-US"/>
-          </a:p>
-          <a:p>
-            <a:endParaRPr lang="ko-KR" altLang="en-US"/>
+            <a:r>
+              <a:rPr lang="en-US" altLang="ko-KR" dirty="0" smtClean="0"/>
+              <a:t>fetch</a:t>
+            </a:r>
+          </a:p>
+          <a:p>
+            <a:r>
+              <a:rPr lang="ko-KR" altLang="en-US" dirty="0" smtClean="0"/>
+              <a:t>원격저장소의 최신 상태를 내 로컬로 가져오는 명령어</a:t>
+            </a:r>
+            <a:endParaRPr lang="en-US" altLang="ko-KR" dirty="0" smtClean="0"/>
+          </a:p>
+          <a:p>
+            <a:r>
+              <a:rPr lang="ko-KR" altLang="en-US" dirty="0" smtClean="0"/>
+              <a:t>하지만</a:t>
+            </a:r>
+            <a:r>
+              <a:rPr lang="en-US" altLang="ko-KR" dirty="0" smtClean="0"/>
+              <a:t>! </a:t>
+            </a:r>
+            <a:r>
+              <a:rPr lang="ko-KR" altLang="en-US" dirty="0" smtClean="0"/>
+              <a:t>가져오기만 할 뿐</a:t>
+            </a:r>
+            <a:r>
+              <a:rPr lang="en-US" altLang="ko-KR" dirty="0" smtClean="0"/>
+              <a:t>, “</a:t>
+            </a:r>
+            <a:r>
+              <a:rPr lang="ko-KR" altLang="en-US" dirty="0" smtClean="0"/>
+              <a:t>내 작업 디렉토리</a:t>
+            </a:r>
+            <a:r>
+              <a:rPr lang="en-US" altLang="ko-KR" dirty="0" smtClean="0"/>
+              <a:t>＂</a:t>
+            </a:r>
+            <a:r>
+              <a:rPr lang="ko-KR" altLang="en-US" dirty="0" smtClean="0"/>
+              <a:t>에는 아무런 변화도 주지 </a:t>
+            </a:r>
+            <a:r>
+              <a:rPr lang="ko-KR" altLang="en-US" dirty="0" err="1" smtClean="0"/>
+              <a:t>ㅇㄶ음</a:t>
+            </a:r>
+            <a:r>
+              <a:rPr lang="en-US" altLang="ko-KR" dirty="0" smtClean="0"/>
+              <a:t>.</a:t>
+            </a:r>
+          </a:p>
+          <a:p>
+            <a:endParaRPr lang="en-US" altLang="ko-KR" dirty="0" smtClean="0"/>
+          </a:p>
+          <a:p>
+            <a:r>
+              <a:rPr lang="en-US" altLang="ko-KR" dirty="0" err="1" smtClean="0"/>
+              <a:t>git</a:t>
+            </a:r>
+            <a:r>
+              <a:rPr lang="en-US" altLang="ko-KR" dirty="0" smtClean="0"/>
+              <a:t> fetch</a:t>
+            </a:r>
+          </a:p>
+          <a:p>
+            <a:r>
+              <a:rPr lang="ko-KR" altLang="en-US" dirty="0" smtClean="0"/>
+              <a:t>원격 저장소의 </a:t>
+            </a:r>
+            <a:r>
+              <a:rPr lang="ko-KR" altLang="en-US" dirty="0" err="1" smtClean="0"/>
+              <a:t>커밋</a:t>
+            </a:r>
+            <a:r>
+              <a:rPr lang="en-US" altLang="ko-KR" dirty="0" smtClean="0"/>
+              <a:t>/</a:t>
+            </a:r>
+            <a:r>
+              <a:rPr lang="ko-KR" altLang="en-US" dirty="0" err="1" smtClean="0"/>
+              <a:t>브랜치</a:t>
+            </a:r>
+            <a:r>
+              <a:rPr lang="ko-KR" altLang="en-US" dirty="0" smtClean="0"/>
+              <a:t> 정보만 가져옴</a:t>
+            </a:r>
+            <a:endParaRPr lang="en-US" altLang="ko-KR" dirty="0" smtClean="0"/>
+          </a:p>
+          <a:p>
+            <a:r>
+              <a:rPr lang="ko-KR" altLang="en-US" dirty="0" smtClean="0"/>
+              <a:t>❌ </a:t>
+            </a:r>
+            <a:r>
+              <a:rPr lang="en-US" altLang="ko-KR" dirty="0" smtClean="0"/>
+              <a:t>(</a:t>
+            </a:r>
+            <a:r>
+              <a:rPr lang="ko-KR" altLang="en-US" dirty="0" smtClean="0"/>
+              <a:t>변경 없음</a:t>
+            </a:r>
+            <a:r>
+              <a:rPr lang="en-US" altLang="ko-KR" dirty="0" smtClean="0"/>
+              <a:t>)</a:t>
+            </a:r>
+          </a:p>
+          <a:p>
+            <a:endParaRPr lang="en-US" altLang="ko-KR" dirty="0" smtClean="0"/>
+          </a:p>
+          <a:p>
+            <a:r>
+              <a:rPr lang="en-US" altLang="ko-KR" dirty="0" err="1" smtClean="0"/>
+              <a:t>git</a:t>
+            </a:r>
+            <a:r>
+              <a:rPr lang="en-US" altLang="ko-KR" dirty="0" smtClean="0"/>
+              <a:t> pull</a:t>
+            </a:r>
+          </a:p>
+          <a:p>
+            <a:r>
+              <a:rPr lang="en-US" altLang="ko-KR" dirty="0" smtClean="0"/>
+              <a:t>fetch + merge (</a:t>
+            </a:r>
+            <a:r>
+              <a:rPr lang="ko-KR" altLang="en-US" dirty="0" smtClean="0"/>
+              <a:t>바로 병합까지</a:t>
+            </a:r>
+            <a:r>
+              <a:rPr lang="en-US" altLang="ko-KR" dirty="0" smtClean="0"/>
+              <a:t>)</a:t>
+            </a:r>
+          </a:p>
+          <a:p>
+            <a:r>
+              <a:rPr lang="en-US" altLang="ko-KR" dirty="0" smtClean="0"/>
+              <a:t>✅ (</a:t>
+            </a:r>
+            <a:r>
+              <a:rPr lang="ko-KR" altLang="en-US" dirty="0" smtClean="0"/>
+              <a:t>변경 있음</a:t>
+            </a:r>
+            <a:r>
+              <a:rPr lang="en-US" altLang="ko-KR" dirty="0" smtClean="0"/>
+              <a:t>)</a:t>
+            </a:r>
+            <a:endParaRPr lang="ko-KR" altLang="en-US" dirty="0" smtClean="0"/>
+          </a:p>
+          <a:p>
+            <a:endParaRPr lang="en-US" altLang="ko-KR" dirty="0" smtClean="0"/>
+          </a:p>
+          <a:p>
+            <a:r>
+              <a:rPr lang="en-US" altLang="ko-KR" dirty="0" smtClean="0">
+                <a:sym typeface="Wingdings" panose="05000000000000000000" pitchFamily="2" charset="2"/>
+              </a:rPr>
+              <a:t> </a:t>
+            </a:r>
+            <a:r>
+              <a:rPr lang="ko-KR" altLang="en-US" dirty="0" err="1" smtClean="0">
+                <a:sym typeface="Wingdings" panose="05000000000000000000" pitchFamily="2" charset="2"/>
+              </a:rPr>
+              <a:t>노션에서</a:t>
+            </a:r>
+            <a:r>
+              <a:rPr lang="ko-KR" altLang="en-US" dirty="0" smtClean="0">
+                <a:sym typeface="Wingdings" panose="05000000000000000000" pitchFamily="2" charset="2"/>
+              </a:rPr>
+              <a:t> 충돌 실습 보여주기</a:t>
+            </a:r>
+            <a:r>
+              <a:rPr lang="en-US" altLang="ko-KR" dirty="0" smtClean="0">
+                <a:sym typeface="Wingdings" panose="05000000000000000000" pitchFamily="2" charset="2"/>
+              </a:rPr>
+              <a:t>.</a:t>
+            </a:r>
+            <a:br>
+              <a:rPr lang="en-US" altLang="ko-KR" dirty="0" smtClean="0">
+                <a:sym typeface="Wingdings" panose="05000000000000000000" pitchFamily="2" charset="2"/>
+              </a:rPr>
+            </a:br>
+            <a:r>
+              <a:rPr lang="en-US" altLang="ko-KR" dirty="0" smtClean="0">
+                <a:sym typeface="Wingdings" panose="05000000000000000000" pitchFamily="2" charset="2"/>
+              </a:rPr>
+              <a:t>https://www.notion.so/git-fetch-1dcd6fe891f280d887c9ff48c16149f9</a:t>
+            </a:r>
+            <a:endParaRPr lang="ko-KR" altLang="en-US" dirty="0"/>
           </a:p>
         </p:txBody>
       </p:sp>
@@ -9536,7 +9959,7 @@
           <a:p>
             <a:fld id="{C09E5BFC-1559-42F1-8940-AB342D56BF02}" type="slidenum">
               <a:rPr lang="ko-KR" altLang="en-US" smtClean="0"/>
-              <a:t>64</a:t>
+              <a:t>63</a:t>
             </a:fld>
             <a:endParaRPr lang="ko-KR" altLang="en-US"/>
           </a:p>
@@ -9545,7 +9968,7 @@
     </p:spTree>
     <p:extLst>
       <p:ext uri="{BB962C8B-B14F-4D97-AF65-F5344CB8AC3E}">
-        <p14:creationId xmlns:p14="http://schemas.microsoft.com/office/powerpoint/2010/main" val="2796151402"/>
+        <p14:creationId xmlns:p14="http://schemas.microsoft.com/office/powerpoint/2010/main" val="2649389259"/>
       </p:ext>
     </p:extLst>
   </p:cSld>
@@ -9610,6 +10033,177 @@
             <a:spLocks noGrp="1"/>
           </p:cNvSpPr>
           <p:nvPr>
+            <p:ph type="sldNum" sz="quarter" idx="5"/>
+          </p:nvPr>
+        </p:nvSpPr>
+        <p:spPr/>
+        <p:txBody>
+          <a:bodyPr/>
+          <a:lstStyle/>
+          <a:p>
+            <a:fld id="{C09E5BFC-1559-42F1-8940-AB342D56BF02}" type="slidenum">
+              <a:rPr lang="ko-KR" altLang="en-US" smtClean="0"/>
+              <a:t>64</a:t>
+            </a:fld>
+            <a:endParaRPr lang="ko-KR" altLang="en-US"/>
+          </a:p>
+        </p:txBody>
+      </p:sp>
+    </p:spTree>
+    <p:extLst>
+      <p:ext uri="{BB962C8B-B14F-4D97-AF65-F5344CB8AC3E}">
+        <p14:creationId xmlns:p14="http://schemas.microsoft.com/office/powerpoint/2010/main" val="114423695"/>
+      </p:ext>
+    </p:extLst>
+  </p:cSld>
+  <p:clrMapOvr>
+    <a:masterClrMapping/>
+  </p:clrMapOvr>
+</p:notes>
+</file>
+
+<file path=ppt/notesSlides/notesSlide58.xml><?xml version="1.0" encoding="utf-8"?>
+<p:notes xmlns:a="http://schemas.openxmlformats.org/drawingml/2006/main" xmlns:r="http://schemas.openxmlformats.org/officeDocument/2006/relationships" xmlns:p="http://schemas.openxmlformats.org/presentationml/2006/main">
+  <p:cSld>
+    <p:spTree>
+      <p:nvGrpSpPr>
+        <p:cNvPr id="1" name=""/>
+        <p:cNvGrpSpPr/>
+        <p:nvPr/>
+      </p:nvGrpSpPr>
+      <p:grpSpPr>
+        <a:xfrm>
+          <a:off x="0" y="0"/>
+          <a:ext cx="0" cy="0"/>
+          <a:chOff x="0" y="0"/>
+          <a:chExt cx="0" cy="0"/>
+        </a:xfrm>
+      </p:grpSpPr>
+      <p:sp>
+        <p:nvSpPr>
+          <p:cNvPr id="2" name="슬라이드 이미지 개체 틀 1"/>
+          <p:cNvSpPr>
+            <a:spLocks noGrp="1" noRot="1" noChangeAspect="1"/>
+          </p:cNvSpPr>
+          <p:nvPr>
+            <p:ph type="sldImg"/>
+          </p:nvPr>
+        </p:nvSpPr>
+        <p:spPr/>
+      </p:sp>
+      <p:sp>
+        <p:nvSpPr>
+          <p:cNvPr id="3" name="슬라이드 노트 개체 틀 2"/>
+          <p:cNvSpPr>
+            <a:spLocks noGrp="1"/>
+          </p:cNvSpPr>
+          <p:nvPr>
+            <p:ph type="body" idx="1"/>
+          </p:nvPr>
+        </p:nvSpPr>
+        <p:spPr/>
+        <p:txBody>
+          <a:bodyPr/>
+          <a:lstStyle/>
+          <a:p>
+            <a:endParaRPr lang="ko-KR" altLang="en-US"/>
+          </a:p>
+          <a:p>
+            <a:endParaRPr lang="ko-KR" altLang="en-US"/>
+          </a:p>
+        </p:txBody>
+      </p:sp>
+      <p:sp>
+        <p:nvSpPr>
+          <p:cNvPr id="4" name="슬라이드 번호 개체 틀 3"/>
+          <p:cNvSpPr>
+            <a:spLocks noGrp="1"/>
+          </p:cNvSpPr>
+          <p:nvPr>
+            <p:ph type="sldNum" sz="quarter" idx="5"/>
+          </p:nvPr>
+        </p:nvSpPr>
+        <p:spPr/>
+        <p:txBody>
+          <a:bodyPr/>
+          <a:lstStyle/>
+          <a:p>
+            <a:fld id="{C09E5BFC-1559-42F1-8940-AB342D56BF02}" type="slidenum">
+              <a:rPr lang="ko-KR" altLang="en-US" smtClean="0"/>
+              <a:t>65</a:t>
+            </a:fld>
+            <a:endParaRPr lang="ko-KR" altLang="en-US"/>
+          </a:p>
+        </p:txBody>
+      </p:sp>
+    </p:spTree>
+    <p:extLst>
+      <p:ext uri="{BB962C8B-B14F-4D97-AF65-F5344CB8AC3E}">
+        <p14:creationId xmlns:p14="http://schemas.microsoft.com/office/powerpoint/2010/main" val="2796151402"/>
+      </p:ext>
+    </p:extLst>
+  </p:cSld>
+  <p:clrMapOvr>
+    <a:masterClrMapping/>
+  </p:clrMapOvr>
+</p:notes>
+</file>
+
+<file path=ppt/notesSlides/notesSlide59.xml><?xml version="1.0" encoding="utf-8"?>
+<p:notes xmlns:a="http://schemas.openxmlformats.org/drawingml/2006/main" xmlns:r="http://schemas.openxmlformats.org/officeDocument/2006/relationships" xmlns:p="http://schemas.openxmlformats.org/presentationml/2006/main">
+  <p:cSld>
+    <p:spTree>
+      <p:nvGrpSpPr>
+        <p:cNvPr id="1" name=""/>
+        <p:cNvGrpSpPr/>
+        <p:nvPr/>
+      </p:nvGrpSpPr>
+      <p:grpSpPr>
+        <a:xfrm>
+          <a:off x="0" y="0"/>
+          <a:ext cx="0" cy="0"/>
+          <a:chOff x="0" y="0"/>
+          <a:chExt cx="0" cy="0"/>
+        </a:xfrm>
+      </p:grpSpPr>
+      <p:sp>
+        <p:nvSpPr>
+          <p:cNvPr id="2" name="슬라이드 이미지 개체 틀 1"/>
+          <p:cNvSpPr>
+            <a:spLocks noGrp="1" noRot="1" noChangeAspect="1"/>
+          </p:cNvSpPr>
+          <p:nvPr>
+            <p:ph type="sldImg"/>
+          </p:nvPr>
+        </p:nvSpPr>
+        <p:spPr/>
+      </p:sp>
+      <p:sp>
+        <p:nvSpPr>
+          <p:cNvPr id="3" name="슬라이드 노트 개체 틀 2"/>
+          <p:cNvSpPr>
+            <a:spLocks noGrp="1"/>
+          </p:cNvSpPr>
+          <p:nvPr>
+            <p:ph type="body" idx="1"/>
+          </p:nvPr>
+        </p:nvSpPr>
+        <p:spPr/>
+        <p:txBody>
+          <a:bodyPr/>
+          <a:lstStyle/>
+          <a:p>
+            <a:endParaRPr lang="ko-KR" altLang="en-US" dirty="0"/>
+          </a:p>
+        </p:txBody>
+      </p:sp>
+      <p:sp>
+        <p:nvSpPr>
+          <p:cNvPr id="4" name="슬라이드 번호 개체 틀 3"/>
+          <p:cNvSpPr>
+            <a:spLocks noGrp="1"/>
+          </p:cNvSpPr>
+          <p:nvPr>
             <p:ph type="sldNum" sz="quarter" idx="10"/>
           </p:nvPr>
         </p:nvSpPr>
@@ -9620,7 +10214,7 @@
           <a:p>
             <a:fld id="{80927ADC-3725-4C53-90DA-A7CB1E9F9FDE}" type="slidenum">
               <a:rPr lang="ko-KR" altLang="en-US" smtClean="0"/>
-              <a:t>65</a:t>
+              <a:t>66</a:t>
             </a:fld>
             <a:endParaRPr lang="ko-KR" altLang="en-US"/>
           </a:p>
@@ -10341,7 +10935,7 @@
           <a:p>
             <a:fld id="{442BEE3F-2E9A-4FD8-8B8A-8619F3E161C0}" type="datetime1">
               <a:rPr lang="ko-KR" altLang="en-US" smtClean="0"/>
-              <a:t>2025-04-20</a:t>
+              <a:t>2025-04-21</a:t>
             </a:fld>
             <a:endParaRPr lang="ko-KR" altLang="en-US"/>
           </a:p>
@@ -10527,7 +11121,7 @@
           <a:p>
             <a:fld id="{2EAE422B-0E68-47B5-84BB-CA2BDA8EE46C}" type="datetime1">
               <a:rPr lang="ko-KR" altLang="en-US" smtClean="0"/>
-              <a:t>2025-04-20</a:t>
+              <a:t>2025-04-21</a:t>
             </a:fld>
             <a:endParaRPr lang="ko-KR" altLang="en-US"/>
           </a:p>
@@ -10735,7 +11329,7 @@
           <a:p>
             <a:fld id="{AF7C623F-179B-417F-99B6-50F6DF228D4B}" type="datetime1">
               <a:rPr lang="ko-KR" altLang="en-US" smtClean="0"/>
-              <a:t>2025-04-20</a:t>
+              <a:t>2025-04-21</a:t>
             </a:fld>
             <a:endParaRPr lang="ko-KR" altLang="en-US"/>
           </a:p>
@@ -10971,7 +11565,7 @@
           <a:p>
             <a:fld id="{0F78D9C4-20C1-4B15-A116-16DC77AD9A1E}" type="datetime1">
               <a:rPr lang="ko-KR" altLang="en-US" smtClean="0"/>
-              <a:t>2025-04-20</a:t>
+              <a:t>2025-04-21</a:t>
             </a:fld>
             <a:endParaRPr lang="ko-KR" altLang="en-US"/>
           </a:p>
@@ -11246,7 +11840,7 @@
           <a:p>
             <a:fld id="{C7F43723-C509-4DEA-8428-B50818F79709}" type="datetime1">
               <a:rPr lang="ko-KR" altLang="en-US" smtClean="0"/>
-              <a:t>2025-04-20</a:t>
+              <a:t>2025-04-21</a:t>
             </a:fld>
             <a:endParaRPr lang="ko-KR" altLang="en-US"/>
           </a:p>
@@ -11511,7 +12105,7 @@
           <a:p>
             <a:fld id="{5D2B7482-EE74-4DBD-97F4-D0DAC0C0E4E5}" type="datetime1">
               <a:rPr lang="ko-KR" altLang="en-US" smtClean="0"/>
-              <a:t>2025-04-20</a:t>
+              <a:t>2025-04-21</a:t>
             </a:fld>
             <a:endParaRPr lang="ko-KR" altLang="en-US"/>
           </a:p>
@@ -11924,7 +12518,7 @@
           <a:p>
             <a:fld id="{051A8C49-CED7-4A86-9B4A-621D7F62EE92}" type="datetime1">
               <a:rPr lang="ko-KR" altLang="en-US" smtClean="0"/>
-              <a:t>2025-04-20</a:t>
+              <a:t>2025-04-21</a:t>
             </a:fld>
             <a:endParaRPr lang="ko-KR" altLang="en-US"/>
           </a:p>
@@ -12071,7 +12665,7 @@
           <a:p>
             <a:fld id="{84082D76-7079-412D-848B-E1B9E7A6A286}" type="datetime1">
               <a:rPr lang="ko-KR" altLang="en-US" smtClean="0"/>
-              <a:t>2025-04-20</a:t>
+              <a:t>2025-04-21</a:t>
             </a:fld>
             <a:endParaRPr lang="ko-KR" altLang="en-US"/>
           </a:p>
@@ -12184,7 +12778,7 @@
           <a:p>
             <a:fld id="{10C5FEB5-5F88-4F49-9108-1795E314F09F}" type="datetime1">
               <a:rPr lang="ko-KR" altLang="en-US" smtClean="0"/>
-              <a:t>2025-04-20</a:t>
+              <a:t>2025-04-21</a:t>
             </a:fld>
             <a:endParaRPr lang="ko-KR" altLang="en-US"/>
           </a:p>
@@ -12495,7 +13089,7 @@
           <a:p>
             <a:fld id="{E37ABBEE-D8D4-48AD-9887-4DC578B8A684}" type="datetime1">
               <a:rPr lang="ko-KR" altLang="en-US" smtClean="0"/>
-              <a:t>2025-04-20</a:t>
+              <a:t>2025-04-21</a:t>
             </a:fld>
             <a:endParaRPr lang="ko-KR" altLang="en-US"/>
           </a:p>
@@ -12786,7 +13380,7 @@
           <a:p>
             <a:fld id="{A2D6A55C-F3DD-45DD-9D50-F8680410167D}" type="datetime1">
               <a:rPr lang="ko-KR" altLang="en-US" smtClean="0"/>
-              <a:t>2025-04-20</a:t>
+              <a:t>2025-04-21</a:t>
             </a:fld>
             <a:endParaRPr lang="ko-KR" altLang="en-US"/>
           </a:p>
@@ -13030,7 +13624,7 @@
             <a:fld id="{7F5E23C3-0E3D-4E4E-8486-D7FB4C073DC1}" type="datetime1">
               <a:rPr lang="ko-KR" altLang="en-US" smtClean="0"/>
               <a:pPr/>
-              <a:t>2025-04-20</a:t>
+              <a:t>2025-04-21</a:t>
             </a:fld>
             <a:endParaRPr lang="ko-KR" altLang="en-US" dirty="0"/>
           </a:p>
@@ -17841,7 +18435,7 @@
           <a:p>
             <a:fld id="{0F78D9C4-20C1-4B15-A116-16DC77AD9A1E}" type="datetime1">
               <a:rPr lang="ko-KR" altLang="en-US" smtClean="0"/>
-              <a:t>2025-04-20</a:t>
+              <a:t>2025-04-21</a:t>
             </a:fld>
             <a:endParaRPr lang="ko-KR" altLang="en-US"/>
           </a:p>
@@ -17910,14 +18504,7 @@
                 <a:latin typeface="G마켓 산스 TTF Bold" panose="02000000000000000000" pitchFamily="2" charset="-127"/>
                 <a:ea typeface="G마켓 산스 TTF Bold" panose="02000000000000000000" pitchFamily="2" charset="-127"/>
               </a:rPr>
-              <a:t>GUI</a:t>
-            </a:r>
-            <a:r>
-              <a:rPr lang="en-US" altLang="ko-KR" sz="6600" dirty="0" smtClean="0">
-                <a:latin typeface="G마켓 산스 TTF Bold" panose="02000000000000000000" pitchFamily="2" charset="-127"/>
-                <a:ea typeface="G마켓 산스 TTF Bold" panose="02000000000000000000" pitchFamily="2" charset="-127"/>
-              </a:rPr>
-              <a:t> </a:t>
+              <a:t>GUI </a:t>
             </a:r>
             <a:r>
               <a:rPr lang="en-US" altLang="ko-KR" sz="6600" dirty="0">
@@ -18905,11 +19492,7 @@
             <a:pPr lvl="1"/>
             <a:r>
               <a:rPr lang="en-US" altLang="ko-KR" dirty="0" smtClean="0"/>
-              <a:t>l</a:t>
-            </a:r>
-            <a:r>
-              <a:rPr lang="en-US" altLang="ko-KR" dirty="0" smtClean="0"/>
-              <a:t>s (list) </a:t>
+              <a:t>ls (list) </a:t>
             </a:r>
             <a:r>
               <a:rPr lang="en-US" altLang="ko-KR" dirty="0"/>
@@ -18917,11 +19500,7 @@
             </a:r>
             <a:r>
               <a:rPr lang="ko-KR" altLang="en-US" dirty="0" smtClean="0"/>
-              <a:t>현재 위치 </a:t>
-            </a:r>
-            <a:r>
-              <a:rPr lang="ko-KR" altLang="en-US" dirty="0" smtClean="0"/>
-              <a:t>폴더에 </a:t>
+              <a:t>현재 위치 폴더에 </a:t>
             </a:r>
             <a:r>
               <a:rPr lang="ko-KR" altLang="en-US" dirty="0"/>
@@ -21367,11 +21946,7 @@
             </a:r>
             <a:r>
               <a:rPr lang="en-US" altLang="ko-KR" dirty="0" smtClean="0"/>
-              <a:t>) </a:t>
-            </a:r>
-            <a:r>
-              <a:rPr lang="en-US" altLang="ko-KR" dirty="0" smtClean="0"/>
-              <a:t>default </a:t>
+              <a:t>) default </a:t>
             </a:r>
             <a:r>
               <a:rPr lang="ko-KR" altLang="en-US" dirty="0" err="1"/>
@@ -21685,11 +22260,7 @@
             </a:r>
             <a:r>
               <a:rPr lang="ko-KR" altLang="en-US" sz="4800" dirty="0" smtClean="0"/>
-              <a:t> </a:t>
-            </a:r>
-            <a:r>
-              <a:rPr lang="ko-KR" altLang="en-US" sz="4800" dirty="0" smtClean="0"/>
-              <a:t>생성</a:t>
+              <a:t> 생성</a:t>
             </a:r>
             <a:endParaRPr lang="ko-KR" altLang="en-US" sz="4800" dirty="0"/>
           </a:p>
@@ -22582,7 +23153,6 @@
               <a:rPr lang="ko-KR" altLang="en-US" sz="4800" dirty="0"/>
               <a:t>원격저장소와 내 폴더 연결</a:t>
             </a:r>
-            <a:endParaRPr lang="ko-KR" altLang="en-US" sz="4800" dirty="0"/>
           </a:p>
         </p:txBody>
       </p:sp>
@@ -23715,7 +24285,7 @@
                 <a:hlinkClick r:id="rId3">
                   <a:extLst>
                     <a:ext uri="{A12FA001-AC4F-418D-AE19-62706E023703}">
-                      <ahyp:hlinkClr xmlns:ahyp="http://schemas.microsoft.com/office/drawing/2018/hyperlinkcolor" xmlns="" val="tx"/>
+                      <ahyp:hlinkClr xmlns="" xmlns:ahyp="http://schemas.microsoft.com/office/drawing/2018/hyperlinkcolor" val="tx"/>
                     </a:ext>
                   </a:extLst>
                 </a:hlinkClick>
@@ -24521,7 +25091,7 @@
                 <a14:useLocalDpi xmlns:a14="http://schemas.microsoft.com/office/drawing/2010/main" val="0"/>
               </a:ext>
               <a:ext uri="{96DAC541-7B7A-43D3-8B79-37D633B846F1}">
-                <asvg:svgBlip xmlns:asvg="http://schemas.microsoft.com/office/drawing/2016/SVG/main" xmlns="" r:embed="rId5"/>
+                <asvg:svgBlip xmlns="" xmlns:asvg="http://schemas.microsoft.com/office/drawing/2016/SVG/main" r:embed="rId5"/>
               </a:ext>
             </a:extLst>
           </a:blip>
@@ -24560,7 +25130,7 @@
                 <a14:useLocalDpi xmlns:a14="http://schemas.microsoft.com/office/drawing/2010/main" val="0"/>
               </a:ext>
               <a:ext uri="{96DAC541-7B7A-43D3-8B79-37D633B846F1}">
-                <asvg:svgBlip xmlns:asvg="http://schemas.microsoft.com/office/drawing/2016/SVG/main" xmlns="" r:embed="rId7"/>
+                <asvg:svgBlip xmlns="" xmlns:asvg="http://schemas.microsoft.com/office/drawing/2016/SVG/main" r:embed="rId7"/>
               </a:ext>
             </a:extLst>
           </a:blip>
@@ -24599,7 +25169,7 @@
                 <a14:useLocalDpi xmlns:a14="http://schemas.microsoft.com/office/drawing/2010/main" val="0"/>
               </a:ext>
               <a:ext uri="{96DAC541-7B7A-43D3-8B79-37D633B846F1}">
-                <asvg:svgBlip xmlns:asvg="http://schemas.microsoft.com/office/drawing/2016/SVG/main" xmlns="" r:embed="rId9"/>
+                <asvg:svgBlip xmlns="" xmlns:asvg="http://schemas.microsoft.com/office/drawing/2016/SVG/main" r:embed="rId9"/>
               </a:ext>
             </a:extLst>
           </a:blip>
@@ -24638,7 +25208,7 @@
                 <a14:useLocalDpi xmlns:a14="http://schemas.microsoft.com/office/drawing/2010/main" val="0"/>
               </a:ext>
               <a:ext uri="{96DAC541-7B7A-43D3-8B79-37D633B846F1}">
-                <asvg:svgBlip xmlns:asvg="http://schemas.microsoft.com/office/drawing/2016/SVG/main" xmlns="" r:embed="rId11"/>
+                <asvg:svgBlip xmlns="" xmlns:asvg="http://schemas.microsoft.com/office/drawing/2016/SVG/main" r:embed="rId11"/>
               </a:ext>
             </a:extLst>
           </a:blip>
@@ -27769,7 +28339,7 @@
                   <a14:useLocalDpi xmlns:a14="http://schemas.microsoft.com/office/drawing/2010/main" val="0"/>
                 </a:ext>
                 <a:ext uri="{96DAC541-7B7A-43D3-8B79-37D633B846F1}">
-                  <asvg:svgBlip xmlns:asvg="http://schemas.microsoft.com/office/drawing/2016/SVG/main" xmlns="" r:embed="rId4"/>
+                  <asvg:svgBlip xmlns="" xmlns:asvg="http://schemas.microsoft.com/office/drawing/2016/SVG/main" r:embed="rId4"/>
                 </a:ext>
               </a:extLst>
             </a:blip>
@@ -27865,7 +28435,7 @@
                   <a14:useLocalDpi xmlns:a14="http://schemas.microsoft.com/office/drawing/2010/main" val="0"/>
                 </a:ext>
                 <a:ext uri="{96DAC541-7B7A-43D3-8B79-37D633B846F1}">
-                  <asvg:svgBlip xmlns:asvg="http://schemas.microsoft.com/office/drawing/2016/SVG/main" xmlns="" r:embed="rId4"/>
+                  <asvg:svgBlip xmlns="" xmlns:asvg="http://schemas.microsoft.com/office/drawing/2016/SVG/main" r:embed="rId4"/>
                 </a:ext>
               </a:extLst>
             </a:blip>
@@ -28051,7 +28621,7 @@
                   <a14:useLocalDpi xmlns:a14="http://schemas.microsoft.com/office/drawing/2010/main" val="0"/>
                 </a:ext>
                 <a:ext uri="{96DAC541-7B7A-43D3-8B79-37D633B846F1}">
-                  <asvg:svgBlip xmlns:asvg="http://schemas.microsoft.com/office/drawing/2016/SVG/main" xmlns="" r:embed="rId4"/>
+                  <asvg:svgBlip xmlns="" xmlns:asvg="http://schemas.microsoft.com/office/drawing/2016/SVG/main" r:embed="rId4"/>
                 </a:ext>
               </a:extLst>
             </a:blip>
@@ -28147,7 +28717,7 @@
                   <a14:useLocalDpi xmlns:a14="http://schemas.microsoft.com/office/drawing/2010/main" val="0"/>
                 </a:ext>
                 <a:ext uri="{96DAC541-7B7A-43D3-8B79-37D633B846F1}">
-                  <asvg:svgBlip xmlns:asvg="http://schemas.microsoft.com/office/drawing/2016/SVG/main" xmlns="" r:embed="rId4"/>
+                  <asvg:svgBlip xmlns="" xmlns:asvg="http://schemas.microsoft.com/office/drawing/2016/SVG/main" r:embed="rId4"/>
                 </a:ext>
               </a:extLst>
             </a:blip>
@@ -29186,7 +29756,7 @@
                   <a14:useLocalDpi xmlns:a14="http://schemas.microsoft.com/office/drawing/2010/main" val="0"/>
                 </a:ext>
                 <a:ext uri="{96DAC541-7B7A-43D3-8B79-37D633B846F1}">
-                  <asvg:svgBlip xmlns:asvg="http://schemas.microsoft.com/office/drawing/2016/SVG/main" xmlns="" r:embed="rId3"/>
+                  <asvg:svgBlip xmlns="" xmlns:asvg="http://schemas.microsoft.com/office/drawing/2016/SVG/main" r:embed="rId3"/>
                 </a:ext>
               </a:extLst>
             </a:blip>
@@ -29282,7 +29852,7 @@
                   <a14:useLocalDpi xmlns:a14="http://schemas.microsoft.com/office/drawing/2010/main" val="0"/>
                 </a:ext>
                 <a:ext uri="{96DAC541-7B7A-43D3-8B79-37D633B846F1}">
-                  <asvg:svgBlip xmlns:asvg="http://schemas.microsoft.com/office/drawing/2016/SVG/main" xmlns="" r:embed="rId3"/>
+                  <asvg:svgBlip xmlns="" xmlns:asvg="http://schemas.microsoft.com/office/drawing/2016/SVG/main" r:embed="rId3"/>
                 </a:ext>
               </a:extLst>
             </a:blip>
@@ -29378,7 +29948,7 @@
                   <a14:useLocalDpi xmlns:a14="http://schemas.microsoft.com/office/drawing/2010/main" val="0"/>
                 </a:ext>
                 <a:ext uri="{96DAC541-7B7A-43D3-8B79-37D633B846F1}">
-                  <asvg:svgBlip xmlns:asvg="http://schemas.microsoft.com/office/drawing/2016/SVG/main" xmlns="" r:embed="rId3"/>
+                  <asvg:svgBlip xmlns="" xmlns:asvg="http://schemas.microsoft.com/office/drawing/2016/SVG/main" r:embed="rId3"/>
                 </a:ext>
               </a:extLst>
             </a:blip>
@@ -29474,7 +30044,7 @@
                   <a14:useLocalDpi xmlns:a14="http://schemas.microsoft.com/office/drawing/2010/main" val="0"/>
                 </a:ext>
                 <a:ext uri="{96DAC541-7B7A-43D3-8B79-37D633B846F1}">
-                  <asvg:svgBlip xmlns:asvg="http://schemas.microsoft.com/office/drawing/2016/SVG/main" xmlns="" r:embed="rId3"/>
+                  <asvg:svgBlip xmlns="" xmlns:asvg="http://schemas.microsoft.com/office/drawing/2016/SVG/main" r:embed="rId3"/>
                 </a:ext>
               </a:extLst>
             </a:blip>
@@ -33497,7 +34067,7 @@
                 <a14:useLocalDpi xmlns:a14="http://schemas.microsoft.com/office/drawing/2010/main" val="0"/>
               </a:ext>
               <a:ext uri="{96DAC541-7B7A-43D3-8B79-37D633B846F1}">
-                <asvg:svgBlip xmlns:asvg="http://schemas.microsoft.com/office/drawing/2016/SVG/main" xmlns="" r:embed="rId5"/>
+                <asvg:svgBlip xmlns="" xmlns:asvg="http://schemas.microsoft.com/office/drawing/2016/SVG/main" r:embed="rId5"/>
               </a:ext>
             </a:extLst>
           </a:blip>
@@ -33536,7 +34106,7 @@
                 <a14:useLocalDpi xmlns:a14="http://schemas.microsoft.com/office/drawing/2010/main" val="0"/>
               </a:ext>
               <a:ext uri="{96DAC541-7B7A-43D3-8B79-37D633B846F1}">
-                <asvg:svgBlip xmlns:asvg="http://schemas.microsoft.com/office/drawing/2016/SVG/main" xmlns="" r:embed="rId7"/>
+                <asvg:svgBlip xmlns="" xmlns:asvg="http://schemas.microsoft.com/office/drawing/2016/SVG/main" r:embed="rId7"/>
               </a:ext>
             </a:extLst>
           </a:blip>
@@ -33575,7 +34145,7 @@
                 <a14:useLocalDpi xmlns:a14="http://schemas.microsoft.com/office/drawing/2010/main" val="0"/>
               </a:ext>
               <a:ext uri="{96DAC541-7B7A-43D3-8B79-37D633B846F1}">
-                <asvg:svgBlip xmlns:asvg="http://schemas.microsoft.com/office/drawing/2016/SVG/main" xmlns="" r:embed="rId9"/>
+                <asvg:svgBlip xmlns="" xmlns:asvg="http://schemas.microsoft.com/office/drawing/2016/SVG/main" r:embed="rId9"/>
               </a:ext>
             </a:extLst>
           </a:blip>
@@ -33614,7 +34184,7 @@
                 <a14:useLocalDpi xmlns:a14="http://schemas.microsoft.com/office/drawing/2010/main" val="0"/>
               </a:ext>
               <a:ext uri="{96DAC541-7B7A-43D3-8B79-37D633B846F1}">
-                <asvg:svgBlip xmlns:asvg="http://schemas.microsoft.com/office/drawing/2016/SVG/main" xmlns="" r:embed="rId11"/>
+                <asvg:svgBlip xmlns="" xmlns:asvg="http://schemas.microsoft.com/office/drawing/2016/SVG/main" r:embed="rId11"/>
               </a:ext>
             </a:extLst>
           </a:blip>
@@ -34056,7 +34626,7 @@
                   <a14:useLocalDpi xmlns:a14="http://schemas.microsoft.com/office/drawing/2010/main" val="0"/>
                 </a:ext>
                 <a:ext uri="{96DAC541-7B7A-43D3-8B79-37D633B846F1}">
-                  <asvg:svgBlip xmlns:asvg="http://schemas.microsoft.com/office/drawing/2016/SVG/main" xmlns="" r:embed="rId4"/>
+                  <asvg:svgBlip xmlns="" xmlns:asvg="http://schemas.microsoft.com/office/drawing/2016/SVG/main" r:embed="rId4"/>
                 </a:ext>
               </a:extLst>
             </a:blip>
@@ -34152,7 +34722,7 @@
                   <a14:useLocalDpi xmlns:a14="http://schemas.microsoft.com/office/drawing/2010/main" val="0"/>
                 </a:ext>
                 <a:ext uri="{96DAC541-7B7A-43D3-8B79-37D633B846F1}">
-                  <asvg:svgBlip xmlns:asvg="http://schemas.microsoft.com/office/drawing/2016/SVG/main" xmlns="" r:embed="rId4"/>
+                  <asvg:svgBlip xmlns="" xmlns:asvg="http://schemas.microsoft.com/office/drawing/2016/SVG/main" r:embed="rId4"/>
                 </a:ext>
               </a:extLst>
             </a:blip>
@@ -34248,7 +34818,7 @@
                   <a14:useLocalDpi xmlns:a14="http://schemas.microsoft.com/office/drawing/2010/main" val="0"/>
                 </a:ext>
                 <a:ext uri="{96DAC541-7B7A-43D3-8B79-37D633B846F1}">
-                  <asvg:svgBlip xmlns:asvg="http://schemas.microsoft.com/office/drawing/2016/SVG/main" xmlns="" r:embed="rId4"/>
+                  <asvg:svgBlip xmlns="" xmlns:asvg="http://schemas.microsoft.com/office/drawing/2016/SVG/main" r:embed="rId4"/>
                 </a:ext>
               </a:extLst>
             </a:blip>
@@ -34344,7 +34914,7 @@
                   <a14:useLocalDpi xmlns:a14="http://schemas.microsoft.com/office/drawing/2010/main" val="0"/>
                 </a:ext>
                 <a:ext uri="{96DAC541-7B7A-43D3-8B79-37D633B846F1}">
-                  <asvg:svgBlip xmlns:asvg="http://schemas.microsoft.com/office/drawing/2016/SVG/main" xmlns="" r:embed="rId4"/>
+                  <asvg:svgBlip xmlns="" xmlns:asvg="http://schemas.microsoft.com/office/drawing/2016/SVG/main" r:embed="rId4"/>
                 </a:ext>
               </a:extLst>
             </a:blip>
@@ -35014,22 +35584,38 @@
           <a:p>
             <a:pPr marL="342900" lvl="1" indent="-342900"/>
             <a:r>
-              <a:rPr lang="ko-KR" altLang="en-US"/>
-              <a:t>원격저장소에 있는 프로젝트를 처음으로 내려받거나 다른 팀원의 저장소를 내 컴퓨터에 내려받을 때</a:t>
-            </a:r>
-            <a:endParaRPr lang="en-US" altLang="ko-KR"/>
+              <a:rPr lang="ko-KR" altLang="en-US" dirty="0"/>
+              <a:t>원격저장소에 있는 프로젝트를 처음으로 </a:t>
+            </a:r>
+            <a:r>
+              <a:rPr lang="ko-KR" altLang="en-US" dirty="0" err="1"/>
+              <a:t>내려받거나</a:t>
+            </a:r>
+            <a:r>
+              <a:rPr lang="ko-KR" altLang="en-US" dirty="0"/>
+              <a:t> 다른 팀원의 저장소를 내 컴퓨터에 </a:t>
+            </a:r>
+            <a:r>
+              <a:rPr lang="ko-KR" altLang="en-US" dirty="0" err="1"/>
+              <a:t>내려받을</a:t>
+            </a:r>
+            <a:r>
+              <a:rPr lang="ko-KR" altLang="en-US" dirty="0"/>
+              <a:t> 때</a:t>
+            </a:r>
+            <a:endParaRPr lang="en-US" altLang="ko-KR" dirty="0"/>
           </a:p>
           <a:p>
             <a:pPr marL="342900" lvl="1" indent="-342900"/>
             <a:r>
-              <a:rPr lang="ko-KR" altLang="en-US"/>
+              <a:rPr lang="ko-KR" altLang="en-US" dirty="0"/>
               <a:t>저장소 주소 찾는 방법</a:t>
             </a:r>
-            <a:endParaRPr lang="en-US" altLang="ko-KR"/>
+            <a:endParaRPr lang="en-US" altLang="ko-KR" dirty="0"/>
           </a:p>
           <a:p>
             <a:pPr marL="342900" lvl="1" indent="-342900"/>
-            <a:endParaRPr lang="en-US" altLang="ko-KR"/>
+            <a:endParaRPr lang="en-US" altLang="ko-KR" dirty="0"/>
           </a:p>
         </p:txBody>
       </p:sp>
@@ -38421,13 +39007,26 @@
           <a:lstStyle/>
           <a:p>
             <a:r>
+              <a:rPr lang="en-US" altLang="ko-KR" dirty="0">
+                <a:solidFill>
+                  <a:srgbClr val="00B050"/>
+                </a:solidFill>
+              </a:rPr>
+              <a:t>push</a:t>
+            </a:r>
+            <a:r>
               <a:rPr lang="en-US" altLang="ko-KR" dirty="0"/>
-              <a:t>push </a:t>
-            </a:r>
-            <a:r>
-              <a:rPr lang="ko-KR" altLang="en-US" dirty="0"/>
-              <a:t>명령어</a:t>
-            </a:r>
+              <a:t> </a:t>
+            </a:r>
+            <a:r>
+              <a:rPr lang="ko-KR" altLang="en-US" dirty="0" smtClean="0"/>
+              <a:t>명령어 좀 더 알아보자</a:t>
+            </a:r>
+            <a:r>
+              <a:rPr lang="en-US" altLang="ko-KR" dirty="0" smtClean="0"/>
+              <a:t>!</a:t>
+            </a:r>
+            <a:endParaRPr lang="ko-KR" altLang="en-US" dirty="0"/>
           </a:p>
         </p:txBody>
       </p:sp>
@@ -39181,7 +39780,7 @@
                   <a14:useLocalDpi xmlns:a14="http://schemas.microsoft.com/office/drawing/2010/main" val="0"/>
                 </a:ext>
                 <a:ext uri="{96DAC541-7B7A-43D3-8B79-37D633B846F1}">
-                  <asvg:svgBlip xmlns:asvg="http://schemas.microsoft.com/office/drawing/2016/SVG/main" xmlns="" r:embed="rId4"/>
+                  <asvg:svgBlip xmlns="" xmlns:asvg="http://schemas.microsoft.com/office/drawing/2016/SVG/main" r:embed="rId4"/>
                 </a:ext>
               </a:extLst>
             </a:blip>
@@ -39277,7 +39876,7 @@
                   <a14:useLocalDpi xmlns:a14="http://schemas.microsoft.com/office/drawing/2010/main" val="0"/>
                 </a:ext>
                 <a:ext uri="{96DAC541-7B7A-43D3-8B79-37D633B846F1}">
-                  <asvg:svgBlip xmlns:asvg="http://schemas.microsoft.com/office/drawing/2016/SVG/main" xmlns="" r:embed="rId4"/>
+                  <asvg:svgBlip xmlns="" xmlns:asvg="http://schemas.microsoft.com/office/drawing/2016/SVG/main" r:embed="rId4"/>
                 </a:ext>
               </a:extLst>
             </a:blip>
@@ -39447,7 +40046,7 @@
                   <a14:useLocalDpi xmlns:a14="http://schemas.microsoft.com/office/drawing/2010/main" val="0"/>
                 </a:ext>
                 <a:ext uri="{96DAC541-7B7A-43D3-8B79-37D633B846F1}">
-                  <asvg:svgBlip xmlns:asvg="http://schemas.microsoft.com/office/drawing/2016/SVG/main" xmlns="" r:embed="rId4"/>
+                  <asvg:svgBlip xmlns="" xmlns:asvg="http://schemas.microsoft.com/office/drawing/2016/SVG/main" r:embed="rId4"/>
                 </a:ext>
               </a:extLst>
             </a:blip>
@@ -39543,7 +40142,7 @@
                   <a14:useLocalDpi xmlns:a14="http://schemas.microsoft.com/office/drawing/2010/main" val="0"/>
                 </a:ext>
                 <a:ext uri="{96DAC541-7B7A-43D3-8B79-37D633B846F1}">
-                  <asvg:svgBlip xmlns:asvg="http://schemas.microsoft.com/office/drawing/2016/SVG/main" xmlns="" r:embed="rId4"/>
+                  <asvg:svgBlip xmlns="" xmlns:asvg="http://schemas.microsoft.com/office/drawing/2016/SVG/main" r:embed="rId4"/>
                 </a:ext>
               </a:extLst>
             </a:blip>
@@ -41840,6 +42439,271 @@
   <p:cSld>
     <p:spTree>
       <p:nvGrpSpPr>
+        <p:cNvPr id="1" name="">
+          <a:extLst>
+            <a:ext uri="{FF2B5EF4-FFF2-40B4-BE49-F238E27FC236}">
+              <a16:creationId xmlns:a16="http://schemas.microsoft.com/office/drawing/2014/main" id="{0CC1CEDB-82F4-A2F2-6087-6176C5D0A695}"/>
+            </a:ext>
+          </a:extLst>
+        </p:cNvPr>
+        <p:cNvGrpSpPr/>
+        <p:nvPr/>
+      </p:nvGrpSpPr>
+      <p:grpSpPr>
+        <a:xfrm>
+          <a:off x="0" y="0"/>
+          <a:ext cx="0" cy="0"/>
+          <a:chOff x="0" y="0"/>
+          <a:chExt cx="0" cy="0"/>
+        </a:xfrm>
+      </p:grpSpPr>
+      <p:sp>
+        <p:nvSpPr>
+          <p:cNvPr id="2" name="제목 1">
+            <a:extLst>
+              <a:ext uri="{FF2B5EF4-FFF2-40B4-BE49-F238E27FC236}">
+                <a16:creationId xmlns:a16="http://schemas.microsoft.com/office/drawing/2014/main" id="{B3CF0037-9199-60FC-011D-8E5DFE4234DA}"/>
+              </a:ext>
+            </a:extLst>
+          </p:cNvPr>
+          <p:cNvSpPr>
+            <a:spLocks noGrp="1"/>
+          </p:cNvSpPr>
+          <p:nvPr>
+            <p:ph type="title"/>
+          </p:nvPr>
+        </p:nvSpPr>
+        <p:spPr/>
+        <p:txBody>
+          <a:bodyPr/>
+          <a:lstStyle/>
+          <a:p>
+            <a:r>
+              <a:rPr lang="en-US" altLang="ko-KR" dirty="0"/>
+              <a:t>fetch, pull </a:t>
+            </a:r>
+            <a:r>
+              <a:rPr lang="ko-KR" altLang="en-US" dirty="0"/>
+              <a:t>명령어</a:t>
+            </a:r>
+          </a:p>
+        </p:txBody>
+      </p:sp>
+      <p:sp>
+        <p:nvSpPr>
+          <p:cNvPr id="3" name="내용 개체 틀 2">
+            <a:extLst>
+              <a:ext uri="{FF2B5EF4-FFF2-40B4-BE49-F238E27FC236}">
+                <a16:creationId xmlns:a16="http://schemas.microsoft.com/office/drawing/2014/main" id="{02F1E1E0-3DBA-A79B-86C3-A489DDC15C33}"/>
+              </a:ext>
+            </a:extLst>
+          </p:cNvPr>
+          <p:cNvSpPr>
+            <a:spLocks noGrp="1"/>
+          </p:cNvSpPr>
+          <p:nvPr>
+            <p:ph idx="1"/>
+          </p:nvPr>
+        </p:nvSpPr>
+        <p:spPr/>
+        <p:txBody>
+          <a:bodyPr/>
+          <a:lstStyle/>
+          <a:p>
+            <a:r>
+              <a:rPr lang="en-US" altLang="ko-KR" dirty="0"/>
+              <a:t>fetch</a:t>
+            </a:r>
+          </a:p>
+          <a:p>
+            <a:pPr lvl="1"/>
+            <a:r>
+              <a:rPr lang="en-US" altLang="ko-KR" dirty="0"/>
+              <a:t>git</a:t>
+            </a:r>
+            <a:r>
+              <a:rPr lang="ko-KR" altLang="en-US" dirty="0"/>
+              <a:t> </a:t>
+            </a:r>
+            <a:r>
+              <a:rPr lang="en-US" altLang="ko-KR" dirty="0"/>
+              <a:t>fetch </a:t>
+            </a:r>
+          </a:p>
+          <a:p>
+            <a:pPr lvl="1"/>
+            <a:r>
+              <a:rPr lang="en-US" altLang="ko-KR" dirty="0"/>
+              <a:t>Remote</a:t>
+            </a:r>
+            <a:r>
+              <a:rPr lang="ko-KR" altLang="en-US" dirty="0"/>
+              <a:t> </a:t>
+            </a:r>
+            <a:r>
+              <a:rPr lang="en-US" altLang="ko-KR" dirty="0"/>
+              <a:t>Repo.</a:t>
+            </a:r>
+            <a:r>
+              <a:rPr lang="ko-KR" altLang="en-US" dirty="0"/>
+              <a:t>의 </a:t>
+            </a:r>
+            <a:r>
+              <a:rPr lang="en-US" altLang="ko-KR" dirty="0"/>
+              <a:t>Branch </a:t>
+            </a:r>
+            <a:r>
+              <a:rPr lang="ko-KR" altLang="en-US" dirty="0"/>
+              <a:t>와 </a:t>
+            </a:r>
+            <a:r>
+              <a:rPr lang="en-US" altLang="ko-KR" dirty="0"/>
+              <a:t>Local Repo. Branch </a:t>
+            </a:r>
+            <a:r>
+              <a:rPr lang="ko-KR" altLang="en-US" dirty="0"/>
+              <a:t>사이의 변동 사항만 가져옴</a:t>
+            </a:r>
+            <a:endParaRPr lang="en-US" altLang="ko-KR" dirty="0"/>
+          </a:p>
+          <a:p>
+            <a:pPr lvl="1"/>
+            <a:r>
+              <a:rPr lang="en-US" altLang="ko-KR" dirty="0"/>
+              <a:t>Merge</a:t>
+            </a:r>
+            <a:r>
+              <a:rPr lang="ko-KR" altLang="en-US" dirty="0"/>
+              <a:t>가 이루어지지는 않음</a:t>
+            </a:r>
+            <a:endParaRPr lang="en-US" altLang="ko-KR" dirty="0"/>
+          </a:p>
+          <a:p>
+            <a:pPr lvl="1"/>
+            <a:endParaRPr lang="en-US" altLang="ko-KR" dirty="0"/>
+          </a:p>
+          <a:p>
+            <a:r>
+              <a:rPr lang="en-US" altLang="ko-KR" dirty="0"/>
+              <a:t>pull</a:t>
+            </a:r>
+          </a:p>
+          <a:p>
+            <a:pPr lvl="1"/>
+            <a:r>
+              <a:rPr lang="en-US" altLang="ko-KR" dirty="0"/>
+              <a:t>git pull</a:t>
+            </a:r>
+          </a:p>
+          <a:p>
+            <a:pPr lvl="1"/>
+            <a:r>
+              <a:rPr lang="en-US" altLang="ko-KR" dirty="0"/>
+              <a:t>Remote Repo.</a:t>
+            </a:r>
+            <a:r>
+              <a:rPr lang="ko-KR" altLang="en-US" dirty="0"/>
+              <a:t>의 </a:t>
+            </a:r>
+            <a:r>
+              <a:rPr lang="en-US" altLang="ko-KR" dirty="0"/>
+              <a:t>Branch </a:t>
+            </a:r>
+            <a:r>
+              <a:rPr lang="ko-KR" altLang="en-US" dirty="0"/>
+              <a:t>와 </a:t>
+            </a:r>
+            <a:r>
+              <a:rPr lang="en-US" altLang="ko-KR" dirty="0"/>
+              <a:t>Local Repo. Branch</a:t>
+            </a:r>
+            <a:r>
+              <a:rPr lang="ko-KR" altLang="en-US" dirty="0"/>
+              <a:t>를 </a:t>
+            </a:r>
+            <a:r>
+              <a:rPr lang="en-US" altLang="ko-KR" dirty="0"/>
+              <a:t>Merge</a:t>
+            </a:r>
+          </a:p>
+        </p:txBody>
+      </p:sp>
+      <p:sp>
+        <p:nvSpPr>
+          <p:cNvPr id="4" name="날짜 개체 틀 3">
+            <a:extLst>
+              <a:ext uri="{FF2B5EF4-FFF2-40B4-BE49-F238E27FC236}">
+                <a16:creationId xmlns:a16="http://schemas.microsoft.com/office/drawing/2014/main" id="{F0FDCA83-9094-1A25-F1EE-D910E6B6E64C}"/>
+              </a:ext>
+            </a:extLst>
+          </p:cNvPr>
+          <p:cNvSpPr>
+            <a:spLocks noGrp="1"/>
+          </p:cNvSpPr>
+          <p:nvPr>
+            <p:ph type="dt" sz="half" idx="10"/>
+          </p:nvPr>
+        </p:nvSpPr>
+        <p:spPr/>
+        <p:txBody>
+          <a:bodyPr/>
+          <a:lstStyle/>
+          <a:p>
+            <a:fld id="{0F78D9C4-20C1-4B15-A116-16DC77AD9A1E}" type="datetime1">
+              <a:rPr lang="ko-KR" altLang="en-US" smtClean="0"/>
+              <a:t>2025-04-22</a:t>
+            </a:fld>
+            <a:endParaRPr lang="ko-KR" altLang="en-US"/>
+          </a:p>
+        </p:txBody>
+      </p:sp>
+      <p:sp>
+        <p:nvSpPr>
+          <p:cNvPr id="5" name="슬라이드 번호 개체 틀 4">
+            <a:extLst>
+              <a:ext uri="{FF2B5EF4-FFF2-40B4-BE49-F238E27FC236}">
+                <a16:creationId xmlns:a16="http://schemas.microsoft.com/office/drawing/2014/main" id="{019277E8-A558-D6FD-2D7F-9EA7BEDE64A9}"/>
+              </a:ext>
+            </a:extLst>
+          </p:cNvPr>
+          <p:cNvSpPr>
+            <a:spLocks noGrp="1"/>
+          </p:cNvSpPr>
+          <p:nvPr>
+            <p:ph type="sldNum" sz="quarter" idx="12"/>
+          </p:nvPr>
+        </p:nvSpPr>
+        <p:spPr/>
+        <p:txBody>
+          <a:bodyPr/>
+          <a:lstStyle/>
+          <a:p>
+            <a:fld id="{083A2CE0-18CD-4102-B738-4ACFF9E68BA4}" type="slidenum">
+              <a:rPr lang="ko-KR" altLang="en-US" smtClean="0"/>
+              <a:t>63</a:t>
+            </a:fld>
+            <a:endParaRPr lang="ko-KR" altLang="en-US"/>
+          </a:p>
+        </p:txBody>
+      </p:sp>
+    </p:spTree>
+    <p:extLst>
+      <p:ext uri="{BB962C8B-B14F-4D97-AF65-F5344CB8AC3E}">
+        <p14:creationId xmlns:p14="http://schemas.microsoft.com/office/powerpoint/2010/main" val="485638779"/>
+      </p:ext>
+    </p:extLst>
+  </p:cSld>
+  <p:clrMapOvr>
+    <a:masterClrMapping/>
+  </p:clrMapOvr>
+</p:sld>
+</file>
+
+<file path=ppt/slides/slide64.xml><?xml version="1.0" encoding="utf-8"?>
+<p:sld xmlns:a="http://schemas.openxmlformats.org/drawingml/2006/main" xmlns:r="http://schemas.openxmlformats.org/officeDocument/2006/relationships" xmlns:p="http://schemas.openxmlformats.org/presentationml/2006/main">
+  <p:cSld>
+    <p:spTree>
+      <p:nvGrpSpPr>
         <p:cNvPr id="1" name=""/>
         <p:cNvGrpSpPr/>
         <p:nvPr/>
@@ -42200,7 +43064,7 @@
           <a:p>
             <a:fld id="{083A2CE0-18CD-4102-B738-4ACFF9E68BA4}" type="slidenum">
               <a:rPr lang="ko-KR" altLang="en-US" smtClean="0"/>
-              <a:t>63</a:t>
+              <a:t>64</a:t>
             </a:fld>
             <a:endParaRPr lang="ko-KR" altLang="en-US"/>
           </a:p>
@@ -42249,109 +43113,6 @@
 </p:sld>
 </file>
 
-<file path=ppt/slides/slide64.xml><?xml version="1.0" encoding="utf-8"?>
-<p:sld xmlns:a="http://schemas.openxmlformats.org/drawingml/2006/main" xmlns:r="http://schemas.openxmlformats.org/officeDocument/2006/relationships" xmlns:p="http://schemas.openxmlformats.org/presentationml/2006/main">
-  <p:cSld>
-    <p:spTree>
-      <p:nvGrpSpPr>
-        <p:cNvPr id="1" name=""/>
-        <p:cNvGrpSpPr/>
-        <p:nvPr/>
-      </p:nvGrpSpPr>
-      <p:grpSpPr>
-        <a:xfrm>
-          <a:off x="0" y="0"/>
-          <a:ext cx="0" cy="0"/>
-          <a:chOff x="0" y="0"/>
-          <a:chExt cx="0" cy="0"/>
-        </a:xfrm>
-      </p:grpSpPr>
-      <p:sp>
-        <p:nvSpPr>
-          <p:cNvPr id="3" name="TextBox 2">
-            <a:extLst>
-              <a:ext uri="{FF2B5EF4-FFF2-40B4-BE49-F238E27FC236}">
-                <a16:creationId xmlns:a16="http://schemas.microsoft.com/office/drawing/2014/main" id="{E103333C-F6B8-9752-6C28-4A0F3C96C564}"/>
-              </a:ext>
-            </a:extLst>
-          </p:cNvPr>
-          <p:cNvSpPr txBox="1"/>
-          <p:nvPr/>
-        </p:nvSpPr>
-        <p:spPr>
-          <a:xfrm>
-            <a:off x="592016" y="2875002"/>
-            <a:ext cx="11007968" cy="1107996"/>
-          </a:xfrm>
-          <a:prstGeom prst="rect">
-            <a:avLst/>
-          </a:prstGeom>
-          <a:noFill/>
-        </p:spPr>
-        <p:txBody>
-          <a:bodyPr wrap="square" rtlCol="0">
-            <a:spAutoFit/>
-          </a:bodyPr>
-          <a:lstStyle/>
-          <a:p>
-            <a:pPr algn="ctr"/>
-            <a:r>
-              <a:rPr lang="en-US" altLang="ko-KR" sz="6600">
-                <a:latin typeface="G마켓 산스 TTF Bold" panose="02000000000000000000" pitchFamily="2" charset="-127"/>
-                <a:ea typeface="G마켓 산스 TTF Bold" panose="02000000000000000000" pitchFamily="2" charset="-127"/>
-              </a:rPr>
-              <a:t>README.md</a:t>
-            </a:r>
-            <a:endParaRPr lang="ko-KR" altLang="en-US" sz="6600">
-              <a:latin typeface="G마켓 산스 TTF Bold" panose="02000000000000000000" pitchFamily="2" charset="-127"/>
-              <a:ea typeface="G마켓 산스 TTF Bold" panose="02000000000000000000" pitchFamily="2" charset="-127"/>
-            </a:endParaRPr>
-          </a:p>
-        </p:txBody>
-      </p:sp>
-      <p:sp>
-        <p:nvSpPr>
-          <p:cNvPr id="6" name="슬라이드 번호 개체 틀 5">
-            <a:extLst>
-              <a:ext uri="{FF2B5EF4-FFF2-40B4-BE49-F238E27FC236}">
-                <a16:creationId xmlns:a16="http://schemas.microsoft.com/office/drawing/2014/main" id="{C9C973D1-BDD5-8C04-DBD4-F0F467CB242D}"/>
-              </a:ext>
-            </a:extLst>
-          </p:cNvPr>
-          <p:cNvSpPr>
-            <a:spLocks noGrp="1"/>
-          </p:cNvSpPr>
-          <p:nvPr>
-            <p:ph type="sldNum" sz="quarter" idx="12"/>
-          </p:nvPr>
-        </p:nvSpPr>
-        <p:spPr/>
-        <p:txBody>
-          <a:bodyPr/>
-          <a:lstStyle/>
-          <a:p>
-            <a:fld id="{083A2CE0-18CD-4102-B738-4ACFF9E68BA4}" type="slidenum">
-              <a:rPr lang="ko-KR" altLang="en-US" smtClean="0"/>
-              <a:pPr/>
-              <a:t>64</a:t>
-            </a:fld>
-            <a:endParaRPr lang="ko-KR" altLang="en-US"/>
-          </a:p>
-        </p:txBody>
-      </p:sp>
-    </p:spTree>
-    <p:extLst>
-      <p:ext uri="{BB962C8B-B14F-4D97-AF65-F5344CB8AC3E}">
-        <p14:creationId xmlns:p14="http://schemas.microsoft.com/office/powerpoint/2010/main" val="1896709601"/>
-      </p:ext>
-    </p:extLst>
-  </p:cSld>
-  <p:clrMapOvr>
-    <a:masterClrMapping/>
-  </p:clrMapOvr>
-</p:sld>
-</file>
-
 <file path=ppt/slides/slide65.xml><?xml version="1.0" encoding="utf-8"?>
 <p:sld xmlns:a="http://schemas.openxmlformats.org/drawingml/2006/main" xmlns:r="http://schemas.openxmlformats.org/officeDocument/2006/relationships" xmlns:p="http://schemas.openxmlformats.org/presentationml/2006/main">
   <p:cSld>
@@ -42371,138 +43132,53 @@
       </p:grpSpPr>
       <p:sp>
         <p:nvSpPr>
-          <p:cNvPr id="2" name="제목 1">
-            <a:extLst>
-              <a:ext uri="{FF2B5EF4-FFF2-40B4-BE49-F238E27FC236}">
-                <a16:creationId xmlns:a16="http://schemas.microsoft.com/office/drawing/2014/main" id="{A24AB2F2-A5E0-AB9D-38EA-35ADDFA2CAA4}"/>
-              </a:ext>
-            </a:extLst>
-          </p:cNvPr>
-          <p:cNvSpPr>
-            <a:spLocks noGrp="1"/>
-          </p:cNvSpPr>
-          <p:nvPr>
-            <p:ph type="title"/>
-          </p:nvPr>
-        </p:nvSpPr>
-        <p:spPr/>
-        <p:txBody>
-          <a:bodyPr/>
-          <a:lstStyle/>
-          <a:p>
-            <a:r>
-              <a:rPr lang="en-US" altLang="ko-KR"/>
-              <a:t>README</a:t>
-            </a:r>
-            <a:endParaRPr lang="ko-KR" altLang="en-US"/>
-          </a:p>
-        </p:txBody>
-      </p:sp>
-      <p:sp>
-        <p:nvSpPr>
-          <p:cNvPr id="3" name="내용 개체 틀 2">
-            <a:extLst>
-              <a:ext uri="{FF2B5EF4-FFF2-40B4-BE49-F238E27FC236}">
-                <a16:creationId xmlns:a16="http://schemas.microsoft.com/office/drawing/2014/main" id="{BAC9AFAA-4049-7711-CFE3-FA8CAA188449}"/>
-              </a:ext>
-            </a:extLst>
-          </p:cNvPr>
-          <p:cNvSpPr>
-            <a:spLocks noGrp="1"/>
-          </p:cNvSpPr>
-          <p:nvPr>
-            <p:ph idx="1"/>
-          </p:nvPr>
+          <p:cNvPr id="3" name="TextBox 2">
+            <a:extLst>
+              <a:ext uri="{FF2B5EF4-FFF2-40B4-BE49-F238E27FC236}">
+                <a16:creationId xmlns:a16="http://schemas.microsoft.com/office/drawing/2014/main" id="{E103333C-F6B8-9752-6C28-4A0F3C96C564}"/>
+              </a:ext>
+            </a:extLst>
+          </p:cNvPr>
+          <p:cNvSpPr txBox="1"/>
+          <p:nvPr/>
         </p:nvSpPr>
         <p:spPr>
           <a:xfrm>
-            <a:off x="838200" y="1325563"/>
-            <a:ext cx="10515600" cy="4851400"/>
+            <a:off x="592016" y="2875002"/>
+            <a:ext cx="11007968" cy="1107996"/>
           </a:xfrm>
+          <a:prstGeom prst="rect">
+            <a:avLst/>
+          </a:prstGeom>
+          <a:noFill/>
         </p:spPr>
         <p:txBody>
-          <a:bodyPr/>
-          <a:lstStyle/>
-          <a:p>
-            <a:pPr>
-              <a:lnSpc>
-                <a:spcPct val="150000"/>
-              </a:lnSpc>
-            </a:pPr>
-            <a:r>
-              <a:rPr lang="en-US" altLang="ko-KR" dirty="0" err="1"/>
-              <a:t>Git</a:t>
-            </a:r>
-            <a:r>
-              <a:rPr lang="en-US" altLang="ko-KR" dirty="0"/>
-              <a:t> </a:t>
-            </a:r>
-            <a:r>
-              <a:rPr lang="ko-KR" altLang="en-US" dirty="0"/>
-              <a:t>저장소에서 프로젝트의 개요와 사용법을 문서화</a:t>
-            </a:r>
-            <a:endParaRPr lang="en-US" altLang="ko-KR" dirty="0"/>
-          </a:p>
-          <a:p>
-            <a:pPr>
-              <a:lnSpc>
-                <a:spcPct val="150000"/>
-              </a:lnSpc>
-            </a:pPr>
-            <a:r>
-              <a:rPr lang="en-US" altLang="ko-KR" dirty="0"/>
-              <a:t>Markdown </a:t>
-            </a:r>
-            <a:r>
-              <a:rPr lang="ko-KR" altLang="en-US" dirty="0"/>
-              <a:t>언어로 작성</a:t>
-            </a:r>
-            <a:endParaRPr lang="en-US" altLang="ko-KR" dirty="0"/>
-          </a:p>
-          <a:p>
-            <a:pPr>
-              <a:lnSpc>
-                <a:spcPct val="150000"/>
-              </a:lnSpc>
-            </a:pPr>
-            <a:r>
-              <a:rPr lang="ko-KR" altLang="en-US" dirty="0"/>
-              <a:t>프로젝트를 보는 사람들이 해당 프로젝트의 내용을 이해할 수 있도록 설명해주는 것이 일반적</a:t>
-            </a:r>
-            <a:endParaRPr lang="en-US" altLang="ko-KR" dirty="0"/>
-          </a:p>
-          <a:p>
-            <a:pPr>
-              <a:lnSpc>
-                <a:spcPct val="150000"/>
-              </a:lnSpc>
-            </a:pPr>
-            <a:r>
-              <a:rPr lang="en-US" altLang="ko-KR" dirty="0"/>
-              <a:t>README</a:t>
-            </a:r>
-            <a:r>
-              <a:rPr lang="ko-KR" altLang="en-US" dirty="0"/>
-              <a:t>를 작성하는 방법에 양식은 없음</a:t>
-            </a:r>
-            <a:endParaRPr lang="en-US" altLang="ko-KR" dirty="0"/>
-          </a:p>
-          <a:p>
-            <a:pPr>
-              <a:lnSpc>
-                <a:spcPct val="150000"/>
-              </a:lnSpc>
-            </a:pPr>
-            <a:endParaRPr lang="ko-KR" altLang="en-US" dirty="0"/>
-          </a:p>
-        </p:txBody>
-      </p:sp>
-      <p:sp>
-        <p:nvSpPr>
-          <p:cNvPr id="4" name="슬라이드 번호 개체 틀 3">
-            <a:extLst>
-              <a:ext uri="{FF2B5EF4-FFF2-40B4-BE49-F238E27FC236}">
-                <a16:creationId xmlns:a16="http://schemas.microsoft.com/office/drawing/2014/main" id="{57FD43E0-16C1-094C-0AC1-9566585EA9E7}"/>
+          <a:bodyPr wrap="square" rtlCol="0">
+            <a:spAutoFit/>
+          </a:bodyPr>
+          <a:lstStyle/>
+          <a:p>
+            <a:pPr algn="ctr"/>
+            <a:r>
+              <a:rPr lang="en-US" altLang="ko-KR" sz="6600">
+                <a:latin typeface="G마켓 산스 TTF Bold" panose="02000000000000000000" pitchFamily="2" charset="-127"/>
+                <a:ea typeface="G마켓 산스 TTF Bold" panose="02000000000000000000" pitchFamily="2" charset="-127"/>
+              </a:rPr>
+              <a:t>README.md</a:t>
+            </a:r>
+            <a:endParaRPr lang="ko-KR" altLang="en-US" sz="6600">
+              <a:latin typeface="G마켓 산스 TTF Bold" panose="02000000000000000000" pitchFamily="2" charset="-127"/>
+              <a:ea typeface="G마켓 산스 TTF Bold" panose="02000000000000000000" pitchFamily="2" charset="-127"/>
+            </a:endParaRPr>
+          </a:p>
+        </p:txBody>
+      </p:sp>
+      <p:sp>
+        <p:nvSpPr>
+          <p:cNvPr id="6" name="슬라이드 번호 개체 틀 5">
+            <a:extLst>
+              <a:ext uri="{FF2B5EF4-FFF2-40B4-BE49-F238E27FC236}">
+                <a16:creationId xmlns:a16="http://schemas.microsoft.com/office/drawing/2014/main" id="{C9C973D1-BDD5-8C04-DBD4-F0F467CB242D}"/>
               </a:ext>
             </a:extLst>
           </p:cNvPr>
@@ -42530,20 +43206,13 @@
     </p:spTree>
     <p:extLst>
       <p:ext uri="{BB962C8B-B14F-4D97-AF65-F5344CB8AC3E}">
-        <p14:creationId xmlns:p14="http://schemas.microsoft.com/office/powerpoint/2010/main" val="387671808"/>
+        <p14:creationId xmlns:p14="http://schemas.microsoft.com/office/powerpoint/2010/main" val="1896709601"/>
       </p:ext>
     </p:extLst>
   </p:cSld>
   <p:clrMapOvr>
     <a:masterClrMapping/>
   </p:clrMapOvr>
-  <p:timing>
-    <p:tnLst>
-      <p:par>
-        <p:cTn id="1" dur="indefinite" restart="never" nodeType="tmRoot"/>
-      </p:par>
-    </p:tnLst>
-  </p:timing>
 </p:sld>
 </file>
 
@@ -42569,7 +43238,7 @@
           <p:cNvPr id="2" name="제목 1">
             <a:extLst>
               <a:ext uri="{FF2B5EF4-FFF2-40B4-BE49-F238E27FC236}">
-                <a16:creationId xmlns:a16="http://schemas.microsoft.com/office/drawing/2014/main" id="{65B593AB-5185-9820-C506-23272634862C}"/>
+                <a16:creationId xmlns:a16="http://schemas.microsoft.com/office/drawing/2014/main" id="{A24AB2F2-A5E0-AB9D-38EA-35ADDFA2CAA4}"/>
               </a:ext>
             </a:extLst>
           </p:cNvPr>
@@ -42587,12 +43256,9 @@
           <a:p>
             <a:r>
               <a:rPr lang="en-US" altLang="ko-KR"/>
-              <a:t>Markdown </a:t>
-            </a:r>
-            <a:r>
-              <a:rPr lang="ko-KR" altLang="en-US"/>
-              <a:t>문법</a:t>
-            </a:r>
+              <a:t>README</a:t>
+            </a:r>
+            <a:endParaRPr lang="ko-KR" altLang="en-US"/>
           </a:p>
         </p:txBody>
       </p:sp>
@@ -42601,7 +43267,7 @@
           <p:cNvPr id="3" name="내용 개체 틀 2">
             <a:extLst>
               <a:ext uri="{FF2B5EF4-FFF2-40B4-BE49-F238E27FC236}">
-                <a16:creationId xmlns:a16="http://schemas.microsoft.com/office/drawing/2014/main" id="{B15C32B3-44A7-DA1C-F752-26C1382BBD5F}"/>
+                <a16:creationId xmlns:a16="http://schemas.microsoft.com/office/drawing/2014/main" id="{BAC9AFAA-4049-7711-CFE3-FA8CAA188449}"/>
               </a:ext>
             </a:extLst>
           </p:cNvPr>
@@ -42619,245 +43285,76 @@
           </a:xfrm>
         </p:spPr>
         <p:txBody>
-          <a:bodyPr>
-            <a:normAutofit lnSpcReduction="10000"/>
-          </a:bodyPr>
+          <a:bodyPr/>
           <a:lstStyle/>
           <a:p>
             <a:pPr>
               <a:lnSpc>
-                <a:spcPct val="120000"/>
+                <a:spcPct val="150000"/>
               </a:lnSpc>
             </a:pPr>
             <a:r>
+              <a:rPr lang="en-US" altLang="ko-KR" dirty="0" err="1"/>
+              <a:t>Git</a:t>
+            </a:r>
+            <a:r>
+              <a:rPr lang="en-US" altLang="ko-KR" dirty="0"/>
+              <a:t> </a:t>
+            </a:r>
+            <a:r>
               <a:rPr lang="ko-KR" altLang="en-US" dirty="0"/>
-              <a:t>제목 </a:t>
-            </a:r>
-            <a:r>
-              <a:rPr lang="en-US" altLang="ko-KR" dirty="0"/>
-              <a:t>: # 1</a:t>
-            </a:r>
-            <a:r>
-              <a:rPr lang="ko-KR" altLang="en-US" dirty="0"/>
-              <a:t> 개</a:t>
-            </a:r>
-            <a:r>
-              <a:rPr lang="en-US" altLang="ko-KR" dirty="0"/>
-              <a:t>~ 6 </a:t>
-            </a:r>
-            <a:r>
-              <a:rPr lang="ko-KR" altLang="en-US" dirty="0"/>
-              <a:t>개</a:t>
+              <a:t>저장소에서 프로젝트의 개요와 사용법을 문서화</a:t>
             </a:r>
             <a:endParaRPr lang="en-US" altLang="ko-KR" dirty="0"/>
           </a:p>
           <a:p>
             <a:pPr>
               <a:lnSpc>
-                <a:spcPct val="120000"/>
+                <a:spcPct val="150000"/>
               </a:lnSpc>
             </a:pPr>
             <a:r>
+              <a:rPr lang="en-US" altLang="ko-KR" dirty="0"/>
+              <a:t>Markdown </a:t>
+            </a:r>
+            <a:r>
               <a:rPr lang="ko-KR" altLang="en-US" dirty="0"/>
-              <a:t>기울임 </a:t>
-            </a:r>
-            <a:r>
-              <a:rPr lang="en-US" altLang="ko-KR" dirty="0"/>
-              <a:t>: *</a:t>
-            </a:r>
-            <a:r>
-              <a:rPr lang="ko-KR" altLang="en-US" dirty="0"/>
-              <a:t>기울임</a:t>
-            </a:r>
-            <a:r>
-              <a:rPr lang="en-US" altLang="ko-KR" dirty="0"/>
-              <a:t>* or _</a:t>
-            </a:r>
-            <a:r>
-              <a:rPr lang="ko-KR" altLang="en-US" dirty="0"/>
-              <a:t>기울임</a:t>
-            </a:r>
-            <a:r>
-              <a:rPr lang="en-US" altLang="ko-KR" dirty="0"/>
-              <a:t>_</a:t>
-            </a:r>
+              <a:t>언어로 작성</a:t>
+            </a:r>
+            <a:endParaRPr lang="en-US" altLang="ko-KR" dirty="0"/>
           </a:p>
           <a:p>
             <a:pPr>
               <a:lnSpc>
-                <a:spcPct val="120000"/>
+                <a:spcPct val="150000"/>
               </a:lnSpc>
             </a:pPr>
             <a:r>
               <a:rPr lang="ko-KR" altLang="en-US" dirty="0"/>
-              <a:t>굵게 </a:t>
-            </a:r>
-            <a:r>
-              <a:rPr lang="en-US" altLang="ko-KR" dirty="0"/>
-              <a:t>: **</a:t>
-            </a:r>
-            <a:r>
-              <a:rPr lang="ko-KR" altLang="en-US" dirty="0"/>
-              <a:t>굵게</a:t>
-            </a:r>
-            <a:r>
-              <a:rPr lang="en-US" altLang="ko-KR" dirty="0"/>
-              <a:t>** or</a:t>
-            </a:r>
-            <a:r>
-              <a:rPr lang="ko-KR" altLang="en-US" dirty="0"/>
-              <a:t> </a:t>
-            </a:r>
-            <a:r>
-              <a:rPr lang="en-US" altLang="ko-KR" dirty="0"/>
-              <a:t>__</a:t>
-            </a:r>
-            <a:r>
-              <a:rPr lang="ko-KR" altLang="en-US" dirty="0"/>
-              <a:t>굵게</a:t>
-            </a:r>
-            <a:r>
-              <a:rPr lang="en-US" altLang="ko-KR" dirty="0"/>
-              <a:t>__</a:t>
-            </a:r>
+              <a:t>프로젝트를 보는 사람들이 해당 프로젝트의 내용을 이해할 수 있도록 설명해주는 것이 일반적</a:t>
+            </a:r>
+            <a:endParaRPr lang="en-US" altLang="ko-KR" dirty="0"/>
           </a:p>
           <a:p>
             <a:pPr>
               <a:lnSpc>
-                <a:spcPct val="120000"/>
+                <a:spcPct val="150000"/>
               </a:lnSpc>
             </a:pPr>
             <a:r>
+              <a:rPr lang="en-US" altLang="ko-KR" dirty="0"/>
+              <a:t>README</a:t>
+            </a:r>
+            <a:r>
               <a:rPr lang="ko-KR" altLang="en-US" dirty="0"/>
-              <a:t>기울임</a:t>
-            </a:r>
-            <a:r>
-              <a:rPr lang="en-US" altLang="ko-KR" dirty="0"/>
-              <a:t>+</a:t>
-            </a:r>
-            <a:r>
-              <a:rPr lang="ko-KR" altLang="en-US" dirty="0"/>
-              <a:t>굵게 </a:t>
-            </a:r>
-            <a:r>
-              <a:rPr lang="en-US" altLang="ko-KR" dirty="0"/>
-              <a:t>: ***</a:t>
-            </a:r>
-            <a:r>
-              <a:rPr lang="ko-KR" altLang="en-US" dirty="0"/>
-              <a:t>기울임과 굵게</a:t>
-            </a:r>
-            <a:r>
-              <a:rPr lang="en-US" altLang="ko-KR" dirty="0"/>
-              <a:t>*** or ___</a:t>
-            </a:r>
-            <a:r>
-              <a:rPr lang="ko-KR" altLang="en-US" dirty="0"/>
-              <a:t>기울임과 굵게</a:t>
-            </a:r>
-            <a:r>
-              <a:rPr lang="en-US" altLang="ko-KR" dirty="0"/>
-              <a:t>___</a:t>
-            </a:r>
+              <a:t>를 작성하는 방법에 양식은 없음</a:t>
+            </a:r>
+            <a:endParaRPr lang="en-US" altLang="ko-KR" dirty="0"/>
           </a:p>
           <a:p>
             <a:pPr>
               <a:lnSpc>
-                <a:spcPct val="120000"/>
-              </a:lnSpc>
-            </a:pPr>
-            <a:r>
-              <a:rPr lang="ko-KR" altLang="en-US" dirty="0"/>
-              <a:t>취소선 </a:t>
-            </a:r>
-            <a:r>
-              <a:rPr lang="en-US" altLang="ko-KR" dirty="0"/>
-              <a:t>: ~~</a:t>
-            </a:r>
-            <a:r>
-              <a:rPr lang="ko-KR" altLang="en-US" dirty="0"/>
-              <a:t>취소선</a:t>
-            </a:r>
-            <a:r>
-              <a:rPr lang="en-US" altLang="ko-KR" dirty="0"/>
-              <a:t>~~</a:t>
-            </a:r>
-          </a:p>
-          <a:p>
-            <a:pPr>
-              <a:lnSpc>
-                <a:spcPct val="120000"/>
-              </a:lnSpc>
-            </a:pPr>
-            <a:r>
-              <a:rPr lang="ko-KR" altLang="en-US" dirty="0" err="1"/>
-              <a:t>이모지</a:t>
-            </a:r>
-            <a:r>
-              <a:rPr lang="ko-KR" altLang="en-US" dirty="0"/>
-              <a:t> </a:t>
-            </a:r>
-            <a:r>
-              <a:rPr lang="en-US" altLang="ko-KR" dirty="0"/>
-              <a:t>:  :smile:,  :heart:,  :rocket:</a:t>
-            </a:r>
-          </a:p>
-          <a:p>
-            <a:pPr lvl="1">
-              <a:lnSpc>
-                <a:spcPct val="120000"/>
-              </a:lnSpc>
-            </a:pPr>
-            <a:r>
-              <a:rPr lang="ko-KR" altLang="en-US" dirty="0" err="1">
-                <a:hlinkClick r:id="rId2"/>
-              </a:rPr>
-              <a:t>이모지</a:t>
-            </a:r>
-            <a:r>
-              <a:rPr lang="ko-KR" altLang="en-US" dirty="0">
-                <a:hlinkClick r:id="rId2"/>
-              </a:rPr>
-              <a:t> 이름 찾기</a:t>
-            </a:r>
-            <a:endParaRPr lang="en-US" altLang="ko-KR" dirty="0"/>
-          </a:p>
-          <a:p>
-            <a:pPr>
-              <a:lnSpc>
-                <a:spcPct val="120000"/>
-              </a:lnSpc>
-            </a:pPr>
-            <a:r>
-              <a:rPr lang="ko-KR" altLang="en-US" dirty="0" err="1"/>
-              <a:t>줄바꿈은</a:t>
-            </a:r>
-            <a:r>
-              <a:rPr lang="ko-KR" altLang="en-US" dirty="0"/>
-              <a:t> </a:t>
-            </a:r>
-            <a:r>
-              <a:rPr lang="ko-KR" altLang="en-US" dirty="0" err="1"/>
-              <a:t>엔터</a:t>
-            </a:r>
-            <a:r>
-              <a:rPr lang="ko-KR" altLang="en-US" dirty="0"/>
-              <a:t> </a:t>
-            </a:r>
-            <a:r>
-              <a:rPr lang="ko-KR" altLang="en-US" dirty="0" err="1"/>
-              <a:t>두번을</a:t>
-            </a:r>
-            <a:r>
-              <a:rPr lang="ko-KR" altLang="en-US" dirty="0"/>
-              <a:t> 눌러서 공백을 만들어 주기</a:t>
-            </a:r>
-            <a:endParaRPr lang="en-US" altLang="ko-KR" dirty="0"/>
-          </a:p>
-          <a:p>
-            <a:pPr>
-              <a:lnSpc>
-                <a:spcPct val="120000"/>
+                <a:spcPct val="150000"/>
               </a:lnSpc>
             </a:pPr>
             <a:endParaRPr lang="ko-KR" altLang="en-US" dirty="0"/>
@@ -42869,7 +43366,7 @@
           <p:cNvPr id="4" name="슬라이드 번호 개체 틀 3">
             <a:extLst>
               <a:ext uri="{FF2B5EF4-FFF2-40B4-BE49-F238E27FC236}">
-                <a16:creationId xmlns:a16="http://schemas.microsoft.com/office/drawing/2014/main" id="{F06751BC-F6F1-3AFA-7E59-EFC7403708E4}"/>
+                <a16:creationId xmlns:a16="http://schemas.microsoft.com/office/drawing/2014/main" id="{57FD43E0-16C1-094C-0AC1-9566585EA9E7}"/>
               </a:ext>
             </a:extLst>
           </p:cNvPr>
@@ -42897,7 +43394,7 @@
     </p:spTree>
     <p:extLst>
       <p:ext uri="{BB962C8B-B14F-4D97-AF65-F5344CB8AC3E}">
-        <p14:creationId xmlns:p14="http://schemas.microsoft.com/office/powerpoint/2010/main" val="1535628469"/>
+        <p14:creationId xmlns:p14="http://schemas.microsoft.com/office/powerpoint/2010/main" val="387671808"/>
       </p:ext>
     </p:extLst>
   </p:cSld>
@@ -42936,7 +43433,7 @@
           <p:cNvPr id="2" name="제목 1">
             <a:extLst>
               <a:ext uri="{FF2B5EF4-FFF2-40B4-BE49-F238E27FC236}">
-                <a16:creationId xmlns:a16="http://schemas.microsoft.com/office/drawing/2014/main" id="{CAD1DAD8-3FEC-0342-A911-C67F4597DE64}"/>
+                <a16:creationId xmlns:a16="http://schemas.microsoft.com/office/drawing/2014/main" id="{65B593AB-5185-9820-C506-23272634862C}"/>
               </a:ext>
             </a:extLst>
           </p:cNvPr>
@@ -42968,7 +43465,7 @@
           <p:cNvPr id="3" name="내용 개체 틀 2">
             <a:extLst>
               <a:ext uri="{FF2B5EF4-FFF2-40B4-BE49-F238E27FC236}">
-                <a16:creationId xmlns:a16="http://schemas.microsoft.com/office/drawing/2014/main" id="{3425ED10-9120-3C77-FBB0-F7DFAA4D6795}"/>
+                <a16:creationId xmlns:a16="http://schemas.microsoft.com/office/drawing/2014/main" id="{B15C32B3-44A7-DA1C-F752-26C1382BBD5F}"/>
               </a:ext>
             </a:extLst>
           </p:cNvPr>
@@ -42986,7 +43483,9 @@
           </a:xfrm>
         </p:spPr>
         <p:txBody>
-          <a:bodyPr/>
+          <a:bodyPr>
+            <a:normAutofit lnSpcReduction="10000"/>
+          </a:bodyPr>
           <a:lstStyle/>
           <a:p>
             <a:pPr>
@@ -42996,23 +43495,23 @@
             </a:pPr>
             <a:r>
               <a:rPr lang="ko-KR" altLang="en-US" dirty="0"/>
-              <a:t>인덱싱 </a:t>
+              <a:t>제목 </a:t>
             </a:r>
             <a:r>
               <a:rPr lang="en-US" altLang="ko-KR" dirty="0"/>
-              <a:t>: </a:t>
+              <a:t>: # 1</a:t>
             </a:r>
             <a:r>
               <a:rPr lang="ko-KR" altLang="en-US" dirty="0"/>
-              <a:t>순서 있는 인덱싱은 </a:t>
+              <a:t> 개</a:t>
             </a:r>
             <a:r>
               <a:rPr lang="en-US" altLang="ko-KR" dirty="0"/>
-              <a:t>1</a:t>
+              <a:t>~ 6 </a:t>
             </a:r>
             <a:r>
               <a:rPr lang="ko-KR" altLang="en-US" dirty="0"/>
-              <a:t>번부터 번호를 입력해주면 됨</a:t>
+              <a:t>개</a:t>
             </a:r>
             <a:endParaRPr lang="en-US" altLang="ko-KR" dirty="0"/>
           </a:p>
@@ -43023,22 +43522,149 @@
               </a:lnSpc>
             </a:pPr>
             <a:r>
+              <a:rPr lang="ko-KR" altLang="en-US" dirty="0"/>
+              <a:t>기울임 </a:t>
+            </a:r>
+            <a:r>
               <a:rPr lang="en-US" altLang="ko-KR" dirty="0"/>
-              <a:t>+, *, - : </a:t>
+              <a:t>: *</a:t>
             </a:r>
             <a:r>
               <a:rPr lang="ko-KR" altLang="en-US" dirty="0"/>
-              <a:t>순서 없는 인덱싱 </a:t>
-            </a:r>
+              <a:t>기울임</a:t>
+            </a:r>
+            <a:r>
+              <a:rPr lang="en-US" altLang="ko-KR" dirty="0"/>
+              <a:t>* or _</a:t>
+            </a:r>
+            <a:r>
+              <a:rPr lang="ko-KR" altLang="en-US" dirty="0"/>
+              <a:t>기울임</a:t>
+            </a:r>
+            <a:r>
+              <a:rPr lang="en-US" altLang="ko-KR" dirty="0"/>
+              <a:t>_</a:t>
+            </a:r>
+          </a:p>
+          <a:p>
+            <a:pPr>
+              <a:lnSpc>
+                <a:spcPct val="120000"/>
+              </a:lnSpc>
+            </a:pPr>
+            <a:r>
+              <a:rPr lang="ko-KR" altLang="en-US" dirty="0"/>
+              <a:t>굵게 </a:t>
+            </a:r>
+            <a:r>
+              <a:rPr lang="en-US" altLang="ko-KR" dirty="0"/>
+              <a:t>: **</a:t>
+            </a:r>
+            <a:r>
+              <a:rPr lang="ko-KR" altLang="en-US" dirty="0"/>
+              <a:t>굵게</a:t>
+            </a:r>
+            <a:r>
+              <a:rPr lang="en-US" altLang="ko-KR" dirty="0"/>
+              <a:t>** or</a:t>
+            </a:r>
+            <a:r>
+              <a:rPr lang="ko-KR" altLang="en-US" dirty="0"/>
+              <a:t> </a:t>
+            </a:r>
+            <a:r>
+              <a:rPr lang="en-US" altLang="ko-KR" dirty="0"/>
+              <a:t>__</a:t>
+            </a:r>
+            <a:r>
+              <a:rPr lang="ko-KR" altLang="en-US" dirty="0"/>
+              <a:t>굵게</a:t>
+            </a:r>
+            <a:r>
+              <a:rPr lang="en-US" altLang="ko-KR" dirty="0"/>
+              <a:t>__</a:t>
+            </a:r>
+          </a:p>
+          <a:p>
+            <a:pPr>
+              <a:lnSpc>
+                <a:spcPct val="120000"/>
+              </a:lnSpc>
+            </a:pPr>
+            <a:r>
+              <a:rPr lang="ko-KR" altLang="en-US" dirty="0"/>
+              <a:t>기울임</a:t>
+            </a:r>
+            <a:r>
+              <a:rPr lang="en-US" altLang="ko-KR" dirty="0"/>
+              <a:t>+</a:t>
+            </a:r>
+            <a:r>
+              <a:rPr lang="ko-KR" altLang="en-US" dirty="0"/>
+              <a:t>굵게 </a:t>
+            </a:r>
+            <a:r>
+              <a:rPr lang="en-US" altLang="ko-KR" dirty="0"/>
+              <a:t>: ***</a:t>
+            </a:r>
+            <a:r>
+              <a:rPr lang="ko-KR" altLang="en-US" dirty="0"/>
+              <a:t>기울임과 굵게</a:t>
+            </a:r>
+            <a:r>
+              <a:rPr lang="en-US" altLang="ko-KR" dirty="0"/>
+              <a:t>*** or ___</a:t>
+            </a:r>
+            <a:r>
+              <a:rPr lang="ko-KR" altLang="en-US" dirty="0"/>
+              <a:t>기울임과 굵게</a:t>
+            </a:r>
+            <a:r>
+              <a:rPr lang="en-US" altLang="ko-KR" dirty="0"/>
+              <a:t>___</a:t>
+            </a:r>
+          </a:p>
+          <a:p>
+            <a:pPr>
+              <a:lnSpc>
+                <a:spcPct val="120000"/>
+              </a:lnSpc>
+            </a:pPr>
+            <a:r>
+              <a:rPr lang="ko-KR" altLang="en-US" dirty="0"/>
+              <a:t>취소선 </a:t>
+            </a:r>
+            <a:r>
+              <a:rPr lang="en-US" altLang="ko-KR" dirty="0"/>
+              <a:t>: ~~</a:t>
+            </a:r>
+            <a:r>
+              <a:rPr lang="ko-KR" altLang="en-US" dirty="0"/>
+              <a:t>취소선</a:t>
+            </a:r>
+            <a:r>
+              <a:rPr lang="en-US" altLang="ko-KR" dirty="0"/>
+              <a:t>~~</a:t>
+            </a:r>
+          </a:p>
+          <a:p>
+            <a:pPr>
+              <a:lnSpc>
+                <a:spcPct val="120000"/>
+              </a:lnSpc>
+            </a:pPr>
             <a:r>
               <a:rPr lang="ko-KR" altLang="en-US" dirty="0" err="1"/>
-              <a:t>만들때</a:t>
+              <a:t>이모지</a:t>
             </a:r>
             <a:r>
               <a:rPr lang="ko-KR" altLang="en-US" dirty="0"/>
-              <a:t> 사용</a:t>
-            </a:r>
-            <a:endParaRPr lang="en-US" altLang="ko-KR" dirty="0"/>
+              <a:t> </a:t>
+            </a:r>
+            <a:r>
+              <a:rPr lang="en-US" altLang="ko-KR" dirty="0"/>
+              <a:t>:  :smile:,  :heart:,  :rocket:</a:t>
+            </a:r>
           </a:p>
           <a:p>
             <a:pPr lvl="1">
@@ -43047,28 +43673,16 @@
               </a:lnSpc>
             </a:pPr>
             <a:r>
-              <a:rPr lang="ko-KR" altLang="en-US" dirty="0" err="1"/>
-              <a:t>순서있던</a:t>
-            </a:r>
-            <a:r>
-              <a:rPr lang="ko-KR" altLang="en-US" dirty="0"/>
-              <a:t> </a:t>
-            </a:r>
-            <a:r>
-              <a:rPr lang="ko-KR" altLang="en-US" dirty="0" err="1"/>
-              <a:t>없던간에</a:t>
-            </a:r>
-            <a:r>
-              <a:rPr lang="ko-KR" altLang="en-US" dirty="0"/>
-              <a:t> </a:t>
-            </a:r>
-            <a:r>
-              <a:rPr lang="en-US" altLang="ko-KR" dirty="0"/>
-              <a:t>TAB</a:t>
-            </a:r>
-            <a:r>
-              <a:rPr lang="ko-KR" altLang="en-US" dirty="0"/>
-              <a:t>을 사용하여 하위 인덱싱을 제작할 수 도 있음</a:t>
+              <a:rPr lang="ko-KR" altLang="en-US" dirty="0" err="1">
+                <a:hlinkClick r:id="rId2"/>
+              </a:rPr>
+              <a:t>이모지</a:t>
+            </a:r>
+            <a:r>
+              <a:rPr lang="ko-KR" altLang="en-US" dirty="0">
+                <a:hlinkClick r:id="rId2"/>
+              </a:rPr>
+              <a:t> 이름 찾기</a:t>
             </a:r>
             <a:endParaRPr lang="en-US" altLang="ko-KR" dirty="0"/>
           </a:p>
@@ -43079,25 +43693,30 @@
               </a:lnSpc>
             </a:pPr>
             <a:r>
+              <a:rPr lang="ko-KR" altLang="en-US" dirty="0" err="1"/>
+              <a:t>줄바꿈은</a:t>
+            </a:r>
+            <a:r>
               <a:rPr lang="ko-KR" altLang="en-US" dirty="0"/>
-              <a:t>하이퍼링크 </a:t>
-            </a:r>
-            <a:r>
-              <a:rPr lang="en-US" altLang="ko-KR" dirty="0"/>
-              <a:t>: &lt;</a:t>
-            </a:r>
-            <a:r>
-              <a:rPr lang="en-US" altLang="ko-KR" dirty="0" err="1"/>
-              <a:t>url</a:t>
+              <a:t> </a:t>
+            </a:r>
+            <a:r>
+              <a:rPr lang="ko-KR" altLang="en-US" dirty="0" err="1"/>
+              <a:t>엔터</a:t>
             </a:r>
             <a:r>
               <a:rPr lang="ko-KR" altLang="en-US" dirty="0"/>
-              <a:t>주소</a:t>
-            </a:r>
-            <a:r>
-              <a:rPr lang="en-US" altLang="ko-KR" dirty="0"/>
-              <a:t>&gt;</a:t>
-            </a:r>
+              <a:t> </a:t>
+            </a:r>
+            <a:r>
+              <a:rPr lang="ko-KR" altLang="en-US" dirty="0" err="1"/>
+              <a:t>두번을</a:t>
+            </a:r>
+            <a:r>
+              <a:rPr lang="ko-KR" altLang="en-US" dirty="0"/>
+              <a:t> 눌러서 공백을 만들어 주기</a:t>
+            </a:r>
+            <a:endParaRPr lang="en-US" altLang="ko-KR" dirty="0"/>
           </a:p>
           <a:p>
             <a:pPr>
@@ -43105,109 +43724,7 @@
                 <a:spcPct val="120000"/>
               </a:lnSpc>
             </a:pPr>
-            <a:r>
-              <a:rPr lang="ko-KR" altLang="en-US" dirty="0"/>
-              <a:t>링크 </a:t>
-            </a:r>
-            <a:r>
-              <a:rPr lang="en-US" altLang="ko-KR" dirty="0"/>
-              <a:t>: [</a:t>
-            </a:r>
-            <a:r>
-              <a:rPr lang="ko-KR" altLang="en-US" dirty="0" err="1"/>
-              <a:t>링크이름</a:t>
-            </a:r>
-            <a:r>
-              <a:rPr lang="en-US" altLang="ko-KR" dirty="0"/>
-              <a:t>](</a:t>
-            </a:r>
-            <a:r>
-              <a:rPr lang="en-US" altLang="ko-KR" dirty="0" err="1"/>
-              <a:t>url</a:t>
-            </a:r>
-            <a:r>
-              <a:rPr lang="ko-KR" altLang="en-US" dirty="0"/>
-              <a:t>주소</a:t>
-            </a:r>
-            <a:r>
-              <a:rPr lang="en-US" altLang="ko-KR" dirty="0"/>
-              <a:t>, </a:t>
-            </a:r>
-            <a:r>
-              <a:rPr lang="ko-KR" altLang="en-US" dirty="0"/>
-              <a:t>옵션</a:t>
-            </a:r>
-            <a:r>
-              <a:rPr lang="en-US" altLang="ko-KR" dirty="0"/>
-              <a:t>)</a:t>
-            </a:r>
-          </a:p>
-          <a:p>
-            <a:pPr>
-              <a:lnSpc>
-                <a:spcPct val="120000"/>
-              </a:lnSpc>
-            </a:pPr>
-            <a:r>
-              <a:rPr lang="ko-KR" altLang="en-US" dirty="0"/>
-              <a:t>이미지 </a:t>
-            </a:r>
-            <a:r>
-              <a:rPr lang="en-US" altLang="ko-KR" dirty="0"/>
-              <a:t>: ![</a:t>
-            </a:r>
-            <a:r>
-              <a:rPr lang="ko-KR" altLang="en-US" dirty="0" err="1"/>
-              <a:t>이미지이름</a:t>
-            </a:r>
-            <a:r>
-              <a:rPr lang="en-US" altLang="ko-KR" dirty="0"/>
-              <a:t>](</a:t>
-            </a:r>
-            <a:r>
-              <a:rPr lang="ko-KR" altLang="en-US" dirty="0"/>
-              <a:t>이미지</a:t>
-            </a:r>
-            <a:r>
-              <a:rPr lang="en-US" altLang="ko-KR" dirty="0" err="1"/>
-              <a:t>url</a:t>
-            </a:r>
-            <a:r>
-              <a:rPr lang="ko-KR" altLang="en-US" dirty="0"/>
-              <a:t>주소</a:t>
-            </a:r>
-            <a:r>
-              <a:rPr lang="en-US" altLang="ko-KR" dirty="0"/>
-              <a:t>)</a:t>
-            </a:r>
-          </a:p>
-          <a:p>
-            <a:pPr>
-              <a:lnSpc>
-                <a:spcPct val="120000"/>
-              </a:lnSpc>
-            </a:pPr>
-            <a:r>
-              <a:rPr lang="ko-KR" altLang="en-US" dirty="0"/>
-              <a:t>인용 </a:t>
-            </a:r>
-            <a:r>
-              <a:rPr lang="en-US" altLang="ko-KR" dirty="0"/>
-              <a:t>: &gt; </a:t>
-            </a:r>
-            <a:r>
-              <a:rPr lang="ko-KR" altLang="en-US" dirty="0" err="1"/>
-              <a:t>인용내용</a:t>
-            </a:r>
-            <a:r>
-              <a:rPr lang="en-US" altLang="ko-KR" dirty="0"/>
-              <a:t>, &gt;&gt; </a:t>
-            </a:r>
-            <a:r>
-              <a:rPr lang="ko-KR" altLang="en-US" dirty="0" err="1"/>
-              <a:t>중첩인용</a:t>
-            </a:r>
-            <a:endParaRPr lang="en-US" altLang="ko-KR" dirty="0"/>
+            <a:endParaRPr lang="ko-KR" altLang="en-US" dirty="0"/>
           </a:p>
         </p:txBody>
       </p:sp>
@@ -43216,7 +43733,7 @@
           <p:cNvPr id="4" name="슬라이드 번호 개체 틀 3">
             <a:extLst>
               <a:ext uri="{FF2B5EF4-FFF2-40B4-BE49-F238E27FC236}">
-                <a16:creationId xmlns:a16="http://schemas.microsoft.com/office/drawing/2014/main" id="{941EA367-B76B-18E8-7668-CA2E640983CB}"/>
+                <a16:creationId xmlns:a16="http://schemas.microsoft.com/office/drawing/2014/main" id="{F06751BC-F6F1-3AFA-7E59-EFC7403708E4}"/>
               </a:ext>
             </a:extLst>
           </p:cNvPr>
@@ -43244,7 +43761,7 @@
     </p:spTree>
     <p:extLst>
       <p:ext uri="{BB962C8B-B14F-4D97-AF65-F5344CB8AC3E}">
-        <p14:creationId xmlns:p14="http://schemas.microsoft.com/office/powerpoint/2010/main" val="3187779221"/>
+        <p14:creationId xmlns:p14="http://schemas.microsoft.com/office/powerpoint/2010/main" val="1535628469"/>
       </p:ext>
     </p:extLst>
   </p:cSld>
@@ -43283,7 +43800,7 @@
           <p:cNvPr id="2" name="제목 1">
             <a:extLst>
               <a:ext uri="{FF2B5EF4-FFF2-40B4-BE49-F238E27FC236}">
-                <a16:creationId xmlns:a16="http://schemas.microsoft.com/office/drawing/2014/main" id="{56FEFF8F-CEFE-31A5-400F-CBEAD3C09124}"/>
+                <a16:creationId xmlns:a16="http://schemas.microsoft.com/office/drawing/2014/main" id="{CAD1DAD8-3FEC-0342-A911-C67F4597DE64}"/>
               </a:ext>
             </a:extLst>
           </p:cNvPr>
@@ -43315,7 +43832,7 @@
           <p:cNvPr id="3" name="내용 개체 틀 2">
             <a:extLst>
               <a:ext uri="{FF2B5EF4-FFF2-40B4-BE49-F238E27FC236}">
-                <a16:creationId xmlns:a16="http://schemas.microsoft.com/office/drawing/2014/main" id="{7F5FDCC4-5354-5AF3-E4E3-A25C34A7C226}"/>
+                <a16:creationId xmlns:a16="http://schemas.microsoft.com/office/drawing/2014/main" id="{3425ED10-9120-3C77-FBB0-F7DFAA4D6795}"/>
               </a:ext>
             </a:extLst>
           </p:cNvPr>
@@ -43343,20 +43860,25 @@
             </a:pPr>
             <a:r>
               <a:rPr lang="ko-KR" altLang="en-US" dirty="0"/>
-              <a:t>코드 </a:t>
+              <a:t>인덱싱 </a:t>
             </a:r>
             <a:r>
               <a:rPr lang="en-US" altLang="ko-KR" dirty="0"/>
-              <a:t>: `</a:t>
-            </a:r>
-            <a:r>
-              <a:rPr lang="ko-KR" altLang="en-US" dirty="0" err="1"/>
-              <a:t>한줄코드</a:t>
+              <a:t>: </a:t>
+            </a:r>
+            <a:r>
+              <a:rPr lang="ko-KR" altLang="en-US" dirty="0"/>
+              <a:t>순서 있는 인덱싱은 </a:t>
             </a:r>
             <a:r>
               <a:rPr lang="en-US" altLang="ko-KR" dirty="0"/>
-              <a:t>`</a:t>
-            </a:r>
+              <a:t>1</a:t>
+            </a:r>
+            <a:r>
+              <a:rPr lang="ko-KR" altLang="en-US" dirty="0"/>
+              <a:t>번부터 번호를 입력해주면 됨</a:t>
+            </a:r>
+            <a:endParaRPr lang="en-US" altLang="ko-KR" dirty="0"/>
           </a:p>
           <a:p>
             <a:pPr>
@@ -43365,20 +43887,52 @@
               </a:lnSpc>
             </a:pPr>
             <a:r>
+              <a:rPr lang="en-US" altLang="ko-KR" dirty="0"/>
+              <a:t>+, *, - : </a:t>
+            </a:r>
+            <a:r>
+              <a:rPr lang="ko-KR" altLang="en-US" dirty="0"/>
+              <a:t>순서 없는 인덱싱 </a:t>
+            </a:r>
+            <a:r>
               <a:rPr lang="ko-KR" altLang="en-US" dirty="0" err="1"/>
-              <a:t>여러줄</a:t>
+              <a:t>만들때</a:t>
             </a:r>
             <a:r>
               <a:rPr lang="ko-KR" altLang="en-US" dirty="0"/>
-              <a:t> 코드 </a:t>
+              <a:t> 사용</a:t>
+            </a:r>
+            <a:endParaRPr lang="en-US" altLang="ko-KR" dirty="0"/>
+          </a:p>
+          <a:p>
+            <a:pPr lvl="1">
+              <a:lnSpc>
+                <a:spcPct val="120000"/>
+              </a:lnSpc>
+            </a:pPr>
+            <a:r>
+              <a:rPr lang="ko-KR" altLang="en-US" dirty="0" err="1"/>
+              <a:t>순서있던</a:t>
+            </a:r>
+            <a:r>
+              <a:rPr lang="ko-KR" altLang="en-US" dirty="0"/>
+              <a:t> </a:t>
+            </a:r>
+            <a:r>
+              <a:rPr lang="ko-KR" altLang="en-US" dirty="0" err="1"/>
+              <a:t>없던간에</a:t>
+            </a:r>
+            <a:r>
+              <a:rPr lang="ko-KR" altLang="en-US" dirty="0"/>
+              <a:t> </a:t>
             </a:r>
             <a:r>
               <a:rPr lang="en-US" altLang="ko-KR" dirty="0"/>
-              <a:t>: ```</a:t>
-            </a:r>
-            <a:r>
-              <a:rPr lang="ko-KR" altLang="en-US" dirty="0" err="1"/>
-              <a:t>언어명</a:t>
+              <a:t>TAB</a:t>
+            </a:r>
+            <a:r>
+              <a:rPr lang="ko-KR" altLang="en-US" dirty="0"/>
+              <a:t>을 사용하여 하위 인덱싱을 제작할 수 도 있음</a:t>
             </a:r>
             <a:endParaRPr lang="en-US" altLang="ko-KR" dirty="0"/>
           </a:p>
@@ -43390,11 +43944,23 @@
             </a:pPr>
             <a:r>
               <a:rPr lang="ko-KR" altLang="en-US" dirty="0"/>
-              <a:t>수평선 </a:t>
+              <a:t>하이퍼링크 </a:t>
             </a:r>
             <a:r>
               <a:rPr lang="en-US" altLang="ko-KR" dirty="0"/>
-              <a:t>: ---, ***, ___</a:t>
+              <a:t>: &lt;</a:t>
+            </a:r>
+            <a:r>
+              <a:rPr lang="en-US" altLang="ko-KR" dirty="0" err="1"/>
+              <a:t>url</a:t>
+            </a:r>
+            <a:r>
+              <a:rPr lang="ko-KR" altLang="en-US" dirty="0"/>
+              <a:t>주소</a:t>
+            </a:r>
+            <a:r>
+              <a:rPr lang="en-US" altLang="ko-KR" dirty="0"/>
+              <a:t>&gt;</a:t>
             </a:r>
           </a:p>
           <a:p>
@@ -43405,25 +43971,40 @@
             </a:pPr>
             <a:r>
               <a:rPr lang="ko-KR" altLang="en-US" dirty="0"/>
-              <a:t>체크박스 </a:t>
+              <a:t>링크 </a:t>
             </a:r>
             <a:r>
               <a:rPr lang="en-US" altLang="ko-KR" dirty="0"/>
-              <a:t>: [ ] </a:t>
+              <a:t>: [</a:t>
             </a:r>
             <a:r>
               <a:rPr lang="ko-KR" altLang="en-US" dirty="0" err="1"/>
-              <a:t>빈체크</a:t>
+              <a:t>링크이름</a:t>
             </a:r>
             <a:r>
               <a:rPr lang="en-US" altLang="ko-KR" dirty="0"/>
-              <a:t>, [x] </a:t>
+              <a:t>](</a:t>
+            </a:r>
+            <a:r>
+              <a:rPr lang="en-US" altLang="ko-KR" dirty="0" err="1"/>
+              <a:t>url</a:t>
             </a:r>
             <a:r>
               <a:rPr lang="ko-KR" altLang="en-US" dirty="0"/>
-              <a:t>체크</a:t>
-            </a:r>
-            <a:endParaRPr lang="en-US" altLang="ko-KR" dirty="0"/>
+              <a:t>주소</a:t>
+            </a:r>
+            <a:r>
+              <a:rPr lang="en-US" altLang="ko-KR" dirty="0"/>
+              <a:t>, </a:t>
+            </a:r>
+            <a:r>
+              <a:rPr lang="ko-KR" altLang="en-US" dirty="0"/>
+              <a:t>옵션</a:t>
+            </a:r>
+            <a:r>
+              <a:rPr lang="en-US" altLang="ko-KR" dirty="0"/>
+              <a:t>)</a:t>
+            </a:r>
           </a:p>
           <a:p>
             <a:pPr>
@@ -43433,14 +44014,63 @@
             </a:pPr>
             <a:r>
               <a:rPr lang="ko-KR" altLang="en-US" dirty="0"/>
-              <a:t>표 </a:t>
+              <a:t>이미지 </a:t>
             </a:r>
             <a:r>
               <a:rPr lang="en-US" altLang="ko-KR" dirty="0"/>
-              <a:t>:  </a:t>
-            </a:r>
-          </a:p>
-          <a:p>
+              <a:t>: ![</a:t>
+            </a:r>
+            <a:r>
+              <a:rPr lang="ko-KR" altLang="en-US" dirty="0" err="1"/>
+              <a:t>이미지이름</a:t>
+            </a:r>
+            <a:r>
+              <a:rPr lang="en-US" altLang="ko-KR" dirty="0"/>
+              <a:t>](</a:t>
+            </a:r>
+            <a:r>
+              <a:rPr lang="ko-KR" altLang="en-US" dirty="0"/>
+              <a:t>이미지</a:t>
+            </a:r>
+            <a:r>
+              <a:rPr lang="en-US" altLang="ko-KR" dirty="0" err="1"/>
+              <a:t>url</a:t>
+            </a:r>
+            <a:r>
+              <a:rPr lang="ko-KR" altLang="en-US" dirty="0"/>
+              <a:t>주소</a:t>
+            </a:r>
+            <a:r>
+              <a:rPr lang="en-US" altLang="ko-KR" dirty="0"/>
+              <a:t>)</a:t>
+            </a:r>
+          </a:p>
+          <a:p>
+            <a:pPr>
+              <a:lnSpc>
+                <a:spcPct val="120000"/>
+              </a:lnSpc>
+            </a:pPr>
+            <a:r>
+              <a:rPr lang="ko-KR" altLang="en-US" dirty="0"/>
+              <a:t>인용 </a:t>
+            </a:r>
+            <a:r>
+              <a:rPr lang="en-US" altLang="ko-KR" dirty="0"/>
+              <a:t>: &gt; </a:t>
+            </a:r>
+            <a:r>
+              <a:rPr lang="ko-KR" altLang="en-US" dirty="0" err="1"/>
+              <a:t>인용내용</a:t>
+            </a:r>
+            <a:r>
+              <a:rPr lang="en-US" altLang="ko-KR" dirty="0"/>
+              <a:t>, &gt;&gt; </a:t>
+            </a:r>
+            <a:r>
+              <a:rPr lang="ko-KR" altLang="en-US" dirty="0" err="1"/>
+              <a:t>중첩인용</a:t>
+            </a:r>
             <a:endParaRPr lang="en-US" altLang="ko-KR" dirty="0"/>
           </a:p>
         </p:txBody>
@@ -43450,7 +44080,7 @@
           <p:cNvPr id="4" name="슬라이드 번호 개체 틀 3">
             <a:extLst>
               <a:ext uri="{FF2B5EF4-FFF2-40B4-BE49-F238E27FC236}">
-                <a16:creationId xmlns:a16="http://schemas.microsoft.com/office/drawing/2014/main" id="{90854D7E-2FB8-78E8-6128-0F546750E6DF}"/>
+                <a16:creationId xmlns:a16="http://schemas.microsoft.com/office/drawing/2014/main" id="{941EA367-B76B-18E8-7668-CA2E640983CB}"/>
               </a:ext>
             </a:extLst>
           </p:cNvPr>
@@ -43470,6 +44100,240 @@
               <a:rPr lang="ko-KR" altLang="en-US" smtClean="0"/>
               <a:pPr/>
               <a:t>68</a:t>
+            </a:fld>
+            <a:endParaRPr lang="ko-KR" altLang="en-US"/>
+          </a:p>
+        </p:txBody>
+      </p:sp>
+    </p:spTree>
+    <p:extLst>
+      <p:ext uri="{BB962C8B-B14F-4D97-AF65-F5344CB8AC3E}">
+        <p14:creationId xmlns:p14="http://schemas.microsoft.com/office/powerpoint/2010/main" val="3187779221"/>
+      </p:ext>
+    </p:extLst>
+  </p:cSld>
+  <p:clrMapOvr>
+    <a:masterClrMapping/>
+  </p:clrMapOvr>
+  <p:timing>
+    <p:tnLst>
+      <p:par>
+        <p:cTn id="1" dur="indefinite" restart="never" nodeType="tmRoot"/>
+      </p:par>
+    </p:tnLst>
+  </p:timing>
+</p:sld>
+</file>
+
+<file path=ppt/slides/slide69.xml><?xml version="1.0" encoding="utf-8"?>
+<p:sld xmlns:a="http://schemas.openxmlformats.org/drawingml/2006/main" xmlns:r="http://schemas.openxmlformats.org/officeDocument/2006/relationships" xmlns:p="http://schemas.openxmlformats.org/presentationml/2006/main">
+  <p:cSld>
+    <p:spTree>
+      <p:nvGrpSpPr>
+        <p:cNvPr id="1" name=""/>
+        <p:cNvGrpSpPr/>
+        <p:nvPr/>
+      </p:nvGrpSpPr>
+      <p:grpSpPr>
+        <a:xfrm>
+          <a:off x="0" y="0"/>
+          <a:ext cx="0" cy="0"/>
+          <a:chOff x="0" y="0"/>
+          <a:chExt cx="0" cy="0"/>
+        </a:xfrm>
+      </p:grpSpPr>
+      <p:sp>
+        <p:nvSpPr>
+          <p:cNvPr id="2" name="제목 1">
+            <a:extLst>
+              <a:ext uri="{FF2B5EF4-FFF2-40B4-BE49-F238E27FC236}">
+                <a16:creationId xmlns:a16="http://schemas.microsoft.com/office/drawing/2014/main" id="{56FEFF8F-CEFE-31A5-400F-CBEAD3C09124}"/>
+              </a:ext>
+            </a:extLst>
+          </p:cNvPr>
+          <p:cNvSpPr>
+            <a:spLocks noGrp="1"/>
+          </p:cNvSpPr>
+          <p:nvPr>
+            <p:ph type="title"/>
+          </p:nvPr>
+        </p:nvSpPr>
+        <p:spPr/>
+        <p:txBody>
+          <a:bodyPr/>
+          <a:lstStyle/>
+          <a:p>
+            <a:r>
+              <a:rPr lang="en-US" altLang="ko-KR"/>
+              <a:t>Markdown </a:t>
+            </a:r>
+            <a:r>
+              <a:rPr lang="ko-KR" altLang="en-US"/>
+              <a:t>문법</a:t>
+            </a:r>
+          </a:p>
+        </p:txBody>
+      </p:sp>
+      <p:sp>
+        <p:nvSpPr>
+          <p:cNvPr id="3" name="내용 개체 틀 2">
+            <a:extLst>
+              <a:ext uri="{FF2B5EF4-FFF2-40B4-BE49-F238E27FC236}">
+                <a16:creationId xmlns:a16="http://schemas.microsoft.com/office/drawing/2014/main" id="{7F5FDCC4-5354-5AF3-E4E3-A25C34A7C226}"/>
+              </a:ext>
+            </a:extLst>
+          </p:cNvPr>
+          <p:cNvSpPr>
+            <a:spLocks noGrp="1"/>
+          </p:cNvSpPr>
+          <p:nvPr>
+            <p:ph idx="1"/>
+          </p:nvPr>
+        </p:nvSpPr>
+        <p:spPr>
+          <a:xfrm>
+            <a:off x="838200" y="1325563"/>
+            <a:ext cx="10515600" cy="4851400"/>
+          </a:xfrm>
+        </p:spPr>
+        <p:txBody>
+          <a:bodyPr/>
+          <a:lstStyle/>
+          <a:p>
+            <a:pPr>
+              <a:lnSpc>
+                <a:spcPct val="120000"/>
+              </a:lnSpc>
+            </a:pPr>
+            <a:r>
+              <a:rPr lang="ko-KR" altLang="en-US" dirty="0"/>
+              <a:t>코드 </a:t>
+            </a:r>
+            <a:r>
+              <a:rPr lang="en-US" altLang="ko-KR" dirty="0"/>
+              <a:t>: `</a:t>
+            </a:r>
+            <a:r>
+              <a:rPr lang="ko-KR" altLang="en-US" dirty="0" err="1"/>
+              <a:t>한줄코드</a:t>
+            </a:r>
+            <a:r>
+              <a:rPr lang="en-US" altLang="ko-KR" dirty="0"/>
+              <a:t>`</a:t>
+            </a:r>
+          </a:p>
+          <a:p>
+            <a:pPr>
+              <a:lnSpc>
+                <a:spcPct val="120000"/>
+              </a:lnSpc>
+            </a:pPr>
+            <a:r>
+              <a:rPr lang="ko-KR" altLang="en-US" dirty="0" err="1"/>
+              <a:t>여러줄</a:t>
+            </a:r>
+            <a:r>
+              <a:rPr lang="ko-KR" altLang="en-US" dirty="0"/>
+              <a:t> 코드 </a:t>
+            </a:r>
+            <a:r>
+              <a:rPr lang="en-US" altLang="ko-KR" dirty="0"/>
+              <a:t>: ```</a:t>
+            </a:r>
+            <a:r>
+              <a:rPr lang="ko-KR" altLang="en-US" dirty="0" err="1"/>
+              <a:t>언어명</a:t>
+            </a:r>
+            <a:endParaRPr lang="en-US" altLang="ko-KR" dirty="0"/>
+          </a:p>
+          <a:p>
+            <a:pPr>
+              <a:lnSpc>
+                <a:spcPct val="120000"/>
+              </a:lnSpc>
+            </a:pPr>
+            <a:r>
+              <a:rPr lang="ko-KR" altLang="en-US" dirty="0"/>
+              <a:t>수평선 </a:t>
+            </a:r>
+            <a:r>
+              <a:rPr lang="en-US" altLang="ko-KR" dirty="0"/>
+              <a:t>: ---, ***, ___</a:t>
+            </a:r>
+          </a:p>
+          <a:p>
+            <a:pPr>
+              <a:lnSpc>
+                <a:spcPct val="120000"/>
+              </a:lnSpc>
+            </a:pPr>
+            <a:r>
+              <a:rPr lang="ko-KR" altLang="en-US" dirty="0"/>
+              <a:t>체크박스 </a:t>
+            </a:r>
+            <a:r>
+              <a:rPr lang="en-US" altLang="ko-KR" dirty="0"/>
+              <a:t>: [ ] </a:t>
+            </a:r>
+            <a:r>
+              <a:rPr lang="ko-KR" altLang="en-US" dirty="0" err="1"/>
+              <a:t>빈체크</a:t>
+            </a:r>
+            <a:r>
+              <a:rPr lang="en-US" altLang="ko-KR" dirty="0"/>
+              <a:t>, [x] </a:t>
+            </a:r>
+            <a:r>
+              <a:rPr lang="ko-KR" altLang="en-US" dirty="0"/>
+              <a:t>체크</a:t>
+            </a:r>
+            <a:endParaRPr lang="en-US" altLang="ko-KR" dirty="0"/>
+          </a:p>
+          <a:p>
+            <a:pPr>
+              <a:lnSpc>
+                <a:spcPct val="120000"/>
+              </a:lnSpc>
+            </a:pPr>
+            <a:r>
+              <a:rPr lang="ko-KR" altLang="en-US" dirty="0"/>
+              <a:t>표 </a:t>
+            </a:r>
+            <a:r>
+              <a:rPr lang="en-US" altLang="ko-KR" dirty="0"/>
+              <a:t>:  </a:t>
+            </a:r>
+          </a:p>
+          <a:p>
+            <a:endParaRPr lang="en-US" altLang="ko-KR" dirty="0"/>
+          </a:p>
+        </p:txBody>
+      </p:sp>
+      <p:sp>
+        <p:nvSpPr>
+          <p:cNvPr id="4" name="슬라이드 번호 개체 틀 3">
+            <a:extLst>
+              <a:ext uri="{FF2B5EF4-FFF2-40B4-BE49-F238E27FC236}">
+                <a16:creationId xmlns:a16="http://schemas.microsoft.com/office/drawing/2014/main" id="{90854D7E-2FB8-78E8-6128-0F546750E6DF}"/>
+              </a:ext>
+            </a:extLst>
+          </p:cNvPr>
+          <p:cNvSpPr>
+            <a:spLocks noGrp="1"/>
+          </p:cNvSpPr>
+          <p:nvPr>
+            <p:ph type="sldNum" sz="quarter" idx="12"/>
+          </p:nvPr>
+        </p:nvSpPr>
+        <p:spPr/>
+        <p:txBody>
+          <a:bodyPr/>
+          <a:lstStyle/>
+          <a:p>
+            <a:fld id="{083A2CE0-18CD-4102-B738-4ACFF9E68BA4}" type="slidenum">
+              <a:rPr lang="ko-KR" altLang="en-US" smtClean="0"/>
+              <a:pPr/>
+              <a:t>69</a:t>
             </a:fld>
             <a:endParaRPr lang="ko-KR" altLang="en-US"/>
           </a:p>
@@ -43671,7 +44535,7 @@
                 <a14:useLocalDpi xmlns:a14="http://schemas.microsoft.com/office/drawing/2010/main" val="0"/>
               </a:ext>
               <a:ext uri="{96DAC541-7B7A-43D3-8B79-37D633B846F1}">
-                <asvg:svgBlip xmlns:asvg="http://schemas.microsoft.com/office/drawing/2016/SVG/main" xmlns="" r:embed="rId4"/>
+                <asvg:svgBlip xmlns="" xmlns:asvg="http://schemas.microsoft.com/office/drawing/2016/SVG/main" r:embed="rId4"/>
               </a:ext>
             </a:extLst>
           </a:blip>
@@ -43710,7 +44574,7 @@
                 <a14:useLocalDpi xmlns:a14="http://schemas.microsoft.com/office/drawing/2010/main" val="0"/>
               </a:ext>
               <a:ext uri="{96DAC541-7B7A-43D3-8B79-37D633B846F1}">
-                <asvg:svgBlip xmlns:asvg="http://schemas.microsoft.com/office/drawing/2016/SVG/main" xmlns="" r:embed="rId6"/>
+                <asvg:svgBlip xmlns="" xmlns:asvg="http://schemas.microsoft.com/office/drawing/2016/SVG/main" r:embed="rId6"/>
               </a:ext>
             </a:extLst>
           </a:blip>
@@ -43749,7 +44613,7 @@
                 <a14:useLocalDpi xmlns:a14="http://schemas.microsoft.com/office/drawing/2010/main" val="0"/>
               </a:ext>
               <a:ext uri="{96DAC541-7B7A-43D3-8B79-37D633B846F1}">
-                <asvg:svgBlip xmlns:asvg="http://schemas.microsoft.com/office/drawing/2016/SVG/main" xmlns="" r:embed="rId8"/>
+                <asvg:svgBlip xmlns="" xmlns:asvg="http://schemas.microsoft.com/office/drawing/2016/SVG/main" r:embed="rId8"/>
               </a:ext>
             </a:extLst>
           </a:blip>
@@ -43788,7 +44652,7 @@
                 <a14:useLocalDpi xmlns:a14="http://schemas.microsoft.com/office/drawing/2010/main" val="0"/>
               </a:ext>
               <a:ext uri="{96DAC541-7B7A-43D3-8B79-37D633B846F1}">
-                <asvg:svgBlip xmlns:asvg="http://schemas.microsoft.com/office/drawing/2016/SVG/main" xmlns="" r:embed="rId10"/>
+                <asvg:svgBlip xmlns="" xmlns:asvg="http://schemas.microsoft.com/office/drawing/2016/SVG/main" r:embed="rId10"/>
               </a:ext>
             </a:extLst>
           </a:blip>
@@ -43827,7 +44691,7 @@
                 <a14:useLocalDpi xmlns:a14="http://schemas.microsoft.com/office/drawing/2010/main" val="0"/>
               </a:ext>
               <a:ext uri="{96DAC541-7B7A-43D3-8B79-37D633B846F1}">
-                <asvg:svgBlip xmlns:asvg="http://schemas.microsoft.com/office/drawing/2016/SVG/main" xmlns="" r:embed="rId12"/>
+                <asvg:svgBlip xmlns="" xmlns:asvg="http://schemas.microsoft.com/office/drawing/2016/SVG/main" r:embed="rId12"/>
               </a:ext>
             </a:extLst>
           </a:blip>
@@ -44028,7 +44892,7 @@
                 <a14:useLocalDpi xmlns:a14="http://schemas.microsoft.com/office/drawing/2010/main" val="0"/>
               </a:ext>
               <a:ext uri="{96DAC541-7B7A-43D3-8B79-37D633B846F1}">
-                <asvg:svgBlip xmlns:asvg="http://schemas.microsoft.com/office/drawing/2016/SVG/main" xmlns="" r:embed="rId14"/>
+                <asvg:svgBlip xmlns="" xmlns:asvg="http://schemas.microsoft.com/office/drawing/2016/SVG/main" r:embed="rId14"/>
               </a:ext>
             </a:extLst>
           </a:blip>
@@ -44067,7 +44931,7 @@
                 <a14:useLocalDpi xmlns:a14="http://schemas.microsoft.com/office/drawing/2010/main" val="0"/>
               </a:ext>
               <a:ext uri="{96DAC541-7B7A-43D3-8B79-37D633B846F1}">
-                <asvg:svgBlip xmlns:asvg="http://schemas.microsoft.com/office/drawing/2016/SVG/main" xmlns="" r:embed="rId8"/>
+                <asvg:svgBlip xmlns="" xmlns:asvg="http://schemas.microsoft.com/office/drawing/2016/SVG/main" r:embed="rId8"/>
               </a:ext>
             </a:extLst>
           </a:blip>
@@ -44106,7 +44970,7 @@
                 <a14:useLocalDpi xmlns:a14="http://schemas.microsoft.com/office/drawing/2010/main" val="0"/>
               </a:ext>
               <a:ext uri="{96DAC541-7B7A-43D3-8B79-37D633B846F1}">
-                <asvg:svgBlip xmlns:asvg="http://schemas.microsoft.com/office/drawing/2016/SVG/main" xmlns="" r:embed="rId14"/>
+                <asvg:svgBlip xmlns="" xmlns:asvg="http://schemas.microsoft.com/office/drawing/2016/SVG/main" r:embed="rId14"/>
               </a:ext>
             </a:extLst>
           </a:blip>
@@ -44145,7 +45009,7 @@
                 <a14:useLocalDpi xmlns:a14="http://schemas.microsoft.com/office/drawing/2010/main" val="0"/>
               </a:ext>
               <a:ext uri="{96DAC541-7B7A-43D3-8B79-37D633B846F1}">
-                <asvg:svgBlip xmlns:asvg="http://schemas.microsoft.com/office/drawing/2016/SVG/main" xmlns="" r:embed="rId10"/>
+                <asvg:svgBlip xmlns="" xmlns:asvg="http://schemas.microsoft.com/office/drawing/2016/SVG/main" r:embed="rId10"/>
               </a:ext>
             </a:extLst>
           </a:blip>
@@ -44184,7 +45048,7 @@
                 <a14:useLocalDpi xmlns:a14="http://schemas.microsoft.com/office/drawing/2010/main" val="0"/>
               </a:ext>
               <a:ext uri="{96DAC541-7B7A-43D3-8B79-37D633B846F1}">
-                <asvg:svgBlip xmlns:asvg="http://schemas.microsoft.com/office/drawing/2016/SVG/main" xmlns="" r:embed="rId14"/>
+                <asvg:svgBlip xmlns="" xmlns:asvg="http://schemas.microsoft.com/office/drawing/2016/SVG/main" r:embed="rId14"/>
               </a:ext>
             </a:extLst>
           </a:blip>
@@ -44223,7 +45087,7 @@
                 <a14:useLocalDpi xmlns:a14="http://schemas.microsoft.com/office/drawing/2010/main" val="0"/>
               </a:ext>
               <a:ext uri="{96DAC541-7B7A-43D3-8B79-37D633B846F1}">
-                <asvg:svgBlip xmlns:asvg="http://schemas.microsoft.com/office/drawing/2016/SVG/main" xmlns="" r:embed="rId12"/>
+                <asvg:svgBlip xmlns="" xmlns:asvg="http://schemas.microsoft.com/office/drawing/2016/SVG/main" r:embed="rId12"/>
               </a:ext>
             </a:extLst>
           </a:blip>
@@ -44262,7 +45126,7 @@
                 <a14:useLocalDpi xmlns:a14="http://schemas.microsoft.com/office/drawing/2010/main" val="0"/>
               </a:ext>
               <a:ext uri="{96DAC541-7B7A-43D3-8B79-37D633B846F1}">
-                <asvg:svgBlip xmlns:asvg="http://schemas.microsoft.com/office/drawing/2016/SVG/main" xmlns="" r:embed="rId14"/>
+                <asvg:svgBlip xmlns="" xmlns:asvg="http://schemas.microsoft.com/office/drawing/2016/SVG/main" r:embed="rId14"/>
               </a:ext>
             </a:extLst>
           </a:blip>
@@ -44301,7 +45165,7 @@
                 <a14:useLocalDpi xmlns:a14="http://schemas.microsoft.com/office/drawing/2010/main" val="0"/>
               </a:ext>
               <a:ext uri="{96DAC541-7B7A-43D3-8B79-37D633B846F1}">
-                <asvg:svgBlip xmlns:asvg="http://schemas.microsoft.com/office/drawing/2016/SVG/main" xmlns="" r:embed="rId6"/>
+                <asvg:svgBlip xmlns="" xmlns:asvg="http://schemas.microsoft.com/office/drawing/2016/SVG/main" r:embed="rId6"/>
               </a:ext>
             </a:extLst>
           </a:blip>
@@ -44340,7 +45204,7 @@
                 <a14:useLocalDpi xmlns:a14="http://schemas.microsoft.com/office/drawing/2010/main" val="0"/>
               </a:ext>
               <a:ext uri="{96DAC541-7B7A-43D3-8B79-37D633B846F1}">
-                <asvg:svgBlip xmlns:asvg="http://schemas.microsoft.com/office/drawing/2016/SVG/main" xmlns="" r:embed="rId14"/>
+                <asvg:svgBlip xmlns="" xmlns:asvg="http://schemas.microsoft.com/office/drawing/2016/SVG/main" r:embed="rId14"/>
               </a:ext>
             </a:extLst>
           </a:blip>
@@ -44379,7 +45243,7 @@
                 <a14:useLocalDpi xmlns:a14="http://schemas.microsoft.com/office/drawing/2010/main" val="0"/>
               </a:ext>
               <a:ext uri="{96DAC541-7B7A-43D3-8B79-37D633B846F1}">
-                <asvg:svgBlip xmlns:asvg="http://schemas.microsoft.com/office/drawing/2016/SVG/main" xmlns="" r:embed="rId4"/>
+                <asvg:svgBlip xmlns="" xmlns:asvg="http://schemas.microsoft.com/office/drawing/2016/SVG/main" r:embed="rId4"/>
               </a:ext>
             </a:extLst>
           </a:blip>
@@ -44586,7 +45450,7 @@
                 <a14:useLocalDpi xmlns:a14="http://schemas.microsoft.com/office/drawing/2010/main" val="0"/>
               </a:ext>
               <a:ext uri="{96DAC541-7B7A-43D3-8B79-37D633B846F1}">
-                <asvg:svgBlip xmlns:asvg="http://schemas.microsoft.com/office/drawing/2016/SVG/main" xmlns="" r:embed="rId14"/>
+                <asvg:svgBlip xmlns="" xmlns:asvg="http://schemas.microsoft.com/office/drawing/2016/SVG/main" r:embed="rId14"/>
               </a:ext>
             </a:extLst>
           </a:blip>
@@ -44761,7 +45625,7 @@
                 <a14:useLocalDpi xmlns:a14="http://schemas.microsoft.com/office/drawing/2010/main" val="0"/>
               </a:ext>
               <a:ext uri="{96DAC541-7B7A-43D3-8B79-37D633B846F1}">
-                <asvg:svgBlip xmlns:asvg="http://schemas.microsoft.com/office/drawing/2016/SVG/main" xmlns="" r:embed="rId4"/>
+                <asvg:svgBlip xmlns="" xmlns:asvg="http://schemas.microsoft.com/office/drawing/2016/SVG/main" r:embed="rId4"/>
               </a:ext>
             </a:extLst>
           </a:blip>
@@ -44800,7 +45664,7 @@
                 <a14:useLocalDpi xmlns:a14="http://schemas.microsoft.com/office/drawing/2010/main" val="0"/>
               </a:ext>
               <a:ext uri="{96DAC541-7B7A-43D3-8B79-37D633B846F1}">
-                <asvg:svgBlip xmlns:asvg="http://schemas.microsoft.com/office/drawing/2016/SVG/main" xmlns="" r:embed="rId6"/>
+                <asvg:svgBlip xmlns="" xmlns:asvg="http://schemas.microsoft.com/office/drawing/2016/SVG/main" r:embed="rId6"/>
               </a:ext>
             </a:extLst>
           </a:blip>
@@ -44839,7 +45703,7 @@
                 <a14:useLocalDpi xmlns:a14="http://schemas.microsoft.com/office/drawing/2010/main" val="0"/>
               </a:ext>
               <a:ext uri="{96DAC541-7B7A-43D3-8B79-37D633B846F1}">
-                <asvg:svgBlip xmlns:asvg="http://schemas.microsoft.com/office/drawing/2016/SVG/main" xmlns="" r:embed="rId8"/>
+                <asvg:svgBlip xmlns="" xmlns:asvg="http://schemas.microsoft.com/office/drawing/2016/SVG/main" r:embed="rId8"/>
               </a:ext>
             </a:extLst>
           </a:blip>
@@ -44878,7 +45742,7 @@
                 <a14:useLocalDpi xmlns:a14="http://schemas.microsoft.com/office/drawing/2010/main" val="0"/>
               </a:ext>
               <a:ext uri="{96DAC541-7B7A-43D3-8B79-37D633B846F1}">
-                <asvg:svgBlip xmlns:asvg="http://schemas.microsoft.com/office/drawing/2016/SVG/main" xmlns="" r:embed="rId10"/>
+                <asvg:svgBlip xmlns="" xmlns:asvg="http://schemas.microsoft.com/office/drawing/2016/SVG/main" r:embed="rId10"/>
               </a:ext>
             </a:extLst>
           </a:blip>
@@ -44917,7 +45781,7 @@
                 <a14:useLocalDpi xmlns:a14="http://schemas.microsoft.com/office/drawing/2010/main" val="0"/>
               </a:ext>
               <a:ext uri="{96DAC541-7B7A-43D3-8B79-37D633B846F1}">
-                <asvg:svgBlip xmlns:asvg="http://schemas.microsoft.com/office/drawing/2016/SVG/main" xmlns="" r:embed="rId12"/>
+                <asvg:svgBlip xmlns="" xmlns:asvg="http://schemas.microsoft.com/office/drawing/2016/SVG/main" r:embed="rId12"/>
               </a:ext>
             </a:extLst>
           </a:blip>
@@ -45118,7 +45982,7 @@
                 <a14:useLocalDpi xmlns:a14="http://schemas.microsoft.com/office/drawing/2010/main" val="0"/>
               </a:ext>
               <a:ext uri="{96DAC541-7B7A-43D3-8B79-37D633B846F1}">
-                <asvg:svgBlip xmlns:asvg="http://schemas.microsoft.com/office/drawing/2016/SVG/main" xmlns="" r:embed="rId14"/>
+                <asvg:svgBlip xmlns="" xmlns:asvg="http://schemas.microsoft.com/office/drawing/2016/SVG/main" r:embed="rId14"/>
               </a:ext>
             </a:extLst>
           </a:blip>
@@ -45157,7 +46021,7 @@
                 <a14:useLocalDpi xmlns:a14="http://schemas.microsoft.com/office/drawing/2010/main" val="0"/>
               </a:ext>
               <a:ext uri="{96DAC541-7B7A-43D3-8B79-37D633B846F1}">
-                <asvg:svgBlip xmlns:asvg="http://schemas.microsoft.com/office/drawing/2016/SVG/main" xmlns="" r:embed="rId8"/>
+                <asvg:svgBlip xmlns="" xmlns:asvg="http://schemas.microsoft.com/office/drawing/2016/SVG/main" r:embed="rId8"/>
               </a:ext>
             </a:extLst>
           </a:blip>
@@ -45196,7 +46060,7 @@
                 <a14:useLocalDpi xmlns:a14="http://schemas.microsoft.com/office/drawing/2010/main" val="0"/>
               </a:ext>
               <a:ext uri="{96DAC541-7B7A-43D3-8B79-37D633B846F1}">
-                <asvg:svgBlip xmlns:asvg="http://schemas.microsoft.com/office/drawing/2016/SVG/main" xmlns="" r:embed="rId14"/>
+                <asvg:svgBlip xmlns="" xmlns:asvg="http://schemas.microsoft.com/office/drawing/2016/SVG/main" r:embed="rId14"/>
               </a:ext>
             </a:extLst>
           </a:blip>
@@ -45235,7 +46099,7 @@
                 <a14:useLocalDpi xmlns:a14="http://schemas.microsoft.com/office/drawing/2010/main" val="0"/>
               </a:ext>
               <a:ext uri="{96DAC541-7B7A-43D3-8B79-37D633B846F1}">
-                <asvg:svgBlip xmlns:asvg="http://schemas.microsoft.com/office/drawing/2016/SVG/main" xmlns="" r:embed="rId10"/>
+                <asvg:svgBlip xmlns="" xmlns:asvg="http://schemas.microsoft.com/office/drawing/2016/SVG/main" r:embed="rId10"/>
               </a:ext>
             </a:extLst>
           </a:blip>
@@ -45274,7 +46138,7 @@
                 <a14:useLocalDpi xmlns:a14="http://schemas.microsoft.com/office/drawing/2010/main" val="0"/>
               </a:ext>
               <a:ext uri="{96DAC541-7B7A-43D3-8B79-37D633B846F1}">
-                <asvg:svgBlip xmlns:asvg="http://schemas.microsoft.com/office/drawing/2016/SVG/main" xmlns="" r:embed="rId14"/>
+                <asvg:svgBlip xmlns="" xmlns:asvg="http://schemas.microsoft.com/office/drawing/2016/SVG/main" r:embed="rId14"/>
               </a:ext>
             </a:extLst>
           </a:blip>
@@ -45313,7 +46177,7 @@
                 <a14:useLocalDpi xmlns:a14="http://schemas.microsoft.com/office/drawing/2010/main" val="0"/>
               </a:ext>
               <a:ext uri="{96DAC541-7B7A-43D3-8B79-37D633B846F1}">
-                <asvg:svgBlip xmlns:asvg="http://schemas.microsoft.com/office/drawing/2016/SVG/main" xmlns="" r:embed="rId12"/>
+                <asvg:svgBlip xmlns="" xmlns:asvg="http://schemas.microsoft.com/office/drawing/2016/SVG/main" r:embed="rId12"/>
               </a:ext>
             </a:extLst>
           </a:blip>
@@ -45352,7 +46216,7 @@
                 <a14:useLocalDpi xmlns:a14="http://schemas.microsoft.com/office/drawing/2010/main" val="0"/>
               </a:ext>
               <a:ext uri="{96DAC541-7B7A-43D3-8B79-37D633B846F1}">
-                <asvg:svgBlip xmlns:asvg="http://schemas.microsoft.com/office/drawing/2016/SVG/main" xmlns="" r:embed="rId14"/>
+                <asvg:svgBlip xmlns="" xmlns:asvg="http://schemas.microsoft.com/office/drawing/2016/SVG/main" r:embed="rId14"/>
               </a:ext>
             </a:extLst>
           </a:blip>
@@ -45391,7 +46255,7 @@
                 <a14:useLocalDpi xmlns:a14="http://schemas.microsoft.com/office/drawing/2010/main" val="0"/>
               </a:ext>
               <a:ext uri="{96DAC541-7B7A-43D3-8B79-37D633B846F1}">
-                <asvg:svgBlip xmlns:asvg="http://schemas.microsoft.com/office/drawing/2016/SVG/main" xmlns="" r:embed="rId6"/>
+                <asvg:svgBlip xmlns="" xmlns:asvg="http://schemas.microsoft.com/office/drawing/2016/SVG/main" r:embed="rId6"/>
               </a:ext>
             </a:extLst>
           </a:blip>
@@ -45430,7 +46294,7 @@
                 <a14:useLocalDpi xmlns:a14="http://schemas.microsoft.com/office/drawing/2010/main" val="0"/>
               </a:ext>
               <a:ext uri="{96DAC541-7B7A-43D3-8B79-37D633B846F1}">
-                <asvg:svgBlip xmlns:asvg="http://schemas.microsoft.com/office/drawing/2016/SVG/main" xmlns="" r:embed="rId14"/>
+                <asvg:svgBlip xmlns="" xmlns:asvg="http://schemas.microsoft.com/office/drawing/2016/SVG/main" r:embed="rId14"/>
               </a:ext>
             </a:extLst>
           </a:blip>
@@ -45469,7 +46333,7 @@
                 <a14:useLocalDpi xmlns:a14="http://schemas.microsoft.com/office/drawing/2010/main" val="0"/>
               </a:ext>
               <a:ext uri="{96DAC541-7B7A-43D3-8B79-37D633B846F1}">
-                <asvg:svgBlip xmlns:asvg="http://schemas.microsoft.com/office/drawing/2016/SVG/main" xmlns="" r:embed="rId4"/>
+                <asvg:svgBlip xmlns="" xmlns:asvg="http://schemas.microsoft.com/office/drawing/2016/SVG/main" r:embed="rId4"/>
               </a:ext>
             </a:extLst>
           </a:blip>

--- a/material/02_Git 기초.pptx
+++ b/material/02_Git 기초.pptx
@@ -265,7 +265,7 @@
           <a:p>
             <a:fld id="{F3DEFEDB-2439-49E8-84B2-1D6C2F3A631A}" type="datetimeFigureOut">
               <a:rPr lang="ko-KR" altLang="en-US" smtClean="0"/>
-              <a:t>2025-04-21</a:t>
+              <a:t>2025-04-22</a:t>
             </a:fld>
             <a:endParaRPr lang="ko-KR" altLang="en-US"/>
           </a:p>
@@ -943,16 +943,12 @@
               <a:t> 어떻게 해야 효과적으로 </a:t>
             </a:r>
             <a:r>
-              <a:rPr lang="ko-KR" altLang="en-US" dirty="0" err="1" smtClean="0"/>
+              <a:rPr lang="ko-KR" altLang="en-US" dirty="0" err="1"/>
               <a:t>만들것</a:t>
             </a:r>
             <a:r>
-              <a:rPr lang="ko-KR" altLang="en-US" dirty="0" smtClean="0"/>
-              <a:t> 인가에 </a:t>
-            </a:r>
-            <a:r>
-              <a:rPr lang="ko-KR" altLang="en-US" dirty="0"/>
-              <a:t>대한 수학적 내용</a:t>
+              <a:rPr lang="ko-KR" altLang="en-US" dirty="0"/>
+              <a:t> 인가에 대한 수학적 내용</a:t>
             </a:r>
           </a:p>
         </p:txBody>
@@ -1122,102 +1118,102 @@
           <a:lstStyle/>
           <a:p>
             <a:r>
-              <a:rPr lang="en-US" altLang="ko-KR" dirty="0" smtClean="0"/>
+              <a:rPr lang="en-US" altLang="ko-KR" dirty="0"/>
               <a:t>Tree:</a:t>
             </a:r>
             <a:r>
-              <a:rPr lang="en-US" altLang="ko-KR" baseline="0" dirty="0" smtClean="0"/>
+              <a:rPr lang="en-US" altLang="ko-KR" baseline="0" dirty="0"/>
               <a:t> </a:t>
             </a:r>
             <a:r>
-              <a:rPr lang="ko-KR" altLang="en-US" baseline="0" dirty="0" smtClean="0"/>
+              <a:rPr lang="ko-KR" altLang="en-US" baseline="0" dirty="0"/>
               <a:t>디렉터리와 파일을 트리 구조로 시각적으로 보여주는 유틸리티</a:t>
             </a:r>
             <a:r>
-              <a:rPr lang="en-US" altLang="ko-KR" baseline="0" dirty="0" smtClean="0"/>
+              <a:rPr lang="en-US" altLang="ko-KR" baseline="0" dirty="0"/>
               <a:t>.</a:t>
             </a:r>
           </a:p>
           <a:p>
-            <a:endParaRPr lang="en-US" altLang="ko-KR" baseline="0" dirty="0" smtClean="0"/>
-          </a:p>
-          <a:p>
-            <a:r>
-              <a:rPr lang="ko-KR" altLang="en-US" baseline="0" dirty="0" smtClean="0"/>
+            <a:endParaRPr lang="en-US" altLang="ko-KR" baseline="0" dirty="0"/>
+          </a:p>
+          <a:p>
+            <a:r>
+              <a:rPr lang="ko-KR" altLang="en-US" baseline="0" dirty="0"/>
               <a:t>기본적으로 </a:t>
             </a:r>
             <a:r>
-              <a:rPr lang="en-US" altLang="ko-KR" baseline="0" dirty="0" err="1" smtClean="0"/>
+              <a:rPr lang="en-US" altLang="ko-KR" baseline="0" dirty="0" err="1"/>
               <a:t>git</a:t>
             </a:r>
             <a:r>
-              <a:rPr lang="en-US" altLang="ko-KR" baseline="0" dirty="0" smtClean="0"/>
+              <a:rPr lang="en-US" altLang="ko-KR" baseline="0" dirty="0"/>
               <a:t> bash </a:t>
             </a:r>
             <a:r>
-              <a:rPr lang="ko-KR" altLang="en-US" baseline="0" dirty="0" smtClean="0"/>
+              <a:rPr lang="ko-KR" altLang="en-US" baseline="0" dirty="0"/>
               <a:t>에서는 파일까지 포함해서 </a:t>
             </a:r>
             <a:r>
-              <a:rPr lang="ko-KR" altLang="en-US" baseline="0" dirty="0" err="1" smtClean="0"/>
+              <a:rPr lang="ko-KR" altLang="en-US" baseline="0" dirty="0" err="1"/>
               <a:t>출력해줌</a:t>
             </a:r>
             <a:r>
-              <a:rPr lang="en-US" altLang="ko-KR" baseline="0" dirty="0" smtClean="0"/>
+              <a:rPr lang="en-US" altLang="ko-KR" baseline="0" dirty="0"/>
               <a:t>.</a:t>
             </a:r>
           </a:p>
           <a:p>
-            <a:endParaRPr lang="en-US" altLang="ko-KR" baseline="0" dirty="0" smtClean="0"/>
-          </a:p>
-          <a:p>
-            <a:r>
-              <a:rPr lang="ko-KR" altLang="en-US" baseline="0" dirty="0" smtClean="0"/>
+            <a:endParaRPr lang="en-US" altLang="ko-KR" baseline="0" dirty="0"/>
+          </a:p>
+          <a:p>
+            <a:r>
+              <a:rPr lang="ko-KR" altLang="en-US" baseline="0" dirty="0"/>
               <a:t>디렉토리 구조만 보고 싶을 때</a:t>
             </a:r>
             <a:r>
-              <a:rPr lang="en-US" altLang="ko-KR" baseline="0" dirty="0" smtClean="0"/>
+              <a:rPr lang="en-US" altLang="ko-KR" baseline="0" dirty="0"/>
               <a:t>,</a:t>
             </a:r>
           </a:p>
           <a:p>
             <a:r>
-              <a:rPr lang="en-US" altLang="ko-KR" baseline="0" dirty="0" smtClean="0"/>
+              <a:rPr lang="en-US" altLang="ko-KR" baseline="0" dirty="0"/>
               <a:t>Tree –d</a:t>
             </a:r>
           </a:p>
           <a:p>
-            <a:endParaRPr lang="en-US" altLang="ko-KR" baseline="0" dirty="0" smtClean="0"/>
-          </a:p>
-          <a:p>
-            <a:r>
-              <a:rPr lang="en-US" altLang="ko-KR" dirty="0" smtClean="0"/>
+            <a:endParaRPr lang="en-US" altLang="ko-KR" baseline="0" dirty="0"/>
+          </a:p>
+          <a:p>
+            <a:r>
+              <a:rPr lang="en-US" altLang="ko-KR" dirty="0"/>
               <a:t>Tree : </a:t>
             </a:r>
             <a:r>
-              <a:rPr lang="ko-KR" altLang="en-US" dirty="0" smtClean="0"/>
+              <a:rPr lang="ko-KR" altLang="en-US" dirty="0"/>
               <a:t>기본 디렉토리 구조만 출력</a:t>
             </a:r>
-            <a:endParaRPr lang="en-US" altLang="ko-KR" dirty="0" smtClean="0"/>
-          </a:p>
-          <a:p>
-            <a:r>
-              <a:rPr lang="en-US" altLang="ko-KR" dirty="0" smtClean="0"/>
+            <a:endParaRPr lang="en-US" altLang="ko-KR" dirty="0"/>
+          </a:p>
+          <a:p>
+            <a:r>
+              <a:rPr lang="en-US" altLang="ko-KR" dirty="0"/>
               <a:t>Tree /f</a:t>
             </a:r>
             <a:r>
-              <a:rPr lang="ko-KR" altLang="en-US" baseline="0" dirty="0" smtClean="0"/>
+              <a:rPr lang="ko-KR" altLang="en-US" baseline="0" dirty="0"/>
               <a:t> </a:t>
             </a:r>
             <a:r>
-              <a:rPr lang="en-US" altLang="ko-KR" baseline="0" dirty="0" smtClean="0"/>
+              <a:rPr lang="en-US" altLang="ko-KR" baseline="0" dirty="0"/>
               <a:t>: </a:t>
             </a:r>
             <a:r>
-              <a:rPr lang="ko-KR" altLang="en-US" baseline="0" dirty="0" smtClean="0"/>
+              <a:rPr lang="ko-KR" altLang="en-US" baseline="0" dirty="0"/>
               <a:t>파일까지 포함해서 출력</a:t>
             </a:r>
-            <a:endParaRPr lang="en-US" altLang="ko-KR" dirty="0" smtClean="0"/>
+            <a:endParaRPr lang="en-US" altLang="ko-KR" dirty="0"/>
           </a:p>
         </p:txBody>
       </p:sp>
@@ -1506,43 +1502,42 @@
               <a:t> 띄어쓰기 주의</a:t>
             </a:r>
             <a:r>
-              <a:rPr lang="en-US" altLang="ko-KR" dirty="0" smtClean="0"/>
+              <a:rPr lang="en-US" altLang="ko-KR" dirty="0"/>
               <a:t>!!!</a:t>
             </a:r>
           </a:p>
           <a:p>
-            <a:endParaRPr lang="en-US" altLang="ko-KR" dirty="0" smtClean="0"/>
-          </a:p>
-          <a:p>
-            <a:r>
-              <a:rPr lang="ko-KR" altLang="en-US" dirty="0" err="1" smtClean="0"/>
+            <a:endParaRPr lang="en-US" altLang="ko-KR" dirty="0"/>
+          </a:p>
+          <a:p>
+            <a:r>
+              <a:rPr lang="ko-KR" altLang="en-US" dirty="0" err="1"/>
               <a:t>숨김폴더</a:t>
             </a:r>
             <a:r>
-              <a:rPr lang="en-US" altLang="ko-KR" dirty="0" smtClean="0"/>
+              <a:rPr lang="en-US" altLang="ko-KR" dirty="0"/>
               <a:t>/</a:t>
             </a:r>
             <a:r>
-              <a:rPr lang="ko-KR" altLang="en-US" dirty="0" smtClean="0"/>
+              <a:rPr lang="ko-KR" altLang="en-US" dirty="0"/>
               <a:t>파일이란</a:t>
             </a:r>
             <a:r>
-              <a:rPr lang="en-US" altLang="ko-KR" dirty="0" smtClean="0"/>
+              <a:rPr lang="en-US" altLang="ko-KR" dirty="0"/>
               <a:t>? .</a:t>
             </a:r>
             <a:r>
-              <a:rPr lang="ko-KR" altLang="en-US" dirty="0" smtClean="0"/>
+              <a:rPr lang="ko-KR" altLang="en-US" dirty="0"/>
               <a:t>으로 시작하며 시스템에는 존재하나 기본적으로는 나타나지 않는 폴더</a:t>
             </a:r>
             <a:r>
-              <a:rPr lang="en-US" altLang="ko-KR" dirty="0" smtClean="0"/>
+              <a:rPr lang="en-US" altLang="ko-KR" dirty="0"/>
               <a:t>/</a:t>
             </a:r>
             <a:r>
-              <a:rPr lang="ko-KR" altLang="en-US" dirty="0" smtClean="0"/>
+              <a:rPr lang="ko-KR" altLang="en-US" dirty="0"/>
               <a:t>파일</a:t>
             </a:r>
-            <a:endParaRPr lang="ko-KR" altLang="en-US" dirty="0"/>
           </a:p>
         </p:txBody>
       </p:sp>
@@ -1853,10 +1848,6 @@
               <a:rPr lang="ko-KR" altLang="en-US" dirty="0"/>
               <a:t>서버에 문제가 생겨도 로컬에서 작업을 이어하는 것이 가능</a:t>
             </a:r>
-            <a:r>
-              <a:rPr lang="en-US" altLang="ko-KR" dirty="0"/>
-              <a:t/>
-            </a:r>
             <a:br>
               <a:rPr lang="en-US" altLang="ko-KR" dirty="0"/>
             </a:br>
@@ -2011,29 +2002,29 @@
               <a:t> 명령어만 이용해서 </a:t>
             </a:r>
             <a:r>
-              <a:rPr lang="ko-KR" altLang="en-US" dirty="0" err="1" smtClean="0"/>
+              <a:rPr lang="ko-KR" altLang="en-US" dirty="0" err="1"/>
               <a:t>진행해보기</a:t>
             </a:r>
-            <a:endParaRPr lang="en-US" altLang="ko-KR" dirty="0" smtClean="0"/>
-          </a:p>
-          <a:p>
-            <a:endParaRPr lang="en-US" altLang="ko-KR" dirty="0" smtClean="0"/>
-          </a:p>
-          <a:p>
-            <a:r>
-              <a:rPr lang="en-US" altLang="ko-KR" dirty="0" smtClean="0"/>
+            <a:endParaRPr lang="en-US" altLang="ko-KR" dirty="0"/>
+          </a:p>
+          <a:p>
+            <a:endParaRPr lang="en-US" altLang="ko-KR" dirty="0"/>
+          </a:p>
+          <a:p>
+            <a:r>
+              <a:rPr lang="en-US" altLang="ko-KR" dirty="0"/>
               <a:t>windows</a:t>
             </a:r>
             <a:r>
-              <a:rPr lang="en-US" altLang="ko-KR" baseline="0" dirty="0" smtClean="0"/>
+              <a:rPr lang="en-US" altLang="ko-KR" baseline="0" dirty="0"/>
               <a:t> </a:t>
             </a:r>
             <a:r>
-              <a:rPr lang="ko-KR" altLang="en-US" baseline="0" dirty="0" smtClean="0"/>
+              <a:rPr lang="ko-KR" altLang="en-US" baseline="0" dirty="0"/>
               <a:t>기본 터미널 </a:t>
             </a:r>
             <a:r>
-              <a:rPr lang="en-US" altLang="ko-KR" baseline="0" dirty="0" smtClean="0"/>
+              <a:rPr lang="en-US" altLang="ko-KR" baseline="0" dirty="0"/>
               <a:t>: CMD, PowerShell)</a:t>
             </a:r>
           </a:p>
@@ -2043,14 +2034,14 @@
               <a:buChar char="-"/>
             </a:pPr>
             <a:r>
-              <a:rPr lang="en-US" altLang="ko-KR" baseline="0" dirty="0" smtClean="0"/>
+              <a:rPr lang="en-US" altLang="ko-KR" baseline="0" dirty="0"/>
               <a:t>windows </a:t>
             </a:r>
             <a:r>
-              <a:rPr lang="ko-KR" altLang="en-US" baseline="0" dirty="0" smtClean="0"/>
+              <a:rPr lang="ko-KR" altLang="en-US" baseline="0" dirty="0"/>
               <a:t>명령어 체계</a:t>
             </a:r>
-            <a:endParaRPr lang="en-US" altLang="ko-KR" baseline="0" dirty="0" smtClean="0"/>
+            <a:endParaRPr lang="en-US" altLang="ko-KR" baseline="0" dirty="0"/>
           </a:p>
           <a:p>
             <a:pPr marL="171450" indent="-171450">
@@ -2058,17 +2049,17 @@
               <a:buChar char="-"/>
             </a:pPr>
             <a:r>
-              <a:rPr lang="ko-KR" altLang="en-US" baseline="0" dirty="0" smtClean="0"/>
+              <a:rPr lang="ko-KR" altLang="en-US" baseline="0" dirty="0"/>
               <a:t>시스템 관리 목적</a:t>
             </a:r>
-            <a:endParaRPr lang="en-US" altLang="ko-KR" baseline="0" dirty="0" smtClean="0"/>
+            <a:endParaRPr lang="en-US" altLang="ko-KR" baseline="0" dirty="0"/>
           </a:p>
           <a:p>
             <a:pPr marL="171450" indent="-171450">
               <a:buFontTx/>
               <a:buChar char="-"/>
             </a:pPr>
-            <a:endParaRPr lang="en-US" altLang="ko-KR" baseline="0" dirty="0" smtClean="0"/>
+            <a:endParaRPr lang="en-US" altLang="ko-KR" baseline="0" dirty="0"/>
           </a:p>
           <a:p>
             <a:pPr marL="0" indent="0">
@@ -2076,11 +2067,11 @@
               <a:buNone/>
             </a:pPr>
             <a:r>
-              <a:rPr lang="en-US" altLang="ko-KR" baseline="0" dirty="0" err="1" smtClean="0"/>
+              <a:rPr lang="en-US" altLang="ko-KR" baseline="0" dirty="0" err="1"/>
               <a:t>Git</a:t>
             </a:r>
             <a:r>
-              <a:rPr lang="en-US" altLang="ko-KR" baseline="0" dirty="0" smtClean="0"/>
+              <a:rPr lang="en-US" altLang="ko-KR" baseline="0" dirty="0"/>
               <a:t> Bash</a:t>
             </a:r>
           </a:p>
@@ -2090,10 +2081,10 @@
               <a:buChar char="-"/>
             </a:pPr>
             <a:r>
-              <a:rPr lang="ko-KR" altLang="en-US" dirty="0" smtClean="0"/>
+              <a:rPr lang="ko-KR" altLang="en-US" dirty="0"/>
               <a:t>리눅스 명령어 체계</a:t>
             </a:r>
-            <a:endParaRPr lang="en-US" altLang="ko-KR" dirty="0" smtClean="0"/>
+            <a:endParaRPr lang="en-US" altLang="ko-KR" dirty="0"/>
           </a:p>
           <a:p>
             <a:pPr marL="171450" indent="-171450">
@@ -2101,25 +2092,25 @@
               <a:buChar char="-"/>
             </a:pPr>
             <a:r>
-              <a:rPr lang="en-US" altLang="ko-KR" dirty="0" err="1" smtClean="0"/>
+              <a:rPr lang="en-US" altLang="ko-KR" dirty="0" err="1"/>
               <a:t>git</a:t>
             </a:r>
             <a:r>
-              <a:rPr lang="en-US" altLang="ko-KR" dirty="0" smtClean="0"/>
+              <a:rPr lang="en-US" altLang="ko-KR" dirty="0"/>
               <a:t> </a:t>
             </a:r>
             <a:r>
-              <a:rPr lang="ko-KR" altLang="en-US" dirty="0" smtClean="0"/>
+              <a:rPr lang="ko-KR" altLang="en-US" dirty="0"/>
               <a:t>사용</a:t>
             </a:r>
-            <a:endParaRPr lang="en-US" altLang="ko-KR" dirty="0" smtClean="0"/>
+            <a:endParaRPr lang="en-US" altLang="ko-KR" dirty="0"/>
           </a:p>
           <a:p>
             <a:pPr marL="171450" indent="-171450">
               <a:buFontTx/>
               <a:buChar char="-"/>
             </a:pPr>
-            <a:endParaRPr lang="en-US" altLang="ko-KR" dirty="0" smtClean="0"/>
+            <a:endParaRPr lang="en-US" altLang="ko-KR" dirty="0"/>
           </a:p>
           <a:p>
             <a:pPr marL="171450" indent="-171450">
@@ -2127,11 +2118,11 @@
               <a:buChar char="-"/>
             </a:pPr>
             <a:r>
-              <a:rPr lang="ko-KR" altLang="en-US" dirty="0" smtClean="0"/>
+              <a:rPr lang="ko-KR" altLang="en-US" dirty="0"/>
               <a:t>명령어 체계 차이로 명령어가 동작하는 방법이 조금씩 다름</a:t>
             </a:r>
             <a:r>
-              <a:rPr lang="en-US" altLang="ko-KR" dirty="0" smtClean="0"/>
+              <a:rPr lang="en-US" altLang="ko-KR" dirty="0"/>
               <a:t>.</a:t>
             </a:r>
             <a:endParaRPr lang="ko-KR" altLang="en-US" dirty="0"/>
@@ -2307,44 +2298,39 @@
           <a:p>
             <a:r>
               <a:rPr lang="ko-KR" altLang="en-US" dirty="0"/>
-              <a:t>급작스럽지만 미리 용어 </a:t>
-            </a:r>
-            <a:r>
-              <a:rPr lang="ko-KR" altLang="en-US" dirty="0" smtClean="0"/>
-              <a:t>설명을</a:t>
-            </a:r>
-            <a:endParaRPr lang="en-US" altLang="ko-KR" dirty="0" smtClean="0"/>
-          </a:p>
-          <a:p>
-            <a:endParaRPr lang="en-US" altLang="ko-KR" dirty="0" smtClean="0"/>
-          </a:p>
-          <a:p>
-            <a:r>
-              <a:rPr lang="ko-KR" altLang="en-US" dirty="0" smtClean="0"/>
+              <a:t>급작스럽지만 미리 용어 설명을</a:t>
+            </a:r>
+            <a:endParaRPr lang="en-US" altLang="ko-KR" dirty="0"/>
+          </a:p>
+          <a:p>
+            <a:endParaRPr lang="en-US" altLang="ko-KR" dirty="0"/>
+          </a:p>
+          <a:p>
+            <a:r>
+              <a:rPr lang="ko-KR" altLang="en-US" dirty="0"/>
               <a:t>레포지토리는 </a:t>
             </a:r>
             <a:r>
-              <a:rPr lang="ko-KR" altLang="en-US" dirty="0" err="1" smtClean="0"/>
+              <a:rPr lang="ko-KR" altLang="en-US" dirty="0" err="1"/>
               <a:t>레포지토리임</a:t>
             </a:r>
             <a:r>
-              <a:rPr lang="en-US" altLang="ko-KR" dirty="0" smtClean="0"/>
+              <a:rPr lang="en-US" altLang="ko-KR" dirty="0"/>
               <a:t>.</a:t>
             </a:r>
           </a:p>
           <a:p>
             <a:r>
-              <a:rPr lang="ko-KR" altLang="en-US" dirty="0" smtClean="0"/>
+              <a:rPr lang="ko-KR" altLang="en-US" dirty="0"/>
               <a:t>로컬에 있으면 로컬 저장소</a:t>
             </a:r>
-            <a:endParaRPr lang="en-US" altLang="ko-KR" dirty="0" smtClean="0"/>
-          </a:p>
-          <a:p>
-            <a:r>
-              <a:rPr lang="ko-KR" altLang="en-US" dirty="0" smtClean="0"/>
+            <a:endParaRPr lang="en-US" altLang="ko-KR" dirty="0"/>
+          </a:p>
+          <a:p>
+            <a:r>
+              <a:rPr lang="ko-KR" altLang="en-US" dirty="0"/>
               <a:t>서버에 있으면 원격 저장소</a:t>
             </a:r>
-            <a:endParaRPr lang="ko-KR" altLang="en-US" dirty="0"/>
           </a:p>
         </p:txBody>
       </p:sp>
@@ -2429,19 +2415,19 @@
           <a:lstStyle/>
           <a:p>
             <a:r>
-              <a:rPr lang="en-US" altLang="ko-KR" dirty="0" err="1" smtClean="0"/>
+              <a:rPr lang="en-US" altLang="ko-KR" dirty="0" err="1"/>
               <a:t>github</a:t>
             </a:r>
             <a:r>
-              <a:rPr lang="en-US" altLang="ko-KR" dirty="0" smtClean="0"/>
+              <a:rPr lang="en-US" altLang="ko-KR" dirty="0"/>
               <a:t> = </a:t>
             </a:r>
             <a:r>
-              <a:rPr lang="ko-KR" altLang="en-US" dirty="0" err="1" smtClean="0"/>
+              <a:rPr lang="ko-KR" altLang="en-US" dirty="0" err="1"/>
               <a:t>원격저장소</a:t>
             </a:r>
             <a:r>
-              <a:rPr lang="en-US" altLang="ko-KR" dirty="0" smtClean="0"/>
+              <a:rPr lang="en-US" altLang="ko-KR" dirty="0"/>
               <a:t>!</a:t>
             </a:r>
             <a:endParaRPr lang="ko-KR" altLang="en-US" dirty="0"/>
@@ -2564,96 +2550,84 @@
             </a:r>
             <a:r>
               <a:rPr lang="ko-KR" altLang="en-US" dirty="0"/>
-              <a:t> 존재한다 </a:t>
-            </a:r>
-            <a:r>
-              <a:rPr lang="ko-KR" altLang="en-US" dirty="0" smtClean="0"/>
-              <a:t>정도만 </a:t>
-            </a:r>
-            <a:r>
-              <a:rPr lang="ko-KR" altLang="en-US" dirty="0"/>
-              <a:t>알고 계시면 </a:t>
-            </a:r>
-            <a:r>
-              <a:rPr lang="ko-KR" altLang="en-US" dirty="0" smtClean="0"/>
-              <a:t>됨</a:t>
-            </a:r>
-            <a:endParaRPr lang="en-US" altLang="ko-KR" dirty="0" smtClean="0"/>
-          </a:p>
-          <a:p>
-            <a:endParaRPr lang="en-US" altLang="ko-KR" dirty="0" smtClean="0"/>
-          </a:p>
-          <a:p>
-            <a:r>
-              <a:rPr lang="en-US" altLang="ko-KR" dirty="0" smtClean="0"/>
+              <a:t> 존재한다 정도만 알고 계시면 됨</a:t>
+            </a:r>
+            <a:endParaRPr lang="en-US" altLang="ko-KR" dirty="0"/>
+          </a:p>
+          <a:p>
+            <a:endParaRPr lang="en-US" altLang="ko-KR" dirty="0"/>
+          </a:p>
+          <a:p>
+            <a:r>
+              <a:rPr lang="en-US" altLang="ko-KR" dirty="0"/>
               <a:t>Q)</a:t>
             </a:r>
             <a:r>
-              <a:rPr lang="en-US" altLang="ko-KR" baseline="0" dirty="0" smtClean="0"/>
+              <a:rPr lang="en-US" altLang="ko-KR" baseline="0" dirty="0"/>
               <a:t> </a:t>
             </a:r>
             <a:r>
-              <a:rPr lang="ko-KR" altLang="en-US" baseline="0" dirty="0" smtClean="0"/>
+              <a:rPr lang="ko-KR" altLang="en-US" baseline="0" dirty="0"/>
               <a:t>왜 </a:t>
             </a:r>
             <a:r>
-              <a:rPr lang="en-US" altLang="ko-KR" baseline="0" dirty="0" err="1" smtClean="0"/>
+              <a:rPr lang="en-US" altLang="ko-KR" baseline="0" dirty="0" err="1"/>
               <a:t>Git</a:t>
             </a:r>
             <a:r>
-              <a:rPr lang="ko-KR" altLang="en-US" baseline="0" dirty="0" smtClean="0"/>
+              <a:rPr lang="ko-KR" altLang="en-US" baseline="0" dirty="0"/>
               <a:t>의 기본 </a:t>
             </a:r>
             <a:r>
-              <a:rPr lang="ko-KR" altLang="en-US" baseline="0" dirty="0" err="1" smtClean="0"/>
+              <a:rPr lang="ko-KR" altLang="en-US" baseline="0" dirty="0" err="1"/>
               <a:t>브랜치를</a:t>
             </a:r>
             <a:r>
-              <a:rPr lang="ko-KR" altLang="en-US" baseline="0" dirty="0" smtClean="0"/>
+              <a:rPr lang="ko-KR" altLang="en-US" baseline="0" dirty="0"/>
               <a:t> 꼭 </a:t>
             </a:r>
             <a:r>
-              <a:rPr lang="en-US" altLang="ko-KR" baseline="0" dirty="0" smtClean="0"/>
+              <a:rPr lang="en-US" altLang="ko-KR" baseline="0" dirty="0"/>
               <a:t>main</a:t>
             </a:r>
             <a:r>
-              <a:rPr lang="ko-KR" altLang="en-US" baseline="0" dirty="0" smtClean="0"/>
+              <a:rPr lang="ko-KR" altLang="en-US" baseline="0" dirty="0"/>
               <a:t>으로 바꿔야하나요</a:t>
             </a:r>
             <a:r>
-              <a:rPr lang="en-US" altLang="ko-KR" baseline="0" dirty="0" smtClean="0"/>
+              <a:rPr lang="en-US" altLang="ko-KR" baseline="0" dirty="0"/>
               <a:t>? (</a:t>
             </a:r>
             <a:r>
-              <a:rPr lang="ko-KR" altLang="en-US" baseline="0" dirty="0" smtClean="0"/>
+              <a:rPr lang="ko-KR" altLang="en-US" baseline="0" dirty="0"/>
               <a:t>나중에</a:t>
             </a:r>
             <a:r>
-              <a:rPr lang="en-US" altLang="ko-KR" baseline="0" dirty="0" smtClean="0"/>
+              <a:rPr lang="en-US" altLang="ko-KR" baseline="0" dirty="0"/>
               <a:t> </a:t>
             </a:r>
             <a:r>
-              <a:rPr lang="en-US" altLang="ko-KR" baseline="0" dirty="0" err="1" smtClean="0"/>
+              <a:rPr lang="en-US" altLang="ko-KR" baseline="0" dirty="0" err="1"/>
               <a:t>git</a:t>
             </a:r>
             <a:r>
-              <a:rPr lang="en-US" altLang="ko-KR" baseline="0" dirty="0" smtClean="0"/>
+              <a:rPr lang="en-US" altLang="ko-KR" baseline="0" dirty="0"/>
               <a:t> </a:t>
             </a:r>
             <a:r>
-              <a:rPr lang="en-US" altLang="ko-KR" baseline="0" dirty="0" err="1" smtClean="0"/>
+              <a:rPr lang="en-US" altLang="ko-KR" baseline="0" dirty="0" err="1"/>
               <a:t>init</a:t>
             </a:r>
             <a:r>
-              <a:rPr lang="ko-KR" altLang="en-US" baseline="0" dirty="0" smtClean="0"/>
+              <a:rPr lang="ko-KR" altLang="en-US" baseline="0" dirty="0"/>
               <a:t>하면 더 </a:t>
             </a:r>
             <a:r>
-              <a:rPr lang="ko-KR" altLang="en-US" baseline="0" dirty="0" err="1" smtClean="0"/>
+              <a:rPr lang="ko-KR" altLang="en-US" baseline="0" dirty="0" err="1"/>
               <a:t>알게됨</a:t>
             </a:r>
             <a:r>
-              <a:rPr lang="en-US" altLang="ko-KR" baseline="0" dirty="0" smtClean="0"/>
+              <a:rPr lang="en-US" altLang="ko-KR" baseline="0" dirty="0"/>
               <a:t>!)</a:t>
             </a:r>
           </a:p>
@@ -2662,19 +2636,19 @@
               <a:buAutoNum type="alphaUcParenR"/>
             </a:pPr>
             <a:r>
-              <a:rPr lang="ko-KR" altLang="en-US" baseline="0" dirty="0" smtClean="0"/>
+              <a:rPr lang="ko-KR" altLang="en-US" baseline="0" dirty="0"/>
               <a:t>기본브랜치가 예전에는 </a:t>
             </a:r>
             <a:r>
-              <a:rPr lang="en-US" altLang="ko-KR" baseline="0" dirty="0" smtClean="0"/>
+              <a:rPr lang="en-US" altLang="ko-KR" baseline="0" dirty="0"/>
               <a:t>“master”</a:t>
             </a:r>
             <a:r>
-              <a:rPr lang="ko-KR" altLang="en-US" baseline="0" dirty="0" smtClean="0"/>
+              <a:rPr lang="ko-KR" altLang="en-US" baseline="0" dirty="0"/>
               <a:t>이였음</a:t>
             </a:r>
             <a:r>
-              <a:rPr lang="en-US" altLang="ko-KR" baseline="0" dirty="0" smtClean="0"/>
+              <a:rPr lang="en-US" altLang="ko-KR" baseline="0" dirty="0"/>
               <a:t>.</a:t>
             </a:r>
           </a:p>
@@ -2682,7 +2656,7 @@
             <a:pPr marL="0" indent="0">
               <a:buNone/>
             </a:pPr>
-            <a:endParaRPr lang="en-US" altLang="ko-KR" baseline="0" dirty="0" smtClean="0"/>
+            <a:endParaRPr lang="en-US" altLang="ko-KR" baseline="0" dirty="0"/>
           </a:p>
           <a:p>
             <a:pPr marL="171450" indent="-171450">
@@ -2690,15 +2664,15 @@
               <a:buChar char="-"/>
             </a:pPr>
             <a:r>
-              <a:rPr lang="en-US" altLang="ko-KR" baseline="0" dirty="0" smtClean="0"/>
+              <a:rPr lang="en-US" altLang="ko-KR" baseline="0" dirty="0"/>
               <a:t>master</a:t>
             </a:r>
             <a:r>
-              <a:rPr lang="ko-KR" altLang="en-US" baseline="0" dirty="0" smtClean="0"/>
+              <a:rPr lang="ko-KR" altLang="en-US" baseline="0" dirty="0"/>
               <a:t>라는 단어가 일부 문화권에서 차별적인 의미로 해석 가능</a:t>
             </a:r>
             <a:r>
-              <a:rPr lang="en-US" altLang="ko-KR" baseline="0" dirty="0" smtClean="0"/>
+              <a:rPr lang="en-US" altLang="ko-KR" baseline="0" dirty="0"/>
               <a:t>.</a:t>
             </a:r>
           </a:p>
@@ -2708,19 +2682,19 @@
               <a:buChar char="-"/>
             </a:pPr>
             <a:r>
-              <a:rPr lang="ko-KR" altLang="en-US" baseline="0" dirty="0" smtClean="0"/>
+              <a:rPr lang="ko-KR" altLang="en-US" baseline="0" dirty="0"/>
               <a:t>많은 기업들이 중립적 단어인 </a:t>
             </a:r>
             <a:r>
-              <a:rPr lang="en-US" altLang="ko-KR" baseline="0" dirty="0" smtClean="0"/>
+              <a:rPr lang="en-US" altLang="ko-KR" baseline="0" dirty="0"/>
               <a:t>main</a:t>
             </a:r>
             <a:r>
-              <a:rPr lang="ko-KR" altLang="en-US" baseline="0" dirty="0" smtClean="0"/>
+              <a:rPr lang="ko-KR" altLang="en-US" baseline="0" dirty="0"/>
               <a:t>으로 전환함</a:t>
             </a:r>
             <a:r>
-              <a:rPr lang="en-US" altLang="ko-KR" baseline="0" dirty="0" smtClean="0"/>
+              <a:rPr lang="en-US" altLang="ko-KR" baseline="0" dirty="0"/>
               <a:t>.</a:t>
             </a:r>
           </a:p>
@@ -2730,45 +2704,45 @@
               <a:buChar char="-"/>
             </a:pPr>
             <a:r>
-              <a:rPr lang="en-US" altLang="ko-KR" baseline="0" dirty="0" err="1" smtClean="0"/>
+              <a:rPr lang="en-US" altLang="ko-KR" baseline="0" dirty="0" err="1"/>
               <a:t>github</a:t>
             </a:r>
             <a:r>
-              <a:rPr lang="ko-KR" altLang="en-US" baseline="0" dirty="0" smtClean="0"/>
+              <a:rPr lang="ko-KR" altLang="en-US" baseline="0" dirty="0"/>
               <a:t>은 </a:t>
             </a:r>
             <a:r>
-              <a:rPr lang="en-US" altLang="ko-KR" baseline="0" dirty="0" smtClean="0"/>
+              <a:rPr lang="en-US" altLang="ko-KR" baseline="0" dirty="0"/>
               <a:t>2020</a:t>
             </a:r>
             <a:r>
-              <a:rPr lang="ko-KR" altLang="en-US" baseline="0" dirty="0" smtClean="0"/>
+              <a:rPr lang="ko-KR" altLang="en-US" baseline="0" dirty="0"/>
               <a:t>년 부터 기본 </a:t>
             </a:r>
             <a:r>
-              <a:rPr lang="ko-KR" altLang="en-US" baseline="0" dirty="0" err="1" smtClean="0"/>
+              <a:rPr lang="ko-KR" altLang="en-US" baseline="0" dirty="0" err="1"/>
               <a:t>브랜치를</a:t>
             </a:r>
             <a:r>
-              <a:rPr lang="ko-KR" altLang="en-US" baseline="0" dirty="0" smtClean="0"/>
+              <a:rPr lang="ko-KR" altLang="en-US" baseline="0" dirty="0"/>
               <a:t> </a:t>
             </a:r>
             <a:r>
-              <a:rPr lang="en-US" altLang="ko-KR" baseline="0" dirty="0" smtClean="0"/>
+              <a:rPr lang="en-US" altLang="ko-KR" baseline="0" dirty="0"/>
               <a:t>main</a:t>
             </a:r>
             <a:r>
-              <a:rPr lang="ko-KR" altLang="en-US" baseline="0" dirty="0" smtClean="0"/>
+              <a:rPr lang="ko-KR" altLang="en-US" baseline="0" dirty="0"/>
               <a:t>으로 자동생성</a:t>
             </a:r>
-            <a:endParaRPr lang="en-US" altLang="ko-KR" baseline="0" dirty="0" smtClean="0"/>
+            <a:endParaRPr lang="en-US" altLang="ko-KR" baseline="0" dirty="0"/>
           </a:p>
           <a:p>
             <a:pPr marL="171450" indent="-171450">
               <a:buFontTx/>
               <a:buChar char="-"/>
             </a:pPr>
-            <a:endParaRPr lang="en-US" altLang="ko-KR" dirty="0" smtClean="0"/>
+            <a:endParaRPr lang="en-US" altLang="ko-KR" dirty="0"/>
           </a:p>
           <a:p>
             <a:pPr marL="171450" indent="-171450">
@@ -2776,10 +2750,10 @@
               <a:buChar char="-"/>
             </a:pPr>
             <a:r>
-              <a:rPr lang="ko-KR" altLang="en-US" dirty="0" smtClean="0"/>
+              <a:rPr lang="ko-KR" altLang="en-US" dirty="0"/>
               <a:t>충돌방지하기 위해 바꿈</a:t>
             </a:r>
-            <a:endParaRPr lang="en-US" altLang="ko-KR" dirty="0" smtClean="0"/>
+            <a:endParaRPr lang="en-US" altLang="ko-KR" dirty="0"/>
           </a:p>
           <a:p>
             <a:pPr marL="171450" indent="-171450">
@@ -2787,57 +2761,56 @@
               <a:buChar char="-"/>
             </a:pPr>
             <a:r>
-              <a:rPr lang="ko-KR" altLang="en-US" dirty="0" smtClean="0"/>
+              <a:rPr lang="ko-KR" altLang="en-US" dirty="0"/>
               <a:t>→ 이걸 한 번만 설정해두면</a:t>
             </a:r>
             <a:r>
-              <a:rPr lang="en-US" altLang="ko-KR" dirty="0" smtClean="0"/>
+              <a:rPr lang="en-US" altLang="ko-KR" dirty="0"/>
               <a:t>,</a:t>
             </a:r>
             <a:br>
-              <a:rPr lang="en-US" altLang="ko-KR" dirty="0" smtClean="0"/>
+              <a:rPr lang="en-US" altLang="ko-KR" dirty="0"/>
             </a:br>
             <a:r>
-              <a:rPr lang="en-US" altLang="ko-KR" b="1" dirty="0" err="1" smtClean="0"/>
+              <a:rPr lang="en-US" altLang="ko-KR" b="1" dirty="0" err="1"/>
               <a:t>git</a:t>
             </a:r>
             <a:r>
-              <a:rPr lang="en-US" altLang="ko-KR" b="1" dirty="0" smtClean="0"/>
+              <a:rPr lang="en-US" altLang="ko-KR" b="1" dirty="0"/>
               <a:t> </a:t>
             </a:r>
             <a:r>
-              <a:rPr lang="en-US" altLang="ko-KR" b="1" dirty="0" err="1" smtClean="0"/>
+              <a:rPr lang="en-US" altLang="ko-KR" b="1" dirty="0" err="1"/>
               <a:t>init</a:t>
             </a:r>
             <a:r>
-              <a:rPr lang="ko-KR" altLang="en-US" b="1" dirty="0" smtClean="0"/>
+              <a:rPr lang="ko-KR" altLang="en-US" b="1" dirty="0"/>
               <a:t>할 때마다 자동으로 </a:t>
             </a:r>
             <a:r>
-              <a:rPr lang="en-US" altLang="ko-KR" b="1" dirty="0" smtClean="0"/>
+              <a:rPr lang="en-US" altLang="ko-KR" b="1" dirty="0"/>
               <a:t>main </a:t>
             </a:r>
             <a:r>
-              <a:rPr lang="ko-KR" altLang="en-US" b="1" dirty="0" err="1" smtClean="0"/>
+              <a:rPr lang="ko-KR" altLang="en-US" b="1" dirty="0" err="1"/>
               <a:t>브랜치</a:t>
             </a:r>
             <a:r>
-              <a:rPr lang="ko-KR" altLang="en-US" dirty="0" err="1" smtClean="0"/>
+              <a:rPr lang="ko-KR" altLang="en-US" dirty="0" err="1"/>
               <a:t>가</a:t>
             </a:r>
             <a:r>
-              <a:rPr lang="ko-KR" altLang="en-US" dirty="0" smtClean="0"/>
+              <a:rPr lang="ko-KR" altLang="en-US" dirty="0"/>
               <a:t> 생성됩니다</a:t>
             </a:r>
             <a:r>
-              <a:rPr lang="en-US" altLang="ko-KR" dirty="0" smtClean="0"/>
+              <a:rPr lang="en-US" altLang="ko-KR" dirty="0"/>
               <a:t>. </a:t>
             </a:r>
             <a:r>
-              <a:rPr lang="ko-KR" altLang="en-US" dirty="0" smtClean="0"/>
+              <a:rPr lang="ko-KR" altLang="en-US" dirty="0"/>
               <a:t>👌</a:t>
             </a:r>
-            <a:endParaRPr lang="ko-KR" altLang="en-US" dirty="0"/>
           </a:p>
         </p:txBody>
       </p:sp>
@@ -2922,241 +2895,237 @@
           <a:lstStyle/>
           <a:p>
             <a:r>
-              <a:rPr lang="en-US" altLang="ko-KR" dirty="0" smtClean="0"/>
+              <a:rPr lang="en-US" altLang="ko-KR" dirty="0"/>
               <a:t>echo "# </a:t>
             </a:r>
             <a:r>
-              <a:rPr lang="ko-KR" altLang="en-US" dirty="0" err="1" smtClean="0"/>
+              <a:rPr lang="ko-KR" altLang="en-US" dirty="0" err="1"/>
               <a:t>프로젝트명</a:t>
             </a:r>
             <a:r>
-              <a:rPr lang="en-US" altLang="ko-KR" dirty="0" smtClean="0"/>
+              <a:rPr lang="en-US" altLang="ko-KR" dirty="0"/>
               <a:t>" &gt;&gt; README.md</a:t>
             </a:r>
           </a:p>
           <a:p>
             <a:r>
-              <a:rPr lang="ko-KR" altLang="en-US" dirty="0" smtClean="0"/>
+              <a:rPr lang="ko-KR" altLang="en-US" dirty="0"/>
               <a:t>간단한 </a:t>
             </a:r>
             <a:r>
-              <a:rPr lang="en-US" altLang="ko-KR" dirty="0" smtClean="0"/>
+              <a:rPr lang="en-US" altLang="ko-KR" dirty="0"/>
               <a:t>README </a:t>
             </a:r>
             <a:r>
-              <a:rPr lang="ko-KR" altLang="en-US" dirty="0" smtClean="0"/>
+              <a:rPr lang="ko-KR" altLang="en-US" dirty="0"/>
               <a:t>파일 생성</a:t>
             </a:r>
-            <a:endParaRPr lang="en-US" altLang="ko-KR" dirty="0" smtClean="0"/>
-          </a:p>
-          <a:p>
-            <a:endParaRPr lang="en-US" altLang="ko-KR" dirty="0" smtClean="0"/>
-          </a:p>
-          <a:p>
-            <a:r>
-              <a:rPr lang="en-US" altLang="ko-KR" dirty="0" err="1" smtClean="0"/>
+            <a:endParaRPr lang="en-US" altLang="ko-KR" dirty="0"/>
+          </a:p>
+          <a:p>
+            <a:endParaRPr lang="en-US" altLang="ko-KR" dirty="0"/>
+          </a:p>
+          <a:p>
+            <a:r>
+              <a:rPr lang="en-US" altLang="ko-KR" dirty="0" err="1"/>
               <a:t>git</a:t>
             </a:r>
             <a:r>
-              <a:rPr lang="en-US" altLang="ko-KR" dirty="0" smtClean="0"/>
+              <a:rPr lang="en-US" altLang="ko-KR" dirty="0"/>
               <a:t> </a:t>
             </a:r>
             <a:r>
-              <a:rPr lang="en-US" altLang="ko-KR" dirty="0" err="1" smtClean="0"/>
+              <a:rPr lang="en-US" altLang="ko-KR" dirty="0" err="1"/>
               <a:t>init</a:t>
             </a:r>
-            <a:endParaRPr lang="en-US" altLang="ko-KR" dirty="0" smtClean="0"/>
-          </a:p>
-          <a:p>
-            <a:r>
-              <a:rPr lang="ko-KR" altLang="en-US" dirty="0" smtClean="0"/>
+            <a:endParaRPr lang="en-US" altLang="ko-KR" dirty="0"/>
+          </a:p>
+          <a:p>
+            <a:r>
+              <a:rPr lang="ko-KR" altLang="en-US" dirty="0"/>
               <a:t>현재 폴더를 </a:t>
             </a:r>
             <a:r>
-              <a:rPr lang="en-US" altLang="ko-KR" dirty="0" err="1" smtClean="0"/>
+              <a:rPr lang="en-US" altLang="ko-KR" dirty="0" err="1"/>
               <a:t>Git</a:t>
             </a:r>
             <a:r>
-              <a:rPr lang="en-US" altLang="ko-KR" dirty="0" smtClean="0"/>
+              <a:rPr lang="en-US" altLang="ko-KR" dirty="0"/>
               <a:t> </a:t>
             </a:r>
             <a:r>
-              <a:rPr lang="ko-KR" altLang="en-US" dirty="0" smtClean="0"/>
+              <a:rPr lang="ko-KR" altLang="en-US" dirty="0"/>
               <a:t>저장소로 초기화</a:t>
             </a:r>
-            <a:r>
-              <a:rPr lang="en-US" altLang="ko-KR" dirty="0" smtClean="0"/>
-              <a:t/>
-            </a:r>
             <a:br>
-              <a:rPr lang="en-US" altLang="ko-KR" dirty="0" smtClean="0"/>
+              <a:rPr lang="en-US" altLang="ko-KR" dirty="0"/>
             </a:br>
             <a:r>
-              <a:rPr lang="en-US" altLang="ko-KR" dirty="0" smtClean="0"/>
+              <a:rPr lang="en-US" altLang="ko-KR" dirty="0"/>
               <a:t>=</a:t>
             </a:r>
             <a:r>
-              <a:rPr lang="en-US" altLang="ko-KR" baseline="0" dirty="0" smtClean="0"/>
+              <a:rPr lang="en-US" altLang="ko-KR" baseline="0" dirty="0"/>
               <a:t> </a:t>
             </a:r>
             <a:r>
-              <a:rPr lang="ko-KR" altLang="en-US" baseline="0" dirty="0" smtClean="0"/>
+              <a:rPr lang="ko-KR" altLang="en-US" baseline="0" dirty="0"/>
               <a:t>현재 폴더를 </a:t>
             </a:r>
             <a:r>
-              <a:rPr lang="en-US" altLang="ko-KR" baseline="0" dirty="0" err="1" smtClean="0"/>
+              <a:rPr lang="en-US" altLang="ko-KR" baseline="0" dirty="0" err="1"/>
               <a:t>Git</a:t>
             </a:r>
             <a:r>
-              <a:rPr lang="ko-KR" altLang="en-US" baseline="0" dirty="0" smtClean="0"/>
+              <a:rPr lang="ko-KR" altLang="en-US" baseline="0" dirty="0"/>
               <a:t>이 추적할 수 있는 저장소로 바꾸는 명령어</a:t>
             </a:r>
             <a:r>
-              <a:rPr lang="en-US" altLang="ko-KR" baseline="0" dirty="0" smtClean="0"/>
+              <a:rPr lang="en-US" altLang="ko-KR" baseline="0" dirty="0"/>
               <a:t>.</a:t>
             </a:r>
-            <a:endParaRPr lang="en-US" altLang="ko-KR" dirty="0" smtClean="0"/>
-          </a:p>
-          <a:p>
-            <a:endParaRPr lang="en-US" altLang="ko-KR" dirty="0" smtClean="0"/>
-          </a:p>
-          <a:p>
-            <a:r>
-              <a:rPr lang="en-US" altLang="ko-KR" dirty="0" err="1" smtClean="0"/>
+            <a:endParaRPr lang="en-US" altLang="ko-KR" dirty="0"/>
+          </a:p>
+          <a:p>
+            <a:endParaRPr lang="en-US" altLang="ko-KR" dirty="0"/>
+          </a:p>
+          <a:p>
+            <a:r>
+              <a:rPr lang="en-US" altLang="ko-KR" dirty="0" err="1"/>
               <a:t>git</a:t>
             </a:r>
             <a:r>
-              <a:rPr lang="en-US" altLang="ko-KR" dirty="0" smtClean="0"/>
+              <a:rPr lang="en-US" altLang="ko-KR" dirty="0"/>
               <a:t> add README.md</a:t>
             </a:r>
           </a:p>
           <a:p>
             <a:r>
-              <a:rPr lang="en-US" altLang="ko-KR" dirty="0" smtClean="0"/>
+              <a:rPr lang="en-US" altLang="ko-KR" dirty="0"/>
               <a:t>README.md </a:t>
             </a:r>
             <a:r>
-              <a:rPr lang="ko-KR" altLang="en-US" dirty="0" smtClean="0"/>
+              <a:rPr lang="ko-KR" altLang="en-US" dirty="0"/>
               <a:t>파일을 </a:t>
             </a:r>
             <a:r>
-              <a:rPr lang="ko-KR" altLang="en-US" dirty="0" err="1" smtClean="0"/>
+              <a:rPr lang="ko-KR" altLang="en-US" dirty="0" err="1"/>
               <a:t>스테이징</a:t>
             </a:r>
-            <a:endParaRPr lang="en-US" altLang="ko-KR" dirty="0" smtClean="0"/>
-          </a:p>
-          <a:p>
-            <a:endParaRPr lang="en-US" altLang="ko-KR" dirty="0" smtClean="0"/>
-          </a:p>
-          <a:p>
-            <a:r>
-              <a:rPr lang="en-US" altLang="ko-KR" dirty="0" err="1" smtClean="0"/>
+            <a:endParaRPr lang="en-US" altLang="ko-KR" dirty="0"/>
+          </a:p>
+          <a:p>
+            <a:endParaRPr lang="en-US" altLang="ko-KR" dirty="0"/>
+          </a:p>
+          <a:p>
+            <a:r>
+              <a:rPr lang="en-US" altLang="ko-KR" dirty="0" err="1"/>
               <a:t>git</a:t>
             </a:r>
             <a:r>
-              <a:rPr lang="en-US" altLang="ko-KR" dirty="0" smtClean="0"/>
+              <a:rPr lang="en-US" altLang="ko-KR" dirty="0"/>
               <a:t> commit -m "first commit“</a:t>
             </a:r>
           </a:p>
           <a:p>
             <a:r>
-              <a:rPr lang="ko-KR" altLang="en-US" dirty="0" smtClean="0"/>
+              <a:rPr lang="ko-KR" altLang="en-US" dirty="0"/>
               <a:t>첫 </a:t>
             </a:r>
             <a:r>
-              <a:rPr lang="ko-KR" altLang="en-US" dirty="0" err="1" smtClean="0"/>
+              <a:rPr lang="ko-KR" altLang="en-US" dirty="0" err="1"/>
               <a:t>커밋</a:t>
             </a:r>
             <a:r>
-              <a:rPr lang="ko-KR" altLang="en-US" dirty="0" smtClean="0"/>
+              <a:rPr lang="ko-KR" altLang="en-US" dirty="0"/>
               <a:t> 생성</a:t>
             </a:r>
-            <a:endParaRPr lang="en-US" altLang="ko-KR" dirty="0" smtClean="0"/>
-          </a:p>
-          <a:p>
-            <a:endParaRPr lang="en-US" altLang="ko-KR" dirty="0" smtClean="0"/>
-          </a:p>
-          <a:p>
-            <a:r>
-              <a:rPr lang="en-US" altLang="ko-KR" dirty="0" err="1" smtClean="0"/>
+            <a:endParaRPr lang="en-US" altLang="ko-KR" dirty="0"/>
+          </a:p>
+          <a:p>
+            <a:endParaRPr lang="en-US" altLang="ko-KR" dirty="0"/>
+          </a:p>
+          <a:p>
+            <a:r>
+              <a:rPr lang="en-US" altLang="ko-KR" dirty="0" err="1"/>
               <a:t>git</a:t>
             </a:r>
             <a:r>
-              <a:rPr lang="en-US" altLang="ko-KR" dirty="0" smtClean="0"/>
+              <a:rPr lang="en-US" altLang="ko-KR" dirty="0"/>
               <a:t> branch -M main</a:t>
             </a:r>
           </a:p>
           <a:p>
             <a:r>
-              <a:rPr lang="ko-KR" altLang="en-US" dirty="0" err="1" smtClean="0"/>
+              <a:rPr lang="ko-KR" altLang="en-US" dirty="0" err="1"/>
               <a:t>브랜치</a:t>
             </a:r>
             <a:r>
-              <a:rPr lang="ko-KR" altLang="en-US" dirty="0" smtClean="0"/>
+              <a:rPr lang="ko-KR" altLang="en-US" dirty="0"/>
               <a:t> 이름을 </a:t>
             </a:r>
             <a:r>
-              <a:rPr lang="en-US" altLang="ko-KR" dirty="0" smtClean="0"/>
+              <a:rPr lang="en-US" altLang="ko-KR" dirty="0"/>
               <a:t>main</a:t>
             </a:r>
             <a:r>
-              <a:rPr lang="ko-KR" altLang="en-US" dirty="0" smtClean="0"/>
+              <a:rPr lang="ko-KR" altLang="en-US" dirty="0"/>
               <a:t>으로 변경</a:t>
             </a:r>
-            <a:endParaRPr lang="en-US" altLang="ko-KR" dirty="0" smtClean="0"/>
-          </a:p>
-          <a:p>
-            <a:endParaRPr lang="en-US" altLang="ko-KR" dirty="0" smtClean="0"/>
-          </a:p>
-          <a:p>
-            <a:r>
-              <a:rPr lang="en-US" altLang="ko-KR" dirty="0" err="1" smtClean="0"/>
+            <a:endParaRPr lang="en-US" altLang="ko-KR" dirty="0"/>
+          </a:p>
+          <a:p>
+            <a:endParaRPr lang="en-US" altLang="ko-KR" dirty="0"/>
+          </a:p>
+          <a:p>
+            <a:r>
+              <a:rPr lang="en-US" altLang="ko-KR" dirty="0" err="1"/>
               <a:t>git</a:t>
             </a:r>
             <a:r>
-              <a:rPr lang="en-US" altLang="ko-KR" dirty="0" smtClean="0"/>
+              <a:rPr lang="en-US" altLang="ko-KR" dirty="0"/>
               <a:t> remote add origin [URL]GitHub </a:t>
             </a:r>
           </a:p>
           <a:p>
             <a:r>
-              <a:rPr lang="ko-KR" altLang="en-US" dirty="0" smtClean="0"/>
+              <a:rPr lang="ko-KR" altLang="en-US" dirty="0"/>
               <a:t>원격 저장소와 연결</a:t>
             </a:r>
-            <a:endParaRPr lang="en-US" altLang="ko-KR" dirty="0" smtClean="0"/>
-          </a:p>
-          <a:p>
-            <a:endParaRPr lang="en-US" altLang="ko-KR" dirty="0" smtClean="0"/>
-          </a:p>
-          <a:p>
-            <a:r>
-              <a:rPr lang="en-US" altLang="ko-KR" dirty="0" err="1" smtClean="0"/>
+            <a:endParaRPr lang="en-US" altLang="ko-KR" dirty="0"/>
+          </a:p>
+          <a:p>
+            <a:endParaRPr lang="en-US" altLang="ko-KR" dirty="0"/>
+          </a:p>
+          <a:p>
+            <a:r>
+              <a:rPr lang="en-US" altLang="ko-KR" dirty="0" err="1"/>
               <a:t>git</a:t>
             </a:r>
             <a:r>
-              <a:rPr lang="en-US" altLang="ko-KR" dirty="0" smtClean="0"/>
+              <a:rPr lang="en-US" altLang="ko-KR" dirty="0"/>
               <a:t> push -u origin main</a:t>
             </a:r>
           </a:p>
           <a:p>
             <a:r>
-              <a:rPr lang="ko-KR" altLang="en-US" dirty="0" smtClean="0"/>
+              <a:rPr lang="ko-KR" altLang="en-US" dirty="0"/>
               <a:t>원격 저장소로 코드 업로드 </a:t>
             </a:r>
             <a:r>
-              <a:rPr lang="en-US" altLang="ko-KR" dirty="0" smtClean="0"/>
+              <a:rPr lang="en-US" altLang="ko-KR" dirty="0"/>
               <a:t>(</a:t>
             </a:r>
             <a:r>
-              <a:rPr lang="ko-KR" altLang="en-US" dirty="0" err="1" smtClean="0"/>
+              <a:rPr lang="ko-KR" altLang="en-US" dirty="0" err="1"/>
               <a:t>브랜치</a:t>
             </a:r>
             <a:r>
-              <a:rPr lang="ko-KR" altLang="en-US" dirty="0" smtClean="0"/>
+              <a:rPr lang="ko-KR" altLang="en-US" dirty="0"/>
               <a:t> 추적까지 설정</a:t>
             </a:r>
             <a:r>
-              <a:rPr lang="en-US" altLang="ko-KR" dirty="0" smtClean="0"/>
+              <a:rPr lang="en-US" altLang="ko-KR" dirty="0"/>
               <a:t>)</a:t>
             </a:r>
             <a:endParaRPr lang="ko-KR" altLang="en-US" dirty="0"/>
@@ -3729,10 +3698,6 @@
               <a:rPr lang="ko-KR" altLang="en-US" dirty="0"/>
               <a:t>서버에 문제가 생겨도 로컬에서 작업을 이어하는 것이 가능</a:t>
             </a:r>
-            <a:r>
-              <a:rPr lang="en-US" altLang="ko-KR" dirty="0"/>
-              <a:t/>
-            </a:r>
             <a:br>
               <a:rPr lang="en-US" altLang="ko-KR" dirty="0"/>
             </a:br>
@@ -3886,290 +3851,290 @@
           <a:lstStyle/>
           <a:p>
             <a:r>
-              <a:rPr lang="ko-KR" altLang="en-US" dirty="0" smtClean="0"/>
+              <a:rPr lang="ko-KR" altLang="en-US" dirty="0"/>
               <a:t>레포지토리는 </a:t>
             </a:r>
             <a:r>
-              <a:rPr lang="ko-KR" altLang="en-US" dirty="0" err="1" smtClean="0"/>
+              <a:rPr lang="ko-KR" altLang="en-US" dirty="0" err="1"/>
               <a:t>레포지토리임</a:t>
             </a:r>
             <a:r>
-              <a:rPr lang="en-US" altLang="ko-KR" dirty="0" smtClean="0"/>
+              <a:rPr lang="en-US" altLang="ko-KR" dirty="0"/>
               <a:t>.</a:t>
             </a:r>
           </a:p>
           <a:p>
             <a:r>
-              <a:rPr lang="ko-KR" altLang="en-US" dirty="0" smtClean="0"/>
+              <a:rPr lang="ko-KR" altLang="en-US" dirty="0"/>
               <a:t>로컬에 있으면 로컬 저장소</a:t>
             </a:r>
-            <a:endParaRPr lang="en-US" altLang="ko-KR" dirty="0" smtClean="0"/>
-          </a:p>
-          <a:p>
-            <a:r>
-              <a:rPr lang="ko-KR" altLang="en-US" dirty="0" smtClean="0"/>
+            <a:endParaRPr lang="en-US" altLang="ko-KR" dirty="0"/>
+          </a:p>
+          <a:p>
+            <a:r>
+              <a:rPr lang="ko-KR" altLang="en-US" dirty="0"/>
               <a:t>서버에 있으면 원격 저장소</a:t>
             </a:r>
           </a:p>
           <a:p>
-            <a:endParaRPr lang="en-US" altLang="ko-KR" dirty="0" smtClean="0"/>
-          </a:p>
-          <a:p>
-            <a:r>
-              <a:rPr lang="en-US" altLang="ko-KR" dirty="0" smtClean="0"/>
+            <a:endParaRPr lang="en-US" altLang="ko-KR" dirty="0"/>
+          </a:p>
+          <a:p>
+            <a:r>
+              <a:rPr lang="en-US" altLang="ko-KR" dirty="0"/>
               <a:t>PC </a:t>
             </a:r>
             <a:r>
-              <a:rPr lang="ko-KR" altLang="en-US" dirty="0" smtClean="0"/>
+              <a:rPr lang="ko-KR" altLang="en-US" dirty="0"/>
               <a:t>저장소 </a:t>
             </a:r>
             <a:r>
-              <a:rPr lang="en-US" altLang="ko-KR" dirty="0" smtClean="0"/>
+              <a:rPr lang="en-US" altLang="ko-KR" dirty="0"/>
               <a:t>(local) = </a:t>
             </a:r>
             <a:r>
-              <a:rPr lang="ko-KR" altLang="en-US" dirty="0" smtClean="0"/>
+              <a:rPr lang="ko-KR" altLang="en-US" dirty="0"/>
               <a:t>내 컴퓨터 안에서 이루어지는 </a:t>
             </a:r>
             <a:r>
-              <a:rPr lang="en-US" altLang="ko-KR" dirty="0" err="1" smtClean="0"/>
+              <a:rPr lang="en-US" altLang="ko-KR" dirty="0" err="1"/>
               <a:t>Git</a:t>
             </a:r>
             <a:r>
-              <a:rPr lang="en-US" altLang="ko-KR" dirty="0" smtClean="0"/>
+              <a:rPr lang="en-US" altLang="ko-KR" dirty="0"/>
               <a:t> </a:t>
             </a:r>
             <a:r>
-              <a:rPr lang="ko-KR" altLang="en-US" dirty="0" smtClean="0"/>
+              <a:rPr lang="ko-KR" altLang="en-US" dirty="0"/>
               <a:t>작업 공간</a:t>
             </a:r>
-            <a:endParaRPr lang="en-US" altLang="ko-KR" dirty="0" smtClean="0"/>
-          </a:p>
-          <a:p>
-            <a:r>
-              <a:rPr lang="ko-KR" altLang="en-US" dirty="0" smtClean="0"/>
+            <a:endParaRPr lang="en-US" altLang="ko-KR" dirty="0"/>
+          </a:p>
+          <a:p>
+            <a:r>
+              <a:rPr lang="ko-KR" altLang="en-US" dirty="0"/>
               <a:t>온라인 저장소 </a:t>
             </a:r>
             <a:r>
-              <a:rPr lang="en-US" altLang="ko-KR" dirty="0" smtClean="0"/>
+              <a:rPr lang="en-US" altLang="ko-KR" dirty="0"/>
               <a:t>(Remote)</a:t>
             </a:r>
             <a:r>
-              <a:rPr lang="en-US" altLang="ko-KR" baseline="0" dirty="0" smtClean="0"/>
+              <a:rPr lang="en-US" altLang="ko-KR" baseline="0" dirty="0"/>
               <a:t> = </a:t>
             </a:r>
             <a:r>
-              <a:rPr lang="en-US" altLang="ko-KR" baseline="0" dirty="0" err="1" smtClean="0"/>
+              <a:rPr lang="en-US" altLang="ko-KR" baseline="0" dirty="0" err="1"/>
               <a:t>Github</a:t>
             </a:r>
             <a:r>
-              <a:rPr lang="ko-KR" altLang="en-US" baseline="0" dirty="0" smtClean="0"/>
+              <a:rPr lang="ko-KR" altLang="en-US" baseline="0" dirty="0"/>
               <a:t>와 같은 원격 저장소</a:t>
             </a:r>
             <a:r>
-              <a:rPr lang="en-US" altLang="ko-KR" baseline="0" dirty="0" smtClean="0"/>
+              <a:rPr lang="en-US" altLang="ko-KR" baseline="0" dirty="0"/>
               <a:t>(</a:t>
             </a:r>
             <a:r>
-              <a:rPr lang="ko-KR" altLang="en-US" baseline="0" dirty="0" smtClean="0"/>
+              <a:rPr lang="ko-KR" altLang="en-US" baseline="0" dirty="0"/>
               <a:t>서버</a:t>
             </a:r>
             <a:r>
-              <a:rPr lang="en-US" altLang="ko-KR" baseline="0" dirty="0" smtClean="0"/>
+              <a:rPr lang="en-US" altLang="ko-KR" baseline="0" dirty="0"/>
               <a:t>)</a:t>
             </a:r>
             <a:r>
-              <a:rPr lang="ko-KR" altLang="en-US" baseline="0" dirty="0" smtClean="0"/>
+              <a:rPr lang="ko-KR" altLang="en-US" baseline="0" dirty="0"/>
               <a:t>에 있는 </a:t>
             </a:r>
             <a:r>
-              <a:rPr lang="en-US" altLang="ko-KR" baseline="0" dirty="0" err="1" smtClean="0"/>
+              <a:rPr lang="en-US" altLang="ko-KR" baseline="0" dirty="0" err="1"/>
               <a:t>Git</a:t>
             </a:r>
             <a:r>
-              <a:rPr lang="en-US" altLang="ko-KR" baseline="0" dirty="0" smtClean="0"/>
+              <a:rPr lang="en-US" altLang="ko-KR" baseline="0" dirty="0"/>
               <a:t> </a:t>
             </a:r>
             <a:r>
-              <a:rPr lang="ko-KR" altLang="en-US" baseline="0" dirty="0" smtClean="0"/>
+              <a:rPr lang="ko-KR" altLang="en-US" baseline="0" dirty="0"/>
               <a:t>공간</a:t>
             </a:r>
             <a:r>
-              <a:rPr lang="en-US" altLang="ko-KR" baseline="0" dirty="0" smtClean="0"/>
+              <a:rPr lang="en-US" altLang="ko-KR" baseline="0" dirty="0"/>
               <a:t>.</a:t>
             </a:r>
           </a:p>
           <a:p>
-            <a:endParaRPr lang="en-US" altLang="ko-KR" baseline="0" dirty="0" smtClean="0"/>
-          </a:p>
-          <a:p>
-            <a:r>
-              <a:rPr lang="ko-KR" altLang="en-US" baseline="0" dirty="0" smtClean="0"/>
+            <a:endParaRPr lang="en-US" altLang="ko-KR" baseline="0" dirty="0"/>
+          </a:p>
+          <a:p>
+            <a:r>
+              <a:rPr lang="ko-KR" altLang="en-US" baseline="0" dirty="0"/>
               <a:t>작업 공간 </a:t>
             </a:r>
             <a:r>
-              <a:rPr lang="en-US" altLang="ko-KR" baseline="0" dirty="0" smtClean="0"/>
+              <a:rPr lang="en-US" altLang="ko-KR" baseline="0" dirty="0"/>
               <a:t>= </a:t>
             </a:r>
             <a:r>
-              <a:rPr lang="ko-KR" altLang="en-US" baseline="0" dirty="0" smtClean="0"/>
+              <a:rPr lang="ko-KR" altLang="en-US" baseline="0" dirty="0"/>
               <a:t>실제로 내가 코딩하고 있는 폴더</a:t>
             </a:r>
-            <a:endParaRPr lang="en-US" altLang="ko-KR" baseline="0" dirty="0" smtClean="0"/>
-          </a:p>
-          <a:p>
-            <a:endParaRPr lang="en-US" altLang="ko-KR" baseline="0" dirty="0" smtClean="0"/>
-          </a:p>
-          <a:p>
-            <a:r>
-              <a:rPr lang="en-US" altLang="ko-KR" baseline="0" dirty="0" smtClean="0"/>
+            <a:endParaRPr lang="en-US" altLang="ko-KR" baseline="0" dirty="0"/>
+          </a:p>
+          <a:p>
+            <a:endParaRPr lang="en-US" altLang="ko-KR" baseline="0" dirty="0"/>
+          </a:p>
+          <a:p>
+            <a:r>
+              <a:rPr lang="en-US" altLang="ko-KR" baseline="0" dirty="0"/>
               <a:t>staging </a:t>
             </a:r>
             <a:r>
-              <a:rPr lang="ko-KR" altLang="en-US" baseline="0" dirty="0" smtClean="0"/>
+              <a:rPr lang="ko-KR" altLang="en-US" baseline="0" dirty="0"/>
               <a:t>영역 </a:t>
             </a:r>
             <a:r>
-              <a:rPr lang="en-US" altLang="ko-KR" baseline="0" dirty="0" smtClean="0"/>
+              <a:rPr lang="en-US" altLang="ko-KR" baseline="0" dirty="0"/>
               <a:t>= </a:t>
             </a:r>
             <a:r>
-              <a:rPr lang="en-US" altLang="ko-KR" baseline="0" dirty="0" err="1" smtClean="0"/>
+              <a:rPr lang="en-US" altLang="ko-KR" baseline="0" dirty="0" err="1"/>
               <a:t>Git</a:t>
             </a:r>
             <a:r>
-              <a:rPr lang="ko-KR" altLang="en-US" baseline="0" dirty="0" smtClean="0"/>
+              <a:rPr lang="ko-KR" altLang="en-US" baseline="0" dirty="0"/>
               <a:t>이 </a:t>
             </a:r>
             <a:r>
-              <a:rPr lang="en-US" altLang="ko-KR" baseline="0" dirty="0" smtClean="0"/>
+              <a:rPr lang="en-US" altLang="ko-KR" baseline="0" dirty="0"/>
               <a:t>“</a:t>
             </a:r>
             <a:r>
-              <a:rPr lang="ko-KR" altLang="en-US" baseline="0" dirty="0" smtClean="0"/>
+              <a:rPr lang="ko-KR" altLang="en-US" baseline="0" dirty="0"/>
               <a:t>어떤 파일을 다음 </a:t>
             </a:r>
             <a:r>
-              <a:rPr lang="ko-KR" altLang="en-US" baseline="0" dirty="0" err="1" smtClean="0"/>
+              <a:rPr lang="ko-KR" altLang="en-US" baseline="0" dirty="0" err="1"/>
               <a:t>커밋에</a:t>
             </a:r>
             <a:r>
-              <a:rPr lang="ko-KR" altLang="en-US" baseline="0" dirty="0" smtClean="0"/>
+              <a:rPr lang="ko-KR" altLang="en-US" baseline="0" dirty="0"/>
               <a:t> 포함시킬지 준비해두는 중간 장소</a:t>
             </a:r>
             <a:r>
-              <a:rPr lang="en-US" altLang="ko-KR" baseline="0" dirty="0" smtClean="0"/>
+              <a:rPr lang="en-US" altLang="ko-KR" baseline="0" dirty="0"/>
               <a:t>” </a:t>
             </a:r>
             <a:r>
-              <a:rPr lang="en-US" altLang="ko-KR" baseline="0" dirty="0" smtClean="0">
+              <a:rPr lang="en-US" altLang="ko-KR" baseline="0" dirty="0">
                 <a:sym typeface="Wingdings" panose="05000000000000000000" pitchFamily="2" charset="2"/>
               </a:rPr>
               <a:t> </a:t>
             </a:r>
             <a:r>
-              <a:rPr lang="ko-KR" altLang="en-US" baseline="0" dirty="0" smtClean="0">
+              <a:rPr lang="ko-KR" altLang="en-US" baseline="0" dirty="0">
                 <a:sym typeface="Wingdings" panose="05000000000000000000" pitchFamily="2" charset="2"/>
               </a:rPr>
               <a:t>단순히 모든 파일을 한 번에 커밋하지 않고</a:t>
             </a:r>
             <a:r>
-              <a:rPr lang="en-US" altLang="ko-KR" baseline="0" dirty="0" smtClean="0">
+              <a:rPr lang="en-US" altLang="ko-KR" baseline="0" dirty="0">
                 <a:sym typeface="Wingdings" panose="05000000000000000000" pitchFamily="2" charset="2"/>
               </a:rPr>
               <a:t>, </a:t>
             </a:r>
             <a:r>
-              <a:rPr lang="ko-KR" altLang="en-US" baseline="0" dirty="0" smtClean="0">
+              <a:rPr lang="ko-KR" altLang="en-US" baseline="0" dirty="0">
                 <a:sym typeface="Wingdings" panose="05000000000000000000" pitchFamily="2" charset="2"/>
               </a:rPr>
               <a:t>선택적으로 원하는 파일만 골라서 커밋할 수 있도록 하기 위해</a:t>
             </a:r>
             <a:r>
-              <a:rPr lang="en-US" altLang="ko-KR" baseline="0" dirty="0" smtClean="0">
+              <a:rPr lang="en-US" altLang="ko-KR" baseline="0" dirty="0">
                 <a:sym typeface="Wingdings" panose="05000000000000000000" pitchFamily="2" charset="2"/>
               </a:rPr>
               <a:t>.</a:t>
             </a:r>
-            <a:endParaRPr lang="en-US" altLang="ko-KR" baseline="0" dirty="0" smtClean="0"/>
-          </a:p>
-          <a:p>
-            <a:endParaRPr lang="en-US" altLang="ko-KR" baseline="0" dirty="0" smtClean="0"/>
-          </a:p>
-          <a:p>
-            <a:r>
-              <a:rPr lang="en-US" altLang="ko-KR" dirty="0" smtClean="0"/>
+            <a:endParaRPr lang="en-US" altLang="ko-KR" baseline="0" dirty="0"/>
+          </a:p>
+          <a:p>
+            <a:endParaRPr lang="en-US" altLang="ko-KR" baseline="0" dirty="0"/>
+          </a:p>
+          <a:p>
+            <a:r>
+              <a:rPr lang="en-US" altLang="ko-KR" dirty="0"/>
               <a:t>commit :</a:t>
             </a:r>
             <a:r>
-              <a:rPr lang="en-US" altLang="ko-KR" baseline="0" dirty="0" smtClean="0"/>
+              <a:rPr lang="en-US" altLang="ko-KR" baseline="0" dirty="0"/>
               <a:t> Staging</a:t>
             </a:r>
             <a:r>
-              <a:rPr lang="ko-KR" altLang="en-US" baseline="0" dirty="0" smtClean="0"/>
+              <a:rPr lang="ko-KR" altLang="en-US" baseline="0" dirty="0"/>
               <a:t>에 있는 파일들을 로컬저장소에 기록하는 과정 </a:t>
             </a:r>
             <a:r>
-              <a:rPr lang="en-US" altLang="ko-KR" baseline="0" dirty="0" smtClean="0"/>
+              <a:rPr lang="en-US" altLang="ko-KR" baseline="0" dirty="0"/>
               <a:t>==&gt; </a:t>
             </a:r>
             <a:r>
-              <a:rPr lang="ko-KR" altLang="en-US" baseline="0" dirty="0" smtClean="0"/>
+              <a:rPr lang="ko-KR" altLang="en-US" baseline="0" dirty="0"/>
               <a:t>이때 </a:t>
             </a:r>
             <a:r>
-              <a:rPr lang="en-US" altLang="ko-KR" baseline="0" dirty="0" err="1" smtClean="0"/>
+              <a:rPr lang="en-US" altLang="ko-KR" baseline="0" dirty="0" err="1"/>
               <a:t>git</a:t>
             </a:r>
             <a:r>
-              <a:rPr lang="ko-KR" altLang="en-US" baseline="0" dirty="0" smtClean="0"/>
+              <a:rPr lang="ko-KR" altLang="en-US" baseline="0" dirty="0"/>
               <a:t>은 실제로 버전 이력을 남김</a:t>
             </a:r>
             <a:r>
-              <a:rPr lang="en-US" altLang="ko-KR" baseline="0" dirty="0" smtClean="0"/>
+              <a:rPr lang="en-US" altLang="ko-KR" baseline="0" dirty="0"/>
               <a:t>.</a:t>
             </a:r>
           </a:p>
           <a:p>
-            <a:endParaRPr lang="en-US" altLang="ko-KR" baseline="0" dirty="0" smtClean="0"/>
-          </a:p>
-          <a:p>
-            <a:r>
-              <a:rPr lang="en-US" altLang="ko-KR" baseline="0" dirty="0" smtClean="0"/>
+            <a:endParaRPr lang="en-US" altLang="ko-KR" baseline="0" dirty="0"/>
+          </a:p>
+          <a:p>
+            <a:r>
+              <a:rPr lang="en-US" altLang="ko-KR" baseline="0" dirty="0"/>
               <a:t>push : </a:t>
             </a:r>
             <a:r>
-              <a:rPr lang="ko-KR" altLang="en-US" baseline="0" dirty="0" smtClean="0"/>
+              <a:rPr lang="ko-KR" altLang="en-US" baseline="0" dirty="0"/>
               <a:t>원격저장소에 업로드 하는 </a:t>
             </a:r>
             <a:r>
-              <a:rPr lang="ko-KR" altLang="en-US" baseline="0" dirty="0" err="1" smtClean="0"/>
+              <a:rPr lang="ko-KR" altLang="en-US" baseline="0" dirty="0" err="1"/>
               <a:t>단게</a:t>
             </a:r>
-            <a:endParaRPr lang="en-US" altLang="ko-KR" baseline="0" dirty="0" smtClean="0"/>
-          </a:p>
-          <a:p>
-            <a:endParaRPr lang="en-US" altLang="ko-KR" baseline="0" dirty="0" smtClean="0"/>
-          </a:p>
-          <a:p>
-            <a:r>
-              <a:rPr lang="en-US" altLang="ko-KR" baseline="0" dirty="0" smtClean="0"/>
+            <a:endParaRPr lang="en-US" altLang="ko-KR" baseline="0" dirty="0"/>
+          </a:p>
+          <a:p>
+            <a:endParaRPr lang="en-US" altLang="ko-KR" baseline="0" dirty="0"/>
+          </a:p>
+          <a:p>
+            <a:r>
+              <a:rPr lang="en-US" altLang="ko-KR" baseline="0" dirty="0"/>
               <a:t>pull : </a:t>
             </a:r>
             <a:r>
-              <a:rPr lang="ko-KR" altLang="en-US" baseline="0" dirty="0" smtClean="0"/>
+              <a:rPr lang="ko-KR" altLang="en-US" baseline="0" dirty="0"/>
               <a:t>다른 사람이 올린 변경사항이나 내가 작성한 변경된 사항들을 내 로컬 저장소로 다시 불러오기 </a:t>
             </a:r>
             <a:r>
-              <a:rPr lang="en-US" altLang="ko-KR" baseline="0" dirty="0" smtClean="0"/>
+              <a:rPr lang="en-US" altLang="ko-KR" baseline="0" dirty="0"/>
               <a:t>+ </a:t>
             </a:r>
             <a:r>
-              <a:rPr lang="ko-KR" altLang="en-US" baseline="0" dirty="0" smtClean="0"/>
+              <a:rPr lang="ko-KR" altLang="en-US" baseline="0" dirty="0"/>
               <a:t>병합 하는 과정</a:t>
             </a:r>
             <a:r>
-              <a:rPr lang="en-US" altLang="ko-KR" baseline="0" dirty="0" smtClean="0"/>
+              <a:rPr lang="en-US" altLang="ko-KR" baseline="0" dirty="0"/>
               <a:t>.</a:t>
             </a:r>
             <a:endParaRPr lang="ko-KR" altLang="en-US" dirty="0"/>
@@ -5307,7 +5272,7 @@
           <a:bodyPr/>
           <a:lstStyle/>
           <a:p>
-            <a:endParaRPr lang="ko-KR" altLang="en-US"/>
+            <a:endParaRPr lang="ko-KR" altLang="en-US" dirty="0"/>
           </a:p>
         </p:txBody>
       </p:sp>
@@ -5392,813 +5357,801 @@
           <a:lstStyle/>
           <a:p>
             <a:r>
-              <a:rPr lang="en-US" altLang="ko-KR" dirty="0" smtClean="0"/>
+              <a:rPr lang="en-US" altLang="ko-KR" dirty="0"/>
               <a:t>touch</a:t>
             </a:r>
             <a:r>
-              <a:rPr lang="ko-KR" altLang="en-US" dirty="0" smtClean="0"/>
+              <a:rPr lang="ko-KR" altLang="en-US" dirty="0"/>
               <a:t>로 </a:t>
             </a:r>
             <a:r>
-              <a:rPr lang="en-US" altLang="ko-KR" dirty="0" err="1" smtClean="0"/>
+              <a:rPr lang="en-US" altLang="ko-KR" dirty="0" err="1"/>
               <a:t>gitignore</a:t>
             </a:r>
             <a:r>
-              <a:rPr lang="en-US" altLang="ko-KR" baseline="0" dirty="0" smtClean="0"/>
+              <a:rPr lang="en-US" altLang="ko-KR" baseline="0" dirty="0"/>
               <a:t> </a:t>
             </a:r>
             <a:r>
-              <a:rPr lang="ko-KR" altLang="en-US" baseline="0" dirty="0" smtClean="0"/>
+              <a:rPr lang="ko-KR" altLang="en-US" baseline="0" dirty="0"/>
               <a:t>만들어보기</a:t>
             </a:r>
-            <a:endParaRPr lang="en-US" altLang="ko-KR" baseline="0" dirty="0" smtClean="0"/>
-          </a:p>
-          <a:p>
-            <a:r>
-              <a:rPr lang="ko-KR" altLang="en-US" baseline="0" dirty="0" smtClean="0"/>
+            <a:endParaRPr lang="en-US" altLang="ko-KR" baseline="0" dirty="0"/>
+          </a:p>
+          <a:p>
+            <a:r>
+              <a:rPr lang="ko-KR" altLang="en-US" baseline="0" dirty="0"/>
               <a:t>그리고 폴더 만든 뒤 제외 시키고 </a:t>
             </a:r>
             <a:r>
-              <a:rPr lang="ko-KR" altLang="en-US" baseline="0" dirty="0" err="1" smtClean="0"/>
+              <a:rPr lang="ko-KR" altLang="en-US" baseline="0" dirty="0" err="1"/>
               <a:t>보내보기</a:t>
             </a:r>
-            <a:r>
-              <a:rPr lang="en-US" altLang="ko-KR" dirty="0" smtClean="0"/>
-              <a:t/>
-            </a:r>
             <a:br>
-              <a:rPr lang="en-US" altLang="ko-KR" dirty="0" smtClean="0"/>
+              <a:rPr lang="en-US" altLang="ko-KR" dirty="0"/>
             </a:br>
-            <a:r>
-              <a:rPr lang="en-US" altLang="ko-KR" dirty="0" smtClean="0"/>
-              <a:t/>
-            </a:r>
             <a:br>
-              <a:rPr lang="en-US" altLang="ko-KR" dirty="0" smtClean="0"/>
+              <a:rPr lang="en-US" altLang="ko-KR" dirty="0"/>
             </a:br>
             <a:r>
-              <a:rPr lang="en-US" altLang="ko-KR" dirty="0" err="1" smtClean="0"/>
+              <a:rPr lang="en-US" altLang="ko-KR" dirty="0" err="1"/>
               <a:t>git</a:t>
             </a:r>
             <a:r>
-              <a:rPr lang="en-US" altLang="ko-KR" dirty="0" smtClean="0"/>
+              <a:rPr lang="en-US" altLang="ko-KR" dirty="0"/>
               <a:t> branch -M main</a:t>
             </a:r>
           </a:p>
           <a:p>
             <a:r>
-              <a:rPr lang="en-US" altLang="ko-KR" dirty="0" smtClean="0"/>
+              <a:rPr lang="en-US" altLang="ko-KR" dirty="0"/>
               <a:t>-M</a:t>
             </a:r>
             <a:r>
-              <a:rPr lang="ko-KR" altLang="en-US" dirty="0" smtClean="0"/>
+              <a:rPr lang="ko-KR" altLang="en-US" dirty="0"/>
               <a:t>은 강제로 </a:t>
             </a:r>
             <a:r>
-              <a:rPr lang="ko-KR" altLang="en-US" dirty="0" err="1" smtClean="0"/>
+              <a:rPr lang="ko-KR" altLang="en-US" dirty="0" err="1"/>
               <a:t>브랜치</a:t>
             </a:r>
             <a:r>
-              <a:rPr lang="ko-KR" altLang="en-US" dirty="0" smtClean="0"/>
+              <a:rPr lang="ko-KR" altLang="en-US" dirty="0"/>
               <a:t> 이름 변경 </a:t>
             </a:r>
             <a:r>
-              <a:rPr lang="en-US" altLang="ko-KR" dirty="0" smtClean="0"/>
+              <a:rPr lang="en-US" altLang="ko-KR" dirty="0"/>
               <a:t>(</a:t>
             </a:r>
             <a:r>
-              <a:rPr lang="ko-KR" altLang="en-US" dirty="0" smtClean="0"/>
+              <a:rPr lang="ko-KR" altLang="en-US" dirty="0"/>
               <a:t>기존 </a:t>
             </a:r>
             <a:r>
-              <a:rPr lang="en-US" altLang="ko-KR" dirty="0" smtClean="0"/>
+              <a:rPr lang="en-US" altLang="ko-KR" dirty="0"/>
               <a:t>master → main)</a:t>
             </a:r>
           </a:p>
           <a:p>
-            <a:endParaRPr lang="en-US" altLang="ko-KR" dirty="0" smtClean="0"/>
-          </a:p>
-          <a:p>
-            <a:r>
-              <a:rPr lang="en-US" altLang="ko-KR" dirty="0" err="1" smtClean="0"/>
+            <a:endParaRPr lang="en-US" altLang="ko-KR" dirty="0"/>
+          </a:p>
+          <a:p>
+            <a:r>
+              <a:rPr lang="en-US" altLang="ko-KR" dirty="0" err="1"/>
               <a:t>git</a:t>
             </a:r>
             <a:r>
-              <a:rPr lang="en-US" altLang="ko-KR" dirty="0" smtClean="0"/>
+              <a:rPr lang="en-US" altLang="ko-KR" dirty="0"/>
               <a:t> push -u origin main</a:t>
             </a:r>
           </a:p>
           <a:p>
             <a:r>
-              <a:rPr lang="en-US" altLang="ko-KR" dirty="0" err="1" smtClean="0"/>
+              <a:rPr lang="en-US" altLang="ko-KR" dirty="0" err="1"/>
               <a:t>git</a:t>
             </a:r>
             <a:r>
-              <a:rPr lang="en-US" altLang="ko-KR" dirty="0" smtClean="0"/>
+              <a:rPr lang="en-US" altLang="ko-KR" dirty="0"/>
               <a:t> push -u origin master</a:t>
             </a:r>
           </a:p>
           <a:p>
-            <a:endParaRPr lang="en-US" altLang="ko-KR" dirty="0" smtClean="0"/>
-          </a:p>
-          <a:p>
-            <a:r>
-              <a:rPr lang="en-US" altLang="ko-KR" b="1" dirty="0" smtClean="0"/>
+            <a:endParaRPr lang="en-US" altLang="ko-KR" dirty="0"/>
+          </a:p>
+          <a:p>
+            <a:r>
+              <a:rPr lang="en-US" altLang="ko-KR" b="1" dirty="0"/>
               <a:t>-u = --set-upstream </a:t>
             </a:r>
             <a:r>
-              <a:rPr lang="ko-KR" altLang="en-US" b="1" dirty="0" smtClean="0"/>
+              <a:rPr lang="ko-KR" altLang="en-US" b="1" dirty="0"/>
               <a:t>옵션의 </a:t>
             </a:r>
             <a:r>
-              <a:rPr lang="ko-KR" altLang="en-US" b="1" dirty="0" err="1" smtClean="0"/>
+              <a:rPr lang="ko-KR" altLang="en-US" b="1" dirty="0" err="1"/>
               <a:t>줄임말</a:t>
             </a:r>
-            <a:r>
-              <a:rPr lang="ko-KR" altLang="en-US" dirty="0" smtClean="0"/>
-              <a:t/>
-            </a:r>
             <a:br>
-              <a:rPr lang="ko-KR" altLang="en-US" dirty="0" smtClean="0"/>
+              <a:rPr lang="ko-KR" altLang="en-US" dirty="0"/>
             </a:br>
             <a:r>
-              <a:rPr lang="ko-KR" altLang="en-US" dirty="0" smtClean="0"/>
+              <a:rPr lang="ko-KR" altLang="en-US" dirty="0"/>
               <a:t>→ </a:t>
             </a:r>
             <a:r>
-              <a:rPr lang="ko-KR" altLang="en-US" b="1" dirty="0" smtClean="0"/>
+              <a:rPr lang="ko-KR" altLang="en-US" b="1" dirty="0"/>
               <a:t>이 </a:t>
             </a:r>
             <a:r>
-              <a:rPr lang="ko-KR" altLang="en-US" b="1" dirty="0" err="1" smtClean="0"/>
+              <a:rPr lang="ko-KR" altLang="en-US" b="1" dirty="0" err="1"/>
               <a:t>브랜치와</a:t>
             </a:r>
             <a:r>
-              <a:rPr lang="ko-KR" altLang="en-US" b="1" dirty="0" smtClean="0"/>
+              <a:rPr lang="ko-KR" altLang="en-US" b="1" dirty="0"/>
               <a:t> 원격 </a:t>
             </a:r>
             <a:r>
-              <a:rPr lang="ko-KR" altLang="en-US" b="1" dirty="0" err="1" smtClean="0"/>
+              <a:rPr lang="ko-KR" altLang="en-US" b="1" dirty="0" err="1"/>
               <a:t>브랜치를</a:t>
             </a:r>
             <a:r>
-              <a:rPr lang="ko-KR" altLang="en-US" b="1" dirty="0" smtClean="0"/>
+              <a:rPr lang="ko-KR" altLang="en-US" b="1" dirty="0"/>
               <a:t> 연결</a:t>
             </a:r>
             <a:r>
-              <a:rPr lang="en-US" altLang="ko-KR" b="1" dirty="0" smtClean="0"/>
+              <a:rPr lang="en-US" altLang="ko-KR" b="1" dirty="0"/>
               <a:t>(tracking)</a:t>
             </a:r>
             <a:r>
-              <a:rPr lang="ko-KR" altLang="en-US" b="1" dirty="0" smtClean="0"/>
+              <a:rPr lang="ko-KR" altLang="en-US" b="1" dirty="0"/>
               <a:t>해줘</a:t>
             </a:r>
             <a:r>
-              <a:rPr lang="en-US" altLang="ko-KR" b="1" dirty="0" smtClean="0"/>
+              <a:rPr lang="en-US" altLang="ko-KR" b="1" dirty="0"/>
               <a:t>!</a:t>
             </a:r>
             <a:r>
-              <a:rPr lang="ko-KR" altLang="en-US" dirty="0" smtClean="0"/>
+              <a:rPr lang="ko-KR" altLang="en-US" dirty="0"/>
               <a:t> 라는 뜻입니다</a:t>
             </a:r>
             <a:r>
-              <a:rPr lang="en-US" altLang="ko-KR" dirty="0" smtClean="0"/>
+              <a:rPr lang="en-US" altLang="ko-KR" dirty="0"/>
               <a:t>.</a:t>
             </a:r>
           </a:p>
           <a:p>
             <a:r>
-              <a:rPr lang="en-US" altLang="ko-KR" dirty="0" smtClean="0"/>
+              <a:rPr lang="en-US" altLang="ko-KR" dirty="0"/>
               <a:t>push</a:t>
             </a:r>
             <a:r>
-              <a:rPr lang="ko-KR" altLang="en-US" dirty="0" smtClean="0"/>
+              <a:rPr lang="ko-KR" altLang="en-US" dirty="0"/>
               <a:t>하면서 </a:t>
             </a:r>
             <a:r>
-              <a:rPr lang="ko-KR" altLang="en-US" b="1" dirty="0" smtClean="0"/>
+              <a:rPr lang="ko-KR" altLang="en-US" b="1" dirty="0"/>
               <a:t>로컬의 </a:t>
             </a:r>
             <a:r>
-              <a:rPr lang="en-US" altLang="ko-KR" b="1" dirty="0" smtClean="0"/>
+              <a:rPr lang="en-US" altLang="ko-KR" b="1" dirty="0"/>
               <a:t>main </a:t>
             </a:r>
             <a:r>
-              <a:rPr lang="ko-KR" altLang="en-US" b="1" dirty="0" err="1" smtClean="0"/>
+              <a:rPr lang="ko-KR" altLang="en-US" b="1" dirty="0" err="1"/>
               <a:t>브랜치가</a:t>
             </a:r>
             <a:r>
-              <a:rPr lang="ko-KR" altLang="en-US" b="1" dirty="0" smtClean="0"/>
+              <a:rPr lang="ko-KR" altLang="en-US" b="1" dirty="0"/>
               <a:t> 원격 </a:t>
             </a:r>
             <a:r>
-              <a:rPr lang="en-US" altLang="ko-KR" b="1" dirty="0" smtClean="0"/>
+              <a:rPr lang="en-US" altLang="ko-KR" b="1" dirty="0"/>
               <a:t>origin/main</a:t>
             </a:r>
             <a:r>
-              <a:rPr lang="ko-KR" altLang="en-US" b="1" dirty="0" smtClean="0"/>
+              <a:rPr lang="ko-KR" altLang="en-US" b="1" dirty="0"/>
               <a:t>과 연결됨</a:t>
             </a:r>
-            <a:endParaRPr lang="en-US" altLang="ko-KR" b="1" dirty="0" smtClean="0"/>
-          </a:p>
-          <a:p>
-            <a:endParaRPr lang="en-US" altLang="ko-KR" dirty="0" smtClean="0"/>
-          </a:p>
-          <a:p>
-            <a:r>
-              <a:rPr lang="ko-KR" altLang="en-US" b="1" dirty="0" smtClean="0"/>
+            <a:endParaRPr lang="en-US" altLang="ko-KR" b="1" dirty="0"/>
+          </a:p>
+          <a:p>
+            <a:endParaRPr lang="en-US" altLang="ko-KR" dirty="0"/>
+          </a:p>
+          <a:p>
+            <a:r>
+              <a:rPr lang="ko-KR" altLang="en-US" b="1" dirty="0"/>
               <a:t>그럼 </a:t>
             </a:r>
             <a:r>
-              <a:rPr lang="en-US" altLang="ko-KR" b="1" dirty="0" smtClean="0"/>
+              <a:rPr lang="en-US" altLang="ko-KR" b="1" dirty="0"/>
               <a:t>"Tracking Branch(</a:t>
             </a:r>
             <a:r>
-              <a:rPr lang="ko-KR" altLang="en-US" b="1" dirty="0" err="1" smtClean="0"/>
+              <a:rPr lang="ko-KR" altLang="en-US" b="1" dirty="0" err="1"/>
               <a:t>트래킹</a:t>
             </a:r>
             <a:r>
-              <a:rPr lang="ko-KR" altLang="en-US" b="1" dirty="0" smtClean="0"/>
+              <a:rPr lang="ko-KR" altLang="en-US" b="1" dirty="0"/>
               <a:t> </a:t>
             </a:r>
             <a:r>
-              <a:rPr lang="ko-KR" altLang="en-US" b="1" dirty="0" err="1" smtClean="0"/>
+              <a:rPr lang="ko-KR" altLang="en-US" b="1" dirty="0" err="1"/>
               <a:t>브랜치</a:t>
             </a:r>
             <a:r>
-              <a:rPr lang="en-US" altLang="ko-KR" b="1" dirty="0" smtClean="0"/>
+              <a:rPr lang="en-US" altLang="ko-KR" b="1" dirty="0"/>
               <a:t>)"</a:t>
             </a:r>
             <a:r>
-              <a:rPr lang="ko-KR" altLang="en-US" b="1" dirty="0" smtClean="0"/>
+              <a:rPr lang="ko-KR" altLang="en-US" b="1" dirty="0"/>
               <a:t>가 뭐예요</a:t>
             </a:r>
             <a:r>
-              <a:rPr lang="en-US" altLang="ko-KR" b="1" dirty="0" smtClean="0"/>
+              <a:rPr lang="en-US" altLang="ko-KR" b="1" dirty="0"/>
               <a:t>?</a:t>
             </a:r>
           </a:p>
           <a:p>
             <a:r>
-              <a:rPr lang="ko-KR" altLang="en-US" b="1" dirty="0" smtClean="0"/>
+              <a:rPr lang="ko-KR" altLang="en-US" b="1" dirty="0"/>
               <a:t>로컬 </a:t>
             </a:r>
             <a:r>
-              <a:rPr lang="ko-KR" altLang="en-US" b="1" dirty="0" err="1" smtClean="0"/>
+              <a:rPr lang="ko-KR" altLang="en-US" b="1" dirty="0" err="1"/>
               <a:t>브랜치와</a:t>
             </a:r>
             <a:r>
-              <a:rPr lang="ko-KR" altLang="en-US" b="1" dirty="0" smtClean="0"/>
+              <a:rPr lang="ko-KR" altLang="en-US" b="1" dirty="0"/>
               <a:t> 원격 </a:t>
             </a:r>
             <a:r>
-              <a:rPr lang="ko-KR" altLang="en-US" b="1" dirty="0" err="1" smtClean="0"/>
+              <a:rPr lang="ko-KR" altLang="en-US" b="1" dirty="0" err="1"/>
               <a:t>브랜치를</a:t>
             </a:r>
             <a:r>
-              <a:rPr lang="ko-KR" altLang="en-US" b="1" dirty="0" smtClean="0"/>
+              <a:rPr lang="ko-KR" altLang="en-US" b="1" dirty="0"/>
               <a:t> 연결해주는 관계</a:t>
             </a:r>
-            <a:endParaRPr lang="ko-KR" altLang="en-US" dirty="0" smtClean="0"/>
-          </a:p>
-          <a:p>
-            <a:r>
-              <a:rPr lang="en-US" altLang="ko-KR" dirty="0" smtClean="0"/>
+            <a:endParaRPr lang="ko-KR" altLang="en-US" dirty="0"/>
+          </a:p>
+          <a:p>
+            <a:r>
+              <a:rPr lang="en-US" altLang="ko-KR" dirty="0"/>
               <a:t>-u</a:t>
             </a:r>
             <a:r>
-              <a:rPr lang="ko-KR" altLang="en-US" dirty="0" smtClean="0"/>
+              <a:rPr lang="ko-KR" altLang="en-US" dirty="0"/>
               <a:t>를 사용하면 이후엔 굳이 </a:t>
             </a:r>
             <a:r>
-              <a:rPr lang="en-US" altLang="ko-KR" dirty="0" smtClean="0"/>
+              <a:rPr lang="en-US" altLang="ko-KR" dirty="0"/>
               <a:t>origin main </a:t>
             </a:r>
             <a:r>
-              <a:rPr lang="ko-KR" altLang="en-US" dirty="0" smtClean="0"/>
+              <a:rPr lang="ko-KR" altLang="en-US" dirty="0"/>
               <a:t>안 써도 됩니다</a:t>
             </a:r>
             <a:r>
-              <a:rPr lang="en-US" altLang="ko-KR" dirty="0" smtClean="0"/>
+              <a:rPr lang="en-US" altLang="ko-KR" dirty="0"/>
               <a:t>.</a:t>
             </a:r>
           </a:p>
           <a:p>
-            <a:endParaRPr lang="en-US" altLang="ko-KR" dirty="0" smtClean="0"/>
-          </a:p>
-          <a:p>
-            <a:r>
-              <a:rPr lang="ko-KR" altLang="en-US" b="1" dirty="0" smtClean="0"/>
+            <a:endParaRPr lang="en-US" altLang="ko-KR" dirty="0"/>
+          </a:p>
+          <a:p>
+            <a:r>
+              <a:rPr lang="ko-KR" altLang="en-US" b="1" dirty="0"/>
               <a:t>✅ </a:t>
             </a:r>
             <a:r>
-              <a:rPr lang="en-US" altLang="ko-KR" b="1" dirty="0" smtClean="0"/>
+              <a:rPr lang="en-US" altLang="ko-KR" b="1" dirty="0"/>
               <a:t>origin</a:t>
             </a:r>
             <a:r>
-              <a:rPr lang="ko-KR" altLang="en-US" b="1" dirty="0" smtClean="0"/>
+              <a:rPr lang="ko-KR" altLang="en-US" b="1" dirty="0"/>
               <a:t>이란</a:t>
             </a:r>
             <a:r>
-              <a:rPr lang="en-US" altLang="ko-KR" b="1" dirty="0" smtClean="0"/>
+              <a:rPr lang="en-US" altLang="ko-KR" b="1" dirty="0"/>
               <a:t>?</a:t>
             </a:r>
           </a:p>
           <a:p>
             <a:r>
-              <a:rPr lang="ko-KR" altLang="en-US" b="1" dirty="0" smtClean="0"/>
+              <a:rPr lang="ko-KR" altLang="en-US" b="1" dirty="0"/>
               <a:t>원격 저장소</a:t>
             </a:r>
             <a:r>
-              <a:rPr lang="en-US" altLang="ko-KR" b="1" dirty="0" smtClean="0"/>
+              <a:rPr lang="en-US" altLang="ko-KR" b="1" dirty="0"/>
               <a:t>(Remote Repository)</a:t>
             </a:r>
             <a:r>
-              <a:rPr lang="ko-KR" altLang="en-US" b="1" dirty="0" smtClean="0"/>
+              <a:rPr lang="ko-KR" altLang="en-US" b="1" dirty="0"/>
               <a:t>의 </a:t>
             </a:r>
             <a:r>
-              <a:rPr lang="en-US" altLang="ko-KR" b="1" dirty="0" smtClean="0"/>
+              <a:rPr lang="en-US" altLang="ko-KR" b="1" dirty="0"/>
               <a:t>"</a:t>
             </a:r>
             <a:r>
-              <a:rPr lang="ko-KR" altLang="en-US" b="1" dirty="0" smtClean="0"/>
+              <a:rPr lang="ko-KR" altLang="en-US" b="1" dirty="0"/>
               <a:t>별명</a:t>
             </a:r>
             <a:r>
-              <a:rPr lang="en-US" altLang="ko-KR" b="1" dirty="0" smtClean="0"/>
+              <a:rPr lang="en-US" altLang="ko-KR" b="1" dirty="0"/>
               <a:t>(</a:t>
             </a:r>
             <a:r>
-              <a:rPr lang="ko-KR" altLang="en-US" b="1" dirty="0" smtClean="0"/>
+              <a:rPr lang="ko-KR" altLang="en-US" b="1" dirty="0"/>
               <a:t>이름</a:t>
             </a:r>
             <a:r>
-              <a:rPr lang="en-US" altLang="ko-KR" b="1" dirty="0" smtClean="0"/>
+              <a:rPr lang="en-US" altLang="ko-KR" b="1" dirty="0"/>
               <a:t>)"</a:t>
             </a:r>
             <a:r>
-              <a:rPr lang="ko-KR" altLang="en-US" b="1" dirty="0" smtClean="0"/>
+              <a:rPr lang="ko-KR" altLang="en-US" b="1" dirty="0"/>
               <a:t>입니다</a:t>
             </a:r>
             <a:r>
-              <a:rPr lang="en-US" altLang="ko-KR" b="1" dirty="0" smtClean="0"/>
+              <a:rPr lang="en-US" altLang="ko-KR" b="1" dirty="0"/>
               <a:t>.</a:t>
             </a:r>
-            <a:endParaRPr lang="ko-KR" altLang="en-US" dirty="0" smtClean="0"/>
-          </a:p>
-          <a:p>
-            <a:r>
-              <a:rPr lang="en-US" altLang="ko-KR" dirty="0" err="1" smtClean="0"/>
+            <a:endParaRPr lang="ko-KR" altLang="en-US" dirty="0"/>
+          </a:p>
+          <a:p>
+            <a:r>
+              <a:rPr lang="en-US" altLang="ko-KR" dirty="0" err="1"/>
               <a:t>Git</a:t>
             </a:r>
             <a:r>
-              <a:rPr lang="ko-KR" altLang="en-US" dirty="0" smtClean="0"/>
+              <a:rPr lang="ko-KR" altLang="en-US" dirty="0"/>
               <a:t>에서 원격 저장소</a:t>
             </a:r>
             <a:r>
-              <a:rPr lang="en-US" altLang="ko-KR" dirty="0" smtClean="0"/>
+              <a:rPr lang="en-US" altLang="ko-KR" dirty="0"/>
               <a:t>(</a:t>
             </a:r>
             <a:r>
-              <a:rPr lang="ko-KR" altLang="en-US" dirty="0" smtClean="0"/>
+              <a:rPr lang="ko-KR" altLang="en-US" dirty="0"/>
               <a:t>예</a:t>
             </a:r>
             <a:r>
-              <a:rPr lang="en-US" altLang="ko-KR" dirty="0" smtClean="0"/>
+              <a:rPr lang="en-US" altLang="ko-KR" dirty="0"/>
               <a:t>: GitHub</a:t>
             </a:r>
             <a:r>
-              <a:rPr lang="ko-KR" altLang="en-US" dirty="0" smtClean="0"/>
+              <a:rPr lang="ko-KR" altLang="en-US" dirty="0"/>
               <a:t>에 있는 저장소</a:t>
             </a:r>
             <a:r>
-              <a:rPr lang="en-US" altLang="ko-KR" dirty="0" smtClean="0"/>
+              <a:rPr lang="en-US" altLang="ko-KR" dirty="0"/>
               <a:t>)</a:t>
             </a:r>
             <a:r>
-              <a:rPr lang="ko-KR" altLang="en-US" dirty="0" smtClean="0"/>
+              <a:rPr lang="ko-KR" altLang="en-US" dirty="0"/>
               <a:t>를 연결할 때</a:t>
             </a:r>
             <a:br>
-              <a:rPr lang="ko-KR" altLang="en-US" dirty="0" smtClean="0"/>
+              <a:rPr lang="ko-KR" altLang="en-US" dirty="0"/>
             </a:br>
             <a:r>
-              <a:rPr lang="ko-KR" altLang="en-US" dirty="0" smtClean="0"/>
+              <a:rPr lang="ko-KR" altLang="en-US" dirty="0"/>
               <a:t>매번 긴 주소를 쓰기 불편하니까</a:t>
             </a:r>
             <a:r>
-              <a:rPr lang="en-US" altLang="ko-KR" dirty="0" smtClean="0"/>
+              <a:rPr lang="en-US" altLang="ko-KR" dirty="0"/>
               <a:t>,</a:t>
             </a:r>
             <a:br>
-              <a:rPr lang="en-US" altLang="ko-KR" dirty="0" smtClean="0"/>
+              <a:rPr lang="en-US" altLang="ko-KR" dirty="0"/>
             </a:br>
             <a:r>
-              <a:rPr lang="ko-KR" altLang="en-US" b="1" dirty="0" smtClean="0"/>
+              <a:rPr lang="ko-KR" altLang="en-US" b="1" dirty="0"/>
               <a:t>짧은 별명을 하나 붙여두는 것</a:t>
             </a:r>
             <a:r>
-              <a:rPr lang="ko-KR" altLang="en-US" dirty="0" smtClean="0"/>
+              <a:rPr lang="ko-KR" altLang="en-US" dirty="0"/>
               <a:t>이에요</a:t>
             </a:r>
             <a:r>
-              <a:rPr lang="en-US" altLang="ko-KR" dirty="0" smtClean="0"/>
+              <a:rPr lang="en-US" altLang="ko-KR" dirty="0"/>
               <a:t>.</a:t>
             </a:r>
           </a:p>
           <a:p>
-            <a:endParaRPr lang="en-US" altLang="ko-KR" dirty="0" smtClean="0"/>
-          </a:p>
-          <a:p>
-            <a:r>
-              <a:rPr lang="ko-KR" altLang="en-US" b="1" dirty="0" smtClean="0"/>
+            <a:endParaRPr lang="en-US" altLang="ko-KR" dirty="0"/>
+          </a:p>
+          <a:p>
+            <a:r>
+              <a:rPr lang="ko-KR" altLang="en-US" b="1" dirty="0"/>
               <a:t>✅ 그러면 </a:t>
             </a:r>
             <a:r>
-              <a:rPr lang="en-US" altLang="ko-KR" b="1" dirty="0" smtClean="0"/>
+              <a:rPr lang="en-US" altLang="ko-KR" b="1" dirty="0"/>
               <a:t>origin</a:t>
             </a:r>
             <a:r>
-              <a:rPr lang="ko-KR" altLang="en-US" b="1" dirty="0" smtClean="0"/>
+              <a:rPr lang="ko-KR" altLang="en-US" b="1" dirty="0"/>
               <a:t>은 뭘 의미하나요</a:t>
             </a:r>
             <a:r>
-              <a:rPr lang="en-US" altLang="ko-KR" b="1" dirty="0" smtClean="0"/>
+              <a:rPr lang="en-US" altLang="ko-KR" b="1" dirty="0"/>
               <a:t>?</a:t>
             </a:r>
           </a:p>
           <a:p>
             <a:r>
-              <a:rPr lang="en-US" altLang="ko-KR" dirty="0" smtClean="0"/>
+              <a:rPr lang="en-US" altLang="ko-KR" dirty="0"/>
               <a:t>"</a:t>
             </a:r>
             <a:r>
-              <a:rPr lang="ko-KR" altLang="en-US" dirty="0" smtClean="0"/>
+              <a:rPr lang="ko-KR" altLang="en-US" dirty="0"/>
               <a:t>이 </a:t>
             </a:r>
             <a:r>
-              <a:rPr lang="en-US" altLang="ko-KR" dirty="0" smtClean="0"/>
+              <a:rPr lang="en-US" altLang="ko-KR" dirty="0"/>
               <a:t>GitHub </a:t>
             </a:r>
             <a:r>
-              <a:rPr lang="ko-KR" altLang="en-US" dirty="0" smtClean="0"/>
+              <a:rPr lang="ko-KR" altLang="en-US" dirty="0"/>
               <a:t>주소를 </a:t>
             </a:r>
             <a:r>
-              <a:rPr lang="en-US" altLang="ko-KR" dirty="0" smtClean="0"/>
+              <a:rPr lang="en-US" altLang="ko-KR" dirty="0"/>
               <a:t>origin</a:t>
             </a:r>
             <a:r>
-              <a:rPr lang="ko-KR" altLang="en-US" dirty="0" smtClean="0"/>
+              <a:rPr lang="ko-KR" altLang="en-US" dirty="0"/>
               <a:t>이라고 부르자</a:t>
             </a:r>
             <a:r>
-              <a:rPr lang="en-US" altLang="ko-KR" dirty="0" smtClean="0"/>
+              <a:rPr lang="en-US" altLang="ko-KR" dirty="0"/>
               <a:t>" </a:t>
             </a:r>
             <a:r>
-              <a:rPr lang="ko-KR" altLang="en-US" dirty="0" smtClean="0"/>
+              <a:rPr lang="ko-KR" altLang="en-US" dirty="0"/>
               <a:t>라고 약속하는 거예요</a:t>
             </a:r>
             <a:r>
-              <a:rPr lang="en-US" altLang="ko-KR" dirty="0" smtClean="0"/>
+              <a:rPr lang="en-US" altLang="ko-KR" dirty="0"/>
               <a:t>.</a:t>
             </a:r>
           </a:p>
           <a:p>
-            <a:endParaRPr lang="en-US" altLang="ko-KR" dirty="0" smtClean="0"/>
-          </a:p>
-          <a:p>
-            <a:r>
-              <a:rPr lang="ko-KR" altLang="en-US" b="1" dirty="0" smtClean="0"/>
+            <a:endParaRPr lang="en-US" altLang="ko-KR" dirty="0"/>
+          </a:p>
+          <a:p>
+            <a:r>
+              <a:rPr lang="ko-KR" altLang="en-US" b="1" dirty="0"/>
               <a:t>✅ 꼭 이름이 </a:t>
             </a:r>
             <a:r>
-              <a:rPr lang="en-US" altLang="ko-KR" b="1" dirty="0" smtClean="0"/>
+              <a:rPr lang="en-US" altLang="ko-KR" b="1" dirty="0"/>
               <a:t>origin</a:t>
             </a:r>
             <a:r>
-              <a:rPr lang="ko-KR" altLang="en-US" b="1" dirty="0" smtClean="0"/>
+              <a:rPr lang="ko-KR" altLang="en-US" b="1" dirty="0"/>
               <a:t>이어야 하나요</a:t>
             </a:r>
             <a:r>
-              <a:rPr lang="en-US" altLang="ko-KR" b="1" dirty="0" smtClean="0"/>
+              <a:rPr lang="en-US" altLang="ko-KR" b="1" dirty="0"/>
               <a:t>?</a:t>
             </a:r>
           </a:p>
           <a:p>
             <a:r>
-              <a:rPr lang="ko-KR" altLang="en-US" dirty="0" smtClean="0"/>
+              <a:rPr lang="ko-KR" altLang="en-US" dirty="0"/>
               <a:t>❌ 아닙니다</a:t>
             </a:r>
             <a:r>
-              <a:rPr lang="en-US" altLang="ko-KR" dirty="0" smtClean="0"/>
+              <a:rPr lang="en-US" altLang="ko-KR" dirty="0"/>
               <a:t>!</a:t>
             </a:r>
             <a:br>
-              <a:rPr lang="en-US" altLang="ko-KR" dirty="0" smtClean="0"/>
+              <a:rPr lang="en-US" altLang="ko-KR" dirty="0"/>
             </a:br>
             <a:r>
-              <a:rPr lang="ko-KR" altLang="en-US" dirty="0" smtClean="0"/>
+              <a:rPr lang="ko-KR" altLang="en-US" dirty="0"/>
               <a:t>원한다면 다른 이름도 붙일 수 있습니다</a:t>
             </a:r>
             <a:r>
-              <a:rPr lang="en-US" altLang="ko-KR" dirty="0" smtClean="0"/>
+              <a:rPr lang="en-US" altLang="ko-KR" dirty="0"/>
               <a:t>.</a:t>
             </a:r>
           </a:p>
           <a:p>
             <a:r>
-              <a:rPr lang="ko-KR" altLang="en-US" dirty="0" smtClean="0"/>
+              <a:rPr lang="ko-KR" altLang="en-US" dirty="0"/>
               <a:t>예</a:t>
             </a:r>
             <a:r>
-              <a:rPr lang="en-US" altLang="ko-KR" dirty="0" smtClean="0"/>
+              <a:rPr lang="en-US" altLang="ko-KR" dirty="0"/>
               <a:t>:</a:t>
             </a:r>
           </a:p>
           <a:p>
             <a:r>
-              <a:rPr lang="en-US" altLang="ko-KR" dirty="0" err="1" smtClean="0"/>
+              <a:rPr lang="en-US" altLang="ko-KR" dirty="0" err="1"/>
               <a:t>git</a:t>
             </a:r>
             <a:r>
-              <a:rPr lang="en-US" altLang="ko-KR" dirty="0" smtClean="0"/>
+              <a:rPr lang="en-US" altLang="ko-KR" dirty="0"/>
               <a:t> remote add </a:t>
             </a:r>
             <a:r>
-              <a:rPr lang="en-US" altLang="ko-KR" dirty="0" err="1" smtClean="0"/>
+              <a:rPr lang="en-US" altLang="ko-KR" dirty="0" err="1"/>
               <a:t>github</a:t>
             </a:r>
             <a:r>
-              <a:rPr lang="en-US" altLang="ko-KR" dirty="0" smtClean="0"/>
+              <a:rPr lang="en-US" altLang="ko-KR" dirty="0"/>
               <a:t> https://github.com/Damon0527/TestSF5th.git </a:t>
             </a:r>
           </a:p>
           <a:p>
             <a:r>
-              <a:rPr lang="en-US" altLang="ko-KR" dirty="0" err="1" smtClean="0"/>
+              <a:rPr lang="en-US" altLang="ko-KR" dirty="0" err="1"/>
               <a:t>git</a:t>
             </a:r>
             <a:r>
-              <a:rPr lang="en-US" altLang="ko-KR" dirty="0" smtClean="0"/>
+              <a:rPr lang="en-US" altLang="ko-KR" dirty="0"/>
               <a:t> push </a:t>
             </a:r>
             <a:r>
-              <a:rPr lang="en-US" altLang="ko-KR" dirty="0" err="1" smtClean="0"/>
+              <a:rPr lang="en-US" altLang="ko-KR" dirty="0" err="1"/>
               <a:t>github</a:t>
             </a:r>
             <a:r>
-              <a:rPr lang="en-US" altLang="ko-KR" dirty="0" smtClean="0"/>
+              <a:rPr lang="en-US" altLang="ko-KR" dirty="0"/>
               <a:t> main </a:t>
             </a:r>
           </a:p>
           <a:p>
             <a:r>
-              <a:rPr lang="ko-KR" altLang="en-US" dirty="0" smtClean="0"/>
+              <a:rPr lang="ko-KR" altLang="en-US" dirty="0"/>
               <a:t>하지만 실무에서는 거의 다 </a:t>
             </a:r>
             <a:r>
-              <a:rPr lang="en-US" altLang="ko-KR" dirty="0" smtClean="0"/>
+              <a:rPr lang="en-US" altLang="ko-KR" dirty="0"/>
               <a:t>origin</a:t>
             </a:r>
             <a:r>
-              <a:rPr lang="ko-KR" altLang="en-US" dirty="0" smtClean="0"/>
+              <a:rPr lang="ko-KR" altLang="en-US" dirty="0"/>
               <a:t>을 쓰는 것이 </a:t>
             </a:r>
             <a:r>
-              <a:rPr lang="ko-KR" altLang="en-US" b="1" dirty="0" err="1" smtClean="0"/>
+              <a:rPr lang="ko-KR" altLang="en-US" b="1" dirty="0" err="1"/>
               <a:t>관례이자</a:t>
             </a:r>
             <a:r>
-              <a:rPr lang="ko-KR" altLang="en-US" b="1" dirty="0" smtClean="0"/>
+              <a:rPr lang="ko-KR" altLang="en-US" b="1" dirty="0"/>
               <a:t> 표준처럼 자리잡고</a:t>
             </a:r>
             <a:r>
-              <a:rPr lang="ko-KR" altLang="en-US" dirty="0" smtClean="0"/>
+              <a:rPr lang="ko-KR" altLang="en-US" dirty="0"/>
               <a:t> 있어서</a:t>
             </a:r>
             <a:br>
-              <a:rPr lang="ko-KR" altLang="en-US" dirty="0" smtClean="0"/>
+              <a:rPr lang="ko-KR" altLang="en-US" dirty="0"/>
             </a:br>
             <a:r>
-              <a:rPr lang="ko-KR" altLang="en-US" dirty="0" smtClean="0"/>
+              <a:rPr lang="ko-KR" altLang="en-US" dirty="0"/>
               <a:t>학생들에게도 기본은 </a:t>
             </a:r>
             <a:r>
-              <a:rPr lang="en-US" altLang="ko-KR" dirty="0" smtClean="0"/>
+              <a:rPr lang="en-US" altLang="ko-KR" dirty="0"/>
               <a:t>origin</a:t>
             </a:r>
             <a:r>
-              <a:rPr lang="ko-KR" altLang="en-US" dirty="0" smtClean="0"/>
+              <a:rPr lang="ko-KR" altLang="en-US" dirty="0"/>
               <a:t>으로 알려주는 것이 좋습니다</a:t>
             </a:r>
             <a:r>
-              <a:rPr lang="en-US" altLang="ko-KR" dirty="0" smtClean="0"/>
+              <a:rPr lang="en-US" altLang="ko-KR" dirty="0"/>
               <a:t>.</a:t>
             </a:r>
           </a:p>
           <a:p>
-            <a:endParaRPr lang="en-US" altLang="ko-KR" dirty="0" smtClean="0"/>
-          </a:p>
-          <a:p>
-            <a:r>
-              <a:rPr lang="ko-KR" altLang="en-US" b="1" dirty="0" smtClean="0"/>
+            <a:endParaRPr lang="en-US" altLang="ko-KR" dirty="0"/>
+          </a:p>
+          <a:p>
+            <a:r>
+              <a:rPr lang="ko-KR" altLang="en-US" b="1" dirty="0"/>
               <a:t>✅ 확인하고 싶다면</a:t>
             </a:r>
             <a:r>
-              <a:rPr lang="en-US" altLang="ko-KR" b="1" dirty="0" smtClean="0"/>
+              <a:rPr lang="en-US" altLang="ko-KR" b="1" dirty="0"/>
               <a:t>? </a:t>
             </a:r>
             <a:r>
-              <a:rPr lang="en-US" altLang="ko-KR" dirty="0" err="1" smtClean="0"/>
+              <a:rPr lang="en-US" altLang="ko-KR" dirty="0" err="1"/>
               <a:t>git</a:t>
             </a:r>
             <a:r>
-              <a:rPr lang="en-US" altLang="ko-KR" dirty="0" smtClean="0"/>
+              <a:rPr lang="en-US" altLang="ko-KR" dirty="0"/>
               <a:t> remote -v </a:t>
             </a:r>
           </a:p>
           <a:p>
             <a:r>
-              <a:rPr lang="en-US" altLang="ko-KR" dirty="0" smtClean="0"/>
+              <a:rPr lang="en-US" altLang="ko-KR" dirty="0"/>
               <a:t>→ </a:t>
             </a:r>
             <a:r>
-              <a:rPr lang="ko-KR" altLang="en-US" dirty="0" smtClean="0"/>
+              <a:rPr lang="ko-KR" altLang="en-US" dirty="0"/>
               <a:t>연결된 원격 저장소 목록과 별명</a:t>
             </a:r>
             <a:r>
-              <a:rPr lang="en-US" altLang="ko-KR" dirty="0" smtClean="0"/>
+              <a:rPr lang="en-US" altLang="ko-KR" dirty="0"/>
               <a:t>(origin </a:t>
             </a:r>
             <a:r>
-              <a:rPr lang="ko-KR" altLang="en-US" dirty="0" smtClean="0"/>
+              <a:rPr lang="ko-KR" altLang="en-US" dirty="0"/>
               <a:t>등</a:t>
             </a:r>
             <a:r>
-              <a:rPr lang="en-US" altLang="ko-KR" dirty="0" smtClean="0"/>
+              <a:rPr lang="en-US" altLang="ko-KR" dirty="0"/>
               <a:t>)</a:t>
             </a:r>
             <a:r>
-              <a:rPr lang="ko-KR" altLang="en-US" dirty="0" smtClean="0"/>
+              <a:rPr lang="ko-KR" altLang="en-US" dirty="0"/>
               <a:t>을 확인할 수 있어요</a:t>
             </a:r>
             <a:r>
-              <a:rPr lang="en-US" altLang="ko-KR" dirty="0" smtClean="0"/>
+              <a:rPr lang="en-US" altLang="ko-KR" dirty="0"/>
               <a:t>.</a:t>
             </a:r>
           </a:p>
           <a:p>
-            <a:endParaRPr lang="en-US" altLang="ko-KR" dirty="0" smtClean="0"/>
-          </a:p>
-          <a:p>
-            <a:r>
-              <a:rPr lang="en-US" altLang="ko-KR" dirty="0" smtClean="0"/>
+            <a:endParaRPr lang="en-US" altLang="ko-KR" dirty="0"/>
+          </a:p>
+          <a:p>
+            <a:r>
+              <a:rPr lang="en-US" altLang="ko-KR" dirty="0"/>
               <a:t>fetch   </a:t>
             </a:r>
             <a:r>
-              <a:rPr lang="en-US" altLang="ko-KR" b="1" dirty="0" smtClean="0"/>
+              <a:rPr lang="en-US" altLang="ko-KR" b="1" dirty="0"/>
               <a:t>GitHub</a:t>
             </a:r>
             <a:r>
-              <a:rPr lang="ko-KR" altLang="en-US" b="1" dirty="0" smtClean="0"/>
+              <a:rPr lang="ko-KR" altLang="en-US" b="1" dirty="0"/>
               <a:t>에서 내 로컬로 가져오는 용도</a:t>
             </a:r>
             <a:r>
-              <a:rPr lang="ko-KR" altLang="en-US" dirty="0" smtClean="0"/>
+              <a:rPr lang="ko-KR" altLang="en-US" dirty="0"/>
               <a:t> </a:t>
             </a:r>
             <a:r>
-              <a:rPr lang="en-US" altLang="ko-KR" dirty="0" smtClean="0"/>
+              <a:rPr lang="en-US" altLang="ko-KR" dirty="0"/>
               <a:t>(</a:t>
             </a:r>
             <a:r>
-              <a:rPr lang="ko-KR" altLang="en-US" dirty="0" smtClean="0"/>
+              <a:rPr lang="ko-KR" altLang="en-US" dirty="0"/>
               <a:t>예</a:t>
             </a:r>
             <a:r>
-              <a:rPr lang="en-US" altLang="ko-KR" dirty="0" smtClean="0"/>
+              <a:rPr lang="en-US" altLang="ko-KR" dirty="0"/>
               <a:t>: </a:t>
             </a:r>
             <a:r>
-              <a:rPr lang="en-US" altLang="ko-KR" dirty="0" err="1" smtClean="0"/>
+              <a:rPr lang="en-US" altLang="ko-KR" dirty="0" err="1"/>
               <a:t>git</a:t>
             </a:r>
             <a:r>
-              <a:rPr lang="en-US" altLang="ko-KR" dirty="0" smtClean="0"/>
+              <a:rPr lang="en-US" altLang="ko-KR" dirty="0"/>
               <a:t> pull)</a:t>
             </a:r>
           </a:p>
           <a:p>
             <a:r>
-              <a:rPr lang="en-US" altLang="ko-KR" dirty="0" smtClean="0"/>
+              <a:rPr lang="en-US" altLang="ko-KR" dirty="0"/>
               <a:t>push   </a:t>
             </a:r>
             <a:r>
-              <a:rPr lang="ko-KR" altLang="en-US" b="1" dirty="0" smtClean="0"/>
+              <a:rPr lang="ko-KR" altLang="en-US" b="1" dirty="0"/>
               <a:t>내 로컬에서 </a:t>
             </a:r>
             <a:r>
-              <a:rPr lang="en-US" altLang="ko-KR" b="1" dirty="0" smtClean="0"/>
+              <a:rPr lang="en-US" altLang="ko-KR" b="1" dirty="0"/>
               <a:t>GitHub</a:t>
             </a:r>
             <a:r>
-              <a:rPr lang="ko-KR" altLang="en-US" b="1" dirty="0" smtClean="0"/>
+              <a:rPr lang="ko-KR" altLang="en-US" b="1" dirty="0"/>
               <a:t>로 올리는 용도</a:t>
             </a:r>
             <a:r>
-              <a:rPr lang="ko-KR" altLang="en-US" dirty="0" smtClean="0"/>
+              <a:rPr lang="ko-KR" altLang="en-US" dirty="0"/>
               <a:t> </a:t>
             </a:r>
             <a:r>
-              <a:rPr lang="en-US" altLang="ko-KR" dirty="0" smtClean="0"/>
+              <a:rPr lang="en-US" altLang="ko-KR" dirty="0"/>
               <a:t>(</a:t>
             </a:r>
             <a:r>
-              <a:rPr lang="ko-KR" altLang="en-US" dirty="0" smtClean="0"/>
+              <a:rPr lang="ko-KR" altLang="en-US" dirty="0"/>
               <a:t>예</a:t>
             </a:r>
             <a:r>
-              <a:rPr lang="en-US" altLang="ko-KR" dirty="0" smtClean="0"/>
+              <a:rPr lang="en-US" altLang="ko-KR" dirty="0"/>
               <a:t>: </a:t>
             </a:r>
             <a:r>
-              <a:rPr lang="en-US" altLang="ko-KR" dirty="0" err="1" smtClean="0"/>
+              <a:rPr lang="en-US" altLang="ko-KR" dirty="0" err="1"/>
               <a:t>git</a:t>
             </a:r>
             <a:r>
-              <a:rPr lang="en-US" altLang="ko-KR" dirty="0" smtClean="0"/>
+              <a:rPr lang="en-US" altLang="ko-KR" dirty="0"/>
               <a:t> push)</a:t>
             </a:r>
           </a:p>
           <a:p>
             <a:r>
-              <a:rPr lang="ko-KR" altLang="en-US" dirty="0" smtClean="0"/>
+              <a:rPr lang="ko-KR" altLang="en-US" dirty="0"/>
               <a:t>보통은 두 주소가 </a:t>
             </a:r>
             <a:r>
-              <a:rPr lang="ko-KR" altLang="en-US" b="1" dirty="0" smtClean="0"/>
+              <a:rPr lang="ko-KR" altLang="en-US" b="1" dirty="0"/>
               <a:t>같지만</a:t>
             </a:r>
             <a:r>
-              <a:rPr lang="en-US" altLang="ko-KR" dirty="0" smtClean="0"/>
+              <a:rPr lang="en-US" altLang="ko-KR" dirty="0"/>
               <a:t>,</a:t>
             </a:r>
             <a:br>
-              <a:rPr lang="en-US" altLang="ko-KR" dirty="0" smtClean="0"/>
+              <a:rPr lang="en-US" altLang="ko-KR" dirty="0"/>
             </a:br>
             <a:r>
-              <a:rPr lang="en-US" altLang="ko-KR" dirty="0" err="1" smtClean="0"/>
+              <a:rPr lang="en-US" altLang="ko-KR" dirty="0" err="1"/>
               <a:t>Git</a:t>
             </a:r>
             <a:r>
-              <a:rPr lang="ko-KR" altLang="en-US" dirty="0" smtClean="0"/>
+              <a:rPr lang="ko-KR" altLang="en-US" dirty="0"/>
               <a:t>은 </a:t>
             </a:r>
             <a:r>
-              <a:rPr lang="en-US" altLang="ko-KR" b="1" dirty="0" smtClean="0"/>
+              <a:rPr lang="en-US" altLang="ko-KR" b="1" dirty="0"/>
               <a:t>fetch</a:t>
             </a:r>
             <a:r>
-              <a:rPr lang="ko-KR" altLang="en-US" b="1" dirty="0" smtClean="0"/>
+              <a:rPr lang="ko-KR" altLang="en-US" b="1" dirty="0"/>
               <a:t>용 </a:t>
             </a:r>
             <a:r>
-              <a:rPr lang="en-US" altLang="ko-KR" b="1" dirty="0" smtClean="0"/>
+              <a:rPr lang="en-US" altLang="ko-KR" b="1" dirty="0"/>
               <a:t>URL</a:t>
             </a:r>
             <a:r>
-              <a:rPr lang="ko-KR" altLang="en-US" dirty="0" smtClean="0"/>
+              <a:rPr lang="ko-KR" altLang="en-US" dirty="0"/>
               <a:t>과 </a:t>
             </a:r>
             <a:r>
-              <a:rPr lang="en-US" altLang="ko-KR" b="1" dirty="0" smtClean="0"/>
+              <a:rPr lang="en-US" altLang="ko-KR" b="1" dirty="0"/>
               <a:t>push</a:t>
             </a:r>
             <a:r>
-              <a:rPr lang="ko-KR" altLang="en-US" b="1" dirty="0" smtClean="0"/>
+              <a:rPr lang="ko-KR" altLang="en-US" b="1" dirty="0"/>
               <a:t>용 </a:t>
             </a:r>
             <a:r>
-              <a:rPr lang="en-US" altLang="ko-KR" b="1" dirty="0" smtClean="0"/>
+              <a:rPr lang="en-US" altLang="ko-KR" b="1" dirty="0"/>
               <a:t>URL</a:t>
             </a:r>
             <a:r>
-              <a:rPr lang="ko-KR" altLang="en-US" dirty="0" smtClean="0"/>
+              <a:rPr lang="ko-KR" altLang="en-US" dirty="0"/>
               <a:t>을 </a:t>
             </a:r>
             <a:r>
-              <a:rPr lang="ko-KR" altLang="en-US" b="1" dirty="0" smtClean="0"/>
+              <a:rPr lang="ko-KR" altLang="en-US" b="1" dirty="0"/>
               <a:t>따로 설정할 수 있는 기능</a:t>
             </a:r>
             <a:r>
-              <a:rPr lang="ko-KR" altLang="en-US" dirty="0" smtClean="0"/>
+              <a:rPr lang="ko-KR" altLang="en-US" dirty="0"/>
               <a:t>을 지원합니다</a:t>
             </a:r>
             <a:r>
-              <a:rPr lang="en-US" altLang="ko-KR" dirty="0" smtClean="0"/>
+              <a:rPr lang="en-US" altLang="ko-KR" dirty="0"/>
               <a:t>.</a:t>
             </a:r>
             <a:endParaRPr lang="ko-KR" altLang="en-US" dirty="0"/>
@@ -6722,105 +6675,101 @@
             </a:r>
             <a:r>
               <a:rPr lang="ko-KR" altLang="en-US" dirty="0"/>
-              <a:t> </a:t>
-            </a:r>
-            <a:r>
-              <a:rPr lang="ko-KR" altLang="en-US" dirty="0" smtClean="0"/>
-              <a:t>합니다</a:t>
-            </a:r>
-            <a:endParaRPr lang="en-US" altLang="ko-KR" dirty="0" smtClean="0"/>
-          </a:p>
-          <a:p>
-            <a:endParaRPr lang="en-US" altLang="ko-KR" dirty="0" smtClean="0"/>
-          </a:p>
-          <a:p>
-            <a:r>
-              <a:rPr lang="ko-KR" altLang="en-US" dirty="0" smtClean="0"/>
+              <a:t> 합니다</a:t>
+            </a:r>
+            <a:endParaRPr lang="en-US" altLang="ko-KR" dirty="0"/>
+          </a:p>
+          <a:p>
+            <a:endParaRPr lang="en-US" altLang="ko-KR" dirty="0"/>
+          </a:p>
+          <a:p>
+            <a:r>
+              <a:rPr lang="ko-KR" altLang="en-US" dirty="0"/>
               <a:t>마지막의 </a:t>
             </a:r>
             <a:r>
-              <a:rPr lang="en-US" altLang="ko-KR" dirty="0" smtClean="0"/>
+              <a:rPr lang="en-US" altLang="ko-KR" dirty="0"/>
               <a:t>.</a:t>
             </a:r>
             <a:r>
-              <a:rPr lang="ko-KR" altLang="en-US" dirty="0" smtClean="0"/>
+              <a:rPr lang="ko-KR" altLang="en-US" dirty="0"/>
               <a:t>은 **</a:t>
             </a:r>
             <a:r>
-              <a:rPr lang="en-US" altLang="ko-KR" dirty="0" smtClean="0"/>
+              <a:rPr lang="en-US" altLang="ko-KR" dirty="0"/>
               <a:t>"</a:t>
             </a:r>
             <a:r>
-              <a:rPr lang="ko-KR" altLang="en-US" dirty="0" smtClean="0"/>
+              <a:rPr lang="ko-KR" altLang="en-US" dirty="0"/>
               <a:t>현재 폴더에 복제하겠다</a:t>
             </a:r>
             <a:r>
-              <a:rPr lang="en-US" altLang="ko-KR" dirty="0" smtClean="0"/>
+              <a:rPr lang="en-US" altLang="ko-KR" dirty="0"/>
               <a:t>"**</a:t>
             </a:r>
             <a:r>
-              <a:rPr lang="ko-KR" altLang="en-US" dirty="0" smtClean="0"/>
+              <a:rPr lang="ko-KR" altLang="en-US" dirty="0"/>
               <a:t>는 뜻입니다</a:t>
             </a:r>
             <a:r>
-              <a:rPr lang="en-US" altLang="ko-KR" dirty="0" smtClean="0"/>
+              <a:rPr lang="en-US" altLang="ko-KR" dirty="0"/>
               <a:t>.</a:t>
             </a:r>
           </a:p>
           <a:p>
             <a:r>
-              <a:rPr lang="en-US" altLang="ko-KR" dirty="0" err="1" smtClean="0"/>
+              <a:rPr lang="en-US" altLang="ko-KR" dirty="0" err="1"/>
               <a:t>git</a:t>
             </a:r>
             <a:r>
-              <a:rPr lang="en-US" altLang="ko-KR" dirty="0" smtClean="0"/>
+              <a:rPr lang="en-US" altLang="ko-KR" dirty="0"/>
               <a:t> clone ... .</a:t>
             </a:r>
             <a:r>
-              <a:rPr lang="ko-KR" altLang="en-US" dirty="0" smtClean="0"/>
+              <a:rPr lang="ko-KR" altLang="en-US" dirty="0"/>
               <a:t>에서 </a:t>
             </a:r>
             <a:r>
-              <a:rPr lang="en-US" altLang="ko-KR" dirty="0" smtClean="0"/>
+              <a:rPr lang="en-US" altLang="ko-KR" dirty="0"/>
               <a:t>.</a:t>
             </a:r>
             <a:r>
-              <a:rPr lang="ko-KR" altLang="en-US" dirty="0" smtClean="0"/>
+              <a:rPr lang="ko-KR" altLang="en-US" dirty="0"/>
               <a:t>은 **</a:t>
             </a:r>
             <a:r>
-              <a:rPr lang="en-US" altLang="ko-KR" dirty="0" smtClean="0"/>
+              <a:rPr lang="en-US" altLang="ko-KR" dirty="0"/>
               <a:t>"</a:t>
             </a:r>
             <a:r>
-              <a:rPr lang="ko-KR" altLang="en-US" dirty="0" smtClean="0"/>
+              <a:rPr lang="ko-KR" altLang="en-US" dirty="0"/>
               <a:t>지금 폴더에 바로 저장소를 복제해줘</a:t>
             </a:r>
             <a:r>
-              <a:rPr lang="en-US" altLang="ko-KR" dirty="0" smtClean="0"/>
+              <a:rPr lang="en-US" altLang="ko-KR" dirty="0"/>
               <a:t>!"**</a:t>
             </a:r>
             <a:r>
-              <a:rPr lang="ko-KR" altLang="en-US" dirty="0" smtClean="0"/>
+              <a:rPr lang="ko-KR" altLang="en-US" dirty="0"/>
               <a:t>라는 의미이며</a:t>
             </a:r>
             <a:r>
-              <a:rPr lang="en-US" altLang="ko-KR" dirty="0" smtClean="0"/>
+              <a:rPr lang="en-US" altLang="ko-KR" dirty="0"/>
               <a:t>,</a:t>
             </a:r>
             <a:br>
-              <a:rPr lang="en-US" altLang="ko-KR" dirty="0" smtClean="0"/>
+              <a:rPr lang="en-US" altLang="ko-KR" dirty="0"/>
             </a:br>
             <a:r>
-              <a:rPr lang="ko-KR" altLang="en-US" dirty="0" smtClean="0"/>
+              <a:rPr lang="ko-KR" altLang="en-US" dirty="0"/>
               <a:t>이를 쓰지 않으면 </a:t>
             </a:r>
             <a:r>
-              <a:rPr lang="ko-KR" altLang="en-US" b="1" dirty="0" smtClean="0"/>
+              <a:rPr lang="ko-KR" altLang="en-US" b="1" dirty="0"/>
               <a:t>원격 저장소 이름으로 폴더가 새로 생깁니다</a:t>
             </a:r>
             <a:r>
-              <a:rPr lang="en-US" altLang="ko-KR" b="1" dirty="0" smtClean="0"/>
+              <a:rPr lang="en-US" altLang="ko-KR" b="1" dirty="0"/>
               <a:t>.</a:t>
             </a:r>
             <a:endParaRPr lang="ko-KR" altLang="en-US" dirty="0"/>
@@ -7117,7 +7066,7 @@
             <a:endParaRPr lang="en-US" altLang="ko-KR" dirty="0"/>
           </a:p>
           <a:p>
-            <a:endParaRPr lang="en-US" altLang="ko-KR" dirty="0" smtClean="0"/>
+            <a:endParaRPr lang="en-US" altLang="ko-KR" dirty="0"/>
           </a:p>
           <a:p>
             <a:pPr marL="171450" indent="-171450">
@@ -7125,15 +7074,15 @@
               <a:buChar char="•"/>
             </a:pPr>
             <a:r>
-              <a:rPr lang="en-US" altLang="ko-KR" baseline="0" dirty="0" smtClean="0"/>
+              <a:rPr lang="en-US" altLang="ko-KR" baseline="0" dirty="0"/>
               <a:t>HEAD </a:t>
             </a:r>
             <a:r>
-              <a:rPr lang="ko-KR" altLang="en-US" baseline="0" dirty="0" smtClean="0"/>
+              <a:rPr lang="ko-KR" altLang="en-US" baseline="0" dirty="0"/>
               <a:t>란</a:t>
             </a:r>
             <a:r>
-              <a:rPr lang="en-US" altLang="ko-KR" baseline="0" dirty="0" smtClean="0"/>
+              <a:rPr lang="en-US" altLang="ko-KR" baseline="0" dirty="0"/>
               <a:t>?</a:t>
             </a:r>
           </a:p>
@@ -7143,31 +7092,31 @@
               <a:buNone/>
             </a:pPr>
             <a:r>
-              <a:rPr lang="en-US" altLang="ko-KR" baseline="0" dirty="0" smtClean="0"/>
+              <a:rPr lang="en-US" altLang="ko-KR" baseline="0" dirty="0"/>
               <a:t>- </a:t>
             </a:r>
             <a:r>
-              <a:rPr lang="ko-KR" altLang="en-US" baseline="0" dirty="0" smtClean="0"/>
+              <a:rPr lang="ko-KR" altLang="en-US" baseline="0" dirty="0"/>
               <a:t>현재 내 작업 위치를 가리키는 </a:t>
             </a:r>
             <a:r>
-              <a:rPr lang="en-US" altLang="ko-KR" baseline="0" dirty="0" smtClean="0"/>
+              <a:rPr lang="en-US" altLang="ko-KR" baseline="0" dirty="0"/>
               <a:t>‘</a:t>
             </a:r>
             <a:r>
-              <a:rPr lang="ko-KR" altLang="en-US" baseline="0" dirty="0" smtClean="0"/>
+              <a:rPr lang="ko-KR" altLang="en-US" baseline="0" dirty="0"/>
               <a:t>화살표</a:t>
             </a:r>
             <a:r>
-              <a:rPr lang="en-US" altLang="ko-KR" baseline="0" dirty="0" smtClean="0"/>
+              <a:rPr lang="en-US" altLang="ko-KR" baseline="0" dirty="0"/>
               <a:t>‘ </a:t>
             </a:r>
             <a:r>
-              <a:rPr lang="ko-KR" altLang="en-US" baseline="0" dirty="0" smtClean="0"/>
+              <a:rPr lang="ko-KR" altLang="en-US" baseline="0" dirty="0"/>
               <a:t>같은 개념</a:t>
             </a:r>
             <a:r>
-              <a:rPr lang="en-US" altLang="ko-KR" baseline="0" dirty="0" smtClean="0"/>
+              <a:rPr lang="en-US" altLang="ko-KR" baseline="0" dirty="0"/>
               <a:t>.</a:t>
             </a:r>
           </a:p>
@@ -7177,39 +7126,39 @@
               <a:buChar char="-"/>
             </a:pPr>
             <a:r>
-              <a:rPr lang="ko-KR" altLang="en-US" dirty="0" smtClean="0"/>
+              <a:rPr lang="ko-KR" altLang="en-US" dirty="0"/>
               <a:t>현재 내가 바라보고 있는</a:t>
             </a:r>
             <a:r>
-              <a:rPr lang="en-US" altLang="ko-KR" dirty="0" smtClean="0"/>
+              <a:rPr lang="en-US" altLang="ko-KR" dirty="0"/>
               <a:t>(</a:t>
             </a:r>
             <a:r>
-              <a:rPr lang="ko-KR" altLang="en-US" dirty="0" smtClean="0"/>
+              <a:rPr lang="ko-KR" altLang="en-US" dirty="0"/>
               <a:t>작업 중인</a:t>
             </a:r>
             <a:r>
-              <a:rPr lang="en-US" altLang="ko-KR" dirty="0" smtClean="0"/>
+              <a:rPr lang="en-US" altLang="ko-KR" dirty="0"/>
               <a:t>) </a:t>
             </a:r>
             <a:r>
-              <a:rPr lang="ko-KR" altLang="en-US" dirty="0" err="1" smtClean="0"/>
+              <a:rPr lang="ko-KR" altLang="en-US" dirty="0" err="1"/>
               <a:t>브랜치의</a:t>
             </a:r>
             <a:r>
-              <a:rPr lang="ko-KR" altLang="en-US" dirty="0" smtClean="0"/>
+              <a:rPr lang="ko-KR" altLang="en-US" dirty="0"/>
               <a:t> 가장 최신 </a:t>
             </a:r>
             <a:r>
-              <a:rPr lang="ko-KR" altLang="en-US" dirty="0" err="1" smtClean="0"/>
+              <a:rPr lang="ko-KR" altLang="en-US" dirty="0" err="1"/>
               <a:t>커밋을</a:t>
             </a:r>
             <a:r>
-              <a:rPr lang="ko-KR" altLang="en-US" dirty="0" smtClean="0"/>
+              <a:rPr lang="ko-KR" altLang="en-US" dirty="0"/>
               <a:t> 가리키는 포인터</a:t>
             </a:r>
             <a:r>
-              <a:rPr lang="en-US" altLang="ko-KR" dirty="0" smtClean="0"/>
+              <a:rPr lang="en-US" altLang="ko-KR" dirty="0"/>
               <a:t>(pointer)</a:t>
             </a:r>
           </a:p>
@@ -7219,47 +7168,47 @@
               <a:buChar char="-"/>
             </a:pPr>
             <a:r>
-              <a:rPr lang="ko-KR" altLang="en-US" dirty="0" smtClean="0"/>
+              <a:rPr lang="ko-KR" altLang="en-US" dirty="0"/>
               <a:t>즉</a:t>
             </a:r>
             <a:r>
-              <a:rPr lang="en-US" altLang="ko-KR" dirty="0" smtClean="0"/>
+              <a:rPr lang="en-US" altLang="ko-KR" dirty="0"/>
               <a:t>, </a:t>
             </a:r>
             <a:r>
-              <a:rPr lang="ko-KR" altLang="en-US" dirty="0" smtClean="0"/>
+              <a:rPr lang="ko-KR" altLang="en-US" dirty="0"/>
               <a:t>지금 내가 어디에서 작업하고 있는지를 </a:t>
             </a:r>
             <a:r>
-              <a:rPr lang="en-US" altLang="ko-KR" dirty="0" err="1" smtClean="0"/>
+              <a:rPr lang="en-US" altLang="ko-KR" dirty="0" err="1"/>
               <a:t>Git</a:t>
             </a:r>
             <a:r>
-              <a:rPr lang="ko-KR" altLang="en-US" dirty="0" smtClean="0"/>
+              <a:rPr lang="ko-KR" altLang="en-US" dirty="0"/>
               <a:t>이 기억하고 있게 해주는 </a:t>
             </a:r>
             <a:r>
-              <a:rPr lang="en-US" altLang="ko-KR" b="1" dirty="0" smtClean="0"/>
+              <a:rPr lang="en-US" altLang="ko-KR" b="1" dirty="0"/>
               <a:t>"</a:t>
             </a:r>
             <a:r>
-              <a:rPr lang="ko-KR" altLang="en-US" b="1" dirty="0" smtClean="0"/>
+              <a:rPr lang="ko-KR" altLang="en-US" b="1" dirty="0"/>
               <a:t>화살표</a:t>
             </a:r>
             <a:r>
-              <a:rPr lang="en-US" altLang="ko-KR" b="1" dirty="0" smtClean="0"/>
+              <a:rPr lang="en-US" altLang="ko-KR" b="1" dirty="0"/>
               <a:t>" </a:t>
             </a:r>
             <a:r>
-              <a:rPr lang="ko-KR" altLang="en-US" b="1" dirty="0" smtClean="0"/>
+              <a:rPr lang="ko-KR" altLang="en-US" b="1" dirty="0"/>
               <a:t>같은 역할</a:t>
             </a:r>
             <a:r>
-              <a:rPr lang="ko-KR" altLang="en-US" dirty="0" smtClean="0"/>
+              <a:rPr lang="ko-KR" altLang="en-US" dirty="0"/>
               <a:t>입니다</a:t>
             </a:r>
             <a:r>
-              <a:rPr lang="en-US" altLang="ko-KR" dirty="0" smtClean="0"/>
+              <a:rPr lang="en-US" altLang="ko-KR" dirty="0"/>
               <a:t>.</a:t>
             </a:r>
           </a:p>
@@ -7268,7 +7217,7 @@
               <a:buFontTx/>
               <a:buChar char="-"/>
             </a:pPr>
-            <a:endParaRPr lang="en-US" altLang="ko-KR" dirty="0" smtClean="0"/>
+            <a:endParaRPr lang="en-US" altLang="ko-KR" dirty="0"/>
           </a:p>
           <a:p>
             <a:pPr marL="171450" indent="-171450">
@@ -7276,32 +7225,32 @@
               <a:buChar char="-"/>
             </a:pPr>
             <a:r>
-              <a:rPr lang="en-US" altLang="ko-KR" dirty="0" smtClean="0"/>
+              <a:rPr lang="en-US" altLang="ko-KR" dirty="0"/>
               <a:t>HEAD -&gt; main </a:t>
             </a:r>
             <a:r>
-              <a:rPr lang="en-US" altLang="ko-KR" dirty="0" smtClean="0">
+              <a:rPr lang="en-US" altLang="ko-KR" dirty="0">
                 <a:sym typeface="Wingdings" panose="05000000000000000000" pitchFamily="2" charset="2"/>
               </a:rPr>
               <a:t> </a:t>
             </a:r>
             <a:r>
-              <a:rPr lang="ko-KR" altLang="en-US" dirty="0" smtClean="0"/>
+              <a:rPr lang="ko-KR" altLang="en-US" dirty="0"/>
               <a:t>지금 내가 </a:t>
             </a:r>
             <a:r>
-              <a:rPr lang="en-US" altLang="ko-KR" dirty="0" smtClean="0"/>
+              <a:rPr lang="en-US" altLang="ko-KR" dirty="0"/>
               <a:t>main </a:t>
             </a:r>
             <a:r>
-              <a:rPr lang="ko-KR" altLang="en-US" dirty="0" err="1" smtClean="0"/>
+              <a:rPr lang="ko-KR" altLang="en-US" dirty="0" err="1"/>
               <a:t>브랜치</a:t>
             </a:r>
             <a:r>
-              <a:rPr lang="ko-KR" altLang="en-US" dirty="0" smtClean="0"/>
+              <a:rPr lang="ko-KR" altLang="en-US" dirty="0"/>
               <a:t> 위에 있음</a:t>
             </a:r>
-            <a:endParaRPr lang="en-US" altLang="ko-KR" dirty="0" smtClean="0"/>
+            <a:endParaRPr lang="en-US" altLang="ko-KR" dirty="0"/>
           </a:p>
           <a:p>
             <a:pPr marL="171450" indent="-171450">
@@ -7309,36 +7258,36 @@
               <a:buChar char="-"/>
             </a:pPr>
             <a:r>
-              <a:rPr lang="en-US" altLang="ko-KR" dirty="0" smtClean="0"/>
+              <a:rPr lang="en-US" altLang="ko-KR" dirty="0"/>
               <a:t>origin/main </a:t>
             </a:r>
             <a:r>
-              <a:rPr lang="en-US" altLang="ko-KR" baseline="0" dirty="0" smtClean="0"/>
+              <a:rPr lang="en-US" altLang="ko-KR" baseline="0" dirty="0"/>
               <a:t> </a:t>
             </a:r>
             <a:r>
-              <a:rPr lang="en-US" altLang="ko-KR" baseline="0" dirty="0" smtClean="0">
+              <a:rPr lang="en-US" altLang="ko-KR" baseline="0" dirty="0">
                 <a:sym typeface="Wingdings" panose="05000000000000000000" pitchFamily="2" charset="2"/>
               </a:rPr>
               <a:t> </a:t>
             </a:r>
             <a:r>
-              <a:rPr lang="ko-KR" altLang="en-US" dirty="0" smtClean="0"/>
+              <a:rPr lang="ko-KR" altLang="en-US" dirty="0"/>
               <a:t>원격 저장소의 </a:t>
             </a:r>
             <a:r>
-              <a:rPr lang="en-US" altLang="ko-KR" dirty="0" smtClean="0"/>
+              <a:rPr lang="en-US" altLang="ko-KR" dirty="0"/>
               <a:t>main </a:t>
             </a:r>
             <a:r>
-              <a:rPr lang="ko-KR" altLang="en-US" dirty="0" err="1" smtClean="0"/>
+              <a:rPr lang="ko-KR" altLang="en-US" dirty="0" err="1"/>
               <a:t>브랜치</a:t>
             </a:r>
             <a:r>
-              <a:rPr lang="ko-KR" altLang="en-US" dirty="0" smtClean="0"/>
+              <a:rPr lang="ko-KR" altLang="en-US" dirty="0"/>
               <a:t> 최신 위치</a:t>
             </a:r>
-            <a:endParaRPr lang="en-US" altLang="ko-KR" dirty="0" smtClean="0"/>
+            <a:endParaRPr lang="en-US" altLang="ko-KR" dirty="0"/>
           </a:p>
           <a:p>
             <a:pPr marL="171450" indent="-171450">
@@ -7346,40 +7295,39 @@
               <a:buChar char="-"/>
             </a:pPr>
             <a:r>
-              <a:rPr lang="en-US" altLang="ko-KR" dirty="0" smtClean="0"/>
+              <a:rPr lang="en-US" altLang="ko-KR" dirty="0"/>
               <a:t>origin/HEAD  </a:t>
             </a:r>
             <a:r>
-              <a:rPr lang="en-US" altLang="ko-KR" dirty="0" smtClean="0">
+              <a:rPr lang="en-US" altLang="ko-KR" dirty="0">
                 <a:sym typeface="Wingdings" panose="05000000000000000000" pitchFamily="2" charset="2"/>
               </a:rPr>
               <a:t> </a:t>
             </a:r>
             <a:r>
-              <a:rPr lang="en-US" altLang="ko-KR" dirty="0" smtClean="0"/>
+              <a:rPr lang="en-US" altLang="ko-KR" dirty="0"/>
               <a:t>GitHub </a:t>
             </a:r>
             <a:r>
-              <a:rPr lang="ko-KR" altLang="en-US" dirty="0" smtClean="0"/>
+              <a:rPr lang="ko-KR" altLang="en-US" dirty="0"/>
               <a:t>쪽에서도 기본 </a:t>
             </a:r>
             <a:r>
-              <a:rPr lang="ko-KR" altLang="en-US" dirty="0" err="1" smtClean="0"/>
+              <a:rPr lang="ko-KR" altLang="en-US" dirty="0" err="1"/>
               <a:t>브랜치가</a:t>
             </a:r>
             <a:r>
-              <a:rPr lang="ko-KR" altLang="en-US" dirty="0" smtClean="0"/>
+              <a:rPr lang="ko-KR" altLang="en-US" dirty="0"/>
               <a:t> </a:t>
             </a:r>
             <a:r>
-              <a:rPr lang="en-US" altLang="ko-KR" dirty="0" smtClean="0"/>
+              <a:rPr lang="en-US" altLang="ko-KR" dirty="0"/>
               <a:t>main</a:t>
             </a:r>
             <a:r>
-              <a:rPr lang="ko-KR" altLang="en-US" dirty="0" smtClean="0"/>
+              <a:rPr lang="ko-KR" altLang="en-US" dirty="0"/>
               <a:t>으로 설정되어 있음</a:t>
             </a:r>
-            <a:endParaRPr lang="ko-KR" altLang="en-US" dirty="0"/>
           </a:p>
         </p:txBody>
       </p:sp>
@@ -7464,18 +7412,17 @@
           <a:lstStyle/>
           <a:p>
             <a:r>
-              <a:rPr lang="ko-KR" altLang="en-US" dirty="0" smtClean="0"/>
+              <a:rPr lang="ko-KR" altLang="en-US" dirty="0"/>
               <a:t>하나</a:t>
             </a:r>
             <a:r>
-              <a:rPr lang="en-US" altLang="ko-KR" dirty="0" smtClean="0"/>
+              <a:rPr lang="en-US" altLang="ko-KR" dirty="0"/>
               <a:t> </a:t>
             </a:r>
             <a:r>
-              <a:rPr lang="ko-KR" altLang="en-US" dirty="0" smtClean="0"/>
+              <a:rPr lang="ko-KR" altLang="en-US" dirty="0"/>
               <a:t>더 만들어보기</a:t>
             </a:r>
-            <a:endParaRPr lang="ko-KR" altLang="en-US" dirty="0"/>
           </a:p>
         </p:txBody>
       </p:sp>
@@ -7644,14 +7591,14 @@
           <a:lstStyle/>
           <a:p>
             <a:r>
-              <a:rPr lang="en-US" altLang="ko-KR" dirty="0" smtClean="0"/>
+              <a:rPr lang="en-US" altLang="ko-KR" dirty="0"/>
               <a:t>2</a:t>
             </a:r>
             <a:r>
-              <a:rPr lang="ko-KR" altLang="en-US" dirty="0" smtClean="0"/>
+              <a:rPr lang="ko-KR" altLang="en-US" dirty="0"/>
               <a:t>차 보안</a:t>
             </a:r>
-            <a:endParaRPr lang="en-US" altLang="ko-KR" dirty="0" smtClean="0"/>
+            <a:endParaRPr lang="en-US" altLang="ko-KR" dirty="0"/>
           </a:p>
           <a:p>
             <a:pPr marL="171450" indent="-171450">
@@ -7659,15 +7606,15 @@
               <a:buChar char="Þ"/>
             </a:pPr>
             <a:r>
-              <a:rPr lang="en-US" altLang="ko-KR" baseline="0" dirty="0" smtClean="0"/>
+              <a:rPr lang="en-US" altLang="ko-KR" baseline="0" dirty="0"/>
               <a:t>2</a:t>
             </a:r>
             <a:r>
-              <a:rPr lang="ko-KR" altLang="en-US" baseline="0" dirty="0" smtClean="0"/>
+              <a:rPr lang="ko-KR" altLang="en-US" baseline="0" dirty="0"/>
               <a:t>단계 인증 </a:t>
             </a:r>
             <a:r>
-              <a:rPr lang="en-US" altLang="ko-KR" baseline="0" dirty="0" smtClean="0"/>
+              <a:rPr lang="en-US" altLang="ko-KR" baseline="0" dirty="0"/>
               <a:t>(2FA, Two-Factor Authentication)</a:t>
             </a:r>
           </a:p>
@@ -7677,25 +7624,25 @@
               <a:buNone/>
             </a:pPr>
             <a:r>
-              <a:rPr lang="en-US" altLang="ko-KR" dirty="0" smtClean="0">
+              <a:rPr lang="en-US" altLang="ko-KR" dirty="0">
                 <a:sym typeface="Wingdings" panose="05000000000000000000" pitchFamily="2" charset="2"/>
               </a:rPr>
               <a:t> notion</a:t>
             </a:r>
             <a:r>
-              <a:rPr lang="en-US" altLang="ko-KR" baseline="0" dirty="0" smtClean="0">
+              <a:rPr lang="en-US" altLang="ko-KR" baseline="0" dirty="0">
                 <a:sym typeface="Wingdings" panose="05000000000000000000" pitchFamily="2" charset="2"/>
               </a:rPr>
               <a:t> </a:t>
             </a:r>
             <a:r>
-              <a:rPr lang="ko-KR" altLang="en-US" baseline="0" dirty="0" smtClean="0">
+              <a:rPr lang="ko-KR" altLang="en-US" baseline="0" dirty="0">
                 <a:sym typeface="Wingdings" panose="05000000000000000000" pitchFamily="2" charset="2"/>
               </a:rPr>
               <a:t>보기</a:t>
             </a:r>
             <a:r>
-              <a:rPr lang="en-US" altLang="ko-KR" baseline="0" dirty="0" smtClean="0">
+              <a:rPr lang="en-US" altLang="ko-KR" baseline="0" dirty="0">
                 <a:sym typeface="Wingdings" panose="05000000000000000000" pitchFamily="2" charset="2"/>
               </a:rPr>
               <a:t>.</a:t>
@@ -7785,456 +7732,451 @@
           <a:lstStyle/>
           <a:p>
             <a:r>
-              <a:rPr lang="en-US" altLang="ko-KR" dirty="0" smtClean="0"/>
+              <a:rPr lang="en-US" altLang="ko-KR" dirty="0"/>
               <a:t>repo </a:t>
             </a:r>
             <a:r>
-              <a:rPr lang="ko-KR" altLang="en-US" dirty="0" smtClean="0"/>
+              <a:rPr lang="ko-KR" altLang="en-US" dirty="0"/>
               <a:t>항목은 꼭 체크해야 </a:t>
             </a:r>
             <a:r>
-              <a:rPr lang="en-US" altLang="ko-KR" dirty="0" err="1" smtClean="0"/>
+              <a:rPr lang="en-US" altLang="ko-KR" dirty="0" err="1"/>
               <a:t>git</a:t>
             </a:r>
             <a:r>
-              <a:rPr lang="en-US" altLang="ko-KR" dirty="0" smtClean="0"/>
+              <a:rPr lang="en-US" altLang="ko-KR" dirty="0"/>
               <a:t> clone, push</a:t>
             </a:r>
             <a:r>
-              <a:rPr lang="ko-KR" altLang="en-US" dirty="0" smtClean="0"/>
+              <a:rPr lang="ko-KR" altLang="en-US" dirty="0"/>
               <a:t>가 작동합니다</a:t>
             </a:r>
             <a:r>
-              <a:rPr lang="en-US" altLang="ko-KR" dirty="0" smtClean="0"/>
+              <a:rPr lang="en-US" altLang="ko-KR" dirty="0"/>
               <a:t>.</a:t>
             </a:r>
           </a:p>
           <a:p>
-            <a:endParaRPr lang="en-US" altLang="ko-KR" dirty="0" smtClean="0"/>
-          </a:p>
-          <a:p>
-            <a:r>
-              <a:rPr lang="ko-KR" altLang="en-US" dirty="0" smtClean="0"/>
+            <a:endParaRPr lang="en-US" altLang="ko-KR" dirty="0"/>
+          </a:p>
+          <a:p>
+            <a:r>
+              <a:rPr lang="ko-KR" altLang="en-US" dirty="0"/>
               <a:t>생성된 토큰을 </a:t>
             </a:r>
             <a:r>
-              <a:rPr lang="ko-KR" altLang="en-US" b="1" dirty="0" smtClean="0"/>
+              <a:rPr lang="ko-KR" altLang="en-US" b="1" dirty="0"/>
               <a:t>즉시 복사</a:t>
             </a:r>
             <a:r>
-              <a:rPr lang="en-US" altLang="ko-KR" b="1" dirty="0" smtClean="0"/>
+              <a:rPr lang="en-US" altLang="ko-KR" b="1" dirty="0"/>
               <a:t>!</a:t>
             </a:r>
             <a:r>
-              <a:rPr lang="ko-KR" altLang="en-US" dirty="0" smtClean="0"/>
+              <a:rPr lang="ko-KR" altLang="en-US" dirty="0"/>
               <a:t> </a:t>
             </a:r>
             <a:r>
-              <a:rPr lang="en-US" altLang="ko-KR" dirty="0" smtClean="0"/>
+              <a:rPr lang="en-US" altLang="ko-KR" dirty="0"/>
               <a:t>(</a:t>
             </a:r>
             <a:r>
-              <a:rPr lang="ko-KR" altLang="en-US" dirty="0" smtClean="0"/>
+              <a:rPr lang="ko-KR" altLang="en-US" dirty="0"/>
               <a:t>다시 못 봅니다</a:t>
             </a:r>
             <a:r>
-              <a:rPr lang="en-US" altLang="ko-KR" dirty="0" smtClean="0"/>
+              <a:rPr lang="en-US" altLang="ko-KR" dirty="0"/>
               <a:t>)</a:t>
             </a:r>
           </a:p>
           <a:p>
             <a:r>
-              <a:rPr lang="en-US" altLang="ko-KR" dirty="0" smtClean="0"/>
+              <a:rPr lang="en-US" altLang="ko-KR" dirty="0"/>
               <a:t>- </a:t>
             </a:r>
             <a:r>
-              <a:rPr lang="ko-KR" altLang="en-US" dirty="0" smtClean="0"/>
+              <a:rPr lang="ko-KR" altLang="en-US" dirty="0"/>
               <a:t>절대 다른 사람과 공유하면 안됨 </a:t>
             </a:r>
             <a:r>
-              <a:rPr lang="en-US" altLang="ko-KR" dirty="0" smtClean="0"/>
+              <a:rPr lang="en-US" altLang="ko-KR" dirty="0"/>
               <a:t>/ </a:t>
             </a:r>
             <a:r>
-              <a:rPr lang="ko-KR" altLang="en-US" dirty="0" smtClean="0"/>
+              <a:rPr lang="ko-KR" altLang="en-US" dirty="0"/>
               <a:t>이 </a:t>
             </a:r>
             <a:r>
-              <a:rPr lang="ko-KR" altLang="en-US" dirty="0" err="1" smtClean="0"/>
+              <a:rPr lang="ko-KR" altLang="en-US" dirty="0" err="1"/>
               <a:t>토근이</a:t>
             </a:r>
             <a:r>
-              <a:rPr lang="ko-KR" altLang="en-US" dirty="0" smtClean="0"/>
+              <a:rPr lang="ko-KR" altLang="en-US" dirty="0"/>
               <a:t> 있으면 당신의 </a:t>
             </a:r>
             <a:r>
-              <a:rPr lang="ko-KR" altLang="en-US" dirty="0" err="1" smtClean="0"/>
+              <a:rPr lang="ko-KR" altLang="en-US" dirty="0" err="1"/>
               <a:t>깃허브에</a:t>
             </a:r>
             <a:r>
-              <a:rPr lang="ko-KR" altLang="en-US" dirty="0" smtClean="0"/>
+              <a:rPr lang="ko-KR" altLang="en-US" dirty="0"/>
               <a:t> 접근할 수 있음</a:t>
             </a:r>
             <a:r>
-              <a:rPr lang="en-US" altLang="ko-KR" dirty="0" smtClean="0"/>
+              <a:rPr lang="en-US" altLang="ko-KR" dirty="0"/>
               <a:t>.</a:t>
             </a:r>
-            <a:endParaRPr lang="en-US" altLang="ko-KR" dirty="0" smtClean="0"/>
-          </a:p>
-          <a:p>
-            <a:endParaRPr lang="en-US" altLang="ko-KR" dirty="0" smtClean="0"/>
-          </a:p>
-          <a:p>
-            <a:r>
-              <a:rPr lang="en-US" altLang="ko-KR" b="1" dirty="0" smtClean="0"/>
+          </a:p>
+          <a:p>
+            <a:endParaRPr lang="en-US" altLang="ko-KR" dirty="0"/>
+          </a:p>
+          <a:p>
+            <a:r>
+              <a:rPr lang="en-US" altLang="ko-KR" b="1" dirty="0"/>
               <a:t>GitHub </a:t>
             </a:r>
             <a:r>
-              <a:rPr lang="ko-KR" altLang="en-US" b="1" dirty="0" smtClean="0"/>
+              <a:rPr lang="ko-KR" altLang="en-US" b="1" dirty="0"/>
               <a:t>인증 요청 시</a:t>
             </a:r>
             <a:r>
-              <a:rPr lang="en-US" altLang="ko-KR" b="1" dirty="0" smtClean="0"/>
+              <a:rPr lang="en-US" altLang="ko-KR" b="1" dirty="0"/>
               <a:t>:</a:t>
             </a:r>
           </a:p>
           <a:p>
             <a:r>
-              <a:rPr lang="en-US" altLang="ko-KR" b="1" dirty="0" smtClean="0"/>
+              <a:rPr lang="en-US" altLang="ko-KR" b="1" dirty="0"/>
               <a:t>Username</a:t>
             </a:r>
             <a:r>
-              <a:rPr lang="ko-KR" altLang="en-US" dirty="0" smtClean="0"/>
+              <a:rPr lang="ko-KR" altLang="en-US" dirty="0"/>
               <a:t>에는 → </a:t>
             </a:r>
             <a:r>
-              <a:rPr lang="en-US" altLang="ko-KR" dirty="0" smtClean="0"/>
+              <a:rPr lang="en-US" altLang="ko-KR" dirty="0"/>
               <a:t>GitHub </a:t>
             </a:r>
             <a:r>
-              <a:rPr lang="ko-KR" altLang="en-US" dirty="0" smtClean="0"/>
+              <a:rPr lang="ko-KR" altLang="en-US" dirty="0"/>
               <a:t>아이디</a:t>
             </a:r>
           </a:p>
           <a:p>
             <a:r>
-              <a:rPr lang="en-US" altLang="ko-KR" b="1" dirty="0" smtClean="0"/>
+              <a:rPr lang="en-US" altLang="ko-KR" b="1" dirty="0"/>
               <a:t>Password</a:t>
             </a:r>
             <a:r>
-              <a:rPr lang="ko-KR" altLang="en-US" dirty="0" smtClean="0"/>
+              <a:rPr lang="ko-KR" altLang="en-US" dirty="0"/>
               <a:t>에는 → **복사한 </a:t>
             </a:r>
             <a:r>
-              <a:rPr lang="en-US" altLang="ko-KR" dirty="0" smtClean="0"/>
+              <a:rPr lang="en-US" altLang="ko-KR" dirty="0"/>
               <a:t>PAT(</a:t>
             </a:r>
             <a:r>
-              <a:rPr lang="ko-KR" altLang="en-US" dirty="0" smtClean="0"/>
+              <a:rPr lang="ko-KR" altLang="en-US" dirty="0"/>
               <a:t>토큰</a:t>
             </a:r>
             <a:r>
-              <a:rPr lang="en-US" altLang="ko-KR" dirty="0" smtClean="0"/>
+              <a:rPr lang="en-US" altLang="ko-KR" dirty="0"/>
               <a:t>)**</a:t>
             </a:r>
             <a:r>
-              <a:rPr lang="ko-KR" altLang="en-US" dirty="0" smtClean="0"/>
+              <a:rPr lang="ko-KR" altLang="en-US" dirty="0"/>
               <a:t>을 </a:t>
             </a:r>
             <a:r>
-              <a:rPr lang="ko-KR" altLang="en-US" dirty="0" err="1" smtClean="0"/>
+              <a:rPr lang="ko-KR" altLang="en-US" dirty="0" err="1"/>
               <a:t>붙여넣기</a:t>
             </a:r>
             <a:r>
-              <a:rPr lang="en-US" altLang="ko-KR" dirty="0" smtClean="0"/>
+              <a:rPr lang="en-US" altLang="ko-KR" dirty="0"/>
               <a:t>!</a:t>
             </a:r>
           </a:p>
           <a:p>
-            <a:endParaRPr lang="en-US" altLang="ko-KR" dirty="0" smtClean="0"/>
-          </a:p>
-          <a:p>
-            <a:r>
-              <a:rPr lang="en-US" altLang="ko-KR" dirty="0" smtClean="0"/>
+            <a:endParaRPr lang="en-US" altLang="ko-KR" dirty="0"/>
+          </a:p>
+          <a:p>
+            <a:r>
+              <a:rPr lang="en-US" altLang="ko-KR" dirty="0"/>
               <a:t> </a:t>
             </a:r>
             <a:r>
-              <a:rPr lang="en-US" altLang="ko-KR" dirty="0" err="1" smtClean="0"/>
+              <a:rPr lang="en-US" altLang="ko-KR" dirty="0" err="1"/>
               <a:t>git</a:t>
             </a:r>
             <a:r>
-              <a:rPr lang="en-US" altLang="ko-KR" dirty="0" smtClean="0"/>
+              <a:rPr lang="en-US" altLang="ko-KR" dirty="0"/>
               <a:t> clone https://github.com/</a:t>
             </a:r>
             <a:r>
-              <a:rPr lang="ko-KR" altLang="en-US" dirty="0" smtClean="0"/>
+              <a:rPr lang="ko-KR" altLang="en-US" dirty="0"/>
               <a:t>사용자명</a:t>
             </a:r>
             <a:r>
-              <a:rPr lang="en-US" altLang="ko-KR" dirty="0" smtClean="0"/>
+              <a:rPr lang="en-US" altLang="ko-KR" dirty="0"/>
               <a:t>/</a:t>
             </a:r>
             <a:r>
-              <a:rPr lang="ko-KR" altLang="en-US" dirty="0" err="1" smtClean="0"/>
+              <a:rPr lang="ko-KR" altLang="en-US" dirty="0" err="1"/>
               <a:t>저장소명</a:t>
             </a:r>
             <a:r>
-              <a:rPr lang="en-US" altLang="ko-KR" dirty="0" smtClean="0"/>
+              <a:rPr lang="en-US" altLang="ko-KR" dirty="0"/>
               <a:t>.</a:t>
             </a:r>
             <a:r>
-              <a:rPr lang="en-US" altLang="ko-KR" dirty="0" err="1" smtClean="0"/>
+              <a:rPr lang="en-US" altLang="ko-KR" dirty="0" err="1"/>
               <a:t>git</a:t>
             </a:r>
             <a:r>
-              <a:rPr lang="en-US" altLang="ko-KR" dirty="0" smtClean="0"/>
+              <a:rPr lang="en-US" altLang="ko-KR" dirty="0"/>
               <a:t> </a:t>
             </a:r>
           </a:p>
           <a:p>
             <a:r>
-              <a:rPr lang="en-US" altLang="ko-KR" dirty="0" smtClean="0"/>
+              <a:rPr lang="en-US" altLang="ko-KR" dirty="0"/>
               <a:t>Username: Damon0527 </a:t>
             </a:r>
           </a:p>
           <a:p>
             <a:r>
-              <a:rPr lang="en-US" altLang="ko-KR" dirty="0" smtClean="0"/>
+              <a:rPr lang="en-US" altLang="ko-KR" dirty="0"/>
               <a:t>Password: [</a:t>
             </a:r>
             <a:r>
-              <a:rPr lang="ko-KR" altLang="en-US" dirty="0" smtClean="0"/>
+              <a:rPr lang="ko-KR" altLang="en-US" dirty="0"/>
               <a:t>방금 복사한 </a:t>
             </a:r>
             <a:r>
-              <a:rPr lang="en-US" altLang="ko-KR" dirty="0" smtClean="0"/>
+              <a:rPr lang="en-US" altLang="ko-KR" dirty="0"/>
               <a:t>PAT]</a:t>
             </a:r>
           </a:p>
           <a:p>
-            <a:endParaRPr lang="en-US" altLang="ko-KR" dirty="0" smtClean="0"/>
-          </a:p>
-          <a:p>
-            <a:r>
-              <a:rPr lang="ko-KR" altLang="en-US" dirty="0" smtClean="0"/>
+            <a:endParaRPr lang="en-US" altLang="ko-KR" dirty="0"/>
+          </a:p>
+          <a:p>
+            <a:r>
+              <a:rPr lang="ko-KR" altLang="en-US" dirty="0"/>
               <a:t>비공개 저장소를 </a:t>
             </a:r>
             <a:r>
-              <a:rPr lang="en-US" altLang="ko-KR" dirty="0" err="1" smtClean="0"/>
+              <a:rPr lang="en-US" altLang="ko-KR" dirty="0" err="1"/>
               <a:t>git</a:t>
             </a:r>
             <a:r>
-              <a:rPr lang="en-US" altLang="ko-KR" dirty="0" smtClean="0"/>
+              <a:rPr lang="en-US" altLang="ko-KR" dirty="0"/>
               <a:t> clone</a:t>
             </a:r>
             <a:r>
-              <a:rPr lang="ko-KR" altLang="en-US" dirty="0" smtClean="0"/>
+              <a:rPr lang="ko-KR" altLang="en-US" dirty="0"/>
               <a:t>하려고 할 때 </a:t>
             </a:r>
             <a:r>
-              <a:rPr lang="ko-KR" altLang="en-US" b="1" dirty="0" smtClean="0"/>
+              <a:rPr lang="ko-KR" altLang="en-US" b="1" dirty="0"/>
               <a:t>토큰을 누가 만들어야 하냐</a:t>
             </a:r>
             <a:r>
-              <a:rPr lang="en-US" altLang="ko-KR" b="1" dirty="0" smtClean="0"/>
+              <a:rPr lang="en-US" altLang="ko-KR" b="1" dirty="0"/>
               <a:t>?</a:t>
             </a:r>
-            <a:r>
-              <a:rPr lang="ko-KR" altLang="en-US" dirty="0" smtClean="0"/>
-              <a:t/>
-            </a:r>
             <a:br>
-              <a:rPr lang="ko-KR" altLang="en-US" dirty="0" smtClean="0"/>
+              <a:rPr lang="ko-KR" altLang="en-US" dirty="0"/>
             </a:br>
             <a:r>
-              <a:rPr lang="ko-KR" altLang="en-US" dirty="0" smtClean="0"/>
+              <a:rPr lang="ko-KR" altLang="en-US" dirty="0"/>
               <a:t>👉 </a:t>
             </a:r>
             <a:r>
-              <a:rPr lang="ko-KR" altLang="en-US" b="1" dirty="0" smtClean="0"/>
+              <a:rPr lang="ko-KR" altLang="en-US" b="1" dirty="0"/>
               <a:t>내가 아니라</a:t>
             </a:r>
             <a:r>
-              <a:rPr lang="en-US" altLang="ko-KR" b="1" dirty="0" smtClean="0"/>
+              <a:rPr lang="en-US" altLang="ko-KR" b="1" dirty="0"/>
               <a:t>, </a:t>
             </a:r>
             <a:r>
-              <a:rPr lang="ko-KR" altLang="en-US" b="1" dirty="0" smtClean="0"/>
+              <a:rPr lang="ko-KR" altLang="en-US" b="1" dirty="0"/>
               <a:t>저장소 주인이 만든 토큰을 입력해야 하나요</a:t>
             </a:r>
             <a:r>
-              <a:rPr lang="en-US" altLang="ko-KR" b="1" dirty="0" smtClean="0"/>
+              <a:rPr lang="en-US" altLang="ko-KR" b="1" dirty="0"/>
               <a:t>?</a:t>
             </a:r>
-            <a:endParaRPr lang="ko-KR" altLang="en-US" dirty="0" smtClean="0"/>
-          </a:p>
-          <a:p>
-            <a:r>
-              <a:rPr lang="ko-KR" altLang="en-US" b="1" dirty="0" smtClean="0"/>
+            <a:endParaRPr lang="ko-KR" altLang="en-US" dirty="0"/>
+          </a:p>
+          <a:p>
+            <a:r>
+              <a:rPr lang="ko-KR" altLang="en-US" b="1" dirty="0"/>
               <a:t>✅ 정답은</a:t>
             </a:r>
             <a:r>
-              <a:rPr lang="en-US" altLang="ko-KR" b="1" dirty="0" smtClean="0"/>
+              <a:rPr lang="en-US" altLang="ko-KR" b="1" dirty="0"/>
               <a:t>: ❌ </a:t>
             </a:r>
             <a:r>
-              <a:rPr lang="ko-KR" altLang="en-US" b="1" dirty="0" smtClean="0"/>
+              <a:rPr lang="ko-KR" altLang="en-US" b="1" dirty="0"/>
               <a:t>아니요</a:t>
             </a:r>
             <a:r>
-              <a:rPr lang="en-US" altLang="ko-KR" b="1" dirty="0" smtClean="0"/>
+              <a:rPr lang="en-US" altLang="ko-KR" b="1" dirty="0"/>
               <a:t>!</a:t>
             </a:r>
           </a:p>
           <a:p>
             <a:r>
-              <a:rPr lang="ko-KR" altLang="en-US" dirty="0" smtClean="0"/>
+              <a:rPr lang="ko-KR" altLang="en-US" dirty="0"/>
               <a:t>✅ </a:t>
             </a:r>
             <a:r>
-              <a:rPr lang="ko-KR" altLang="en-US" b="1" dirty="0" smtClean="0"/>
+              <a:rPr lang="ko-KR" altLang="en-US" b="1" dirty="0"/>
               <a:t>토큰은 </a:t>
             </a:r>
             <a:r>
-              <a:rPr lang="en-US" altLang="ko-KR" b="1" dirty="0" smtClean="0"/>
+              <a:rPr lang="en-US" altLang="ko-KR" b="1" dirty="0"/>
               <a:t>"</a:t>
             </a:r>
             <a:r>
-              <a:rPr lang="ko-KR" altLang="en-US" b="1" dirty="0" smtClean="0"/>
+              <a:rPr lang="ko-KR" altLang="en-US" b="1" dirty="0"/>
               <a:t>접근하려는 사람</a:t>
             </a:r>
             <a:r>
-              <a:rPr lang="en-US" altLang="ko-KR" b="1" dirty="0" smtClean="0"/>
+              <a:rPr lang="en-US" altLang="ko-KR" b="1" dirty="0"/>
               <a:t>", </a:t>
             </a:r>
             <a:r>
-              <a:rPr lang="ko-KR" altLang="en-US" b="1" dirty="0" smtClean="0"/>
+              <a:rPr lang="ko-KR" altLang="en-US" b="1" dirty="0"/>
               <a:t>즉 “내가” 만들어야 합니다</a:t>
             </a:r>
             <a:r>
-              <a:rPr lang="en-US" altLang="ko-KR" b="1" dirty="0" smtClean="0"/>
+              <a:rPr lang="en-US" altLang="ko-KR" b="1" dirty="0"/>
               <a:t>.</a:t>
             </a:r>
-            <a:endParaRPr lang="ko-KR" altLang="en-US" dirty="0" smtClean="0"/>
-          </a:p>
-          <a:p>
-            <a:endParaRPr lang="en-US" altLang="ko-KR" dirty="0" smtClean="0"/>
-          </a:p>
-          <a:p>
-            <a:r>
-              <a:rPr lang="en-US" altLang="ko-KR" dirty="0" smtClean="0"/>
+            <a:endParaRPr lang="ko-KR" altLang="en-US" dirty="0"/>
+          </a:p>
+          <a:p>
+            <a:endParaRPr lang="en-US" altLang="ko-KR" dirty="0"/>
+          </a:p>
+          <a:p>
+            <a:r>
+              <a:rPr lang="en-US" altLang="ko-KR" dirty="0"/>
               <a:t>GitHub </a:t>
             </a:r>
             <a:r>
-              <a:rPr lang="ko-KR" altLang="en-US" dirty="0" smtClean="0"/>
+              <a:rPr lang="ko-KR" altLang="en-US" dirty="0"/>
               <a:t>토큰</a:t>
             </a:r>
             <a:r>
-              <a:rPr lang="en-US" altLang="ko-KR" dirty="0" smtClean="0"/>
+              <a:rPr lang="en-US" altLang="ko-KR" dirty="0"/>
               <a:t>(PAT)</a:t>
             </a:r>
             <a:r>
-              <a:rPr lang="ko-KR" altLang="en-US" dirty="0" smtClean="0"/>
+              <a:rPr lang="ko-KR" altLang="en-US" dirty="0"/>
               <a:t>은 </a:t>
             </a:r>
             <a:r>
-              <a:rPr lang="en-US" altLang="ko-KR" b="1" dirty="0" smtClean="0"/>
+              <a:rPr lang="en-US" altLang="ko-KR" b="1" dirty="0"/>
               <a:t>GitHub </a:t>
             </a:r>
             <a:r>
-              <a:rPr lang="ko-KR" altLang="en-US" b="1" dirty="0" smtClean="0"/>
+              <a:rPr lang="ko-KR" altLang="en-US" b="1" dirty="0"/>
               <a:t>로그인할 때 비밀번호를 대체하는 나만의 인증 수단</a:t>
             </a:r>
             <a:r>
-              <a:rPr lang="ko-KR" altLang="en-US" dirty="0" smtClean="0"/>
+              <a:rPr lang="ko-KR" altLang="en-US" dirty="0"/>
               <a:t>입니다</a:t>
             </a:r>
             <a:r>
-              <a:rPr lang="en-US" altLang="ko-KR" dirty="0" smtClean="0"/>
+              <a:rPr lang="en-US" altLang="ko-KR" dirty="0"/>
               <a:t>.</a:t>
             </a:r>
           </a:p>
           <a:p>
             <a:r>
-              <a:rPr lang="en-US" altLang="ko-KR" dirty="0" smtClean="0"/>
+              <a:rPr lang="en-US" altLang="ko-KR" dirty="0"/>
               <a:t>GitHub </a:t>
             </a:r>
             <a:r>
-              <a:rPr lang="ko-KR" altLang="en-US" dirty="0" smtClean="0"/>
+              <a:rPr lang="ko-KR" altLang="en-US" dirty="0"/>
               <a:t>서버는 “지금 로그인하려는 사람이 </a:t>
             </a:r>
             <a:r>
-              <a:rPr lang="ko-KR" altLang="en-US" dirty="0" err="1" smtClean="0"/>
+              <a:rPr lang="ko-KR" altLang="en-US" dirty="0" err="1"/>
               <a:t>누구인지”를</a:t>
             </a:r>
             <a:r>
-              <a:rPr lang="ko-KR" altLang="en-US" dirty="0" smtClean="0"/>
+              <a:rPr lang="ko-KR" altLang="en-US" dirty="0"/>
               <a:t> </a:t>
             </a:r>
             <a:r>
-              <a:rPr lang="ko-KR" altLang="en-US" b="1" dirty="0" smtClean="0"/>
+              <a:rPr lang="ko-KR" altLang="en-US" b="1" dirty="0"/>
               <a:t>내 토큰을 통해 식별</a:t>
             </a:r>
             <a:r>
-              <a:rPr lang="ko-KR" altLang="en-US" dirty="0" smtClean="0"/>
+              <a:rPr lang="ko-KR" altLang="en-US" dirty="0"/>
               <a:t>합니다</a:t>
             </a:r>
             <a:r>
-              <a:rPr lang="en-US" altLang="ko-KR" dirty="0" smtClean="0"/>
+              <a:rPr lang="en-US" altLang="ko-KR" dirty="0"/>
               <a:t>.</a:t>
             </a:r>
           </a:p>
           <a:p>
             <a:r>
-              <a:rPr lang="ko-KR" altLang="en-US" b="1" dirty="0" smtClean="0"/>
+              <a:rPr lang="ko-KR" altLang="en-US" b="1" dirty="0"/>
               <a:t>내 토큰을 입력해야 → 내 </a:t>
             </a:r>
             <a:r>
-              <a:rPr lang="en-US" altLang="ko-KR" b="1" dirty="0" smtClean="0"/>
+              <a:rPr lang="en-US" altLang="ko-KR" b="1" dirty="0"/>
               <a:t>GitHub </a:t>
             </a:r>
             <a:r>
-              <a:rPr lang="ko-KR" altLang="en-US" b="1" dirty="0" smtClean="0"/>
+              <a:rPr lang="ko-KR" altLang="en-US" b="1" dirty="0"/>
               <a:t>계정으로 인증이 되기 때문에</a:t>
             </a:r>
           </a:p>
           <a:p>
             <a:r>
-              <a:rPr lang="ko-KR" altLang="en-US" dirty="0" smtClean="0"/>
+              <a:rPr lang="ko-KR" altLang="en-US" dirty="0"/>
               <a:t>그 작업</a:t>
             </a:r>
             <a:r>
-              <a:rPr lang="en-US" altLang="ko-KR" dirty="0" smtClean="0"/>
+              <a:rPr lang="en-US" altLang="ko-KR" dirty="0"/>
               <a:t>(clone, push, pull)</a:t>
             </a:r>
             <a:r>
-              <a:rPr lang="ko-KR" altLang="en-US" dirty="0" smtClean="0"/>
+              <a:rPr lang="ko-KR" altLang="en-US" dirty="0"/>
               <a:t>을 </a:t>
             </a:r>
             <a:r>
-              <a:rPr lang="en-US" altLang="ko-KR" b="1" dirty="0" smtClean="0"/>
+              <a:rPr lang="en-US" altLang="ko-KR" b="1" dirty="0"/>
               <a:t>"</a:t>
             </a:r>
             <a:r>
-              <a:rPr lang="ko-KR" altLang="en-US" b="1" dirty="0" smtClean="0"/>
+              <a:rPr lang="ko-KR" altLang="en-US" b="1" dirty="0"/>
               <a:t>내가 했다</a:t>
             </a:r>
             <a:r>
-              <a:rPr lang="en-US" altLang="ko-KR" b="1" dirty="0" smtClean="0"/>
+              <a:rPr lang="en-US" altLang="ko-KR" b="1" dirty="0"/>
               <a:t>"</a:t>
             </a:r>
             <a:r>
-              <a:rPr lang="ko-KR" altLang="en-US" b="1" dirty="0" smtClean="0"/>
+              <a:rPr lang="ko-KR" altLang="en-US" b="1" dirty="0"/>
               <a:t>는 기록이 남습니다</a:t>
             </a:r>
             <a:r>
-              <a:rPr lang="en-US" altLang="ko-KR" b="1" dirty="0" smtClean="0"/>
+              <a:rPr lang="en-US" altLang="ko-KR" b="1" dirty="0"/>
               <a:t>.</a:t>
             </a:r>
-            <a:endParaRPr lang="ko-KR" altLang="en-US" dirty="0" smtClean="0"/>
-          </a:p>
-          <a:p>
-            <a:endParaRPr lang="en-US" altLang="ko-KR" dirty="0" smtClean="0"/>
+            <a:endParaRPr lang="ko-KR" altLang="en-US" dirty="0"/>
+          </a:p>
+          <a:p>
+            <a:endParaRPr lang="en-US" altLang="ko-KR" dirty="0"/>
           </a:p>
           <a:p>
             <a:endParaRPr lang="ko-KR" altLang="en-US" dirty="0"/>
@@ -8322,211 +8264,207 @@
           <a:lstStyle/>
           <a:p>
             <a:r>
-              <a:rPr lang="en-US" altLang="ko-KR" dirty="0" err="1" smtClean="0"/>
+              <a:rPr lang="en-US" altLang="ko-KR" dirty="0" err="1"/>
               <a:t>git</a:t>
             </a:r>
             <a:r>
-              <a:rPr lang="en-US" altLang="ko-KR" dirty="0" smtClean="0"/>
+              <a:rPr lang="en-US" altLang="ko-KR" dirty="0"/>
               <a:t> push -u origin main</a:t>
             </a:r>
           </a:p>
           <a:p>
             <a:r>
-              <a:rPr lang="en-US" altLang="ko-KR" dirty="0" err="1" smtClean="0"/>
+              <a:rPr lang="en-US" altLang="ko-KR" dirty="0" err="1"/>
               <a:t>git</a:t>
             </a:r>
             <a:r>
-              <a:rPr lang="en-US" altLang="ko-KR" dirty="0" smtClean="0"/>
+              <a:rPr lang="en-US" altLang="ko-KR" dirty="0"/>
               <a:t> push -u origin master</a:t>
             </a:r>
           </a:p>
           <a:p>
-            <a:endParaRPr lang="en-US" altLang="ko-KR" dirty="0" smtClean="0"/>
-          </a:p>
-          <a:p>
-            <a:r>
-              <a:rPr lang="en-US" altLang="ko-KR" b="1" dirty="0" smtClean="0"/>
+            <a:endParaRPr lang="en-US" altLang="ko-KR" dirty="0"/>
+          </a:p>
+          <a:p>
+            <a:r>
+              <a:rPr lang="en-US" altLang="ko-KR" b="1" dirty="0"/>
               <a:t>-u = --set-upstream </a:t>
             </a:r>
             <a:r>
-              <a:rPr lang="ko-KR" altLang="en-US" b="1" dirty="0" smtClean="0"/>
+              <a:rPr lang="ko-KR" altLang="en-US" b="1" dirty="0"/>
               <a:t>옵션의 </a:t>
             </a:r>
             <a:r>
-              <a:rPr lang="ko-KR" altLang="en-US" b="1" dirty="0" err="1" smtClean="0"/>
+              <a:rPr lang="ko-KR" altLang="en-US" b="1" dirty="0" err="1"/>
               <a:t>줄임말</a:t>
             </a:r>
-            <a:r>
-              <a:rPr lang="ko-KR" altLang="en-US" dirty="0" smtClean="0"/>
-              <a:t/>
-            </a:r>
             <a:br>
-              <a:rPr lang="ko-KR" altLang="en-US" dirty="0" smtClean="0"/>
+              <a:rPr lang="ko-KR" altLang="en-US" dirty="0"/>
             </a:br>
             <a:r>
-              <a:rPr lang="ko-KR" altLang="en-US" dirty="0" smtClean="0"/>
+              <a:rPr lang="ko-KR" altLang="en-US" dirty="0"/>
               <a:t>→ </a:t>
             </a:r>
             <a:r>
-              <a:rPr lang="ko-KR" altLang="en-US" b="1" dirty="0" smtClean="0"/>
+              <a:rPr lang="ko-KR" altLang="en-US" b="1" dirty="0"/>
               <a:t>이 </a:t>
             </a:r>
             <a:r>
-              <a:rPr lang="ko-KR" altLang="en-US" b="1" dirty="0" err="1" smtClean="0"/>
+              <a:rPr lang="ko-KR" altLang="en-US" b="1" dirty="0" err="1"/>
               <a:t>브랜치와</a:t>
             </a:r>
             <a:r>
-              <a:rPr lang="ko-KR" altLang="en-US" b="1" dirty="0" smtClean="0"/>
+              <a:rPr lang="ko-KR" altLang="en-US" b="1" dirty="0"/>
               <a:t> 원격 </a:t>
             </a:r>
             <a:r>
-              <a:rPr lang="ko-KR" altLang="en-US" b="1" dirty="0" err="1" smtClean="0"/>
+              <a:rPr lang="ko-KR" altLang="en-US" b="1" dirty="0" err="1"/>
               <a:t>브랜치를</a:t>
             </a:r>
             <a:r>
-              <a:rPr lang="ko-KR" altLang="en-US" b="1" dirty="0" smtClean="0"/>
+              <a:rPr lang="ko-KR" altLang="en-US" b="1" dirty="0"/>
               <a:t> 연결</a:t>
             </a:r>
             <a:r>
-              <a:rPr lang="en-US" altLang="ko-KR" b="1" dirty="0" smtClean="0"/>
+              <a:rPr lang="en-US" altLang="ko-KR" b="1" dirty="0"/>
               <a:t>(tracking)</a:t>
             </a:r>
             <a:r>
-              <a:rPr lang="ko-KR" altLang="en-US" b="1" dirty="0" smtClean="0"/>
+              <a:rPr lang="ko-KR" altLang="en-US" b="1" dirty="0"/>
               <a:t>해줘</a:t>
             </a:r>
             <a:r>
-              <a:rPr lang="en-US" altLang="ko-KR" b="1" dirty="0" smtClean="0"/>
+              <a:rPr lang="en-US" altLang="ko-KR" b="1" dirty="0"/>
               <a:t>!</a:t>
             </a:r>
             <a:r>
-              <a:rPr lang="ko-KR" altLang="en-US" dirty="0" smtClean="0"/>
+              <a:rPr lang="ko-KR" altLang="en-US" dirty="0"/>
               <a:t> 라는 뜻입니다</a:t>
             </a:r>
             <a:r>
-              <a:rPr lang="en-US" altLang="ko-KR" dirty="0" smtClean="0"/>
+              <a:rPr lang="en-US" altLang="ko-KR" dirty="0"/>
               <a:t>.</a:t>
             </a:r>
           </a:p>
           <a:p>
             <a:r>
-              <a:rPr lang="en-US" altLang="ko-KR" dirty="0" smtClean="0"/>
+              <a:rPr lang="en-US" altLang="ko-KR" dirty="0"/>
               <a:t>push</a:t>
             </a:r>
             <a:r>
-              <a:rPr lang="ko-KR" altLang="en-US" dirty="0" smtClean="0"/>
+              <a:rPr lang="ko-KR" altLang="en-US" dirty="0"/>
               <a:t>하면서 </a:t>
             </a:r>
             <a:r>
-              <a:rPr lang="ko-KR" altLang="en-US" b="1" dirty="0" smtClean="0"/>
+              <a:rPr lang="ko-KR" altLang="en-US" b="1" dirty="0"/>
               <a:t>로컬의 </a:t>
             </a:r>
             <a:r>
-              <a:rPr lang="en-US" altLang="ko-KR" b="1" dirty="0" smtClean="0"/>
+              <a:rPr lang="en-US" altLang="ko-KR" b="1" dirty="0"/>
               <a:t>main </a:t>
             </a:r>
             <a:r>
-              <a:rPr lang="ko-KR" altLang="en-US" b="1" dirty="0" err="1" smtClean="0"/>
+              <a:rPr lang="ko-KR" altLang="en-US" b="1" dirty="0" err="1"/>
               <a:t>브랜치가</a:t>
             </a:r>
             <a:r>
-              <a:rPr lang="ko-KR" altLang="en-US" b="1" dirty="0" smtClean="0"/>
+              <a:rPr lang="ko-KR" altLang="en-US" b="1" dirty="0"/>
               <a:t> 원격 </a:t>
             </a:r>
             <a:r>
-              <a:rPr lang="en-US" altLang="ko-KR" b="1" dirty="0" smtClean="0"/>
+              <a:rPr lang="en-US" altLang="ko-KR" b="1" dirty="0"/>
               <a:t>origin/main</a:t>
             </a:r>
             <a:r>
-              <a:rPr lang="ko-KR" altLang="en-US" b="1" dirty="0" smtClean="0"/>
+              <a:rPr lang="ko-KR" altLang="en-US" b="1" dirty="0"/>
               <a:t>과 연결됨</a:t>
             </a:r>
-            <a:endParaRPr lang="en-US" altLang="ko-KR" b="1" dirty="0" smtClean="0"/>
-          </a:p>
-          <a:p>
-            <a:endParaRPr lang="en-US" altLang="ko-KR" dirty="0" smtClean="0"/>
-          </a:p>
-          <a:p>
-            <a:r>
-              <a:rPr lang="ko-KR" altLang="en-US" b="1" dirty="0" smtClean="0"/>
+            <a:endParaRPr lang="en-US" altLang="ko-KR" b="1" dirty="0"/>
+          </a:p>
+          <a:p>
+            <a:endParaRPr lang="en-US" altLang="ko-KR" dirty="0"/>
+          </a:p>
+          <a:p>
+            <a:r>
+              <a:rPr lang="ko-KR" altLang="en-US" b="1" dirty="0"/>
               <a:t>그럼 </a:t>
             </a:r>
             <a:r>
-              <a:rPr lang="en-US" altLang="ko-KR" b="1" dirty="0" smtClean="0"/>
+              <a:rPr lang="en-US" altLang="ko-KR" b="1" dirty="0"/>
               <a:t>"Tracking Branch(</a:t>
             </a:r>
             <a:r>
-              <a:rPr lang="ko-KR" altLang="en-US" b="1" dirty="0" err="1" smtClean="0"/>
+              <a:rPr lang="ko-KR" altLang="en-US" b="1" dirty="0" err="1"/>
               <a:t>트래킹</a:t>
             </a:r>
             <a:r>
-              <a:rPr lang="ko-KR" altLang="en-US" b="1" dirty="0" smtClean="0"/>
+              <a:rPr lang="ko-KR" altLang="en-US" b="1" dirty="0"/>
               <a:t> </a:t>
             </a:r>
             <a:r>
-              <a:rPr lang="ko-KR" altLang="en-US" b="1" dirty="0" err="1" smtClean="0"/>
+              <a:rPr lang="ko-KR" altLang="en-US" b="1" dirty="0" err="1"/>
               <a:t>브랜치</a:t>
             </a:r>
             <a:r>
-              <a:rPr lang="en-US" altLang="ko-KR" b="1" dirty="0" smtClean="0"/>
+              <a:rPr lang="en-US" altLang="ko-KR" b="1" dirty="0"/>
               <a:t>)"</a:t>
             </a:r>
             <a:r>
-              <a:rPr lang="ko-KR" altLang="en-US" b="1" dirty="0" smtClean="0"/>
+              <a:rPr lang="ko-KR" altLang="en-US" b="1" dirty="0"/>
               <a:t>가 뭐예요</a:t>
             </a:r>
             <a:r>
-              <a:rPr lang="en-US" altLang="ko-KR" b="1" dirty="0" smtClean="0"/>
+              <a:rPr lang="en-US" altLang="ko-KR" b="1" dirty="0"/>
               <a:t>?</a:t>
             </a:r>
           </a:p>
           <a:p>
             <a:r>
-              <a:rPr lang="ko-KR" altLang="en-US" b="1" dirty="0" smtClean="0"/>
+              <a:rPr lang="ko-KR" altLang="en-US" b="1" dirty="0"/>
               <a:t>로컬 </a:t>
             </a:r>
             <a:r>
-              <a:rPr lang="ko-KR" altLang="en-US" b="1" dirty="0" err="1" smtClean="0"/>
+              <a:rPr lang="ko-KR" altLang="en-US" b="1" dirty="0" err="1"/>
               <a:t>브랜치와</a:t>
             </a:r>
             <a:r>
-              <a:rPr lang="ko-KR" altLang="en-US" b="1" dirty="0" smtClean="0"/>
+              <a:rPr lang="ko-KR" altLang="en-US" b="1" dirty="0"/>
               <a:t> 원격 </a:t>
             </a:r>
             <a:r>
-              <a:rPr lang="ko-KR" altLang="en-US" b="1" dirty="0" err="1" smtClean="0"/>
+              <a:rPr lang="ko-KR" altLang="en-US" b="1" dirty="0" err="1"/>
               <a:t>브랜치를</a:t>
             </a:r>
             <a:r>
-              <a:rPr lang="ko-KR" altLang="en-US" b="1" dirty="0" smtClean="0"/>
+              <a:rPr lang="ko-KR" altLang="en-US" b="1" dirty="0"/>
               <a:t> 연결해주는 관계</a:t>
             </a:r>
-            <a:endParaRPr lang="ko-KR" altLang="en-US" dirty="0" smtClean="0"/>
-          </a:p>
-          <a:p>
-            <a:r>
-              <a:rPr lang="en-US" altLang="ko-KR" dirty="0" smtClean="0"/>
+            <a:endParaRPr lang="ko-KR" altLang="en-US" dirty="0"/>
+          </a:p>
+          <a:p>
+            <a:r>
+              <a:rPr lang="en-US" altLang="ko-KR" dirty="0"/>
               <a:t>-u</a:t>
             </a:r>
             <a:r>
-              <a:rPr lang="ko-KR" altLang="en-US" dirty="0" smtClean="0"/>
+              <a:rPr lang="ko-KR" altLang="en-US" dirty="0"/>
               <a:t>를 사용하면 이후엔 굳이 </a:t>
             </a:r>
             <a:r>
-              <a:rPr lang="en-US" altLang="ko-KR" dirty="0" smtClean="0"/>
+              <a:rPr lang="en-US" altLang="ko-KR" dirty="0"/>
               <a:t>origin main </a:t>
             </a:r>
             <a:r>
-              <a:rPr lang="ko-KR" altLang="en-US" dirty="0" smtClean="0"/>
+              <a:rPr lang="ko-KR" altLang="en-US" dirty="0"/>
               <a:t>안 써도 됩니다</a:t>
             </a:r>
             <a:r>
-              <a:rPr lang="en-US" altLang="ko-KR" dirty="0" smtClean="0"/>
+              <a:rPr lang="en-US" altLang="ko-KR" dirty="0"/>
               <a:t>.</a:t>
             </a:r>
           </a:p>
           <a:p>
-            <a:endParaRPr lang="en-US" altLang="ko-KR" dirty="0" smtClean="0"/>
+            <a:endParaRPr lang="en-US" altLang="ko-KR" dirty="0"/>
           </a:p>
           <a:p>
             <a:endParaRPr lang="ko-KR" altLang="en-US" dirty="0"/>
@@ -8614,79 +8552,79 @@
           <a:lstStyle/>
           <a:p>
             <a:r>
-              <a:rPr lang="en-US" altLang="ko-KR" dirty="0" err="1" smtClean="0"/>
+              <a:rPr lang="en-US" altLang="ko-KR" dirty="0" err="1"/>
               <a:t>git</a:t>
             </a:r>
             <a:r>
-              <a:rPr lang="en-US" altLang="ko-KR" dirty="0" smtClean="0"/>
+              <a:rPr lang="en-US" altLang="ko-KR" dirty="0"/>
               <a:t> clone https://github.com/</a:t>
             </a:r>
             <a:r>
-              <a:rPr lang="ko-KR" altLang="en-US" dirty="0" smtClean="0"/>
+              <a:rPr lang="ko-KR" altLang="en-US" dirty="0"/>
               <a:t>사용자아이디</a:t>
             </a:r>
             <a:r>
-              <a:rPr lang="en-US" altLang="ko-KR" dirty="0" smtClean="0"/>
+              <a:rPr lang="en-US" altLang="ko-KR" dirty="0"/>
               <a:t>/</a:t>
             </a:r>
             <a:r>
-              <a:rPr lang="en-US" altLang="ko-KR" dirty="0" err="1" smtClean="0"/>
+              <a:rPr lang="en-US" altLang="ko-KR" dirty="0" err="1"/>
               <a:t>MyTestRepo.git</a:t>
             </a:r>
-            <a:endParaRPr lang="en-US" altLang="ko-KR" dirty="0" smtClean="0"/>
-          </a:p>
-          <a:p>
-            <a:r>
-              <a:rPr lang="en-US" altLang="ko-KR" dirty="0" smtClean="0"/>
+            <a:endParaRPr lang="en-US" altLang="ko-KR" dirty="0"/>
+          </a:p>
+          <a:p>
+            <a:r>
+              <a:rPr lang="en-US" altLang="ko-KR" dirty="0"/>
               <a:t>cd </a:t>
             </a:r>
             <a:r>
-              <a:rPr lang="en-US" altLang="ko-KR" dirty="0" err="1" smtClean="0"/>
+              <a:rPr lang="en-US" altLang="ko-KR" dirty="0" err="1"/>
               <a:t>MyTestRepo</a:t>
             </a:r>
-            <a:endParaRPr lang="en-US" altLang="ko-KR" dirty="0" smtClean="0"/>
-          </a:p>
-          <a:p>
-            <a:r>
-              <a:rPr lang="en-US" altLang="ko-KR" dirty="0" smtClean="0"/>
+            <a:endParaRPr lang="en-US" altLang="ko-KR" dirty="0"/>
+          </a:p>
+          <a:p>
+            <a:r>
+              <a:rPr lang="en-US" altLang="ko-KR" dirty="0"/>
               <a:t>echo "</a:t>
             </a:r>
             <a:r>
-              <a:rPr lang="ko-KR" altLang="en-US" dirty="0" smtClean="0"/>
+              <a:rPr lang="ko-KR" altLang="en-US" dirty="0"/>
               <a:t>이건 새로 만든 파일입니다</a:t>
             </a:r>
             <a:r>
-              <a:rPr lang="en-US" altLang="ko-KR" dirty="0" smtClean="0"/>
+              <a:rPr lang="en-US" altLang="ko-KR" dirty="0"/>
               <a:t>" &gt; new_file.txt</a:t>
             </a:r>
           </a:p>
           <a:p>
             <a:r>
-              <a:rPr lang="en-US" altLang="ko-KR" dirty="0" err="1" smtClean="0"/>
+              <a:rPr lang="en-US" altLang="ko-KR" dirty="0" err="1"/>
               <a:t>git</a:t>
             </a:r>
             <a:r>
-              <a:rPr lang="en-US" altLang="ko-KR" dirty="0" smtClean="0"/>
+              <a:rPr lang="en-US" altLang="ko-KR" dirty="0"/>
               <a:t> add new_file.txt</a:t>
             </a:r>
           </a:p>
           <a:p>
             <a:r>
-              <a:rPr lang="en-US" altLang="ko-KR" dirty="0" err="1" smtClean="0"/>
+              <a:rPr lang="en-US" altLang="ko-KR" dirty="0" err="1"/>
               <a:t>git</a:t>
             </a:r>
             <a:r>
-              <a:rPr lang="en-US" altLang="ko-KR" dirty="0" smtClean="0"/>
+              <a:rPr lang="en-US" altLang="ko-KR" dirty="0"/>
               <a:t> commit -m "Add new_file.txt"</a:t>
             </a:r>
           </a:p>
           <a:p>
             <a:r>
-              <a:rPr lang="en-US" altLang="ko-KR" dirty="0" err="1" smtClean="0"/>
+              <a:rPr lang="en-US" altLang="ko-KR" dirty="0" err="1"/>
               <a:t>git</a:t>
             </a:r>
             <a:r>
-              <a:rPr lang="en-US" altLang="ko-KR" dirty="0" smtClean="0"/>
+              <a:rPr lang="en-US" altLang="ko-KR" dirty="0"/>
               <a:t> push origin main</a:t>
             </a:r>
           </a:p>
@@ -8775,523 +8713,6 @@
           <a:bodyPr/>
           <a:lstStyle/>
           <a:p>
-            <a:r>
-              <a:rPr lang="ko-KR" altLang="en-US" b="1" dirty="0" smtClean="0"/>
-              <a:t>✅ </a:t>
-            </a:r>
-            <a:r>
-              <a:rPr lang="en-US" altLang="ko-KR" b="1" dirty="0" smtClean="0"/>
-              <a:t>origin</a:t>
-            </a:r>
-            <a:r>
-              <a:rPr lang="ko-KR" altLang="en-US" b="1" dirty="0" smtClean="0"/>
-              <a:t>이란</a:t>
-            </a:r>
-            <a:r>
-              <a:rPr lang="en-US" altLang="ko-KR" b="1" dirty="0" smtClean="0"/>
-              <a:t>?</a:t>
-            </a:r>
-          </a:p>
-          <a:p>
-            <a:r>
-              <a:rPr lang="ko-KR" altLang="en-US" b="1" dirty="0" smtClean="0"/>
-              <a:t>원격 저장소</a:t>
-            </a:r>
-            <a:r>
-              <a:rPr lang="en-US" altLang="ko-KR" b="1" dirty="0" smtClean="0"/>
-              <a:t>(Remote Repository)</a:t>
-            </a:r>
-            <a:r>
-              <a:rPr lang="ko-KR" altLang="en-US" b="1" dirty="0" smtClean="0"/>
-              <a:t>의 </a:t>
-            </a:r>
-            <a:r>
-              <a:rPr lang="en-US" altLang="ko-KR" b="1" dirty="0" smtClean="0"/>
-              <a:t>"</a:t>
-            </a:r>
-            <a:r>
-              <a:rPr lang="ko-KR" altLang="en-US" b="1" dirty="0" smtClean="0"/>
-              <a:t>별명</a:t>
-            </a:r>
-            <a:r>
-              <a:rPr lang="en-US" altLang="ko-KR" b="1" dirty="0" smtClean="0"/>
-              <a:t>(</a:t>
-            </a:r>
-            <a:r>
-              <a:rPr lang="ko-KR" altLang="en-US" b="1" dirty="0" smtClean="0"/>
-              <a:t>이름</a:t>
-            </a:r>
-            <a:r>
-              <a:rPr lang="en-US" altLang="ko-KR" b="1" dirty="0" smtClean="0"/>
-              <a:t>)"</a:t>
-            </a:r>
-            <a:r>
-              <a:rPr lang="ko-KR" altLang="en-US" b="1" dirty="0" smtClean="0"/>
-              <a:t>입니다</a:t>
-            </a:r>
-            <a:r>
-              <a:rPr lang="en-US" altLang="ko-KR" b="1" dirty="0" smtClean="0"/>
-              <a:t>.</a:t>
-            </a:r>
-            <a:endParaRPr lang="ko-KR" altLang="en-US" dirty="0" smtClean="0"/>
-          </a:p>
-          <a:p>
-            <a:r>
-              <a:rPr lang="en-US" altLang="ko-KR" dirty="0" err="1" smtClean="0"/>
-              <a:t>Git</a:t>
-            </a:r>
-            <a:r>
-              <a:rPr lang="ko-KR" altLang="en-US" dirty="0" smtClean="0"/>
-              <a:t>에서 원격 저장소</a:t>
-            </a:r>
-            <a:r>
-              <a:rPr lang="en-US" altLang="ko-KR" dirty="0" smtClean="0"/>
-              <a:t>(</a:t>
-            </a:r>
-            <a:r>
-              <a:rPr lang="ko-KR" altLang="en-US" dirty="0" smtClean="0"/>
-              <a:t>예</a:t>
-            </a:r>
-            <a:r>
-              <a:rPr lang="en-US" altLang="ko-KR" dirty="0" smtClean="0"/>
-              <a:t>: GitHub</a:t>
-            </a:r>
-            <a:r>
-              <a:rPr lang="ko-KR" altLang="en-US" dirty="0" smtClean="0"/>
-              <a:t>에 있는 저장소</a:t>
-            </a:r>
-            <a:r>
-              <a:rPr lang="en-US" altLang="ko-KR" dirty="0" smtClean="0"/>
-              <a:t>)</a:t>
-            </a:r>
-            <a:r>
-              <a:rPr lang="ko-KR" altLang="en-US" dirty="0" smtClean="0"/>
-              <a:t>를 연결할 때</a:t>
-            </a:r>
-            <a:br>
-              <a:rPr lang="ko-KR" altLang="en-US" dirty="0" smtClean="0"/>
-            </a:br>
-            <a:r>
-              <a:rPr lang="ko-KR" altLang="en-US" dirty="0" smtClean="0"/>
-              <a:t>매번 긴 주소를 쓰기 불편하니까</a:t>
-            </a:r>
-            <a:r>
-              <a:rPr lang="en-US" altLang="ko-KR" dirty="0" smtClean="0"/>
-              <a:t>,</a:t>
-            </a:r>
-            <a:br>
-              <a:rPr lang="en-US" altLang="ko-KR" dirty="0" smtClean="0"/>
-            </a:br>
-            <a:r>
-              <a:rPr lang="ko-KR" altLang="en-US" b="1" dirty="0" smtClean="0"/>
-              <a:t>짧은 별명을 하나 붙여두는 것</a:t>
-            </a:r>
-            <a:r>
-              <a:rPr lang="ko-KR" altLang="en-US" dirty="0" smtClean="0"/>
-              <a:t>이에요</a:t>
-            </a:r>
-            <a:r>
-              <a:rPr lang="en-US" altLang="ko-KR" dirty="0" smtClean="0"/>
-              <a:t>.</a:t>
-            </a:r>
-          </a:p>
-          <a:p>
-            <a:endParaRPr lang="en-US" altLang="ko-KR" dirty="0" smtClean="0"/>
-          </a:p>
-          <a:p>
-            <a:r>
-              <a:rPr lang="ko-KR" altLang="en-US" b="1" dirty="0" smtClean="0"/>
-              <a:t>✅ 그러면 </a:t>
-            </a:r>
-            <a:r>
-              <a:rPr lang="en-US" altLang="ko-KR" b="1" dirty="0" smtClean="0"/>
-              <a:t>origin</a:t>
-            </a:r>
-            <a:r>
-              <a:rPr lang="ko-KR" altLang="en-US" b="1" dirty="0" smtClean="0"/>
-              <a:t>은 뭘 의미하나요</a:t>
-            </a:r>
-            <a:r>
-              <a:rPr lang="en-US" altLang="ko-KR" b="1" dirty="0" smtClean="0"/>
-              <a:t>?</a:t>
-            </a:r>
-          </a:p>
-          <a:p>
-            <a:r>
-              <a:rPr lang="en-US" altLang="ko-KR" dirty="0" smtClean="0"/>
-              <a:t>"</a:t>
-            </a:r>
-            <a:r>
-              <a:rPr lang="ko-KR" altLang="en-US" dirty="0" smtClean="0"/>
-              <a:t>이 </a:t>
-            </a:r>
-            <a:r>
-              <a:rPr lang="en-US" altLang="ko-KR" dirty="0" smtClean="0"/>
-              <a:t>GitHub </a:t>
-            </a:r>
-            <a:r>
-              <a:rPr lang="ko-KR" altLang="en-US" dirty="0" smtClean="0"/>
-              <a:t>주소를 </a:t>
-            </a:r>
-            <a:r>
-              <a:rPr lang="en-US" altLang="ko-KR" dirty="0" smtClean="0"/>
-              <a:t>origin</a:t>
-            </a:r>
-            <a:r>
-              <a:rPr lang="ko-KR" altLang="en-US" dirty="0" smtClean="0"/>
-              <a:t>이라고 부르자</a:t>
-            </a:r>
-            <a:r>
-              <a:rPr lang="en-US" altLang="ko-KR" dirty="0" smtClean="0"/>
-              <a:t>" </a:t>
-            </a:r>
-            <a:r>
-              <a:rPr lang="ko-KR" altLang="en-US" dirty="0" smtClean="0"/>
-              <a:t>라고 약속하는 거예요</a:t>
-            </a:r>
-            <a:r>
-              <a:rPr lang="en-US" altLang="ko-KR" dirty="0" smtClean="0"/>
-              <a:t>.</a:t>
-            </a:r>
-          </a:p>
-          <a:p>
-            <a:endParaRPr lang="en-US" altLang="ko-KR" dirty="0" smtClean="0"/>
-          </a:p>
-          <a:p>
-            <a:r>
-              <a:rPr lang="ko-KR" altLang="en-US" b="1" dirty="0" smtClean="0"/>
-              <a:t>✅ 꼭 이름이 </a:t>
-            </a:r>
-            <a:r>
-              <a:rPr lang="en-US" altLang="ko-KR" b="1" dirty="0" smtClean="0"/>
-              <a:t>origin</a:t>
-            </a:r>
-            <a:r>
-              <a:rPr lang="ko-KR" altLang="en-US" b="1" dirty="0" smtClean="0"/>
-              <a:t>이어야 하나요</a:t>
-            </a:r>
-            <a:r>
-              <a:rPr lang="en-US" altLang="ko-KR" b="1" dirty="0" smtClean="0"/>
-              <a:t>?</a:t>
-            </a:r>
-          </a:p>
-          <a:p>
-            <a:r>
-              <a:rPr lang="ko-KR" altLang="en-US" dirty="0" smtClean="0"/>
-              <a:t>❌ 아닙니다</a:t>
-            </a:r>
-            <a:r>
-              <a:rPr lang="en-US" altLang="ko-KR" dirty="0" smtClean="0"/>
-              <a:t>!</a:t>
-            </a:r>
-            <a:br>
-              <a:rPr lang="en-US" altLang="ko-KR" dirty="0" smtClean="0"/>
-            </a:br>
-            <a:r>
-              <a:rPr lang="ko-KR" altLang="en-US" dirty="0" smtClean="0"/>
-              <a:t>원한다면 다른 이름도 붙일 수 있습니다</a:t>
-            </a:r>
-            <a:r>
-              <a:rPr lang="en-US" altLang="ko-KR" dirty="0" smtClean="0"/>
-              <a:t>.</a:t>
-            </a:r>
-          </a:p>
-          <a:p>
-            <a:r>
-              <a:rPr lang="ko-KR" altLang="en-US" dirty="0" smtClean="0"/>
-              <a:t>예</a:t>
-            </a:r>
-            <a:r>
-              <a:rPr lang="en-US" altLang="ko-KR" dirty="0" smtClean="0"/>
-              <a:t>:</a:t>
-            </a:r>
-          </a:p>
-          <a:p>
-            <a:r>
-              <a:rPr lang="en-US" altLang="ko-KR" dirty="0" err="1" smtClean="0"/>
-              <a:t>git</a:t>
-            </a:r>
-            <a:r>
-              <a:rPr lang="en-US" altLang="ko-KR" dirty="0" smtClean="0"/>
-              <a:t> remote add </a:t>
-            </a:r>
-            <a:r>
-              <a:rPr lang="en-US" altLang="ko-KR" dirty="0" err="1" smtClean="0"/>
-              <a:t>github</a:t>
-            </a:r>
-            <a:r>
-              <a:rPr lang="en-US" altLang="ko-KR" dirty="0" smtClean="0"/>
-              <a:t> https://github.com/Damon0527/TestSF5th.git </a:t>
-            </a:r>
-          </a:p>
-          <a:p>
-            <a:r>
-              <a:rPr lang="en-US" altLang="ko-KR" dirty="0" err="1" smtClean="0"/>
-              <a:t>git</a:t>
-            </a:r>
-            <a:r>
-              <a:rPr lang="en-US" altLang="ko-KR" dirty="0" smtClean="0"/>
-              <a:t> push </a:t>
-            </a:r>
-            <a:r>
-              <a:rPr lang="en-US" altLang="ko-KR" dirty="0" err="1" smtClean="0"/>
-              <a:t>github</a:t>
-            </a:r>
-            <a:r>
-              <a:rPr lang="en-US" altLang="ko-KR" dirty="0" smtClean="0"/>
-              <a:t> main </a:t>
-            </a:r>
-          </a:p>
-          <a:p>
-            <a:r>
-              <a:rPr lang="ko-KR" altLang="en-US" dirty="0" smtClean="0"/>
-              <a:t>하지만 실무에서는 거의 다 </a:t>
-            </a:r>
-            <a:r>
-              <a:rPr lang="en-US" altLang="ko-KR" dirty="0" smtClean="0"/>
-              <a:t>origin</a:t>
-            </a:r>
-            <a:r>
-              <a:rPr lang="ko-KR" altLang="en-US" dirty="0" smtClean="0"/>
-              <a:t>을 쓰는 것이 </a:t>
-            </a:r>
-            <a:r>
-              <a:rPr lang="ko-KR" altLang="en-US" b="1" dirty="0" err="1" smtClean="0"/>
-              <a:t>관례이자</a:t>
-            </a:r>
-            <a:r>
-              <a:rPr lang="ko-KR" altLang="en-US" b="1" dirty="0" smtClean="0"/>
-              <a:t> 표준처럼 자리잡고</a:t>
-            </a:r>
-            <a:r>
-              <a:rPr lang="ko-KR" altLang="en-US" dirty="0" smtClean="0"/>
-              <a:t> 있어서</a:t>
-            </a:r>
-            <a:br>
-              <a:rPr lang="ko-KR" altLang="en-US" dirty="0" smtClean="0"/>
-            </a:br>
-            <a:r>
-              <a:rPr lang="ko-KR" altLang="en-US" dirty="0" smtClean="0"/>
-              <a:t>학생들에게도 기본은 </a:t>
-            </a:r>
-            <a:r>
-              <a:rPr lang="en-US" altLang="ko-KR" dirty="0" smtClean="0"/>
-              <a:t>origin</a:t>
-            </a:r>
-            <a:r>
-              <a:rPr lang="ko-KR" altLang="en-US" dirty="0" smtClean="0"/>
-              <a:t>으로 알려주는 것이 좋습니다</a:t>
-            </a:r>
-            <a:r>
-              <a:rPr lang="en-US" altLang="ko-KR" dirty="0" smtClean="0"/>
-              <a:t>.</a:t>
-            </a:r>
-          </a:p>
-          <a:p>
-            <a:endParaRPr lang="en-US" altLang="ko-KR" dirty="0" smtClean="0"/>
-          </a:p>
-          <a:p>
-            <a:r>
-              <a:rPr lang="ko-KR" altLang="en-US" b="1" dirty="0" smtClean="0"/>
-              <a:t>✅ 확인하고 싶다면</a:t>
-            </a:r>
-            <a:r>
-              <a:rPr lang="en-US" altLang="ko-KR" b="1" dirty="0" smtClean="0"/>
-              <a:t>? </a:t>
-            </a:r>
-            <a:r>
-              <a:rPr lang="en-US" altLang="ko-KR" dirty="0" err="1" smtClean="0"/>
-              <a:t>git</a:t>
-            </a:r>
-            <a:r>
-              <a:rPr lang="en-US" altLang="ko-KR" dirty="0" smtClean="0"/>
-              <a:t> remote -v </a:t>
-            </a:r>
-          </a:p>
-          <a:p>
-            <a:r>
-              <a:rPr lang="en-US" altLang="ko-KR" dirty="0" smtClean="0"/>
-              <a:t>→ </a:t>
-            </a:r>
-            <a:r>
-              <a:rPr lang="ko-KR" altLang="en-US" dirty="0" smtClean="0"/>
-              <a:t>연결된 원격 저장소 목록과 별명</a:t>
-            </a:r>
-            <a:r>
-              <a:rPr lang="en-US" altLang="ko-KR" dirty="0" smtClean="0"/>
-              <a:t>(origin </a:t>
-            </a:r>
-            <a:r>
-              <a:rPr lang="ko-KR" altLang="en-US" dirty="0" smtClean="0"/>
-              <a:t>등</a:t>
-            </a:r>
-            <a:r>
-              <a:rPr lang="en-US" altLang="ko-KR" dirty="0" smtClean="0"/>
-              <a:t>)</a:t>
-            </a:r>
-            <a:r>
-              <a:rPr lang="ko-KR" altLang="en-US" dirty="0" smtClean="0"/>
-              <a:t>을 확인할 수 있어요</a:t>
-            </a:r>
-            <a:r>
-              <a:rPr lang="en-US" altLang="ko-KR" dirty="0" smtClean="0"/>
-              <a:t>.</a:t>
-            </a:r>
-          </a:p>
-          <a:p>
-            <a:endParaRPr lang="en-US" altLang="ko-KR" dirty="0" smtClean="0"/>
-          </a:p>
-          <a:p>
-            <a:r>
-              <a:rPr lang="en-US" altLang="ko-KR" dirty="0" smtClean="0"/>
-              <a:t>fetch   </a:t>
-            </a:r>
-            <a:r>
-              <a:rPr lang="en-US" altLang="ko-KR" b="1" dirty="0" smtClean="0"/>
-              <a:t>GitHub</a:t>
-            </a:r>
-            <a:r>
-              <a:rPr lang="ko-KR" altLang="en-US" b="1" dirty="0" smtClean="0"/>
-              <a:t>에서 내 로컬로 가져오는 용도</a:t>
-            </a:r>
-            <a:r>
-              <a:rPr lang="ko-KR" altLang="en-US" dirty="0" smtClean="0"/>
-              <a:t> </a:t>
-            </a:r>
-            <a:r>
-              <a:rPr lang="en-US" altLang="ko-KR" dirty="0" smtClean="0"/>
-              <a:t>(</a:t>
-            </a:r>
-            <a:r>
-              <a:rPr lang="ko-KR" altLang="en-US" dirty="0" smtClean="0"/>
-              <a:t>예</a:t>
-            </a:r>
-            <a:r>
-              <a:rPr lang="en-US" altLang="ko-KR" dirty="0" smtClean="0"/>
-              <a:t>: </a:t>
-            </a:r>
-            <a:r>
-              <a:rPr lang="en-US" altLang="ko-KR" dirty="0" err="1" smtClean="0"/>
-              <a:t>git</a:t>
-            </a:r>
-            <a:r>
-              <a:rPr lang="en-US" altLang="ko-KR" dirty="0" smtClean="0"/>
-              <a:t> pull)</a:t>
-            </a:r>
-          </a:p>
-          <a:p>
-            <a:r>
-              <a:rPr lang="en-US" altLang="ko-KR" dirty="0" smtClean="0"/>
-              <a:t>push   </a:t>
-            </a:r>
-            <a:r>
-              <a:rPr lang="ko-KR" altLang="en-US" b="1" dirty="0" smtClean="0"/>
-              <a:t>내 로컬에서 </a:t>
-            </a:r>
-            <a:r>
-              <a:rPr lang="en-US" altLang="ko-KR" b="1" dirty="0" smtClean="0"/>
-              <a:t>GitHub</a:t>
-            </a:r>
-            <a:r>
-              <a:rPr lang="ko-KR" altLang="en-US" b="1" dirty="0" smtClean="0"/>
-              <a:t>로 올리는 용도</a:t>
-            </a:r>
-            <a:r>
-              <a:rPr lang="ko-KR" altLang="en-US" dirty="0" smtClean="0"/>
-              <a:t> </a:t>
-            </a:r>
-            <a:r>
-              <a:rPr lang="en-US" altLang="ko-KR" dirty="0" smtClean="0"/>
-              <a:t>(</a:t>
-            </a:r>
-            <a:r>
-              <a:rPr lang="ko-KR" altLang="en-US" dirty="0" smtClean="0"/>
-              <a:t>예</a:t>
-            </a:r>
-            <a:r>
-              <a:rPr lang="en-US" altLang="ko-KR" dirty="0" smtClean="0"/>
-              <a:t>: </a:t>
-            </a:r>
-            <a:r>
-              <a:rPr lang="en-US" altLang="ko-KR" dirty="0" err="1" smtClean="0"/>
-              <a:t>git</a:t>
-            </a:r>
-            <a:r>
-              <a:rPr lang="en-US" altLang="ko-KR" dirty="0" smtClean="0"/>
-              <a:t> push)</a:t>
-            </a:r>
-          </a:p>
-          <a:p>
-            <a:r>
-              <a:rPr lang="ko-KR" altLang="en-US" dirty="0" smtClean="0"/>
-              <a:t>보통은 두 주소가 </a:t>
-            </a:r>
-            <a:r>
-              <a:rPr lang="ko-KR" altLang="en-US" b="1" dirty="0" smtClean="0"/>
-              <a:t>같지만</a:t>
-            </a:r>
-            <a:r>
-              <a:rPr lang="en-US" altLang="ko-KR" dirty="0" smtClean="0"/>
-              <a:t>,</a:t>
-            </a:r>
-            <a:br>
-              <a:rPr lang="en-US" altLang="ko-KR" dirty="0" smtClean="0"/>
-            </a:br>
-            <a:r>
-              <a:rPr lang="en-US" altLang="ko-KR" dirty="0" err="1" smtClean="0"/>
-              <a:t>Git</a:t>
-            </a:r>
-            <a:r>
-              <a:rPr lang="ko-KR" altLang="en-US" dirty="0" smtClean="0"/>
-              <a:t>은 </a:t>
-            </a:r>
-            <a:r>
-              <a:rPr lang="en-US" altLang="ko-KR" b="1" dirty="0" smtClean="0"/>
-              <a:t>fetch</a:t>
-            </a:r>
-            <a:r>
-              <a:rPr lang="ko-KR" altLang="en-US" b="1" dirty="0" smtClean="0"/>
-              <a:t>용 </a:t>
-            </a:r>
-            <a:r>
-              <a:rPr lang="en-US" altLang="ko-KR" b="1" dirty="0" smtClean="0"/>
-              <a:t>URL</a:t>
-            </a:r>
-            <a:r>
-              <a:rPr lang="ko-KR" altLang="en-US" dirty="0" smtClean="0"/>
-              <a:t>과 </a:t>
-            </a:r>
-            <a:r>
-              <a:rPr lang="en-US" altLang="ko-KR" b="1" dirty="0" smtClean="0"/>
-              <a:t>push</a:t>
-            </a:r>
-            <a:r>
-              <a:rPr lang="ko-KR" altLang="en-US" b="1" dirty="0" smtClean="0"/>
-              <a:t>용 </a:t>
-            </a:r>
-            <a:r>
-              <a:rPr lang="en-US" altLang="ko-KR" b="1" dirty="0" smtClean="0"/>
-              <a:t>URL</a:t>
-            </a:r>
-            <a:r>
-              <a:rPr lang="ko-KR" altLang="en-US" dirty="0" smtClean="0"/>
-              <a:t>을 </a:t>
-            </a:r>
-            <a:r>
-              <a:rPr lang="ko-KR" altLang="en-US" b="1" dirty="0" smtClean="0"/>
-              <a:t>따로 설정할 수 있는 기능</a:t>
-            </a:r>
-            <a:r>
-              <a:rPr lang="ko-KR" altLang="en-US" dirty="0" smtClean="0"/>
-              <a:t>을 지원합니다</a:t>
-            </a:r>
-            <a:r>
-              <a:rPr lang="en-US" altLang="ko-KR" dirty="0" smtClean="0"/>
-              <a:t>.</a:t>
-            </a:r>
-            <a:endParaRPr lang="ko-KR" altLang="en-US" dirty="0" smtClean="0"/>
-          </a:p>
-          <a:p>
             <a:endParaRPr lang="ko-KR" altLang="en-US" dirty="0"/>
           </a:p>
         </p:txBody>
@@ -9303,7 +8724,7 @@
             <a:spLocks noGrp="1"/>
           </p:cNvSpPr>
           <p:nvPr>
-            <p:ph type="sldNum" sz="quarter" idx="10"/>
+            <p:ph type="sldNum" sz="quarter" idx="5"/>
           </p:nvPr>
         </p:nvSpPr>
         <p:spPr/>
@@ -9313,7 +8734,7 @@
           <a:p>
             <a:fld id="{80927ADC-3725-4C53-90DA-A7CB1E9F9FDE}" type="slidenum">
               <a:rPr lang="ko-KR" altLang="en-US" smtClean="0"/>
-              <a:t>61</a:t>
+              <a:t>60</a:t>
             </a:fld>
             <a:endParaRPr lang="ko-KR" altLang="en-US"/>
           </a:p>
@@ -9322,7 +8743,7 @@
     </p:spTree>
     <p:extLst>
       <p:ext uri="{BB962C8B-B14F-4D97-AF65-F5344CB8AC3E}">
-        <p14:creationId xmlns:p14="http://schemas.microsoft.com/office/powerpoint/2010/main" val="1149557836"/>
+        <p14:creationId xmlns:p14="http://schemas.microsoft.com/office/powerpoint/2010/main" val="3706802203"/>
       </p:ext>
     </p:extLst>
   </p:cSld>
@@ -9377,296 +8798,520 @@
           <a:lstStyle/>
           <a:p>
             <a:r>
-              <a:rPr lang="ko-KR" altLang="en-US" b="1" dirty="0" smtClean="0"/>
-              <a:t>로컬과 </a:t>
-            </a:r>
-            <a:r>
-              <a:rPr lang="ko-KR" altLang="en-US" b="1" dirty="0" smtClean="0"/>
-              <a:t>원격 저장소가 서로 다른 </a:t>
-            </a:r>
-            <a:r>
-              <a:rPr lang="en-US" altLang="ko-KR" b="1" dirty="0" smtClean="0"/>
+              <a:rPr lang="ko-KR" altLang="en-US" b="1" dirty="0"/>
+              <a:t>✅ </a:t>
+            </a:r>
+            <a:r>
+              <a:rPr lang="en-US" altLang="ko-KR" b="1" dirty="0"/>
+              <a:t>origin</a:t>
+            </a:r>
+            <a:r>
+              <a:rPr lang="ko-KR" altLang="en-US" b="1" dirty="0"/>
+              <a:t>이란</a:t>
+            </a:r>
+            <a:r>
+              <a:rPr lang="en-US" altLang="ko-KR" b="1" dirty="0"/>
+              <a:t>?</a:t>
+            </a:r>
+          </a:p>
+          <a:p>
+            <a:r>
+              <a:rPr lang="ko-KR" altLang="en-US" b="1" dirty="0"/>
+              <a:t>원격 저장소</a:t>
+            </a:r>
+            <a:r>
+              <a:rPr lang="en-US" altLang="ko-KR" b="1" dirty="0"/>
+              <a:t>(Remote Repository)</a:t>
+            </a:r>
+            <a:r>
+              <a:rPr lang="ko-KR" altLang="en-US" b="1" dirty="0"/>
+              <a:t>의 </a:t>
+            </a:r>
+            <a:r>
+              <a:rPr lang="en-US" altLang="ko-KR" b="1" dirty="0"/>
               <a:t>"</a:t>
             </a:r>
             <a:r>
-              <a:rPr lang="ko-KR" altLang="en-US" b="1" dirty="0" err="1" smtClean="0"/>
-              <a:t>커밋</a:t>
-            </a:r>
-            <a:r>
-              <a:rPr lang="ko-KR" altLang="en-US" b="1" dirty="0" smtClean="0"/>
-              <a:t> 이력</a:t>
-            </a:r>
-            <a:r>
-              <a:rPr lang="en-US" altLang="ko-KR" b="1" dirty="0" smtClean="0"/>
+              <a:rPr lang="ko-KR" altLang="en-US" b="1" dirty="0"/>
+              <a:t>별명</a:t>
+            </a:r>
+            <a:r>
+              <a:rPr lang="en-US" altLang="ko-KR" b="1" dirty="0"/>
+              <a:t>(</a:t>
+            </a:r>
+            <a:r>
+              <a:rPr lang="ko-KR" altLang="en-US" b="1" dirty="0"/>
+              <a:t>이름</a:t>
+            </a:r>
+            <a:r>
+              <a:rPr lang="en-US" altLang="ko-KR" b="1" dirty="0"/>
+              <a:t>)"</a:t>
+            </a:r>
+            <a:r>
+              <a:rPr lang="ko-KR" altLang="en-US" b="1" dirty="0"/>
+              <a:t>입니다</a:t>
+            </a:r>
+            <a:r>
+              <a:rPr lang="en-US" altLang="ko-KR" b="1" dirty="0"/>
+              <a:t>.</a:t>
+            </a:r>
+            <a:endParaRPr lang="ko-KR" altLang="en-US" dirty="0"/>
+          </a:p>
+          <a:p>
+            <a:r>
+              <a:rPr lang="en-US" altLang="ko-KR" dirty="0" err="1"/>
+              <a:t>Git</a:t>
+            </a:r>
+            <a:r>
+              <a:rPr lang="ko-KR" altLang="en-US" dirty="0"/>
+              <a:t>에서 원격 저장소</a:t>
+            </a:r>
+            <a:r>
+              <a:rPr lang="en-US" altLang="ko-KR" dirty="0"/>
+              <a:t>(</a:t>
+            </a:r>
+            <a:r>
+              <a:rPr lang="ko-KR" altLang="en-US" dirty="0"/>
+              <a:t>예</a:t>
+            </a:r>
+            <a:r>
+              <a:rPr lang="en-US" altLang="ko-KR" dirty="0"/>
+              <a:t>: GitHub</a:t>
+            </a:r>
+            <a:r>
+              <a:rPr lang="ko-KR" altLang="en-US" dirty="0"/>
+              <a:t>에 있는 저장소</a:t>
+            </a:r>
+            <a:r>
+              <a:rPr lang="en-US" altLang="ko-KR" dirty="0"/>
+              <a:t>)</a:t>
+            </a:r>
+            <a:r>
+              <a:rPr lang="ko-KR" altLang="en-US" dirty="0"/>
+              <a:t>를 연결할 때</a:t>
+            </a:r>
+            <a:br>
+              <a:rPr lang="ko-KR" altLang="en-US" dirty="0"/>
+            </a:br>
+            <a:r>
+              <a:rPr lang="ko-KR" altLang="en-US" dirty="0"/>
+              <a:t>매번 긴 주소를 쓰기 불편하니까</a:t>
+            </a:r>
+            <a:r>
+              <a:rPr lang="en-US" altLang="ko-KR" dirty="0"/>
+              <a:t>,</a:t>
+            </a:r>
+            <a:br>
+              <a:rPr lang="en-US" altLang="ko-KR" dirty="0"/>
+            </a:br>
+            <a:r>
+              <a:rPr lang="ko-KR" altLang="en-US" b="1" dirty="0"/>
+              <a:t>짧은 별명을 하나 붙여두는 것</a:t>
+            </a:r>
+            <a:r>
+              <a:rPr lang="ko-KR" altLang="en-US" dirty="0"/>
+              <a:t>이에요</a:t>
+            </a:r>
+            <a:r>
+              <a:rPr lang="en-US" altLang="ko-KR" dirty="0"/>
+              <a:t>.</a:t>
+            </a:r>
+          </a:p>
+          <a:p>
+            <a:endParaRPr lang="en-US" altLang="ko-KR" dirty="0"/>
+          </a:p>
+          <a:p>
+            <a:r>
+              <a:rPr lang="ko-KR" altLang="en-US" b="1" dirty="0"/>
+              <a:t>✅ 그러면 </a:t>
+            </a:r>
+            <a:r>
+              <a:rPr lang="en-US" altLang="ko-KR" b="1" dirty="0"/>
+              <a:t>origin</a:t>
+            </a:r>
+            <a:r>
+              <a:rPr lang="ko-KR" altLang="en-US" b="1" dirty="0"/>
+              <a:t>은 뭘 의미하나요</a:t>
+            </a:r>
+            <a:r>
+              <a:rPr lang="en-US" altLang="ko-KR" b="1" dirty="0"/>
+              <a:t>?</a:t>
+            </a:r>
+          </a:p>
+          <a:p>
+            <a:r>
+              <a:rPr lang="en-US" altLang="ko-KR" dirty="0"/>
               <a:t>"</a:t>
             </a:r>
             <a:r>
-              <a:rPr lang="ko-KR" altLang="en-US" b="1" dirty="0" smtClean="0"/>
-              <a:t>을 가지고 있으면 </a:t>
-            </a:r>
-            <a:r>
-              <a:rPr lang="en-US" altLang="ko-KR" b="1" dirty="0" smtClean="0"/>
+              <a:rPr lang="ko-KR" altLang="en-US" dirty="0"/>
+              <a:t>이 </a:t>
+            </a:r>
+            <a:r>
+              <a:rPr lang="en-US" altLang="ko-KR" dirty="0"/>
+              <a:t>GitHub </a:t>
+            </a:r>
+            <a:r>
+              <a:rPr lang="ko-KR" altLang="en-US" dirty="0"/>
+              <a:t>주소를 </a:t>
+            </a:r>
+            <a:r>
+              <a:rPr lang="en-US" altLang="ko-KR" dirty="0"/>
+              <a:t>origin</a:t>
+            </a:r>
+            <a:r>
+              <a:rPr lang="ko-KR" altLang="en-US" dirty="0"/>
+              <a:t>이라고 부르자</a:t>
+            </a:r>
+            <a:r>
+              <a:rPr lang="en-US" altLang="ko-KR" dirty="0"/>
+              <a:t>" </a:t>
+            </a:r>
+            <a:r>
+              <a:rPr lang="ko-KR" altLang="en-US" dirty="0"/>
+              <a:t>라고 약속하는 거예요</a:t>
+            </a:r>
+            <a:r>
+              <a:rPr lang="en-US" altLang="ko-KR" dirty="0"/>
+              <a:t>.</a:t>
+            </a:r>
+          </a:p>
+          <a:p>
+            <a:endParaRPr lang="en-US" altLang="ko-KR" dirty="0"/>
+          </a:p>
+          <a:p>
+            <a:r>
+              <a:rPr lang="ko-KR" altLang="en-US" b="1" dirty="0"/>
+              <a:t>✅ 꼭 이름이 </a:t>
+            </a:r>
+            <a:r>
+              <a:rPr lang="en-US" altLang="ko-KR" b="1" dirty="0"/>
+              <a:t>origin</a:t>
+            </a:r>
+            <a:r>
+              <a:rPr lang="ko-KR" altLang="en-US" b="1" dirty="0"/>
+              <a:t>이어야 하나요</a:t>
+            </a:r>
+            <a:r>
+              <a:rPr lang="en-US" altLang="ko-KR" b="1" dirty="0"/>
+              <a:t>?</a:t>
+            </a:r>
+          </a:p>
+          <a:p>
+            <a:r>
+              <a:rPr lang="ko-KR" altLang="en-US" dirty="0"/>
+              <a:t>❌ 아닙니다</a:t>
+            </a:r>
+            <a:r>
+              <a:rPr lang="en-US" altLang="ko-KR" dirty="0"/>
+              <a:t>!</a:t>
+            </a:r>
+            <a:br>
+              <a:rPr lang="en-US" altLang="ko-KR" dirty="0"/>
+            </a:br>
+            <a:r>
+              <a:rPr lang="ko-KR" altLang="en-US" dirty="0"/>
+              <a:t>원한다면 다른 이름도 붙일 수 있습니다</a:t>
+            </a:r>
+            <a:r>
+              <a:rPr lang="en-US" altLang="ko-KR" dirty="0"/>
+              <a:t>.</a:t>
+            </a:r>
+          </a:p>
+          <a:p>
+            <a:r>
+              <a:rPr lang="ko-KR" altLang="en-US" dirty="0"/>
+              <a:t>예</a:t>
+            </a:r>
+            <a:r>
+              <a:rPr lang="en-US" altLang="ko-KR" dirty="0"/>
+              <a:t>:</a:t>
+            </a:r>
+          </a:p>
+          <a:p>
+            <a:r>
+              <a:rPr lang="en-US" altLang="ko-KR" dirty="0" err="1"/>
+              <a:t>git</a:t>
+            </a:r>
+            <a:r>
+              <a:rPr lang="en-US" altLang="ko-KR" dirty="0"/>
+              <a:t> remote add </a:t>
+            </a:r>
+            <a:r>
+              <a:rPr lang="en-US" altLang="ko-KR" dirty="0" err="1"/>
+              <a:t>github</a:t>
+            </a:r>
+            <a:r>
+              <a:rPr lang="en-US" altLang="ko-KR" dirty="0"/>
+              <a:t> https://github.com/Damon0527/TestSF5th.git </a:t>
+            </a:r>
+          </a:p>
+          <a:p>
+            <a:r>
+              <a:rPr lang="en-US" altLang="ko-KR" dirty="0" err="1"/>
+              <a:t>git</a:t>
+            </a:r>
+            <a:r>
+              <a:rPr lang="en-US" altLang="ko-KR" dirty="0"/>
+              <a:t> push </a:t>
+            </a:r>
+            <a:r>
+              <a:rPr lang="en-US" altLang="ko-KR" dirty="0" err="1"/>
+              <a:t>github</a:t>
+            </a:r>
+            <a:r>
+              <a:rPr lang="en-US" altLang="ko-KR" dirty="0"/>
+              <a:t> main </a:t>
+            </a:r>
+          </a:p>
+          <a:p>
+            <a:r>
+              <a:rPr lang="ko-KR" altLang="en-US" dirty="0"/>
+              <a:t>하지만 실무에서는 거의 다 </a:t>
+            </a:r>
+            <a:r>
+              <a:rPr lang="en-US" altLang="ko-KR" dirty="0"/>
+              <a:t>origin</a:t>
+            </a:r>
+            <a:r>
+              <a:rPr lang="ko-KR" altLang="en-US" dirty="0"/>
+              <a:t>을 쓰는 것이 </a:t>
+            </a:r>
+            <a:r>
+              <a:rPr lang="ko-KR" altLang="en-US" b="1" dirty="0" err="1"/>
+              <a:t>관례이자</a:t>
+            </a:r>
+            <a:r>
+              <a:rPr lang="ko-KR" altLang="en-US" b="1" dirty="0"/>
+              <a:t> 표준처럼 자리잡고</a:t>
+            </a:r>
+            <a:r>
+              <a:rPr lang="ko-KR" altLang="en-US" dirty="0"/>
+              <a:t> 있어서</a:t>
+            </a:r>
+            <a:br>
+              <a:rPr lang="ko-KR" altLang="en-US" dirty="0"/>
+            </a:br>
+            <a:r>
+              <a:rPr lang="ko-KR" altLang="en-US" dirty="0"/>
+              <a:t>학생들에게도 기본은 </a:t>
+            </a:r>
+            <a:r>
+              <a:rPr lang="en-US" altLang="ko-KR" dirty="0"/>
+              <a:t>origin</a:t>
+            </a:r>
+            <a:r>
+              <a:rPr lang="ko-KR" altLang="en-US" dirty="0"/>
+              <a:t>으로 알려주는 것이 좋습니다</a:t>
+            </a:r>
+            <a:r>
+              <a:rPr lang="en-US" altLang="ko-KR" dirty="0"/>
+              <a:t>.</a:t>
+            </a:r>
+          </a:p>
+          <a:p>
+            <a:endParaRPr lang="en-US" altLang="ko-KR" dirty="0"/>
+          </a:p>
+          <a:p>
+            <a:r>
+              <a:rPr lang="ko-KR" altLang="en-US" b="1" dirty="0"/>
+              <a:t>✅ 확인하고 싶다면</a:t>
+            </a:r>
+            <a:r>
+              <a:rPr lang="en-US" altLang="ko-KR" b="1" dirty="0"/>
+              <a:t>? </a:t>
+            </a:r>
+            <a:r>
+              <a:rPr lang="en-US" altLang="ko-KR" dirty="0" err="1"/>
+              <a:t>git</a:t>
+            </a:r>
+            <a:r>
+              <a:rPr lang="en-US" altLang="ko-KR" dirty="0"/>
+              <a:t> remote -v </a:t>
+            </a:r>
+          </a:p>
+          <a:p>
+            <a:r>
+              <a:rPr lang="en-US" altLang="ko-KR" dirty="0"/>
+              <a:t>→ </a:t>
+            </a:r>
+            <a:r>
+              <a:rPr lang="ko-KR" altLang="en-US" dirty="0"/>
+              <a:t>연결된 원격 저장소 목록과 별명</a:t>
+            </a:r>
+            <a:r>
+              <a:rPr lang="en-US" altLang="ko-KR" dirty="0"/>
+              <a:t>(origin </a:t>
+            </a:r>
+            <a:r>
+              <a:rPr lang="ko-KR" altLang="en-US" dirty="0"/>
+              <a:t>등</a:t>
+            </a:r>
+            <a:r>
+              <a:rPr lang="en-US" altLang="ko-KR" dirty="0"/>
+              <a:t>)</a:t>
+            </a:r>
+            <a:r>
+              <a:rPr lang="ko-KR" altLang="en-US" dirty="0"/>
+              <a:t>을 확인할 수 있어요</a:t>
+            </a:r>
+            <a:r>
+              <a:rPr lang="en-US" altLang="ko-KR" dirty="0"/>
+              <a:t>.</a:t>
+            </a:r>
+          </a:p>
+          <a:p>
+            <a:endParaRPr lang="en-US" altLang="ko-KR" dirty="0"/>
+          </a:p>
+          <a:p>
+            <a:r>
+              <a:rPr lang="en-US" altLang="ko-KR" dirty="0"/>
+              <a:t>fetch   </a:t>
+            </a:r>
+            <a:r>
+              <a:rPr lang="en-US" altLang="ko-KR" b="1" dirty="0"/>
+              <a:t>GitHub</a:t>
+            </a:r>
+            <a:r>
+              <a:rPr lang="ko-KR" altLang="en-US" b="1" dirty="0"/>
+              <a:t>에서 내 로컬로 가져오는 용도</a:t>
+            </a:r>
+            <a:r>
+              <a:rPr lang="ko-KR" altLang="en-US" dirty="0"/>
+              <a:t> </a:t>
+            </a:r>
+            <a:r>
+              <a:rPr lang="en-US" altLang="ko-KR" dirty="0"/>
+              <a:t>(</a:t>
+            </a:r>
+            <a:r>
+              <a:rPr lang="ko-KR" altLang="en-US" dirty="0"/>
+              <a:t>예</a:t>
+            </a:r>
+            <a:r>
+              <a:rPr lang="en-US" altLang="ko-KR" dirty="0"/>
+              <a:t>: </a:t>
+            </a:r>
+            <a:r>
+              <a:rPr lang="en-US" altLang="ko-KR" dirty="0" err="1"/>
+              <a:t>git</a:t>
+            </a:r>
+            <a:r>
+              <a:rPr lang="en-US" altLang="ko-KR" dirty="0"/>
+              <a:t> pull)</a:t>
+            </a:r>
+          </a:p>
+          <a:p>
+            <a:r>
+              <a:rPr lang="en-US" altLang="ko-KR" dirty="0"/>
+              <a:t>push   </a:t>
+            </a:r>
+            <a:r>
+              <a:rPr lang="ko-KR" altLang="en-US" b="1" dirty="0"/>
+              <a:t>내 로컬에서 </a:t>
+            </a:r>
+            <a:r>
+              <a:rPr lang="en-US" altLang="ko-KR" b="1" dirty="0"/>
+              <a:t>GitHub</a:t>
+            </a:r>
+            <a:r>
+              <a:rPr lang="ko-KR" altLang="en-US" b="1" dirty="0"/>
+              <a:t>로 올리는 용도</a:t>
+            </a:r>
+            <a:r>
+              <a:rPr lang="ko-KR" altLang="en-US" dirty="0"/>
+              <a:t> </a:t>
+            </a:r>
+            <a:r>
+              <a:rPr lang="en-US" altLang="ko-KR" dirty="0"/>
+              <a:t>(</a:t>
+            </a:r>
+            <a:r>
+              <a:rPr lang="ko-KR" altLang="en-US" dirty="0"/>
+              <a:t>예</a:t>
+            </a:r>
+            <a:r>
+              <a:rPr lang="en-US" altLang="ko-KR" dirty="0"/>
+              <a:t>: </a:t>
+            </a:r>
+            <a:r>
+              <a:rPr lang="en-US" altLang="ko-KR" dirty="0" err="1"/>
+              <a:t>git</a:t>
+            </a:r>
+            <a:r>
+              <a:rPr lang="en-US" altLang="ko-KR" dirty="0"/>
+              <a:t> push)</a:t>
+            </a:r>
+          </a:p>
+          <a:p>
+            <a:r>
+              <a:rPr lang="ko-KR" altLang="en-US" dirty="0"/>
+              <a:t>보통은 두 주소가 </a:t>
+            </a:r>
+            <a:r>
+              <a:rPr lang="ko-KR" altLang="en-US" b="1" dirty="0"/>
+              <a:t>같지만</a:t>
+            </a:r>
+            <a:r>
+              <a:rPr lang="en-US" altLang="ko-KR" dirty="0"/>
+              <a:t>,</a:t>
+            </a:r>
+            <a:br>
+              <a:rPr lang="en-US" altLang="ko-KR" dirty="0"/>
+            </a:br>
+            <a:r>
+              <a:rPr lang="en-US" altLang="ko-KR" dirty="0" err="1"/>
+              <a:t>Git</a:t>
+            </a:r>
+            <a:r>
+              <a:rPr lang="ko-KR" altLang="en-US" dirty="0"/>
+              <a:t>은 </a:t>
+            </a:r>
+            <a:r>
+              <a:rPr lang="en-US" altLang="ko-KR" b="1" dirty="0"/>
+              <a:t>fetch</a:t>
+            </a:r>
+            <a:r>
+              <a:rPr lang="ko-KR" altLang="en-US" b="1" dirty="0"/>
+              <a:t>용 </a:t>
+            </a:r>
+            <a:r>
+              <a:rPr lang="en-US" altLang="ko-KR" b="1" dirty="0"/>
+              <a:t>URL</a:t>
+            </a:r>
+            <a:r>
+              <a:rPr lang="ko-KR" altLang="en-US" dirty="0"/>
+              <a:t>과 </a:t>
+            </a:r>
+            <a:r>
+              <a:rPr lang="en-US" altLang="ko-KR" b="1" dirty="0"/>
               <a:t>push</a:t>
             </a:r>
             <a:r>
-              <a:rPr lang="ko-KR" altLang="en-US" b="1" dirty="0" smtClean="0"/>
-              <a:t>가 안 된다</a:t>
-            </a:r>
-            <a:r>
-              <a:rPr lang="en-US" altLang="ko-KR" b="1" dirty="0" smtClean="0"/>
-              <a:t>!</a:t>
-            </a:r>
-          </a:p>
-          <a:p>
-            <a:r>
-              <a:rPr lang="en-US" altLang="ko-KR" dirty="0" err="1" smtClean="0"/>
-              <a:t>Git</a:t>
-            </a:r>
-            <a:r>
-              <a:rPr lang="ko-KR" altLang="en-US" dirty="0" smtClean="0"/>
-              <a:t>은 </a:t>
-            </a:r>
-            <a:r>
-              <a:rPr lang="en-US" altLang="ko-KR" dirty="0" smtClean="0"/>
-              <a:t>push</a:t>
-            </a:r>
-            <a:r>
-              <a:rPr lang="ko-KR" altLang="en-US" dirty="0" smtClean="0"/>
-              <a:t>할 때</a:t>
-            </a:r>
-            <a:r>
-              <a:rPr lang="en-US" altLang="ko-KR" dirty="0" smtClean="0"/>
-              <a:t>, </a:t>
-            </a:r>
-            <a:r>
-              <a:rPr lang="ko-KR" altLang="en-US" dirty="0" smtClean="0"/>
-              <a:t>로컬과 원격 저장소의 **</a:t>
-            </a:r>
-            <a:r>
-              <a:rPr lang="ko-KR" altLang="en-US" dirty="0" err="1" smtClean="0"/>
-              <a:t>히스토리</a:t>
-            </a:r>
-            <a:r>
-              <a:rPr lang="en-US" altLang="ko-KR" dirty="0" smtClean="0"/>
-              <a:t>(</a:t>
-            </a:r>
-            <a:r>
-              <a:rPr lang="ko-KR" altLang="en-US" dirty="0" err="1" smtClean="0"/>
-              <a:t>커밋</a:t>
-            </a:r>
-            <a:r>
-              <a:rPr lang="ko-KR" altLang="en-US" dirty="0" smtClean="0"/>
-              <a:t> 흐름</a:t>
-            </a:r>
-            <a:r>
-              <a:rPr lang="en-US" altLang="ko-KR" dirty="0" smtClean="0"/>
-              <a:t>)**</a:t>
-            </a:r>
-            <a:r>
-              <a:rPr lang="ko-KR" altLang="en-US" dirty="0" smtClean="0"/>
-              <a:t>를 비교합니다</a:t>
-            </a:r>
-            <a:r>
-              <a:rPr lang="en-US" altLang="ko-KR" dirty="0" smtClean="0"/>
+              <a:rPr lang="ko-KR" altLang="en-US" b="1" dirty="0"/>
+              <a:t>용 </a:t>
+            </a:r>
+            <a:r>
+              <a:rPr lang="en-US" altLang="ko-KR" b="1" dirty="0"/>
+              <a:t>URL</a:t>
+            </a:r>
+            <a:r>
+              <a:rPr lang="ko-KR" altLang="en-US" dirty="0"/>
+              <a:t>을 </a:t>
+            </a:r>
+            <a:r>
+              <a:rPr lang="ko-KR" altLang="en-US" b="1" dirty="0"/>
+              <a:t>따로 설정할 수 있는 기능</a:t>
+            </a:r>
+            <a:r>
+              <a:rPr lang="ko-KR" altLang="en-US" dirty="0"/>
+              <a:t>을 지원합니다</a:t>
+            </a:r>
+            <a:r>
+              <a:rPr lang="en-US" altLang="ko-KR" dirty="0"/>
               <a:t>.</a:t>
             </a:r>
-          </a:p>
-          <a:p>
-            <a:r>
-              <a:rPr lang="ko-KR" altLang="en-US" dirty="0" smtClean="0"/>
-              <a:t>서로 </a:t>
-            </a:r>
-            <a:r>
-              <a:rPr lang="ko-KR" altLang="en-US" b="1" dirty="0" smtClean="0"/>
-              <a:t>공통된 </a:t>
-            </a:r>
-            <a:r>
-              <a:rPr lang="ko-KR" altLang="en-US" b="1" dirty="0" err="1" smtClean="0"/>
-              <a:t>커밋</a:t>
-            </a:r>
-            <a:r>
-              <a:rPr lang="ko-KR" altLang="en-US" b="1" dirty="0" smtClean="0"/>
-              <a:t> 지점이 없으면</a:t>
-            </a:r>
-            <a:r>
-              <a:rPr lang="en-US" altLang="ko-KR" dirty="0" smtClean="0"/>
-              <a:t>, </a:t>
-            </a:r>
-            <a:r>
-              <a:rPr lang="en-US" altLang="ko-KR" dirty="0" err="1" smtClean="0"/>
-              <a:t>Git</a:t>
-            </a:r>
-            <a:r>
-              <a:rPr lang="ko-KR" altLang="en-US" dirty="0" smtClean="0"/>
-              <a:t>은 </a:t>
-            </a:r>
-            <a:r>
-              <a:rPr lang="en-US" altLang="ko-KR" dirty="0" smtClean="0"/>
-              <a:t>"</a:t>
-            </a:r>
-            <a:r>
-              <a:rPr lang="ko-KR" altLang="en-US" dirty="0" smtClean="0"/>
-              <a:t>이건 완전히 다른 이력</a:t>
-            </a:r>
-            <a:r>
-              <a:rPr lang="en-US" altLang="ko-KR" dirty="0" smtClean="0"/>
-              <a:t>"</a:t>
-            </a:r>
-            <a:r>
-              <a:rPr lang="ko-KR" altLang="en-US" dirty="0" smtClean="0"/>
-              <a:t>이라고 판단해서 </a:t>
-            </a:r>
-            <a:r>
-              <a:rPr lang="en-US" altLang="ko-KR" dirty="0" smtClean="0"/>
-              <a:t>push</a:t>
-            </a:r>
-            <a:r>
-              <a:rPr lang="ko-KR" altLang="en-US" dirty="0" smtClean="0"/>
-              <a:t>를 거부합니다</a:t>
-            </a:r>
-            <a:r>
-              <a:rPr lang="en-US" altLang="ko-KR" dirty="0" smtClean="0"/>
-              <a:t>.</a:t>
-            </a:r>
-          </a:p>
-          <a:p>
-            <a:endParaRPr lang="en-US" altLang="ko-KR" dirty="0" smtClean="0"/>
-          </a:p>
-          <a:p>
-            <a:r>
-              <a:rPr lang="ko-KR" altLang="en-US" dirty="0" smtClean="0"/>
-              <a:t>예</a:t>
-            </a:r>
-            <a:r>
-              <a:rPr lang="en-US" altLang="ko-KR" dirty="0" smtClean="0"/>
-              <a:t>: GitHub</a:t>
-            </a:r>
-            <a:r>
-              <a:rPr lang="ko-KR" altLang="en-US" dirty="0" smtClean="0"/>
-              <a:t>에서 저장소를 만들면서 </a:t>
-            </a:r>
-            <a:r>
-              <a:rPr lang="en-US" altLang="ko-KR" dirty="0" smtClean="0"/>
-              <a:t>README.md </a:t>
-            </a:r>
-            <a:r>
-              <a:rPr lang="ko-KR" altLang="en-US" dirty="0" smtClean="0"/>
-              <a:t>체크함 → 자동 </a:t>
-            </a:r>
-            <a:r>
-              <a:rPr lang="ko-KR" altLang="en-US" dirty="0" err="1" smtClean="0"/>
-              <a:t>커밋</a:t>
-            </a:r>
-            <a:r>
-              <a:rPr lang="ko-KR" altLang="en-US" dirty="0" smtClean="0"/>
-              <a:t> 생김</a:t>
-            </a:r>
-          </a:p>
-          <a:p>
-            <a:r>
-              <a:rPr lang="ko-KR" altLang="en-US" dirty="0" smtClean="0"/>
-              <a:t>그런데 나는 </a:t>
-            </a:r>
-            <a:r>
-              <a:rPr lang="en-US" altLang="ko-KR" dirty="0" err="1" smtClean="0"/>
-              <a:t>git</a:t>
-            </a:r>
-            <a:r>
-              <a:rPr lang="en-US" altLang="ko-KR" dirty="0" smtClean="0"/>
-              <a:t> </a:t>
-            </a:r>
-            <a:r>
-              <a:rPr lang="en-US" altLang="ko-KR" dirty="0" err="1" smtClean="0"/>
-              <a:t>init</a:t>
-            </a:r>
-            <a:r>
-              <a:rPr lang="ko-KR" altLang="en-US" dirty="0" smtClean="0"/>
-              <a:t>해서 따로 작업함 → 둘 사이에 공통 </a:t>
-            </a:r>
-            <a:r>
-              <a:rPr lang="ko-KR" altLang="en-US" dirty="0" err="1" smtClean="0"/>
-              <a:t>커밋이</a:t>
-            </a:r>
-            <a:r>
-              <a:rPr lang="ko-KR" altLang="en-US" dirty="0" smtClean="0"/>
-              <a:t> 없음</a:t>
-            </a:r>
-          </a:p>
-          <a:p>
-            <a:endParaRPr lang="en-US" altLang="ko-KR" dirty="0" smtClean="0"/>
-          </a:p>
-          <a:p>
-            <a:endParaRPr lang="en-US" altLang="ko-KR" dirty="0" smtClean="0"/>
-          </a:p>
-          <a:p>
-            <a:r>
-              <a:rPr lang="ko-KR" altLang="en-US" dirty="0" smtClean="0"/>
-              <a:t>강제로 </a:t>
-            </a:r>
-            <a:r>
-              <a:rPr lang="ko-KR" altLang="en-US" b="1" dirty="0" smtClean="0"/>
-              <a:t>내 로컬 저장소 상태를 원격 저장소에 덮어쓰기</a:t>
-            </a:r>
-            <a:r>
-              <a:rPr lang="ko-KR" altLang="en-US" dirty="0" smtClean="0"/>
-              <a:t> 합니다</a:t>
-            </a:r>
-            <a:r>
-              <a:rPr lang="en-US" altLang="ko-KR" dirty="0" smtClean="0"/>
-              <a:t>.</a:t>
-            </a:r>
-          </a:p>
-          <a:p>
-            <a:r>
-              <a:rPr lang="ko-KR" altLang="en-US" dirty="0" smtClean="0"/>
-              <a:t>즉</a:t>
-            </a:r>
-            <a:r>
-              <a:rPr lang="en-US" altLang="ko-KR" dirty="0" smtClean="0"/>
-              <a:t>, </a:t>
-            </a:r>
-            <a:r>
-              <a:rPr lang="ko-KR" altLang="en-US" dirty="0" smtClean="0"/>
-              <a:t>원격 저장소에 있던 기존 </a:t>
-            </a:r>
-            <a:r>
-              <a:rPr lang="ko-KR" altLang="en-US" dirty="0" err="1" smtClean="0"/>
-              <a:t>히스토리는</a:t>
-            </a:r>
-            <a:r>
-              <a:rPr lang="ko-KR" altLang="en-US" dirty="0" smtClean="0"/>
-              <a:t> </a:t>
-            </a:r>
-            <a:r>
-              <a:rPr lang="ko-KR" altLang="en-US" b="1" dirty="0" smtClean="0"/>
-              <a:t>모두 사라지고 내 것만 남음</a:t>
-            </a:r>
-            <a:r>
-              <a:rPr lang="en-US" altLang="ko-KR" b="1" dirty="0" smtClean="0"/>
-              <a:t>!</a:t>
-            </a:r>
-            <a:r>
-              <a:rPr lang="ko-KR" altLang="en-US" dirty="0" smtClean="0"/>
-              <a:t> 💣</a:t>
-            </a:r>
-          </a:p>
-          <a:p>
-            <a:r>
-              <a:rPr lang="ko-KR" altLang="en-US" dirty="0" smtClean="0"/>
-              <a:t>✔ 주의</a:t>
-            </a:r>
-            <a:r>
-              <a:rPr lang="en-US" altLang="ko-KR" dirty="0" smtClean="0"/>
-              <a:t>: </a:t>
-            </a:r>
-            <a:r>
-              <a:rPr lang="ko-KR" altLang="en-US" dirty="0" smtClean="0"/>
-              <a:t>협업 중에는 위험하므로 혼자 쓰는 저장소일 때만 사용하는 것이 좋아요</a:t>
-            </a:r>
-            <a:r>
-              <a:rPr lang="en-US" altLang="ko-KR" dirty="0" smtClean="0"/>
-              <a:t>!</a:t>
-            </a:r>
+            <a:endParaRPr lang="ko-KR" altLang="en-US" dirty="0"/>
           </a:p>
           <a:p>
             <a:endParaRPr lang="ko-KR" altLang="en-US" dirty="0"/>
@@ -9680,7 +9325,7 @@
             <a:spLocks noGrp="1"/>
           </p:cNvSpPr>
           <p:nvPr>
-            <p:ph type="sldNum" sz="quarter" idx="5"/>
+            <p:ph type="sldNum" sz="quarter" idx="10"/>
           </p:nvPr>
         </p:nvSpPr>
         <p:spPr/>
@@ -9688,9 +9333,9 @@
           <a:bodyPr/>
           <a:lstStyle/>
           <a:p>
-            <a:fld id="{C09E5BFC-1559-42F1-8940-AB342D56BF02}" type="slidenum">
+            <a:fld id="{80927ADC-3725-4C53-90DA-A7CB1E9F9FDE}" type="slidenum">
               <a:rPr lang="ko-KR" altLang="en-US" smtClean="0"/>
-              <a:t>62</a:t>
+              <a:t>61</a:t>
             </a:fld>
             <a:endParaRPr lang="ko-KR" altLang="en-US"/>
           </a:p>
@@ -9699,7 +9344,7 @@
     </p:spTree>
     <p:extLst>
       <p:ext uri="{BB962C8B-B14F-4D97-AF65-F5344CB8AC3E}">
-        <p14:creationId xmlns:p14="http://schemas.microsoft.com/office/powerpoint/2010/main" val="718502675"/>
+        <p14:creationId xmlns:p14="http://schemas.microsoft.com/office/powerpoint/2010/main" val="1149557836"/>
       </p:ext>
     </p:extLst>
   </p:cSld>
@@ -9754,190 +9399,294 @@
           <a:lstStyle/>
           <a:p>
             <a:r>
-              <a:rPr lang="en-US" altLang="ko-KR" dirty="0" smtClean="0"/>
-              <a:t>fetch</a:t>
-            </a:r>
-          </a:p>
-          <a:p>
-            <a:r>
-              <a:rPr lang="ko-KR" altLang="en-US" dirty="0" smtClean="0"/>
-              <a:t>원격저장소의 최신 상태를 내 로컬로 가져오는 명령어</a:t>
-            </a:r>
-            <a:endParaRPr lang="en-US" altLang="ko-KR" dirty="0" smtClean="0"/>
-          </a:p>
-          <a:p>
-            <a:r>
-              <a:rPr lang="ko-KR" altLang="en-US" dirty="0" smtClean="0"/>
-              <a:t>하지만</a:t>
-            </a:r>
-            <a:r>
-              <a:rPr lang="en-US" altLang="ko-KR" dirty="0" smtClean="0"/>
-              <a:t>! </a:t>
-            </a:r>
-            <a:r>
-              <a:rPr lang="ko-KR" altLang="en-US" dirty="0" smtClean="0"/>
-              <a:t>가져오기만 할 뿐</a:t>
-            </a:r>
-            <a:r>
-              <a:rPr lang="en-US" altLang="ko-KR" dirty="0" smtClean="0"/>
-              <a:t>, “</a:t>
-            </a:r>
-            <a:r>
-              <a:rPr lang="ko-KR" altLang="en-US" dirty="0" smtClean="0"/>
-              <a:t>내 작업 디렉토리</a:t>
-            </a:r>
-            <a:r>
-              <a:rPr lang="en-US" altLang="ko-KR" dirty="0" smtClean="0"/>
-              <a:t>＂</a:t>
-            </a:r>
-            <a:r>
-              <a:rPr lang="ko-KR" altLang="en-US" dirty="0" smtClean="0"/>
-              <a:t>에는 아무런 변화도 주지 </a:t>
-            </a:r>
-            <a:r>
-              <a:rPr lang="ko-KR" altLang="en-US" dirty="0" err="1" smtClean="0"/>
-              <a:t>ㅇㄶ음</a:t>
-            </a:r>
-            <a:r>
-              <a:rPr lang="en-US" altLang="ko-KR" dirty="0" smtClean="0"/>
+              <a:rPr lang="ko-KR" altLang="en-US" b="1" dirty="0"/>
+              <a:t>로컬과 원격 저장소가 서로 다른 </a:t>
+            </a:r>
+            <a:r>
+              <a:rPr lang="en-US" altLang="ko-KR" b="1" dirty="0"/>
+              <a:t>"</a:t>
+            </a:r>
+            <a:r>
+              <a:rPr lang="ko-KR" altLang="en-US" b="1" dirty="0" err="1"/>
+              <a:t>커밋</a:t>
+            </a:r>
+            <a:r>
+              <a:rPr lang="ko-KR" altLang="en-US" b="1" dirty="0"/>
+              <a:t> 이력</a:t>
+            </a:r>
+            <a:r>
+              <a:rPr lang="en-US" altLang="ko-KR" b="1" dirty="0"/>
+              <a:t>"</a:t>
+            </a:r>
+            <a:r>
+              <a:rPr lang="ko-KR" altLang="en-US" b="1" dirty="0"/>
+              <a:t>을 가지고 있으면 </a:t>
+            </a:r>
+            <a:r>
+              <a:rPr lang="en-US" altLang="ko-KR" b="1" dirty="0"/>
+              <a:t>push</a:t>
+            </a:r>
+            <a:r>
+              <a:rPr lang="ko-KR" altLang="en-US" b="1" dirty="0"/>
+              <a:t>가 안 된다</a:t>
+            </a:r>
+            <a:r>
+              <a:rPr lang="en-US" altLang="ko-KR" b="1" dirty="0"/>
+              <a:t>!</a:t>
+            </a:r>
+          </a:p>
+          <a:p>
+            <a:r>
+              <a:rPr lang="en-US" altLang="ko-KR" dirty="0" err="1"/>
+              <a:t>Git</a:t>
+            </a:r>
+            <a:r>
+              <a:rPr lang="ko-KR" altLang="en-US" dirty="0"/>
+              <a:t>은 </a:t>
+            </a:r>
+            <a:r>
+              <a:rPr lang="en-US" altLang="ko-KR" dirty="0"/>
+              <a:t>push</a:t>
+            </a:r>
+            <a:r>
+              <a:rPr lang="ko-KR" altLang="en-US" dirty="0"/>
+              <a:t>할 때</a:t>
+            </a:r>
+            <a:r>
+              <a:rPr lang="en-US" altLang="ko-KR" dirty="0"/>
+              <a:t>, </a:t>
+            </a:r>
+            <a:r>
+              <a:rPr lang="ko-KR" altLang="en-US" dirty="0"/>
+              <a:t>로컬과 원격 저장소의 **</a:t>
+            </a:r>
+            <a:r>
+              <a:rPr lang="ko-KR" altLang="en-US" dirty="0" err="1"/>
+              <a:t>히스토리</a:t>
+            </a:r>
+            <a:r>
+              <a:rPr lang="en-US" altLang="ko-KR" dirty="0"/>
+              <a:t>(</a:t>
+            </a:r>
+            <a:r>
+              <a:rPr lang="ko-KR" altLang="en-US" dirty="0" err="1"/>
+              <a:t>커밋</a:t>
+            </a:r>
+            <a:r>
+              <a:rPr lang="ko-KR" altLang="en-US" dirty="0"/>
+              <a:t> 흐름</a:t>
+            </a:r>
+            <a:r>
+              <a:rPr lang="en-US" altLang="ko-KR" dirty="0"/>
+              <a:t>)**</a:t>
+            </a:r>
+            <a:r>
+              <a:rPr lang="ko-KR" altLang="en-US" dirty="0"/>
+              <a:t>를 비교합니다</a:t>
+            </a:r>
+            <a:r>
+              <a:rPr lang="en-US" altLang="ko-KR" dirty="0"/>
               <a:t>.</a:t>
             </a:r>
           </a:p>
           <a:p>
-            <a:endParaRPr lang="en-US" altLang="ko-KR" dirty="0" smtClean="0"/>
-          </a:p>
-          <a:p>
-            <a:r>
-              <a:rPr lang="en-US" altLang="ko-KR" dirty="0" err="1" smtClean="0"/>
+            <a:r>
+              <a:rPr lang="ko-KR" altLang="en-US" dirty="0"/>
+              <a:t>서로 </a:t>
+            </a:r>
+            <a:r>
+              <a:rPr lang="ko-KR" altLang="en-US" b="1" dirty="0"/>
+              <a:t>공통된 </a:t>
+            </a:r>
+            <a:r>
+              <a:rPr lang="ko-KR" altLang="en-US" b="1" dirty="0" err="1"/>
+              <a:t>커밋</a:t>
+            </a:r>
+            <a:r>
+              <a:rPr lang="ko-KR" altLang="en-US" b="1" dirty="0"/>
+              <a:t> 지점이 없으면</a:t>
+            </a:r>
+            <a:r>
+              <a:rPr lang="en-US" altLang="ko-KR" dirty="0"/>
+              <a:t>, </a:t>
+            </a:r>
+            <a:r>
+              <a:rPr lang="en-US" altLang="ko-KR" dirty="0" err="1"/>
+              <a:t>Git</a:t>
+            </a:r>
+            <a:r>
+              <a:rPr lang="ko-KR" altLang="en-US" dirty="0"/>
+              <a:t>은 </a:t>
+            </a:r>
+            <a:r>
+              <a:rPr lang="en-US" altLang="ko-KR" dirty="0"/>
+              <a:t>"</a:t>
+            </a:r>
+            <a:r>
+              <a:rPr lang="ko-KR" altLang="en-US" dirty="0"/>
+              <a:t>이건 완전히 다른 이력</a:t>
+            </a:r>
+            <a:r>
+              <a:rPr lang="en-US" altLang="ko-KR" dirty="0"/>
+              <a:t>"</a:t>
+            </a:r>
+            <a:r>
+              <a:rPr lang="ko-KR" altLang="en-US" dirty="0"/>
+              <a:t>이라고 판단해서 </a:t>
+            </a:r>
+            <a:r>
+              <a:rPr lang="en-US" altLang="ko-KR" dirty="0"/>
+              <a:t>push</a:t>
+            </a:r>
+            <a:r>
+              <a:rPr lang="ko-KR" altLang="en-US" dirty="0"/>
+              <a:t>를 거부합니다</a:t>
+            </a:r>
+            <a:r>
+              <a:rPr lang="en-US" altLang="ko-KR" dirty="0"/>
+              <a:t>.</a:t>
+            </a:r>
+          </a:p>
+          <a:p>
+            <a:endParaRPr lang="en-US" altLang="ko-KR" dirty="0"/>
+          </a:p>
+          <a:p>
+            <a:r>
+              <a:rPr lang="ko-KR" altLang="en-US" dirty="0"/>
+              <a:t>예</a:t>
+            </a:r>
+            <a:r>
+              <a:rPr lang="en-US" altLang="ko-KR" dirty="0"/>
+              <a:t>: GitHub</a:t>
+            </a:r>
+            <a:r>
+              <a:rPr lang="ko-KR" altLang="en-US" dirty="0"/>
+              <a:t>에서 저장소를 만들면서 </a:t>
+            </a:r>
+            <a:r>
+              <a:rPr lang="en-US" altLang="ko-KR" dirty="0"/>
+              <a:t>README.md </a:t>
+            </a:r>
+            <a:r>
+              <a:rPr lang="ko-KR" altLang="en-US" dirty="0"/>
+              <a:t>체크함 → 자동 </a:t>
+            </a:r>
+            <a:r>
+              <a:rPr lang="ko-KR" altLang="en-US" dirty="0" err="1"/>
+              <a:t>커밋</a:t>
+            </a:r>
+            <a:r>
+              <a:rPr lang="ko-KR" altLang="en-US" dirty="0"/>
+              <a:t> 생김</a:t>
+            </a:r>
+          </a:p>
+          <a:p>
+            <a:r>
+              <a:rPr lang="ko-KR" altLang="en-US" dirty="0"/>
+              <a:t>그런데 나는 </a:t>
+            </a:r>
+            <a:r>
+              <a:rPr lang="en-US" altLang="ko-KR" dirty="0" err="1"/>
               <a:t>git</a:t>
             </a:r>
             <a:r>
-              <a:rPr lang="en-US" altLang="ko-KR" dirty="0" smtClean="0"/>
-              <a:t> fetch</a:t>
-            </a:r>
-          </a:p>
-          <a:p>
-            <a:r>
-              <a:rPr lang="ko-KR" altLang="en-US" dirty="0" smtClean="0"/>
-              <a:t>원격 저장소의 </a:t>
-            </a:r>
-            <a:r>
-              <a:rPr lang="ko-KR" altLang="en-US" dirty="0" err="1" smtClean="0"/>
-              <a:t>커밋</a:t>
-            </a:r>
-            <a:r>
-              <a:rPr lang="en-US" altLang="ko-KR" dirty="0" smtClean="0"/>
-              <a:t>/</a:t>
-            </a:r>
-            <a:r>
-              <a:rPr lang="ko-KR" altLang="en-US" dirty="0" err="1" smtClean="0"/>
-              <a:t>브랜치</a:t>
-            </a:r>
-            <a:r>
-              <a:rPr lang="ko-KR" altLang="en-US" dirty="0" smtClean="0"/>
-              <a:t> 정보만 가져옴</a:t>
-            </a:r>
-            <a:endParaRPr lang="en-US" altLang="ko-KR" dirty="0" smtClean="0"/>
-          </a:p>
-          <a:p>
-            <a:r>
-              <a:rPr lang="ko-KR" altLang="en-US" dirty="0" smtClean="0"/>
-              <a:t>❌ </a:t>
-            </a:r>
-            <a:r>
-              <a:rPr lang="en-US" altLang="ko-KR" dirty="0" smtClean="0"/>
-              <a:t>(</a:t>
-            </a:r>
-            <a:r>
-              <a:rPr lang="ko-KR" altLang="en-US" dirty="0" smtClean="0"/>
-              <a:t>변경 없음</a:t>
-            </a:r>
-            <a:r>
-              <a:rPr lang="en-US" altLang="ko-KR" dirty="0" smtClean="0"/>
-              <a:t>)</a:t>
-            </a:r>
-          </a:p>
-          <a:p>
-            <a:endParaRPr lang="en-US" altLang="ko-KR" dirty="0" smtClean="0"/>
-          </a:p>
-          <a:p>
-            <a:r>
-              <a:rPr lang="en-US" altLang="ko-KR" dirty="0" err="1" smtClean="0"/>
-              <a:t>git</a:t>
-            </a:r>
-            <a:r>
-              <a:rPr lang="en-US" altLang="ko-KR" dirty="0" smtClean="0"/>
-              <a:t> pull</a:t>
-            </a:r>
-          </a:p>
-          <a:p>
-            <a:r>
-              <a:rPr lang="en-US" altLang="ko-KR" dirty="0" smtClean="0"/>
-              <a:t>fetch + merge (</a:t>
-            </a:r>
-            <a:r>
-              <a:rPr lang="ko-KR" altLang="en-US" dirty="0" smtClean="0"/>
-              <a:t>바로 병합까지</a:t>
-            </a:r>
-            <a:r>
-              <a:rPr lang="en-US" altLang="ko-KR" dirty="0" smtClean="0"/>
-              <a:t>)</a:t>
-            </a:r>
-          </a:p>
-          <a:p>
-            <a:r>
-              <a:rPr lang="en-US" altLang="ko-KR" dirty="0" smtClean="0"/>
-              <a:t>✅ (</a:t>
-            </a:r>
-            <a:r>
-              <a:rPr lang="ko-KR" altLang="en-US" dirty="0" smtClean="0"/>
-              <a:t>변경 있음</a:t>
-            </a:r>
-            <a:r>
-              <a:rPr lang="en-US" altLang="ko-KR" dirty="0" smtClean="0"/>
-              <a:t>)</a:t>
-            </a:r>
-            <a:endParaRPr lang="ko-KR" altLang="en-US" dirty="0" smtClean="0"/>
-          </a:p>
-          <a:p>
-            <a:endParaRPr lang="en-US" altLang="ko-KR" dirty="0" smtClean="0"/>
-          </a:p>
-          <a:p>
-            <a:r>
-              <a:rPr lang="en-US" altLang="ko-KR" dirty="0" smtClean="0">
-                <a:sym typeface="Wingdings" panose="05000000000000000000" pitchFamily="2" charset="2"/>
-              </a:rPr>
-              <a:t> </a:t>
-            </a:r>
-            <a:r>
-              <a:rPr lang="ko-KR" altLang="en-US" dirty="0" err="1" smtClean="0">
-                <a:sym typeface="Wingdings" panose="05000000000000000000" pitchFamily="2" charset="2"/>
-              </a:rPr>
-              <a:t>노션에서</a:t>
-            </a:r>
-            <a:r>
-              <a:rPr lang="ko-KR" altLang="en-US" dirty="0" smtClean="0">
-                <a:sym typeface="Wingdings" panose="05000000000000000000" pitchFamily="2" charset="2"/>
-              </a:rPr>
-              <a:t> 충돌 실습 보여주기</a:t>
-            </a:r>
-            <a:r>
-              <a:rPr lang="en-US" altLang="ko-KR" dirty="0" smtClean="0">
-                <a:sym typeface="Wingdings" panose="05000000000000000000" pitchFamily="2" charset="2"/>
-              </a:rPr>
+              <a:rPr lang="en-US" altLang="ko-KR" dirty="0"/>
+              <a:t> </a:t>
+            </a:r>
+            <a:r>
+              <a:rPr lang="en-US" altLang="ko-KR" dirty="0" err="1"/>
+              <a:t>init</a:t>
+            </a:r>
+            <a:r>
+              <a:rPr lang="ko-KR" altLang="en-US" dirty="0"/>
+              <a:t>해서 따로 작업함 → 둘 사이에 공통 </a:t>
+            </a:r>
+            <a:r>
+              <a:rPr lang="ko-KR" altLang="en-US" dirty="0" err="1"/>
+              <a:t>커밋이</a:t>
+            </a:r>
+            <a:r>
+              <a:rPr lang="ko-KR" altLang="en-US" dirty="0"/>
+              <a:t> 없음</a:t>
+            </a:r>
+          </a:p>
+          <a:p>
+            <a:endParaRPr lang="en-US" altLang="ko-KR" dirty="0"/>
+          </a:p>
+          <a:p>
+            <a:endParaRPr lang="en-US" altLang="ko-KR" dirty="0"/>
+          </a:p>
+          <a:p>
+            <a:r>
+              <a:rPr lang="ko-KR" altLang="en-US" dirty="0"/>
+              <a:t>강제로 </a:t>
+            </a:r>
+            <a:r>
+              <a:rPr lang="ko-KR" altLang="en-US" b="1" dirty="0"/>
+              <a:t>내 로컬 저장소 상태를 원격 저장소에 덮어쓰기</a:t>
+            </a:r>
+            <a:r>
+              <a:rPr lang="ko-KR" altLang="en-US" dirty="0"/>
+              <a:t> 합니다</a:t>
+            </a:r>
+            <a:r>
+              <a:rPr lang="en-US" altLang="ko-KR" dirty="0"/>
               <a:t>.</a:t>
             </a:r>
-            <a:br>
-              <a:rPr lang="en-US" altLang="ko-KR" dirty="0" smtClean="0">
-                <a:sym typeface="Wingdings" panose="05000000000000000000" pitchFamily="2" charset="2"/>
-              </a:rPr>
-            </a:br>
-            <a:r>
-              <a:rPr lang="en-US" altLang="ko-KR" dirty="0" smtClean="0">
-                <a:sym typeface="Wingdings" panose="05000000000000000000" pitchFamily="2" charset="2"/>
-              </a:rPr>
-              <a:t>https://www.notion.so/git-fetch-1dcd6fe891f280d887c9ff48c16149f9</a:t>
-            </a:r>
+          </a:p>
+          <a:p>
+            <a:r>
+              <a:rPr lang="ko-KR" altLang="en-US" dirty="0"/>
+              <a:t>즉</a:t>
+            </a:r>
+            <a:r>
+              <a:rPr lang="en-US" altLang="ko-KR" dirty="0"/>
+              <a:t>, </a:t>
+            </a:r>
+            <a:r>
+              <a:rPr lang="ko-KR" altLang="en-US" dirty="0"/>
+              <a:t>원격 저장소에 있던 기존 </a:t>
+            </a:r>
+            <a:r>
+              <a:rPr lang="ko-KR" altLang="en-US" dirty="0" err="1"/>
+              <a:t>히스토리는</a:t>
+            </a:r>
+            <a:r>
+              <a:rPr lang="ko-KR" altLang="en-US" dirty="0"/>
+              <a:t> </a:t>
+            </a:r>
+            <a:r>
+              <a:rPr lang="ko-KR" altLang="en-US" b="1" dirty="0"/>
+              <a:t>모두 사라지고 내 것만 남음</a:t>
+            </a:r>
+            <a:r>
+              <a:rPr lang="en-US" altLang="ko-KR" b="1" dirty="0"/>
+              <a:t>!</a:t>
+            </a:r>
+            <a:r>
+              <a:rPr lang="ko-KR" altLang="en-US" dirty="0"/>
+              <a:t> 💣</a:t>
+            </a:r>
+          </a:p>
+          <a:p>
+            <a:r>
+              <a:rPr lang="ko-KR" altLang="en-US" dirty="0"/>
+              <a:t>✔ 주의</a:t>
+            </a:r>
+            <a:r>
+              <a:rPr lang="en-US" altLang="ko-KR" dirty="0"/>
+              <a:t>: </a:t>
+            </a:r>
+            <a:r>
+              <a:rPr lang="ko-KR" altLang="en-US" dirty="0"/>
+              <a:t>협업 중에는 위험하므로 혼자 쓰는 저장소일 때만 사용하는 것이 좋아요</a:t>
+            </a:r>
+            <a:r>
+              <a:rPr lang="en-US" altLang="ko-KR" dirty="0"/>
+              <a:t>!</a:t>
+            </a:r>
+          </a:p>
+          <a:p>
             <a:endParaRPr lang="ko-KR" altLang="en-US" dirty="0"/>
           </a:p>
         </p:txBody>
@@ -9959,7 +9708,7 @@
           <a:p>
             <a:fld id="{C09E5BFC-1559-42F1-8940-AB342D56BF02}" type="slidenum">
               <a:rPr lang="ko-KR" altLang="en-US" smtClean="0"/>
-              <a:t>63</a:t>
+              <a:t>62</a:t>
             </a:fld>
             <a:endParaRPr lang="ko-KR" altLang="en-US"/>
           </a:p>
@@ -9968,7 +9717,7 @@
     </p:spTree>
     <p:extLst>
       <p:ext uri="{BB962C8B-B14F-4D97-AF65-F5344CB8AC3E}">
-        <p14:creationId xmlns:p14="http://schemas.microsoft.com/office/powerpoint/2010/main" val="2649389259"/>
+        <p14:creationId xmlns:p14="http://schemas.microsoft.com/office/powerpoint/2010/main" val="718502675"/>
       </p:ext>
     </p:extLst>
   </p:cSld>
@@ -10022,6 +9771,191 @@
           <a:bodyPr/>
           <a:lstStyle/>
           <a:p>
+            <a:r>
+              <a:rPr lang="en-US" altLang="ko-KR" dirty="0"/>
+              <a:t>fetch</a:t>
+            </a:r>
+          </a:p>
+          <a:p>
+            <a:r>
+              <a:rPr lang="ko-KR" altLang="en-US" dirty="0"/>
+              <a:t>원격저장소의 최신 상태를 내 로컬로 가져오는 명령어</a:t>
+            </a:r>
+            <a:endParaRPr lang="en-US" altLang="ko-KR" dirty="0"/>
+          </a:p>
+          <a:p>
+            <a:r>
+              <a:rPr lang="ko-KR" altLang="en-US" dirty="0"/>
+              <a:t>하지만</a:t>
+            </a:r>
+            <a:r>
+              <a:rPr lang="en-US" altLang="ko-KR" dirty="0"/>
+              <a:t>! </a:t>
+            </a:r>
+            <a:r>
+              <a:rPr lang="ko-KR" altLang="en-US" dirty="0"/>
+              <a:t>가져오기만 할 뿐</a:t>
+            </a:r>
+            <a:r>
+              <a:rPr lang="en-US" altLang="ko-KR" dirty="0"/>
+              <a:t>, “</a:t>
+            </a:r>
+            <a:r>
+              <a:rPr lang="ko-KR" altLang="en-US" dirty="0"/>
+              <a:t>내 작업 디렉토리</a:t>
+            </a:r>
+            <a:r>
+              <a:rPr lang="en-US" altLang="ko-KR" dirty="0"/>
+              <a:t>＂</a:t>
+            </a:r>
+            <a:r>
+              <a:rPr lang="ko-KR" altLang="en-US" dirty="0"/>
+              <a:t>에는 아무런 변화도 주지 </a:t>
+            </a:r>
+            <a:r>
+              <a:rPr lang="ko-KR" altLang="en-US" dirty="0" err="1"/>
+              <a:t>ㅇㄶ음</a:t>
+            </a:r>
+            <a:r>
+              <a:rPr lang="en-US" altLang="ko-KR" dirty="0"/>
+              <a:t>.</a:t>
+            </a:r>
+          </a:p>
+          <a:p>
+            <a:endParaRPr lang="en-US" altLang="ko-KR" dirty="0"/>
+          </a:p>
+          <a:p>
+            <a:r>
+              <a:rPr lang="en-US" altLang="ko-KR" dirty="0" err="1"/>
+              <a:t>git</a:t>
+            </a:r>
+            <a:r>
+              <a:rPr lang="en-US" altLang="ko-KR" dirty="0"/>
+              <a:t> fetch</a:t>
+            </a:r>
+          </a:p>
+          <a:p>
+            <a:r>
+              <a:rPr lang="ko-KR" altLang="en-US" dirty="0"/>
+              <a:t>원격 저장소의 </a:t>
+            </a:r>
+            <a:r>
+              <a:rPr lang="ko-KR" altLang="en-US" dirty="0" err="1"/>
+              <a:t>커밋</a:t>
+            </a:r>
+            <a:r>
+              <a:rPr lang="en-US" altLang="ko-KR" dirty="0"/>
+              <a:t>/</a:t>
+            </a:r>
+            <a:r>
+              <a:rPr lang="ko-KR" altLang="en-US" dirty="0" err="1"/>
+              <a:t>브랜치</a:t>
+            </a:r>
+            <a:r>
+              <a:rPr lang="ko-KR" altLang="en-US" dirty="0"/>
+              <a:t> 정보만 가져옴</a:t>
+            </a:r>
+            <a:endParaRPr lang="en-US" altLang="ko-KR" dirty="0"/>
+          </a:p>
+          <a:p>
+            <a:r>
+              <a:rPr lang="ko-KR" altLang="en-US" dirty="0"/>
+              <a:t>❌ </a:t>
+            </a:r>
+            <a:r>
+              <a:rPr lang="en-US" altLang="ko-KR" dirty="0"/>
+              <a:t>(</a:t>
+            </a:r>
+            <a:r>
+              <a:rPr lang="ko-KR" altLang="en-US" dirty="0"/>
+              <a:t>변경 없음</a:t>
+            </a:r>
+            <a:r>
+              <a:rPr lang="en-US" altLang="ko-KR" dirty="0"/>
+              <a:t>)</a:t>
+            </a:r>
+          </a:p>
+          <a:p>
+            <a:endParaRPr lang="en-US" altLang="ko-KR" dirty="0"/>
+          </a:p>
+          <a:p>
+            <a:r>
+              <a:rPr lang="en-US" altLang="ko-KR" dirty="0" err="1"/>
+              <a:t>git</a:t>
+            </a:r>
+            <a:r>
+              <a:rPr lang="en-US" altLang="ko-KR" dirty="0"/>
+              <a:t> pull</a:t>
+            </a:r>
+          </a:p>
+          <a:p>
+            <a:r>
+              <a:rPr lang="en-US" altLang="ko-KR" dirty="0"/>
+              <a:t>fetch + merge (</a:t>
+            </a:r>
+            <a:r>
+              <a:rPr lang="ko-KR" altLang="en-US" dirty="0"/>
+              <a:t>바로 병합까지</a:t>
+            </a:r>
+            <a:r>
+              <a:rPr lang="en-US" altLang="ko-KR" dirty="0"/>
+              <a:t>)</a:t>
+            </a:r>
+          </a:p>
+          <a:p>
+            <a:r>
+              <a:rPr lang="en-US" altLang="ko-KR" dirty="0"/>
+              <a:t>✅ (</a:t>
+            </a:r>
+            <a:r>
+              <a:rPr lang="ko-KR" altLang="en-US" dirty="0"/>
+              <a:t>변경 있음</a:t>
+            </a:r>
+            <a:r>
+              <a:rPr lang="en-US" altLang="ko-KR" dirty="0"/>
+              <a:t>)</a:t>
+            </a:r>
+            <a:endParaRPr lang="ko-KR" altLang="en-US" dirty="0"/>
+          </a:p>
+          <a:p>
+            <a:endParaRPr lang="en-US" altLang="ko-KR" dirty="0"/>
+          </a:p>
+          <a:p>
+            <a:r>
+              <a:rPr lang="en-US" altLang="ko-KR" dirty="0">
+                <a:sym typeface="Wingdings" panose="05000000000000000000" pitchFamily="2" charset="2"/>
+              </a:rPr>
+              <a:t> </a:t>
+            </a:r>
+            <a:r>
+              <a:rPr lang="ko-KR" altLang="en-US" dirty="0" err="1">
+                <a:sym typeface="Wingdings" panose="05000000000000000000" pitchFamily="2" charset="2"/>
+              </a:rPr>
+              <a:t>노션에서</a:t>
+            </a:r>
+            <a:r>
+              <a:rPr lang="ko-KR" altLang="en-US" dirty="0">
+                <a:sym typeface="Wingdings" panose="05000000000000000000" pitchFamily="2" charset="2"/>
+              </a:rPr>
+              <a:t> 충돌 실습 보여주기</a:t>
+            </a:r>
+            <a:r>
+              <a:rPr lang="en-US" altLang="ko-KR" dirty="0">
+                <a:sym typeface="Wingdings" panose="05000000000000000000" pitchFamily="2" charset="2"/>
+              </a:rPr>
+              <a:t>.</a:t>
+            </a:r>
+            <a:br>
+              <a:rPr lang="en-US" altLang="ko-KR" dirty="0">
+                <a:sym typeface="Wingdings" panose="05000000000000000000" pitchFamily="2" charset="2"/>
+              </a:rPr>
+            </a:br>
+            <a:r>
+              <a:rPr lang="en-US" altLang="ko-KR" dirty="0">
+                <a:sym typeface="Wingdings" panose="05000000000000000000" pitchFamily="2" charset="2"/>
+              </a:rPr>
+              <a:t>https://www.notion.so/git-fetch-1dcd6fe891f280d887c9ff48c16149f9</a:t>
+            </a:r>
             <a:endParaRPr lang="ko-KR" altLang="en-US" dirty="0"/>
           </a:p>
         </p:txBody>
@@ -10043,7 +9977,7 @@
           <a:p>
             <a:fld id="{C09E5BFC-1559-42F1-8940-AB342D56BF02}" type="slidenum">
               <a:rPr lang="ko-KR" altLang="en-US" smtClean="0"/>
-              <a:t>64</a:t>
+              <a:t>63</a:t>
             </a:fld>
             <a:endParaRPr lang="ko-KR" altLang="en-US"/>
           </a:p>
@@ -10052,7 +9986,7 @@
     </p:spTree>
     <p:extLst>
       <p:ext uri="{BB962C8B-B14F-4D97-AF65-F5344CB8AC3E}">
-        <p14:creationId xmlns:p14="http://schemas.microsoft.com/office/powerpoint/2010/main" val="114423695"/>
+        <p14:creationId xmlns:p14="http://schemas.microsoft.com/office/powerpoint/2010/main" val="2649389259"/>
       </p:ext>
     </p:extLst>
   </p:cSld>
@@ -10106,10 +10040,7 @@
           <a:bodyPr/>
           <a:lstStyle/>
           <a:p>
-            <a:endParaRPr lang="ko-KR" altLang="en-US"/>
-          </a:p>
-          <a:p>
-            <a:endParaRPr lang="ko-KR" altLang="en-US"/>
+            <a:endParaRPr lang="ko-KR" altLang="en-US" dirty="0"/>
           </a:p>
         </p:txBody>
       </p:sp>
@@ -10130,7 +10061,7 @@
           <a:p>
             <a:fld id="{C09E5BFC-1559-42F1-8940-AB342D56BF02}" type="slidenum">
               <a:rPr lang="ko-KR" altLang="en-US" smtClean="0"/>
-              <a:t>65</a:t>
+              <a:t>64</a:t>
             </a:fld>
             <a:endParaRPr lang="ko-KR" altLang="en-US"/>
           </a:p>
@@ -10139,7 +10070,7 @@
     </p:spTree>
     <p:extLst>
       <p:ext uri="{BB962C8B-B14F-4D97-AF65-F5344CB8AC3E}">
-        <p14:creationId xmlns:p14="http://schemas.microsoft.com/office/powerpoint/2010/main" val="2796151402"/>
+        <p14:creationId xmlns:p14="http://schemas.microsoft.com/office/powerpoint/2010/main" val="114423695"/>
       </p:ext>
     </p:extLst>
   </p:cSld>
@@ -10195,6 +10126,9 @@
           <a:p>
             <a:endParaRPr lang="ko-KR" altLang="en-US" dirty="0"/>
           </a:p>
+          <a:p>
+            <a:endParaRPr lang="ko-KR" altLang="en-US" dirty="0"/>
+          </a:p>
         </p:txBody>
       </p:sp>
       <p:sp>
@@ -10204,7 +10138,7 @@
             <a:spLocks noGrp="1"/>
           </p:cNvSpPr>
           <p:nvPr>
-            <p:ph type="sldNum" sz="quarter" idx="10"/>
+            <p:ph type="sldNum" sz="quarter" idx="5"/>
           </p:nvPr>
         </p:nvSpPr>
         <p:spPr/>
@@ -10212,9 +10146,9 @@
           <a:bodyPr/>
           <a:lstStyle/>
           <a:p>
-            <a:fld id="{80927ADC-3725-4C53-90DA-A7CB1E9F9FDE}" type="slidenum">
+            <a:fld id="{C09E5BFC-1559-42F1-8940-AB342D56BF02}" type="slidenum">
               <a:rPr lang="ko-KR" altLang="en-US" smtClean="0"/>
-              <a:t>66</a:t>
+              <a:t>65</a:t>
             </a:fld>
             <a:endParaRPr lang="ko-KR" altLang="en-US"/>
           </a:p>
@@ -10223,7 +10157,7 @@
     </p:spTree>
     <p:extLst>
       <p:ext uri="{BB962C8B-B14F-4D97-AF65-F5344CB8AC3E}">
-        <p14:creationId xmlns:p14="http://schemas.microsoft.com/office/powerpoint/2010/main" val="3730785152"/>
+        <p14:creationId xmlns:p14="http://schemas.microsoft.com/office/powerpoint/2010/main" val="2796151402"/>
       </p:ext>
     </p:extLst>
   </p:cSld>
@@ -10340,6 +10274,90 @@
     <p:extLst>
       <p:ext uri="{BB962C8B-B14F-4D97-AF65-F5344CB8AC3E}">
         <p14:creationId xmlns:p14="http://schemas.microsoft.com/office/powerpoint/2010/main" val="4078064279"/>
+      </p:ext>
+    </p:extLst>
+  </p:cSld>
+  <p:clrMapOvr>
+    <a:masterClrMapping/>
+  </p:clrMapOvr>
+</p:notes>
+</file>
+
+<file path=ppt/notesSlides/notesSlide60.xml><?xml version="1.0" encoding="utf-8"?>
+<p:notes xmlns:a="http://schemas.openxmlformats.org/drawingml/2006/main" xmlns:r="http://schemas.openxmlformats.org/officeDocument/2006/relationships" xmlns:p="http://schemas.openxmlformats.org/presentationml/2006/main">
+  <p:cSld>
+    <p:spTree>
+      <p:nvGrpSpPr>
+        <p:cNvPr id="1" name=""/>
+        <p:cNvGrpSpPr/>
+        <p:nvPr/>
+      </p:nvGrpSpPr>
+      <p:grpSpPr>
+        <a:xfrm>
+          <a:off x="0" y="0"/>
+          <a:ext cx="0" cy="0"/>
+          <a:chOff x="0" y="0"/>
+          <a:chExt cx="0" cy="0"/>
+        </a:xfrm>
+      </p:grpSpPr>
+      <p:sp>
+        <p:nvSpPr>
+          <p:cNvPr id="2" name="슬라이드 이미지 개체 틀 1"/>
+          <p:cNvSpPr>
+            <a:spLocks noGrp="1" noRot="1" noChangeAspect="1"/>
+          </p:cNvSpPr>
+          <p:nvPr>
+            <p:ph type="sldImg"/>
+          </p:nvPr>
+        </p:nvSpPr>
+        <p:spPr/>
+      </p:sp>
+      <p:sp>
+        <p:nvSpPr>
+          <p:cNvPr id="3" name="슬라이드 노트 개체 틀 2"/>
+          <p:cNvSpPr>
+            <a:spLocks noGrp="1"/>
+          </p:cNvSpPr>
+          <p:nvPr>
+            <p:ph type="body" idx="1"/>
+          </p:nvPr>
+        </p:nvSpPr>
+        <p:spPr/>
+        <p:txBody>
+          <a:bodyPr/>
+          <a:lstStyle/>
+          <a:p>
+            <a:endParaRPr lang="ko-KR" altLang="en-US" dirty="0"/>
+          </a:p>
+        </p:txBody>
+      </p:sp>
+      <p:sp>
+        <p:nvSpPr>
+          <p:cNvPr id="4" name="슬라이드 번호 개체 틀 3"/>
+          <p:cNvSpPr>
+            <a:spLocks noGrp="1"/>
+          </p:cNvSpPr>
+          <p:nvPr>
+            <p:ph type="sldNum" sz="quarter" idx="10"/>
+          </p:nvPr>
+        </p:nvSpPr>
+        <p:spPr/>
+        <p:txBody>
+          <a:bodyPr/>
+          <a:lstStyle/>
+          <a:p>
+            <a:fld id="{80927ADC-3725-4C53-90DA-A7CB1E9F9FDE}" type="slidenum">
+              <a:rPr lang="ko-KR" altLang="en-US" smtClean="0"/>
+              <a:t>66</a:t>
+            </a:fld>
+            <a:endParaRPr lang="ko-KR" altLang="en-US"/>
+          </a:p>
+        </p:txBody>
+      </p:sp>
+    </p:spTree>
+    <p:extLst>
+      <p:ext uri="{BB962C8B-B14F-4D97-AF65-F5344CB8AC3E}">
+        <p14:creationId xmlns:p14="http://schemas.microsoft.com/office/powerpoint/2010/main" val="3730785152"/>
       </p:ext>
     </p:extLst>
   </p:cSld>
@@ -10935,7 +10953,7 @@
           <a:p>
             <a:fld id="{442BEE3F-2E9A-4FD8-8B8A-8619F3E161C0}" type="datetime1">
               <a:rPr lang="ko-KR" altLang="en-US" smtClean="0"/>
-              <a:t>2025-04-21</a:t>
+              <a:t>2025-04-22</a:t>
             </a:fld>
             <a:endParaRPr lang="ko-KR" altLang="en-US"/>
           </a:p>
@@ -11121,7 +11139,7 @@
           <a:p>
             <a:fld id="{2EAE422B-0E68-47B5-84BB-CA2BDA8EE46C}" type="datetime1">
               <a:rPr lang="ko-KR" altLang="en-US" smtClean="0"/>
-              <a:t>2025-04-21</a:t>
+              <a:t>2025-04-22</a:t>
             </a:fld>
             <a:endParaRPr lang="ko-KR" altLang="en-US"/>
           </a:p>
@@ -11329,7 +11347,7 @@
           <a:p>
             <a:fld id="{AF7C623F-179B-417F-99B6-50F6DF228D4B}" type="datetime1">
               <a:rPr lang="ko-KR" altLang="en-US" smtClean="0"/>
-              <a:t>2025-04-21</a:t>
+              <a:t>2025-04-22</a:t>
             </a:fld>
             <a:endParaRPr lang="ko-KR" altLang="en-US"/>
           </a:p>
@@ -11565,7 +11583,7 @@
           <a:p>
             <a:fld id="{0F78D9C4-20C1-4B15-A116-16DC77AD9A1E}" type="datetime1">
               <a:rPr lang="ko-KR" altLang="en-US" smtClean="0"/>
-              <a:t>2025-04-21</a:t>
+              <a:t>2025-04-22</a:t>
             </a:fld>
             <a:endParaRPr lang="ko-KR" altLang="en-US"/>
           </a:p>
@@ -11840,7 +11858,7 @@
           <a:p>
             <a:fld id="{C7F43723-C509-4DEA-8428-B50818F79709}" type="datetime1">
               <a:rPr lang="ko-KR" altLang="en-US" smtClean="0"/>
-              <a:t>2025-04-21</a:t>
+              <a:t>2025-04-22</a:t>
             </a:fld>
             <a:endParaRPr lang="ko-KR" altLang="en-US"/>
           </a:p>
@@ -12105,7 +12123,7 @@
           <a:p>
             <a:fld id="{5D2B7482-EE74-4DBD-97F4-D0DAC0C0E4E5}" type="datetime1">
               <a:rPr lang="ko-KR" altLang="en-US" smtClean="0"/>
-              <a:t>2025-04-21</a:t>
+              <a:t>2025-04-22</a:t>
             </a:fld>
             <a:endParaRPr lang="ko-KR" altLang="en-US"/>
           </a:p>
@@ -12518,7 +12536,7 @@
           <a:p>
             <a:fld id="{051A8C49-CED7-4A86-9B4A-621D7F62EE92}" type="datetime1">
               <a:rPr lang="ko-KR" altLang="en-US" smtClean="0"/>
-              <a:t>2025-04-21</a:t>
+              <a:t>2025-04-22</a:t>
             </a:fld>
             <a:endParaRPr lang="ko-KR" altLang="en-US"/>
           </a:p>
@@ -12665,7 +12683,7 @@
           <a:p>
             <a:fld id="{84082D76-7079-412D-848B-E1B9E7A6A286}" type="datetime1">
               <a:rPr lang="ko-KR" altLang="en-US" smtClean="0"/>
-              <a:t>2025-04-21</a:t>
+              <a:t>2025-04-22</a:t>
             </a:fld>
             <a:endParaRPr lang="ko-KR" altLang="en-US"/>
           </a:p>
@@ -12778,7 +12796,7 @@
           <a:p>
             <a:fld id="{10C5FEB5-5F88-4F49-9108-1795E314F09F}" type="datetime1">
               <a:rPr lang="ko-KR" altLang="en-US" smtClean="0"/>
-              <a:t>2025-04-21</a:t>
+              <a:t>2025-04-22</a:t>
             </a:fld>
             <a:endParaRPr lang="ko-KR" altLang="en-US"/>
           </a:p>
@@ -13089,7 +13107,7 @@
           <a:p>
             <a:fld id="{E37ABBEE-D8D4-48AD-9887-4DC578B8A684}" type="datetime1">
               <a:rPr lang="ko-KR" altLang="en-US" smtClean="0"/>
-              <a:t>2025-04-21</a:t>
+              <a:t>2025-04-22</a:t>
             </a:fld>
             <a:endParaRPr lang="ko-KR" altLang="en-US"/>
           </a:p>
@@ -13380,7 +13398,7 @@
           <a:p>
             <a:fld id="{A2D6A55C-F3DD-45DD-9D50-F8680410167D}" type="datetime1">
               <a:rPr lang="ko-KR" altLang="en-US" smtClean="0"/>
-              <a:t>2025-04-21</a:t>
+              <a:t>2025-04-22</a:t>
             </a:fld>
             <a:endParaRPr lang="ko-KR" altLang="en-US"/>
           </a:p>
@@ -13624,7 +13642,7 @@
             <a:fld id="{7F5E23C3-0E3D-4E4E-8486-D7FB4C073DC1}" type="datetime1">
               <a:rPr lang="ko-KR" altLang="en-US" smtClean="0"/>
               <a:pPr/>
-              <a:t>2025-04-21</a:t>
+              <a:t>2025-04-22</a:t>
             </a:fld>
             <a:endParaRPr lang="ko-KR" altLang="en-US" dirty="0"/>
           </a:p>
@@ -17073,13 +17091,6 @@
               </a:rPr>
               <a:t>자료구조에서 사용하는 용어로 계층적 관계를 </a:t>
             </a:r>
-            <a:r>
-              <a:rPr lang="en-US" altLang="ko-KR" sz="2000" dirty="0">
-                <a:latin typeface="G마켓 산스 TTF Medium" panose="02000000000000000000" pitchFamily="2" charset="-127"/>
-                <a:ea typeface="G마켓 산스 TTF Medium" panose="02000000000000000000" pitchFamily="2" charset="-127"/>
-              </a:rPr>
-              <a:t/>
-            </a:r>
             <a:br>
               <a:rPr lang="en-US" altLang="ko-KR" sz="2000" dirty="0">
                 <a:latin typeface="G마켓 산스 TTF Medium" panose="02000000000000000000" pitchFamily="2" charset="-127"/>
@@ -17333,32 +17344,18 @@
               </a:rPr>
               <a:t>루트가 프로젝트 소스코드를 </a:t>
             </a:r>
-            <a:r>
-              <a:rPr lang="en-US" altLang="ko-KR" sz="2400" dirty="0" smtClean="0">
+            <a:br>
+              <a:rPr lang="en-US" altLang="ko-KR" sz="2400" dirty="0">
                 <a:latin typeface="G마켓 산스 TTF Medium" panose="02000000000000000000" pitchFamily="2" charset="-127"/>
                 <a:ea typeface="G마켓 산스 TTF Medium" panose="02000000000000000000" pitchFamily="2" charset="-127"/>
               </a:rPr>
-              <a:t/>
-            </a:r>
-            <a:br>
-              <a:rPr lang="en-US" altLang="ko-KR" sz="2400" dirty="0" smtClean="0">
-                <a:latin typeface="G마켓 산스 TTF Medium" panose="02000000000000000000" pitchFamily="2" charset="-127"/>
-                <a:ea typeface="G마켓 산스 TTF Medium" panose="02000000000000000000" pitchFamily="2" charset="-127"/>
-              </a:rPr>
             </a:br>
-            <a:r>
-              <a:rPr lang="ko-KR" altLang="en-US" sz="2400" dirty="0" smtClean="0">
-                <a:latin typeface="G마켓 산스 TTF Medium" panose="02000000000000000000" pitchFamily="2" charset="-127"/>
-                <a:ea typeface="G마켓 산스 TTF Medium" panose="02000000000000000000" pitchFamily="2" charset="-127"/>
-              </a:rPr>
-              <a:t>담기 </a:t>
-            </a:r>
             <a:r>
               <a:rPr lang="ko-KR" altLang="en-US" sz="2400" dirty="0">
                 <a:latin typeface="G마켓 산스 TTF Medium" panose="02000000000000000000" pitchFamily="2" charset="-127"/>
                 <a:ea typeface="G마켓 산스 TTF Medium" panose="02000000000000000000" pitchFamily="2" charset="-127"/>
               </a:rPr>
-              <a:t>위한 최상위 폴더</a:t>
+              <a:t>담기 위한 최상위 폴더</a:t>
             </a:r>
             <a:endParaRPr lang="en-US" altLang="ko-KR" sz="2400" dirty="0">
               <a:latin typeface="G마켓 산스 TTF Medium" panose="02000000000000000000" pitchFamily="2" charset="-127"/>
@@ -18435,7 +18432,7 @@
           <a:p>
             <a:fld id="{0F78D9C4-20C1-4B15-A116-16DC77AD9A1E}" type="datetime1">
               <a:rPr lang="ko-KR" altLang="en-US" smtClean="0"/>
-              <a:t>2025-04-21</a:t>
+              <a:t>2025-04-22</a:t>
             </a:fld>
             <a:endParaRPr lang="ko-KR" altLang="en-US"/>
           </a:p>
@@ -18500,18 +18497,11 @@
           <a:p>
             <a:pPr algn="ctr"/>
             <a:r>
-              <a:rPr lang="en-US" altLang="ko-KR" sz="6600" dirty="0" smtClean="0">
-                <a:latin typeface="G마켓 산스 TTF Bold" panose="02000000000000000000" pitchFamily="2" charset="-127"/>
-                <a:ea typeface="G마켓 산스 TTF Bold" panose="02000000000000000000" pitchFamily="2" charset="-127"/>
-              </a:rPr>
-              <a:t>GUI </a:t>
-            </a:r>
-            <a:r>
               <a:rPr lang="en-US" altLang="ko-KR" sz="6600" dirty="0">
                 <a:latin typeface="G마켓 산스 TTF Bold" panose="02000000000000000000" pitchFamily="2" charset="-127"/>
                 <a:ea typeface="G마켓 산스 TTF Bold" panose="02000000000000000000" pitchFamily="2" charset="-127"/>
               </a:rPr>
-              <a:t>&amp; CLI</a:t>
+              <a:t>GUI &amp; CLI</a:t>
             </a:r>
             <a:endParaRPr lang="ko-KR" altLang="en-US" sz="6600" dirty="0">
               <a:latin typeface="G마켓 산스 TTF Bold" panose="02000000000000000000" pitchFamily="2" charset="-127"/>
@@ -18601,154 +18591,150 @@
           <a:p>
             <a:pPr marL="342900" lvl="1" indent="-342900"/>
             <a:r>
-              <a:rPr lang="en-US" altLang="ko-KR" dirty="0" smtClean="0"/>
+              <a:rPr lang="en-US" altLang="ko-KR" dirty="0"/>
               <a:t>Graphical</a:t>
             </a:r>
             <a:r>
-              <a:rPr lang="ko-KR" altLang="en-US" dirty="0" smtClean="0"/>
+              <a:rPr lang="ko-KR" altLang="en-US" dirty="0"/>
               <a:t> </a:t>
             </a:r>
             <a:r>
-              <a:rPr lang="en-US" altLang="ko-KR" dirty="0" smtClean="0"/>
+              <a:rPr lang="en-US" altLang="ko-KR" dirty="0"/>
               <a:t>User Interface</a:t>
             </a:r>
             <a:r>
-              <a:rPr lang="ko-KR" altLang="en-US" dirty="0" smtClean="0"/>
+              <a:rPr lang="ko-KR" altLang="en-US" dirty="0"/>
               <a:t>의 약자</a:t>
             </a:r>
             <a:r>
-              <a:rPr lang="en-US" altLang="ko-KR" dirty="0" smtClean="0"/>
+              <a:rPr lang="en-US" altLang="ko-KR" dirty="0"/>
               <a:t>.</a:t>
             </a:r>
           </a:p>
           <a:p>
             <a:pPr marL="342900" lvl="1" indent="-342900"/>
             <a:r>
-              <a:rPr lang="ko-KR" altLang="en-US" dirty="0" smtClean="0"/>
+              <a:rPr lang="ko-KR" altLang="en-US" dirty="0"/>
               <a:t>그래픽 사용자 인터페이스로</a:t>
             </a:r>
             <a:r>
-              <a:rPr lang="en-US" altLang="ko-KR" dirty="0" smtClean="0"/>
+              <a:rPr lang="en-US" altLang="ko-KR" dirty="0"/>
               <a:t>, </a:t>
             </a:r>
             <a:r>
-              <a:rPr lang="ko-KR" altLang="en-US" dirty="0" smtClean="0"/>
+              <a:rPr lang="ko-KR" altLang="en-US" dirty="0"/>
               <a:t>사용자가 아이콘</a:t>
             </a:r>
             <a:r>
-              <a:rPr lang="en-US" altLang="ko-KR" dirty="0" smtClean="0"/>
+              <a:rPr lang="en-US" altLang="ko-KR" dirty="0"/>
               <a:t>, </a:t>
             </a:r>
             <a:r>
-              <a:rPr lang="ko-KR" altLang="en-US" dirty="0" smtClean="0"/>
+              <a:rPr lang="ko-KR" altLang="en-US" dirty="0"/>
               <a:t>버튼</a:t>
             </a:r>
             <a:r>
-              <a:rPr lang="en-US" altLang="ko-KR" dirty="0" smtClean="0"/>
+              <a:rPr lang="en-US" altLang="ko-KR" dirty="0"/>
               <a:t>, </a:t>
             </a:r>
             <a:r>
-              <a:rPr lang="ko-KR" altLang="en-US" dirty="0" smtClean="0"/>
+              <a:rPr lang="ko-KR" altLang="en-US" dirty="0"/>
               <a:t>메뉴</a:t>
             </a:r>
             <a:r>
-              <a:rPr lang="en-US" altLang="ko-KR" dirty="0" smtClean="0"/>
+              <a:rPr lang="en-US" altLang="ko-KR" dirty="0"/>
               <a:t>, </a:t>
             </a:r>
             <a:r>
-              <a:rPr lang="ko-KR" altLang="en-US" dirty="0" smtClean="0"/>
+              <a:rPr lang="ko-KR" altLang="en-US" dirty="0"/>
               <a:t>창 등 시각적 요소를 마우스나 터치로 조작하여 컴퓨터와 상호작용하는 방식</a:t>
             </a:r>
             <a:r>
-              <a:rPr lang="en-US" altLang="ko-KR" dirty="0" smtClean="0"/>
+              <a:rPr lang="en-US" altLang="ko-KR" dirty="0"/>
               <a:t>.</a:t>
             </a:r>
           </a:p>
           <a:p>
             <a:pPr marL="342900" lvl="1" indent="-342900"/>
             <a:r>
-              <a:rPr lang="en-US" altLang="ko-KR" dirty="0" smtClean="0"/>
+              <a:rPr lang="en-US" altLang="ko-KR" dirty="0"/>
               <a:t>Ex) </a:t>
             </a:r>
             <a:r>
-              <a:rPr lang="ko-KR" altLang="en-US" dirty="0" smtClean="0"/>
+              <a:rPr lang="ko-KR" altLang="en-US" dirty="0"/>
               <a:t>파일 복사</a:t>
             </a:r>
-            <a:r>
-              <a:rPr lang="en-US" altLang="ko-KR" dirty="0" smtClean="0"/>
-              <a:t/>
-            </a:r>
             <a:br>
-              <a:rPr lang="en-US" altLang="ko-KR" dirty="0" smtClean="0"/>
+              <a:rPr lang="en-US" altLang="ko-KR" dirty="0"/>
             </a:br>
             <a:r>
-              <a:rPr lang="en-US" altLang="ko-KR" dirty="0" smtClean="0">
+              <a:rPr lang="en-US" altLang="ko-KR" dirty="0">
                 <a:sym typeface="Wingdings" panose="05000000000000000000" pitchFamily="2" charset="2"/>
               </a:rPr>
               <a:t> </a:t>
             </a:r>
             <a:r>
-              <a:rPr lang="ko-KR" altLang="en-US" dirty="0" smtClean="0">
+              <a:rPr lang="ko-KR" altLang="en-US" dirty="0">
                 <a:sym typeface="Wingdings" panose="05000000000000000000" pitchFamily="2" charset="2"/>
               </a:rPr>
               <a:t>마우스로 파일을 클릭 </a:t>
             </a:r>
             <a:r>
-              <a:rPr lang="en-US" altLang="ko-KR" dirty="0" smtClean="0">
+              <a:rPr lang="en-US" altLang="ko-KR" dirty="0">
                 <a:sym typeface="Wingdings" panose="05000000000000000000" pitchFamily="2" charset="2"/>
               </a:rPr>
               <a:t> </a:t>
             </a:r>
             <a:r>
-              <a:rPr lang="ko-KR" altLang="en-US" dirty="0" err="1" smtClean="0">
+              <a:rPr lang="ko-KR" altLang="en-US" dirty="0" err="1">
                 <a:sym typeface="Wingdings" panose="05000000000000000000" pitchFamily="2" charset="2"/>
               </a:rPr>
               <a:t>우클릭</a:t>
             </a:r>
             <a:r>
-              <a:rPr lang="ko-KR" altLang="en-US" dirty="0" smtClean="0">
+              <a:rPr lang="ko-KR" altLang="en-US" dirty="0">
                 <a:sym typeface="Wingdings" panose="05000000000000000000" pitchFamily="2" charset="2"/>
               </a:rPr>
               <a:t> </a:t>
             </a:r>
             <a:r>
-              <a:rPr lang="en-US" altLang="ko-KR" dirty="0" smtClean="0">
+              <a:rPr lang="en-US" altLang="ko-KR" dirty="0">
                 <a:sym typeface="Wingdings" panose="05000000000000000000" pitchFamily="2" charset="2"/>
               </a:rPr>
               <a:t> “</a:t>
             </a:r>
             <a:r>
-              <a:rPr lang="ko-KR" altLang="en-US" dirty="0" smtClean="0">
+              <a:rPr lang="ko-KR" altLang="en-US" dirty="0">
                 <a:sym typeface="Wingdings" panose="05000000000000000000" pitchFamily="2" charset="2"/>
               </a:rPr>
               <a:t>복사</a:t>
             </a:r>
             <a:r>
-              <a:rPr lang="en-US" altLang="ko-KR" dirty="0" smtClean="0">
+              <a:rPr lang="en-US" altLang="ko-KR" dirty="0">
                 <a:sym typeface="Wingdings" panose="05000000000000000000" pitchFamily="2" charset="2"/>
               </a:rPr>
               <a:t>”  </a:t>
             </a:r>
             <a:r>
-              <a:rPr lang="ko-KR" altLang="en-US" dirty="0" smtClean="0">
+              <a:rPr lang="ko-KR" altLang="en-US" dirty="0">
                 <a:sym typeface="Wingdings" panose="05000000000000000000" pitchFamily="2" charset="2"/>
               </a:rPr>
               <a:t>다른 폴더에 가서 </a:t>
             </a:r>
             <a:r>
-              <a:rPr lang="en-US" altLang="ko-KR" dirty="0" smtClean="0">
+              <a:rPr lang="en-US" altLang="ko-KR" dirty="0">
                 <a:sym typeface="Wingdings" panose="05000000000000000000" pitchFamily="2" charset="2"/>
               </a:rPr>
               <a:t>“</a:t>
             </a:r>
             <a:r>
-              <a:rPr lang="ko-KR" altLang="en-US" dirty="0" err="1" smtClean="0">
+              <a:rPr lang="ko-KR" altLang="en-US" dirty="0" err="1">
                 <a:sym typeface="Wingdings" panose="05000000000000000000" pitchFamily="2" charset="2"/>
               </a:rPr>
               <a:t>붙여넣기</a:t>
             </a:r>
             <a:r>
-              <a:rPr lang="en-US" altLang="ko-KR" dirty="0" smtClean="0">
+              <a:rPr lang="en-US" altLang="ko-KR" dirty="0">
                 <a:sym typeface="Wingdings" panose="05000000000000000000" pitchFamily="2" charset="2"/>
               </a:rPr>
               <a:t>”</a:t>
@@ -18757,18 +18743,18 @@
           <a:p>
             <a:pPr marL="342900" lvl="1" indent="-342900"/>
             <a:r>
-              <a:rPr lang="ko-KR" altLang="en-US" dirty="0" smtClean="0">
+              <a:rPr lang="ko-KR" altLang="en-US" dirty="0">
                 <a:sym typeface="Wingdings" panose="05000000000000000000" pitchFamily="2" charset="2"/>
               </a:rPr>
               <a:t>직관적이고 쉬움</a:t>
             </a:r>
             <a:r>
-              <a:rPr lang="en-US" altLang="ko-KR" dirty="0" smtClean="0">
+              <a:rPr lang="en-US" altLang="ko-KR" dirty="0">
                 <a:sym typeface="Wingdings" panose="05000000000000000000" pitchFamily="2" charset="2"/>
               </a:rPr>
               <a:t>.</a:t>
             </a:r>
-            <a:endParaRPr lang="en-US" altLang="ko-KR" dirty="0" smtClean="0"/>
+            <a:endParaRPr lang="en-US" altLang="ko-KR" dirty="0"/>
           </a:p>
           <a:p>
             <a:pPr marL="342900" lvl="1" indent="-342900"/>
@@ -18930,15 +18916,7 @@
             </a:r>
             <a:r>
               <a:rPr lang="ko-KR" altLang="en-US" dirty="0"/>
-              <a:t>의 약자로 터미널 </a:t>
-            </a:r>
-            <a:r>
-              <a:rPr lang="ko-KR" altLang="en-US" dirty="0" smtClean="0"/>
-              <a:t>창에서 텍스트 기반으로 </a:t>
-            </a:r>
-            <a:r>
-              <a:rPr lang="ko-KR" altLang="en-US" dirty="0"/>
-              <a:t>명령어를 입력하여 컴퓨터와 상호작용하는 방식을 말함</a:t>
+              <a:t>의 약자로 터미널 창에서 텍스트 기반으로 명령어를 입력하여 컴퓨터와 상호작용하는 방식을 말함</a:t>
             </a:r>
             <a:r>
               <a:rPr lang="en-US" altLang="ko-KR" dirty="0"/>
@@ -19441,32 +19419,32 @@
           <a:lstStyle/>
           <a:p>
             <a:r>
-              <a:rPr lang="ko-KR" altLang="en-US" dirty="0" smtClean="0"/>
+              <a:rPr lang="ko-KR" altLang="en-US" dirty="0"/>
               <a:t>코드를 저장할 루트 폴더를 생성</a:t>
             </a:r>
             <a:r>
-              <a:rPr lang="en-US" altLang="ko-KR" dirty="0" smtClean="0"/>
+              <a:rPr lang="en-US" altLang="ko-KR" dirty="0"/>
               <a:t>(</a:t>
             </a:r>
             <a:r>
-              <a:rPr lang="ko-KR" altLang="en-US" dirty="0" smtClean="0"/>
+              <a:rPr lang="ko-KR" altLang="en-US" dirty="0"/>
               <a:t>루트 폴더와 원격저장소가 연결</a:t>
             </a:r>
             <a:r>
-              <a:rPr lang="en-US" altLang="ko-KR" dirty="0" smtClean="0"/>
+              <a:rPr lang="en-US" altLang="ko-KR" dirty="0"/>
               <a:t>)</a:t>
             </a:r>
           </a:p>
           <a:p>
             <a:r>
-              <a:rPr lang="ko-KR" altLang="en-US" dirty="0" smtClean="0">
+              <a:rPr lang="ko-KR" altLang="en-US" dirty="0">
                 <a:solidFill>
                   <a:srgbClr val="00B050"/>
                 </a:solidFill>
               </a:rPr>
               <a:t>자주 사용하는 명령어</a:t>
             </a:r>
-            <a:endParaRPr lang="en-US" altLang="ko-KR" dirty="0" smtClean="0">
+            <a:endParaRPr lang="en-US" altLang="ko-KR" dirty="0">
               <a:solidFill>
                 <a:srgbClr val="00B050"/>
               </a:solidFill>
@@ -19475,122 +19453,110 @@
           <a:p>
             <a:pPr lvl="1"/>
             <a:r>
-              <a:rPr lang="en-US" altLang="ko-KR" dirty="0" err="1" smtClean="0"/>
+              <a:rPr lang="en-US" altLang="ko-KR" dirty="0" err="1"/>
               <a:t>pwd</a:t>
             </a:r>
             <a:r>
-              <a:rPr lang="en-US" altLang="ko-KR" dirty="0" smtClean="0"/>
+              <a:rPr lang="en-US" altLang="ko-KR" dirty="0"/>
               <a:t> (print working directory) : </a:t>
             </a:r>
             <a:r>
-              <a:rPr lang="ko-KR" altLang="en-US" dirty="0" smtClean="0"/>
+              <a:rPr lang="ko-KR" altLang="en-US" dirty="0"/>
               <a:t>현재 나의 위치 출력</a:t>
             </a:r>
-            <a:endParaRPr lang="en-US" altLang="ko-KR" dirty="0" smtClean="0"/>
+            <a:endParaRPr lang="en-US" altLang="ko-KR" dirty="0"/>
           </a:p>
           <a:p>
             <a:pPr lvl="1"/>
             <a:r>
-              <a:rPr lang="en-US" altLang="ko-KR" dirty="0" smtClean="0"/>
-              <a:t>ls (list) </a:t>
-            </a:r>
-            <a:r>
-              <a:rPr lang="en-US" altLang="ko-KR" dirty="0"/>
-              <a:t>:  </a:t>
-            </a:r>
-            <a:r>
-              <a:rPr lang="ko-KR" altLang="en-US" dirty="0" smtClean="0"/>
-              <a:t>현재 위치 폴더에 </a:t>
-            </a:r>
-            <a:r>
-              <a:rPr lang="ko-KR" altLang="en-US" dirty="0"/>
-              <a:t>있는 모든 </a:t>
-            </a:r>
-            <a:r>
-              <a:rPr lang="ko-KR" altLang="en-US" dirty="0" smtClean="0"/>
-              <a:t>파일</a:t>
-            </a:r>
-            <a:r>
-              <a:rPr lang="en-US" altLang="ko-KR" dirty="0" smtClean="0"/>
+              <a:rPr lang="en-US" altLang="ko-KR" dirty="0"/>
+              <a:t>ls (list) :  </a:t>
+            </a:r>
+            <a:r>
+              <a:rPr lang="ko-KR" altLang="en-US" dirty="0"/>
+              <a:t>현재 위치 폴더에 있는 모든 파일</a:t>
+            </a:r>
+            <a:r>
+              <a:rPr lang="en-US" altLang="ko-KR" dirty="0"/>
               <a:t>/</a:t>
             </a:r>
             <a:r>
-              <a:rPr lang="ko-KR" altLang="en-US" dirty="0" smtClean="0"/>
+              <a:rPr lang="ko-KR" altLang="en-US" dirty="0"/>
               <a:t>폴더 검색</a:t>
             </a:r>
-            <a:endParaRPr lang="en-US" altLang="ko-KR" dirty="0" smtClean="0"/>
+            <a:endParaRPr lang="en-US" altLang="ko-KR" dirty="0"/>
           </a:p>
           <a:p>
             <a:pPr lvl="2"/>
             <a:r>
-              <a:rPr lang="en-US" altLang="ko-KR" sz="2400" dirty="0" smtClean="0"/>
+              <a:rPr lang="en-US" altLang="ko-KR" sz="2400" dirty="0"/>
               <a:t>ls -l (long) : </a:t>
             </a:r>
             <a:r>
-              <a:rPr lang="ko-KR" altLang="en-US" sz="2400" dirty="0" smtClean="0"/>
+              <a:rPr lang="ko-KR" altLang="en-US" sz="2400" dirty="0"/>
               <a:t>상세 정보까지 보기</a:t>
             </a:r>
-            <a:endParaRPr lang="en-US" altLang="ko-KR" sz="2400" dirty="0" smtClean="0"/>
+            <a:endParaRPr lang="en-US" altLang="ko-KR" sz="2400" dirty="0"/>
           </a:p>
           <a:p>
             <a:pPr lvl="2"/>
             <a:r>
-              <a:rPr lang="en-US" altLang="ko-KR" sz="2400" dirty="0" smtClean="0"/>
+              <a:rPr lang="en-US" altLang="ko-KR" sz="2400" dirty="0"/>
               <a:t>ls –a (all) : </a:t>
             </a:r>
             <a:r>
-              <a:rPr lang="ko-KR" altLang="en-US" sz="2400" dirty="0" err="1" smtClean="0"/>
+              <a:rPr lang="ko-KR" altLang="en-US" sz="2400" dirty="0" err="1"/>
               <a:t>숨김파일도</a:t>
             </a:r>
             <a:r>
-              <a:rPr lang="ko-KR" altLang="en-US" sz="2400" dirty="0" smtClean="0"/>
+              <a:rPr lang="ko-KR" altLang="en-US" sz="2400" dirty="0"/>
               <a:t> 보기 </a:t>
             </a:r>
-            <a:endParaRPr lang="en-US" altLang="ko-KR" sz="2400" dirty="0" smtClean="0"/>
+            <a:endParaRPr lang="en-US" altLang="ko-KR" sz="2400" dirty="0"/>
           </a:p>
           <a:p>
             <a:pPr lvl="1"/>
             <a:r>
-              <a:rPr lang="en-US" altLang="ko-KR" dirty="0" smtClean="0"/>
+              <a:rPr lang="en-US" altLang="ko-KR" dirty="0"/>
               <a:t>clear : </a:t>
             </a:r>
             <a:r>
-              <a:rPr lang="ko-KR" altLang="en-US" dirty="0" smtClean="0"/>
+              <a:rPr lang="ko-KR" altLang="en-US" dirty="0"/>
               <a:t>터미널 화면을 깨끗하게 지움</a:t>
             </a:r>
             <a:r>
-              <a:rPr lang="en-US" altLang="ko-KR" dirty="0" smtClean="0"/>
+              <a:rPr lang="en-US" altLang="ko-KR" dirty="0"/>
               <a:t>.</a:t>
             </a:r>
           </a:p>
           <a:p>
             <a:pPr lvl="1"/>
             <a:r>
-              <a:rPr lang="en-US" altLang="ko-KR" dirty="0" err="1" smtClean="0"/>
+              <a:rPr lang="en-US" altLang="ko-KR" dirty="0" err="1"/>
               <a:t>mkdir</a:t>
             </a:r>
             <a:r>
-              <a:rPr lang="en-US" altLang="ko-KR" dirty="0" smtClean="0"/>
+              <a:rPr lang="en-US" altLang="ko-KR" dirty="0"/>
               <a:t> (make directory) : </a:t>
             </a:r>
             <a:r>
-              <a:rPr lang="ko-KR" altLang="en-US" dirty="0" smtClean="0"/>
+              <a:rPr lang="ko-KR" altLang="en-US" dirty="0"/>
               <a:t>새 폴더 만들기</a:t>
             </a:r>
-            <a:endParaRPr lang="en-US" altLang="ko-KR" dirty="0" smtClean="0"/>
+            <a:endParaRPr lang="en-US" altLang="ko-KR" dirty="0"/>
           </a:p>
           <a:p>
             <a:pPr lvl="1"/>
             <a:r>
-              <a:rPr lang="en-US" altLang="ko-KR" dirty="0" smtClean="0"/>
+              <a:rPr lang="en-US" altLang="ko-KR" dirty="0"/>
               <a:t>touch : </a:t>
             </a:r>
             <a:r>
-              <a:rPr lang="ko-KR" altLang="en-US" dirty="0" smtClean="0"/>
+              <a:rPr lang="ko-KR" altLang="en-US" dirty="0"/>
               <a:t>새 파일 만들기</a:t>
             </a:r>
             <a:r>
-              <a:rPr lang="en-US" altLang="ko-KR" dirty="0" smtClean="0"/>
+              <a:rPr lang="en-US" altLang="ko-KR" dirty="0"/>
               <a:t>.</a:t>
             </a:r>
             <a:endParaRPr lang="ko-KR" altLang="en-US" dirty="0"/>
@@ -19626,14 +19592,13 @@
           <a:lstStyle/>
           <a:p>
             <a:r>
-              <a:rPr lang="en-US" altLang="ko-KR" sz="4800" dirty="0" smtClean="0"/>
+              <a:rPr lang="en-US" altLang="ko-KR" sz="4800" dirty="0"/>
               <a:t>CLI </a:t>
             </a:r>
             <a:r>
-              <a:rPr lang="ko-KR" altLang="en-US" sz="4800" dirty="0" smtClean="0"/>
+              <a:rPr lang="ko-KR" altLang="en-US" sz="4800" dirty="0"/>
               <a:t>명령어</a:t>
             </a:r>
-            <a:endParaRPr lang="ko-KR" altLang="en-US" sz="4800" dirty="0"/>
           </a:p>
         </p:txBody>
       </p:sp>
@@ -19803,29 +19768,29 @@
           <a:lstStyle/>
           <a:p>
             <a:r>
-              <a:rPr lang="en-US" altLang="ko-KR" sz="2400" dirty="0" smtClean="0"/>
+              <a:rPr lang="en-US" altLang="ko-KR" sz="2400" dirty="0"/>
               <a:t>cd (change directory) : </a:t>
             </a:r>
             <a:r>
-              <a:rPr lang="ko-KR" altLang="en-US" sz="2400" dirty="0" smtClean="0"/>
+              <a:rPr lang="ko-KR" altLang="en-US" sz="2400" dirty="0"/>
               <a:t>폴더 위치 변경 </a:t>
             </a:r>
             <a:r>
-              <a:rPr lang="en-US" altLang="ko-KR" sz="2400" dirty="0" smtClean="0"/>
+              <a:rPr lang="en-US" altLang="ko-KR" sz="2400" dirty="0"/>
               <a:t>(</a:t>
             </a:r>
             <a:r>
-              <a:rPr lang="ko-KR" altLang="en-US" sz="2400" dirty="0" smtClean="0"/>
+              <a:rPr lang="ko-KR" altLang="en-US" sz="2400" dirty="0"/>
               <a:t>다른 폴더로 이동</a:t>
             </a:r>
             <a:r>
-              <a:rPr lang="en-US" altLang="ko-KR" sz="2400" dirty="0" smtClean="0"/>
+              <a:rPr lang="en-US" altLang="ko-KR" sz="2400" dirty="0"/>
               <a:t>)</a:t>
             </a:r>
           </a:p>
           <a:p>
             <a:r>
-              <a:rPr lang="en-US" altLang="ko-KR" sz="2400" dirty="0" smtClean="0">
+              <a:rPr lang="en-US" altLang="ko-KR" sz="2400" dirty="0">
                 <a:solidFill>
                   <a:srgbClr val="FF0000"/>
                 </a:solidFill>
@@ -19833,82 +19798,78 @@
               <a:t>.</a:t>
             </a:r>
             <a:r>
-              <a:rPr lang="en-US" altLang="ko-KR" sz="2400" dirty="0" smtClean="0"/>
+              <a:rPr lang="en-US" altLang="ko-KR" sz="2400" dirty="0"/>
               <a:t> </a:t>
-            </a:r>
-            <a:r>
-              <a:rPr lang="en-US" altLang="ko-KR" sz="2400" dirty="0"/>
-              <a:t/>
             </a:r>
             <a:br>
               <a:rPr lang="en-US" altLang="ko-KR" sz="2400" dirty="0"/>
             </a:br>
             <a:r>
-              <a:rPr lang="en-US" altLang="ko-KR" sz="2400" dirty="0" smtClean="0">
+              <a:rPr lang="en-US" altLang="ko-KR" sz="2400" dirty="0">
                 <a:sym typeface="Wingdings" panose="05000000000000000000" pitchFamily="2" charset="2"/>
               </a:rPr>
               <a:t> </a:t>
             </a:r>
             <a:r>
-              <a:rPr lang="ko-KR" altLang="en-US" sz="2400" dirty="0" smtClean="0">
+              <a:rPr lang="ko-KR" altLang="en-US" sz="2400" dirty="0">
                 <a:sym typeface="Wingdings" panose="05000000000000000000" pitchFamily="2" charset="2"/>
               </a:rPr>
               <a:t>현재 폴더를 의미</a:t>
             </a:r>
             <a:r>
-              <a:rPr lang="en-US" altLang="ko-KR" sz="2400" dirty="0" smtClean="0">
+              <a:rPr lang="en-US" altLang="ko-KR" sz="2400" dirty="0">
                 <a:sym typeface="Wingdings" panose="05000000000000000000" pitchFamily="2" charset="2"/>
               </a:rPr>
               <a:t>. (</a:t>
             </a:r>
             <a:r>
-              <a:rPr lang="ko-KR" altLang="en-US" sz="2400" dirty="0" smtClean="0">
+              <a:rPr lang="ko-KR" altLang="en-US" sz="2400" dirty="0">
                 <a:sym typeface="Wingdings" panose="05000000000000000000" pitchFamily="2" charset="2"/>
               </a:rPr>
               <a:t>자기 자신</a:t>
             </a:r>
             <a:r>
-              <a:rPr lang="en-US" altLang="ko-KR" sz="2400" dirty="0" smtClean="0">
+              <a:rPr lang="en-US" altLang="ko-KR" sz="2400" dirty="0">
                 <a:sym typeface="Wingdings" panose="05000000000000000000" pitchFamily="2" charset="2"/>
               </a:rPr>
               <a:t>)</a:t>
             </a:r>
             <a:br>
-              <a:rPr lang="en-US" altLang="ko-KR" sz="2400" dirty="0" smtClean="0">
+              <a:rPr lang="en-US" altLang="ko-KR" sz="2400" dirty="0">
                 <a:sym typeface="Wingdings" panose="05000000000000000000" pitchFamily="2" charset="2"/>
               </a:rPr>
             </a:br>
             <a:r>
-              <a:rPr lang="en-US" altLang="ko-KR" sz="2400" dirty="0" smtClean="0">
+              <a:rPr lang="en-US" altLang="ko-KR" sz="2400" dirty="0">
                 <a:sym typeface="Wingdings" panose="05000000000000000000" pitchFamily="2" charset="2"/>
               </a:rPr>
               <a:t>ex) ./</a:t>
             </a:r>
             <a:r>
-              <a:rPr lang="ko-KR" altLang="en-US" sz="2400" dirty="0" smtClean="0">
+              <a:rPr lang="ko-KR" altLang="en-US" sz="2400" dirty="0">
                 <a:sym typeface="Wingdings" panose="05000000000000000000" pitchFamily="2" charset="2"/>
               </a:rPr>
               <a:t>파일명 </a:t>
             </a:r>
             <a:r>
-              <a:rPr lang="en-US" altLang="ko-KR" sz="2400" dirty="0" smtClean="0">
+              <a:rPr lang="en-US" altLang="ko-KR" sz="2400" dirty="0">
                 <a:sym typeface="Wingdings" panose="05000000000000000000" pitchFamily="2" charset="2"/>
               </a:rPr>
               <a:t> </a:t>
             </a:r>
             <a:r>
-              <a:rPr lang="ko-KR" altLang="en-US" sz="2400" dirty="0" smtClean="0">
+              <a:rPr lang="ko-KR" altLang="en-US" sz="2400" dirty="0">
                 <a:sym typeface="Wingdings" panose="05000000000000000000" pitchFamily="2" charset="2"/>
               </a:rPr>
               <a:t>현재 위치의 파일 실행</a:t>
             </a:r>
-            <a:endParaRPr lang="en-US" altLang="ko-KR" sz="2400" dirty="0" smtClean="0">
+            <a:endParaRPr lang="en-US" altLang="ko-KR" sz="2400" dirty="0">
               <a:sym typeface="Wingdings" panose="05000000000000000000" pitchFamily="2" charset="2"/>
             </a:endParaRPr>
           </a:p>
           <a:p>
             <a:r>
-              <a:rPr lang="en-US" altLang="ko-KR" sz="2400" dirty="0" smtClean="0">
+              <a:rPr lang="en-US" altLang="ko-KR" sz="2400" dirty="0">
                 <a:solidFill>
                   <a:srgbClr val="FF0000"/>
                 </a:solidFill>
@@ -19916,71 +19877,65 @@
               </a:rPr>
               <a:t>..</a:t>
             </a:r>
-            <a:r>
-              <a:rPr lang="en-US" altLang="ko-KR" sz="2400" dirty="0">
-                <a:sym typeface="Wingdings" panose="05000000000000000000" pitchFamily="2" charset="2"/>
-              </a:rPr>
-              <a:t/>
-            </a:r>
             <a:br>
               <a:rPr lang="en-US" altLang="ko-KR" sz="2400" dirty="0">
                 <a:sym typeface="Wingdings" panose="05000000000000000000" pitchFamily="2" charset="2"/>
               </a:rPr>
             </a:br>
             <a:r>
-              <a:rPr lang="en-US" altLang="ko-KR" sz="2400" dirty="0" smtClean="0">
+              <a:rPr lang="en-US" altLang="ko-KR" sz="2400" dirty="0">
                 <a:sym typeface="Wingdings" panose="05000000000000000000" pitchFamily="2" charset="2"/>
               </a:rPr>
               <a:t> </a:t>
             </a:r>
             <a:r>
-              <a:rPr lang="ko-KR" altLang="en-US" sz="2400" dirty="0" smtClean="0">
+              <a:rPr lang="ko-KR" altLang="en-US" sz="2400" dirty="0">
                 <a:sym typeface="Wingdings" panose="05000000000000000000" pitchFamily="2" charset="2"/>
               </a:rPr>
               <a:t>현재 폴더의 바로 위 폴더 </a:t>
             </a:r>
             <a:r>
-              <a:rPr lang="en-US" altLang="ko-KR" sz="2400" dirty="0" smtClean="0">
+              <a:rPr lang="en-US" altLang="ko-KR" sz="2400" dirty="0">
                 <a:sym typeface="Wingdings" panose="05000000000000000000" pitchFamily="2" charset="2"/>
               </a:rPr>
               <a:t>(</a:t>
             </a:r>
             <a:r>
-              <a:rPr lang="ko-KR" altLang="en-US" sz="2400" dirty="0" smtClean="0">
+              <a:rPr lang="ko-KR" altLang="en-US" sz="2400" dirty="0">
                 <a:sym typeface="Wingdings" panose="05000000000000000000" pitchFamily="2" charset="2"/>
               </a:rPr>
               <a:t>부모 디렉토리</a:t>
             </a:r>
             <a:r>
-              <a:rPr lang="en-US" altLang="ko-KR" sz="2400" dirty="0" smtClean="0">
+              <a:rPr lang="en-US" altLang="ko-KR" sz="2400" dirty="0">
                 <a:sym typeface="Wingdings" panose="05000000000000000000" pitchFamily="2" charset="2"/>
               </a:rPr>
               <a:t>)</a:t>
             </a:r>
             <a:br>
-              <a:rPr lang="en-US" altLang="ko-KR" sz="2400" dirty="0" smtClean="0">
+              <a:rPr lang="en-US" altLang="ko-KR" sz="2400" dirty="0">
                 <a:sym typeface="Wingdings" panose="05000000000000000000" pitchFamily="2" charset="2"/>
               </a:rPr>
             </a:br>
             <a:r>
-              <a:rPr lang="en-US" altLang="ko-KR" sz="2400" dirty="0" smtClean="0">
+              <a:rPr lang="en-US" altLang="ko-KR" sz="2400" dirty="0">
                 <a:sym typeface="Wingdings" panose="05000000000000000000" pitchFamily="2" charset="2"/>
               </a:rPr>
               <a:t>ex) cd ..  </a:t>
             </a:r>
             <a:r>
-              <a:rPr lang="ko-KR" altLang="en-US" sz="2400" dirty="0" smtClean="0">
+              <a:rPr lang="ko-KR" altLang="en-US" sz="2400" dirty="0">
                 <a:sym typeface="Wingdings" panose="05000000000000000000" pitchFamily="2" charset="2"/>
               </a:rPr>
               <a:t>한 단계 상위 폴더로 이동</a:t>
             </a:r>
-            <a:endParaRPr lang="en-US" altLang="ko-KR" sz="2400" dirty="0" smtClean="0">
+            <a:endParaRPr lang="en-US" altLang="ko-KR" sz="2400" dirty="0">
               <a:sym typeface="Wingdings" panose="05000000000000000000" pitchFamily="2" charset="2"/>
             </a:endParaRPr>
           </a:p>
           <a:p>
             <a:r>
-              <a:rPr lang="en-US" altLang="ko-KR" sz="2400" dirty="0" smtClean="0">
+              <a:rPr lang="en-US" altLang="ko-KR" sz="2400" dirty="0">
                 <a:solidFill>
                   <a:srgbClr val="FF0000"/>
                 </a:solidFill>
@@ -19989,28 +19944,22 @@
               <a:t>~</a:t>
             </a:r>
             <a:r>
-              <a:rPr lang="en-US" altLang="ko-KR" sz="2400" dirty="0" smtClean="0">
-                <a:sym typeface="Wingdings" panose="05000000000000000000" pitchFamily="2" charset="2"/>
-              </a:rPr>
-              <a:t> (</a:t>
-            </a:r>
-            <a:r>
-              <a:rPr lang="ko-KR" altLang="en-US" sz="2400" dirty="0" err="1" smtClean="0">
-                <a:sym typeface="Wingdings" panose="05000000000000000000" pitchFamily="2" charset="2"/>
-              </a:rPr>
-              <a:t>틸드</a:t>
-            </a:r>
-            <a:r>
-              <a:rPr lang="en-US" altLang="ko-KR" sz="2400" dirty="0" smtClean="0">
-                <a:sym typeface="Wingdings" panose="05000000000000000000" pitchFamily="2" charset="2"/>
-              </a:rPr>
-              <a:t>)</a:t>
-            </a:r>
-            <a:r>
               <a:rPr lang="en-US" altLang="ko-KR" sz="2400" dirty="0">
                 <a:sym typeface="Wingdings" panose="05000000000000000000" pitchFamily="2" charset="2"/>
               </a:rPr>
-              <a:t/>
+              <a:t> (</a:t>
+            </a:r>
+            <a:r>
+              <a:rPr lang="ko-KR" altLang="en-US" sz="2400" dirty="0" err="1">
+                <a:sym typeface="Wingdings" panose="05000000000000000000" pitchFamily="2" charset="2"/>
+              </a:rPr>
+              <a:t>틸드</a:t>
+            </a:r>
+            <a:r>
+              <a:rPr lang="en-US" altLang="ko-KR" sz="2400" dirty="0">
+                <a:sym typeface="Wingdings" panose="05000000000000000000" pitchFamily="2" charset="2"/>
+              </a:rPr>
+              <a:t>)</a:t>
             </a:r>
             <a:br>
               <a:rPr lang="en-US" altLang="ko-KR" sz="2400" dirty="0">
@@ -20018,26 +19967,26 @@
               </a:rPr>
             </a:br>
             <a:r>
-              <a:rPr lang="en-US" altLang="ko-KR" sz="2400" dirty="0" smtClean="0">
+              <a:rPr lang="en-US" altLang="ko-KR" sz="2400" dirty="0">
                 <a:sym typeface="Wingdings" panose="05000000000000000000" pitchFamily="2" charset="2"/>
               </a:rPr>
               <a:t> </a:t>
             </a:r>
             <a:r>
-              <a:rPr lang="ko-KR" altLang="en-US" sz="2400" dirty="0" smtClean="0">
+              <a:rPr lang="ko-KR" altLang="en-US" sz="2400" dirty="0">
                 <a:sym typeface="Wingdings" panose="05000000000000000000" pitchFamily="2" charset="2"/>
               </a:rPr>
               <a:t>현재 로그인한 사용자의 홈 디렉토리를 의미</a:t>
             </a:r>
             <a:r>
-              <a:rPr lang="en-US" altLang="ko-KR" sz="2400" dirty="0" smtClean="0">
+              <a:rPr lang="en-US" altLang="ko-KR" sz="2400" dirty="0">
                 <a:sym typeface="Wingdings" panose="05000000000000000000" pitchFamily="2" charset="2"/>
               </a:rPr>
               <a:t>. (home)</a:t>
             </a:r>
           </a:p>
           <a:p>
-            <a:endParaRPr lang="en-US" altLang="ko-KR" sz="2400" dirty="0" smtClean="0">
+            <a:endParaRPr lang="en-US" altLang="ko-KR" sz="2400" dirty="0">
               <a:sym typeface="Wingdings" panose="05000000000000000000" pitchFamily="2" charset="2"/>
             </a:endParaRPr>
           </a:p>
@@ -20046,7 +19995,7 @@
               <a:buNone/>
             </a:pPr>
             <a:r>
-              <a:rPr lang="ko-KR" altLang="en-US" sz="2400" dirty="0" smtClean="0"/>
+              <a:rPr lang="ko-KR" altLang="en-US" sz="2400" dirty="0"/>
               <a:t>* 파일</a:t>
             </a:r>
             <a:r>
@@ -20081,15 +20030,10 @@
               </a:rPr>
               <a:t>. </a:t>
             </a:r>
-            <a:endParaRPr lang="en-US" altLang="ko-KR" sz="2400" dirty="0" smtClean="0">
-              <a:solidFill>
-                <a:srgbClr val="C00000"/>
-              </a:solidFill>
-            </a:endParaRPr>
-          </a:p>
-          <a:p>
-            <a:r>
-              <a:rPr lang="ko-KR" altLang="en-US" sz="2400" dirty="0" smtClean="0"/>
+          </a:p>
+          <a:p>
+            <a:r>
+              <a:rPr lang="ko-KR" altLang="en-US" sz="2400" dirty="0"/>
               <a:t>공백</a:t>
             </a:r>
             <a:r>
@@ -20124,16 +20068,11 @@
               <a:rPr lang="en-US" altLang="ko-KR" sz="2400" dirty="0"/>
               <a:t>. </a:t>
             </a:r>
-            <a:endParaRPr lang="en-US" altLang="ko-KR" sz="2400" dirty="0" smtClean="0"/>
-          </a:p>
-          <a:p>
-            <a:r>
-              <a:rPr lang="ko-KR" altLang="en-US" sz="2400" dirty="0" smtClean="0"/>
-              <a:t>한글 </a:t>
-            </a:r>
+          </a:p>
+          <a:p>
             <a:r>
               <a:rPr lang="ko-KR" altLang="en-US" sz="2400" dirty="0"/>
-              <a:t>제발 쓰지 마세요</a:t>
+              <a:t>한글 제발 쓰지 마세요</a:t>
             </a:r>
             <a:r>
               <a:rPr lang="en-US" altLang="ko-KR" sz="2400" dirty="0"/>
@@ -20155,7 +20094,7 @@
               <a:rPr lang="en-US" altLang="ko-KR" sz="2400" dirty="0"/>
               <a:t>.</a:t>
             </a:r>
-            <a:endParaRPr lang="en-US" altLang="ko-KR" sz="2400" dirty="0" smtClean="0">
+            <a:endParaRPr lang="en-US" altLang="ko-KR" sz="2400" dirty="0">
               <a:sym typeface="Wingdings" panose="05000000000000000000" pitchFamily="2" charset="2"/>
             </a:endParaRPr>
           </a:p>
@@ -20190,14 +20129,13 @@
           <a:lstStyle/>
           <a:p>
             <a:r>
-              <a:rPr lang="en-US" altLang="ko-KR" sz="4800" dirty="0" smtClean="0"/>
+              <a:rPr lang="en-US" altLang="ko-KR" sz="4800" dirty="0"/>
               <a:t>CLI </a:t>
             </a:r>
             <a:r>
-              <a:rPr lang="ko-KR" altLang="en-US" sz="4800" dirty="0" smtClean="0"/>
+              <a:rPr lang="ko-KR" altLang="en-US" sz="4800" dirty="0"/>
               <a:t>명령어</a:t>
             </a:r>
-            <a:endParaRPr lang="ko-KR" altLang="en-US" sz="4800" dirty="0"/>
           </a:p>
         </p:txBody>
       </p:sp>
@@ -20647,74 +20585,61 @@
               <a:buNone/>
             </a:pPr>
             <a:r>
-              <a:rPr lang="en-US" altLang="ko-KR" dirty="0" smtClean="0">
-                <a:latin typeface="Pretendard Medium" panose="02000603000000020004" pitchFamily="50" charset="-127"/>
-                <a:ea typeface="Pretendard Medium" panose="02000603000000020004" pitchFamily="50" charset="-127"/>
-                <a:cs typeface="Pretendard Medium" panose="02000603000000020004" pitchFamily="50" charset="-127"/>
-              </a:rPr>
-              <a:t>- </a:t>
-            </a:r>
-            <a:r>
-              <a:rPr lang="en-US" altLang="ko-KR" dirty="0" err="1" smtClean="0">
-                <a:latin typeface="Pretendard Medium" panose="02000603000000020004" pitchFamily="50" charset="-127"/>
-                <a:ea typeface="Pretendard Medium" panose="02000603000000020004" pitchFamily="50" charset="-127"/>
-                <a:cs typeface="Pretendard Medium" panose="02000603000000020004" pitchFamily="50" charset="-127"/>
-              </a:rPr>
-              <a:t>MyRepo</a:t>
-            </a:r>
-            <a:r>
-              <a:rPr lang="en-US" altLang="ko-KR" dirty="0" smtClean="0">
-                <a:latin typeface="Pretendard Medium" panose="02000603000000020004" pitchFamily="50" charset="-127"/>
-                <a:ea typeface="Pretendard Medium" panose="02000603000000020004" pitchFamily="50" charset="-127"/>
-                <a:cs typeface="Pretendard Medium" panose="02000603000000020004" pitchFamily="50" charset="-127"/>
-              </a:rPr>
-              <a:t> </a:t>
-            </a:r>
-            <a:r>
-              <a:rPr lang="ko-KR" altLang="en-US" dirty="0" smtClean="0">
-                <a:latin typeface="Pretendard Medium" panose="02000603000000020004" pitchFamily="50" charset="-127"/>
-                <a:ea typeface="Pretendard Medium" panose="02000603000000020004" pitchFamily="50" charset="-127"/>
-                <a:cs typeface="Pretendard Medium" panose="02000603000000020004" pitchFamily="50" charset="-127"/>
-              </a:rPr>
-              <a:t>폴더 안에 </a:t>
-            </a:r>
-            <a:r>
               <a:rPr lang="en-US" altLang="ko-KR" dirty="0">
                 <a:latin typeface="Pretendard Medium" panose="02000603000000020004" pitchFamily="50" charset="-127"/>
                 <a:ea typeface="Pretendard Medium" panose="02000603000000020004" pitchFamily="50" charset="-127"/>
                 <a:cs typeface="Pretendard Medium" panose="02000603000000020004" pitchFamily="50" charset="-127"/>
               </a:rPr>
-              <a:t>file1.txt, </a:t>
-            </a:r>
-            <a:r>
-              <a:rPr lang="en-US" altLang="ko-KR" dirty="0" smtClean="0">
+              <a:t>- </a:t>
+            </a:r>
+            <a:r>
+              <a:rPr lang="en-US" altLang="ko-KR" dirty="0" err="1">
                 <a:latin typeface="Pretendard Medium" panose="02000603000000020004" pitchFamily="50" charset="-127"/>
                 <a:ea typeface="Pretendard Medium" panose="02000603000000020004" pitchFamily="50" charset="-127"/>
                 <a:cs typeface="Pretendard Medium" panose="02000603000000020004" pitchFamily="50" charset="-127"/>
               </a:rPr>
-              <a:t>file2.txt </a:t>
-            </a:r>
-            <a:r>
-              <a:rPr lang="ko-KR" altLang="en-US" dirty="0" smtClean="0">
+              <a:t>MyRepo</a:t>
+            </a:r>
+            <a:r>
+              <a:rPr lang="en-US" altLang="ko-KR" dirty="0">
                 <a:latin typeface="Pretendard Medium" panose="02000603000000020004" pitchFamily="50" charset="-127"/>
                 <a:ea typeface="Pretendard Medium" panose="02000603000000020004" pitchFamily="50" charset="-127"/>
                 <a:cs typeface="Pretendard Medium" panose="02000603000000020004" pitchFamily="50" charset="-127"/>
               </a:rPr>
-              <a:t>라는 빈 파일 만들기</a:t>
-            </a:r>
-            <a:r>
-              <a:rPr lang="en-US" altLang="ko-KR" dirty="0" smtClean="0">
+              <a:t> </a:t>
+            </a:r>
+            <a:r>
+              <a:rPr lang="ko-KR" altLang="en-US" dirty="0">
                 <a:latin typeface="Pretendard Medium" panose="02000603000000020004" pitchFamily="50" charset="-127"/>
                 <a:ea typeface="Pretendard Medium" panose="02000603000000020004" pitchFamily="50" charset="-127"/>
                 <a:cs typeface="Pretendard Medium" panose="02000603000000020004" pitchFamily="50" charset="-127"/>
               </a:rPr>
+              <a:t>폴더 안에 </a:t>
+            </a:r>
+            <a:r>
+              <a:rPr lang="en-US" altLang="ko-KR" dirty="0">
+                <a:latin typeface="Pretendard Medium" panose="02000603000000020004" pitchFamily="50" charset="-127"/>
+                <a:ea typeface="Pretendard Medium" panose="02000603000000020004" pitchFamily="50" charset="-127"/>
+                <a:cs typeface="Pretendard Medium" panose="02000603000000020004" pitchFamily="50" charset="-127"/>
+              </a:rPr>
+              <a:t>file1.txt, file2.txt </a:t>
+            </a:r>
+            <a:r>
+              <a:rPr lang="ko-KR" altLang="en-US" dirty="0">
+                <a:latin typeface="Pretendard Medium" panose="02000603000000020004" pitchFamily="50" charset="-127"/>
+                <a:ea typeface="Pretendard Medium" panose="02000603000000020004" pitchFamily="50" charset="-127"/>
+                <a:cs typeface="Pretendard Medium" panose="02000603000000020004" pitchFamily="50" charset="-127"/>
+              </a:rPr>
+              <a:t>라는 빈 파일 만들기</a:t>
+            </a:r>
+            <a:r>
+              <a:rPr lang="en-US" altLang="ko-KR" dirty="0">
+                <a:latin typeface="Pretendard Medium" panose="02000603000000020004" pitchFamily="50" charset="-127"/>
+                <a:ea typeface="Pretendard Medium" panose="02000603000000020004" pitchFamily="50" charset="-127"/>
+                <a:cs typeface="Pretendard Medium" panose="02000603000000020004" pitchFamily="50" charset="-127"/>
+              </a:rPr>
               <a:t>.</a:t>
             </a:r>
-            <a:endParaRPr lang="en-US" altLang="ko-KR" dirty="0">
-              <a:latin typeface="Pretendard Medium" panose="02000603000000020004" pitchFamily="50" charset="-127"/>
-              <a:ea typeface="Pretendard Medium" panose="02000603000000020004" pitchFamily="50" charset="-127"/>
-              <a:cs typeface="Pretendard Medium" panose="02000603000000020004" pitchFamily="50" charset="-127"/>
-            </a:endParaRPr>
           </a:p>
           <a:p>
             <a:endParaRPr lang="en-US" altLang="ko-KR" dirty="0">
@@ -20843,7 +20768,7 @@
           <a:p>
             <a:pPr algn="ctr"/>
             <a:r>
-              <a:rPr lang="ko-KR" altLang="en-US" sz="6600" dirty="0" err="1" smtClean="0">
+              <a:rPr lang="ko-KR" altLang="en-US" sz="6600" dirty="0" err="1">
                 <a:latin typeface="G마켓 산스 TTF Bold" panose="02000000000000000000" pitchFamily="2" charset="-127"/>
                 <a:ea typeface="G마켓 산스 TTF Bold" panose="02000000000000000000" pitchFamily="2" charset="-127"/>
               </a:rPr>
@@ -21152,16 +21077,12 @@
               <a:buChar char="Ø"/>
             </a:pPr>
             <a:r>
-              <a:rPr lang="en-US" altLang="ko-KR" sz="2800" dirty="0" err="1" smtClean="0"/>
+              <a:rPr lang="en-US" altLang="ko-KR" sz="2800" dirty="0" err="1"/>
               <a:t>Git</a:t>
             </a:r>
             <a:r>
               <a:rPr lang="ko-KR" altLang="en-US" sz="2800" dirty="0"/>
-              <a:t>에 의해 관찰되고 있는 </a:t>
-            </a:r>
-            <a:r>
-              <a:rPr lang="ko-KR" altLang="en-US" sz="2800" dirty="0" smtClean="0"/>
-              <a:t>폴더</a:t>
+              <a:t>에 의해 관찰되고 있는 폴더</a:t>
             </a:r>
             <a:endParaRPr lang="en-US" altLang="ko-KR" sz="2800" dirty="0"/>
           </a:p>
@@ -21171,23 +21092,23 @@
               <a:buChar char="Ø"/>
             </a:pPr>
             <a:r>
-              <a:rPr lang="ko-KR" altLang="en-US" sz="2800" dirty="0" smtClean="0"/>
+              <a:rPr lang="ko-KR" altLang="en-US" sz="2800" dirty="0"/>
               <a:t>즉</a:t>
             </a:r>
             <a:r>
-              <a:rPr lang="en-US" altLang="ko-KR" sz="2800" dirty="0" smtClean="0"/>
+              <a:rPr lang="en-US" altLang="ko-KR" sz="2800" dirty="0"/>
               <a:t>, </a:t>
             </a:r>
             <a:r>
-              <a:rPr lang="en-US" altLang="ko-KR" sz="2800" dirty="0" err="1" smtClean="0"/>
+              <a:rPr lang="en-US" altLang="ko-KR" sz="2800" dirty="0" err="1"/>
               <a:t>Git</a:t>
             </a:r>
             <a:r>
-              <a:rPr lang="ko-KR" altLang="en-US" sz="2800" dirty="0" smtClean="0"/>
+              <a:rPr lang="ko-KR" altLang="en-US" sz="2800" dirty="0"/>
               <a:t>으로 버전 관리되고 있는 코드 저장소 전체를 의미</a:t>
             </a:r>
             <a:r>
-              <a:rPr lang="en-US" altLang="ko-KR" sz="2800" dirty="0" smtClean="0"/>
+              <a:rPr lang="en-US" altLang="ko-KR" sz="2800" dirty="0"/>
               <a:t>.</a:t>
             </a:r>
             <a:endParaRPr lang="en-US" altLang="ko-KR" dirty="0"/>
@@ -21429,11 +21350,11 @@
           <a:lstStyle/>
           <a:p>
             <a:r>
-              <a:rPr lang="ko-KR" altLang="en-US" dirty="0" smtClean="0"/>
+              <a:rPr lang="ko-KR" altLang="en-US" dirty="0"/>
               <a:t>그러므로</a:t>
             </a:r>
             <a:r>
-              <a:rPr lang="en-US" altLang="ko-KR" dirty="0" smtClean="0"/>
+              <a:rPr lang="en-US" altLang="ko-KR" dirty="0"/>
               <a:t>! GitHub </a:t>
             </a:r>
             <a:r>
@@ -21537,7 +21458,7 @@
           <a:p>
             <a:fld id="{0F78D9C4-20C1-4B15-A116-16DC77AD9A1E}" type="datetime1">
               <a:rPr lang="ko-KR" altLang="en-US" smtClean="0"/>
-              <a:t>2025-04-21</a:t>
+              <a:t>2025-04-22</a:t>
             </a:fld>
             <a:endParaRPr lang="ko-KR" altLang="en-US"/>
           </a:p>
@@ -21941,11 +21862,11 @@
               </a:lnSpc>
             </a:pPr>
             <a:r>
-              <a:rPr lang="ko-KR" altLang="en-US" dirty="0" smtClean="0"/>
+              <a:rPr lang="ko-KR" altLang="en-US" dirty="0"/>
               <a:t>예외</a:t>
             </a:r>
             <a:r>
-              <a:rPr lang="en-US" altLang="ko-KR" dirty="0" smtClean="0"/>
+              <a:rPr lang="en-US" altLang="ko-KR" dirty="0"/>
               <a:t>) default </a:t>
             </a:r>
             <a:r>
@@ -22255,14 +22176,13 @@
           <a:lstStyle/>
           <a:p>
             <a:r>
-              <a:rPr lang="ko-KR" altLang="en-US" sz="4800" dirty="0" err="1" smtClean="0"/>
+              <a:rPr lang="ko-KR" altLang="en-US" sz="4800" dirty="0" err="1"/>
               <a:t>레포지토리</a:t>
             </a:r>
             <a:r>
-              <a:rPr lang="ko-KR" altLang="en-US" sz="4800" dirty="0" smtClean="0"/>
+              <a:rPr lang="ko-KR" altLang="en-US" sz="4800" dirty="0"/>
               <a:t> 생성</a:t>
             </a:r>
-            <a:endParaRPr lang="ko-KR" altLang="en-US" sz="4800" dirty="0"/>
           </a:p>
         </p:txBody>
       </p:sp>
@@ -22703,16 +22623,12 @@
           <a:lstStyle/>
           <a:p>
             <a:r>
-              <a:rPr lang="ko-KR" altLang="en-US" sz="4800" dirty="0" err="1" smtClean="0"/>
+              <a:rPr lang="ko-KR" altLang="en-US" sz="4800" dirty="0" err="1"/>
               <a:t>레포지토리</a:t>
             </a:r>
             <a:r>
-              <a:rPr lang="ko-KR" altLang="en-US" sz="4800" dirty="0" smtClean="0"/>
-              <a:t> </a:t>
-            </a:r>
-            <a:r>
               <a:rPr lang="ko-KR" altLang="en-US" sz="4800" dirty="0"/>
-              <a:t>생성</a:t>
+              <a:t> 생성</a:t>
             </a:r>
           </a:p>
         </p:txBody>
@@ -23441,14 +23357,6 @@
                 <a:cs typeface="Pretendard SemiBold" panose="02000703000000020004" pitchFamily="2" charset="-127"/>
               </a:rPr>
               <a:t>분산형 관리 시스템</a:t>
-            </a:r>
-            <a:r>
-              <a:rPr lang="en-US" altLang="ko-KR" dirty="0">
-                <a:latin typeface="Pretendard SemiBold" panose="02000703000000020004" pitchFamily="2" charset="-127"/>
-                <a:ea typeface="Pretendard SemiBold" panose="02000703000000020004" pitchFamily="2" charset="-127"/>
-                <a:cs typeface="Pretendard SemiBold" panose="02000703000000020004" pitchFamily="2" charset="-127"/>
-              </a:rPr>
-              <a:t/>
             </a:r>
             <a:br>
               <a:rPr lang="en-US" altLang="ko-KR" dirty="0">
@@ -23793,7 +23701,7 @@
               <a:t> </a:t>
             </a:r>
             <a:r>
-              <a:rPr lang="en-US" altLang="ko-KR" sz="2000" dirty="0" err="1" smtClean="0"/>
+              <a:rPr lang="en-US" altLang="ko-KR" sz="2000" dirty="0" err="1"/>
               <a:t>MyRepo</a:t>
             </a:r>
             <a:endParaRPr lang="en-US" altLang="ko-KR" sz="2000" dirty="0"/>
@@ -24285,7 +24193,7 @@
                 <a:hlinkClick r:id="rId3">
                   <a:extLst>
                     <a:ext uri="{A12FA001-AC4F-418D-AE19-62706E023703}">
-                      <ahyp:hlinkClr xmlns="" xmlns:ahyp="http://schemas.microsoft.com/office/drawing/2018/hyperlinkcolor" val="tx"/>
+                      <ahyp:hlinkClr xmlns:ahyp="http://schemas.microsoft.com/office/drawing/2018/hyperlinkcolor" val="tx"/>
                     </a:ext>
                   </a:extLst>
                 </a:hlinkClick>
@@ -24395,10 +24303,6 @@
               <a:rPr lang="ko-KR" altLang="en-US" sz="2600" dirty="0"/>
               <a:t>폴더 삭제 후 다시 </a:t>
             </a:r>
-            <a:r>
-              <a:rPr lang="en-US" altLang="ko-KR" sz="2600" dirty="0"/>
-              <a:t/>
-            </a:r>
             <a:br>
               <a:rPr lang="en-US" altLang="ko-KR" sz="2600" dirty="0"/>
             </a:br>
@@ -24451,16 +24355,12 @@
               <a:t>정상적으로 연결이 되었다면 </a:t>
             </a:r>
             <a:r>
-              <a:rPr lang="ko-KR" altLang="en-US" sz="2600" dirty="0" err="1" smtClean="0"/>
+              <a:rPr lang="ko-KR" altLang="en-US" sz="2600" dirty="0" err="1"/>
               <a:t>폴더명</a:t>
             </a:r>
             <a:r>
-              <a:rPr lang="ko-KR" altLang="en-US" sz="2600" dirty="0" smtClean="0"/>
-              <a:t> </a:t>
-            </a:r>
-            <a:r>
               <a:rPr lang="ko-KR" altLang="en-US" sz="2600" dirty="0"/>
-              <a:t>뒤에 </a:t>
+              <a:t> 뒤에 </a:t>
             </a:r>
             <a:r>
               <a:rPr lang="en-US" altLang="ko-KR" sz="2600" dirty="0"/>
@@ -25091,7 +24991,7 @@
                 <a14:useLocalDpi xmlns:a14="http://schemas.microsoft.com/office/drawing/2010/main" val="0"/>
               </a:ext>
               <a:ext uri="{96DAC541-7B7A-43D3-8B79-37D633B846F1}">
-                <asvg:svgBlip xmlns="" xmlns:asvg="http://schemas.microsoft.com/office/drawing/2016/SVG/main" r:embed="rId5"/>
+                <asvg:svgBlip xmlns:asvg="http://schemas.microsoft.com/office/drawing/2016/SVG/main" r:embed="rId5"/>
               </a:ext>
             </a:extLst>
           </a:blip>
@@ -25130,7 +25030,7 @@
                 <a14:useLocalDpi xmlns:a14="http://schemas.microsoft.com/office/drawing/2010/main" val="0"/>
               </a:ext>
               <a:ext uri="{96DAC541-7B7A-43D3-8B79-37D633B846F1}">
-                <asvg:svgBlip xmlns="" xmlns:asvg="http://schemas.microsoft.com/office/drawing/2016/SVG/main" r:embed="rId7"/>
+                <asvg:svgBlip xmlns:asvg="http://schemas.microsoft.com/office/drawing/2016/SVG/main" r:embed="rId7"/>
               </a:ext>
             </a:extLst>
           </a:blip>
@@ -25169,7 +25069,7 @@
                 <a14:useLocalDpi xmlns:a14="http://schemas.microsoft.com/office/drawing/2010/main" val="0"/>
               </a:ext>
               <a:ext uri="{96DAC541-7B7A-43D3-8B79-37D633B846F1}">
-                <asvg:svgBlip xmlns="" xmlns:asvg="http://schemas.microsoft.com/office/drawing/2016/SVG/main" r:embed="rId9"/>
+                <asvg:svgBlip xmlns:asvg="http://schemas.microsoft.com/office/drawing/2016/SVG/main" r:embed="rId9"/>
               </a:ext>
             </a:extLst>
           </a:blip>
@@ -25208,7 +25108,7 @@
                 <a14:useLocalDpi xmlns:a14="http://schemas.microsoft.com/office/drawing/2010/main" val="0"/>
               </a:ext>
               <a:ext uri="{96DAC541-7B7A-43D3-8B79-37D633B846F1}">
-                <asvg:svgBlip xmlns="" xmlns:asvg="http://schemas.microsoft.com/office/drawing/2016/SVG/main" r:embed="rId11"/>
+                <asvg:svgBlip xmlns:asvg="http://schemas.microsoft.com/office/drawing/2016/SVG/main" r:embed="rId11"/>
               </a:ext>
             </a:extLst>
           </a:blip>
@@ -26289,23 +26189,23 @@
           <a:lstStyle/>
           <a:p>
             <a:r>
-              <a:rPr lang="en-US" altLang="ko-KR" sz="4800" dirty="0" smtClean="0"/>
+              <a:rPr lang="en-US" altLang="ko-KR" sz="4800" dirty="0"/>
               <a:t>(</a:t>
             </a:r>
             <a:r>
-              <a:rPr lang="ko-KR" altLang="en-US" sz="4800" dirty="0" smtClean="0"/>
+              <a:rPr lang="ko-KR" altLang="en-US" sz="4800" dirty="0"/>
               <a:t>추가</a:t>
             </a:r>
             <a:r>
-              <a:rPr lang="en-US" altLang="ko-KR" sz="4800" dirty="0" smtClean="0"/>
+              <a:rPr lang="en-US" altLang="ko-KR" sz="4800" dirty="0"/>
               <a:t>) </a:t>
             </a:r>
             <a:r>
-              <a:rPr lang="en-US" altLang="ko-KR" sz="4800" dirty="0" err="1" smtClean="0"/>
+              <a:rPr lang="en-US" altLang="ko-KR" sz="4800" dirty="0" err="1"/>
               <a:t>Git</a:t>
             </a:r>
             <a:r>
-              <a:rPr lang="en-US" altLang="ko-KR" sz="4800" dirty="0" smtClean="0"/>
+              <a:rPr lang="en-US" altLang="ko-KR" sz="4800" dirty="0"/>
               <a:t> </a:t>
             </a:r>
             <a:r>
@@ -26370,11 +26270,7 @@
             </a:r>
             <a:r>
               <a:rPr lang="en-US" altLang="ko-KR" dirty="0"/>
-              <a:t> </a:t>
-            </a:r>
-            <a:r>
-              <a:rPr lang="en-US" altLang="ko-KR" dirty="0" smtClean="0"/>
-              <a:t>status</a:t>
+              <a:t> status</a:t>
             </a:r>
           </a:p>
           <a:p>
@@ -26384,19 +26280,19 @@
               </a:lnSpc>
             </a:pPr>
             <a:r>
-              <a:rPr lang="en-US" altLang="ko-KR" sz="1800" dirty="0" smtClean="0"/>
+              <a:rPr lang="en-US" altLang="ko-KR" sz="1800" dirty="0"/>
               <a:t>add</a:t>
             </a:r>
             <a:r>
-              <a:rPr lang="ko-KR" altLang="en-US" sz="1800" dirty="0" smtClean="0"/>
+              <a:rPr lang="ko-KR" altLang="en-US" sz="1800" dirty="0"/>
               <a:t>가 필요한 상태 </a:t>
             </a:r>
             <a:r>
-              <a:rPr lang="en-US" altLang="ko-KR" sz="1800" dirty="0" smtClean="0"/>
+              <a:rPr lang="en-US" altLang="ko-KR" sz="1800" dirty="0"/>
               <a:t>= </a:t>
             </a:r>
             <a:r>
-              <a:rPr lang="ko-KR" altLang="en-US" sz="1800" dirty="0" smtClean="0">
+              <a:rPr lang="ko-KR" altLang="en-US" sz="1800" dirty="0">
                 <a:solidFill>
                   <a:srgbClr val="FF0000"/>
                 </a:solidFill>
@@ -26404,10 +26300,10 @@
               <a:t>붉은색</a:t>
             </a:r>
             <a:r>
-              <a:rPr lang="ko-KR" altLang="en-US" sz="1800" dirty="0" smtClean="0"/>
+              <a:rPr lang="ko-KR" altLang="en-US" sz="1800" dirty="0"/>
               <a:t> 텍스트</a:t>
             </a:r>
-            <a:endParaRPr lang="en-US" altLang="ko-KR" sz="1800" dirty="0" smtClean="0"/>
+            <a:endParaRPr lang="en-US" altLang="ko-KR" sz="1800" dirty="0"/>
           </a:p>
           <a:p>
             <a:pPr lvl="2">
@@ -26416,19 +26312,19 @@
               </a:lnSpc>
             </a:pPr>
             <a:r>
-              <a:rPr lang="en-US" altLang="ko-KR" sz="1800" dirty="0" smtClean="0"/>
+              <a:rPr lang="en-US" altLang="ko-KR" sz="1800" dirty="0"/>
               <a:t>add</a:t>
             </a:r>
             <a:r>
-              <a:rPr lang="ko-KR" altLang="en-US" sz="1800" dirty="0" smtClean="0"/>
+              <a:rPr lang="ko-KR" altLang="en-US" sz="1800" dirty="0"/>
               <a:t>가 필요 없는 상태 </a:t>
             </a:r>
             <a:r>
-              <a:rPr lang="en-US" altLang="ko-KR" sz="1800" dirty="0" smtClean="0"/>
+              <a:rPr lang="en-US" altLang="ko-KR" sz="1800" dirty="0"/>
               <a:t>= </a:t>
             </a:r>
             <a:r>
-              <a:rPr lang="ko-KR" altLang="en-US" sz="1800" dirty="0" smtClean="0">
+              <a:rPr lang="ko-KR" altLang="en-US" sz="1800" dirty="0">
                 <a:solidFill>
                   <a:srgbClr val="00B050"/>
                 </a:solidFill>
@@ -26436,7 +26332,7 @@
               <a:t>초록색</a:t>
             </a:r>
             <a:r>
-              <a:rPr lang="ko-KR" altLang="en-US" sz="1800" dirty="0" smtClean="0"/>
+              <a:rPr lang="ko-KR" altLang="en-US" sz="1800" dirty="0"/>
               <a:t> 텍스트</a:t>
             </a:r>
             <a:endParaRPr lang="en-US" altLang="ko-KR" sz="1800" dirty="0"/>
@@ -26534,11 +26430,11 @@
               <a:t>로그 </a:t>
             </a:r>
             <a:r>
-              <a:rPr lang="ko-KR" altLang="en-US" dirty="0" err="1" smtClean="0"/>
+              <a:rPr lang="ko-KR" altLang="en-US" dirty="0" err="1"/>
               <a:t>한줄로</a:t>
             </a:r>
             <a:r>
-              <a:rPr lang="ko-KR" altLang="en-US" dirty="0" smtClean="0"/>
+              <a:rPr lang="ko-KR" altLang="en-US" dirty="0"/>
               <a:t> 보기</a:t>
             </a:r>
             <a:endParaRPr lang="en-US" altLang="ko-KR" dirty="0"/>
@@ -26591,11 +26487,7 @@
             </a:r>
             <a:r>
               <a:rPr lang="ko-KR" altLang="en-US" dirty="0"/>
-              <a:t>그래프 형태로 </a:t>
-            </a:r>
-            <a:r>
-              <a:rPr lang="ko-KR" altLang="en-US" dirty="0" smtClean="0"/>
-              <a:t>보기</a:t>
+              <a:t>그래프 형태로 보기</a:t>
             </a:r>
             <a:endParaRPr lang="en-US" altLang="ko-KR" sz="2800" dirty="0"/>
           </a:p>
@@ -27789,13 +27681,6 @@
               </a:rPr>
               <a:t>했을때의 스테이징에</a:t>
             </a:r>
-            <a:r>
-              <a:rPr lang="en-US" altLang="ko-KR" sz="2000">
-                <a:latin typeface="G마켓 산스 TTF Medium" panose="02000000000000000000" pitchFamily="2" charset="-127"/>
-                <a:ea typeface="G마켓 산스 TTF Medium" panose="02000000000000000000" pitchFamily="2" charset="-127"/>
-              </a:rPr>
-              <a:t/>
-            </a:r>
             <a:br>
               <a:rPr lang="en-US" altLang="ko-KR" sz="2000">
                 <a:latin typeface="G마켓 산스 TTF Medium" panose="02000000000000000000" pitchFamily="2" charset="-127"/>
@@ -28021,13 +27906,6 @@
                 <a:ea typeface="G마켓 산스 TTF Medium" panose="02000000000000000000" pitchFamily="2" charset="-127"/>
               </a:rPr>
               <a:t>개 더 생성하기</a:t>
-            </a:r>
-            <a:r>
-              <a:rPr lang="en-US" altLang="ko-KR" sz="2400">
-                <a:latin typeface="G마켓 산스 TTF Medium" panose="02000000000000000000" pitchFamily="2" charset="-127"/>
-                <a:ea typeface="G마켓 산스 TTF Medium" panose="02000000000000000000" pitchFamily="2" charset="-127"/>
-              </a:rPr>
-              <a:t/>
             </a:r>
             <a:br>
               <a:rPr lang="en-US" altLang="ko-KR" sz="2400">
@@ -28339,7 +28217,7 @@
                   <a14:useLocalDpi xmlns:a14="http://schemas.microsoft.com/office/drawing/2010/main" val="0"/>
                 </a:ext>
                 <a:ext uri="{96DAC541-7B7A-43D3-8B79-37D633B846F1}">
-                  <asvg:svgBlip xmlns="" xmlns:asvg="http://schemas.microsoft.com/office/drawing/2016/SVG/main" r:embed="rId4"/>
+                  <asvg:svgBlip xmlns:asvg="http://schemas.microsoft.com/office/drawing/2016/SVG/main" r:embed="rId4"/>
                 </a:ext>
               </a:extLst>
             </a:blip>
@@ -28435,7 +28313,7 @@
                   <a14:useLocalDpi xmlns:a14="http://schemas.microsoft.com/office/drawing/2010/main" val="0"/>
                 </a:ext>
                 <a:ext uri="{96DAC541-7B7A-43D3-8B79-37D633B846F1}">
-                  <asvg:svgBlip xmlns="" xmlns:asvg="http://schemas.microsoft.com/office/drawing/2016/SVG/main" r:embed="rId4"/>
+                  <asvg:svgBlip xmlns:asvg="http://schemas.microsoft.com/office/drawing/2016/SVG/main" r:embed="rId4"/>
                 </a:ext>
               </a:extLst>
             </a:blip>
@@ -28621,7 +28499,7 @@
                   <a14:useLocalDpi xmlns:a14="http://schemas.microsoft.com/office/drawing/2010/main" val="0"/>
                 </a:ext>
                 <a:ext uri="{96DAC541-7B7A-43D3-8B79-37D633B846F1}">
-                  <asvg:svgBlip xmlns="" xmlns:asvg="http://schemas.microsoft.com/office/drawing/2016/SVG/main" r:embed="rId4"/>
+                  <asvg:svgBlip xmlns:asvg="http://schemas.microsoft.com/office/drawing/2016/SVG/main" r:embed="rId4"/>
                 </a:ext>
               </a:extLst>
             </a:blip>
@@ -28717,7 +28595,7 @@
                   <a14:useLocalDpi xmlns:a14="http://schemas.microsoft.com/office/drawing/2010/main" val="0"/>
                 </a:ext>
                 <a:ext uri="{96DAC541-7B7A-43D3-8B79-37D633B846F1}">
-                  <asvg:svgBlip xmlns="" xmlns:asvg="http://schemas.microsoft.com/office/drawing/2016/SVG/main" r:embed="rId4"/>
+                  <asvg:svgBlip xmlns:asvg="http://schemas.microsoft.com/office/drawing/2016/SVG/main" r:embed="rId4"/>
                 </a:ext>
               </a:extLst>
             </a:blip>
@@ -29266,7 +29144,7 @@
               <a:t> </a:t>
             </a:r>
             <a:r>
-              <a:rPr lang="en-US" altLang="ko-KR" dirty="0" smtClean="0"/>
+              <a:rPr lang="en-US" altLang="ko-KR" dirty="0"/>
               <a:t>Repository (Local Repo)</a:t>
             </a:r>
             <a:endParaRPr lang="ko-KR" altLang="en-US" dirty="0"/>
@@ -29434,7 +29312,7 @@
           <a:p>
             <a:fld id="{0F78D9C4-20C1-4B15-A116-16DC77AD9A1E}" type="datetime1">
               <a:rPr lang="ko-KR" altLang="en-US" smtClean="0"/>
-              <a:t>2025-04-21</a:t>
+              <a:t>2025-04-22</a:t>
             </a:fld>
             <a:endParaRPr lang="ko-KR" altLang="en-US"/>
           </a:p>
@@ -29680,7 +29558,7 @@
           <a:p>
             <a:fld id="{0F78D9C4-20C1-4B15-A116-16DC77AD9A1E}" type="datetime1">
               <a:rPr lang="ko-KR" altLang="en-US" smtClean="0"/>
-              <a:t>2025-04-21</a:t>
+              <a:t>2025-04-22</a:t>
             </a:fld>
             <a:endParaRPr lang="ko-KR" altLang="en-US" dirty="0"/>
           </a:p>
@@ -29756,7 +29634,7 @@
                   <a14:useLocalDpi xmlns:a14="http://schemas.microsoft.com/office/drawing/2010/main" val="0"/>
                 </a:ext>
                 <a:ext uri="{96DAC541-7B7A-43D3-8B79-37D633B846F1}">
-                  <asvg:svgBlip xmlns="" xmlns:asvg="http://schemas.microsoft.com/office/drawing/2016/SVG/main" r:embed="rId3"/>
+                  <asvg:svgBlip xmlns:asvg="http://schemas.microsoft.com/office/drawing/2016/SVG/main" r:embed="rId3"/>
                 </a:ext>
               </a:extLst>
             </a:blip>
@@ -29852,7 +29730,7 @@
                   <a14:useLocalDpi xmlns:a14="http://schemas.microsoft.com/office/drawing/2010/main" val="0"/>
                 </a:ext>
                 <a:ext uri="{96DAC541-7B7A-43D3-8B79-37D633B846F1}">
-                  <asvg:svgBlip xmlns="" xmlns:asvg="http://schemas.microsoft.com/office/drawing/2016/SVG/main" r:embed="rId3"/>
+                  <asvg:svgBlip xmlns:asvg="http://schemas.microsoft.com/office/drawing/2016/SVG/main" r:embed="rId3"/>
                 </a:ext>
               </a:extLst>
             </a:blip>
@@ -29948,7 +29826,7 @@
                   <a14:useLocalDpi xmlns:a14="http://schemas.microsoft.com/office/drawing/2010/main" val="0"/>
                 </a:ext>
                 <a:ext uri="{96DAC541-7B7A-43D3-8B79-37D633B846F1}">
-                  <asvg:svgBlip xmlns="" xmlns:asvg="http://schemas.microsoft.com/office/drawing/2016/SVG/main" r:embed="rId3"/>
+                  <asvg:svgBlip xmlns:asvg="http://schemas.microsoft.com/office/drawing/2016/SVG/main" r:embed="rId3"/>
                 </a:ext>
               </a:extLst>
             </a:blip>
@@ -30044,7 +29922,7 @@
                   <a14:useLocalDpi xmlns:a14="http://schemas.microsoft.com/office/drawing/2010/main" val="0"/>
                 </a:ext>
                 <a:ext uri="{96DAC541-7B7A-43D3-8B79-37D633B846F1}">
-                  <asvg:svgBlip xmlns="" xmlns:asvg="http://schemas.microsoft.com/office/drawing/2016/SVG/main" r:embed="rId3"/>
+                  <asvg:svgBlip xmlns:asvg="http://schemas.microsoft.com/office/drawing/2016/SVG/main" r:embed="rId3"/>
                 </a:ext>
               </a:extLst>
             </a:blip>
@@ -31175,7 +31053,7 @@
           <a:p>
             <a:fld id="{0F78D9C4-20C1-4B15-A116-16DC77AD9A1E}" type="datetime1">
               <a:rPr lang="ko-KR" altLang="en-US" smtClean="0"/>
-              <a:t>2025-04-21</a:t>
+              <a:t>2025-04-22</a:t>
             </a:fld>
             <a:endParaRPr lang="ko-KR" altLang="en-US"/>
           </a:p>
@@ -31533,13 +31411,6 @@
               </a:rPr>
               <a:t>하게 되면 원격저장소에 파일이 업로드됨</a:t>
             </a:r>
-            <a:r>
-              <a:rPr lang="en-US" altLang="ko-KR" sz="2400">
-                <a:latin typeface="G마켓 산스 TTF Medium" panose="02000000000000000000" pitchFamily="2" charset="-127"/>
-                <a:ea typeface="G마켓 산스 TTF Medium" panose="02000000000000000000" pitchFamily="2" charset="-127"/>
-              </a:rPr>
-              <a:t/>
-            </a:r>
             <a:br>
               <a:rPr lang="en-US" altLang="ko-KR" sz="2400">
                 <a:latin typeface="G마켓 산스 TTF Medium" panose="02000000000000000000" pitchFamily="2" charset="-127"/>
@@ -31968,13 +31839,6 @@
             <a:endParaRPr lang="en-US" altLang="ko-KR" sz="2400" dirty="0"/>
           </a:p>
           <a:p>
-            <a:endParaRPr lang="en-US" altLang="ko-KR" sz="2400" dirty="0" smtClean="0">
-              <a:solidFill>
-                <a:srgbClr val="FF0000"/>
-              </a:solidFill>
-            </a:endParaRPr>
-          </a:p>
-          <a:p>
             <a:endParaRPr lang="en-US" altLang="ko-KR" sz="2400" dirty="0">
               <a:solidFill>
                 <a:srgbClr val="FF0000"/>
@@ -31982,21 +31846,20 @@
             </a:endParaRPr>
           </a:p>
           <a:p>
-            <a:r>
-              <a:rPr lang="ko-KR" altLang="en-US" sz="2400" dirty="0" smtClean="0">
-                <a:solidFill>
-                  <a:srgbClr val="FF0000"/>
-                </a:solidFill>
-              </a:rPr>
-              <a:t>꼭 </a:t>
-            </a:r>
+            <a:endParaRPr lang="en-US" altLang="ko-KR" sz="2400" dirty="0">
+              <a:solidFill>
+                <a:srgbClr val="FF0000"/>
+              </a:solidFill>
+            </a:endParaRPr>
+          </a:p>
+          <a:p>
             <a:r>
               <a:rPr lang="ko-KR" altLang="en-US" sz="2400" dirty="0">
                 <a:solidFill>
                   <a:srgbClr val="FF0000"/>
                 </a:solidFill>
               </a:rPr>
-              <a:t>파일이 생성되는 폴더의 위치를 잘 확인하고 작업을 진행</a:t>
+              <a:t>꼭 파일이 생성되는 폴더의 위치를 잘 확인하고 작업을 진행</a:t>
             </a:r>
             <a:r>
               <a:rPr lang="en-US" altLang="ko-KR" sz="2400" dirty="0">
@@ -32263,13 +32126,6 @@
               </a:rPr>
               <a:t>을 하여 </a:t>
             </a:r>
-            <a:r>
-              <a:rPr lang="en-US" altLang="ko-KR" sz="2000">
-                <a:latin typeface="G마켓 산스 TTF Medium" panose="02000000000000000000" pitchFamily="2" charset="-127"/>
-                <a:ea typeface="G마켓 산스 TTF Medium" panose="02000000000000000000" pitchFamily="2" charset="-127"/>
-              </a:rPr>
-              <a:t/>
-            </a:r>
             <a:br>
               <a:rPr lang="en-US" altLang="ko-KR" sz="2000">
                 <a:latin typeface="G마켓 산스 TTF Medium" panose="02000000000000000000" pitchFamily="2" charset="-127"/>
@@ -32334,13 +32190,6 @@
               </a:rPr>
               <a:t>를 하게 되면</a:t>
             </a:r>
-            <a:r>
-              <a:rPr lang="en-US" altLang="ko-KR" sz="2000">
-                <a:latin typeface="G마켓 산스 TTF Medium" panose="02000000000000000000" pitchFamily="2" charset="-127"/>
-                <a:ea typeface="G마켓 산스 TTF Medium" panose="02000000000000000000" pitchFamily="2" charset="-127"/>
-              </a:rPr>
-              <a:t/>
-            </a:r>
             <a:br>
               <a:rPr lang="en-US" altLang="ko-KR" sz="2000">
                 <a:latin typeface="G마켓 산스 TTF Medium" panose="02000000000000000000" pitchFamily="2" charset="-127"/>
@@ -32392,13 +32241,6 @@
               </a:rPr>
               <a:t>의 내용으로 원격저장소를 찾게 되는데</a:t>
             </a:r>
-            <a:r>
-              <a:rPr lang="en-US" altLang="ko-KR" sz="2000">
-                <a:latin typeface="G마켓 산스 TTF Medium" panose="02000000000000000000" pitchFamily="2" charset="-127"/>
-                <a:ea typeface="G마켓 산스 TTF Medium" panose="02000000000000000000" pitchFamily="2" charset="-127"/>
-              </a:rPr>
-              <a:t/>
-            </a:r>
             <a:br>
               <a:rPr lang="en-US" altLang="ko-KR" sz="2000">
                 <a:latin typeface="G마켓 산스 TTF Medium" panose="02000000000000000000" pitchFamily="2" charset="-127"/>
@@ -32432,13 +32274,6 @@
                 <a:ea typeface="G마켓 산스 TTF Medium" panose="02000000000000000000" pitchFamily="2" charset="-127"/>
               </a:rPr>
               <a:t>이 두개가 생기게 되면서</a:t>
-            </a:r>
-            <a:r>
-              <a:rPr lang="en-US" altLang="ko-KR" sz="2000">
-                <a:latin typeface="G마켓 산스 TTF Medium" panose="02000000000000000000" pitchFamily="2" charset="-127"/>
-                <a:ea typeface="G마켓 산스 TTF Medium" panose="02000000000000000000" pitchFamily="2" charset="-127"/>
-              </a:rPr>
-              <a:t/>
             </a:r>
             <a:br>
               <a:rPr lang="en-US" altLang="ko-KR" sz="2000">
@@ -32583,7 +32418,7 @@
         <p:spPr>
           <a:xfrm>
             <a:off x="447426" y="1262154"/>
-            <a:ext cx="10319962" cy="4876143"/>
+            <a:ext cx="11015230" cy="5729069"/>
           </a:xfrm>
           <a:prstGeom prst="rect">
             <a:avLst/>
@@ -32652,18 +32487,11 @@
               <a:t>특히 </a:t>
             </a:r>
             <a:r>
-              <a:rPr lang="en-US" altLang="ko-KR" sz="2800" dirty="0" smtClean="0">
-                <a:latin typeface="G마켓 산스 TTF Medium" panose="02000000000000000000" pitchFamily="2" charset="-127"/>
-                <a:ea typeface="G마켓 산스 TTF Medium" panose="02000000000000000000" pitchFamily="2" charset="-127"/>
-              </a:rPr>
-              <a:t>API </a:t>
-            </a:r>
-            <a:r>
               <a:rPr lang="en-US" altLang="ko-KR" sz="2800" dirty="0">
                 <a:latin typeface="G마켓 산스 TTF Medium" panose="02000000000000000000" pitchFamily="2" charset="-127"/>
                 <a:ea typeface="G마켓 산스 TTF Medium" panose="02000000000000000000" pitchFamily="2" charset="-127"/>
               </a:rPr>
-              <a:t>key, DB </a:t>
+              <a:t>API key, DB </a:t>
             </a:r>
             <a:r>
               <a:rPr lang="ko-KR" altLang="en-US" sz="2800" dirty="0" err="1">
@@ -32678,13 +32506,6 @@
                 <a:ea typeface="G마켓 산스 TTF Medium" panose="02000000000000000000" pitchFamily="2" charset="-127"/>
               </a:rPr>
               <a:t> 등 외부에 노출하면 안되는 정보는 </a:t>
-            </a:r>
-            <a:r>
-              <a:rPr lang="en-US" altLang="ko-KR" sz="2800" dirty="0">
-                <a:latin typeface="G마켓 산스 TTF Medium" panose="02000000000000000000" pitchFamily="2" charset="-127"/>
-                <a:ea typeface="G마켓 산스 TTF Medium" panose="02000000000000000000" pitchFamily="2" charset="-127"/>
-              </a:rPr>
-              <a:t/>
             </a:r>
             <a:br>
               <a:rPr lang="en-US" altLang="ko-KR" sz="2800" dirty="0">
@@ -32711,14 +32532,7 @@
                 <a:latin typeface="G마켓 산스 TTF Medium" panose="02000000000000000000" pitchFamily="2" charset="-127"/>
                 <a:ea typeface="G마켓 산스 TTF Medium" panose="02000000000000000000" pitchFamily="2" charset="-127"/>
               </a:rPr>
-              <a:t>원격저장소에 올리면 절대 </a:t>
-            </a:r>
-            <a:r>
-              <a:rPr lang="ko-KR" altLang="en-US" sz="2800" dirty="0" smtClean="0">
-                <a:latin typeface="G마켓 산스 TTF Medium" panose="02000000000000000000" pitchFamily="2" charset="-127"/>
-                <a:ea typeface="G마켓 산스 TTF Medium" panose="02000000000000000000" pitchFamily="2" charset="-127"/>
-              </a:rPr>
-              <a:t>안됨</a:t>
+              <a:t>원격저장소에 올리면 절대 안됨</a:t>
             </a:r>
             <a:endParaRPr lang="en-US" altLang="ko-KR" sz="2800" dirty="0">
               <a:latin typeface="G마켓 산스 TTF Medium" panose="02000000000000000000" pitchFamily="2" charset="-127"/>
@@ -32734,41 +32548,41 @@
               <a:buChar char="•"/>
             </a:pPr>
             <a:r>
-              <a:rPr lang="ko-KR" altLang="en-US" sz="2800" dirty="0" smtClean="0">
+              <a:rPr lang="ko-KR" altLang="en-US" sz="2800" dirty="0">
                 <a:latin typeface="G마켓 산스 TTF Medium" panose="02000000000000000000" pitchFamily="2" charset="-127"/>
                 <a:ea typeface="G마켓 산스 TTF Medium" panose="02000000000000000000" pitchFamily="2" charset="-127"/>
               </a:rPr>
               <a:t>올리면 안되는 파일들에 대한 정보를 담는 파일이 </a:t>
             </a:r>
             <a:r>
-              <a:rPr lang="en-US" altLang="ko-KR" sz="2800" dirty="0" smtClean="0">
+              <a:rPr lang="en-US" altLang="ko-KR" sz="2800" dirty="0">
                 <a:latin typeface="G마켓 산스 TTF Medium" panose="02000000000000000000" pitchFamily="2" charset="-127"/>
                 <a:ea typeface="G마켓 산스 TTF Medium" panose="02000000000000000000" pitchFamily="2" charset="-127"/>
               </a:rPr>
               <a:t>.</a:t>
             </a:r>
             <a:r>
-              <a:rPr lang="en-US" altLang="ko-KR" sz="2800" dirty="0" err="1" smtClean="0">
+              <a:rPr lang="en-US" altLang="ko-KR" sz="2800" dirty="0" err="1">
                 <a:latin typeface="G마켓 산스 TTF Medium" panose="02000000000000000000" pitchFamily="2" charset="-127"/>
                 <a:ea typeface="G마켓 산스 TTF Medium" panose="02000000000000000000" pitchFamily="2" charset="-127"/>
               </a:rPr>
               <a:t>gitignore</a:t>
             </a:r>
             <a:r>
-              <a:rPr lang="en-US" altLang="ko-KR" sz="2800" dirty="0" smtClean="0">
+              <a:rPr lang="en-US" altLang="ko-KR" sz="2800" dirty="0">
                 <a:latin typeface="G마켓 산스 TTF Medium" panose="02000000000000000000" pitchFamily="2" charset="-127"/>
                 <a:ea typeface="G마켓 산스 TTF Medium" panose="02000000000000000000" pitchFamily="2" charset="-127"/>
               </a:rPr>
               <a:t> </a:t>
             </a:r>
             <a:r>
-              <a:rPr lang="ko-KR" altLang="en-US" sz="2800" dirty="0" err="1" smtClean="0">
+              <a:rPr lang="ko-KR" altLang="en-US" sz="2800" dirty="0" err="1">
                 <a:latin typeface="G마켓 산스 TTF Medium" panose="02000000000000000000" pitchFamily="2" charset="-127"/>
                 <a:ea typeface="G마켓 산스 TTF Medium" panose="02000000000000000000" pitchFamily="2" charset="-127"/>
               </a:rPr>
               <a:t>파일임</a:t>
             </a:r>
-            <a:endParaRPr lang="en-US" altLang="ko-KR" sz="2800" dirty="0" smtClean="0">
+            <a:endParaRPr lang="en-US" altLang="ko-KR" sz="2800" dirty="0">
               <a:latin typeface="G마켓 산스 TTF Medium" panose="02000000000000000000" pitchFamily="2" charset="-127"/>
               <a:ea typeface="G마켓 산스 TTF Medium" panose="02000000000000000000" pitchFamily="2" charset="-127"/>
             </a:endParaRPr>
@@ -32782,7 +32596,7 @@
               <a:buChar char="•"/>
             </a:pPr>
             <a:r>
-              <a:rPr lang="en-US" altLang="ko-KR" sz="2800" b="1" dirty="0" smtClean="0">
+              <a:rPr lang="en-US" altLang="ko-KR" sz="2800" b="1" dirty="0">
                 <a:latin typeface="G마켓 산스 TTF Medium" panose="02000000000000000000" pitchFamily="2" charset="-127"/>
                 <a:ea typeface="G마켓 산스 TTF Medium" panose="02000000000000000000" pitchFamily="2" charset="-127"/>
               </a:rPr>
@@ -33160,17 +32974,10 @@
                 <a:latin typeface="G마켓 산스 TTF Medium" panose="02000000000000000000" pitchFamily="2" charset="-127"/>
                 <a:ea typeface="G마켓 산스 TTF Medium" panose="02000000000000000000" pitchFamily="2" charset="-127"/>
               </a:rPr>
-              <a:t> </a:t>
-            </a:r>
-            <a:r>
-              <a:rPr lang="ko-KR" altLang="en-US" sz="2400" dirty="0" smtClean="0">
-                <a:latin typeface="G마켓 산스 TTF Medium" panose="02000000000000000000" pitchFamily="2" charset="-127"/>
-                <a:ea typeface="G마켓 산스 TTF Medium" panose="02000000000000000000" pitchFamily="2" charset="-127"/>
-              </a:rPr>
-              <a:t>이름이 </a:t>
-            </a:r>
-            <a:r>
-              <a:rPr lang="en-US" altLang="ko-KR" sz="2400" dirty="0" smtClean="0">
+              <a:t> 이름이 </a:t>
+            </a:r>
+            <a:r>
+              <a:rPr lang="en-US" altLang="ko-KR" sz="2400" dirty="0">
                 <a:latin typeface="G마켓 산스 TTF Medium" panose="02000000000000000000" pitchFamily="2" charset="-127"/>
                 <a:ea typeface="G마켓 산스 TTF Medium" panose="02000000000000000000" pitchFamily="2" charset="-127"/>
               </a:rPr>
@@ -33182,13 +32989,6 @@
                 <a:ea typeface="G마켓 산스 TTF Medium" panose="02000000000000000000" pitchFamily="2" charset="-127"/>
               </a:rPr>
               <a:t>폴더의 </a:t>
-            </a:r>
-            <a:r>
-              <a:rPr lang="en-US" altLang="ko-KR" sz="2400" dirty="0">
-                <a:latin typeface="G마켓 산스 TTF Medium" panose="02000000000000000000" pitchFamily="2" charset="-127"/>
-                <a:ea typeface="G마켓 산스 TTF Medium" panose="02000000000000000000" pitchFamily="2" charset="-127"/>
-              </a:rPr>
-              <a:t/>
             </a:r>
             <a:br>
               <a:rPr lang="en-US" altLang="ko-KR" sz="2400" dirty="0">
@@ -33286,18 +33086,11 @@
               <a:t>절대 경로</a:t>
             </a:r>
             <a:r>
-              <a:rPr lang="en-US" altLang="ko-KR" sz="2400" dirty="0" smtClean="0">
-                <a:latin typeface="G마켓 산스 TTF Medium" panose="02000000000000000000" pitchFamily="2" charset="-127"/>
-                <a:ea typeface="G마켓 산스 TTF Medium" panose="02000000000000000000" pitchFamily="2" charset="-127"/>
-              </a:rPr>
-              <a:t>)</a:t>
-            </a:r>
-            <a:r>
               <a:rPr lang="en-US" altLang="ko-KR" sz="2400" dirty="0">
                 <a:latin typeface="G마켓 산스 TTF Medium" panose="02000000000000000000" pitchFamily="2" charset="-127"/>
                 <a:ea typeface="G마켓 산스 TTF Medium" panose="02000000000000000000" pitchFamily="2" charset="-127"/>
               </a:rPr>
-              <a:t/>
+              <a:t>)</a:t>
             </a:r>
             <a:br>
               <a:rPr lang="en-US" altLang="ko-KR" sz="2400" dirty="0">
@@ -33479,37 +33272,30 @@
                 <a:latin typeface="G마켓 산스 TTF Medium" panose="02000000000000000000" pitchFamily="2" charset="-127"/>
                 <a:ea typeface="G마켓 산스 TTF Medium" panose="02000000000000000000" pitchFamily="2" charset="-127"/>
               </a:rPr>
-              <a:t>/test : </a:t>
-            </a:r>
-            <a:r>
-              <a:rPr lang="en-US" altLang="ko-KR" sz="2000" dirty="0" smtClean="0">
+              <a:t>/test : b.exe</a:t>
+            </a:r>
+            <a:br>
+              <a:rPr lang="en-US" altLang="ko-KR" sz="2000" dirty="0">
                 <a:latin typeface="G마켓 산스 TTF Medium" panose="02000000000000000000" pitchFamily="2" charset="-127"/>
                 <a:ea typeface="G마켓 산스 TTF Medium" panose="02000000000000000000" pitchFamily="2" charset="-127"/>
               </a:rPr>
-              <a:t>b.exe</a:t>
-            </a:r>
-            <a:br>
-              <a:rPr lang="en-US" altLang="ko-KR" sz="2000" dirty="0" smtClean="0">
+            </a:br>
+            <a:r>
+              <a:rPr lang="en-US" altLang="ko-KR" sz="2000" dirty="0">
                 <a:latin typeface="G마켓 산스 TTF Medium" panose="02000000000000000000" pitchFamily="2" charset="-127"/>
                 <a:ea typeface="G마켓 산스 TTF Medium" panose="02000000000000000000" pitchFamily="2" charset="-127"/>
               </a:rPr>
-            </a:br>
-            <a:r>
-              <a:rPr lang="en-US" altLang="ko-KR" sz="2000" dirty="0" smtClean="0">
+              <a:t>a.exe </a:t>
+            </a:r>
+            <a:r>
+              <a:rPr lang="ko-KR" altLang="en-US" sz="2000" dirty="0">
                 <a:latin typeface="G마켓 산스 TTF Medium" panose="02000000000000000000" pitchFamily="2" charset="-127"/>
                 <a:ea typeface="G마켓 산스 TTF Medium" panose="02000000000000000000" pitchFamily="2" charset="-127"/>
               </a:rPr>
-              <a:t>a.exe </a:t>
-            </a:r>
-            <a:r>
-              <a:rPr lang="ko-KR" altLang="en-US" sz="2000" dirty="0" smtClean="0">
-                <a:latin typeface="G마켓 산스 TTF Medium" panose="02000000000000000000" pitchFamily="2" charset="-127"/>
-                <a:ea typeface="G마켓 산스 TTF Medium" panose="02000000000000000000" pitchFamily="2" charset="-127"/>
-              </a:rPr>
               <a:t>무시되지 </a:t>
             </a:r>
             <a:r>
-              <a:rPr lang="ko-KR" altLang="en-US" sz="2000" dirty="0" smtClean="0">
+              <a:rPr lang="ko-KR" altLang="en-US" sz="2000" dirty="0">
                 <a:solidFill>
                   <a:srgbClr val="FF0000"/>
                 </a:solidFill>
@@ -33519,16 +33305,12 @@
               <a:t>않음</a:t>
             </a:r>
             <a:r>
-              <a:rPr lang="en-US" altLang="ko-KR" sz="2000" dirty="0" smtClean="0">
+              <a:rPr lang="en-US" altLang="ko-KR" sz="2000" dirty="0">
                 <a:latin typeface="G마켓 산스 TTF Medium" panose="02000000000000000000" pitchFamily="2" charset="-127"/>
                 <a:ea typeface="G마켓 산스 TTF Medium" panose="02000000000000000000" pitchFamily="2" charset="-127"/>
               </a:rPr>
               <a:t>.</a:t>
             </a:r>
-            <a:endParaRPr lang="en-US" altLang="ko-KR" sz="2000" dirty="0">
-              <a:latin typeface="G마켓 산스 TTF Medium" panose="02000000000000000000" pitchFamily="2" charset="-127"/>
-              <a:ea typeface="G마켓 산스 TTF Medium" panose="02000000000000000000" pitchFamily="2" charset="-127"/>
-            </a:endParaRPr>
           </a:p>
         </p:txBody>
       </p:sp>
@@ -34067,7 +33849,7 @@
                 <a14:useLocalDpi xmlns:a14="http://schemas.microsoft.com/office/drawing/2010/main" val="0"/>
               </a:ext>
               <a:ext uri="{96DAC541-7B7A-43D3-8B79-37D633B846F1}">
-                <asvg:svgBlip xmlns="" xmlns:asvg="http://schemas.microsoft.com/office/drawing/2016/SVG/main" r:embed="rId5"/>
+                <asvg:svgBlip xmlns:asvg="http://schemas.microsoft.com/office/drawing/2016/SVG/main" r:embed="rId5"/>
               </a:ext>
             </a:extLst>
           </a:blip>
@@ -34106,7 +33888,7 @@
                 <a14:useLocalDpi xmlns:a14="http://schemas.microsoft.com/office/drawing/2010/main" val="0"/>
               </a:ext>
               <a:ext uri="{96DAC541-7B7A-43D3-8B79-37D633B846F1}">
-                <asvg:svgBlip xmlns="" xmlns:asvg="http://schemas.microsoft.com/office/drawing/2016/SVG/main" r:embed="rId7"/>
+                <asvg:svgBlip xmlns:asvg="http://schemas.microsoft.com/office/drawing/2016/SVG/main" r:embed="rId7"/>
               </a:ext>
             </a:extLst>
           </a:blip>
@@ -34145,7 +33927,7 @@
                 <a14:useLocalDpi xmlns:a14="http://schemas.microsoft.com/office/drawing/2010/main" val="0"/>
               </a:ext>
               <a:ext uri="{96DAC541-7B7A-43D3-8B79-37D633B846F1}">
-                <asvg:svgBlip xmlns="" xmlns:asvg="http://schemas.microsoft.com/office/drawing/2016/SVG/main" r:embed="rId9"/>
+                <asvg:svgBlip xmlns:asvg="http://schemas.microsoft.com/office/drawing/2016/SVG/main" r:embed="rId9"/>
               </a:ext>
             </a:extLst>
           </a:blip>
@@ -34184,7 +33966,7 @@
                 <a14:useLocalDpi xmlns:a14="http://schemas.microsoft.com/office/drawing/2010/main" val="0"/>
               </a:ext>
               <a:ext uri="{96DAC541-7B7A-43D3-8B79-37D633B846F1}">
-                <asvg:svgBlip xmlns="" xmlns:asvg="http://schemas.microsoft.com/office/drawing/2016/SVG/main" r:embed="rId11"/>
+                <asvg:svgBlip xmlns:asvg="http://schemas.microsoft.com/office/drawing/2016/SVG/main" r:embed="rId11"/>
               </a:ext>
             </a:extLst>
           </a:blip>
@@ -34626,7 +34408,7 @@
                   <a14:useLocalDpi xmlns:a14="http://schemas.microsoft.com/office/drawing/2010/main" val="0"/>
                 </a:ext>
                 <a:ext uri="{96DAC541-7B7A-43D3-8B79-37D633B846F1}">
-                  <asvg:svgBlip xmlns="" xmlns:asvg="http://schemas.microsoft.com/office/drawing/2016/SVG/main" r:embed="rId4"/>
+                  <asvg:svgBlip xmlns:asvg="http://schemas.microsoft.com/office/drawing/2016/SVG/main" r:embed="rId4"/>
                 </a:ext>
               </a:extLst>
             </a:blip>
@@ -34722,7 +34504,7 @@
                   <a14:useLocalDpi xmlns:a14="http://schemas.microsoft.com/office/drawing/2010/main" val="0"/>
                 </a:ext>
                 <a:ext uri="{96DAC541-7B7A-43D3-8B79-37D633B846F1}">
-                  <asvg:svgBlip xmlns="" xmlns:asvg="http://schemas.microsoft.com/office/drawing/2016/SVG/main" r:embed="rId4"/>
+                  <asvg:svgBlip xmlns:asvg="http://schemas.microsoft.com/office/drawing/2016/SVG/main" r:embed="rId4"/>
                 </a:ext>
               </a:extLst>
             </a:blip>
@@ -34818,7 +34600,7 @@
                   <a14:useLocalDpi xmlns:a14="http://schemas.microsoft.com/office/drawing/2010/main" val="0"/>
                 </a:ext>
                 <a:ext uri="{96DAC541-7B7A-43D3-8B79-37D633B846F1}">
-                  <asvg:svgBlip xmlns="" xmlns:asvg="http://schemas.microsoft.com/office/drawing/2016/SVG/main" r:embed="rId4"/>
+                  <asvg:svgBlip xmlns:asvg="http://schemas.microsoft.com/office/drawing/2016/SVG/main" r:embed="rId4"/>
                 </a:ext>
               </a:extLst>
             </a:blip>
@@ -34914,7 +34696,7 @@
                   <a14:useLocalDpi xmlns:a14="http://schemas.microsoft.com/office/drawing/2010/main" val="0"/>
                 </a:ext>
                 <a:ext uri="{96DAC541-7B7A-43D3-8B79-37D633B846F1}">
-                  <asvg:svgBlip xmlns="" xmlns:asvg="http://schemas.microsoft.com/office/drawing/2016/SVG/main" r:embed="rId4"/>
+                  <asvg:svgBlip xmlns:asvg="http://schemas.microsoft.com/office/drawing/2016/SVG/main" r:embed="rId4"/>
                 </a:ext>
               </a:extLst>
             </a:blip>
@@ -36145,13 +35927,6 @@
                 <a:ea typeface="G마켓 산스 TTF Light" panose="02000000000000000000" pitchFamily="2" charset="-127"/>
               </a:rPr>
               <a:t>이 완료되면 폴더안에 원격저장소에있던 파일들이 </a:t>
-            </a:r>
-            <a:r>
-              <a:rPr lang="en-US" altLang="ko-KR" sz="2000">
-                <a:latin typeface="G마켓 산스 TTF Light" panose="02000000000000000000" pitchFamily="2" charset="-127"/>
-                <a:ea typeface="G마켓 산스 TTF Light" panose="02000000000000000000" pitchFamily="2" charset="-127"/>
-              </a:rPr>
-              <a:t/>
             </a:r>
             <a:br>
               <a:rPr lang="en-US" altLang="ko-KR" sz="2000">
@@ -37924,7 +37699,7 @@
           <a:p>
             <a:fld id="{0F78D9C4-20C1-4B15-A116-16DC77AD9A1E}" type="datetime1">
               <a:rPr lang="ko-KR" altLang="en-US" smtClean="0"/>
-              <a:t>2025-04-21</a:t>
+              <a:t>2025-04-22</a:t>
             </a:fld>
             <a:endParaRPr lang="ko-KR" altLang="en-US"/>
           </a:p>
@@ -38188,7 +37963,7 @@
           <a:p>
             <a:fld id="{0F78D9C4-20C1-4B15-A116-16DC77AD9A1E}" type="datetime1">
               <a:rPr lang="ko-KR" altLang="en-US" smtClean="0"/>
-              <a:t>2025-04-21</a:t>
+              <a:t>2025-04-22</a:t>
             </a:fld>
             <a:endParaRPr lang="ko-KR" altLang="en-US"/>
           </a:p>
@@ -38662,7 +38437,7 @@
           <a:p>
             <a:fld id="{0F78D9C4-20C1-4B15-A116-16DC77AD9A1E}" type="datetime1">
               <a:rPr lang="ko-KR" altLang="en-US" smtClean="0"/>
-              <a:t>2025-04-21</a:t>
+              <a:t>2025-04-22</a:t>
             </a:fld>
             <a:endParaRPr lang="ko-KR" altLang="en-US"/>
           </a:p>
@@ -39019,11 +38794,11 @@
               <a:t> </a:t>
             </a:r>
             <a:r>
-              <a:rPr lang="ko-KR" altLang="en-US" dirty="0" smtClean="0"/>
+              <a:rPr lang="ko-KR" altLang="en-US" dirty="0"/>
               <a:t>명령어 좀 더 알아보자</a:t>
             </a:r>
             <a:r>
-              <a:rPr lang="en-US" altLang="ko-KR" dirty="0" smtClean="0"/>
+              <a:rPr lang="en-US" altLang="ko-KR" dirty="0"/>
               <a:t>!</a:t>
             </a:r>
             <a:endParaRPr lang="ko-KR" altLang="en-US" dirty="0"/>
@@ -39282,7 +39057,7 @@
           <a:p>
             <a:fld id="{0F78D9C4-20C1-4B15-A116-16DC77AD9A1E}" type="datetime1">
               <a:rPr lang="ko-KR" altLang="en-US" smtClean="0"/>
-              <a:t>2025-04-21</a:t>
+              <a:t>2025-04-22</a:t>
             </a:fld>
             <a:endParaRPr lang="ko-KR" altLang="en-US"/>
           </a:p>
@@ -39453,11 +39228,11 @@
               <a:t>인 </a:t>
             </a:r>
             <a:r>
-              <a:rPr lang="en-US" altLang="ko-KR" dirty="0" err="1" smtClean="0"/>
+              <a:rPr lang="en-US" altLang="ko-KR" dirty="0" err="1"/>
               <a:t>MyTestRepo</a:t>
             </a:r>
             <a:r>
-              <a:rPr lang="ko-KR" altLang="en-US" dirty="0" smtClean="0"/>
+              <a:rPr lang="ko-KR" altLang="en-US" dirty="0"/>
               <a:t>를 </a:t>
             </a:r>
             <a:r>
@@ -39616,7 +39391,7 @@
           <a:p>
             <a:fld id="{0F78D9C4-20C1-4B15-A116-16DC77AD9A1E}" type="datetime1">
               <a:rPr lang="ko-KR" altLang="en-US" smtClean="0"/>
-              <a:t>2025-04-21</a:t>
+              <a:t>2025-04-22</a:t>
             </a:fld>
             <a:endParaRPr lang="ko-KR" altLang="en-US"/>
           </a:p>
@@ -39780,7 +39555,7 @@
                   <a14:useLocalDpi xmlns:a14="http://schemas.microsoft.com/office/drawing/2010/main" val="0"/>
                 </a:ext>
                 <a:ext uri="{96DAC541-7B7A-43D3-8B79-37D633B846F1}">
-                  <asvg:svgBlip xmlns="" xmlns:asvg="http://schemas.microsoft.com/office/drawing/2016/SVG/main" r:embed="rId4"/>
+                  <asvg:svgBlip xmlns:asvg="http://schemas.microsoft.com/office/drawing/2016/SVG/main" r:embed="rId4"/>
                 </a:ext>
               </a:extLst>
             </a:blip>
@@ -39876,7 +39651,7 @@
                   <a14:useLocalDpi xmlns:a14="http://schemas.microsoft.com/office/drawing/2010/main" val="0"/>
                 </a:ext>
                 <a:ext uri="{96DAC541-7B7A-43D3-8B79-37D633B846F1}">
-                  <asvg:svgBlip xmlns="" xmlns:asvg="http://schemas.microsoft.com/office/drawing/2016/SVG/main" r:embed="rId4"/>
+                  <asvg:svgBlip xmlns:asvg="http://schemas.microsoft.com/office/drawing/2016/SVG/main" r:embed="rId4"/>
                 </a:ext>
               </a:extLst>
             </a:blip>
@@ -40046,7 +39821,7 @@
                   <a14:useLocalDpi xmlns:a14="http://schemas.microsoft.com/office/drawing/2010/main" val="0"/>
                 </a:ext>
                 <a:ext uri="{96DAC541-7B7A-43D3-8B79-37D633B846F1}">
-                  <asvg:svgBlip xmlns="" xmlns:asvg="http://schemas.microsoft.com/office/drawing/2016/SVG/main" r:embed="rId4"/>
+                  <asvg:svgBlip xmlns:asvg="http://schemas.microsoft.com/office/drawing/2016/SVG/main" r:embed="rId4"/>
                 </a:ext>
               </a:extLst>
             </a:blip>
@@ -40142,7 +39917,7 @@
                   <a14:useLocalDpi xmlns:a14="http://schemas.microsoft.com/office/drawing/2010/main" val="0"/>
                 </a:ext>
                 <a:ext uri="{96DAC541-7B7A-43D3-8B79-37D633B846F1}">
-                  <asvg:svgBlip xmlns="" xmlns:asvg="http://schemas.microsoft.com/office/drawing/2016/SVG/main" r:embed="rId4"/>
+                  <asvg:svgBlip xmlns:asvg="http://schemas.microsoft.com/office/drawing/2016/SVG/main" r:embed="rId4"/>
                 </a:ext>
               </a:extLst>
             </a:blip>
@@ -40815,7 +40590,7 @@
           <a:p>
             <a:fld id="{0F78D9C4-20C1-4B15-A116-16DC77AD9A1E}" type="datetime1">
               <a:rPr lang="ko-KR" altLang="en-US" smtClean="0"/>
-              <a:t>2025-04-21</a:t>
+              <a:t>2025-04-22</a:t>
             </a:fld>
             <a:endParaRPr lang="ko-KR" altLang="en-US"/>
           </a:p>
@@ -40865,7 +40640,7 @@
           <p:nvPr/>
         </p:nvPicPr>
         <p:blipFill>
-          <a:blip r:embed="rId2"/>
+          <a:blip r:embed="rId3"/>
           <a:srcRect b="22623"/>
           <a:stretch/>
         </p:blipFill>
@@ -40946,7 +40721,7 @@
           <p:nvPr/>
         </p:nvPicPr>
         <p:blipFill>
-          <a:blip r:embed="rId3"/>
+          <a:blip r:embed="rId4"/>
           <a:srcRect t="13082"/>
           <a:stretch/>
         </p:blipFill>
@@ -41119,7 +40894,7 @@
           <a:p>
             <a:fld id="{0F78D9C4-20C1-4B15-A116-16DC77AD9A1E}" type="datetime1">
               <a:rPr lang="ko-KR" altLang="en-US" smtClean="0"/>
-              <a:t>2025-04-21</a:t>
+              <a:t>2025-04-22</a:t>
             </a:fld>
             <a:endParaRPr lang="ko-KR" altLang="en-US"/>
           </a:p>
@@ -41169,7 +40944,7 @@
         <p:spPr>
           <a:xfrm>
             <a:off x="838200" y="3543300"/>
-            <a:ext cx="10152138" cy="2000548"/>
+            <a:ext cx="10559622" cy="2000548"/>
           </a:xfrm>
           <a:prstGeom prst="rect">
             <a:avLst/>
@@ -41296,71 +41071,68 @@
                 <a:latin typeface="+mj-ea"/>
                 <a:ea typeface="+mj-ea"/>
               </a:rPr>
-              <a:t>git remote </a:t>
-            </a:r>
-            <a:r>
-              <a:rPr lang="en-US" altLang="ko-KR" sz="2400" dirty="0">
-                <a:solidFill>
-                  <a:srgbClr val="00B050"/>
-                </a:solidFill>
+              <a:t>git remote add</a:t>
+            </a:r>
+            <a:r>
+              <a:rPr lang="ko-KR" altLang="en-US" sz="2400" dirty="0">
                 <a:latin typeface="+mj-ea"/>
                 <a:ea typeface="+mj-ea"/>
               </a:rPr>
-              <a:t>rename</a:t>
+              <a:t> </a:t>
             </a:r>
             <a:r>
               <a:rPr lang="en-US" altLang="ko-KR" sz="2400" dirty="0">
                 <a:latin typeface="+mj-ea"/>
                 <a:ea typeface="+mj-ea"/>
               </a:rPr>
-              <a:t> origin </a:t>
-            </a:r>
-            <a:r>
-              <a:rPr lang="en-US" altLang="ko-KR" sz="2400" dirty="0" err="1" smtClean="0">
+              <a:t>Raymond </a:t>
+            </a:r>
+            <a:r>
+              <a:rPr lang="en-US" altLang="ko-KR" sz="2400" dirty="0" err="1">
                 <a:latin typeface="+mj-ea"/>
                 <a:ea typeface="+mj-ea"/>
               </a:rPr>
-              <a:t>raymond</a:t>
-            </a:r>
-            <a:r>
-              <a:rPr lang="en-US" altLang="ko-KR" sz="2400" dirty="0" smtClean="0">
-                <a:latin typeface="+mj-ea"/>
-                <a:ea typeface="+mj-ea"/>
-              </a:rPr>
-              <a:t> </a:t>
+              <a:t>github</a:t>
             </a:r>
             <a:r>
               <a:rPr lang="ko-KR" altLang="en-US" sz="2400" dirty="0">
                 <a:latin typeface="+mj-ea"/>
                 <a:ea typeface="+mj-ea"/>
               </a:rPr>
-              <a:t>과 같이 별칭을 </a:t>
-            </a:r>
-            <a:r>
-              <a:rPr lang="en-US" altLang="ko-KR" sz="2400" dirty="0" err="1">
-                <a:latin typeface="+mj-ea"/>
-              </a:rPr>
-              <a:t>raymond</a:t>
+              <a:t>링크</a:t>
             </a:r>
             <a:r>
               <a:rPr lang="en-US" altLang="ko-KR" sz="2400" dirty="0">
                 <a:latin typeface="+mj-ea"/>
+                <a:ea typeface="+mj-ea"/>
               </a:rPr>
               <a:t> </a:t>
-            </a:r>
-            <a:r>
-              <a:rPr lang="ko-KR" altLang="en-US" sz="2400" dirty="0" smtClean="0">
-                <a:latin typeface="+mj-ea"/>
-                <a:ea typeface="+mj-ea"/>
-              </a:rPr>
-              <a:t>으로 </a:t>
             </a:r>
             <a:r>
               <a:rPr lang="ko-KR" altLang="en-US" sz="2400" dirty="0">
                 <a:latin typeface="+mj-ea"/>
                 <a:ea typeface="+mj-ea"/>
               </a:rPr>
-              <a:t>변경 가능</a:t>
+              <a:t>과 같이 별칭을 </a:t>
+            </a:r>
+            <a:r>
+              <a:rPr lang="en-US" altLang="ko-KR" sz="2400" dirty="0" err="1">
+                <a:latin typeface="+mj-ea"/>
+              </a:rPr>
+              <a:t>raymond</a:t>
+            </a:r>
+            <a:r>
+              <a:rPr lang="en-US" altLang="ko-KR" sz="2400" dirty="0">
+                <a:latin typeface="+mj-ea"/>
+              </a:rPr>
+              <a:t> </a:t>
+            </a:r>
+            <a:r>
+              <a:rPr lang="ko-KR" altLang="en-US" sz="2400" dirty="0">
+                <a:latin typeface="+mj-ea"/>
+                <a:ea typeface="+mj-ea"/>
+              </a:rPr>
+              <a:t>으로 변경 가능</a:t>
             </a:r>
           </a:p>
         </p:txBody>
@@ -41589,7 +41361,7 @@
           <a:p>
             <a:fld id="{0F78D9C4-20C1-4B15-A116-16DC77AD9A1E}" type="datetime1">
               <a:rPr lang="ko-KR" altLang="en-US" smtClean="0"/>
-              <a:t>2025-04-21</a:t>
+              <a:t>2025-04-22</a:t>
             </a:fld>
             <a:endParaRPr lang="ko-KR" altLang="en-US"/>
           </a:p>
@@ -42849,11 +42621,11 @@
               <a:t>인 </a:t>
             </a:r>
             <a:r>
-              <a:rPr lang="en-US" altLang="ko-KR" dirty="0" err="1" smtClean="0"/>
+              <a:rPr lang="en-US" altLang="ko-KR" dirty="0" err="1"/>
               <a:t>MyTestRepo</a:t>
             </a:r>
             <a:r>
-              <a:rPr lang="ko-KR" altLang="en-US" dirty="0" smtClean="0"/>
+              <a:rPr lang="ko-KR" altLang="en-US" dirty="0"/>
               <a:t>과 </a:t>
             </a:r>
             <a:r>
@@ -43035,7 +42807,7 @@
           <a:p>
             <a:fld id="{0F78D9C4-20C1-4B15-A116-16DC77AD9A1E}" type="datetime1">
               <a:rPr lang="ko-KR" altLang="en-US" smtClean="0"/>
-              <a:t>2025-04-21</a:t>
+              <a:t>2025-04-22</a:t>
             </a:fld>
             <a:endParaRPr lang="ko-KR" altLang="en-US"/>
           </a:p>
@@ -43401,13 +43173,6 @@
   <p:clrMapOvr>
     <a:masterClrMapping/>
   </p:clrMapOvr>
-  <p:timing>
-    <p:tnLst>
-      <p:par>
-        <p:cTn id="1" dur="indefinite" restart="never" nodeType="tmRoot"/>
-      </p:par>
-    </p:tnLst>
-  </p:timing>
 </p:sld>
 </file>
 
@@ -43768,13 +43533,6 @@
   <p:clrMapOvr>
     <a:masterClrMapping/>
   </p:clrMapOvr>
-  <p:timing>
-    <p:tnLst>
-      <p:par>
-        <p:cTn id="1" dur="indefinite" restart="never" nodeType="tmRoot"/>
-      </p:par>
-    </p:tnLst>
-  </p:timing>
 </p:sld>
 </file>
 
@@ -44115,13 +43873,6 @@
   <p:clrMapOvr>
     <a:masterClrMapping/>
   </p:clrMapOvr>
-  <p:timing>
-    <p:tnLst>
-      <p:par>
-        <p:cTn id="1" dur="indefinite" restart="never" nodeType="tmRoot"/>
-      </p:par>
-    </p:tnLst>
-  </p:timing>
 </p:sld>
 </file>
 
@@ -44385,13 +44136,6 @@
   <p:clrMapOvr>
     <a:masterClrMapping/>
   </p:clrMapOvr>
-  <p:timing>
-    <p:tnLst>
-      <p:par>
-        <p:cTn id="1" dur="indefinite" restart="never" nodeType="tmRoot"/>
-      </p:par>
-    </p:tnLst>
-  </p:timing>
 </p:sld>
 </file>
 
@@ -44535,7 +44279,7 @@
                 <a14:useLocalDpi xmlns:a14="http://schemas.microsoft.com/office/drawing/2010/main" val="0"/>
               </a:ext>
               <a:ext uri="{96DAC541-7B7A-43D3-8B79-37D633B846F1}">
-                <asvg:svgBlip xmlns="" xmlns:asvg="http://schemas.microsoft.com/office/drawing/2016/SVG/main" r:embed="rId4"/>
+                <asvg:svgBlip xmlns:asvg="http://schemas.microsoft.com/office/drawing/2016/SVG/main" r:embed="rId4"/>
               </a:ext>
             </a:extLst>
           </a:blip>
@@ -44574,7 +44318,7 @@
                 <a14:useLocalDpi xmlns:a14="http://schemas.microsoft.com/office/drawing/2010/main" val="0"/>
               </a:ext>
               <a:ext uri="{96DAC541-7B7A-43D3-8B79-37D633B846F1}">
-                <asvg:svgBlip xmlns="" xmlns:asvg="http://schemas.microsoft.com/office/drawing/2016/SVG/main" r:embed="rId6"/>
+                <asvg:svgBlip xmlns:asvg="http://schemas.microsoft.com/office/drawing/2016/SVG/main" r:embed="rId6"/>
               </a:ext>
             </a:extLst>
           </a:blip>
@@ -44613,7 +44357,7 @@
                 <a14:useLocalDpi xmlns:a14="http://schemas.microsoft.com/office/drawing/2010/main" val="0"/>
               </a:ext>
               <a:ext uri="{96DAC541-7B7A-43D3-8B79-37D633B846F1}">
-                <asvg:svgBlip xmlns="" xmlns:asvg="http://schemas.microsoft.com/office/drawing/2016/SVG/main" r:embed="rId8"/>
+                <asvg:svgBlip xmlns:asvg="http://schemas.microsoft.com/office/drawing/2016/SVG/main" r:embed="rId8"/>
               </a:ext>
             </a:extLst>
           </a:blip>
@@ -44652,7 +44396,7 @@
                 <a14:useLocalDpi xmlns:a14="http://schemas.microsoft.com/office/drawing/2010/main" val="0"/>
               </a:ext>
               <a:ext uri="{96DAC541-7B7A-43D3-8B79-37D633B846F1}">
-                <asvg:svgBlip xmlns="" xmlns:asvg="http://schemas.microsoft.com/office/drawing/2016/SVG/main" r:embed="rId10"/>
+                <asvg:svgBlip xmlns:asvg="http://schemas.microsoft.com/office/drawing/2016/SVG/main" r:embed="rId10"/>
               </a:ext>
             </a:extLst>
           </a:blip>
@@ -44691,7 +44435,7 @@
                 <a14:useLocalDpi xmlns:a14="http://schemas.microsoft.com/office/drawing/2010/main" val="0"/>
               </a:ext>
               <a:ext uri="{96DAC541-7B7A-43D3-8B79-37D633B846F1}">
-                <asvg:svgBlip xmlns="" xmlns:asvg="http://schemas.microsoft.com/office/drawing/2016/SVG/main" r:embed="rId12"/>
+                <asvg:svgBlip xmlns:asvg="http://schemas.microsoft.com/office/drawing/2016/SVG/main" r:embed="rId12"/>
               </a:ext>
             </a:extLst>
           </a:blip>
@@ -44892,7 +44636,7 @@
                 <a14:useLocalDpi xmlns:a14="http://schemas.microsoft.com/office/drawing/2010/main" val="0"/>
               </a:ext>
               <a:ext uri="{96DAC541-7B7A-43D3-8B79-37D633B846F1}">
-                <asvg:svgBlip xmlns="" xmlns:asvg="http://schemas.microsoft.com/office/drawing/2016/SVG/main" r:embed="rId14"/>
+                <asvg:svgBlip xmlns:asvg="http://schemas.microsoft.com/office/drawing/2016/SVG/main" r:embed="rId14"/>
               </a:ext>
             </a:extLst>
           </a:blip>
@@ -44931,7 +44675,7 @@
                 <a14:useLocalDpi xmlns:a14="http://schemas.microsoft.com/office/drawing/2010/main" val="0"/>
               </a:ext>
               <a:ext uri="{96DAC541-7B7A-43D3-8B79-37D633B846F1}">
-                <asvg:svgBlip xmlns="" xmlns:asvg="http://schemas.microsoft.com/office/drawing/2016/SVG/main" r:embed="rId8"/>
+                <asvg:svgBlip xmlns:asvg="http://schemas.microsoft.com/office/drawing/2016/SVG/main" r:embed="rId8"/>
               </a:ext>
             </a:extLst>
           </a:blip>
@@ -44970,7 +44714,7 @@
                 <a14:useLocalDpi xmlns:a14="http://schemas.microsoft.com/office/drawing/2010/main" val="0"/>
               </a:ext>
               <a:ext uri="{96DAC541-7B7A-43D3-8B79-37D633B846F1}">
-                <asvg:svgBlip xmlns="" xmlns:asvg="http://schemas.microsoft.com/office/drawing/2016/SVG/main" r:embed="rId14"/>
+                <asvg:svgBlip xmlns:asvg="http://schemas.microsoft.com/office/drawing/2016/SVG/main" r:embed="rId14"/>
               </a:ext>
             </a:extLst>
           </a:blip>
@@ -45009,7 +44753,7 @@
                 <a14:useLocalDpi xmlns:a14="http://schemas.microsoft.com/office/drawing/2010/main" val="0"/>
               </a:ext>
               <a:ext uri="{96DAC541-7B7A-43D3-8B79-37D633B846F1}">
-                <asvg:svgBlip xmlns="" xmlns:asvg="http://schemas.microsoft.com/office/drawing/2016/SVG/main" r:embed="rId10"/>
+                <asvg:svgBlip xmlns:asvg="http://schemas.microsoft.com/office/drawing/2016/SVG/main" r:embed="rId10"/>
               </a:ext>
             </a:extLst>
           </a:blip>
@@ -45048,7 +44792,7 @@
                 <a14:useLocalDpi xmlns:a14="http://schemas.microsoft.com/office/drawing/2010/main" val="0"/>
               </a:ext>
               <a:ext uri="{96DAC541-7B7A-43D3-8B79-37D633B846F1}">
-                <asvg:svgBlip xmlns="" xmlns:asvg="http://schemas.microsoft.com/office/drawing/2016/SVG/main" r:embed="rId14"/>
+                <asvg:svgBlip xmlns:asvg="http://schemas.microsoft.com/office/drawing/2016/SVG/main" r:embed="rId14"/>
               </a:ext>
             </a:extLst>
           </a:blip>
@@ -45087,7 +44831,7 @@
                 <a14:useLocalDpi xmlns:a14="http://schemas.microsoft.com/office/drawing/2010/main" val="0"/>
               </a:ext>
               <a:ext uri="{96DAC541-7B7A-43D3-8B79-37D633B846F1}">
-                <asvg:svgBlip xmlns="" xmlns:asvg="http://schemas.microsoft.com/office/drawing/2016/SVG/main" r:embed="rId12"/>
+                <asvg:svgBlip xmlns:asvg="http://schemas.microsoft.com/office/drawing/2016/SVG/main" r:embed="rId12"/>
               </a:ext>
             </a:extLst>
           </a:blip>
@@ -45126,7 +44870,7 @@
                 <a14:useLocalDpi xmlns:a14="http://schemas.microsoft.com/office/drawing/2010/main" val="0"/>
               </a:ext>
               <a:ext uri="{96DAC541-7B7A-43D3-8B79-37D633B846F1}">
-                <asvg:svgBlip xmlns="" xmlns:asvg="http://schemas.microsoft.com/office/drawing/2016/SVG/main" r:embed="rId14"/>
+                <asvg:svgBlip xmlns:asvg="http://schemas.microsoft.com/office/drawing/2016/SVG/main" r:embed="rId14"/>
               </a:ext>
             </a:extLst>
           </a:blip>
@@ -45165,7 +44909,7 @@
                 <a14:useLocalDpi xmlns:a14="http://schemas.microsoft.com/office/drawing/2010/main" val="0"/>
               </a:ext>
               <a:ext uri="{96DAC541-7B7A-43D3-8B79-37D633B846F1}">
-                <asvg:svgBlip xmlns="" xmlns:asvg="http://schemas.microsoft.com/office/drawing/2016/SVG/main" r:embed="rId6"/>
+                <asvg:svgBlip xmlns:asvg="http://schemas.microsoft.com/office/drawing/2016/SVG/main" r:embed="rId6"/>
               </a:ext>
             </a:extLst>
           </a:blip>
@@ -45204,7 +44948,7 @@
                 <a14:useLocalDpi xmlns:a14="http://schemas.microsoft.com/office/drawing/2010/main" val="0"/>
               </a:ext>
               <a:ext uri="{96DAC541-7B7A-43D3-8B79-37D633B846F1}">
-                <asvg:svgBlip xmlns="" xmlns:asvg="http://schemas.microsoft.com/office/drawing/2016/SVG/main" r:embed="rId14"/>
+                <asvg:svgBlip xmlns:asvg="http://schemas.microsoft.com/office/drawing/2016/SVG/main" r:embed="rId14"/>
               </a:ext>
             </a:extLst>
           </a:blip>
@@ -45243,7 +44987,7 @@
                 <a14:useLocalDpi xmlns:a14="http://schemas.microsoft.com/office/drawing/2010/main" val="0"/>
               </a:ext>
               <a:ext uri="{96DAC541-7B7A-43D3-8B79-37D633B846F1}">
-                <asvg:svgBlip xmlns="" xmlns:asvg="http://schemas.microsoft.com/office/drawing/2016/SVG/main" r:embed="rId4"/>
+                <asvg:svgBlip xmlns:asvg="http://schemas.microsoft.com/office/drawing/2016/SVG/main" r:embed="rId4"/>
               </a:ext>
             </a:extLst>
           </a:blip>
@@ -45450,7 +45194,7 @@
                 <a14:useLocalDpi xmlns:a14="http://schemas.microsoft.com/office/drawing/2010/main" val="0"/>
               </a:ext>
               <a:ext uri="{96DAC541-7B7A-43D3-8B79-37D633B846F1}">
-                <asvg:svgBlip xmlns="" xmlns:asvg="http://schemas.microsoft.com/office/drawing/2016/SVG/main" r:embed="rId14"/>
+                <asvg:svgBlip xmlns:asvg="http://schemas.microsoft.com/office/drawing/2016/SVG/main" r:embed="rId14"/>
               </a:ext>
             </a:extLst>
           </a:blip>
@@ -45625,7 +45369,7 @@
                 <a14:useLocalDpi xmlns:a14="http://schemas.microsoft.com/office/drawing/2010/main" val="0"/>
               </a:ext>
               <a:ext uri="{96DAC541-7B7A-43D3-8B79-37D633B846F1}">
-                <asvg:svgBlip xmlns="" xmlns:asvg="http://schemas.microsoft.com/office/drawing/2016/SVG/main" r:embed="rId4"/>
+                <asvg:svgBlip xmlns:asvg="http://schemas.microsoft.com/office/drawing/2016/SVG/main" r:embed="rId4"/>
               </a:ext>
             </a:extLst>
           </a:blip>
@@ -45664,7 +45408,7 @@
                 <a14:useLocalDpi xmlns:a14="http://schemas.microsoft.com/office/drawing/2010/main" val="0"/>
               </a:ext>
               <a:ext uri="{96DAC541-7B7A-43D3-8B79-37D633B846F1}">
-                <asvg:svgBlip xmlns="" xmlns:asvg="http://schemas.microsoft.com/office/drawing/2016/SVG/main" r:embed="rId6"/>
+                <asvg:svgBlip xmlns:asvg="http://schemas.microsoft.com/office/drawing/2016/SVG/main" r:embed="rId6"/>
               </a:ext>
             </a:extLst>
           </a:blip>
@@ -45703,7 +45447,7 @@
                 <a14:useLocalDpi xmlns:a14="http://schemas.microsoft.com/office/drawing/2010/main" val="0"/>
               </a:ext>
               <a:ext uri="{96DAC541-7B7A-43D3-8B79-37D633B846F1}">
-                <asvg:svgBlip xmlns="" xmlns:asvg="http://schemas.microsoft.com/office/drawing/2016/SVG/main" r:embed="rId8"/>
+                <asvg:svgBlip xmlns:asvg="http://schemas.microsoft.com/office/drawing/2016/SVG/main" r:embed="rId8"/>
               </a:ext>
             </a:extLst>
           </a:blip>
@@ -45742,7 +45486,7 @@
                 <a14:useLocalDpi xmlns:a14="http://schemas.microsoft.com/office/drawing/2010/main" val="0"/>
               </a:ext>
               <a:ext uri="{96DAC541-7B7A-43D3-8B79-37D633B846F1}">
-                <asvg:svgBlip xmlns="" xmlns:asvg="http://schemas.microsoft.com/office/drawing/2016/SVG/main" r:embed="rId10"/>
+                <asvg:svgBlip xmlns:asvg="http://schemas.microsoft.com/office/drawing/2016/SVG/main" r:embed="rId10"/>
               </a:ext>
             </a:extLst>
           </a:blip>
@@ -45781,7 +45525,7 @@
                 <a14:useLocalDpi xmlns:a14="http://schemas.microsoft.com/office/drawing/2010/main" val="0"/>
               </a:ext>
               <a:ext uri="{96DAC541-7B7A-43D3-8B79-37D633B846F1}">
-                <asvg:svgBlip xmlns="" xmlns:asvg="http://schemas.microsoft.com/office/drawing/2016/SVG/main" r:embed="rId12"/>
+                <asvg:svgBlip xmlns:asvg="http://schemas.microsoft.com/office/drawing/2016/SVG/main" r:embed="rId12"/>
               </a:ext>
             </a:extLst>
           </a:blip>
@@ -45982,7 +45726,7 @@
                 <a14:useLocalDpi xmlns:a14="http://schemas.microsoft.com/office/drawing/2010/main" val="0"/>
               </a:ext>
               <a:ext uri="{96DAC541-7B7A-43D3-8B79-37D633B846F1}">
-                <asvg:svgBlip xmlns="" xmlns:asvg="http://schemas.microsoft.com/office/drawing/2016/SVG/main" r:embed="rId14"/>
+                <asvg:svgBlip xmlns:asvg="http://schemas.microsoft.com/office/drawing/2016/SVG/main" r:embed="rId14"/>
               </a:ext>
             </a:extLst>
           </a:blip>
@@ -46021,7 +45765,7 @@
                 <a14:useLocalDpi xmlns:a14="http://schemas.microsoft.com/office/drawing/2010/main" val="0"/>
               </a:ext>
               <a:ext uri="{96DAC541-7B7A-43D3-8B79-37D633B846F1}">
-                <asvg:svgBlip xmlns="" xmlns:asvg="http://schemas.microsoft.com/office/drawing/2016/SVG/main" r:embed="rId8"/>
+                <asvg:svgBlip xmlns:asvg="http://schemas.microsoft.com/office/drawing/2016/SVG/main" r:embed="rId8"/>
               </a:ext>
             </a:extLst>
           </a:blip>
@@ -46060,7 +45804,7 @@
                 <a14:useLocalDpi xmlns:a14="http://schemas.microsoft.com/office/drawing/2010/main" val="0"/>
               </a:ext>
               <a:ext uri="{96DAC541-7B7A-43D3-8B79-37D633B846F1}">
-                <asvg:svgBlip xmlns="" xmlns:asvg="http://schemas.microsoft.com/office/drawing/2016/SVG/main" r:embed="rId14"/>
+                <asvg:svgBlip xmlns:asvg="http://schemas.microsoft.com/office/drawing/2016/SVG/main" r:embed="rId14"/>
               </a:ext>
             </a:extLst>
           </a:blip>
@@ -46099,7 +45843,7 @@
                 <a14:useLocalDpi xmlns:a14="http://schemas.microsoft.com/office/drawing/2010/main" val="0"/>
               </a:ext>
               <a:ext uri="{96DAC541-7B7A-43D3-8B79-37D633B846F1}">
-                <asvg:svgBlip xmlns="" xmlns:asvg="http://schemas.microsoft.com/office/drawing/2016/SVG/main" r:embed="rId10"/>
+                <asvg:svgBlip xmlns:asvg="http://schemas.microsoft.com/office/drawing/2016/SVG/main" r:embed="rId10"/>
               </a:ext>
             </a:extLst>
           </a:blip>
@@ -46138,7 +45882,7 @@
                 <a14:useLocalDpi xmlns:a14="http://schemas.microsoft.com/office/drawing/2010/main" val="0"/>
               </a:ext>
               <a:ext uri="{96DAC541-7B7A-43D3-8B79-37D633B846F1}">
-                <asvg:svgBlip xmlns="" xmlns:asvg="http://schemas.microsoft.com/office/drawing/2016/SVG/main" r:embed="rId14"/>
+                <asvg:svgBlip xmlns:asvg="http://schemas.microsoft.com/office/drawing/2016/SVG/main" r:embed="rId14"/>
               </a:ext>
             </a:extLst>
           </a:blip>
@@ -46177,7 +45921,7 @@
                 <a14:useLocalDpi xmlns:a14="http://schemas.microsoft.com/office/drawing/2010/main" val="0"/>
               </a:ext>
               <a:ext uri="{96DAC541-7B7A-43D3-8B79-37D633B846F1}">
-                <asvg:svgBlip xmlns="" xmlns:asvg="http://schemas.microsoft.com/office/drawing/2016/SVG/main" r:embed="rId12"/>
+                <asvg:svgBlip xmlns:asvg="http://schemas.microsoft.com/office/drawing/2016/SVG/main" r:embed="rId12"/>
               </a:ext>
             </a:extLst>
           </a:blip>
@@ -46216,7 +45960,7 @@
                 <a14:useLocalDpi xmlns:a14="http://schemas.microsoft.com/office/drawing/2010/main" val="0"/>
               </a:ext>
               <a:ext uri="{96DAC541-7B7A-43D3-8B79-37D633B846F1}">
-                <asvg:svgBlip xmlns="" xmlns:asvg="http://schemas.microsoft.com/office/drawing/2016/SVG/main" r:embed="rId14"/>
+                <asvg:svgBlip xmlns:asvg="http://schemas.microsoft.com/office/drawing/2016/SVG/main" r:embed="rId14"/>
               </a:ext>
             </a:extLst>
           </a:blip>
@@ -46255,7 +45999,7 @@
                 <a14:useLocalDpi xmlns:a14="http://schemas.microsoft.com/office/drawing/2010/main" val="0"/>
               </a:ext>
               <a:ext uri="{96DAC541-7B7A-43D3-8B79-37D633B846F1}">
-                <asvg:svgBlip xmlns="" xmlns:asvg="http://schemas.microsoft.com/office/drawing/2016/SVG/main" r:embed="rId6"/>
+                <asvg:svgBlip xmlns:asvg="http://schemas.microsoft.com/office/drawing/2016/SVG/main" r:embed="rId6"/>
               </a:ext>
             </a:extLst>
           </a:blip>
@@ -46294,7 +46038,7 @@
                 <a14:useLocalDpi xmlns:a14="http://schemas.microsoft.com/office/drawing/2010/main" val="0"/>
               </a:ext>
               <a:ext uri="{96DAC541-7B7A-43D3-8B79-37D633B846F1}">
-                <asvg:svgBlip xmlns="" xmlns:asvg="http://schemas.microsoft.com/office/drawing/2016/SVG/main" r:embed="rId14"/>
+                <asvg:svgBlip xmlns:asvg="http://schemas.microsoft.com/office/drawing/2016/SVG/main" r:embed="rId14"/>
               </a:ext>
             </a:extLst>
           </a:blip>
@@ -46333,7 +46077,7 @@
                 <a14:useLocalDpi xmlns:a14="http://schemas.microsoft.com/office/drawing/2010/main" val="0"/>
               </a:ext>
               <a:ext uri="{96DAC541-7B7A-43D3-8B79-37D633B846F1}">
-                <asvg:svgBlip xmlns="" xmlns:asvg="http://schemas.microsoft.com/office/drawing/2016/SVG/main" r:embed="rId4"/>
+                <asvg:svgBlip xmlns:asvg="http://schemas.microsoft.com/office/drawing/2016/SVG/main" r:embed="rId4"/>
               </a:ext>
             </a:extLst>
           </a:blip>

--- a/material/02_Git 기초.pptx
+++ b/material/02_Git 기초.pptx
@@ -264,7 +264,7 @@
           <a:p>
             <a:fld id="{F3DEFEDB-2439-49E8-84B2-1D6C2F3A631A}" type="datetimeFigureOut">
               <a:rPr lang="ko-KR" altLang="en-US" smtClean="0"/>
-              <a:t>2025-04-21</a:t>
+              <a:t>2025-06-08</a:t>
             </a:fld>
             <a:endParaRPr lang="ko-KR" altLang="en-US"/>
           </a:p>
@@ -929,26 +929,7 @@
           <a:bodyPr/>
           <a:lstStyle/>
           <a:p>
-            <a:r>
-              <a:rPr lang="ko-KR" altLang="en-US" dirty="0"/>
-              <a:t>자료구조는 컴퓨터공학의 용어로 </a:t>
-            </a:r>
-            <a:r>
-              <a:rPr lang="ko-KR" altLang="en-US" dirty="0" err="1"/>
-              <a:t>코드을</a:t>
-            </a:r>
-            <a:r>
-              <a:rPr lang="ko-KR" altLang="en-US" dirty="0"/>
-              <a:t> 어떻게 해야 효과적으로 </a:t>
-            </a:r>
-            <a:r>
-              <a:rPr lang="ko-KR" altLang="en-US" dirty="0" err="1"/>
-              <a:t>만들것</a:t>
-            </a:r>
-            <a:r>
-              <a:rPr lang="ko-KR" altLang="en-US" dirty="0"/>
-              <a:t> 인가에 대한 수학적 내용</a:t>
-            </a:r>
+            <a:endParaRPr lang="ko-KR" altLang="en-US" dirty="0"/>
           </a:p>
         </p:txBody>
       </p:sp>
@@ -1488,55 +1469,7 @@
           <a:bodyPr/>
           <a:lstStyle/>
           <a:p>
-            <a:r>
-              <a:rPr lang="ko-KR" altLang="en-US" dirty="0"/>
-              <a:t>터미널 명령어 </a:t>
-            </a:r>
-            <a:r>
-              <a:rPr lang="ko-KR" altLang="en-US" dirty="0" err="1"/>
-              <a:t>입력시</a:t>
-            </a:r>
-            <a:r>
-              <a:rPr lang="ko-KR" altLang="en-US" dirty="0"/>
-              <a:t> 띄어쓰기 주의</a:t>
-            </a:r>
-            <a:r>
-              <a:rPr lang="en-US" altLang="ko-KR" dirty="0"/>
-              <a:t>!!!</a:t>
-            </a:r>
-          </a:p>
-          <a:p>
-            <a:endParaRPr lang="en-US" altLang="ko-KR" dirty="0"/>
-          </a:p>
-          <a:p>
-            <a:r>
-              <a:rPr lang="ko-KR" altLang="en-US" dirty="0" err="1"/>
-              <a:t>숨김폴더</a:t>
-            </a:r>
-            <a:r>
-              <a:rPr lang="en-US" altLang="ko-KR" dirty="0"/>
-              <a:t>/</a:t>
-            </a:r>
-            <a:r>
-              <a:rPr lang="ko-KR" altLang="en-US" dirty="0"/>
-              <a:t>파일이란</a:t>
-            </a:r>
-            <a:r>
-              <a:rPr lang="en-US" altLang="ko-KR" dirty="0"/>
-              <a:t>? .</a:t>
-            </a:r>
-            <a:r>
-              <a:rPr lang="ko-KR" altLang="en-US" dirty="0"/>
-              <a:t>으로 시작하며 시스템에는 존재하나 기본적으로는 나타나지 않는 폴더</a:t>
-            </a:r>
-            <a:r>
-              <a:rPr lang="en-US" altLang="ko-KR" dirty="0"/>
-              <a:t>/</a:t>
-            </a:r>
-            <a:r>
-              <a:rPr lang="ko-KR" altLang="en-US" dirty="0"/>
-              <a:t>파일</a:t>
-            </a:r>
+            <a:endParaRPr lang="ko-KR" altLang="en-US" dirty="0"/>
           </a:p>
         </p:txBody>
       </p:sp>
@@ -1847,6 +1780,10 @@
               <a:rPr lang="ko-KR" altLang="en-US" dirty="0"/>
               <a:t>서버에 문제가 생겨도 로컬에서 작업을 이어하는 것이 가능</a:t>
             </a:r>
+            <a:r>
+              <a:rPr lang="en-US" altLang="ko-KR" dirty="0"/>
+              <a:t/>
+            </a:r>
             <a:br>
               <a:rPr lang="en-US" altLang="ko-KR" dirty="0"/>
             </a:br>
@@ -1992,138 +1929,6 @@
           <a:bodyPr/>
           <a:lstStyle/>
           <a:p>
-            <a:r>
-              <a:rPr lang="en-US" altLang="ko-KR" dirty="0" err="1"/>
-              <a:t>GitBash</a:t>
-            </a:r>
-            <a:r>
-              <a:rPr lang="ko-KR" altLang="en-US" dirty="0"/>
-              <a:t> 명령어만 이용해서 </a:t>
-            </a:r>
-            <a:r>
-              <a:rPr lang="ko-KR" altLang="en-US" dirty="0" err="1"/>
-              <a:t>진행해보기</a:t>
-            </a:r>
-            <a:endParaRPr lang="en-US" altLang="ko-KR" dirty="0"/>
-          </a:p>
-          <a:p>
-            <a:endParaRPr lang="en-US" altLang="ko-KR" dirty="0"/>
-          </a:p>
-          <a:p>
-            <a:r>
-              <a:rPr lang="en-US" altLang="ko-KR" dirty="0"/>
-              <a:t>windows</a:t>
-            </a:r>
-            <a:r>
-              <a:rPr lang="en-US" altLang="ko-KR" baseline="0" dirty="0"/>
-              <a:t> </a:t>
-            </a:r>
-            <a:r>
-              <a:rPr lang="ko-KR" altLang="en-US" baseline="0" dirty="0"/>
-              <a:t>기본 터미널 </a:t>
-            </a:r>
-            <a:r>
-              <a:rPr lang="en-US" altLang="ko-KR" baseline="0" dirty="0"/>
-              <a:t>: CMD, PowerShell)</a:t>
-            </a:r>
-          </a:p>
-          <a:p>
-            <a:pPr marL="171450" indent="-171450">
-              <a:buFontTx/>
-              <a:buChar char="-"/>
-            </a:pPr>
-            <a:r>
-              <a:rPr lang="en-US" altLang="ko-KR" baseline="0" dirty="0"/>
-              <a:t>windows </a:t>
-            </a:r>
-            <a:r>
-              <a:rPr lang="ko-KR" altLang="en-US" baseline="0" dirty="0"/>
-              <a:t>명령어 체계</a:t>
-            </a:r>
-            <a:endParaRPr lang="en-US" altLang="ko-KR" baseline="0" dirty="0"/>
-          </a:p>
-          <a:p>
-            <a:pPr marL="171450" indent="-171450">
-              <a:buFontTx/>
-              <a:buChar char="-"/>
-            </a:pPr>
-            <a:r>
-              <a:rPr lang="ko-KR" altLang="en-US" baseline="0" dirty="0"/>
-              <a:t>시스템 관리 목적</a:t>
-            </a:r>
-            <a:endParaRPr lang="en-US" altLang="ko-KR" baseline="0" dirty="0"/>
-          </a:p>
-          <a:p>
-            <a:pPr marL="171450" indent="-171450">
-              <a:buFontTx/>
-              <a:buChar char="-"/>
-            </a:pPr>
-            <a:endParaRPr lang="en-US" altLang="ko-KR" baseline="0" dirty="0"/>
-          </a:p>
-          <a:p>
-            <a:pPr marL="0" indent="0">
-              <a:buFontTx/>
-              <a:buNone/>
-            </a:pPr>
-            <a:r>
-              <a:rPr lang="en-US" altLang="ko-KR" baseline="0" dirty="0" err="1"/>
-              <a:t>Git</a:t>
-            </a:r>
-            <a:r>
-              <a:rPr lang="en-US" altLang="ko-KR" baseline="0" dirty="0"/>
-              <a:t> Bash</a:t>
-            </a:r>
-          </a:p>
-          <a:p>
-            <a:pPr marL="171450" indent="-171450">
-              <a:buFontTx/>
-              <a:buChar char="-"/>
-            </a:pPr>
-            <a:r>
-              <a:rPr lang="ko-KR" altLang="en-US" dirty="0"/>
-              <a:t>리눅스 명령어 체계</a:t>
-            </a:r>
-            <a:endParaRPr lang="en-US" altLang="ko-KR" dirty="0"/>
-          </a:p>
-          <a:p>
-            <a:pPr marL="171450" indent="-171450">
-              <a:buFontTx/>
-              <a:buChar char="-"/>
-            </a:pPr>
-            <a:r>
-              <a:rPr lang="en-US" altLang="ko-KR" dirty="0" err="1"/>
-              <a:t>git</a:t>
-            </a:r>
-            <a:r>
-              <a:rPr lang="en-US" altLang="ko-KR" dirty="0"/>
-              <a:t> </a:t>
-            </a:r>
-            <a:r>
-              <a:rPr lang="ko-KR" altLang="en-US" dirty="0"/>
-              <a:t>사용</a:t>
-            </a:r>
-            <a:endParaRPr lang="en-US" altLang="ko-KR" dirty="0"/>
-          </a:p>
-          <a:p>
-            <a:pPr marL="171450" indent="-171450">
-              <a:buFontTx/>
-              <a:buChar char="-"/>
-            </a:pPr>
-            <a:endParaRPr lang="en-US" altLang="ko-KR" dirty="0"/>
-          </a:p>
-          <a:p>
-            <a:pPr marL="171450" indent="-171450">
-              <a:buFontTx/>
-              <a:buChar char="-"/>
-            </a:pPr>
-            <a:r>
-              <a:rPr lang="ko-KR" altLang="en-US" dirty="0"/>
-              <a:t>명령어 체계 차이로 명령어가 동작하는 방법이 조금씩 다름</a:t>
-            </a:r>
-            <a:r>
-              <a:rPr lang="en-US" altLang="ko-KR" dirty="0"/>
-              <a:t>.</a:t>
-            </a:r>
             <a:endParaRPr lang="ko-KR" altLang="en-US" dirty="0"/>
           </a:p>
         </p:txBody>
@@ -2295,41 +2100,7 @@
           <a:bodyPr/>
           <a:lstStyle/>
           <a:p>
-            <a:r>
-              <a:rPr lang="ko-KR" altLang="en-US" dirty="0"/>
-              <a:t>급작스럽지만 미리 용어 설명을</a:t>
-            </a:r>
-            <a:endParaRPr lang="en-US" altLang="ko-KR" dirty="0"/>
-          </a:p>
-          <a:p>
-            <a:endParaRPr lang="en-US" altLang="ko-KR" dirty="0"/>
-          </a:p>
-          <a:p>
-            <a:r>
-              <a:rPr lang="ko-KR" altLang="en-US" dirty="0"/>
-              <a:t>레포지토리는 </a:t>
-            </a:r>
-            <a:r>
-              <a:rPr lang="ko-KR" altLang="en-US" dirty="0" err="1"/>
-              <a:t>레포지토리임</a:t>
-            </a:r>
-            <a:r>
-              <a:rPr lang="en-US" altLang="ko-KR" dirty="0"/>
-              <a:t>.</a:t>
-            </a:r>
-          </a:p>
-          <a:p>
-            <a:r>
-              <a:rPr lang="ko-KR" altLang="en-US" dirty="0"/>
-              <a:t>로컬에 있으면 로컬 저장소</a:t>
-            </a:r>
-            <a:endParaRPr lang="en-US" altLang="ko-KR" dirty="0"/>
-          </a:p>
-          <a:p>
-            <a:r>
-              <a:rPr lang="ko-KR" altLang="en-US" dirty="0"/>
-              <a:t>서버에 있으면 원격 저장소</a:t>
-            </a:r>
+            <a:endParaRPr lang="ko-KR" altLang="en-US" dirty="0"/>
           </a:p>
         </p:txBody>
       </p:sp>
@@ -2513,303 +2284,7 @@
           <a:bodyPr/>
           <a:lstStyle/>
           <a:p>
-            <a:r>
-              <a:rPr lang="en-US" altLang="ko-KR" dirty="0" err="1"/>
-              <a:t>github</a:t>
-            </a:r>
-            <a:r>
-              <a:rPr lang="ko-KR" altLang="en-US" dirty="0"/>
-              <a:t>에 가입한 정보를 입력</a:t>
-            </a:r>
-            <a:endParaRPr lang="en-US" altLang="ko-KR" dirty="0"/>
-          </a:p>
-          <a:p>
-            <a:endParaRPr lang="en-US" altLang="ko-KR" dirty="0"/>
-          </a:p>
-          <a:p>
-            <a:r>
-              <a:rPr lang="ko-KR" altLang="en-US" dirty="0" err="1"/>
-              <a:t>브랜치가</a:t>
-            </a:r>
-            <a:r>
-              <a:rPr lang="ko-KR" altLang="en-US" dirty="0"/>
-              <a:t> 무엇인지는 추후 설명</a:t>
-            </a:r>
-            <a:r>
-              <a:rPr lang="en-US" altLang="ko-KR" dirty="0"/>
-              <a:t>. </a:t>
-            </a:r>
-            <a:r>
-              <a:rPr lang="ko-KR" altLang="en-US" dirty="0"/>
-              <a:t>지금은 </a:t>
-            </a:r>
-            <a:r>
-              <a:rPr lang="ko-KR" altLang="en-US" dirty="0" err="1"/>
-              <a:t>그런게</a:t>
-            </a:r>
-            <a:r>
-              <a:rPr lang="ko-KR" altLang="en-US" dirty="0"/>
-              <a:t> 존재한다 정도만 알고 계시면 됨</a:t>
-            </a:r>
-            <a:endParaRPr lang="en-US" altLang="ko-KR" dirty="0"/>
-          </a:p>
-          <a:p>
-            <a:endParaRPr lang="en-US" altLang="ko-KR" dirty="0"/>
-          </a:p>
-          <a:p>
-            <a:r>
-              <a:rPr lang="en-US" altLang="ko-KR" dirty="0"/>
-              <a:t>Q)</a:t>
-            </a:r>
-            <a:r>
-              <a:rPr lang="en-US" altLang="ko-KR" baseline="0" dirty="0"/>
-              <a:t> </a:t>
-            </a:r>
-            <a:r>
-              <a:rPr lang="ko-KR" altLang="en-US" baseline="0" dirty="0"/>
-              <a:t>왜 </a:t>
-            </a:r>
-            <a:r>
-              <a:rPr lang="en-US" altLang="ko-KR" baseline="0" dirty="0" err="1"/>
-              <a:t>Git</a:t>
-            </a:r>
-            <a:r>
-              <a:rPr lang="ko-KR" altLang="en-US" baseline="0" dirty="0"/>
-              <a:t>의 기본 </a:t>
-            </a:r>
-            <a:r>
-              <a:rPr lang="ko-KR" altLang="en-US" baseline="0" dirty="0" err="1"/>
-              <a:t>브랜치를</a:t>
-            </a:r>
-            <a:r>
-              <a:rPr lang="ko-KR" altLang="en-US" baseline="0" dirty="0"/>
-              <a:t> 꼭 </a:t>
-            </a:r>
-            <a:r>
-              <a:rPr lang="en-US" altLang="ko-KR" baseline="0" dirty="0"/>
-              <a:t>main</a:t>
-            </a:r>
-            <a:r>
-              <a:rPr lang="ko-KR" altLang="en-US" baseline="0" dirty="0"/>
-              <a:t>으로 바꿔야하나요</a:t>
-            </a:r>
-            <a:r>
-              <a:rPr lang="en-US" altLang="ko-KR" baseline="0" dirty="0"/>
-              <a:t>? (</a:t>
-            </a:r>
-            <a:r>
-              <a:rPr lang="ko-KR" altLang="en-US" baseline="0" dirty="0"/>
-              <a:t>나중에</a:t>
-            </a:r>
-            <a:r>
-              <a:rPr lang="en-US" altLang="ko-KR" baseline="0" dirty="0"/>
-              <a:t> </a:t>
-            </a:r>
-            <a:r>
-              <a:rPr lang="en-US" altLang="ko-KR" baseline="0" dirty="0" err="1"/>
-              <a:t>git</a:t>
-            </a:r>
-            <a:r>
-              <a:rPr lang="en-US" altLang="ko-KR" baseline="0" dirty="0"/>
-              <a:t> </a:t>
-            </a:r>
-            <a:r>
-              <a:rPr lang="en-US" altLang="ko-KR" baseline="0" dirty="0" err="1"/>
-              <a:t>init</a:t>
-            </a:r>
-            <a:r>
-              <a:rPr lang="ko-KR" altLang="en-US" baseline="0" dirty="0"/>
-              <a:t>하면 더 </a:t>
-            </a:r>
-            <a:r>
-              <a:rPr lang="ko-KR" altLang="en-US" baseline="0" dirty="0" err="1"/>
-              <a:t>알게됨</a:t>
-            </a:r>
-            <a:r>
-              <a:rPr lang="en-US" altLang="ko-KR" baseline="0" dirty="0"/>
-              <a:t>!)</a:t>
-            </a:r>
-          </a:p>
-          <a:p>
-            <a:pPr marL="228600" indent="-228600">
-              <a:buAutoNum type="alphaUcParenR"/>
-            </a:pPr>
-            <a:r>
-              <a:rPr lang="ko-KR" altLang="en-US" baseline="0" dirty="0"/>
-              <a:t>기본브랜치가 예전에는 </a:t>
-            </a:r>
-            <a:r>
-              <a:rPr lang="en-US" altLang="ko-KR" baseline="0" dirty="0"/>
-              <a:t>“master”</a:t>
-            </a:r>
-            <a:r>
-              <a:rPr lang="ko-KR" altLang="en-US" baseline="0" dirty="0"/>
-              <a:t>이였음</a:t>
-            </a:r>
-            <a:r>
-              <a:rPr lang="en-US" altLang="ko-KR" baseline="0" dirty="0"/>
-              <a:t>.</a:t>
-            </a:r>
-          </a:p>
-          <a:p>
-            <a:pPr marL="0" indent="0">
-              <a:buNone/>
-            </a:pPr>
-            <a:endParaRPr lang="en-US" altLang="ko-KR" baseline="0" dirty="0"/>
-          </a:p>
-          <a:p>
-            <a:pPr marL="171450" indent="-171450">
-              <a:buFontTx/>
-              <a:buChar char="-"/>
-            </a:pPr>
-            <a:r>
-              <a:rPr lang="en-US" altLang="ko-KR" baseline="0" dirty="0"/>
-              <a:t>master</a:t>
-            </a:r>
-            <a:r>
-              <a:rPr lang="ko-KR" altLang="en-US" baseline="0" dirty="0"/>
-              <a:t>라는 단어가 일부 문화권에서 차별적인 의미로 해석 가능</a:t>
-            </a:r>
-            <a:r>
-              <a:rPr lang="en-US" altLang="ko-KR" baseline="0" dirty="0"/>
-              <a:t>.</a:t>
-            </a:r>
-          </a:p>
-          <a:p>
-            <a:pPr marL="171450" indent="-171450">
-              <a:buFontTx/>
-              <a:buChar char="-"/>
-            </a:pPr>
-            <a:r>
-              <a:rPr lang="ko-KR" altLang="en-US" baseline="0" dirty="0"/>
-              <a:t>많은 기업들이 중립적 단어인 </a:t>
-            </a:r>
-            <a:r>
-              <a:rPr lang="en-US" altLang="ko-KR" baseline="0" dirty="0"/>
-              <a:t>main</a:t>
-            </a:r>
-            <a:r>
-              <a:rPr lang="ko-KR" altLang="en-US" baseline="0" dirty="0"/>
-              <a:t>으로 전환함</a:t>
-            </a:r>
-            <a:r>
-              <a:rPr lang="en-US" altLang="ko-KR" baseline="0" dirty="0"/>
-              <a:t>.</a:t>
-            </a:r>
-          </a:p>
-          <a:p>
-            <a:pPr marL="171450" indent="-171450">
-              <a:buFontTx/>
-              <a:buChar char="-"/>
-            </a:pPr>
-            <a:r>
-              <a:rPr lang="en-US" altLang="ko-KR" baseline="0" dirty="0" err="1"/>
-              <a:t>github</a:t>
-            </a:r>
-            <a:r>
-              <a:rPr lang="ko-KR" altLang="en-US" baseline="0" dirty="0"/>
-              <a:t>은 </a:t>
-            </a:r>
-            <a:r>
-              <a:rPr lang="en-US" altLang="ko-KR" baseline="0" dirty="0"/>
-              <a:t>2020</a:t>
-            </a:r>
-            <a:r>
-              <a:rPr lang="ko-KR" altLang="en-US" baseline="0" dirty="0"/>
-              <a:t>년 부터 기본 </a:t>
-            </a:r>
-            <a:r>
-              <a:rPr lang="ko-KR" altLang="en-US" baseline="0" dirty="0" err="1"/>
-              <a:t>브랜치를</a:t>
-            </a:r>
-            <a:r>
-              <a:rPr lang="ko-KR" altLang="en-US" baseline="0" dirty="0"/>
-              <a:t> </a:t>
-            </a:r>
-            <a:r>
-              <a:rPr lang="en-US" altLang="ko-KR" baseline="0" dirty="0"/>
-              <a:t>main</a:t>
-            </a:r>
-            <a:r>
-              <a:rPr lang="ko-KR" altLang="en-US" baseline="0" dirty="0"/>
-              <a:t>으로 자동생성</a:t>
-            </a:r>
-            <a:endParaRPr lang="en-US" altLang="ko-KR" baseline="0" dirty="0"/>
-          </a:p>
-          <a:p>
-            <a:pPr marL="171450" indent="-171450">
-              <a:buFontTx/>
-              <a:buChar char="-"/>
-            </a:pPr>
-            <a:endParaRPr lang="en-US" altLang="ko-KR" dirty="0"/>
-          </a:p>
-          <a:p>
-            <a:pPr marL="171450" indent="-171450">
-              <a:buFontTx/>
-              <a:buChar char="-"/>
-            </a:pPr>
-            <a:r>
-              <a:rPr lang="ko-KR" altLang="en-US" dirty="0"/>
-              <a:t>충돌방지하기 위해 바꿈</a:t>
-            </a:r>
-            <a:endParaRPr lang="en-US" altLang="ko-KR" dirty="0"/>
-          </a:p>
-          <a:p>
-            <a:pPr marL="171450" indent="-171450">
-              <a:buFontTx/>
-              <a:buChar char="-"/>
-            </a:pPr>
-            <a:r>
-              <a:rPr lang="ko-KR" altLang="en-US" dirty="0"/>
-              <a:t>→ 이걸 한 번만 설정해두면</a:t>
-            </a:r>
-            <a:r>
-              <a:rPr lang="en-US" altLang="ko-KR" dirty="0"/>
-              <a:t>,</a:t>
-            </a:r>
-            <a:br>
-              <a:rPr lang="en-US" altLang="ko-KR" dirty="0"/>
-            </a:br>
-            <a:r>
-              <a:rPr lang="en-US" altLang="ko-KR" b="1" dirty="0" err="1"/>
-              <a:t>git</a:t>
-            </a:r>
-            <a:r>
-              <a:rPr lang="en-US" altLang="ko-KR" b="1" dirty="0"/>
-              <a:t> </a:t>
-            </a:r>
-            <a:r>
-              <a:rPr lang="en-US" altLang="ko-KR" b="1" dirty="0" err="1"/>
-              <a:t>init</a:t>
-            </a:r>
-            <a:r>
-              <a:rPr lang="ko-KR" altLang="en-US" b="1" dirty="0"/>
-              <a:t>할 때마다 자동으로 </a:t>
-            </a:r>
-            <a:r>
-              <a:rPr lang="en-US" altLang="ko-KR" b="1" dirty="0"/>
-              <a:t>main </a:t>
-            </a:r>
-            <a:r>
-              <a:rPr lang="ko-KR" altLang="en-US" b="1" dirty="0" err="1"/>
-              <a:t>브랜치</a:t>
-            </a:r>
-            <a:r>
-              <a:rPr lang="ko-KR" altLang="en-US" dirty="0" err="1"/>
-              <a:t>가</a:t>
-            </a:r>
-            <a:r>
-              <a:rPr lang="ko-KR" altLang="en-US" dirty="0"/>
-              <a:t> 생성됩니다</a:t>
-            </a:r>
-            <a:r>
-              <a:rPr lang="en-US" altLang="ko-KR" dirty="0"/>
-              <a:t>. </a:t>
-            </a:r>
-            <a:r>
-              <a:rPr lang="ko-KR" altLang="en-US" dirty="0"/>
-              <a:t>👌</a:t>
-            </a:r>
+            <a:endParaRPr lang="ko-KR" altLang="en-US" dirty="0"/>
           </a:p>
         </p:txBody>
       </p:sp>
@@ -2977,240 +2452,6 @@
           <a:bodyPr/>
           <a:lstStyle/>
           <a:p>
-            <a:r>
-              <a:rPr lang="en-US" altLang="ko-KR" dirty="0"/>
-              <a:t>echo "# </a:t>
-            </a:r>
-            <a:r>
-              <a:rPr lang="ko-KR" altLang="en-US" dirty="0" err="1"/>
-              <a:t>프로젝트명</a:t>
-            </a:r>
-            <a:r>
-              <a:rPr lang="en-US" altLang="ko-KR" dirty="0"/>
-              <a:t>" &gt;&gt; README.md</a:t>
-            </a:r>
-          </a:p>
-          <a:p>
-            <a:r>
-              <a:rPr lang="ko-KR" altLang="en-US" dirty="0"/>
-              <a:t>간단한 </a:t>
-            </a:r>
-            <a:r>
-              <a:rPr lang="en-US" altLang="ko-KR" dirty="0"/>
-              <a:t>README </a:t>
-            </a:r>
-            <a:r>
-              <a:rPr lang="ko-KR" altLang="en-US" dirty="0"/>
-              <a:t>파일 생성</a:t>
-            </a:r>
-            <a:endParaRPr lang="en-US" altLang="ko-KR" dirty="0"/>
-          </a:p>
-          <a:p>
-            <a:endParaRPr lang="en-US" altLang="ko-KR" dirty="0"/>
-          </a:p>
-          <a:p>
-            <a:r>
-              <a:rPr lang="en-US" altLang="ko-KR" dirty="0" err="1"/>
-              <a:t>git</a:t>
-            </a:r>
-            <a:r>
-              <a:rPr lang="en-US" altLang="ko-KR" dirty="0"/>
-              <a:t> </a:t>
-            </a:r>
-            <a:r>
-              <a:rPr lang="en-US" altLang="ko-KR" dirty="0" err="1"/>
-              <a:t>init</a:t>
-            </a:r>
-            <a:endParaRPr lang="en-US" altLang="ko-KR" dirty="0"/>
-          </a:p>
-          <a:p>
-            <a:r>
-              <a:rPr lang="ko-KR" altLang="en-US" dirty="0"/>
-              <a:t>현재 폴더를 </a:t>
-            </a:r>
-            <a:r>
-              <a:rPr lang="en-US" altLang="ko-KR" dirty="0" err="1"/>
-              <a:t>Git</a:t>
-            </a:r>
-            <a:r>
-              <a:rPr lang="en-US" altLang="ko-KR" dirty="0"/>
-              <a:t> </a:t>
-            </a:r>
-            <a:r>
-              <a:rPr lang="ko-KR" altLang="en-US" dirty="0"/>
-              <a:t>저장소로 초기화</a:t>
-            </a:r>
-            <a:br>
-              <a:rPr lang="en-US" altLang="ko-KR" dirty="0"/>
-            </a:br>
-            <a:r>
-              <a:rPr lang="en-US" altLang="ko-KR" dirty="0"/>
-              <a:t>=</a:t>
-            </a:r>
-            <a:r>
-              <a:rPr lang="en-US" altLang="ko-KR" baseline="0" dirty="0"/>
-              <a:t> </a:t>
-            </a:r>
-            <a:r>
-              <a:rPr lang="ko-KR" altLang="en-US" baseline="0" dirty="0"/>
-              <a:t>현재 폴더를 </a:t>
-            </a:r>
-            <a:r>
-              <a:rPr lang="en-US" altLang="ko-KR" baseline="0" dirty="0" err="1"/>
-              <a:t>Git</a:t>
-            </a:r>
-            <a:r>
-              <a:rPr lang="ko-KR" altLang="en-US" baseline="0" dirty="0"/>
-              <a:t>이 추적할 수 있는 저장소로 바꾸는 명령어</a:t>
-            </a:r>
-            <a:r>
-              <a:rPr lang="en-US" altLang="ko-KR" baseline="0" dirty="0"/>
-              <a:t>.</a:t>
-            </a:r>
-            <a:endParaRPr lang="en-US" altLang="ko-KR" dirty="0"/>
-          </a:p>
-          <a:p>
-            <a:endParaRPr lang="en-US" altLang="ko-KR" dirty="0"/>
-          </a:p>
-          <a:p>
-            <a:r>
-              <a:rPr lang="en-US" altLang="ko-KR" dirty="0" err="1"/>
-              <a:t>git</a:t>
-            </a:r>
-            <a:r>
-              <a:rPr lang="en-US" altLang="ko-KR" dirty="0"/>
-              <a:t> add README.md</a:t>
-            </a:r>
-          </a:p>
-          <a:p>
-            <a:r>
-              <a:rPr lang="en-US" altLang="ko-KR" dirty="0"/>
-              <a:t>README.md </a:t>
-            </a:r>
-            <a:r>
-              <a:rPr lang="ko-KR" altLang="en-US" dirty="0"/>
-              <a:t>파일을 </a:t>
-            </a:r>
-            <a:r>
-              <a:rPr lang="ko-KR" altLang="en-US" dirty="0" err="1"/>
-              <a:t>스테이징</a:t>
-            </a:r>
-            <a:endParaRPr lang="en-US" altLang="ko-KR" dirty="0"/>
-          </a:p>
-          <a:p>
-            <a:endParaRPr lang="en-US" altLang="ko-KR" dirty="0"/>
-          </a:p>
-          <a:p>
-            <a:r>
-              <a:rPr lang="en-US" altLang="ko-KR" dirty="0" err="1"/>
-              <a:t>git</a:t>
-            </a:r>
-            <a:r>
-              <a:rPr lang="en-US" altLang="ko-KR" dirty="0"/>
-              <a:t> commit -m "first commit“</a:t>
-            </a:r>
-          </a:p>
-          <a:p>
-            <a:r>
-              <a:rPr lang="ko-KR" altLang="en-US" dirty="0"/>
-              <a:t>첫 </a:t>
-            </a:r>
-            <a:r>
-              <a:rPr lang="ko-KR" altLang="en-US" dirty="0" err="1"/>
-              <a:t>커밋</a:t>
-            </a:r>
-            <a:r>
-              <a:rPr lang="ko-KR" altLang="en-US" dirty="0"/>
-              <a:t> 생성</a:t>
-            </a:r>
-            <a:endParaRPr lang="en-US" altLang="ko-KR" dirty="0"/>
-          </a:p>
-          <a:p>
-            <a:endParaRPr lang="en-US" altLang="ko-KR" dirty="0"/>
-          </a:p>
-          <a:p>
-            <a:r>
-              <a:rPr lang="en-US" altLang="ko-KR" dirty="0" err="1"/>
-              <a:t>git</a:t>
-            </a:r>
-            <a:r>
-              <a:rPr lang="en-US" altLang="ko-KR" dirty="0"/>
-              <a:t> branch -M main</a:t>
-            </a:r>
-          </a:p>
-          <a:p>
-            <a:r>
-              <a:rPr lang="ko-KR" altLang="en-US" dirty="0" err="1"/>
-              <a:t>브랜치</a:t>
-            </a:r>
-            <a:r>
-              <a:rPr lang="ko-KR" altLang="en-US" dirty="0"/>
-              <a:t> 이름을 </a:t>
-            </a:r>
-            <a:r>
-              <a:rPr lang="en-US" altLang="ko-KR" dirty="0"/>
-              <a:t>main</a:t>
-            </a:r>
-            <a:r>
-              <a:rPr lang="ko-KR" altLang="en-US" dirty="0"/>
-              <a:t>으로 변경</a:t>
-            </a:r>
-            <a:endParaRPr lang="en-US" altLang="ko-KR" dirty="0"/>
-          </a:p>
-          <a:p>
-            <a:endParaRPr lang="en-US" altLang="ko-KR" dirty="0"/>
-          </a:p>
-          <a:p>
-            <a:r>
-              <a:rPr lang="en-US" altLang="ko-KR" dirty="0" err="1"/>
-              <a:t>git</a:t>
-            </a:r>
-            <a:r>
-              <a:rPr lang="en-US" altLang="ko-KR" dirty="0"/>
-              <a:t> remote add origin [URL]GitHub </a:t>
-            </a:r>
-          </a:p>
-          <a:p>
-            <a:r>
-              <a:rPr lang="ko-KR" altLang="en-US" dirty="0"/>
-              <a:t>원격 저장소와 연결</a:t>
-            </a:r>
-            <a:endParaRPr lang="en-US" altLang="ko-KR" dirty="0"/>
-          </a:p>
-          <a:p>
-            <a:endParaRPr lang="en-US" altLang="ko-KR" dirty="0"/>
-          </a:p>
-          <a:p>
-            <a:r>
-              <a:rPr lang="en-US" altLang="ko-KR" dirty="0" err="1"/>
-              <a:t>git</a:t>
-            </a:r>
-            <a:r>
-              <a:rPr lang="en-US" altLang="ko-KR" dirty="0"/>
-              <a:t> push -u origin main</a:t>
-            </a:r>
-          </a:p>
-          <a:p>
-            <a:r>
-              <a:rPr lang="ko-KR" altLang="en-US" dirty="0"/>
-              <a:t>원격 저장소로 코드 업로드 </a:t>
-            </a:r>
-            <a:r>
-              <a:rPr lang="en-US" altLang="ko-KR" dirty="0"/>
-              <a:t>(</a:t>
-            </a:r>
-            <a:r>
-              <a:rPr lang="ko-KR" altLang="en-US" dirty="0" err="1"/>
-              <a:t>브랜치</a:t>
-            </a:r>
-            <a:r>
-              <a:rPr lang="ko-KR" altLang="en-US" dirty="0"/>
-              <a:t> 추적까지 설정</a:t>
-            </a:r>
-            <a:r>
-              <a:rPr lang="en-US" altLang="ko-KR" dirty="0"/>
-              <a:t>)</a:t>
-            </a:r>
             <a:endParaRPr lang="ko-KR" altLang="en-US" dirty="0"/>
           </a:p>
         </p:txBody>
@@ -3379,45 +2620,7 @@
           <a:bodyPr/>
           <a:lstStyle/>
           <a:p>
-            <a:r>
-              <a:rPr lang="ko-KR" altLang="en-US"/>
-              <a:t>윈도우 </a:t>
-            </a:r>
-            <a:r>
-              <a:rPr lang="en-US" altLang="ko-KR"/>
-              <a:t>git</a:t>
-            </a:r>
-            <a:r>
-              <a:rPr lang="ko-KR" altLang="en-US"/>
-              <a:t>에서 붙여넣기는 </a:t>
-            </a:r>
-            <a:r>
-              <a:rPr lang="en-US" altLang="ko-KR"/>
-              <a:t>shift + insert </a:t>
-            </a:r>
-          </a:p>
-          <a:p>
-            <a:endParaRPr lang="en-US" altLang="ko-KR"/>
-          </a:p>
-          <a:p>
-            <a:r>
-              <a:rPr lang="ko-KR" altLang="en-US"/>
-              <a:t>루트폴더에서 하는게 매우중요</a:t>
-            </a:r>
-            <a:endParaRPr lang="en-US" altLang="ko-KR"/>
-          </a:p>
-          <a:p>
-            <a:r>
-              <a:rPr lang="ko-KR" altLang="en-US"/>
-              <a:t>프로젝트 진행하다보면 루트폴더의 하위폴더에 또 깃으로 연결하는 분이계신데</a:t>
-            </a:r>
-            <a:endParaRPr lang="en-US" altLang="ko-KR"/>
-          </a:p>
-          <a:p>
-            <a:r>
-              <a:rPr lang="ko-KR" altLang="en-US"/>
-              <a:t>이때 루트폴더는 깃에 올라가지 않음</a:t>
-            </a:r>
+            <a:endParaRPr lang="ko-KR" altLang="en-US" dirty="0"/>
           </a:p>
         </p:txBody>
       </p:sp>
@@ -3585,179 +2788,6 @@
           <a:bodyPr/>
           <a:lstStyle/>
           <a:p>
-            <a:r>
-              <a:rPr lang="en-US" altLang="ko-KR" dirty="0"/>
-              <a:t>- </a:t>
-            </a:r>
-            <a:r>
-              <a:rPr lang="ko-KR" altLang="en-US" dirty="0"/>
-              <a:t>형상 관리 도구</a:t>
-            </a:r>
-            <a:r>
-              <a:rPr lang="en-US" altLang="ko-KR" dirty="0"/>
-              <a:t>: </a:t>
-            </a:r>
-            <a:r>
-              <a:rPr lang="ko-KR" altLang="en-US" dirty="0"/>
-              <a:t>버전 관리 시스템</a:t>
-            </a:r>
-            <a:endParaRPr lang="en-US" altLang="ko-KR" dirty="0"/>
-          </a:p>
-          <a:p>
-            <a:endParaRPr lang="en-US" altLang="ko-KR" dirty="0"/>
-          </a:p>
-          <a:p>
-            <a:r>
-              <a:rPr lang="en-US" altLang="ko-KR" dirty="0"/>
-              <a:t>- </a:t>
-            </a:r>
-            <a:r>
-              <a:rPr lang="ko-KR" altLang="en-US" dirty="0"/>
-              <a:t>버전 관리 시스템</a:t>
-            </a:r>
-            <a:r>
-              <a:rPr lang="en-US" altLang="ko-KR" dirty="0"/>
-              <a:t>: </a:t>
-            </a:r>
-            <a:r>
-              <a:rPr lang="ko-KR" altLang="en-US" dirty="0"/>
-              <a:t>파일의 변동 사항을 파악하여 버전을 기록</a:t>
-            </a:r>
-            <a:endParaRPr lang="en-US" altLang="ko-KR" dirty="0"/>
-          </a:p>
-          <a:p>
-            <a:r>
-              <a:rPr lang="en-US" altLang="ko-KR" dirty="0"/>
-              <a:t>   - </a:t>
-            </a:r>
-            <a:r>
-              <a:rPr lang="ko-KR" altLang="en-US" dirty="0"/>
-              <a:t>원하는 버전으로 돌아갈 수 있는 기능 </a:t>
-            </a:r>
-            <a:endParaRPr lang="en-US" altLang="ko-KR" dirty="0"/>
-          </a:p>
-          <a:p>
-            <a:r>
-              <a:rPr lang="en-US" altLang="ko-KR" dirty="0"/>
-              <a:t>   - </a:t>
-            </a:r>
-            <a:r>
-              <a:rPr lang="ko-KR" altLang="en-US" dirty="0"/>
-              <a:t>꼭 문서 파일에 국한 된 것은 아님</a:t>
-            </a:r>
-            <a:endParaRPr lang="en-US" altLang="ko-KR" dirty="0"/>
-          </a:p>
-          <a:p>
-            <a:endParaRPr lang="en-US" altLang="ko-KR" dirty="0"/>
-          </a:p>
-          <a:p>
-            <a:r>
-              <a:rPr lang="en-US" altLang="ko-KR" dirty="0"/>
-              <a:t>- </a:t>
-            </a:r>
-            <a:r>
-              <a:rPr lang="ko-KR" altLang="en-US" dirty="0"/>
-              <a:t>분산형 관리 시스템</a:t>
-            </a:r>
-            <a:r>
-              <a:rPr lang="en-US" altLang="ko-KR" dirty="0"/>
-              <a:t>: </a:t>
-            </a:r>
-            <a:r>
-              <a:rPr lang="ko-KR" altLang="en-US" dirty="0"/>
-              <a:t>파일을 서버에 몰아 두는 것이 아니라 로컬</a:t>
-            </a:r>
-            <a:r>
-              <a:rPr lang="en-US" altLang="ko-KR" dirty="0"/>
-              <a:t>(</a:t>
-            </a:r>
-            <a:r>
-              <a:rPr lang="ko-KR" altLang="en-US" dirty="0"/>
-              <a:t>각자의 </a:t>
-            </a:r>
-            <a:r>
-              <a:rPr lang="en-US" altLang="ko-KR" dirty="0"/>
-              <a:t>PC)</a:t>
-            </a:r>
-            <a:r>
-              <a:rPr lang="ko-KR" altLang="en-US" dirty="0"/>
-              <a:t>에 위치시키고 서버로 통합하는 형태</a:t>
-            </a:r>
-            <a:endParaRPr lang="en-US" altLang="ko-KR" dirty="0"/>
-          </a:p>
-          <a:p>
-            <a:r>
-              <a:rPr lang="en-US" altLang="ko-KR" dirty="0"/>
-              <a:t>   - </a:t>
-            </a:r>
-            <a:r>
-              <a:rPr lang="ko-KR" altLang="en-US" dirty="0"/>
-              <a:t>서버에 문제가 생겨도 로컬에서 작업을 이어하는 것이 가능</a:t>
-            </a:r>
-            <a:br>
-              <a:rPr lang="en-US" altLang="ko-KR" dirty="0"/>
-            </a:br>
-            <a:endParaRPr lang="en-US" altLang="ko-KR" dirty="0"/>
-          </a:p>
-          <a:p>
-            <a:pPr marL="171450" indent="-171450">
-              <a:buFontTx/>
-              <a:buChar char="-"/>
-            </a:pPr>
-            <a:r>
-              <a:rPr lang="ko-KR" altLang="en-US" dirty="0"/>
-              <a:t>병렬 작업</a:t>
-            </a:r>
-            <a:r>
-              <a:rPr lang="en-US" altLang="ko-KR" dirty="0"/>
-              <a:t>: </a:t>
-            </a:r>
-            <a:r>
-              <a:rPr lang="ko-KR" altLang="en-US" dirty="0" err="1"/>
-              <a:t>브랜치</a:t>
-            </a:r>
-            <a:r>
-              <a:rPr lang="en-US" altLang="ko-KR" dirty="0"/>
-              <a:t>(</a:t>
-            </a:r>
-            <a:r>
-              <a:rPr lang="ko-KR" altLang="en-US" dirty="0"/>
-              <a:t>가지 뻗기</a:t>
-            </a:r>
-            <a:r>
-              <a:rPr lang="en-US" altLang="ko-KR" dirty="0"/>
-              <a:t>)</a:t>
-            </a:r>
-            <a:r>
-              <a:rPr lang="ko-KR" altLang="en-US" dirty="0"/>
-              <a:t>를 활용하여 하나의 문서를 동시에 작성 가능 </a:t>
-            </a:r>
-            <a:endParaRPr lang="en-US" altLang="ko-KR" dirty="0"/>
-          </a:p>
-          <a:p>
-            <a:pPr marL="171450" marR="0" lvl="0" indent="-171450" algn="l" defTabSz="914400" rtl="0" eaLnBrk="1" fontAlgn="auto" latinLnBrk="1" hangingPunct="1">
-              <a:lnSpc>
-                <a:spcPct val="100000"/>
-              </a:lnSpc>
-              <a:spcBef>
-                <a:spcPts val="0"/>
-              </a:spcBef>
-              <a:spcAft>
-                <a:spcPts val="0"/>
-              </a:spcAft>
-              <a:buClrTx/>
-              <a:buSzTx/>
-              <a:buFontTx/>
-              <a:buChar char="-"/>
-              <a:tabLst/>
-              <a:defRPr/>
-            </a:pPr>
-            <a:r>
-              <a:rPr lang="en-US" altLang="ko-KR" dirty="0"/>
-              <a:t>https://joone.net/2022/10/02/47-git/</a:t>
-            </a:r>
-          </a:p>
-          <a:p>
             <a:pPr marL="171450" indent="-171450">
               <a:buFontTx/>
               <a:buChar char="-"/>
@@ -3846,10 +2876,10 @@
           <a:bodyPr/>
           <a:lstStyle/>
           <a:p>
-            <a:endParaRPr lang="ko-KR" altLang="en-US"/>
-          </a:p>
-          <a:p>
-            <a:endParaRPr lang="ko-KR" altLang="en-US"/>
+            <a:endParaRPr lang="ko-KR" altLang="en-US" dirty="0"/>
+          </a:p>
+          <a:p>
+            <a:endParaRPr lang="ko-KR" altLang="en-US" dirty="0"/>
           </a:p>
         </p:txBody>
       </p:sp>
@@ -3933,293 +2963,6 @@
           <a:bodyPr/>
           <a:lstStyle/>
           <a:p>
-            <a:r>
-              <a:rPr lang="ko-KR" altLang="en-US" dirty="0"/>
-              <a:t>레포지토리는 </a:t>
-            </a:r>
-            <a:r>
-              <a:rPr lang="ko-KR" altLang="en-US" dirty="0" err="1"/>
-              <a:t>레포지토리임</a:t>
-            </a:r>
-            <a:r>
-              <a:rPr lang="en-US" altLang="ko-KR" dirty="0"/>
-              <a:t>.</a:t>
-            </a:r>
-          </a:p>
-          <a:p>
-            <a:r>
-              <a:rPr lang="ko-KR" altLang="en-US" dirty="0"/>
-              <a:t>로컬에 있으면 로컬 저장소</a:t>
-            </a:r>
-            <a:endParaRPr lang="en-US" altLang="ko-KR" dirty="0"/>
-          </a:p>
-          <a:p>
-            <a:r>
-              <a:rPr lang="ko-KR" altLang="en-US" dirty="0"/>
-              <a:t>서버에 있으면 원격 저장소</a:t>
-            </a:r>
-          </a:p>
-          <a:p>
-            <a:endParaRPr lang="en-US" altLang="ko-KR" dirty="0"/>
-          </a:p>
-          <a:p>
-            <a:r>
-              <a:rPr lang="en-US" altLang="ko-KR" dirty="0"/>
-              <a:t>PC </a:t>
-            </a:r>
-            <a:r>
-              <a:rPr lang="ko-KR" altLang="en-US" dirty="0"/>
-              <a:t>저장소 </a:t>
-            </a:r>
-            <a:r>
-              <a:rPr lang="en-US" altLang="ko-KR" dirty="0"/>
-              <a:t>(local) = </a:t>
-            </a:r>
-            <a:r>
-              <a:rPr lang="ko-KR" altLang="en-US" dirty="0"/>
-              <a:t>내 컴퓨터 안에서 이루어지는 </a:t>
-            </a:r>
-            <a:r>
-              <a:rPr lang="en-US" altLang="ko-KR" dirty="0" err="1"/>
-              <a:t>Git</a:t>
-            </a:r>
-            <a:r>
-              <a:rPr lang="en-US" altLang="ko-KR" dirty="0"/>
-              <a:t> </a:t>
-            </a:r>
-            <a:r>
-              <a:rPr lang="ko-KR" altLang="en-US" dirty="0"/>
-              <a:t>작업 공간</a:t>
-            </a:r>
-            <a:endParaRPr lang="en-US" altLang="ko-KR" dirty="0"/>
-          </a:p>
-          <a:p>
-            <a:r>
-              <a:rPr lang="ko-KR" altLang="en-US" dirty="0"/>
-              <a:t>온라인 저장소 </a:t>
-            </a:r>
-            <a:r>
-              <a:rPr lang="en-US" altLang="ko-KR" dirty="0"/>
-              <a:t>(Remote)</a:t>
-            </a:r>
-            <a:r>
-              <a:rPr lang="en-US" altLang="ko-KR" baseline="0" dirty="0"/>
-              <a:t> = </a:t>
-            </a:r>
-            <a:r>
-              <a:rPr lang="en-US" altLang="ko-KR" baseline="0" dirty="0" err="1"/>
-              <a:t>Github</a:t>
-            </a:r>
-            <a:r>
-              <a:rPr lang="ko-KR" altLang="en-US" baseline="0" dirty="0"/>
-              <a:t>와 같은 원격 저장소</a:t>
-            </a:r>
-            <a:r>
-              <a:rPr lang="en-US" altLang="ko-KR" baseline="0" dirty="0"/>
-              <a:t>(</a:t>
-            </a:r>
-            <a:r>
-              <a:rPr lang="ko-KR" altLang="en-US" baseline="0" dirty="0"/>
-              <a:t>서버</a:t>
-            </a:r>
-            <a:r>
-              <a:rPr lang="en-US" altLang="ko-KR" baseline="0" dirty="0"/>
-              <a:t>)</a:t>
-            </a:r>
-            <a:r>
-              <a:rPr lang="ko-KR" altLang="en-US" baseline="0" dirty="0"/>
-              <a:t>에 있는 </a:t>
-            </a:r>
-            <a:r>
-              <a:rPr lang="en-US" altLang="ko-KR" baseline="0" dirty="0" err="1"/>
-              <a:t>Git</a:t>
-            </a:r>
-            <a:r>
-              <a:rPr lang="en-US" altLang="ko-KR" baseline="0" dirty="0"/>
-              <a:t> </a:t>
-            </a:r>
-            <a:r>
-              <a:rPr lang="ko-KR" altLang="en-US" baseline="0" dirty="0"/>
-              <a:t>공간</a:t>
-            </a:r>
-            <a:r>
-              <a:rPr lang="en-US" altLang="ko-KR" baseline="0" dirty="0"/>
-              <a:t>.</a:t>
-            </a:r>
-          </a:p>
-          <a:p>
-            <a:endParaRPr lang="en-US" altLang="ko-KR" baseline="0" dirty="0"/>
-          </a:p>
-          <a:p>
-            <a:r>
-              <a:rPr lang="ko-KR" altLang="en-US" baseline="0" dirty="0"/>
-              <a:t>작업 공간 </a:t>
-            </a:r>
-            <a:r>
-              <a:rPr lang="en-US" altLang="ko-KR" baseline="0" dirty="0"/>
-              <a:t>= </a:t>
-            </a:r>
-            <a:r>
-              <a:rPr lang="ko-KR" altLang="en-US" baseline="0" dirty="0"/>
-              <a:t>실제로 내가 코딩하고 있는 폴더</a:t>
-            </a:r>
-            <a:endParaRPr lang="en-US" altLang="ko-KR" baseline="0" dirty="0"/>
-          </a:p>
-          <a:p>
-            <a:endParaRPr lang="en-US" altLang="ko-KR" baseline="0" dirty="0"/>
-          </a:p>
-          <a:p>
-            <a:r>
-              <a:rPr lang="en-US" altLang="ko-KR" baseline="0" dirty="0"/>
-              <a:t>staging </a:t>
-            </a:r>
-            <a:r>
-              <a:rPr lang="ko-KR" altLang="en-US" baseline="0" dirty="0"/>
-              <a:t>영역 </a:t>
-            </a:r>
-            <a:r>
-              <a:rPr lang="en-US" altLang="ko-KR" baseline="0" dirty="0"/>
-              <a:t>= </a:t>
-            </a:r>
-            <a:r>
-              <a:rPr lang="en-US" altLang="ko-KR" baseline="0" dirty="0" err="1"/>
-              <a:t>Git</a:t>
-            </a:r>
-            <a:r>
-              <a:rPr lang="ko-KR" altLang="en-US" baseline="0" dirty="0"/>
-              <a:t>이 </a:t>
-            </a:r>
-            <a:r>
-              <a:rPr lang="en-US" altLang="ko-KR" baseline="0" dirty="0"/>
-              <a:t>“</a:t>
-            </a:r>
-            <a:r>
-              <a:rPr lang="ko-KR" altLang="en-US" baseline="0" dirty="0"/>
-              <a:t>어떤 파일을 다음 </a:t>
-            </a:r>
-            <a:r>
-              <a:rPr lang="ko-KR" altLang="en-US" baseline="0" dirty="0" err="1"/>
-              <a:t>커밋에</a:t>
-            </a:r>
-            <a:r>
-              <a:rPr lang="ko-KR" altLang="en-US" baseline="0" dirty="0"/>
-              <a:t> 포함시킬지 준비해두는 중간 장소</a:t>
-            </a:r>
-            <a:r>
-              <a:rPr lang="en-US" altLang="ko-KR" baseline="0" dirty="0"/>
-              <a:t>” </a:t>
-            </a:r>
-            <a:r>
-              <a:rPr lang="en-US" altLang="ko-KR" baseline="0" dirty="0">
-                <a:sym typeface="Wingdings" panose="05000000000000000000" pitchFamily="2" charset="2"/>
-              </a:rPr>
-              <a:t> </a:t>
-            </a:r>
-            <a:r>
-              <a:rPr lang="ko-KR" altLang="en-US" baseline="0" dirty="0">
-                <a:sym typeface="Wingdings" panose="05000000000000000000" pitchFamily="2" charset="2"/>
-              </a:rPr>
-              <a:t>단순히 모든 파일을 한 번에 커밋하지 않고</a:t>
-            </a:r>
-            <a:r>
-              <a:rPr lang="en-US" altLang="ko-KR" baseline="0" dirty="0">
-                <a:sym typeface="Wingdings" panose="05000000000000000000" pitchFamily="2" charset="2"/>
-              </a:rPr>
-              <a:t>, </a:t>
-            </a:r>
-            <a:r>
-              <a:rPr lang="ko-KR" altLang="en-US" baseline="0" dirty="0">
-                <a:sym typeface="Wingdings" panose="05000000000000000000" pitchFamily="2" charset="2"/>
-              </a:rPr>
-              <a:t>선택적으로 원하는 파일만 골라서 커밋할 수 있도록 하기 위해</a:t>
-            </a:r>
-            <a:r>
-              <a:rPr lang="en-US" altLang="ko-KR" baseline="0" dirty="0">
-                <a:sym typeface="Wingdings" panose="05000000000000000000" pitchFamily="2" charset="2"/>
-              </a:rPr>
-              <a:t>.</a:t>
-            </a:r>
-            <a:endParaRPr lang="en-US" altLang="ko-KR" baseline="0" dirty="0"/>
-          </a:p>
-          <a:p>
-            <a:endParaRPr lang="en-US" altLang="ko-KR" baseline="0" dirty="0"/>
-          </a:p>
-          <a:p>
-            <a:r>
-              <a:rPr lang="en-US" altLang="ko-KR" dirty="0"/>
-              <a:t>commit :</a:t>
-            </a:r>
-            <a:r>
-              <a:rPr lang="en-US" altLang="ko-KR" baseline="0" dirty="0"/>
-              <a:t> Staging</a:t>
-            </a:r>
-            <a:r>
-              <a:rPr lang="ko-KR" altLang="en-US" baseline="0" dirty="0"/>
-              <a:t>에 있는 파일들을 로컬저장소에 기록하는 과정 </a:t>
-            </a:r>
-            <a:r>
-              <a:rPr lang="en-US" altLang="ko-KR" baseline="0" dirty="0"/>
-              <a:t>==&gt; </a:t>
-            </a:r>
-            <a:r>
-              <a:rPr lang="ko-KR" altLang="en-US" baseline="0" dirty="0"/>
-              <a:t>이때 </a:t>
-            </a:r>
-            <a:r>
-              <a:rPr lang="en-US" altLang="ko-KR" baseline="0" dirty="0" err="1"/>
-              <a:t>git</a:t>
-            </a:r>
-            <a:r>
-              <a:rPr lang="ko-KR" altLang="en-US" baseline="0" dirty="0"/>
-              <a:t>은 실제로 버전 이력을 남김</a:t>
-            </a:r>
-            <a:r>
-              <a:rPr lang="en-US" altLang="ko-KR" baseline="0" dirty="0"/>
-              <a:t>.</a:t>
-            </a:r>
-          </a:p>
-          <a:p>
-            <a:endParaRPr lang="en-US" altLang="ko-KR" baseline="0" dirty="0"/>
-          </a:p>
-          <a:p>
-            <a:r>
-              <a:rPr lang="en-US" altLang="ko-KR" baseline="0" dirty="0"/>
-              <a:t>push : </a:t>
-            </a:r>
-            <a:r>
-              <a:rPr lang="ko-KR" altLang="en-US" baseline="0" dirty="0"/>
-              <a:t>원격저장소에 업로드 하는 </a:t>
-            </a:r>
-            <a:r>
-              <a:rPr lang="ko-KR" altLang="en-US" baseline="0" dirty="0" err="1"/>
-              <a:t>단게</a:t>
-            </a:r>
-            <a:endParaRPr lang="en-US" altLang="ko-KR" baseline="0" dirty="0"/>
-          </a:p>
-          <a:p>
-            <a:endParaRPr lang="en-US" altLang="ko-KR" baseline="0" dirty="0"/>
-          </a:p>
-          <a:p>
-            <a:r>
-              <a:rPr lang="en-US" altLang="ko-KR" baseline="0" dirty="0"/>
-              <a:t>pull : </a:t>
-            </a:r>
-            <a:r>
-              <a:rPr lang="ko-KR" altLang="en-US" baseline="0" dirty="0"/>
-              <a:t>다른 사람이 올린 변경사항이나 내가 작성한 변경된 사항들을 내 로컬 저장소로 다시 불러오기 </a:t>
-            </a:r>
-            <a:r>
-              <a:rPr lang="en-US" altLang="ko-KR" baseline="0" dirty="0"/>
-              <a:t>+ </a:t>
-            </a:r>
-            <a:r>
-              <a:rPr lang="ko-KR" altLang="en-US" baseline="0" dirty="0"/>
-              <a:t>병합 하는 과정</a:t>
-            </a:r>
-            <a:r>
-              <a:rPr lang="en-US" altLang="ko-KR" baseline="0" dirty="0"/>
-              <a:t>.</a:t>
-            </a:r>
             <a:endParaRPr lang="ko-KR" altLang="en-US" dirty="0"/>
           </a:p>
         </p:txBody>
@@ -4304,95 +3047,6 @@
           <a:bodyPr/>
           <a:lstStyle/>
           <a:p>
-            <a:pPr marL="0" marR="0" lvl="0" indent="0" algn="l" defTabSz="914400" rtl="0" eaLnBrk="1" fontAlgn="auto" latinLnBrk="1" hangingPunct="1">
-              <a:lnSpc>
-                <a:spcPct val="100000"/>
-              </a:lnSpc>
-              <a:spcBef>
-                <a:spcPts val="0"/>
-              </a:spcBef>
-              <a:spcAft>
-                <a:spcPts val="0"/>
-              </a:spcAft>
-              <a:buClrTx/>
-              <a:buSzTx/>
-              <a:buFontTx/>
-              <a:buNone/>
-              <a:tabLst/>
-              <a:defRPr/>
-            </a:pPr>
-            <a:r>
-              <a:rPr lang="ko-KR" altLang="en-US" dirty="0">
-                <a:latin typeface="G마켓 산스 TTF Light" panose="02000000000000000000" pitchFamily="2" charset="-127"/>
-                <a:ea typeface="G마켓 산스 TTF Light" panose="02000000000000000000" pitchFamily="2" charset="-127"/>
-              </a:rPr>
-              <a:t>실무에 가면 </a:t>
-            </a:r>
-            <a:r>
-              <a:rPr lang="en-US" altLang="ko-KR" dirty="0">
-                <a:latin typeface="G마켓 산스 TTF Light" panose="02000000000000000000" pitchFamily="2" charset="-127"/>
-                <a:ea typeface="G마켓 산스 TTF Light" panose="02000000000000000000" pitchFamily="2" charset="-127"/>
-              </a:rPr>
-              <a:t>“</a:t>
-            </a:r>
-            <a:r>
-              <a:rPr lang="ko-KR" altLang="en-US" dirty="0">
-                <a:latin typeface="G마켓 산스 TTF Light" panose="02000000000000000000" pitchFamily="2" charset="-127"/>
-                <a:ea typeface="G마켓 산스 TTF Light" panose="02000000000000000000" pitchFamily="2" charset="-127"/>
-              </a:rPr>
-              <a:t>코드 </a:t>
-            </a:r>
-            <a:r>
-              <a:rPr lang="en-US" altLang="ko-KR" dirty="0">
-                <a:latin typeface="G마켓 산스 TTF Light" panose="02000000000000000000" pitchFamily="2" charset="-127"/>
-                <a:ea typeface="G마켓 산스 TTF Light" panose="02000000000000000000" pitchFamily="2" charset="-127"/>
-              </a:rPr>
-              <a:t>000</a:t>
-            </a:r>
-            <a:r>
-              <a:rPr lang="ko-KR" altLang="en-US" dirty="0" err="1">
-                <a:latin typeface="G마켓 산스 TTF Light" panose="02000000000000000000" pitchFamily="2" charset="-127"/>
-                <a:ea typeface="G마켓 산스 TTF Light" panose="02000000000000000000" pitchFamily="2" charset="-127"/>
-              </a:rPr>
-              <a:t>브랜치에</a:t>
-            </a:r>
-            <a:r>
-              <a:rPr lang="ko-KR" altLang="en-US" dirty="0">
-                <a:latin typeface="G마켓 산스 TTF Light" panose="02000000000000000000" pitchFamily="2" charset="-127"/>
-                <a:ea typeface="G마켓 산스 TTF Light" panose="02000000000000000000" pitchFamily="2" charset="-127"/>
-              </a:rPr>
-              <a:t> </a:t>
-            </a:r>
-            <a:r>
-              <a:rPr lang="ko-KR" altLang="en-US" dirty="0" err="1">
-                <a:latin typeface="G마켓 산스 TTF Light" panose="02000000000000000000" pitchFamily="2" charset="-127"/>
-                <a:ea typeface="G마켓 산스 TTF Light" panose="02000000000000000000" pitchFamily="2" charset="-127"/>
-              </a:rPr>
-              <a:t>푸쉬하세요</a:t>
-            </a:r>
-            <a:r>
-              <a:rPr lang="en-US" altLang="ko-KR" dirty="0">
-                <a:latin typeface="G마켓 산스 TTF Light" panose="02000000000000000000" pitchFamily="2" charset="-127"/>
-                <a:ea typeface="G마켓 산스 TTF Light" panose="02000000000000000000" pitchFamily="2" charset="-127"/>
-              </a:rPr>
-              <a:t>”</a:t>
-            </a:r>
-            <a:r>
-              <a:rPr lang="ko-KR" altLang="en-US" dirty="0">
-                <a:latin typeface="G마켓 산스 TTF Light" panose="02000000000000000000" pitchFamily="2" charset="-127"/>
-                <a:ea typeface="G마켓 산스 TTF Light" panose="02000000000000000000" pitchFamily="2" charset="-127"/>
-              </a:rPr>
-              <a:t> 라고 합니다</a:t>
-            </a:r>
-            <a:r>
-              <a:rPr lang="en-US" altLang="ko-KR" dirty="0">
-                <a:latin typeface="G마켓 산스 TTF Light" panose="02000000000000000000" pitchFamily="2" charset="-127"/>
-                <a:ea typeface="G마켓 산스 TTF Light" panose="02000000000000000000" pitchFamily="2" charset="-127"/>
-              </a:rPr>
-              <a:t>.</a:t>
-            </a:r>
-          </a:p>
-          <a:p>
             <a:endParaRPr lang="ko-KR" altLang="en-US" dirty="0"/>
           </a:p>
         </p:txBody>
@@ -4477,21 +3131,7 @@
           <a:bodyPr/>
           <a:lstStyle/>
           <a:p>
-            <a:r>
-              <a:rPr lang="ko-KR" altLang="en-US"/>
-              <a:t>만약 로그인 하라고 창이 뜨면 깃허브에 로그인 하면됩니다</a:t>
-            </a:r>
-            <a:endParaRPr lang="en-US" altLang="ko-KR"/>
-          </a:p>
-          <a:p>
-            <a:endParaRPr lang="en-US" altLang="ko-KR"/>
-          </a:p>
-          <a:p>
-            <a:r>
-              <a:rPr lang="ko-KR" altLang="en-US"/>
-              <a:t>쌍따옴표 말고 홑따옴표로 작성해도됨</a:t>
-            </a:r>
-            <a:endParaRPr lang="en-US" altLang="ko-KR"/>
+            <a:endParaRPr lang="en-US" altLang="ko-KR" dirty="0"/>
           </a:p>
         </p:txBody>
       </p:sp>
@@ -4575,14 +3215,6 @@
           <a:bodyPr/>
           <a:lstStyle/>
           <a:p>
-            <a:r>
-              <a:rPr lang="en-US" altLang="ko-KR" dirty="0"/>
-              <a:t>add, commit, push, pull</a:t>
-            </a:r>
-            <a:r>
-              <a:rPr lang="ko-KR" altLang="en-US" dirty="0"/>
-              <a:t>은 제외</a:t>
-            </a:r>
             <a:endParaRPr lang="en-US" altLang="ko-KR" dirty="0"/>
           </a:p>
         </p:txBody>
@@ -4667,15 +3299,7 @@
           <a:bodyPr/>
           <a:lstStyle/>
           <a:p>
-            <a:r>
-              <a:rPr lang="ko-KR" altLang="en-US"/>
-              <a:t>만약 로그인 하라고 창이 뜨면 깃허브에 로그인 하면됩니다</a:t>
-            </a:r>
-            <a:r>
-              <a:rPr lang="en-US" altLang="ko-KR"/>
-              <a:t>.</a:t>
-            </a:r>
-            <a:endParaRPr lang="ko-KR" altLang="en-US"/>
+            <a:endParaRPr lang="ko-KR" altLang="en-US" dirty="0"/>
           </a:p>
         </p:txBody>
       </p:sp>
@@ -4759,27 +3383,7 @@
           <a:bodyPr/>
           <a:lstStyle/>
           <a:p>
-            <a:r>
-              <a:rPr lang="ko-KR" altLang="en-US"/>
-              <a:t>코드를 올릴 저장소 생성을 하고</a:t>
-            </a:r>
-            <a:endParaRPr lang="en-US" altLang="ko-KR"/>
-          </a:p>
-          <a:p>
-            <a:r>
-              <a:rPr lang="ko-KR" altLang="en-US"/>
-              <a:t>앞으로 매일 수업 종료 후 코드는 본인 깃 저장소에 푸쉬하세요</a:t>
-            </a:r>
-            <a:r>
-              <a:rPr lang="en-US" altLang="ko-KR"/>
-              <a:t>!!!</a:t>
-            </a:r>
-          </a:p>
-          <a:p>
-            <a:r>
-              <a:rPr lang="ko-KR" altLang="en-US"/>
-              <a:t>원격저장소는 마음껏 만들 수 있습니다</a:t>
-            </a:r>
+            <a:endParaRPr lang="ko-KR" altLang="en-US" dirty="0"/>
           </a:p>
         </p:txBody>
       </p:sp>
@@ -4863,7 +3467,7 @@
           <a:bodyPr/>
           <a:lstStyle/>
           <a:p>
-            <a:endParaRPr lang="ko-KR" altLang="en-US"/>
+            <a:endParaRPr lang="ko-KR" altLang="en-US" dirty="0"/>
           </a:p>
         </p:txBody>
       </p:sp>
@@ -4947,763 +3551,6 @@
           <a:bodyPr/>
           <a:lstStyle/>
           <a:p>
-            <a:r>
-              <a:rPr lang="en-US" altLang="ko-KR" dirty="0"/>
-              <a:t>touch</a:t>
-            </a:r>
-            <a:r>
-              <a:rPr lang="ko-KR" altLang="en-US" dirty="0"/>
-              <a:t>로 </a:t>
-            </a:r>
-            <a:r>
-              <a:rPr lang="en-US" altLang="ko-KR" dirty="0" err="1"/>
-              <a:t>gitignore</a:t>
-            </a:r>
-            <a:r>
-              <a:rPr lang="en-US" altLang="ko-KR" baseline="0" dirty="0"/>
-              <a:t> </a:t>
-            </a:r>
-            <a:r>
-              <a:rPr lang="ko-KR" altLang="en-US" baseline="0" dirty="0"/>
-              <a:t>만들어보기</a:t>
-            </a:r>
-            <a:endParaRPr lang="en-US" altLang="ko-KR" baseline="0" dirty="0"/>
-          </a:p>
-          <a:p>
-            <a:r>
-              <a:rPr lang="ko-KR" altLang="en-US" baseline="0" dirty="0"/>
-              <a:t>그리고 폴더 만든 뒤 제외 시키고 </a:t>
-            </a:r>
-            <a:r>
-              <a:rPr lang="ko-KR" altLang="en-US" baseline="0" dirty="0" err="1"/>
-              <a:t>보내보기</a:t>
-            </a:r>
-            <a:br>
-              <a:rPr lang="en-US" altLang="ko-KR" dirty="0"/>
-            </a:br>
-            <a:br>
-              <a:rPr lang="en-US" altLang="ko-KR" dirty="0"/>
-            </a:br>
-            <a:r>
-              <a:rPr lang="en-US" altLang="ko-KR" dirty="0"/>
-              <a:t>git branch -M main</a:t>
-            </a:r>
-          </a:p>
-          <a:p>
-            <a:r>
-              <a:rPr lang="en-US" altLang="ko-KR" dirty="0"/>
-              <a:t>-M</a:t>
-            </a:r>
-            <a:r>
-              <a:rPr lang="ko-KR" altLang="en-US" dirty="0"/>
-              <a:t>은 강제로 </a:t>
-            </a:r>
-            <a:r>
-              <a:rPr lang="ko-KR" altLang="en-US" dirty="0" err="1"/>
-              <a:t>브랜치</a:t>
-            </a:r>
-            <a:r>
-              <a:rPr lang="ko-KR" altLang="en-US" dirty="0"/>
-              <a:t> 이름 변경 </a:t>
-            </a:r>
-            <a:r>
-              <a:rPr lang="en-US" altLang="ko-KR" dirty="0"/>
-              <a:t>(</a:t>
-            </a:r>
-            <a:r>
-              <a:rPr lang="ko-KR" altLang="en-US" dirty="0"/>
-              <a:t>기존 </a:t>
-            </a:r>
-            <a:r>
-              <a:rPr lang="en-US" altLang="ko-KR" dirty="0"/>
-              <a:t>master → main)</a:t>
-            </a:r>
-          </a:p>
-          <a:p>
-            <a:endParaRPr lang="en-US" altLang="ko-KR" dirty="0"/>
-          </a:p>
-          <a:p>
-            <a:r>
-              <a:rPr lang="en-US" altLang="ko-KR" dirty="0"/>
-              <a:t>git push -u origin main</a:t>
-            </a:r>
-          </a:p>
-          <a:p>
-            <a:r>
-              <a:rPr lang="en-US" altLang="ko-KR" dirty="0"/>
-              <a:t>git push -u origin master</a:t>
-            </a:r>
-          </a:p>
-          <a:p>
-            <a:endParaRPr lang="en-US" altLang="ko-KR" dirty="0"/>
-          </a:p>
-          <a:p>
-            <a:r>
-              <a:rPr lang="en-US" altLang="ko-KR" b="1" dirty="0"/>
-              <a:t>-u = --set-upstream </a:t>
-            </a:r>
-            <a:r>
-              <a:rPr lang="ko-KR" altLang="en-US" b="1" dirty="0"/>
-              <a:t>옵션의 줄임말</a:t>
-            </a:r>
-            <a:br>
-              <a:rPr lang="ko-KR" altLang="en-US" dirty="0"/>
-            </a:br>
-            <a:r>
-              <a:rPr lang="ko-KR" altLang="en-US" dirty="0"/>
-              <a:t>→ </a:t>
-            </a:r>
-            <a:r>
-              <a:rPr lang="ko-KR" altLang="en-US" b="1" dirty="0"/>
-              <a:t>이 </a:t>
-            </a:r>
-            <a:r>
-              <a:rPr lang="ko-KR" altLang="en-US" b="1" dirty="0" err="1"/>
-              <a:t>브랜치와</a:t>
-            </a:r>
-            <a:r>
-              <a:rPr lang="ko-KR" altLang="en-US" b="1" dirty="0"/>
-              <a:t> 원격 </a:t>
-            </a:r>
-            <a:r>
-              <a:rPr lang="ko-KR" altLang="en-US" b="1" dirty="0" err="1"/>
-              <a:t>브랜치를</a:t>
-            </a:r>
-            <a:r>
-              <a:rPr lang="ko-KR" altLang="en-US" b="1" dirty="0"/>
-              <a:t> 연결</a:t>
-            </a:r>
-            <a:r>
-              <a:rPr lang="en-US" altLang="ko-KR" b="1" dirty="0"/>
-              <a:t>(tracking)</a:t>
-            </a:r>
-            <a:r>
-              <a:rPr lang="ko-KR" altLang="en-US" b="1" dirty="0"/>
-              <a:t>해줘</a:t>
-            </a:r>
-            <a:r>
-              <a:rPr lang="en-US" altLang="ko-KR" b="1" dirty="0"/>
-              <a:t>!</a:t>
-            </a:r>
-            <a:r>
-              <a:rPr lang="ko-KR" altLang="en-US" dirty="0"/>
-              <a:t> 라는 뜻입니다</a:t>
-            </a:r>
-            <a:r>
-              <a:rPr lang="en-US" altLang="ko-KR" dirty="0"/>
-              <a:t>.</a:t>
-            </a:r>
-          </a:p>
-          <a:p>
-            <a:r>
-              <a:rPr lang="en-US" altLang="ko-KR" dirty="0"/>
-              <a:t>push</a:t>
-            </a:r>
-            <a:r>
-              <a:rPr lang="ko-KR" altLang="en-US" dirty="0"/>
-              <a:t>하면서 </a:t>
-            </a:r>
-            <a:r>
-              <a:rPr lang="ko-KR" altLang="en-US" b="1" dirty="0"/>
-              <a:t>로컬의 </a:t>
-            </a:r>
-            <a:r>
-              <a:rPr lang="en-US" altLang="ko-KR" b="1" dirty="0"/>
-              <a:t>main </a:t>
-            </a:r>
-            <a:r>
-              <a:rPr lang="ko-KR" altLang="en-US" b="1" dirty="0" err="1"/>
-              <a:t>브랜치가</a:t>
-            </a:r>
-            <a:r>
-              <a:rPr lang="ko-KR" altLang="en-US" b="1" dirty="0"/>
-              <a:t> 원격 </a:t>
-            </a:r>
-            <a:r>
-              <a:rPr lang="en-US" altLang="ko-KR" b="1" dirty="0"/>
-              <a:t>origin/main</a:t>
-            </a:r>
-            <a:r>
-              <a:rPr lang="ko-KR" altLang="en-US" b="1" dirty="0"/>
-              <a:t>과 연결됨</a:t>
-            </a:r>
-            <a:endParaRPr lang="en-US" altLang="ko-KR" b="1" dirty="0"/>
-          </a:p>
-          <a:p>
-            <a:endParaRPr lang="en-US" altLang="ko-KR" dirty="0"/>
-          </a:p>
-          <a:p>
-            <a:r>
-              <a:rPr lang="ko-KR" altLang="en-US" b="1" dirty="0"/>
-              <a:t>그럼 </a:t>
-            </a:r>
-            <a:r>
-              <a:rPr lang="en-US" altLang="ko-KR" b="1" dirty="0"/>
-              <a:t>"Tracking Branch(</a:t>
-            </a:r>
-            <a:r>
-              <a:rPr lang="ko-KR" altLang="en-US" b="1" dirty="0" err="1"/>
-              <a:t>트래킹</a:t>
-            </a:r>
-            <a:r>
-              <a:rPr lang="ko-KR" altLang="en-US" b="1" dirty="0"/>
-              <a:t> </a:t>
-            </a:r>
-            <a:r>
-              <a:rPr lang="ko-KR" altLang="en-US" b="1" dirty="0" err="1"/>
-              <a:t>브랜치</a:t>
-            </a:r>
-            <a:r>
-              <a:rPr lang="en-US" altLang="ko-KR" b="1" dirty="0"/>
-              <a:t>)"</a:t>
-            </a:r>
-            <a:r>
-              <a:rPr lang="ko-KR" altLang="en-US" b="1" dirty="0"/>
-              <a:t>가 </a:t>
-            </a:r>
-            <a:r>
-              <a:rPr lang="ko-KR" altLang="en-US" b="1" dirty="0" err="1"/>
-              <a:t>뭐예요</a:t>
-            </a:r>
-            <a:r>
-              <a:rPr lang="en-US" altLang="ko-KR" b="1" dirty="0"/>
-              <a:t>?</a:t>
-            </a:r>
-          </a:p>
-          <a:p>
-            <a:r>
-              <a:rPr lang="ko-KR" altLang="en-US" b="1" dirty="0"/>
-              <a:t>로컬 </a:t>
-            </a:r>
-            <a:r>
-              <a:rPr lang="ko-KR" altLang="en-US" b="1" dirty="0" err="1"/>
-              <a:t>브랜치와</a:t>
-            </a:r>
-            <a:r>
-              <a:rPr lang="ko-KR" altLang="en-US" b="1" dirty="0"/>
-              <a:t> 원격 </a:t>
-            </a:r>
-            <a:r>
-              <a:rPr lang="ko-KR" altLang="en-US" b="1" dirty="0" err="1"/>
-              <a:t>브랜치를</a:t>
-            </a:r>
-            <a:r>
-              <a:rPr lang="ko-KR" altLang="en-US" b="1" dirty="0"/>
-              <a:t> 연결해주는 관계</a:t>
-            </a:r>
-            <a:endParaRPr lang="ko-KR" altLang="en-US" dirty="0"/>
-          </a:p>
-          <a:p>
-            <a:r>
-              <a:rPr lang="en-US" altLang="ko-KR" dirty="0"/>
-              <a:t>-u</a:t>
-            </a:r>
-            <a:r>
-              <a:rPr lang="ko-KR" altLang="en-US" dirty="0"/>
-              <a:t>를 사용하면 이후엔 굳이 </a:t>
-            </a:r>
-            <a:r>
-              <a:rPr lang="en-US" altLang="ko-KR" dirty="0"/>
-              <a:t>origin main </a:t>
-            </a:r>
-            <a:r>
-              <a:rPr lang="ko-KR" altLang="en-US" dirty="0"/>
-              <a:t>안 써도 됩니다</a:t>
-            </a:r>
-            <a:r>
-              <a:rPr lang="en-US" altLang="ko-KR" dirty="0"/>
-              <a:t>.</a:t>
-            </a:r>
-          </a:p>
-          <a:p>
-            <a:endParaRPr lang="en-US" altLang="ko-KR" dirty="0"/>
-          </a:p>
-          <a:p>
-            <a:r>
-              <a:rPr lang="ko-KR" altLang="en-US" b="1" dirty="0"/>
-              <a:t>✅ </a:t>
-            </a:r>
-            <a:r>
-              <a:rPr lang="en-US" altLang="ko-KR" b="1" dirty="0"/>
-              <a:t>origin</a:t>
-            </a:r>
-            <a:r>
-              <a:rPr lang="ko-KR" altLang="en-US" b="1" dirty="0"/>
-              <a:t>이란</a:t>
-            </a:r>
-            <a:r>
-              <a:rPr lang="en-US" altLang="ko-KR" b="1" dirty="0"/>
-              <a:t>?</a:t>
-            </a:r>
-          </a:p>
-          <a:p>
-            <a:r>
-              <a:rPr lang="ko-KR" altLang="en-US" b="1" dirty="0"/>
-              <a:t>원격 저장소</a:t>
-            </a:r>
-            <a:r>
-              <a:rPr lang="en-US" altLang="ko-KR" b="1" dirty="0"/>
-              <a:t>(Remote Repository)</a:t>
-            </a:r>
-            <a:r>
-              <a:rPr lang="ko-KR" altLang="en-US" b="1" dirty="0"/>
-              <a:t>의 </a:t>
-            </a:r>
-            <a:r>
-              <a:rPr lang="en-US" altLang="ko-KR" b="1" dirty="0"/>
-              <a:t>"</a:t>
-            </a:r>
-            <a:r>
-              <a:rPr lang="ko-KR" altLang="en-US" b="1" dirty="0"/>
-              <a:t>별명</a:t>
-            </a:r>
-            <a:r>
-              <a:rPr lang="en-US" altLang="ko-KR" b="1" dirty="0"/>
-              <a:t>(</a:t>
-            </a:r>
-            <a:r>
-              <a:rPr lang="ko-KR" altLang="en-US" b="1" dirty="0"/>
-              <a:t>이름</a:t>
-            </a:r>
-            <a:r>
-              <a:rPr lang="en-US" altLang="ko-KR" b="1" dirty="0"/>
-              <a:t>)"</a:t>
-            </a:r>
-            <a:r>
-              <a:rPr lang="ko-KR" altLang="en-US" b="1" dirty="0"/>
-              <a:t>입니다</a:t>
-            </a:r>
-            <a:r>
-              <a:rPr lang="en-US" altLang="ko-KR" b="1" dirty="0"/>
-              <a:t>.</a:t>
-            </a:r>
-            <a:endParaRPr lang="ko-KR" altLang="en-US" dirty="0"/>
-          </a:p>
-          <a:p>
-            <a:r>
-              <a:rPr lang="en-US" altLang="ko-KR" dirty="0"/>
-              <a:t>Git</a:t>
-            </a:r>
-            <a:r>
-              <a:rPr lang="ko-KR" altLang="en-US" dirty="0"/>
-              <a:t>에서 원격 저장소</a:t>
-            </a:r>
-            <a:r>
-              <a:rPr lang="en-US" altLang="ko-KR" dirty="0"/>
-              <a:t>(</a:t>
-            </a:r>
-            <a:r>
-              <a:rPr lang="ko-KR" altLang="en-US" dirty="0"/>
-              <a:t>예</a:t>
-            </a:r>
-            <a:r>
-              <a:rPr lang="en-US" altLang="ko-KR" dirty="0"/>
-              <a:t>: GitHub</a:t>
-            </a:r>
-            <a:r>
-              <a:rPr lang="ko-KR" altLang="en-US" dirty="0"/>
-              <a:t>에 있는 저장소</a:t>
-            </a:r>
-            <a:r>
-              <a:rPr lang="en-US" altLang="ko-KR" dirty="0"/>
-              <a:t>)</a:t>
-            </a:r>
-            <a:r>
-              <a:rPr lang="ko-KR" altLang="en-US" dirty="0"/>
-              <a:t>를 연결할 때</a:t>
-            </a:r>
-            <a:br>
-              <a:rPr lang="ko-KR" altLang="en-US" dirty="0"/>
-            </a:br>
-            <a:r>
-              <a:rPr lang="ko-KR" altLang="en-US" dirty="0"/>
-              <a:t>매번 긴 주소를 쓰기 불편하니까</a:t>
-            </a:r>
-            <a:r>
-              <a:rPr lang="en-US" altLang="ko-KR" dirty="0"/>
-              <a:t>,</a:t>
-            </a:r>
-            <a:br>
-              <a:rPr lang="en-US" altLang="ko-KR" dirty="0"/>
-            </a:br>
-            <a:r>
-              <a:rPr lang="ko-KR" altLang="en-US" b="1" dirty="0"/>
-              <a:t>짧은 별명을 하나 붙여두는 것</a:t>
-            </a:r>
-            <a:r>
-              <a:rPr lang="ko-KR" altLang="en-US" dirty="0"/>
-              <a:t>이에요</a:t>
-            </a:r>
-            <a:r>
-              <a:rPr lang="en-US" altLang="ko-KR" dirty="0"/>
-              <a:t>.</a:t>
-            </a:r>
-          </a:p>
-          <a:p>
-            <a:endParaRPr lang="en-US" altLang="ko-KR" dirty="0"/>
-          </a:p>
-          <a:p>
-            <a:r>
-              <a:rPr lang="ko-KR" altLang="en-US" b="1" dirty="0"/>
-              <a:t>✅ 그러면 </a:t>
-            </a:r>
-            <a:r>
-              <a:rPr lang="en-US" altLang="ko-KR" b="1" dirty="0"/>
-              <a:t>origin</a:t>
-            </a:r>
-            <a:r>
-              <a:rPr lang="ko-KR" altLang="en-US" b="1" dirty="0"/>
-              <a:t>은 뭘 의미하나요</a:t>
-            </a:r>
-            <a:r>
-              <a:rPr lang="en-US" altLang="ko-KR" b="1" dirty="0"/>
-              <a:t>?</a:t>
-            </a:r>
-          </a:p>
-          <a:p>
-            <a:r>
-              <a:rPr lang="en-US" altLang="ko-KR" dirty="0"/>
-              <a:t>"</a:t>
-            </a:r>
-            <a:r>
-              <a:rPr lang="ko-KR" altLang="en-US" dirty="0"/>
-              <a:t>이 </a:t>
-            </a:r>
-            <a:r>
-              <a:rPr lang="en-US" altLang="ko-KR" dirty="0"/>
-              <a:t>GitHub </a:t>
-            </a:r>
-            <a:r>
-              <a:rPr lang="ko-KR" altLang="en-US" dirty="0"/>
-              <a:t>주소를 </a:t>
-            </a:r>
-            <a:r>
-              <a:rPr lang="en-US" altLang="ko-KR" dirty="0"/>
-              <a:t>origin</a:t>
-            </a:r>
-            <a:r>
-              <a:rPr lang="ko-KR" altLang="en-US" dirty="0"/>
-              <a:t>이라고 부르자</a:t>
-            </a:r>
-            <a:r>
-              <a:rPr lang="en-US" altLang="ko-KR" dirty="0"/>
-              <a:t>" </a:t>
-            </a:r>
-            <a:r>
-              <a:rPr lang="ko-KR" altLang="en-US" dirty="0"/>
-              <a:t>라고 약속하는 거예요</a:t>
-            </a:r>
-            <a:r>
-              <a:rPr lang="en-US" altLang="ko-KR" dirty="0"/>
-              <a:t>.</a:t>
-            </a:r>
-          </a:p>
-          <a:p>
-            <a:endParaRPr lang="en-US" altLang="ko-KR" dirty="0"/>
-          </a:p>
-          <a:p>
-            <a:r>
-              <a:rPr lang="ko-KR" altLang="en-US" b="1" dirty="0"/>
-              <a:t>✅ 꼭 이름이 </a:t>
-            </a:r>
-            <a:r>
-              <a:rPr lang="en-US" altLang="ko-KR" b="1" dirty="0"/>
-              <a:t>origin</a:t>
-            </a:r>
-            <a:r>
-              <a:rPr lang="ko-KR" altLang="en-US" b="1" dirty="0"/>
-              <a:t>이어야 하나요</a:t>
-            </a:r>
-            <a:r>
-              <a:rPr lang="en-US" altLang="ko-KR" b="1" dirty="0"/>
-              <a:t>?</a:t>
-            </a:r>
-          </a:p>
-          <a:p>
-            <a:r>
-              <a:rPr lang="ko-KR" altLang="en-US" dirty="0"/>
-              <a:t>❌ 아닙니다</a:t>
-            </a:r>
-            <a:r>
-              <a:rPr lang="en-US" altLang="ko-KR" dirty="0"/>
-              <a:t>!</a:t>
-            </a:r>
-            <a:br>
-              <a:rPr lang="en-US" altLang="ko-KR" dirty="0"/>
-            </a:br>
-            <a:r>
-              <a:rPr lang="ko-KR" altLang="en-US" dirty="0"/>
-              <a:t>원한다면 다른 이름도 붙일 수 있습니다</a:t>
-            </a:r>
-            <a:r>
-              <a:rPr lang="en-US" altLang="ko-KR" dirty="0"/>
-              <a:t>.</a:t>
-            </a:r>
-          </a:p>
-          <a:p>
-            <a:r>
-              <a:rPr lang="ko-KR" altLang="en-US" dirty="0"/>
-              <a:t>예</a:t>
-            </a:r>
-            <a:r>
-              <a:rPr lang="en-US" altLang="ko-KR" dirty="0"/>
-              <a:t>:</a:t>
-            </a:r>
-          </a:p>
-          <a:p>
-            <a:r>
-              <a:rPr lang="en-US" altLang="ko-KR" dirty="0"/>
-              <a:t>git remote add </a:t>
-            </a:r>
-            <a:r>
-              <a:rPr lang="en-US" altLang="ko-KR" dirty="0" err="1"/>
-              <a:t>github</a:t>
-            </a:r>
-            <a:r>
-              <a:rPr lang="en-US" altLang="ko-KR" dirty="0"/>
-              <a:t> https://github.com/Damon0527/TestSF5th.git </a:t>
-            </a:r>
-          </a:p>
-          <a:p>
-            <a:r>
-              <a:rPr lang="en-US" altLang="ko-KR" dirty="0"/>
-              <a:t>git push </a:t>
-            </a:r>
-            <a:r>
-              <a:rPr lang="en-US" altLang="ko-KR" dirty="0" err="1"/>
-              <a:t>github</a:t>
-            </a:r>
-            <a:r>
-              <a:rPr lang="en-US" altLang="ko-KR" dirty="0"/>
-              <a:t> main </a:t>
-            </a:r>
-          </a:p>
-          <a:p>
-            <a:r>
-              <a:rPr lang="ko-KR" altLang="en-US" dirty="0"/>
-              <a:t>하지만 실무에서는 거의 다 </a:t>
-            </a:r>
-            <a:r>
-              <a:rPr lang="en-US" altLang="ko-KR" dirty="0"/>
-              <a:t>origin</a:t>
-            </a:r>
-            <a:r>
-              <a:rPr lang="ko-KR" altLang="en-US" dirty="0"/>
-              <a:t>을 쓰는 것이 </a:t>
-            </a:r>
-            <a:r>
-              <a:rPr lang="ko-KR" altLang="en-US" b="1" dirty="0"/>
-              <a:t>관례이자 표준처럼 자리잡고</a:t>
-            </a:r>
-            <a:r>
-              <a:rPr lang="ko-KR" altLang="en-US" dirty="0"/>
-              <a:t> 있어서</a:t>
-            </a:r>
-            <a:br>
-              <a:rPr lang="ko-KR" altLang="en-US" dirty="0"/>
-            </a:br>
-            <a:r>
-              <a:rPr lang="ko-KR" altLang="en-US" dirty="0"/>
-              <a:t>학생들에게도 기본은 </a:t>
-            </a:r>
-            <a:r>
-              <a:rPr lang="en-US" altLang="ko-KR" dirty="0"/>
-              <a:t>origin</a:t>
-            </a:r>
-            <a:r>
-              <a:rPr lang="ko-KR" altLang="en-US" dirty="0"/>
-              <a:t>으로 알려주는 것이 좋습니다</a:t>
-            </a:r>
-            <a:r>
-              <a:rPr lang="en-US" altLang="ko-KR" dirty="0"/>
-              <a:t>.</a:t>
-            </a:r>
-          </a:p>
-          <a:p>
-            <a:endParaRPr lang="en-US" altLang="ko-KR" dirty="0"/>
-          </a:p>
-          <a:p>
-            <a:r>
-              <a:rPr lang="ko-KR" altLang="en-US" b="1" dirty="0"/>
-              <a:t>✅ 확인하고 싶다면</a:t>
-            </a:r>
-            <a:r>
-              <a:rPr lang="en-US" altLang="ko-KR" b="1" dirty="0"/>
-              <a:t>? </a:t>
-            </a:r>
-            <a:r>
-              <a:rPr lang="en-US" altLang="ko-KR" dirty="0"/>
-              <a:t>git remote -v </a:t>
-            </a:r>
-          </a:p>
-          <a:p>
-            <a:r>
-              <a:rPr lang="en-US" altLang="ko-KR" dirty="0"/>
-              <a:t>→ </a:t>
-            </a:r>
-            <a:r>
-              <a:rPr lang="ko-KR" altLang="en-US" dirty="0"/>
-              <a:t>연결된 원격 저장소 목록과 별명</a:t>
-            </a:r>
-            <a:r>
-              <a:rPr lang="en-US" altLang="ko-KR" dirty="0"/>
-              <a:t>(origin </a:t>
-            </a:r>
-            <a:r>
-              <a:rPr lang="ko-KR" altLang="en-US" dirty="0"/>
-              <a:t>등</a:t>
-            </a:r>
-            <a:r>
-              <a:rPr lang="en-US" altLang="ko-KR" dirty="0"/>
-              <a:t>)</a:t>
-            </a:r>
-            <a:r>
-              <a:rPr lang="ko-KR" altLang="en-US" dirty="0"/>
-              <a:t>을 확인할 수 있어요</a:t>
-            </a:r>
-            <a:r>
-              <a:rPr lang="en-US" altLang="ko-KR" dirty="0"/>
-              <a:t>.</a:t>
-            </a:r>
-          </a:p>
-          <a:p>
-            <a:endParaRPr lang="en-US" altLang="ko-KR" dirty="0"/>
-          </a:p>
-          <a:p>
-            <a:r>
-              <a:rPr lang="en-US" altLang="ko-KR" dirty="0"/>
-              <a:t>fetch   </a:t>
-            </a:r>
-            <a:r>
-              <a:rPr lang="en-US" altLang="ko-KR" b="1" dirty="0"/>
-              <a:t>GitHub</a:t>
-            </a:r>
-            <a:r>
-              <a:rPr lang="ko-KR" altLang="en-US" b="1" dirty="0"/>
-              <a:t>에서 내 로컬로 가져오는 용도</a:t>
-            </a:r>
-            <a:r>
-              <a:rPr lang="ko-KR" altLang="en-US" dirty="0"/>
-              <a:t> </a:t>
-            </a:r>
-            <a:r>
-              <a:rPr lang="en-US" altLang="ko-KR" dirty="0"/>
-              <a:t>(</a:t>
-            </a:r>
-            <a:r>
-              <a:rPr lang="ko-KR" altLang="en-US" dirty="0"/>
-              <a:t>예</a:t>
-            </a:r>
-            <a:r>
-              <a:rPr lang="en-US" altLang="ko-KR" dirty="0"/>
-              <a:t>: git pull)</a:t>
-            </a:r>
-          </a:p>
-          <a:p>
-            <a:r>
-              <a:rPr lang="en-US" altLang="ko-KR" dirty="0"/>
-              <a:t>push   </a:t>
-            </a:r>
-            <a:r>
-              <a:rPr lang="ko-KR" altLang="en-US" b="1" dirty="0"/>
-              <a:t>내 로컬에서 </a:t>
-            </a:r>
-            <a:r>
-              <a:rPr lang="en-US" altLang="ko-KR" b="1" dirty="0"/>
-              <a:t>GitHub</a:t>
-            </a:r>
-            <a:r>
-              <a:rPr lang="ko-KR" altLang="en-US" b="1" dirty="0"/>
-              <a:t>로 올리는 용도</a:t>
-            </a:r>
-            <a:r>
-              <a:rPr lang="ko-KR" altLang="en-US" dirty="0"/>
-              <a:t> </a:t>
-            </a:r>
-            <a:r>
-              <a:rPr lang="en-US" altLang="ko-KR" dirty="0"/>
-              <a:t>(</a:t>
-            </a:r>
-            <a:r>
-              <a:rPr lang="ko-KR" altLang="en-US" dirty="0"/>
-              <a:t>예</a:t>
-            </a:r>
-            <a:r>
-              <a:rPr lang="en-US" altLang="ko-KR" dirty="0"/>
-              <a:t>: git push)</a:t>
-            </a:r>
-          </a:p>
-          <a:p>
-            <a:r>
-              <a:rPr lang="ko-KR" altLang="en-US" dirty="0"/>
-              <a:t>보통은 두 주소가 </a:t>
-            </a:r>
-            <a:r>
-              <a:rPr lang="ko-KR" altLang="en-US" b="1" dirty="0"/>
-              <a:t>같지만</a:t>
-            </a:r>
-            <a:r>
-              <a:rPr lang="en-US" altLang="ko-KR" dirty="0"/>
-              <a:t>,</a:t>
-            </a:r>
-            <a:br>
-              <a:rPr lang="en-US" altLang="ko-KR" dirty="0"/>
-            </a:br>
-            <a:r>
-              <a:rPr lang="en-US" altLang="ko-KR" dirty="0"/>
-              <a:t>Git</a:t>
-            </a:r>
-            <a:r>
-              <a:rPr lang="ko-KR" altLang="en-US" dirty="0"/>
-              <a:t>은 </a:t>
-            </a:r>
-            <a:r>
-              <a:rPr lang="en-US" altLang="ko-KR" b="1" dirty="0"/>
-              <a:t>fetch</a:t>
-            </a:r>
-            <a:r>
-              <a:rPr lang="ko-KR" altLang="en-US" b="1" dirty="0"/>
-              <a:t>용 </a:t>
-            </a:r>
-            <a:r>
-              <a:rPr lang="en-US" altLang="ko-KR" b="1" dirty="0"/>
-              <a:t>URL</a:t>
-            </a:r>
-            <a:r>
-              <a:rPr lang="ko-KR" altLang="en-US" dirty="0"/>
-              <a:t>과 </a:t>
-            </a:r>
-            <a:r>
-              <a:rPr lang="en-US" altLang="ko-KR" b="1" dirty="0"/>
-              <a:t>push</a:t>
-            </a:r>
-            <a:r>
-              <a:rPr lang="ko-KR" altLang="en-US" b="1" dirty="0"/>
-              <a:t>용 </a:t>
-            </a:r>
-            <a:r>
-              <a:rPr lang="en-US" altLang="ko-KR" b="1" dirty="0"/>
-              <a:t>URL</a:t>
-            </a:r>
-            <a:r>
-              <a:rPr lang="ko-KR" altLang="en-US" dirty="0"/>
-              <a:t>을 </a:t>
-            </a:r>
-            <a:r>
-              <a:rPr lang="ko-KR" altLang="en-US" b="1" dirty="0"/>
-              <a:t>따로 설정할 수 있는 기능</a:t>
-            </a:r>
-            <a:r>
-              <a:rPr lang="ko-KR" altLang="en-US" dirty="0"/>
-              <a:t>을 지원합니다</a:t>
-            </a:r>
-            <a:r>
-              <a:rPr lang="en-US" altLang="ko-KR" dirty="0"/>
-              <a:t>.</a:t>
-            </a:r>
-            <a:endParaRPr lang="ko-KR" altLang="en-US" dirty="0"/>
-          </a:p>
-          <a:p>
             <a:endParaRPr lang="ko-KR" altLang="en-US" dirty="0"/>
           </a:p>
         </p:txBody>
@@ -5960,59 +3807,7 @@
           <a:bodyPr/>
           <a:lstStyle/>
           <a:p>
-            <a:r>
-              <a:rPr lang="ko-KR" altLang="en-US" b="0" i="0" dirty="0">
-                <a:solidFill>
-                  <a:srgbClr val="1F1F1F"/>
-                </a:solidFill>
-                <a:effectLst/>
-                <a:highlight>
-                  <a:srgbClr val="FFFFFF"/>
-                </a:highlight>
-                <a:latin typeface="Arial" panose="020B0604020202020204" pitchFamily="34" charset="0"/>
-              </a:rPr>
-              <a:t>스냅샷은 데이터 전체를 복사하는 것이 아니라 </a:t>
-            </a:r>
-            <a:r>
-              <a:rPr lang="ko-KR" altLang="en-US" b="0" i="0" dirty="0">
-                <a:solidFill>
-                  <a:srgbClr val="040C28"/>
-                </a:solidFill>
-                <a:effectLst/>
-                <a:latin typeface="Arial" panose="020B0604020202020204" pitchFamily="34" charset="0"/>
-              </a:rPr>
-              <a:t>특정 시점의 데이터 이미지를 생성하여 저장하는 방식</a:t>
-            </a:r>
-            <a:endParaRPr lang="en-US" altLang="ko-KR" b="0" i="0" dirty="0">
-              <a:solidFill>
-                <a:srgbClr val="040C28"/>
-              </a:solidFill>
-              <a:effectLst/>
-              <a:latin typeface="Arial" panose="020B0604020202020204" pitchFamily="34" charset="0"/>
-            </a:endParaRPr>
-          </a:p>
-          <a:p>
-            <a:endParaRPr lang="en-US" altLang="ko-KR" b="0" i="0" dirty="0">
-              <a:solidFill>
-                <a:srgbClr val="040C28"/>
-              </a:solidFill>
-              <a:effectLst/>
-              <a:latin typeface="Arial" panose="020B0604020202020204" pitchFamily="34" charset="0"/>
-            </a:endParaRPr>
-          </a:p>
-          <a:p>
-            <a:r>
-              <a:rPr lang="ko-KR" altLang="en-US" dirty="0"/>
-              <a:t>파일은 파일에 </a:t>
-            </a:r>
-            <a:r>
-              <a:rPr lang="ko-KR" altLang="en-US" dirty="0" err="1"/>
-              <a:t>아무내용이</a:t>
-            </a:r>
-            <a:r>
-              <a:rPr lang="ko-KR" altLang="en-US" dirty="0"/>
-              <a:t> 없어도 올라감</a:t>
-            </a:r>
+            <a:endParaRPr lang="ko-KR" altLang="en-US" dirty="0"/>
           </a:p>
         </p:txBody>
       </p:sp>
@@ -6096,22 +3891,6 @@
           <a:bodyPr/>
           <a:lstStyle/>
           <a:p>
-            <a:r>
-              <a:rPr lang="ko-KR" altLang="en-US" dirty="0"/>
-              <a:t>터미널 명령어 </a:t>
-            </a:r>
-            <a:r>
-              <a:rPr lang="ko-KR" altLang="en-US" dirty="0" err="1"/>
-              <a:t>입력시</a:t>
-            </a:r>
-            <a:r>
-              <a:rPr lang="ko-KR" altLang="en-US" dirty="0"/>
-              <a:t> 띄어쓰기 주의</a:t>
-            </a:r>
-            <a:r>
-              <a:rPr lang="en-US" altLang="ko-KR" dirty="0"/>
-              <a:t>!!!</a:t>
-            </a:r>
             <a:endParaRPr lang="ko-KR" altLang="en-US" dirty="0"/>
           </a:p>
         </p:txBody>
@@ -6280,804 +4059,6 @@
           <a:bodyPr/>
           <a:lstStyle/>
           <a:p>
-            <a:r>
-              <a:rPr lang="en-US" altLang="ko-KR" dirty="0"/>
-              <a:t>touch</a:t>
-            </a:r>
-            <a:r>
-              <a:rPr lang="ko-KR" altLang="en-US" dirty="0"/>
-              <a:t>로 </a:t>
-            </a:r>
-            <a:r>
-              <a:rPr lang="en-US" altLang="ko-KR" dirty="0" err="1"/>
-              <a:t>gitignore</a:t>
-            </a:r>
-            <a:r>
-              <a:rPr lang="en-US" altLang="ko-KR" baseline="0" dirty="0"/>
-              <a:t> </a:t>
-            </a:r>
-            <a:r>
-              <a:rPr lang="ko-KR" altLang="en-US" baseline="0" dirty="0"/>
-              <a:t>만들어보기</a:t>
-            </a:r>
-            <a:endParaRPr lang="en-US" altLang="ko-KR" baseline="0" dirty="0"/>
-          </a:p>
-          <a:p>
-            <a:r>
-              <a:rPr lang="ko-KR" altLang="en-US" baseline="0" dirty="0"/>
-              <a:t>그리고 폴더 만든 뒤 제외 시키고 </a:t>
-            </a:r>
-            <a:r>
-              <a:rPr lang="ko-KR" altLang="en-US" baseline="0" dirty="0" err="1"/>
-              <a:t>보내보기</a:t>
-            </a:r>
-            <a:br>
-              <a:rPr lang="en-US" altLang="ko-KR" dirty="0"/>
-            </a:br>
-            <a:br>
-              <a:rPr lang="en-US" altLang="ko-KR" dirty="0"/>
-            </a:br>
-            <a:r>
-              <a:rPr lang="en-US" altLang="ko-KR" dirty="0" err="1"/>
-              <a:t>git</a:t>
-            </a:r>
-            <a:r>
-              <a:rPr lang="en-US" altLang="ko-KR" dirty="0"/>
-              <a:t> branch -M main</a:t>
-            </a:r>
-          </a:p>
-          <a:p>
-            <a:r>
-              <a:rPr lang="en-US" altLang="ko-KR" dirty="0"/>
-              <a:t>-M</a:t>
-            </a:r>
-            <a:r>
-              <a:rPr lang="ko-KR" altLang="en-US" dirty="0"/>
-              <a:t>은 강제로 </a:t>
-            </a:r>
-            <a:r>
-              <a:rPr lang="ko-KR" altLang="en-US" dirty="0" err="1"/>
-              <a:t>브랜치</a:t>
-            </a:r>
-            <a:r>
-              <a:rPr lang="ko-KR" altLang="en-US" dirty="0"/>
-              <a:t> 이름 변경 </a:t>
-            </a:r>
-            <a:r>
-              <a:rPr lang="en-US" altLang="ko-KR" dirty="0"/>
-              <a:t>(</a:t>
-            </a:r>
-            <a:r>
-              <a:rPr lang="ko-KR" altLang="en-US" dirty="0"/>
-              <a:t>기존 </a:t>
-            </a:r>
-            <a:r>
-              <a:rPr lang="en-US" altLang="ko-KR" dirty="0"/>
-              <a:t>master → main)</a:t>
-            </a:r>
-          </a:p>
-          <a:p>
-            <a:endParaRPr lang="en-US" altLang="ko-KR" dirty="0"/>
-          </a:p>
-          <a:p>
-            <a:r>
-              <a:rPr lang="en-US" altLang="ko-KR" dirty="0" err="1"/>
-              <a:t>git</a:t>
-            </a:r>
-            <a:r>
-              <a:rPr lang="en-US" altLang="ko-KR" dirty="0"/>
-              <a:t> push -u origin main</a:t>
-            </a:r>
-          </a:p>
-          <a:p>
-            <a:r>
-              <a:rPr lang="en-US" altLang="ko-KR" dirty="0" err="1"/>
-              <a:t>git</a:t>
-            </a:r>
-            <a:r>
-              <a:rPr lang="en-US" altLang="ko-KR" dirty="0"/>
-              <a:t> push -u origin master</a:t>
-            </a:r>
-          </a:p>
-          <a:p>
-            <a:endParaRPr lang="en-US" altLang="ko-KR" dirty="0"/>
-          </a:p>
-          <a:p>
-            <a:r>
-              <a:rPr lang="en-US" altLang="ko-KR" b="1" dirty="0"/>
-              <a:t>-u = --set-upstream </a:t>
-            </a:r>
-            <a:r>
-              <a:rPr lang="ko-KR" altLang="en-US" b="1" dirty="0"/>
-              <a:t>옵션의 </a:t>
-            </a:r>
-            <a:r>
-              <a:rPr lang="ko-KR" altLang="en-US" b="1" dirty="0" err="1"/>
-              <a:t>줄임말</a:t>
-            </a:r>
-            <a:br>
-              <a:rPr lang="ko-KR" altLang="en-US" dirty="0"/>
-            </a:br>
-            <a:r>
-              <a:rPr lang="ko-KR" altLang="en-US" dirty="0"/>
-              <a:t>→ </a:t>
-            </a:r>
-            <a:r>
-              <a:rPr lang="ko-KR" altLang="en-US" b="1" dirty="0"/>
-              <a:t>이 </a:t>
-            </a:r>
-            <a:r>
-              <a:rPr lang="ko-KR" altLang="en-US" b="1" dirty="0" err="1"/>
-              <a:t>브랜치와</a:t>
-            </a:r>
-            <a:r>
-              <a:rPr lang="ko-KR" altLang="en-US" b="1" dirty="0"/>
-              <a:t> 원격 </a:t>
-            </a:r>
-            <a:r>
-              <a:rPr lang="ko-KR" altLang="en-US" b="1" dirty="0" err="1"/>
-              <a:t>브랜치를</a:t>
-            </a:r>
-            <a:r>
-              <a:rPr lang="ko-KR" altLang="en-US" b="1" dirty="0"/>
-              <a:t> 연결</a:t>
-            </a:r>
-            <a:r>
-              <a:rPr lang="en-US" altLang="ko-KR" b="1" dirty="0"/>
-              <a:t>(tracking)</a:t>
-            </a:r>
-            <a:r>
-              <a:rPr lang="ko-KR" altLang="en-US" b="1" dirty="0"/>
-              <a:t>해줘</a:t>
-            </a:r>
-            <a:r>
-              <a:rPr lang="en-US" altLang="ko-KR" b="1" dirty="0"/>
-              <a:t>!</a:t>
-            </a:r>
-            <a:r>
-              <a:rPr lang="ko-KR" altLang="en-US" dirty="0"/>
-              <a:t> 라는 뜻입니다</a:t>
-            </a:r>
-            <a:r>
-              <a:rPr lang="en-US" altLang="ko-KR" dirty="0"/>
-              <a:t>.</a:t>
-            </a:r>
-          </a:p>
-          <a:p>
-            <a:r>
-              <a:rPr lang="en-US" altLang="ko-KR" dirty="0"/>
-              <a:t>push</a:t>
-            </a:r>
-            <a:r>
-              <a:rPr lang="ko-KR" altLang="en-US" dirty="0"/>
-              <a:t>하면서 </a:t>
-            </a:r>
-            <a:r>
-              <a:rPr lang="ko-KR" altLang="en-US" b="1" dirty="0"/>
-              <a:t>로컬의 </a:t>
-            </a:r>
-            <a:r>
-              <a:rPr lang="en-US" altLang="ko-KR" b="1" dirty="0"/>
-              <a:t>main </a:t>
-            </a:r>
-            <a:r>
-              <a:rPr lang="ko-KR" altLang="en-US" b="1" dirty="0" err="1"/>
-              <a:t>브랜치가</a:t>
-            </a:r>
-            <a:r>
-              <a:rPr lang="ko-KR" altLang="en-US" b="1" dirty="0"/>
-              <a:t> 원격 </a:t>
-            </a:r>
-            <a:r>
-              <a:rPr lang="en-US" altLang="ko-KR" b="1" dirty="0"/>
-              <a:t>origin/main</a:t>
-            </a:r>
-            <a:r>
-              <a:rPr lang="ko-KR" altLang="en-US" b="1" dirty="0"/>
-              <a:t>과 연결됨</a:t>
-            </a:r>
-            <a:endParaRPr lang="en-US" altLang="ko-KR" b="1" dirty="0"/>
-          </a:p>
-          <a:p>
-            <a:endParaRPr lang="en-US" altLang="ko-KR" dirty="0"/>
-          </a:p>
-          <a:p>
-            <a:r>
-              <a:rPr lang="ko-KR" altLang="en-US" b="1" dirty="0"/>
-              <a:t>그럼 </a:t>
-            </a:r>
-            <a:r>
-              <a:rPr lang="en-US" altLang="ko-KR" b="1" dirty="0"/>
-              <a:t>"Tracking Branch(</a:t>
-            </a:r>
-            <a:r>
-              <a:rPr lang="ko-KR" altLang="en-US" b="1" dirty="0" err="1"/>
-              <a:t>트래킹</a:t>
-            </a:r>
-            <a:r>
-              <a:rPr lang="ko-KR" altLang="en-US" b="1" dirty="0"/>
-              <a:t> </a:t>
-            </a:r>
-            <a:r>
-              <a:rPr lang="ko-KR" altLang="en-US" b="1" dirty="0" err="1"/>
-              <a:t>브랜치</a:t>
-            </a:r>
-            <a:r>
-              <a:rPr lang="en-US" altLang="ko-KR" b="1" dirty="0"/>
-              <a:t>)"</a:t>
-            </a:r>
-            <a:r>
-              <a:rPr lang="ko-KR" altLang="en-US" b="1" dirty="0"/>
-              <a:t>가 뭐예요</a:t>
-            </a:r>
-            <a:r>
-              <a:rPr lang="en-US" altLang="ko-KR" b="1" dirty="0"/>
-              <a:t>?</a:t>
-            </a:r>
-          </a:p>
-          <a:p>
-            <a:r>
-              <a:rPr lang="ko-KR" altLang="en-US" b="1" dirty="0"/>
-              <a:t>로컬 </a:t>
-            </a:r>
-            <a:r>
-              <a:rPr lang="ko-KR" altLang="en-US" b="1" dirty="0" err="1"/>
-              <a:t>브랜치와</a:t>
-            </a:r>
-            <a:r>
-              <a:rPr lang="ko-KR" altLang="en-US" b="1" dirty="0"/>
-              <a:t> 원격 </a:t>
-            </a:r>
-            <a:r>
-              <a:rPr lang="ko-KR" altLang="en-US" b="1" dirty="0" err="1"/>
-              <a:t>브랜치를</a:t>
-            </a:r>
-            <a:r>
-              <a:rPr lang="ko-KR" altLang="en-US" b="1" dirty="0"/>
-              <a:t> 연결해주는 관계</a:t>
-            </a:r>
-            <a:endParaRPr lang="ko-KR" altLang="en-US" dirty="0"/>
-          </a:p>
-          <a:p>
-            <a:r>
-              <a:rPr lang="en-US" altLang="ko-KR" dirty="0"/>
-              <a:t>-u</a:t>
-            </a:r>
-            <a:r>
-              <a:rPr lang="ko-KR" altLang="en-US" dirty="0"/>
-              <a:t>를 사용하면 이후엔 굳이 </a:t>
-            </a:r>
-            <a:r>
-              <a:rPr lang="en-US" altLang="ko-KR" dirty="0"/>
-              <a:t>origin main </a:t>
-            </a:r>
-            <a:r>
-              <a:rPr lang="ko-KR" altLang="en-US" dirty="0"/>
-              <a:t>안 써도 됩니다</a:t>
-            </a:r>
-            <a:r>
-              <a:rPr lang="en-US" altLang="ko-KR" dirty="0"/>
-              <a:t>.</a:t>
-            </a:r>
-          </a:p>
-          <a:p>
-            <a:endParaRPr lang="en-US" altLang="ko-KR" dirty="0"/>
-          </a:p>
-          <a:p>
-            <a:r>
-              <a:rPr lang="ko-KR" altLang="en-US" b="1" dirty="0"/>
-              <a:t>✅ </a:t>
-            </a:r>
-            <a:r>
-              <a:rPr lang="en-US" altLang="ko-KR" b="1" dirty="0"/>
-              <a:t>origin</a:t>
-            </a:r>
-            <a:r>
-              <a:rPr lang="ko-KR" altLang="en-US" b="1" dirty="0"/>
-              <a:t>이란</a:t>
-            </a:r>
-            <a:r>
-              <a:rPr lang="en-US" altLang="ko-KR" b="1" dirty="0"/>
-              <a:t>?</a:t>
-            </a:r>
-          </a:p>
-          <a:p>
-            <a:r>
-              <a:rPr lang="ko-KR" altLang="en-US" b="1" dirty="0"/>
-              <a:t>원격 저장소</a:t>
-            </a:r>
-            <a:r>
-              <a:rPr lang="en-US" altLang="ko-KR" b="1" dirty="0"/>
-              <a:t>(Remote Repository)</a:t>
-            </a:r>
-            <a:r>
-              <a:rPr lang="ko-KR" altLang="en-US" b="1" dirty="0"/>
-              <a:t>의 </a:t>
-            </a:r>
-            <a:r>
-              <a:rPr lang="en-US" altLang="ko-KR" b="1" dirty="0"/>
-              <a:t>"</a:t>
-            </a:r>
-            <a:r>
-              <a:rPr lang="ko-KR" altLang="en-US" b="1" dirty="0"/>
-              <a:t>별명</a:t>
-            </a:r>
-            <a:r>
-              <a:rPr lang="en-US" altLang="ko-KR" b="1" dirty="0"/>
-              <a:t>(</a:t>
-            </a:r>
-            <a:r>
-              <a:rPr lang="ko-KR" altLang="en-US" b="1" dirty="0"/>
-              <a:t>이름</a:t>
-            </a:r>
-            <a:r>
-              <a:rPr lang="en-US" altLang="ko-KR" b="1" dirty="0"/>
-              <a:t>)"</a:t>
-            </a:r>
-            <a:r>
-              <a:rPr lang="ko-KR" altLang="en-US" b="1" dirty="0"/>
-              <a:t>입니다</a:t>
-            </a:r>
-            <a:r>
-              <a:rPr lang="en-US" altLang="ko-KR" b="1" dirty="0"/>
-              <a:t>.</a:t>
-            </a:r>
-            <a:endParaRPr lang="ko-KR" altLang="en-US" dirty="0"/>
-          </a:p>
-          <a:p>
-            <a:r>
-              <a:rPr lang="en-US" altLang="ko-KR" dirty="0" err="1"/>
-              <a:t>Git</a:t>
-            </a:r>
-            <a:r>
-              <a:rPr lang="ko-KR" altLang="en-US" dirty="0"/>
-              <a:t>에서 원격 저장소</a:t>
-            </a:r>
-            <a:r>
-              <a:rPr lang="en-US" altLang="ko-KR" dirty="0"/>
-              <a:t>(</a:t>
-            </a:r>
-            <a:r>
-              <a:rPr lang="ko-KR" altLang="en-US" dirty="0"/>
-              <a:t>예</a:t>
-            </a:r>
-            <a:r>
-              <a:rPr lang="en-US" altLang="ko-KR" dirty="0"/>
-              <a:t>: GitHub</a:t>
-            </a:r>
-            <a:r>
-              <a:rPr lang="ko-KR" altLang="en-US" dirty="0"/>
-              <a:t>에 있는 저장소</a:t>
-            </a:r>
-            <a:r>
-              <a:rPr lang="en-US" altLang="ko-KR" dirty="0"/>
-              <a:t>)</a:t>
-            </a:r>
-            <a:r>
-              <a:rPr lang="ko-KR" altLang="en-US" dirty="0"/>
-              <a:t>를 연결할 때</a:t>
-            </a:r>
-            <a:br>
-              <a:rPr lang="ko-KR" altLang="en-US" dirty="0"/>
-            </a:br>
-            <a:r>
-              <a:rPr lang="ko-KR" altLang="en-US" dirty="0"/>
-              <a:t>매번 긴 주소를 쓰기 불편하니까</a:t>
-            </a:r>
-            <a:r>
-              <a:rPr lang="en-US" altLang="ko-KR" dirty="0"/>
-              <a:t>,</a:t>
-            </a:r>
-            <a:br>
-              <a:rPr lang="en-US" altLang="ko-KR" dirty="0"/>
-            </a:br>
-            <a:r>
-              <a:rPr lang="ko-KR" altLang="en-US" b="1" dirty="0"/>
-              <a:t>짧은 별명을 하나 붙여두는 것</a:t>
-            </a:r>
-            <a:r>
-              <a:rPr lang="ko-KR" altLang="en-US" dirty="0"/>
-              <a:t>이에요</a:t>
-            </a:r>
-            <a:r>
-              <a:rPr lang="en-US" altLang="ko-KR" dirty="0"/>
-              <a:t>.</a:t>
-            </a:r>
-          </a:p>
-          <a:p>
-            <a:endParaRPr lang="en-US" altLang="ko-KR" dirty="0"/>
-          </a:p>
-          <a:p>
-            <a:r>
-              <a:rPr lang="ko-KR" altLang="en-US" b="1" dirty="0"/>
-              <a:t>✅ 그러면 </a:t>
-            </a:r>
-            <a:r>
-              <a:rPr lang="en-US" altLang="ko-KR" b="1" dirty="0"/>
-              <a:t>origin</a:t>
-            </a:r>
-            <a:r>
-              <a:rPr lang="ko-KR" altLang="en-US" b="1" dirty="0"/>
-              <a:t>은 뭘 의미하나요</a:t>
-            </a:r>
-            <a:r>
-              <a:rPr lang="en-US" altLang="ko-KR" b="1" dirty="0"/>
-              <a:t>?</a:t>
-            </a:r>
-          </a:p>
-          <a:p>
-            <a:r>
-              <a:rPr lang="en-US" altLang="ko-KR" dirty="0"/>
-              <a:t>"</a:t>
-            </a:r>
-            <a:r>
-              <a:rPr lang="ko-KR" altLang="en-US" dirty="0"/>
-              <a:t>이 </a:t>
-            </a:r>
-            <a:r>
-              <a:rPr lang="en-US" altLang="ko-KR" dirty="0"/>
-              <a:t>GitHub </a:t>
-            </a:r>
-            <a:r>
-              <a:rPr lang="ko-KR" altLang="en-US" dirty="0"/>
-              <a:t>주소를 </a:t>
-            </a:r>
-            <a:r>
-              <a:rPr lang="en-US" altLang="ko-KR" dirty="0"/>
-              <a:t>origin</a:t>
-            </a:r>
-            <a:r>
-              <a:rPr lang="ko-KR" altLang="en-US" dirty="0"/>
-              <a:t>이라고 부르자</a:t>
-            </a:r>
-            <a:r>
-              <a:rPr lang="en-US" altLang="ko-KR" dirty="0"/>
-              <a:t>" </a:t>
-            </a:r>
-            <a:r>
-              <a:rPr lang="ko-KR" altLang="en-US" dirty="0"/>
-              <a:t>라고 약속하는 거예요</a:t>
-            </a:r>
-            <a:r>
-              <a:rPr lang="en-US" altLang="ko-KR" dirty="0"/>
-              <a:t>.</a:t>
-            </a:r>
-          </a:p>
-          <a:p>
-            <a:endParaRPr lang="en-US" altLang="ko-KR" dirty="0"/>
-          </a:p>
-          <a:p>
-            <a:r>
-              <a:rPr lang="ko-KR" altLang="en-US" b="1" dirty="0"/>
-              <a:t>✅ 꼭 이름이 </a:t>
-            </a:r>
-            <a:r>
-              <a:rPr lang="en-US" altLang="ko-KR" b="1" dirty="0"/>
-              <a:t>origin</a:t>
-            </a:r>
-            <a:r>
-              <a:rPr lang="ko-KR" altLang="en-US" b="1" dirty="0"/>
-              <a:t>이어야 하나요</a:t>
-            </a:r>
-            <a:r>
-              <a:rPr lang="en-US" altLang="ko-KR" b="1" dirty="0"/>
-              <a:t>?</a:t>
-            </a:r>
-          </a:p>
-          <a:p>
-            <a:r>
-              <a:rPr lang="ko-KR" altLang="en-US" dirty="0"/>
-              <a:t>❌ 아닙니다</a:t>
-            </a:r>
-            <a:r>
-              <a:rPr lang="en-US" altLang="ko-KR" dirty="0"/>
-              <a:t>!</a:t>
-            </a:r>
-            <a:br>
-              <a:rPr lang="en-US" altLang="ko-KR" dirty="0"/>
-            </a:br>
-            <a:r>
-              <a:rPr lang="ko-KR" altLang="en-US" dirty="0"/>
-              <a:t>원한다면 다른 이름도 붙일 수 있습니다</a:t>
-            </a:r>
-            <a:r>
-              <a:rPr lang="en-US" altLang="ko-KR" dirty="0"/>
-              <a:t>.</a:t>
-            </a:r>
-          </a:p>
-          <a:p>
-            <a:r>
-              <a:rPr lang="ko-KR" altLang="en-US" dirty="0"/>
-              <a:t>예</a:t>
-            </a:r>
-            <a:r>
-              <a:rPr lang="en-US" altLang="ko-KR" dirty="0"/>
-              <a:t>:</a:t>
-            </a:r>
-          </a:p>
-          <a:p>
-            <a:r>
-              <a:rPr lang="en-US" altLang="ko-KR" dirty="0" err="1"/>
-              <a:t>git</a:t>
-            </a:r>
-            <a:r>
-              <a:rPr lang="en-US" altLang="ko-KR" dirty="0"/>
-              <a:t> remote add </a:t>
-            </a:r>
-            <a:r>
-              <a:rPr lang="en-US" altLang="ko-KR" dirty="0" err="1"/>
-              <a:t>github</a:t>
-            </a:r>
-            <a:r>
-              <a:rPr lang="en-US" altLang="ko-KR" dirty="0"/>
-              <a:t> https://github.com/Damon0527/TestSF5th.git </a:t>
-            </a:r>
-          </a:p>
-          <a:p>
-            <a:r>
-              <a:rPr lang="en-US" altLang="ko-KR" dirty="0" err="1"/>
-              <a:t>git</a:t>
-            </a:r>
-            <a:r>
-              <a:rPr lang="en-US" altLang="ko-KR" dirty="0"/>
-              <a:t> push </a:t>
-            </a:r>
-            <a:r>
-              <a:rPr lang="en-US" altLang="ko-KR" dirty="0" err="1"/>
-              <a:t>github</a:t>
-            </a:r>
-            <a:r>
-              <a:rPr lang="en-US" altLang="ko-KR" dirty="0"/>
-              <a:t> main </a:t>
-            </a:r>
-          </a:p>
-          <a:p>
-            <a:r>
-              <a:rPr lang="ko-KR" altLang="en-US" dirty="0"/>
-              <a:t>하지만 실무에서는 거의 다 </a:t>
-            </a:r>
-            <a:r>
-              <a:rPr lang="en-US" altLang="ko-KR" dirty="0"/>
-              <a:t>origin</a:t>
-            </a:r>
-            <a:r>
-              <a:rPr lang="ko-KR" altLang="en-US" dirty="0"/>
-              <a:t>을 쓰는 것이 </a:t>
-            </a:r>
-            <a:r>
-              <a:rPr lang="ko-KR" altLang="en-US" b="1" dirty="0" err="1"/>
-              <a:t>관례이자</a:t>
-            </a:r>
-            <a:r>
-              <a:rPr lang="ko-KR" altLang="en-US" b="1" dirty="0"/>
-              <a:t> 표준처럼 자리잡고</a:t>
-            </a:r>
-            <a:r>
-              <a:rPr lang="ko-KR" altLang="en-US" dirty="0"/>
-              <a:t> 있어서</a:t>
-            </a:r>
-            <a:br>
-              <a:rPr lang="ko-KR" altLang="en-US" dirty="0"/>
-            </a:br>
-            <a:r>
-              <a:rPr lang="ko-KR" altLang="en-US" dirty="0"/>
-              <a:t>학생들에게도 기본은 </a:t>
-            </a:r>
-            <a:r>
-              <a:rPr lang="en-US" altLang="ko-KR" dirty="0"/>
-              <a:t>origin</a:t>
-            </a:r>
-            <a:r>
-              <a:rPr lang="ko-KR" altLang="en-US" dirty="0"/>
-              <a:t>으로 알려주는 것이 좋습니다</a:t>
-            </a:r>
-            <a:r>
-              <a:rPr lang="en-US" altLang="ko-KR" dirty="0"/>
-              <a:t>.</a:t>
-            </a:r>
-          </a:p>
-          <a:p>
-            <a:endParaRPr lang="en-US" altLang="ko-KR" dirty="0"/>
-          </a:p>
-          <a:p>
-            <a:r>
-              <a:rPr lang="ko-KR" altLang="en-US" b="1" dirty="0"/>
-              <a:t>✅ 확인하고 싶다면</a:t>
-            </a:r>
-            <a:r>
-              <a:rPr lang="en-US" altLang="ko-KR" b="1" dirty="0"/>
-              <a:t>? </a:t>
-            </a:r>
-            <a:r>
-              <a:rPr lang="en-US" altLang="ko-KR" dirty="0" err="1"/>
-              <a:t>git</a:t>
-            </a:r>
-            <a:r>
-              <a:rPr lang="en-US" altLang="ko-KR" dirty="0"/>
-              <a:t> remote -v </a:t>
-            </a:r>
-          </a:p>
-          <a:p>
-            <a:r>
-              <a:rPr lang="en-US" altLang="ko-KR" dirty="0"/>
-              <a:t>→ </a:t>
-            </a:r>
-            <a:r>
-              <a:rPr lang="ko-KR" altLang="en-US" dirty="0"/>
-              <a:t>연결된 원격 저장소 목록과 별명</a:t>
-            </a:r>
-            <a:r>
-              <a:rPr lang="en-US" altLang="ko-KR" dirty="0"/>
-              <a:t>(origin </a:t>
-            </a:r>
-            <a:r>
-              <a:rPr lang="ko-KR" altLang="en-US" dirty="0"/>
-              <a:t>등</a:t>
-            </a:r>
-            <a:r>
-              <a:rPr lang="en-US" altLang="ko-KR" dirty="0"/>
-              <a:t>)</a:t>
-            </a:r>
-            <a:r>
-              <a:rPr lang="ko-KR" altLang="en-US" dirty="0"/>
-              <a:t>을 확인할 수 있어요</a:t>
-            </a:r>
-            <a:r>
-              <a:rPr lang="en-US" altLang="ko-KR" dirty="0"/>
-              <a:t>.</a:t>
-            </a:r>
-          </a:p>
-          <a:p>
-            <a:endParaRPr lang="en-US" altLang="ko-KR" dirty="0"/>
-          </a:p>
-          <a:p>
-            <a:r>
-              <a:rPr lang="en-US" altLang="ko-KR" dirty="0"/>
-              <a:t>fetch   </a:t>
-            </a:r>
-            <a:r>
-              <a:rPr lang="en-US" altLang="ko-KR" b="1" dirty="0"/>
-              <a:t>GitHub</a:t>
-            </a:r>
-            <a:r>
-              <a:rPr lang="ko-KR" altLang="en-US" b="1" dirty="0"/>
-              <a:t>에서 내 로컬로 가져오는 용도</a:t>
-            </a:r>
-            <a:r>
-              <a:rPr lang="ko-KR" altLang="en-US" dirty="0"/>
-              <a:t> </a:t>
-            </a:r>
-            <a:r>
-              <a:rPr lang="en-US" altLang="ko-KR" dirty="0"/>
-              <a:t>(</a:t>
-            </a:r>
-            <a:r>
-              <a:rPr lang="ko-KR" altLang="en-US" dirty="0"/>
-              <a:t>예</a:t>
-            </a:r>
-            <a:r>
-              <a:rPr lang="en-US" altLang="ko-KR" dirty="0"/>
-              <a:t>: </a:t>
-            </a:r>
-            <a:r>
-              <a:rPr lang="en-US" altLang="ko-KR" dirty="0" err="1"/>
-              <a:t>git</a:t>
-            </a:r>
-            <a:r>
-              <a:rPr lang="en-US" altLang="ko-KR" dirty="0"/>
-              <a:t> pull)</a:t>
-            </a:r>
-          </a:p>
-          <a:p>
-            <a:r>
-              <a:rPr lang="en-US" altLang="ko-KR" dirty="0"/>
-              <a:t>push   </a:t>
-            </a:r>
-            <a:r>
-              <a:rPr lang="ko-KR" altLang="en-US" b="1" dirty="0"/>
-              <a:t>내 로컬에서 </a:t>
-            </a:r>
-            <a:r>
-              <a:rPr lang="en-US" altLang="ko-KR" b="1" dirty="0"/>
-              <a:t>GitHub</a:t>
-            </a:r>
-            <a:r>
-              <a:rPr lang="ko-KR" altLang="en-US" b="1" dirty="0"/>
-              <a:t>로 올리는 용도</a:t>
-            </a:r>
-            <a:r>
-              <a:rPr lang="ko-KR" altLang="en-US" dirty="0"/>
-              <a:t> </a:t>
-            </a:r>
-            <a:r>
-              <a:rPr lang="en-US" altLang="ko-KR" dirty="0"/>
-              <a:t>(</a:t>
-            </a:r>
-            <a:r>
-              <a:rPr lang="ko-KR" altLang="en-US" dirty="0"/>
-              <a:t>예</a:t>
-            </a:r>
-            <a:r>
-              <a:rPr lang="en-US" altLang="ko-KR" dirty="0"/>
-              <a:t>: </a:t>
-            </a:r>
-            <a:r>
-              <a:rPr lang="en-US" altLang="ko-KR" dirty="0" err="1"/>
-              <a:t>git</a:t>
-            </a:r>
-            <a:r>
-              <a:rPr lang="en-US" altLang="ko-KR" dirty="0"/>
-              <a:t> push)</a:t>
-            </a:r>
-          </a:p>
-          <a:p>
-            <a:r>
-              <a:rPr lang="ko-KR" altLang="en-US" dirty="0"/>
-              <a:t>보통은 두 주소가 </a:t>
-            </a:r>
-            <a:r>
-              <a:rPr lang="ko-KR" altLang="en-US" b="1" dirty="0"/>
-              <a:t>같지만</a:t>
-            </a:r>
-            <a:r>
-              <a:rPr lang="en-US" altLang="ko-KR" dirty="0"/>
-              <a:t>,</a:t>
-            </a:r>
-            <a:br>
-              <a:rPr lang="en-US" altLang="ko-KR" dirty="0"/>
-            </a:br>
-            <a:r>
-              <a:rPr lang="en-US" altLang="ko-KR" dirty="0" err="1"/>
-              <a:t>Git</a:t>
-            </a:r>
-            <a:r>
-              <a:rPr lang="ko-KR" altLang="en-US" dirty="0"/>
-              <a:t>은 </a:t>
-            </a:r>
-            <a:r>
-              <a:rPr lang="en-US" altLang="ko-KR" b="1" dirty="0"/>
-              <a:t>fetch</a:t>
-            </a:r>
-            <a:r>
-              <a:rPr lang="ko-KR" altLang="en-US" b="1" dirty="0"/>
-              <a:t>용 </a:t>
-            </a:r>
-            <a:r>
-              <a:rPr lang="en-US" altLang="ko-KR" b="1" dirty="0"/>
-              <a:t>URL</a:t>
-            </a:r>
-            <a:r>
-              <a:rPr lang="ko-KR" altLang="en-US" dirty="0"/>
-              <a:t>과 </a:t>
-            </a:r>
-            <a:r>
-              <a:rPr lang="en-US" altLang="ko-KR" b="1" dirty="0"/>
-              <a:t>push</a:t>
-            </a:r>
-            <a:r>
-              <a:rPr lang="ko-KR" altLang="en-US" b="1" dirty="0"/>
-              <a:t>용 </a:t>
-            </a:r>
-            <a:r>
-              <a:rPr lang="en-US" altLang="ko-KR" b="1" dirty="0"/>
-              <a:t>URL</a:t>
-            </a:r>
-            <a:r>
-              <a:rPr lang="ko-KR" altLang="en-US" dirty="0"/>
-              <a:t>을 </a:t>
-            </a:r>
-            <a:r>
-              <a:rPr lang="ko-KR" altLang="en-US" b="1" dirty="0"/>
-              <a:t>따로 설정할 수 있는 기능</a:t>
-            </a:r>
-            <a:r>
-              <a:rPr lang="ko-KR" altLang="en-US" dirty="0"/>
-              <a:t>을 지원합니다</a:t>
-            </a:r>
-            <a:r>
-              <a:rPr lang="en-US" altLang="ko-KR" dirty="0"/>
-              <a:t>.</a:t>
-            </a:r>
             <a:endParaRPr lang="ko-KR" altLang="en-US" dirty="0"/>
           </a:p>
         </p:txBody>
@@ -7333,82 +4314,6 @@
           <a:bodyPr/>
           <a:lstStyle/>
           <a:p>
-            <a:pPr marL="0" marR="0" lvl="0" indent="0" algn="l" defTabSz="914400" rtl="0" eaLnBrk="1" fontAlgn="auto" latinLnBrk="1" hangingPunct="1">
-              <a:lnSpc>
-                <a:spcPct val="100000"/>
-              </a:lnSpc>
-              <a:spcBef>
-                <a:spcPts val="0"/>
-              </a:spcBef>
-              <a:spcAft>
-                <a:spcPts val="0"/>
-              </a:spcAft>
-              <a:buClrTx/>
-              <a:buSzTx/>
-              <a:buFontTx/>
-              <a:buNone/>
-              <a:tabLst/>
-              <a:defRPr/>
-            </a:pPr>
-            <a:r>
-              <a:rPr lang="ko-KR" altLang="en-US" dirty="0">
-                <a:latin typeface="G마켓 산스 TTF Light" panose="02000000000000000000" pitchFamily="2" charset="-127"/>
-                <a:ea typeface="G마켓 산스 TTF Light" panose="02000000000000000000" pitchFamily="2" charset="-127"/>
-              </a:rPr>
-              <a:t>실무에 가면 </a:t>
-            </a:r>
-            <a:r>
-              <a:rPr lang="en-US" altLang="ko-KR" dirty="0">
-                <a:latin typeface="G마켓 산스 TTF Light" panose="02000000000000000000" pitchFamily="2" charset="-127"/>
-                <a:ea typeface="G마켓 산스 TTF Light" panose="02000000000000000000" pitchFamily="2" charset="-127"/>
-              </a:rPr>
-              <a:t>“000</a:t>
-            </a:r>
-            <a:r>
-              <a:rPr lang="ko-KR" altLang="en-US" dirty="0" err="1">
-                <a:latin typeface="G마켓 산스 TTF Light" panose="02000000000000000000" pitchFamily="2" charset="-127"/>
-                <a:ea typeface="G마켓 산스 TTF Light" panose="02000000000000000000" pitchFamily="2" charset="-127"/>
-              </a:rPr>
-              <a:t>브랜치</a:t>
-            </a:r>
-            <a:r>
-              <a:rPr lang="ko-KR" altLang="en-US" dirty="0">
-                <a:latin typeface="G마켓 산스 TTF Light" panose="02000000000000000000" pitchFamily="2" charset="-127"/>
-                <a:ea typeface="G마켓 산스 TTF Light" panose="02000000000000000000" pitchFamily="2" charset="-127"/>
-              </a:rPr>
-              <a:t> </a:t>
-            </a:r>
-            <a:r>
-              <a:rPr lang="ko-KR" altLang="en-US" dirty="0" err="1">
-                <a:latin typeface="G마켓 산스 TTF Light" panose="02000000000000000000" pitchFamily="2" charset="-127"/>
-                <a:ea typeface="G마켓 산스 TTF Light" panose="02000000000000000000" pitchFamily="2" charset="-127"/>
-              </a:rPr>
-              <a:t>풀하세요</a:t>
-            </a:r>
-            <a:r>
-              <a:rPr lang="en-US" altLang="ko-KR" dirty="0">
-                <a:latin typeface="G마켓 산스 TTF Light" panose="02000000000000000000" pitchFamily="2" charset="-127"/>
-                <a:ea typeface="G마켓 산스 TTF Light" panose="02000000000000000000" pitchFamily="2" charset="-127"/>
-              </a:rPr>
-              <a:t>”</a:t>
-            </a:r>
-            <a:r>
-              <a:rPr lang="ko-KR" altLang="en-US" dirty="0">
-                <a:latin typeface="G마켓 산스 TTF Light" panose="02000000000000000000" pitchFamily="2" charset="-127"/>
-                <a:ea typeface="G마켓 산스 TTF Light" panose="02000000000000000000" pitchFamily="2" charset="-127"/>
-              </a:rPr>
-              <a:t> 라고 합니다</a:t>
-            </a:r>
-            <a:r>
-              <a:rPr lang="en-US" altLang="ko-KR" dirty="0">
-                <a:latin typeface="G마켓 산스 TTF Light" panose="02000000000000000000" pitchFamily="2" charset="-127"/>
-                <a:ea typeface="G마켓 산스 TTF Light" panose="02000000000000000000" pitchFamily="2" charset="-127"/>
-              </a:rPr>
-              <a:t>.</a:t>
-            </a:r>
-            <a:endParaRPr lang="en-US" altLang="ko-KR" dirty="0"/>
-          </a:p>
-          <a:p>
             <a:endParaRPr lang="ko-KR" altLang="en-US" dirty="0"/>
           </a:p>
         </p:txBody>
@@ -7577,125 +4482,6 @@
           <a:bodyPr/>
           <a:lstStyle/>
           <a:p>
-            <a:r>
-              <a:rPr lang="ko-KR" altLang="en-US" dirty="0" err="1"/>
-              <a:t>실무에가면</a:t>
-            </a:r>
-            <a:r>
-              <a:rPr lang="ko-KR" altLang="en-US" dirty="0"/>
-              <a:t> 깃 </a:t>
-            </a:r>
-            <a:r>
-              <a:rPr lang="ko-KR" altLang="en-US" dirty="0" err="1"/>
-              <a:t>클론하세요</a:t>
-            </a:r>
-            <a:r>
-              <a:rPr lang="ko-KR" altLang="en-US" dirty="0"/>
-              <a:t> </a:t>
-            </a:r>
-            <a:r>
-              <a:rPr lang="ko-KR" altLang="en-US" dirty="0" err="1"/>
-              <a:t>라고</a:t>
-            </a:r>
-            <a:r>
-              <a:rPr lang="ko-KR" altLang="en-US" dirty="0"/>
-              <a:t> 합니다</a:t>
-            </a:r>
-            <a:endParaRPr lang="en-US" altLang="ko-KR" dirty="0"/>
-          </a:p>
-          <a:p>
-            <a:endParaRPr lang="en-US" altLang="ko-KR" dirty="0"/>
-          </a:p>
-          <a:p>
-            <a:r>
-              <a:rPr lang="ko-KR" altLang="en-US" dirty="0"/>
-              <a:t>마지막의 </a:t>
-            </a:r>
-            <a:r>
-              <a:rPr lang="en-US" altLang="ko-KR" dirty="0"/>
-              <a:t>.</a:t>
-            </a:r>
-            <a:r>
-              <a:rPr lang="ko-KR" altLang="en-US" dirty="0"/>
-              <a:t>은 **</a:t>
-            </a:r>
-            <a:r>
-              <a:rPr lang="en-US" altLang="ko-KR" dirty="0"/>
-              <a:t>"</a:t>
-            </a:r>
-            <a:r>
-              <a:rPr lang="ko-KR" altLang="en-US" dirty="0"/>
-              <a:t>현재 폴더에 복제하겠다</a:t>
-            </a:r>
-            <a:r>
-              <a:rPr lang="en-US" altLang="ko-KR" dirty="0"/>
-              <a:t>"**</a:t>
-            </a:r>
-            <a:r>
-              <a:rPr lang="ko-KR" altLang="en-US" dirty="0"/>
-              <a:t>는 뜻입니다</a:t>
-            </a:r>
-            <a:r>
-              <a:rPr lang="en-US" altLang="ko-KR" dirty="0"/>
-              <a:t>.</a:t>
-            </a:r>
-          </a:p>
-          <a:p>
-            <a:r>
-              <a:rPr lang="en-US" altLang="ko-KR" dirty="0" err="1"/>
-              <a:t>git</a:t>
-            </a:r>
-            <a:r>
-              <a:rPr lang="en-US" altLang="ko-KR" dirty="0"/>
-              <a:t> clone ... .</a:t>
-            </a:r>
-            <a:r>
-              <a:rPr lang="ko-KR" altLang="en-US" dirty="0"/>
-              <a:t>에서 </a:t>
-            </a:r>
-            <a:r>
-              <a:rPr lang="en-US" altLang="ko-KR" dirty="0"/>
-              <a:t>.</a:t>
-            </a:r>
-            <a:r>
-              <a:rPr lang="ko-KR" altLang="en-US" dirty="0"/>
-              <a:t>은 **</a:t>
-            </a:r>
-            <a:r>
-              <a:rPr lang="en-US" altLang="ko-KR" dirty="0"/>
-              <a:t>"</a:t>
-            </a:r>
-            <a:r>
-              <a:rPr lang="ko-KR" altLang="en-US" dirty="0"/>
-              <a:t>지금 폴더에 바로 저장소를 복제해줘</a:t>
-            </a:r>
-            <a:r>
-              <a:rPr lang="en-US" altLang="ko-KR" dirty="0"/>
-              <a:t>!"**</a:t>
-            </a:r>
-            <a:r>
-              <a:rPr lang="ko-KR" altLang="en-US" dirty="0"/>
-              <a:t>라는 의미이며</a:t>
-            </a:r>
-            <a:r>
-              <a:rPr lang="en-US" altLang="ko-KR" dirty="0"/>
-              <a:t>,</a:t>
-            </a:r>
-            <a:br>
-              <a:rPr lang="en-US" altLang="ko-KR" dirty="0"/>
-            </a:br>
-            <a:r>
-              <a:rPr lang="ko-KR" altLang="en-US" dirty="0"/>
-              <a:t>이를 쓰지 않으면 </a:t>
-            </a:r>
-            <a:r>
-              <a:rPr lang="ko-KR" altLang="en-US" b="1" dirty="0"/>
-              <a:t>원격 저장소 이름으로 폴더가 새로 생깁니다</a:t>
-            </a:r>
-            <a:r>
-              <a:rPr lang="en-US" altLang="ko-KR" b="1" dirty="0"/>
-              <a:t>.</a:t>
-            </a:r>
             <a:endParaRPr lang="ko-KR" altLang="en-US" dirty="0"/>
           </a:p>
         </p:txBody>
@@ -7952,390 +4738,7 @@
               <a:buFont typeface="Symbol" panose="05050102010706020507" pitchFamily="18" charset="2"/>
               <a:buChar char="Þ"/>
             </a:pPr>
-            <a:r>
-              <a:rPr lang="ko-KR" altLang="en-US" dirty="0"/>
-              <a:t>방법</a:t>
-            </a:r>
-            <a:r>
-              <a:rPr lang="en-US" altLang="ko-KR" dirty="0"/>
-              <a:t>1 </a:t>
-            </a:r>
-            <a:r>
-              <a:rPr lang="ko-KR" altLang="en-US" dirty="0" err="1"/>
-              <a:t>진행후</a:t>
-            </a:r>
-            <a:r>
-              <a:rPr lang="ko-KR" altLang="en-US" dirty="0"/>
-              <a:t> </a:t>
-            </a:r>
-            <a:r>
-              <a:rPr lang="en-US" altLang="ko-KR" dirty="0" err="1"/>
-              <a:t>git</a:t>
-            </a:r>
-            <a:r>
-              <a:rPr lang="en-US" altLang="ko-KR" dirty="0"/>
-              <a:t>-test</a:t>
-            </a:r>
-            <a:r>
-              <a:rPr lang="ko-KR" altLang="en-US" dirty="0"/>
-              <a:t>의 파일 수정 후 </a:t>
-            </a:r>
-            <a:r>
-              <a:rPr lang="en-US" altLang="ko-KR" dirty="0" err="1"/>
-              <a:t>git</a:t>
-            </a:r>
-            <a:r>
-              <a:rPr lang="en-US" altLang="ko-KR" dirty="0"/>
-              <a:t>-clone </a:t>
-            </a:r>
-            <a:r>
-              <a:rPr lang="ko-KR" altLang="en-US" dirty="0"/>
-              <a:t>폴더에서 </a:t>
-            </a:r>
-            <a:r>
-              <a:rPr lang="en-US" altLang="ko-KR" dirty="0"/>
-              <a:t>pull</a:t>
-            </a:r>
-          </a:p>
-          <a:p>
-            <a:endParaRPr lang="en-US" altLang="ko-KR" dirty="0"/>
-          </a:p>
-          <a:p>
-            <a:r>
-              <a:rPr lang="en-US" altLang="ko-KR" dirty="0"/>
-              <a:t>head</a:t>
-            </a:r>
-            <a:r>
-              <a:rPr lang="ko-KR" altLang="en-US" dirty="0"/>
-              <a:t>에 대해서는 뒤에서 설명</a:t>
-            </a:r>
-            <a:r>
-              <a:rPr lang="en-US" altLang="ko-KR" dirty="0"/>
-              <a:t>. </a:t>
-            </a:r>
-            <a:r>
-              <a:rPr lang="ko-KR" altLang="en-US" dirty="0"/>
-              <a:t>지금은 최신 </a:t>
-            </a:r>
-            <a:r>
-              <a:rPr lang="ko-KR" altLang="en-US" dirty="0" err="1"/>
-              <a:t>커밋을</a:t>
-            </a:r>
-            <a:r>
-              <a:rPr lang="ko-KR" altLang="en-US" dirty="0"/>
-              <a:t> 가리키고 있는 상태로 </a:t>
-            </a:r>
-            <a:r>
-              <a:rPr lang="ko-KR" altLang="en-US" dirty="0" err="1"/>
-              <a:t>이해하면됨</a:t>
-            </a:r>
-            <a:r>
-              <a:rPr lang="en-US" altLang="ko-KR" dirty="0"/>
-              <a:t>.</a:t>
-            </a:r>
-          </a:p>
-          <a:p>
-            <a:r>
-              <a:rPr lang="en-US" altLang="ko-KR" dirty="0"/>
-              <a:t>origin/HEAD</a:t>
-            </a:r>
-            <a:r>
-              <a:rPr lang="ko-KR" altLang="en-US" dirty="0"/>
-              <a:t>가 </a:t>
-            </a:r>
-            <a:r>
-              <a:rPr lang="ko-KR" altLang="en-US" dirty="0" err="1"/>
-              <a:t>없을때는</a:t>
-            </a:r>
-            <a:r>
-              <a:rPr lang="ko-KR" altLang="en-US" dirty="0"/>
-              <a:t> </a:t>
-            </a:r>
-            <a:r>
-              <a:rPr lang="en-US" altLang="ko-KR" dirty="0"/>
-              <a:t>cache</a:t>
-            </a:r>
-            <a:r>
-              <a:rPr lang="ko-KR" altLang="en-US" dirty="0"/>
-              <a:t>문제로 </a:t>
-            </a:r>
-            <a:r>
-              <a:rPr lang="en-US" altLang="ko-KR" dirty="0" err="1"/>
-              <a:t>git</a:t>
-            </a:r>
-            <a:r>
-              <a:rPr lang="en-US" altLang="ko-KR" dirty="0"/>
-              <a:t> remote set-head origin –a </a:t>
-            </a:r>
-            <a:r>
-              <a:rPr lang="ko-KR" altLang="en-US" dirty="0" err="1"/>
-              <a:t>써주면됨</a:t>
-            </a:r>
-            <a:endParaRPr lang="en-US" altLang="ko-KR" dirty="0"/>
-          </a:p>
-          <a:p>
-            <a:endParaRPr lang="en-US" altLang="ko-KR" dirty="0"/>
-          </a:p>
-          <a:p>
-            <a:pPr marL="171450" indent="-171450">
-              <a:buFont typeface="Arial" panose="020B0604020202020204" pitchFamily="34" charset="0"/>
-              <a:buChar char="•"/>
-            </a:pPr>
-            <a:r>
-              <a:rPr lang="en-US" altLang="ko-KR" baseline="0" dirty="0"/>
-              <a:t>HEAD </a:t>
-            </a:r>
-            <a:r>
-              <a:rPr lang="ko-KR" altLang="en-US" baseline="0" dirty="0"/>
-              <a:t>란</a:t>
-            </a:r>
-            <a:r>
-              <a:rPr lang="en-US" altLang="ko-KR" baseline="0" dirty="0"/>
-              <a:t>?</a:t>
-            </a:r>
-          </a:p>
-          <a:p>
-            <a:pPr marL="0" indent="0">
-              <a:buFontTx/>
-              <a:buNone/>
-            </a:pPr>
-            <a:r>
-              <a:rPr lang="en-US" altLang="ko-KR" baseline="0" dirty="0"/>
-              <a:t>- </a:t>
-            </a:r>
-            <a:r>
-              <a:rPr lang="ko-KR" altLang="en-US" baseline="0" dirty="0"/>
-              <a:t>현재 내 작업 위치를 가리키는 </a:t>
-            </a:r>
-            <a:r>
-              <a:rPr lang="en-US" altLang="ko-KR" baseline="0" dirty="0"/>
-              <a:t>‘</a:t>
-            </a:r>
-            <a:r>
-              <a:rPr lang="ko-KR" altLang="en-US" baseline="0" dirty="0"/>
-              <a:t>화살표</a:t>
-            </a:r>
-            <a:r>
-              <a:rPr lang="en-US" altLang="ko-KR" baseline="0" dirty="0"/>
-              <a:t>‘ </a:t>
-            </a:r>
-            <a:r>
-              <a:rPr lang="ko-KR" altLang="en-US" baseline="0" dirty="0"/>
-              <a:t>같은 개념</a:t>
-            </a:r>
-            <a:r>
-              <a:rPr lang="en-US" altLang="ko-KR" baseline="0" dirty="0"/>
-              <a:t>.</a:t>
-            </a:r>
-          </a:p>
-          <a:p>
-            <a:pPr marL="171450" indent="-171450">
-              <a:buFontTx/>
-              <a:buChar char="-"/>
-            </a:pPr>
-            <a:r>
-              <a:rPr lang="ko-KR" altLang="en-US" dirty="0"/>
-              <a:t>현재 내가 바라보고 있는</a:t>
-            </a:r>
-            <a:r>
-              <a:rPr lang="en-US" altLang="ko-KR" dirty="0"/>
-              <a:t>(</a:t>
-            </a:r>
-            <a:r>
-              <a:rPr lang="ko-KR" altLang="en-US" dirty="0"/>
-              <a:t>작업 중인</a:t>
-            </a:r>
-            <a:r>
-              <a:rPr lang="en-US" altLang="ko-KR" dirty="0"/>
-              <a:t>) </a:t>
-            </a:r>
-            <a:r>
-              <a:rPr lang="ko-KR" altLang="en-US" dirty="0" err="1"/>
-              <a:t>브랜치의</a:t>
-            </a:r>
-            <a:r>
-              <a:rPr lang="ko-KR" altLang="en-US" dirty="0"/>
-              <a:t> 가장 최신 </a:t>
-            </a:r>
-            <a:r>
-              <a:rPr lang="ko-KR" altLang="en-US" dirty="0" err="1"/>
-              <a:t>커밋을</a:t>
-            </a:r>
-            <a:r>
-              <a:rPr lang="ko-KR" altLang="en-US" dirty="0"/>
-              <a:t> 가리키는 포인터</a:t>
-            </a:r>
-            <a:r>
-              <a:rPr lang="en-US" altLang="ko-KR" dirty="0"/>
-              <a:t>(pointer)</a:t>
-            </a:r>
-          </a:p>
-          <a:p>
-            <a:pPr marL="171450" indent="-171450">
-              <a:buFontTx/>
-              <a:buChar char="-"/>
-            </a:pPr>
-            <a:r>
-              <a:rPr lang="ko-KR" altLang="en-US" dirty="0"/>
-              <a:t>즉</a:t>
-            </a:r>
-            <a:r>
-              <a:rPr lang="en-US" altLang="ko-KR" dirty="0"/>
-              <a:t>, </a:t>
-            </a:r>
-            <a:r>
-              <a:rPr lang="ko-KR" altLang="en-US" dirty="0"/>
-              <a:t>지금 내가 어디에서 작업하고 있는지를 </a:t>
-            </a:r>
-            <a:r>
-              <a:rPr lang="en-US" altLang="ko-KR" dirty="0" err="1"/>
-              <a:t>Git</a:t>
-            </a:r>
-            <a:r>
-              <a:rPr lang="ko-KR" altLang="en-US" dirty="0"/>
-              <a:t>이 기억하고 있게 해주는 </a:t>
-            </a:r>
-            <a:r>
-              <a:rPr lang="en-US" altLang="ko-KR" b="1" dirty="0"/>
-              <a:t>"</a:t>
-            </a:r>
-            <a:r>
-              <a:rPr lang="ko-KR" altLang="en-US" b="1" dirty="0"/>
-              <a:t>화살표</a:t>
-            </a:r>
-            <a:r>
-              <a:rPr lang="en-US" altLang="ko-KR" b="1" dirty="0"/>
-              <a:t>" </a:t>
-            </a:r>
-            <a:r>
-              <a:rPr lang="ko-KR" altLang="en-US" b="1" dirty="0"/>
-              <a:t>같은 역할</a:t>
-            </a:r>
-            <a:r>
-              <a:rPr lang="ko-KR" altLang="en-US" dirty="0"/>
-              <a:t>입니다</a:t>
-            </a:r>
-            <a:r>
-              <a:rPr lang="en-US" altLang="ko-KR" dirty="0"/>
-              <a:t>.</a:t>
-            </a:r>
-          </a:p>
-          <a:p>
-            <a:pPr marL="171450" indent="-171450">
-              <a:buFontTx/>
-              <a:buChar char="-"/>
-            </a:pPr>
-            <a:endParaRPr lang="en-US" altLang="ko-KR" dirty="0"/>
-          </a:p>
-          <a:p>
-            <a:pPr marL="171450" indent="-171450">
-              <a:buFontTx/>
-              <a:buChar char="-"/>
-            </a:pPr>
-            <a:r>
-              <a:rPr lang="en-US" altLang="ko-KR" dirty="0"/>
-              <a:t>HEAD -&gt; main </a:t>
-            </a:r>
-            <a:r>
-              <a:rPr lang="en-US" altLang="ko-KR" dirty="0">
-                <a:sym typeface="Wingdings" panose="05000000000000000000" pitchFamily="2" charset="2"/>
-              </a:rPr>
-              <a:t> </a:t>
-            </a:r>
-            <a:r>
-              <a:rPr lang="ko-KR" altLang="en-US" dirty="0"/>
-              <a:t>지금 내가 </a:t>
-            </a:r>
-            <a:r>
-              <a:rPr lang="en-US" altLang="ko-KR" dirty="0"/>
-              <a:t>main </a:t>
-            </a:r>
-            <a:r>
-              <a:rPr lang="ko-KR" altLang="en-US" dirty="0" err="1"/>
-              <a:t>브랜치</a:t>
-            </a:r>
-            <a:r>
-              <a:rPr lang="ko-KR" altLang="en-US" dirty="0"/>
-              <a:t> 위에 있음</a:t>
-            </a:r>
-            <a:endParaRPr lang="en-US" altLang="ko-KR" dirty="0"/>
-          </a:p>
-          <a:p>
-            <a:pPr marL="171450" indent="-171450">
-              <a:buFontTx/>
-              <a:buChar char="-"/>
-            </a:pPr>
-            <a:r>
-              <a:rPr lang="en-US" altLang="ko-KR" dirty="0"/>
-              <a:t>origin/main </a:t>
-            </a:r>
-            <a:r>
-              <a:rPr lang="en-US" altLang="ko-KR" baseline="0" dirty="0"/>
-              <a:t> </a:t>
-            </a:r>
-            <a:r>
-              <a:rPr lang="en-US" altLang="ko-KR" baseline="0" dirty="0">
-                <a:sym typeface="Wingdings" panose="05000000000000000000" pitchFamily="2" charset="2"/>
-              </a:rPr>
-              <a:t> </a:t>
-            </a:r>
-            <a:r>
-              <a:rPr lang="ko-KR" altLang="en-US" dirty="0"/>
-              <a:t>원격 저장소의 </a:t>
-            </a:r>
-            <a:r>
-              <a:rPr lang="en-US" altLang="ko-KR" dirty="0"/>
-              <a:t>main </a:t>
-            </a:r>
-            <a:r>
-              <a:rPr lang="ko-KR" altLang="en-US" dirty="0" err="1"/>
-              <a:t>브랜치</a:t>
-            </a:r>
-            <a:r>
-              <a:rPr lang="ko-KR" altLang="en-US" dirty="0"/>
-              <a:t> 최신 위치</a:t>
-            </a:r>
-            <a:endParaRPr lang="en-US" altLang="ko-KR" dirty="0"/>
-          </a:p>
-          <a:p>
-            <a:pPr marL="171450" indent="-171450">
-              <a:buFontTx/>
-              <a:buChar char="-"/>
-            </a:pPr>
-            <a:r>
-              <a:rPr lang="en-US" altLang="ko-KR" dirty="0"/>
-              <a:t>origin/HEAD  </a:t>
-            </a:r>
-            <a:r>
-              <a:rPr lang="en-US" altLang="ko-KR" dirty="0">
-                <a:sym typeface="Wingdings" panose="05000000000000000000" pitchFamily="2" charset="2"/>
-              </a:rPr>
-              <a:t> </a:t>
-            </a:r>
-            <a:r>
-              <a:rPr lang="en-US" altLang="ko-KR" dirty="0"/>
-              <a:t>GitHub </a:t>
-            </a:r>
-            <a:r>
-              <a:rPr lang="ko-KR" altLang="en-US" dirty="0"/>
-              <a:t>쪽에서도 기본 </a:t>
-            </a:r>
-            <a:r>
-              <a:rPr lang="ko-KR" altLang="en-US" dirty="0" err="1"/>
-              <a:t>브랜치가</a:t>
-            </a:r>
-            <a:r>
-              <a:rPr lang="ko-KR" altLang="en-US" dirty="0"/>
-              <a:t> </a:t>
-            </a:r>
-            <a:r>
-              <a:rPr lang="en-US" altLang="ko-KR" dirty="0"/>
-              <a:t>main</a:t>
-            </a:r>
-            <a:r>
-              <a:rPr lang="ko-KR" altLang="en-US" dirty="0"/>
-              <a:t>으로 설정되어 있음</a:t>
-            </a:r>
+            <a:endParaRPr lang="ko-KR" altLang="en-US" dirty="0"/>
           </a:p>
         </p:txBody>
       </p:sp>
@@ -8419,18 +4822,7 @@
           <a:bodyPr/>
           <a:lstStyle/>
           <a:p>
-            <a:r>
-              <a:rPr lang="ko-KR" altLang="en-US" dirty="0"/>
-              <a:t>하나</a:t>
-            </a:r>
-            <a:r>
-              <a:rPr lang="en-US" altLang="ko-KR" dirty="0"/>
-              <a:t> </a:t>
-            </a:r>
-            <a:r>
-              <a:rPr lang="ko-KR" altLang="en-US" dirty="0"/>
-              <a:t>더 만들어보기</a:t>
-            </a:r>
+            <a:endParaRPr lang="ko-KR" altLang="en-US" dirty="0"/>
           </a:p>
         </p:txBody>
       </p:sp>
@@ -8598,416 +4990,6 @@
           <a:bodyPr/>
           <a:lstStyle/>
           <a:p>
-            <a:r>
-              <a:rPr lang="en-US" altLang="ko-KR" dirty="0"/>
-              <a:t>repo </a:t>
-            </a:r>
-            <a:r>
-              <a:rPr lang="ko-KR" altLang="en-US" dirty="0"/>
-              <a:t>항목은 꼭 체크해야 </a:t>
-            </a:r>
-            <a:r>
-              <a:rPr lang="en-US" altLang="ko-KR" dirty="0" err="1"/>
-              <a:t>git</a:t>
-            </a:r>
-            <a:r>
-              <a:rPr lang="en-US" altLang="ko-KR" dirty="0"/>
-              <a:t> clone, push</a:t>
-            </a:r>
-            <a:r>
-              <a:rPr lang="ko-KR" altLang="en-US" dirty="0"/>
-              <a:t>가 작동합니다</a:t>
-            </a:r>
-            <a:r>
-              <a:rPr lang="en-US" altLang="ko-KR" dirty="0"/>
-              <a:t>.</a:t>
-            </a:r>
-          </a:p>
-          <a:p>
-            <a:endParaRPr lang="en-US" altLang="ko-KR" dirty="0"/>
-          </a:p>
-          <a:p>
-            <a:r>
-              <a:rPr lang="ko-KR" altLang="en-US" dirty="0"/>
-              <a:t>생성된 토큰을 </a:t>
-            </a:r>
-            <a:r>
-              <a:rPr lang="ko-KR" altLang="en-US" b="1" dirty="0"/>
-              <a:t>즉시 복사</a:t>
-            </a:r>
-            <a:r>
-              <a:rPr lang="en-US" altLang="ko-KR" b="1" dirty="0"/>
-              <a:t>!</a:t>
-            </a:r>
-            <a:r>
-              <a:rPr lang="ko-KR" altLang="en-US" dirty="0"/>
-              <a:t> </a:t>
-            </a:r>
-            <a:r>
-              <a:rPr lang="en-US" altLang="ko-KR" dirty="0"/>
-              <a:t>(</a:t>
-            </a:r>
-            <a:r>
-              <a:rPr lang="ko-KR" altLang="en-US" dirty="0"/>
-              <a:t>다시 못 봅니다</a:t>
-            </a:r>
-            <a:r>
-              <a:rPr lang="en-US" altLang="ko-KR" dirty="0"/>
-              <a:t>)</a:t>
-            </a:r>
-          </a:p>
-          <a:p>
-            <a:endParaRPr lang="en-US" altLang="ko-KR" dirty="0"/>
-          </a:p>
-          <a:p>
-            <a:r>
-              <a:rPr lang="en-US" altLang="ko-KR" b="1" dirty="0"/>
-              <a:t>GitHub </a:t>
-            </a:r>
-            <a:r>
-              <a:rPr lang="ko-KR" altLang="en-US" b="1" dirty="0"/>
-              <a:t>인증 요청 시</a:t>
-            </a:r>
-            <a:r>
-              <a:rPr lang="en-US" altLang="ko-KR" b="1" dirty="0"/>
-              <a:t>:</a:t>
-            </a:r>
-          </a:p>
-          <a:p>
-            <a:r>
-              <a:rPr lang="en-US" altLang="ko-KR" b="1" dirty="0"/>
-              <a:t>Username</a:t>
-            </a:r>
-            <a:r>
-              <a:rPr lang="ko-KR" altLang="en-US" dirty="0"/>
-              <a:t>에는 → </a:t>
-            </a:r>
-            <a:r>
-              <a:rPr lang="en-US" altLang="ko-KR" dirty="0"/>
-              <a:t>GitHub </a:t>
-            </a:r>
-            <a:r>
-              <a:rPr lang="ko-KR" altLang="en-US" dirty="0"/>
-              <a:t>아이디</a:t>
-            </a:r>
-          </a:p>
-          <a:p>
-            <a:r>
-              <a:rPr lang="en-US" altLang="ko-KR" b="1" dirty="0"/>
-              <a:t>Password</a:t>
-            </a:r>
-            <a:r>
-              <a:rPr lang="ko-KR" altLang="en-US" dirty="0"/>
-              <a:t>에는 → **복사한 </a:t>
-            </a:r>
-            <a:r>
-              <a:rPr lang="en-US" altLang="ko-KR" dirty="0"/>
-              <a:t>PAT(</a:t>
-            </a:r>
-            <a:r>
-              <a:rPr lang="ko-KR" altLang="en-US" dirty="0"/>
-              <a:t>토큰</a:t>
-            </a:r>
-            <a:r>
-              <a:rPr lang="en-US" altLang="ko-KR" dirty="0"/>
-              <a:t>)**</a:t>
-            </a:r>
-            <a:r>
-              <a:rPr lang="ko-KR" altLang="en-US" dirty="0"/>
-              <a:t>을 </a:t>
-            </a:r>
-            <a:r>
-              <a:rPr lang="ko-KR" altLang="en-US" dirty="0" err="1"/>
-              <a:t>붙여넣기</a:t>
-            </a:r>
-            <a:r>
-              <a:rPr lang="en-US" altLang="ko-KR" dirty="0"/>
-              <a:t>!</a:t>
-            </a:r>
-          </a:p>
-          <a:p>
-            <a:endParaRPr lang="en-US" altLang="ko-KR" dirty="0"/>
-          </a:p>
-          <a:p>
-            <a:r>
-              <a:rPr lang="en-US" altLang="ko-KR" dirty="0"/>
-              <a:t> </a:t>
-            </a:r>
-            <a:r>
-              <a:rPr lang="en-US" altLang="ko-KR" dirty="0" err="1"/>
-              <a:t>git</a:t>
-            </a:r>
-            <a:r>
-              <a:rPr lang="en-US" altLang="ko-KR" dirty="0"/>
-              <a:t> clone https://github.com/</a:t>
-            </a:r>
-            <a:r>
-              <a:rPr lang="ko-KR" altLang="en-US" dirty="0"/>
-              <a:t>사용자명</a:t>
-            </a:r>
-            <a:r>
-              <a:rPr lang="en-US" altLang="ko-KR" dirty="0"/>
-              <a:t>/</a:t>
-            </a:r>
-            <a:r>
-              <a:rPr lang="ko-KR" altLang="en-US" dirty="0" err="1"/>
-              <a:t>저장소명</a:t>
-            </a:r>
-            <a:r>
-              <a:rPr lang="en-US" altLang="ko-KR" dirty="0"/>
-              <a:t>.</a:t>
-            </a:r>
-            <a:r>
-              <a:rPr lang="en-US" altLang="ko-KR" dirty="0" err="1"/>
-              <a:t>git</a:t>
-            </a:r>
-            <a:r>
-              <a:rPr lang="en-US" altLang="ko-KR" dirty="0"/>
-              <a:t> </a:t>
-            </a:r>
-          </a:p>
-          <a:p>
-            <a:r>
-              <a:rPr lang="en-US" altLang="ko-KR" dirty="0"/>
-              <a:t>Username: Damon0527 </a:t>
-            </a:r>
-          </a:p>
-          <a:p>
-            <a:r>
-              <a:rPr lang="en-US" altLang="ko-KR" dirty="0"/>
-              <a:t>Password: [</a:t>
-            </a:r>
-            <a:r>
-              <a:rPr lang="ko-KR" altLang="en-US" dirty="0"/>
-              <a:t>방금 복사한 </a:t>
-            </a:r>
-            <a:r>
-              <a:rPr lang="en-US" altLang="ko-KR" dirty="0"/>
-              <a:t>PAT]</a:t>
-            </a:r>
-          </a:p>
-          <a:p>
-            <a:endParaRPr lang="en-US" altLang="ko-KR" dirty="0"/>
-          </a:p>
-          <a:p>
-            <a:r>
-              <a:rPr lang="ko-KR" altLang="en-US" dirty="0"/>
-              <a:t>비공개 저장소를 </a:t>
-            </a:r>
-            <a:r>
-              <a:rPr lang="en-US" altLang="ko-KR" dirty="0" err="1"/>
-              <a:t>git</a:t>
-            </a:r>
-            <a:r>
-              <a:rPr lang="en-US" altLang="ko-KR" dirty="0"/>
-              <a:t> clone</a:t>
-            </a:r>
-            <a:r>
-              <a:rPr lang="ko-KR" altLang="en-US" dirty="0"/>
-              <a:t>하려고 할 때 </a:t>
-            </a:r>
-            <a:r>
-              <a:rPr lang="ko-KR" altLang="en-US" b="1" dirty="0"/>
-              <a:t>토큰을 누가 만들어야 하냐</a:t>
-            </a:r>
-            <a:r>
-              <a:rPr lang="en-US" altLang="ko-KR" b="1" dirty="0"/>
-              <a:t>?</a:t>
-            </a:r>
-            <a:br>
-              <a:rPr lang="ko-KR" altLang="en-US" dirty="0"/>
-            </a:br>
-            <a:r>
-              <a:rPr lang="ko-KR" altLang="en-US" dirty="0"/>
-              <a:t>👉 </a:t>
-            </a:r>
-            <a:r>
-              <a:rPr lang="ko-KR" altLang="en-US" b="1" dirty="0"/>
-              <a:t>내가 아니라</a:t>
-            </a:r>
-            <a:r>
-              <a:rPr lang="en-US" altLang="ko-KR" b="1" dirty="0"/>
-              <a:t>, </a:t>
-            </a:r>
-            <a:r>
-              <a:rPr lang="ko-KR" altLang="en-US" b="1" dirty="0"/>
-              <a:t>저장소 주인이 만든 토큰을 입력해야 하나요</a:t>
-            </a:r>
-            <a:r>
-              <a:rPr lang="en-US" altLang="ko-KR" b="1" dirty="0"/>
-              <a:t>?</a:t>
-            </a:r>
-            <a:endParaRPr lang="ko-KR" altLang="en-US" dirty="0"/>
-          </a:p>
-          <a:p>
-            <a:r>
-              <a:rPr lang="ko-KR" altLang="en-US" b="1" dirty="0"/>
-              <a:t>✅ 정답은</a:t>
-            </a:r>
-            <a:r>
-              <a:rPr lang="en-US" altLang="ko-KR" b="1" dirty="0"/>
-              <a:t>: ❌ </a:t>
-            </a:r>
-            <a:r>
-              <a:rPr lang="ko-KR" altLang="en-US" b="1" dirty="0"/>
-              <a:t>아니요</a:t>
-            </a:r>
-            <a:r>
-              <a:rPr lang="en-US" altLang="ko-KR" b="1" dirty="0"/>
-              <a:t>!</a:t>
-            </a:r>
-          </a:p>
-          <a:p>
-            <a:r>
-              <a:rPr lang="ko-KR" altLang="en-US" dirty="0"/>
-              <a:t>✅ </a:t>
-            </a:r>
-            <a:r>
-              <a:rPr lang="ko-KR" altLang="en-US" b="1" dirty="0"/>
-              <a:t>토큰은 </a:t>
-            </a:r>
-            <a:r>
-              <a:rPr lang="en-US" altLang="ko-KR" b="1" dirty="0"/>
-              <a:t>"</a:t>
-            </a:r>
-            <a:r>
-              <a:rPr lang="ko-KR" altLang="en-US" b="1" dirty="0"/>
-              <a:t>접근하려는 사람</a:t>
-            </a:r>
-            <a:r>
-              <a:rPr lang="en-US" altLang="ko-KR" b="1" dirty="0"/>
-              <a:t>", </a:t>
-            </a:r>
-            <a:r>
-              <a:rPr lang="ko-KR" altLang="en-US" b="1" dirty="0"/>
-              <a:t>즉 “내가” 만들어야 합니다</a:t>
-            </a:r>
-            <a:r>
-              <a:rPr lang="en-US" altLang="ko-KR" b="1" dirty="0"/>
-              <a:t>.</a:t>
-            </a:r>
-            <a:endParaRPr lang="ko-KR" altLang="en-US" dirty="0"/>
-          </a:p>
-          <a:p>
-            <a:endParaRPr lang="en-US" altLang="ko-KR" dirty="0"/>
-          </a:p>
-          <a:p>
-            <a:r>
-              <a:rPr lang="en-US" altLang="ko-KR" dirty="0"/>
-              <a:t>GitHub </a:t>
-            </a:r>
-            <a:r>
-              <a:rPr lang="ko-KR" altLang="en-US" dirty="0"/>
-              <a:t>토큰</a:t>
-            </a:r>
-            <a:r>
-              <a:rPr lang="en-US" altLang="ko-KR" dirty="0"/>
-              <a:t>(PAT)</a:t>
-            </a:r>
-            <a:r>
-              <a:rPr lang="ko-KR" altLang="en-US" dirty="0"/>
-              <a:t>은 </a:t>
-            </a:r>
-            <a:r>
-              <a:rPr lang="en-US" altLang="ko-KR" b="1" dirty="0"/>
-              <a:t>GitHub </a:t>
-            </a:r>
-            <a:r>
-              <a:rPr lang="ko-KR" altLang="en-US" b="1" dirty="0"/>
-              <a:t>로그인할 때 비밀번호를 대체하는 나만의 인증 수단</a:t>
-            </a:r>
-            <a:r>
-              <a:rPr lang="ko-KR" altLang="en-US" dirty="0"/>
-              <a:t>입니다</a:t>
-            </a:r>
-            <a:r>
-              <a:rPr lang="en-US" altLang="ko-KR" dirty="0"/>
-              <a:t>.</a:t>
-            </a:r>
-          </a:p>
-          <a:p>
-            <a:r>
-              <a:rPr lang="en-US" altLang="ko-KR" dirty="0"/>
-              <a:t>GitHub </a:t>
-            </a:r>
-            <a:r>
-              <a:rPr lang="ko-KR" altLang="en-US" dirty="0"/>
-              <a:t>서버는 “지금 로그인하려는 사람이 </a:t>
-            </a:r>
-            <a:r>
-              <a:rPr lang="ko-KR" altLang="en-US" dirty="0" err="1"/>
-              <a:t>누구인지”를</a:t>
-            </a:r>
-            <a:r>
-              <a:rPr lang="ko-KR" altLang="en-US" dirty="0"/>
-              <a:t> </a:t>
-            </a:r>
-            <a:r>
-              <a:rPr lang="ko-KR" altLang="en-US" b="1" dirty="0"/>
-              <a:t>내 토큰을 통해 식별</a:t>
-            </a:r>
-            <a:r>
-              <a:rPr lang="ko-KR" altLang="en-US" dirty="0"/>
-              <a:t>합니다</a:t>
-            </a:r>
-            <a:r>
-              <a:rPr lang="en-US" altLang="ko-KR" dirty="0"/>
-              <a:t>.</a:t>
-            </a:r>
-          </a:p>
-          <a:p>
-            <a:r>
-              <a:rPr lang="ko-KR" altLang="en-US" b="1" dirty="0"/>
-              <a:t>내 토큰을 입력해야 → 내 </a:t>
-            </a:r>
-            <a:r>
-              <a:rPr lang="en-US" altLang="ko-KR" b="1" dirty="0"/>
-              <a:t>GitHub </a:t>
-            </a:r>
-            <a:r>
-              <a:rPr lang="ko-KR" altLang="en-US" b="1" dirty="0"/>
-              <a:t>계정으로 인증이 되기 때문에</a:t>
-            </a:r>
-          </a:p>
-          <a:p>
-            <a:r>
-              <a:rPr lang="ko-KR" altLang="en-US" dirty="0"/>
-              <a:t>그 작업</a:t>
-            </a:r>
-            <a:r>
-              <a:rPr lang="en-US" altLang="ko-KR" dirty="0"/>
-              <a:t>(clone, push, pull)</a:t>
-            </a:r>
-            <a:r>
-              <a:rPr lang="ko-KR" altLang="en-US" dirty="0"/>
-              <a:t>을 </a:t>
-            </a:r>
-            <a:r>
-              <a:rPr lang="en-US" altLang="ko-KR" b="1" dirty="0"/>
-              <a:t>"</a:t>
-            </a:r>
-            <a:r>
-              <a:rPr lang="ko-KR" altLang="en-US" b="1" dirty="0"/>
-              <a:t>내가 했다</a:t>
-            </a:r>
-            <a:r>
-              <a:rPr lang="en-US" altLang="ko-KR" b="1" dirty="0"/>
-              <a:t>"</a:t>
-            </a:r>
-            <a:r>
-              <a:rPr lang="ko-KR" altLang="en-US" b="1" dirty="0"/>
-              <a:t>는 기록이 남습니다</a:t>
-            </a:r>
-            <a:r>
-              <a:rPr lang="en-US" altLang="ko-KR" b="1" dirty="0"/>
-              <a:t>.</a:t>
-            </a:r>
-            <a:endParaRPr lang="ko-KR" altLang="en-US" dirty="0"/>
-          </a:p>
-          <a:p>
-            <a:endParaRPr lang="en-US" altLang="ko-KR" dirty="0"/>
-          </a:p>
-          <a:p>
             <a:endParaRPr lang="ko-KR" altLang="en-US" dirty="0"/>
           </a:p>
         </p:txBody>
@@ -9092,210 +5074,6 @@
           <a:bodyPr/>
           <a:lstStyle/>
           <a:p>
-            <a:r>
-              <a:rPr lang="en-US" altLang="ko-KR" dirty="0" err="1"/>
-              <a:t>git</a:t>
-            </a:r>
-            <a:r>
-              <a:rPr lang="en-US" altLang="ko-KR" dirty="0"/>
-              <a:t> push -u origin main</a:t>
-            </a:r>
-          </a:p>
-          <a:p>
-            <a:r>
-              <a:rPr lang="en-US" altLang="ko-KR" dirty="0" err="1"/>
-              <a:t>git</a:t>
-            </a:r>
-            <a:r>
-              <a:rPr lang="en-US" altLang="ko-KR" dirty="0"/>
-              <a:t> push -u origin master</a:t>
-            </a:r>
-          </a:p>
-          <a:p>
-            <a:endParaRPr lang="en-US" altLang="ko-KR" dirty="0"/>
-          </a:p>
-          <a:p>
-            <a:r>
-              <a:rPr lang="en-US" altLang="ko-KR" b="1" dirty="0"/>
-              <a:t>-u = --set-upstream </a:t>
-            </a:r>
-            <a:r>
-              <a:rPr lang="ko-KR" altLang="en-US" b="1" dirty="0"/>
-              <a:t>옵션의 </a:t>
-            </a:r>
-            <a:r>
-              <a:rPr lang="ko-KR" altLang="en-US" b="1" dirty="0" err="1"/>
-              <a:t>줄임말</a:t>
-            </a:r>
-            <a:br>
-              <a:rPr lang="ko-KR" altLang="en-US" dirty="0"/>
-            </a:br>
-            <a:r>
-              <a:rPr lang="ko-KR" altLang="en-US" dirty="0"/>
-              <a:t>→ </a:t>
-            </a:r>
-            <a:r>
-              <a:rPr lang="ko-KR" altLang="en-US" b="1" dirty="0"/>
-              <a:t>이 </a:t>
-            </a:r>
-            <a:r>
-              <a:rPr lang="ko-KR" altLang="en-US" b="1" dirty="0" err="1"/>
-              <a:t>브랜치와</a:t>
-            </a:r>
-            <a:r>
-              <a:rPr lang="ko-KR" altLang="en-US" b="1" dirty="0"/>
-              <a:t> 원격 </a:t>
-            </a:r>
-            <a:r>
-              <a:rPr lang="ko-KR" altLang="en-US" b="1" dirty="0" err="1"/>
-              <a:t>브랜치를</a:t>
-            </a:r>
-            <a:r>
-              <a:rPr lang="ko-KR" altLang="en-US" b="1" dirty="0"/>
-              <a:t> 연결</a:t>
-            </a:r>
-            <a:r>
-              <a:rPr lang="en-US" altLang="ko-KR" b="1" dirty="0"/>
-              <a:t>(tracking)</a:t>
-            </a:r>
-            <a:r>
-              <a:rPr lang="ko-KR" altLang="en-US" b="1" dirty="0"/>
-              <a:t>해줘</a:t>
-            </a:r>
-            <a:r>
-              <a:rPr lang="en-US" altLang="ko-KR" b="1" dirty="0"/>
-              <a:t>!</a:t>
-            </a:r>
-            <a:r>
-              <a:rPr lang="ko-KR" altLang="en-US" dirty="0"/>
-              <a:t> 라는 뜻입니다</a:t>
-            </a:r>
-            <a:r>
-              <a:rPr lang="en-US" altLang="ko-KR" dirty="0"/>
-              <a:t>.</a:t>
-            </a:r>
-          </a:p>
-          <a:p>
-            <a:r>
-              <a:rPr lang="en-US" altLang="ko-KR" dirty="0"/>
-              <a:t>push</a:t>
-            </a:r>
-            <a:r>
-              <a:rPr lang="ko-KR" altLang="en-US" dirty="0"/>
-              <a:t>하면서 </a:t>
-            </a:r>
-            <a:r>
-              <a:rPr lang="ko-KR" altLang="en-US" b="1" dirty="0"/>
-              <a:t>로컬의 </a:t>
-            </a:r>
-            <a:r>
-              <a:rPr lang="en-US" altLang="ko-KR" b="1" dirty="0"/>
-              <a:t>main </a:t>
-            </a:r>
-            <a:r>
-              <a:rPr lang="ko-KR" altLang="en-US" b="1" dirty="0" err="1"/>
-              <a:t>브랜치가</a:t>
-            </a:r>
-            <a:r>
-              <a:rPr lang="ko-KR" altLang="en-US" b="1" dirty="0"/>
-              <a:t> 원격 </a:t>
-            </a:r>
-            <a:r>
-              <a:rPr lang="en-US" altLang="ko-KR" b="1" dirty="0"/>
-              <a:t>origin/main</a:t>
-            </a:r>
-            <a:r>
-              <a:rPr lang="ko-KR" altLang="en-US" b="1" dirty="0"/>
-              <a:t>과 연결됨</a:t>
-            </a:r>
-            <a:endParaRPr lang="en-US" altLang="ko-KR" b="1" dirty="0"/>
-          </a:p>
-          <a:p>
-            <a:endParaRPr lang="en-US" altLang="ko-KR" dirty="0"/>
-          </a:p>
-          <a:p>
-            <a:r>
-              <a:rPr lang="ko-KR" altLang="en-US" b="1" dirty="0"/>
-              <a:t>그럼 </a:t>
-            </a:r>
-            <a:r>
-              <a:rPr lang="en-US" altLang="ko-KR" b="1" dirty="0"/>
-              <a:t>"Tracking Branch(</a:t>
-            </a:r>
-            <a:r>
-              <a:rPr lang="ko-KR" altLang="en-US" b="1" dirty="0" err="1"/>
-              <a:t>트래킹</a:t>
-            </a:r>
-            <a:r>
-              <a:rPr lang="ko-KR" altLang="en-US" b="1" dirty="0"/>
-              <a:t> </a:t>
-            </a:r>
-            <a:r>
-              <a:rPr lang="ko-KR" altLang="en-US" b="1" dirty="0" err="1"/>
-              <a:t>브랜치</a:t>
-            </a:r>
-            <a:r>
-              <a:rPr lang="en-US" altLang="ko-KR" b="1" dirty="0"/>
-              <a:t>)"</a:t>
-            </a:r>
-            <a:r>
-              <a:rPr lang="ko-KR" altLang="en-US" b="1" dirty="0"/>
-              <a:t>가 뭐예요</a:t>
-            </a:r>
-            <a:r>
-              <a:rPr lang="en-US" altLang="ko-KR" b="1" dirty="0"/>
-              <a:t>?</a:t>
-            </a:r>
-          </a:p>
-          <a:p>
-            <a:r>
-              <a:rPr lang="ko-KR" altLang="en-US" b="1" dirty="0"/>
-              <a:t>로컬 </a:t>
-            </a:r>
-            <a:r>
-              <a:rPr lang="ko-KR" altLang="en-US" b="1" dirty="0" err="1"/>
-              <a:t>브랜치와</a:t>
-            </a:r>
-            <a:r>
-              <a:rPr lang="ko-KR" altLang="en-US" b="1" dirty="0"/>
-              <a:t> 원격 </a:t>
-            </a:r>
-            <a:r>
-              <a:rPr lang="ko-KR" altLang="en-US" b="1" dirty="0" err="1"/>
-              <a:t>브랜치를</a:t>
-            </a:r>
-            <a:r>
-              <a:rPr lang="ko-KR" altLang="en-US" b="1" dirty="0"/>
-              <a:t> 연결해주는 관계</a:t>
-            </a:r>
-            <a:endParaRPr lang="ko-KR" altLang="en-US" dirty="0"/>
-          </a:p>
-          <a:p>
-            <a:r>
-              <a:rPr lang="en-US" altLang="ko-KR" dirty="0"/>
-              <a:t>-u</a:t>
-            </a:r>
-            <a:r>
-              <a:rPr lang="ko-KR" altLang="en-US" dirty="0"/>
-              <a:t>를 사용하면 이후엔 굳이 </a:t>
-            </a:r>
-            <a:r>
-              <a:rPr lang="en-US" altLang="ko-KR" dirty="0"/>
-              <a:t>origin main </a:t>
-            </a:r>
-            <a:r>
-              <a:rPr lang="ko-KR" altLang="en-US" dirty="0"/>
-              <a:t>안 써도 됩니다</a:t>
-            </a:r>
-            <a:r>
-              <a:rPr lang="en-US" altLang="ko-KR" dirty="0"/>
-              <a:t>.</a:t>
-            </a:r>
-          </a:p>
-          <a:p>
-            <a:endParaRPr lang="en-US" altLang="ko-KR" dirty="0"/>
-          </a:p>
-          <a:p>
             <a:endParaRPr lang="ko-KR" altLang="en-US" dirty="0"/>
           </a:p>
         </p:txBody>
@@ -9380,523 +5158,6 @@
           <a:bodyPr/>
           <a:lstStyle/>
           <a:p>
-            <a:r>
-              <a:rPr lang="ko-KR" altLang="en-US" b="1" dirty="0"/>
-              <a:t>✅ </a:t>
-            </a:r>
-            <a:r>
-              <a:rPr lang="en-US" altLang="ko-KR" b="1" dirty="0"/>
-              <a:t>origin</a:t>
-            </a:r>
-            <a:r>
-              <a:rPr lang="ko-KR" altLang="en-US" b="1" dirty="0"/>
-              <a:t>이란</a:t>
-            </a:r>
-            <a:r>
-              <a:rPr lang="en-US" altLang="ko-KR" b="1" dirty="0"/>
-              <a:t>?</a:t>
-            </a:r>
-          </a:p>
-          <a:p>
-            <a:r>
-              <a:rPr lang="ko-KR" altLang="en-US" b="1" dirty="0"/>
-              <a:t>원격 저장소</a:t>
-            </a:r>
-            <a:r>
-              <a:rPr lang="en-US" altLang="ko-KR" b="1" dirty="0"/>
-              <a:t>(Remote Repository)</a:t>
-            </a:r>
-            <a:r>
-              <a:rPr lang="ko-KR" altLang="en-US" b="1" dirty="0"/>
-              <a:t>의 </a:t>
-            </a:r>
-            <a:r>
-              <a:rPr lang="en-US" altLang="ko-KR" b="1" dirty="0"/>
-              <a:t>"</a:t>
-            </a:r>
-            <a:r>
-              <a:rPr lang="ko-KR" altLang="en-US" b="1" dirty="0"/>
-              <a:t>별명</a:t>
-            </a:r>
-            <a:r>
-              <a:rPr lang="en-US" altLang="ko-KR" b="1" dirty="0"/>
-              <a:t>(</a:t>
-            </a:r>
-            <a:r>
-              <a:rPr lang="ko-KR" altLang="en-US" b="1" dirty="0"/>
-              <a:t>이름</a:t>
-            </a:r>
-            <a:r>
-              <a:rPr lang="en-US" altLang="ko-KR" b="1" dirty="0"/>
-              <a:t>)"</a:t>
-            </a:r>
-            <a:r>
-              <a:rPr lang="ko-KR" altLang="en-US" b="1" dirty="0"/>
-              <a:t>입니다</a:t>
-            </a:r>
-            <a:r>
-              <a:rPr lang="en-US" altLang="ko-KR" b="1" dirty="0"/>
-              <a:t>.</a:t>
-            </a:r>
-            <a:endParaRPr lang="ko-KR" altLang="en-US" dirty="0"/>
-          </a:p>
-          <a:p>
-            <a:r>
-              <a:rPr lang="en-US" altLang="ko-KR" dirty="0" err="1"/>
-              <a:t>Git</a:t>
-            </a:r>
-            <a:r>
-              <a:rPr lang="ko-KR" altLang="en-US" dirty="0"/>
-              <a:t>에서 원격 저장소</a:t>
-            </a:r>
-            <a:r>
-              <a:rPr lang="en-US" altLang="ko-KR" dirty="0"/>
-              <a:t>(</a:t>
-            </a:r>
-            <a:r>
-              <a:rPr lang="ko-KR" altLang="en-US" dirty="0"/>
-              <a:t>예</a:t>
-            </a:r>
-            <a:r>
-              <a:rPr lang="en-US" altLang="ko-KR" dirty="0"/>
-              <a:t>: GitHub</a:t>
-            </a:r>
-            <a:r>
-              <a:rPr lang="ko-KR" altLang="en-US" dirty="0"/>
-              <a:t>에 있는 저장소</a:t>
-            </a:r>
-            <a:r>
-              <a:rPr lang="en-US" altLang="ko-KR" dirty="0"/>
-              <a:t>)</a:t>
-            </a:r>
-            <a:r>
-              <a:rPr lang="ko-KR" altLang="en-US" dirty="0"/>
-              <a:t>를 연결할 때</a:t>
-            </a:r>
-            <a:br>
-              <a:rPr lang="ko-KR" altLang="en-US" dirty="0"/>
-            </a:br>
-            <a:r>
-              <a:rPr lang="ko-KR" altLang="en-US" dirty="0"/>
-              <a:t>매번 긴 주소를 쓰기 불편하니까</a:t>
-            </a:r>
-            <a:r>
-              <a:rPr lang="en-US" altLang="ko-KR" dirty="0"/>
-              <a:t>,</a:t>
-            </a:r>
-            <a:br>
-              <a:rPr lang="en-US" altLang="ko-KR" dirty="0"/>
-            </a:br>
-            <a:r>
-              <a:rPr lang="ko-KR" altLang="en-US" b="1" dirty="0"/>
-              <a:t>짧은 별명을 하나 붙여두는 것</a:t>
-            </a:r>
-            <a:r>
-              <a:rPr lang="ko-KR" altLang="en-US" dirty="0"/>
-              <a:t>이에요</a:t>
-            </a:r>
-            <a:r>
-              <a:rPr lang="en-US" altLang="ko-KR" dirty="0"/>
-              <a:t>.</a:t>
-            </a:r>
-          </a:p>
-          <a:p>
-            <a:endParaRPr lang="en-US" altLang="ko-KR" dirty="0"/>
-          </a:p>
-          <a:p>
-            <a:r>
-              <a:rPr lang="ko-KR" altLang="en-US" b="1" dirty="0"/>
-              <a:t>✅ 그러면 </a:t>
-            </a:r>
-            <a:r>
-              <a:rPr lang="en-US" altLang="ko-KR" b="1" dirty="0"/>
-              <a:t>origin</a:t>
-            </a:r>
-            <a:r>
-              <a:rPr lang="ko-KR" altLang="en-US" b="1" dirty="0"/>
-              <a:t>은 뭘 의미하나요</a:t>
-            </a:r>
-            <a:r>
-              <a:rPr lang="en-US" altLang="ko-KR" b="1" dirty="0"/>
-              <a:t>?</a:t>
-            </a:r>
-          </a:p>
-          <a:p>
-            <a:r>
-              <a:rPr lang="en-US" altLang="ko-KR" dirty="0"/>
-              <a:t>"</a:t>
-            </a:r>
-            <a:r>
-              <a:rPr lang="ko-KR" altLang="en-US" dirty="0"/>
-              <a:t>이 </a:t>
-            </a:r>
-            <a:r>
-              <a:rPr lang="en-US" altLang="ko-KR" dirty="0"/>
-              <a:t>GitHub </a:t>
-            </a:r>
-            <a:r>
-              <a:rPr lang="ko-KR" altLang="en-US" dirty="0"/>
-              <a:t>주소를 </a:t>
-            </a:r>
-            <a:r>
-              <a:rPr lang="en-US" altLang="ko-KR" dirty="0"/>
-              <a:t>origin</a:t>
-            </a:r>
-            <a:r>
-              <a:rPr lang="ko-KR" altLang="en-US" dirty="0"/>
-              <a:t>이라고 부르자</a:t>
-            </a:r>
-            <a:r>
-              <a:rPr lang="en-US" altLang="ko-KR" dirty="0"/>
-              <a:t>" </a:t>
-            </a:r>
-            <a:r>
-              <a:rPr lang="ko-KR" altLang="en-US" dirty="0"/>
-              <a:t>라고 약속하는 거예요</a:t>
-            </a:r>
-            <a:r>
-              <a:rPr lang="en-US" altLang="ko-KR" dirty="0"/>
-              <a:t>.</a:t>
-            </a:r>
-          </a:p>
-          <a:p>
-            <a:endParaRPr lang="en-US" altLang="ko-KR" dirty="0"/>
-          </a:p>
-          <a:p>
-            <a:r>
-              <a:rPr lang="ko-KR" altLang="en-US" b="1" dirty="0"/>
-              <a:t>✅ 꼭 이름이 </a:t>
-            </a:r>
-            <a:r>
-              <a:rPr lang="en-US" altLang="ko-KR" b="1" dirty="0"/>
-              <a:t>origin</a:t>
-            </a:r>
-            <a:r>
-              <a:rPr lang="ko-KR" altLang="en-US" b="1" dirty="0"/>
-              <a:t>이어야 하나요</a:t>
-            </a:r>
-            <a:r>
-              <a:rPr lang="en-US" altLang="ko-KR" b="1" dirty="0"/>
-              <a:t>?</a:t>
-            </a:r>
-          </a:p>
-          <a:p>
-            <a:r>
-              <a:rPr lang="ko-KR" altLang="en-US" dirty="0"/>
-              <a:t>❌ 아닙니다</a:t>
-            </a:r>
-            <a:r>
-              <a:rPr lang="en-US" altLang="ko-KR" dirty="0"/>
-              <a:t>!</a:t>
-            </a:r>
-            <a:br>
-              <a:rPr lang="en-US" altLang="ko-KR" dirty="0"/>
-            </a:br>
-            <a:r>
-              <a:rPr lang="ko-KR" altLang="en-US" dirty="0"/>
-              <a:t>원한다면 다른 이름도 붙일 수 있습니다</a:t>
-            </a:r>
-            <a:r>
-              <a:rPr lang="en-US" altLang="ko-KR" dirty="0"/>
-              <a:t>.</a:t>
-            </a:r>
-          </a:p>
-          <a:p>
-            <a:r>
-              <a:rPr lang="ko-KR" altLang="en-US" dirty="0"/>
-              <a:t>예</a:t>
-            </a:r>
-            <a:r>
-              <a:rPr lang="en-US" altLang="ko-KR" dirty="0"/>
-              <a:t>:</a:t>
-            </a:r>
-          </a:p>
-          <a:p>
-            <a:r>
-              <a:rPr lang="en-US" altLang="ko-KR" dirty="0" err="1"/>
-              <a:t>git</a:t>
-            </a:r>
-            <a:r>
-              <a:rPr lang="en-US" altLang="ko-KR" dirty="0"/>
-              <a:t> remote add </a:t>
-            </a:r>
-            <a:r>
-              <a:rPr lang="en-US" altLang="ko-KR" dirty="0" err="1"/>
-              <a:t>github</a:t>
-            </a:r>
-            <a:r>
-              <a:rPr lang="en-US" altLang="ko-KR" dirty="0"/>
-              <a:t> https://github.com/Damon0527/TestSF5th.git </a:t>
-            </a:r>
-          </a:p>
-          <a:p>
-            <a:r>
-              <a:rPr lang="en-US" altLang="ko-KR" dirty="0" err="1"/>
-              <a:t>git</a:t>
-            </a:r>
-            <a:r>
-              <a:rPr lang="en-US" altLang="ko-KR" dirty="0"/>
-              <a:t> push </a:t>
-            </a:r>
-            <a:r>
-              <a:rPr lang="en-US" altLang="ko-KR" dirty="0" err="1"/>
-              <a:t>github</a:t>
-            </a:r>
-            <a:r>
-              <a:rPr lang="en-US" altLang="ko-KR" dirty="0"/>
-              <a:t> main </a:t>
-            </a:r>
-          </a:p>
-          <a:p>
-            <a:r>
-              <a:rPr lang="ko-KR" altLang="en-US" dirty="0"/>
-              <a:t>하지만 실무에서는 거의 다 </a:t>
-            </a:r>
-            <a:r>
-              <a:rPr lang="en-US" altLang="ko-KR" dirty="0"/>
-              <a:t>origin</a:t>
-            </a:r>
-            <a:r>
-              <a:rPr lang="ko-KR" altLang="en-US" dirty="0"/>
-              <a:t>을 쓰는 것이 </a:t>
-            </a:r>
-            <a:r>
-              <a:rPr lang="ko-KR" altLang="en-US" b="1" dirty="0" err="1"/>
-              <a:t>관례이자</a:t>
-            </a:r>
-            <a:r>
-              <a:rPr lang="ko-KR" altLang="en-US" b="1" dirty="0"/>
-              <a:t> 표준처럼 자리잡고</a:t>
-            </a:r>
-            <a:r>
-              <a:rPr lang="ko-KR" altLang="en-US" dirty="0"/>
-              <a:t> 있어서</a:t>
-            </a:r>
-            <a:br>
-              <a:rPr lang="ko-KR" altLang="en-US" dirty="0"/>
-            </a:br>
-            <a:r>
-              <a:rPr lang="ko-KR" altLang="en-US" dirty="0"/>
-              <a:t>학생들에게도 기본은 </a:t>
-            </a:r>
-            <a:r>
-              <a:rPr lang="en-US" altLang="ko-KR" dirty="0"/>
-              <a:t>origin</a:t>
-            </a:r>
-            <a:r>
-              <a:rPr lang="ko-KR" altLang="en-US" dirty="0"/>
-              <a:t>으로 알려주는 것이 좋습니다</a:t>
-            </a:r>
-            <a:r>
-              <a:rPr lang="en-US" altLang="ko-KR" dirty="0"/>
-              <a:t>.</a:t>
-            </a:r>
-          </a:p>
-          <a:p>
-            <a:endParaRPr lang="en-US" altLang="ko-KR" dirty="0"/>
-          </a:p>
-          <a:p>
-            <a:r>
-              <a:rPr lang="ko-KR" altLang="en-US" b="1" dirty="0"/>
-              <a:t>✅ 확인하고 싶다면</a:t>
-            </a:r>
-            <a:r>
-              <a:rPr lang="en-US" altLang="ko-KR" b="1" dirty="0"/>
-              <a:t>? </a:t>
-            </a:r>
-            <a:r>
-              <a:rPr lang="en-US" altLang="ko-KR" dirty="0" err="1"/>
-              <a:t>git</a:t>
-            </a:r>
-            <a:r>
-              <a:rPr lang="en-US" altLang="ko-KR" dirty="0"/>
-              <a:t> remote -v </a:t>
-            </a:r>
-          </a:p>
-          <a:p>
-            <a:r>
-              <a:rPr lang="en-US" altLang="ko-KR" dirty="0"/>
-              <a:t>→ </a:t>
-            </a:r>
-            <a:r>
-              <a:rPr lang="ko-KR" altLang="en-US" dirty="0"/>
-              <a:t>연결된 원격 저장소 목록과 별명</a:t>
-            </a:r>
-            <a:r>
-              <a:rPr lang="en-US" altLang="ko-KR" dirty="0"/>
-              <a:t>(origin </a:t>
-            </a:r>
-            <a:r>
-              <a:rPr lang="ko-KR" altLang="en-US" dirty="0"/>
-              <a:t>등</a:t>
-            </a:r>
-            <a:r>
-              <a:rPr lang="en-US" altLang="ko-KR" dirty="0"/>
-              <a:t>)</a:t>
-            </a:r>
-            <a:r>
-              <a:rPr lang="ko-KR" altLang="en-US" dirty="0"/>
-              <a:t>을 확인할 수 있어요</a:t>
-            </a:r>
-            <a:r>
-              <a:rPr lang="en-US" altLang="ko-KR" dirty="0"/>
-              <a:t>.</a:t>
-            </a:r>
-          </a:p>
-          <a:p>
-            <a:endParaRPr lang="en-US" altLang="ko-KR" dirty="0"/>
-          </a:p>
-          <a:p>
-            <a:r>
-              <a:rPr lang="en-US" altLang="ko-KR" dirty="0"/>
-              <a:t>fetch   </a:t>
-            </a:r>
-            <a:r>
-              <a:rPr lang="en-US" altLang="ko-KR" b="1" dirty="0"/>
-              <a:t>GitHub</a:t>
-            </a:r>
-            <a:r>
-              <a:rPr lang="ko-KR" altLang="en-US" b="1" dirty="0"/>
-              <a:t>에서 내 로컬로 가져오는 용도</a:t>
-            </a:r>
-            <a:r>
-              <a:rPr lang="ko-KR" altLang="en-US" dirty="0"/>
-              <a:t> </a:t>
-            </a:r>
-            <a:r>
-              <a:rPr lang="en-US" altLang="ko-KR" dirty="0"/>
-              <a:t>(</a:t>
-            </a:r>
-            <a:r>
-              <a:rPr lang="ko-KR" altLang="en-US" dirty="0"/>
-              <a:t>예</a:t>
-            </a:r>
-            <a:r>
-              <a:rPr lang="en-US" altLang="ko-KR" dirty="0"/>
-              <a:t>: </a:t>
-            </a:r>
-            <a:r>
-              <a:rPr lang="en-US" altLang="ko-KR" dirty="0" err="1"/>
-              <a:t>git</a:t>
-            </a:r>
-            <a:r>
-              <a:rPr lang="en-US" altLang="ko-KR" dirty="0"/>
-              <a:t> pull)</a:t>
-            </a:r>
-          </a:p>
-          <a:p>
-            <a:r>
-              <a:rPr lang="en-US" altLang="ko-KR" dirty="0"/>
-              <a:t>push   </a:t>
-            </a:r>
-            <a:r>
-              <a:rPr lang="ko-KR" altLang="en-US" b="1" dirty="0"/>
-              <a:t>내 로컬에서 </a:t>
-            </a:r>
-            <a:r>
-              <a:rPr lang="en-US" altLang="ko-KR" b="1" dirty="0"/>
-              <a:t>GitHub</a:t>
-            </a:r>
-            <a:r>
-              <a:rPr lang="ko-KR" altLang="en-US" b="1" dirty="0"/>
-              <a:t>로 올리는 용도</a:t>
-            </a:r>
-            <a:r>
-              <a:rPr lang="ko-KR" altLang="en-US" dirty="0"/>
-              <a:t> </a:t>
-            </a:r>
-            <a:r>
-              <a:rPr lang="en-US" altLang="ko-KR" dirty="0"/>
-              <a:t>(</a:t>
-            </a:r>
-            <a:r>
-              <a:rPr lang="ko-KR" altLang="en-US" dirty="0"/>
-              <a:t>예</a:t>
-            </a:r>
-            <a:r>
-              <a:rPr lang="en-US" altLang="ko-KR" dirty="0"/>
-              <a:t>: </a:t>
-            </a:r>
-            <a:r>
-              <a:rPr lang="en-US" altLang="ko-KR" dirty="0" err="1"/>
-              <a:t>git</a:t>
-            </a:r>
-            <a:r>
-              <a:rPr lang="en-US" altLang="ko-KR" dirty="0"/>
-              <a:t> push)</a:t>
-            </a:r>
-          </a:p>
-          <a:p>
-            <a:r>
-              <a:rPr lang="ko-KR" altLang="en-US" dirty="0"/>
-              <a:t>보통은 두 주소가 </a:t>
-            </a:r>
-            <a:r>
-              <a:rPr lang="ko-KR" altLang="en-US" b="1" dirty="0"/>
-              <a:t>같지만</a:t>
-            </a:r>
-            <a:r>
-              <a:rPr lang="en-US" altLang="ko-KR" dirty="0"/>
-              <a:t>,</a:t>
-            </a:r>
-            <a:br>
-              <a:rPr lang="en-US" altLang="ko-KR" dirty="0"/>
-            </a:br>
-            <a:r>
-              <a:rPr lang="en-US" altLang="ko-KR" dirty="0" err="1"/>
-              <a:t>Git</a:t>
-            </a:r>
-            <a:r>
-              <a:rPr lang="ko-KR" altLang="en-US" dirty="0"/>
-              <a:t>은 </a:t>
-            </a:r>
-            <a:r>
-              <a:rPr lang="en-US" altLang="ko-KR" b="1" dirty="0"/>
-              <a:t>fetch</a:t>
-            </a:r>
-            <a:r>
-              <a:rPr lang="ko-KR" altLang="en-US" b="1" dirty="0"/>
-              <a:t>용 </a:t>
-            </a:r>
-            <a:r>
-              <a:rPr lang="en-US" altLang="ko-KR" b="1" dirty="0"/>
-              <a:t>URL</a:t>
-            </a:r>
-            <a:r>
-              <a:rPr lang="ko-KR" altLang="en-US" dirty="0"/>
-              <a:t>과 </a:t>
-            </a:r>
-            <a:r>
-              <a:rPr lang="en-US" altLang="ko-KR" b="1" dirty="0"/>
-              <a:t>push</a:t>
-            </a:r>
-            <a:r>
-              <a:rPr lang="ko-KR" altLang="en-US" b="1" dirty="0"/>
-              <a:t>용 </a:t>
-            </a:r>
-            <a:r>
-              <a:rPr lang="en-US" altLang="ko-KR" b="1" dirty="0"/>
-              <a:t>URL</a:t>
-            </a:r>
-            <a:r>
-              <a:rPr lang="ko-KR" altLang="en-US" dirty="0"/>
-              <a:t>을 </a:t>
-            </a:r>
-            <a:r>
-              <a:rPr lang="ko-KR" altLang="en-US" b="1" dirty="0"/>
-              <a:t>따로 설정할 수 있는 기능</a:t>
-            </a:r>
-            <a:r>
-              <a:rPr lang="ko-KR" altLang="en-US" dirty="0"/>
-              <a:t>을 지원합니다</a:t>
-            </a:r>
-            <a:r>
-              <a:rPr lang="en-US" altLang="ko-KR" dirty="0"/>
-              <a:t>.</a:t>
-            </a:r>
-            <a:endParaRPr lang="ko-KR" altLang="en-US" dirty="0"/>
-          </a:p>
-          <a:p>
             <a:endParaRPr lang="ko-KR" altLang="en-US" dirty="0"/>
           </a:p>
         </p:txBody>
@@ -9981,229 +5242,6 @@
           <a:bodyPr/>
           <a:lstStyle/>
           <a:p>
-            <a:r>
-              <a:rPr lang="ko-KR" altLang="en-US" b="1" dirty="0"/>
-              <a:t>로컬과 원격 저장소가 서로 다른 </a:t>
-            </a:r>
-            <a:r>
-              <a:rPr lang="en-US" altLang="ko-KR" b="1" dirty="0"/>
-              <a:t>"</a:t>
-            </a:r>
-            <a:r>
-              <a:rPr lang="ko-KR" altLang="en-US" b="1" dirty="0" err="1"/>
-              <a:t>커밋</a:t>
-            </a:r>
-            <a:r>
-              <a:rPr lang="ko-KR" altLang="en-US" b="1" dirty="0"/>
-              <a:t> 이력</a:t>
-            </a:r>
-            <a:r>
-              <a:rPr lang="en-US" altLang="ko-KR" b="1" dirty="0"/>
-              <a:t>"</a:t>
-            </a:r>
-            <a:r>
-              <a:rPr lang="ko-KR" altLang="en-US" b="1" dirty="0"/>
-              <a:t>을 가지고 있으면 </a:t>
-            </a:r>
-            <a:r>
-              <a:rPr lang="en-US" altLang="ko-KR" b="1" dirty="0"/>
-              <a:t>push</a:t>
-            </a:r>
-            <a:r>
-              <a:rPr lang="ko-KR" altLang="en-US" b="1" dirty="0"/>
-              <a:t>가 안 된다</a:t>
-            </a:r>
-            <a:r>
-              <a:rPr lang="en-US" altLang="ko-KR" b="1" dirty="0"/>
-              <a:t>!</a:t>
-            </a:r>
-          </a:p>
-          <a:p>
-            <a:r>
-              <a:rPr lang="en-US" altLang="ko-KR" dirty="0" err="1"/>
-              <a:t>Git</a:t>
-            </a:r>
-            <a:r>
-              <a:rPr lang="ko-KR" altLang="en-US" dirty="0"/>
-              <a:t>은 </a:t>
-            </a:r>
-            <a:r>
-              <a:rPr lang="en-US" altLang="ko-KR" dirty="0"/>
-              <a:t>push</a:t>
-            </a:r>
-            <a:r>
-              <a:rPr lang="ko-KR" altLang="en-US" dirty="0"/>
-              <a:t>할 때</a:t>
-            </a:r>
-            <a:r>
-              <a:rPr lang="en-US" altLang="ko-KR" dirty="0"/>
-              <a:t>, </a:t>
-            </a:r>
-            <a:r>
-              <a:rPr lang="ko-KR" altLang="en-US" dirty="0"/>
-              <a:t>로컬과 원격 저장소의 **</a:t>
-            </a:r>
-            <a:r>
-              <a:rPr lang="ko-KR" altLang="en-US" dirty="0" err="1"/>
-              <a:t>히스토리</a:t>
-            </a:r>
-            <a:r>
-              <a:rPr lang="en-US" altLang="ko-KR" dirty="0"/>
-              <a:t>(</a:t>
-            </a:r>
-            <a:r>
-              <a:rPr lang="ko-KR" altLang="en-US" dirty="0" err="1"/>
-              <a:t>커밋</a:t>
-            </a:r>
-            <a:r>
-              <a:rPr lang="ko-KR" altLang="en-US" dirty="0"/>
-              <a:t> 흐름</a:t>
-            </a:r>
-            <a:r>
-              <a:rPr lang="en-US" altLang="ko-KR" dirty="0"/>
-              <a:t>)**</a:t>
-            </a:r>
-            <a:r>
-              <a:rPr lang="ko-KR" altLang="en-US" dirty="0"/>
-              <a:t>를 비교합니다</a:t>
-            </a:r>
-            <a:r>
-              <a:rPr lang="en-US" altLang="ko-KR" dirty="0"/>
-              <a:t>.</a:t>
-            </a:r>
-          </a:p>
-          <a:p>
-            <a:r>
-              <a:rPr lang="ko-KR" altLang="en-US" dirty="0"/>
-              <a:t>서로 </a:t>
-            </a:r>
-            <a:r>
-              <a:rPr lang="ko-KR" altLang="en-US" b="1" dirty="0"/>
-              <a:t>공통된 </a:t>
-            </a:r>
-            <a:r>
-              <a:rPr lang="ko-KR" altLang="en-US" b="1" dirty="0" err="1"/>
-              <a:t>커밋</a:t>
-            </a:r>
-            <a:r>
-              <a:rPr lang="ko-KR" altLang="en-US" b="1" dirty="0"/>
-              <a:t> 지점이 없으면</a:t>
-            </a:r>
-            <a:r>
-              <a:rPr lang="en-US" altLang="ko-KR" dirty="0"/>
-              <a:t>, </a:t>
-            </a:r>
-            <a:r>
-              <a:rPr lang="en-US" altLang="ko-KR" dirty="0" err="1"/>
-              <a:t>Git</a:t>
-            </a:r>
-            <a:r>
-              <a:rPr lang="ko-KR" altLang="en-US" dirty="0"/>
-              <a:t>은 </a:t>
-            </a:r>
-            <a:r>
-              <a:rPr lang="en-US" altLang="ko-KR" dirty="0"/>
-              <a:t>"</a:t>
-            </a:r>
-            <a:r>
-              <a:rPr lang="ko-KR" altLang="en-US" dirty="0"/>
-              <a:t>이건 완전히 다른 이력</a:t>
-            </a:r>
-            <a:r>
-              <a:rPr lang="en-US" altLang="ko-KR" dirty="0"/>
-              <a:t>"</a:t>
-            </a:r>
-            <a:r>
-              <a:rPr lang="ko-KR" altLang="en-US" dirty="0"/>
-              <a:t>이라고 판단해서 </a:t>
-            </a:r>
-            <a:r>
-              <a:rPr lang="en-US" altLang="ko-KR" dirty="0"/>
-              <a:t>push</a:t>
-            </a:r>
-            <a:r>
-              <a:rPr lang="ko-KR" altLang="en-US" dirty="0"/>
-              <a:t>를 거부합니다</a:t>
-            </a:r>
-            <a:r>
-              <a:rPr lang="en-US" altLang="ko-KR" dirty="0"/>
-              <a:t>.</a:t>
-            </a:r>
-          </a:p>
-          <a:p>
-            <a:endParaRPr lang="en-US" altLang="ko-KR" dirty="0"/>
-          </a:p>
-          <a:p>
-            <a:r>
-              <a:rPr lang="ko-KR" altLang="en-US" dirty="0"/>
-              <a:t>강제로 </a:t>
-            </a:r>
-            <a:r>
-              <a:rPr lang="ko-KR" altLang="en-US" b="1" dirty="0"/>
-              <a:t>내 로컬 저장소 상태를 원격 저장소에 덮어쓰기</a:t>
-            </a:r>
-            <a:r>
-              <a:rPr lang="ko-KR" altLang="en-US" dirty="0"/>
-              <a:t> 합니다</a:t>
-            </a:r>
-            <a:r>
-              <a:rPr lang="en-US" altLang="ko-KR" dirty="0"/>
-              <a:t>.</a:t>
-            </a:r>
-          </a:p>
-          <a:p>
-            <a:r>
-              <a:rPr lang="ko-KR" altLang="en-US" dirty="0"/>
-              <a:t>즉</a:t>
-            </a:r>
-            <a:r>
-              <a:rPr lang="en-US" altLang="ko-KR" dirty="0"/>
-              <a:t>, </a:t>
-            </a:r>
-            <a:r>
-              <a:rPr lang="ko-KR" altLang="en-US" dirty="0"/>
-              <a:t>원격 저장소에 있던 기존 </a:t>
-            </a:r>
-            <a:r>
-              <a:rPr lang="ko-KR" altLang="en-US" dirty="0" err="1"/>
-              <a:t>히스토리는</a:t>
-            </a:r>
-            <a:r>
-              <a:rPr lang="ko-KR" altLang="en-US" dirty="0"/>
-              <a:t> </a:t>
-            </a:r>
-            <a:r>
-              <a:rPr lang="ko-KR" altLang="en-US" b="1" dirty="0"/>
-              <a:t>모두 사라지고 내 것만 남음</a:t>
-            </a:r>
-            <a:r>
-              <a:rPr lang="en-US" altLang="ko-KR" b="1" dirty="0"/>
-              <a:t>!</a:t>
-            </a:r>
-            <a:r>
-              <a:rPr lang="ko-KR" altLang="en-US" dirty="0"/>
-              <a:t> 💣</a:t>
-            </a:r>
-          </a:p>
-          <a:p>
-            <a:r>
-              <a:rPr lang="ko-KR" altLang="en-US" dirty="0"/>
-              <a:t>✔ 주의</a:t>
-            </a:r>
-            <a:r>
-              <a:rPr lang="en-US" altLang="ko-KR" dirty="0"/>
-              <a:t>: </a:t>
-            </a:r>
-            <a:r>
-              <a:rPr lang="ko-KR" altLang="en-US" dirty="0"/>
-              <a:t>협업 중에는 위험하므로 혼자 쓰는 저장소일 때만 사용하는 것이 좋아요</a:t>
-            </a:r>
-            <a:r>
-              <a:rPr lang="en-US" altLang="ko-KR" dirty="0"/>
-              <a:t>!</a:t>
-            </a:r>
-          </a:p>
-          <a:p>
             <a:endParaRPr lang="ko-KR" altLang="en-US" dirty="0"/>
           </a:p>
         </p:txBody>
@@ -10543,39 +5581,7 @@
           <a:bodyPr/>
           <a:lstStyle/>
           <a:p>
-            <a:r>
-              <a:rPr lang="en-US" altLang="ko-KR" dirty="0"/>
-              <a:t>Git </a:t>
-            </a:r>
-            <a:r>
-              <a:rPr lang="ko-KR" altLang="en-US" dirty="0"/>
-              <a:t>사용 이유</a:t>
-            </a:r>
-            <a:r>
-              <a:rPr lang="en-US" altLang="ko-KR" dirty="0"/>
-              <a:t>?</a:t>
-            </a:r>
-          </a:p>
-          <a:p>
-            <a:pPr marL="171450" indent="-171450">
-              <a:buFontTx/>
-              <a:buChar char="-"/>
-            </a:pPr>
-            <a:r>
-              <a:rPr lang="ko-KR" altLang="en-US" dirty="0"/>
-              <a:t>소스 코드의 변경 이력을 쉽게 확인</a:t>
-            </a:r>
-            <a:endParaRPr lang="en-US" altLang="ko-KR" dirty="0"/>
-          </a:p>
-          <a:p>
-            <a:pPr marL="171450" indent="-171450">
-              <a:buFontTx/>
-              <a:buChar char="-"/>
-            </a:pPr>
-            <a:r>
-              <a:rPr lang="ko-KR" altLang="en-US" dirty="0"/>
-              <a:t>특정 시점에 저장된 버전과 비교하거나 특정 시점으로 돌아가기 위해</a:t>
-            </a:r>
+            <a:endParaRPr lang="ko-KR" altLang="en-US" dirty="0"/>
           </a:p>
         </p:txBody>
       </p:sp>
@@ -10606,6 +5612,90 @@
     <p:extLst>
       <p:ext uri="{BB962C8B-B14F-4D97-AF65-F5344CB8AC3E}">
         <p14:creationId xmlns:p14="http://schemas.microsoft.com/office/powerpoint/2010/main" val="4078064279"/>
+      </p:ext>
+    </p:extLst>
+  </p:cSld>
+  <p:clrMapOvr>
+    <a:masterClrMapping/>
+  </p:clrMapOvr>
+</p:notes>
+</file>
+
+<file path=ppt/notesSlides/notesSlide60.xml><?xml version="1.0" encoding="utf-8"?>
+<p:notes xmlns:a="http://schemas.openxmlformats.org/drawingml/2006/main" xmlns:r="http://schemas.openxmlformats.org/officeDocument/2006/relationships" xmlns:p="http://schemas.openxmlformats.org/presentationml/2006/main">
+  <p:cSld>
+    <p:spTree>
+      <p:nvGrpSpPr>
+        <p:cNvPr id="1" name=""/>
+        <p:cNvGrpSpPr/>
+        <p:nvPr/>
+      </p:nvGrpSpPr>
+      <p:grpSpPr>
+        <a:xfrm>
+          <a:off x="0" y="0"/>
+          <a:ext cx="0" cy="0"/>
+          <a:chOff x="0" y="0"/>
+          <a:chExt cx="0" cy="0"/>
+        </a:xfrm>
+      </p:grpSpPr>
+      <p:sp>
+        <p:nvSpPr>
+          <p:cNvPr id="2" name="슬라이드 이미지 개체 틀 1"/>
+          <p:cNvSpPr>
+            <a:spLocks noGrp="1" noRot="1" noChangeAspect="1"/>
+          </p:cNvSpPr>
+          <p:nvPr>
+            <p:ph type="sldImg"/>
+          </p:nvPr>
+        </p:nvSpPr>
+        <p:spPr/>
+      </p:sp>
+      <p:sp>
+        <p:nvSpPr>
+          <p:cNvPr id="3" name="슬라이드 노트 개체 틀 2"/>
+          <p:cNvSpPr>
+            <a:spLocks noGrp="1"/>
+          </p:cNvSpPr>
+          <p:nvPr>
+            <p:ph type="body" idx="1"/>
+          </p:nvPr>
+        </p:nvSpPr>
+        <p:spPr/>
+        <p:txBody>
+          <a:bodyPr/>
+          <a:lstStyle/>
+          <a:p>
+            <a:endParaRPr lang="ko-KR" altLang="en-US"/>
+          </a:p>
+        </p:txBody>
+      </p:sp>
+      <p:sp>
+        <p:nvSpPr>
+          <p:cNvPr id="4" name="슬라이드 번호 개체 틀 3"/>
+          <p:cNvSpPr>
+            <a:spLocks noGrp="1"/>
+          </p:cNvSpPr>
+          <p:nvPr>
+            <p:ph type="sldNum" sz="quarter" idx="10"/>
+          </p:nvPr>
+        </p:nvSpPr>
+        <p:spPr/>
+        <p:txBody>
+          <a:bodyPr/>
+          <a:lstStyle/>
+          <a:p>
+            <a:fld id="{80927ADC-3725-4C53-90DA-A7CB1E9F9FDE}" type="slidenum">
+              <a:rPr lang="ko-KR" altLang="en-US" smtClean="0"/>
+              <a:t>68</a:t>
+            </a:fld>
+            <a:endParaRPr lang="ko-KR" altLang="en-US"/>
+          </a:p>
+        </p:txBody>
+      </p:sp>
+    </p:spTree>
+    <p:extLst>
+      <p:ext uri="{BB962C8B-B14F-4D97-AF65-F5344CB8AC3E}">
+        <p14:creationId xmlns:p14="http://schemas.microsoft.com/office/powerpoint/2010/main" val="788092878"/>
       </p:ext>
     </p:extLst>
   </p:cSld>
@@ -10658,173 +5748,6 @@
         <p:txBody>
           <a:bodyPr/>
           <a:lstStyle/>
-          <a:p>
-            <a:r>
-              <a:rPr lang="ko-KR" altLang="en-US" dirty="0"/>
-              <a:t>왼쪽 </a:t>
-            </a:r>
-            <a:r>
-              <a:rPr lang="en-US" altLang="ko-KR" dirty="0"/>
-              <a:t>: </a:t>
-            </a:r>
-            <a:r>
-              <a:rPr lang="ko-KR" altLang="en-US" dirty="0"/>
-              <a:t>중앙 집중형 관리 시스템</a:t>
-            </a:r>
-            <a:endParaRPr lang="en-US" altLang="ko-KR" dirty="0"/>
-          </a:p>
-          <a:p>
-            <a:pPr marL="171450" indent="-171450">
-              <a:buFont typeface="Wingdings" panose="05000000000000000000" pitchFamily="2" charset="2"/>
-              <a:buChar char="Ø"/>
-            </a:pPr>
-            <a:r>
-              <a:rPr lang="ko-KR" altLang="en-US" dirty="0"/>
-              <a:t>하나의 중앙 서버</a:t>
-            </a:r>
-            <a:r>
-              <a:rPr lang="en-US" altLang="ko-KR" dirty="0"/>
-              <a:t>(DB)</a:t>
-            </a:r>
-            <a:r>
-              <a:rPr lang="ko-KR" altLang="en-US" dirty="0"/>
-              <a:t>에 여러 사용자가 연결된 구조</a:t>
-            </a:r>
-            <a:r>
-              <a:rPr lang="en-US" altLang="ko-KR" dirty="0"/>
-              <a:t>.</a:t>
-            </a:r>
-          </a:p>
-          <a:p>
-            <a:pPr marL="171450" indent="-171450">
-              <a:buFont typeface="Wingdings" panose="05000000000000000000" pitchFamily="2" charset="2"/>
-              <a:buChar char="Ø"/>
-            </a:pPr>
-            <a:r>
-              <a:rPr lang="ko-KR" altLang="en-US" dirty="0"/>
-              <a:t>모든 작업이 중앙 서버를 통해 이루어지므로</a:t>
-            </a:r>
-            <a:r>
-              <a:rPr lang="en-US" altLang="ko-KR" dirty="0"/>
-              <a:t>, </a:t>
-            </a:r>
-            <a:r>
-              <a:rPr lang="ko-KR" altLang="en-US" dirty="0"/>
-              <a:t>서버에 문제가 발생하면 아무도 작업을 진행할 수 없다</a:t>
-            </a:r>
-            <a:r>
-              <a:rPr lang="en-US" altLang="ko-KR" dirty="0"/>
-              <a:t>.</a:t>
-            </a:r>
-          </a:p>
-          <a:p>
-            <a:endParaRPr lang="en-US" altLang="ko-KR" dirty="0"/>
-          </a:p>
-          <a:p>
-            <a:r>
-              <a:rPr lang="ko-KR" altLang="en-US" dirty="0"/>
-              <a:t>오른쪽 </a:t>
-            </a:r>
-            <a:r>
-              <a:rPr lang="en-US" altLang="ko-KR" dirty="0"/>
-              <a:t>: </a:t>
-            </a:r>
-            <a:r>
-              <a:rPr lang="ko-KR" altLang="en-US" dirty="0"/>
-              <a:t>분산형 관리 시스템</a:t>
-            </a:r>
-            <a:endParaRPr lang="en-US" altLang="ko-KR" dirty="0"/>
-          </a:p>
-          <a:p>
-            <a:pPr marL="171450" indent="-171450">
-              <a:buFont typeface="Wingdings" panose="05000000000000000000" pitchFamily="2" charset="2"/>
-              <a:buChar char="Ø"/>
-            </a:pPr>
-            <a:r>
-              <a:rPr lang="ko-KR" altLang="en-US" dirty="0"/>
-              <a:t>각 사용자가 로컬</a:t>
-            </a:r>
-            <a:r>
-              <a:rPr lang="en-US" altLang="ko-KR" dirty="0"/>
-              <a:t>(</a:t>
-            </a:r>
-            <a:r>
-              <a:rPr lang="ko-KR" altLang="en-US" dirty="0"/>
-              <a:t>자기</a:t>
-            </a:r>
-            <a:r>
-              <a:rPr lang="en-US" altLang="ko-KR" dirty="0"/>
-              <a:t>PC)</a:t>
-            </a:r>
-            <a:r>
-              <a:rPr lang="ko-KR" altLang="en-US" dirty="0"/>
-              <a:t>에서 작업을 수행할 수 있으며</a:t>
-            </a:r>
-            <a:r>
-              <a:rPr lang="en-US" altLang="ko-KR" dirty="0"/>
-              <a:t>, </a:t>
-            </a:r>
-            <a:r>
-              <a:rPr lang="ko-KR" altLang="en-US" dirty="0"/>
-              <a:t>변경 사항을 중앙 서버와 동기화하는 구조</a:t>
-            </a:r>
-            <a:r>
-              <a:rPr lang="en-US" altLang="ko-KR" dirty="0"/>
-              <a:t>.</a:t>
-            </a:r>
-          </a:p>
-          <a:p>
-            <a:pPr marL="171450" indent="-171450">
-              <a:buFont typeface="Wingdings" panose="05000000000000000000" pitchFamily="2" charset="2"/>
-              <a:buChar char="Ø"/>
-            </a:pPr>
-            <a:r>
-              <a:rPr lang="ko-KR" altLang="en-US" dirty="0"/>
-              <a:t>중앙 서버에 문제가 생기더라도</a:t>
-            </a:r>
-            <a:r>
-              <a:rPr lang="en-US" altLang="ko-KR" dirty="0"/>
-              <a:t>, </a:t>
-            </a:r>
-            <a:r>
-              <a:rPr lang="ko-KR" altLang="en-US" dirty="0"/>
-              <a:t>각각의 사용자들은 자기 </a:t>
-            </a:r>
-            <a:r>
-              <a:rPr lang="en-US" altLang="ko-KR" dirty="0"/>
-              <a:t>PC </a:t>
-            </a:r>
-            <a:r>
-              <a:rPr lang="ko-KR" altLang="en-US" dirty="0"/>
-              <a:t>에서 작업을 계속할 수 있다</a:t>
-            </a:r>
-            <a:r>
-              <a:rPr lang="en-US" altLang="ko-KR" dirty="0"/>
-              <a:t>.</a:t>
-            </a:r>
-          </a:p>
-          <a:p>
-            <a:pPr marL="171450" indent="-171450">
-              <a:buFont typeface="Wingdings" panose="05000000000000000000" pitchFamily="2" charset="2"/>
-              <a:buChar char="Ø"/>
-            </a:pPr>
-            <a:r>
-              <a:rPr lang="ko-KR" altLang="en-US" dirty="0"/>
-              <a:t>네트워크 장애나 서버 문제에도 개별적인 작업이 가능하므로</a:t>
-            </a:r>
-            <a:r>
-              <a:rPr lang="en-US" altLang="ko-KR" dirty="0"/>
-              <a:t>, </a:t>
-            </a:r>
-            <a:r>
-              <a:rPr lang="ko-KR" altLang="en-US" dirty="0"/>
-              <a:t>가용성이 높고 유연한 협업이 가능하다</a:t>
-            </a:r>
-            <a:r>
-              <a:rPr lang="en-US" altLang="ko-KR" dirty="0"/>
-              <a:t>.</a:t>
-            </a:r>
-          </a:p>
           <a:p>
             <a:endParaRPr lang="ko-KR" altLang="en-US" dirty="0"/>
           </a:p>
@@ -10910,30 +5833,7 @@
           <a:bodyPr/>
           <a:lstStyle/>
           <a:p>
-            <a:r>
-              <a:rPr lang="en-US" altLang="ko-KR" dirty="0"/>
-              <a:t>SVN(</a:t>
-            </a:r>
-            <a:r>
-              <a:rPr lang="en-US" altLang="ko-KR" dirty="0" err="1"/>
-              <a:t>Subvision</a:t>
-            </a:r>
-            <a:r>
-              <a:rPr lang="en-US" altLang="ko-KR" dirty="0"/>
-              <a:t>)</a:t>
-            </a:r>
-            <a:r>
-              <a:rPr lang="ko-KR" altLang="en-US" dirty="0"/>
-              <a:t>을 사용하다가 대부분 </a:t>
-            </a:r>
-            <a:r>
-              <a:rPr lang="en-US" altLang="ko-KR" dirty="0"/>
-              <a:t>git</a:t>
-            </a:r>
-            <a:r>
-              <a:rPr lang="ko-KR" altLang="en-US" dirty="0"/>
-              <a:t>으로 넘어온 상황</a:t>
-            </a:r>
+            <a:endParaRPr lang="ko-KR" altLang="en-US" dirty="0"/>
           </a:p>
         </p:txBody>
       </p:sp>
@@ -11201,7 +6101,7 @@
           <a:p>
             <a:fld id="{442BEE3F-2E9A-4FD8-8B8A-8619F3E161C0}" type="datetime1">
               <a:rPr lang="ko-KR" altLang="en-US" smtClean="0"/>
-              <a:t>2025-04-21</a:t>
+              <a:t>2025-06-08</a:t>
             </a:fld>
             <a:endParaRPr lang="ko-KR" altLang="en-US"/>
           </a:p>
@@ -11387,7 +6287,7 @@
           <a:p>
             <a:fld id="{2EAE422B-0E68-47B5-84BB-CA2BDA8EE46C}" type="datetime1">
               <a:rPr lang="ko-KR" altLang="en-US" smtClean="0"/>
-              <a:t>2025-04-21</a:t>
+              <a:t>2025-06-08</a:t>
             </a:fld>
             <a:endParaRPr lang="ko-KR" altLang="en-US"/>
           </a:p>
@@ -11595,7 +6495,7 @@
           <a:p>
             <a:fld id="{AF7C623F-179B-417F-99B6-50F6DF228D4B}" type="datetime1">
               <a:rPr lang="ko-KR" altLang="en-US" smtClean="0"/>
-              <a:t>2025-04-21</a:t>
+              <a:t>2025-06-08</a:t>
             </a:fld>
             <a:endParaRPr lang="ko-KR" altLang="en-US"/>
           </a:p>
@@ -11831,7 +6731,7 @@
           <a:p>
             <a:fld id="{0F78D9C4-20C1-4B15-A116-16DC77AD9A1E}" type="datetime1">
               <a:rPr lang="ko-KR" altLang="en-US" smtClean="0"/>
-              <a:t>2025-04-21</a:t>
+              <a:t>2025-06-08</a:t>
             </a:fld>
             <a:endParaRPr lang="ko-KR" altLang="en-US"/>
           </a:p>
@@ -12106,7 +7006,7 @@
           <a:p>
             <a:fld id="{C7F43723-C509-4DEA-8428-B50818F79709}" type="datetime1">
               <a:rPr lang="ko-KR" altLang="en-US" smtClean="0"/>
-              <a:t>2025-04-21</a:t>
+              <a:t>2025-06-08</a:t>
             </a:fld>
             <a:endParaRPr lang="ko-KR" altLang="en-US"/>
           </a:p>
@@ -12371,7 +7271,7 @@
           <a:p>
             <a:fld id="{5D2B7482-EE74-4DBD-97F4-D0DAC0C0E4E5}" type="datetime1">
               <a:rPr lang="ko-KR" altLang="en-US" smtClean="0"/>
-              <a:t>2025-04-21</a:t>
+              <a:t>2025-06-08</a:t>
             </a:fld>
             <a:endParaRPr lang="ko-KR" altLang="en-US"/>
           </a:p>
@@ -12784,7 +7684,7 @@
           <a:p>
             <a:fld id="{051A8C49-CED7-4A86-9B4A-621D7F62EE92}" type="datetime1">
               <a:rPr lang="ko-KR" altLang="en-US" smtClean="0"/>
-              <a:t>2025-04-21</a:t>
+              <a:t>2025-06-08</a:t>
             </a:fld>
             <a:endParaRPr lang="ko-KR" altLang="en-US"/>
           </a:p>
@@ -12931,7 +7831,7 @@
           <a:p>
             <a:fld id="{84082D76-7079-412D-848B-E1B9E7A6A286}" type="datetime1">
               <a:rPr lang="ko-KR" altLang="en-US" smtClean="0"/>
-              <a:t>2025-04-21</a:t>
+              <a:t>2025-06-08</a:t>
             </a:fld>
             <a:endParaRPr lang="ko-KR" altLang="en-US"/>
           </a:p>
@@ -13044,7 +7944,7 @@
           <a:p>
             <a:fld id="{10C5FEB5-5F88-4F49-9108-1795E314F09F}" type="datetime1">
               <a:rPr lang="ko-KR" altLang="en-US" smtClean="0"/>
-              <a:t>2025-04-21</a:t>
+              <a:t>2025-06-08</a:t>
             </a:fld>
             <a:endParaRPr lang="ko-KR" altLang="en-US"/>
           </a:p>
@@ -13355,7 +8255,7 @@
           <a:p>
             <a:fld id="{E37ABBEE-D8D4-48AD-9887-4DC578B8A684}" type="datetime1">
               <a:rPr lang="ko-KR" altLang="en-US" smtClean="0"/>
-              <a:t>2025-04-21</a:t>
+              <a:t>2025-06-08</a:t>
             </a:fld>
             <a:endParaRPr lang="ko-KR" altLang="en-US"/>
           </a:p>
@@ -13646,7 +8546,7 @@
           <a:p>
             <a:fld id="{A2D6A55C-F3DD-45DD-9D50-F8680410167D}" type="datetime1">
               <a:rPr lang="ko-KR" altLang="en-US" smtClean="0"/>
-              <a:t>2025-04-21</a:t>
+              <a:t>2025-06-08</a:t>
             </a:fld>
             <a:endParaRPr lang="ko-KR" altLang="en-US"/>
           </a:p>
@@ -13890,7 +8790,7 @@
             <a:fld id="{7F5E23C3-0E3D-4E4E-8486-D7FB4C073DC1}" type="datetime1">
               <a:rPr lang="ko-KR" altLang="en-US" smtClean="0"/>
               <a:pPr/>
-              <a:t>2025-04-21</a:t>
+              <a:t>2025-06-08</a:t>
             </a:fld>
             <a:endParaRPr lang="ko-KR" altLang="en-US" dirty="0"/>
           </a:p>
@@ -14376,7 +9276,7 @@
                 <a:ea typeface="Pretendard Medium" panose="02000603000000020004" pitchFamily="50" charset="-127"/>
                 <a:cs typeface="Pretendard Medium" panose="02000603000000020004" pitchFamily="50" charset="-127"/>
               </a:rPr>
-              <a:t>2025년 4월</a:t>
+              <a:t>2025년 6월</a:t>
             </a:fld>
             <a:endParaRPr lang="ko-KR" altLang="en-US">
               <a:latin typeface="Pretendard Medium" panose="02000603000000020004" pitchFamily="50" charset="-127"/>
@@ -14628,7 +9528,7 @@
             <a:fld id="{09FE4672-E219-4AF7-BCFD-84211D3D1F47}" type="datetime6">
               <a:rPr lang="ko-KR" altLang="en-US" smtClean="0"/>
               <a:pPr/>
-              <a:t>2025년 4월</a:t>
+              <a:t>2025년 6월</a:t>
             </a:fld>
             <a:endParaRPr lang="ko-KR" altLang="en-US" dirty="0"/>
           </a:p>
@@ -15101,7 +10001,7 @@
             <a:fld id="{09FE4672-E219-4AF7-BCFD-84211D3D1F47}" type="datetime6">
               <a:rPr lang="ko-KR" altLang="en-US" smtClean="0"/>
               <a:pPr/>
-              <a:t>2025년 4월</a:t>
+              <a:t>2025년 6월</a:t>
             </a:fld>
             <a:endParaRPr lang="ko-KR" altLang="en-US" dirty="0"/>
           </a:p>
@@ -15620,7 +10520,7 @@
             <a:fld id="{09FE4672-E219-4AF7-BCFD-84211D3D1F47}" type="datetime6">
               <a:rPr lang="ko-KR" altLang="en-US" smtClean="0"/>
               <a:pPr/>
-              <a:t>2025년 4월</a:t>
+              <a:t>2025년 6월</a:t>
             </a:fld>
             <a:endParaRPr lang="ko-KR" altLang="en-US" dirty="0"/>
           </a:p>
@@ -17339,6 +12239,13 @@
               </a:rPr>
               <a:t>자료구조에서 사용하는 용어로 계층적 관계를 </a:t>
             </a:r>
+            <a:r>
+              <a:rPr lang="en-US" altLang="ko-KR" sz="2000" dirty="0">
+                <a:latin typeface="G마켓 산스 TTF Medium" panose="02000000000000000000" pitchFamily="2" charset="-127"/>
+                <a:ea typeface="G마켓 산스 TTF Medium" panose="02000000000000000000" pitchFamily="2" charset="-127"/>
+              </a:rPr>
+              <a:t/>
+            </a:r>
             <a:br>
               <a:rPr lang="en-US" altLang="ko-KR" sz="2000" dirty="0">
                 <a:latin typeface="G마켓 산스 TTF Medium" panose="02000000000000000000" pitchFamily="2" charset="-127"/>
@@ -17591,6 +12498,13 @@
                 <a:ea typeface="G마켓 산스 TTF Medium" panose="02000000000000000000" pitchFamily="2" charset="-127"/>
               </a:rPr>
               <a:t>루트가 프로젝트 소스코드를 </a:t>
+            </a:r>
+            <a:r>
+              <a:rPr lang="en-US" altLang="ko-KR" sz="2400" dirty="0">
+                <a:latin typeface="G마켓 산스 TTF Medium" panose="02000000000000000000" pitchFamily="2" charset="-127"/>
+                <a:ea typeface="G마켓 산스 TTF Medium" panose="02000000000000000000" pitchFamily="2" charset="-127"/>
+              </a:rPr>
+              <a:t/>
             </a:r>
             <a:br>
               <a:rPr lang="en-US" altLang="ko-KR" sz="2400" dirty="0">
@@ -18680,7 +13594,7 @@
           <a:p>
             <a:fld id="{0F78D9C4-20C1-4B15-A116-16DC77AD9A1E}" type="datetime1">
               <a:rPr lang="ko-KR" altLang="en-US" smtClean="0"/>
-              <a:t>2025-04-21</a:t>
+              <a:t>2025-06-08</a:t>
             </a:fld>
             <a:endParaRPr lang="ko-KR" altLang="en-US"/>
           </a:p>
@@ -18912,6 +13826,10 @@
               <a:rPr lang="ko-KR" altLang="en-US" dirty="0"/>
               <a:t>파일 복사</a:t>
             </a:r>
+            <a:r>
+              <a:rPr lang="en-US" altLang="ko-KR" dirty="0"/>
+              <a:t/>
+            </a:r>
             <a:br>
               <a:rPr lang="en-US" altLang="ko-KR" dirty="0"/>
             </a:br>
@@ -19526,7 +14444,7 @@
           <a:p>
             <a:fld id="{3C9CE3CE-253F-4F9D-BA15-C226C8D8501E}" type="datetime6">
               <a:rPr lang="ko-KR" altLang="en-US" smtClean="0"/>
-              <a:t>2025년 4월</a:t>
+              <a:t>2025년 6월</a:t>
             </a:fld>
             <a:endParaRPr lang="ko-KR" altLang="en-US"/>
           </a:p>
@@ -19662,7 +14580,7 @@
         </p:spPr>
         <p:txBody>
           <a:bodyPr>
-            <a:normAutofit lnSpcReduction="10000"/>
+            <a:normAutofit/>
           </a:bodyPr>
           <a:lstStyle/>
           <a:p>
@@ -20125,6 +15043,12 @@
               </a:rPr>
               <a:t>..</a:t>
             </a:r>
+            <a:r>
+              <a:rPr lang="en-US" altLang="ko-KR" sz="2400" dirty="0">
+                <a:sym typeface="Wingdings" panose="05000000000000000000" pitchFamily="2" charset="2"/>
+              </a:rPr>
+              <a:t/>
+            </a:r>
             <a:br>
               <a:rPr lang="en-US" altLang="ko-KR" sz="2400" dirty="0">
                 <a:sym typeface="Wingdings" panose="05000000000000000000" pitchFamily="2" charset="2"/>
@@ -20921,7 +15845,7 @@
           <a:p>
             <a:fld id="{76022175-F16A-4A96-8E45-178BE9345AE9}" type="datetime6">
               <a:rPr lang="ko-KR" altLang="en-US" smtClean="0"/>
-              <a:t>2025년 4월</a:t>
+              <a:t>2025년 6월</a:t>
             </a:fld>
             <a:endParaRPr lang="ko-KR" altLang="en-US"/>
           </a:p>
@@ -21112,7 +16036,7 @@
           <a:p>
             <a:fld id="{3C9CE3CE-253F-4F9D-BA15-C226C8D8501E}" type="datetime6">
               <a:rPr lang="ko-KR" altLang="en-US" smtClean="0"/>
-              <a:t>2025년 4월</a:t>
+              <a:t>2025년 6월</a:t>
             </a:fld>
             <a:endParaRPr lang="ko-KR" altLang="en-US"/>
           </a:p>
@@ -21706,7 +16630,7 @@
           <a:p>
             <a:fld id="{0F78D9C4-20C1-4B15-A116-16DC77AD9A1E}" type="datetime1">
               <a:rPr lang="ko-KR" altLang="en-US" smtClean="0"/>
-              <a:t>2025-04-21</a:t>
+              <a:t>2025-06-08</a:t>
             </a:fld>
             <a:endParaRPr lang="ko-KR" altLang="en-US"/>
           </a:p>
@@ -23606,6 +18530,14 @@
               </a:rPr>
               <a:t>분산형 관리 시스템</a:t>
             </a:r>
+            <a:r>
+              <a:rPr lang="en-US" altLang="ko-KR" dirty="0">
+                <a:latin typeface="Pretendard SemiBold" panose="02000703000000020004" pitchFamily="2" charset="-127"/>
+                <a:ea typeface="Pretendard SemiBold" panose="02000703000000020004" pitchFamily="2" charset="-127"/>
+                <a:cs typeface="Pretendard SemiBold" panose="02000703000000020004" pitchFamily="2" charset="-127"/>
+              </a:rPr>
+              <a:t/>
+            </a:r>
             <a:br>
               <a:rPr lang="en-US" altLang="ko-KR" dirty="0">
                 <a:latin typeface="Pretendard SemiBold" panose="02000703000000020004" pitchFamily="2" charset="-127"/>
@@ -23654,7 +18586,7 @@
           <a:p>
             <a:fld id="{3C9CE3CE-253F-4F9D-BA15-C226C8D8501E}" type="datetime6">
               <a:rPr lang="ko-KR" altLang="en-US" smtClean="0"/>
-              <a:t>2025년 4월</a:t>
+              <a:t>2025년 6월</a:t>
             </a:fld>
             <a:endParaRPr lang="ko-KR" altLang="en-US"/>
           </a:p>
@@ -24441,7 +19373,7 @@
                 <a:hlinkClick r:id="rId3">
                   <a:extLst>
                     <a:ext uri="{A12FA001-AC4F-418D-AE19-62706E023703}">
-                      <ahyp:hlinkClr xmlns:ahyp="http://schemas.microsoft.com/office/drawing/2018/hyperlinkcolor" val="tx"/>
+                      <ahyp:hlinkClr xmlns:ahyp="http://schemas.microsoft.com/office/drawing/2018/hyperlinkcolor" xmlns="" val="tx"/>
                     </a:ext>
                   </a:extLst>
                 </a:hlinkClick>
@@ -24550,6 +19482,10 @@
             <a:r>
               <a:rPr lang="ko-KR" altLang="en-US" sz="2600" dirty="0"/>
               <a:t>폴더 삭제 후 다시 </a:t>
+            </a:r>
+            <a:r>
+              <a:rPr lang="en-US" altLang="ko-KR" sz="2600" dirty="0"/>
+              <a:t/>
             </a:r>
             <a:br>
               <a:rPr lang="en-US" altLang="ko-KR" sz="2600" dirty="0"/>
@@ -24911,7 +19847,7 @@
           <a:p>
             <a:fld id="{126F6B89-4082-49DC-A306-910E461DCB41}" type="datetime6">
               <a:rPr lang="ko-KR" altLang="en-US" smtClean="0"/>
-              <a:t>2025년 4월</a:t>
+              <a:t>2025년 6월</a:t>
             </a:fld>
             <a:endParaRPr lang="ko-KR" altLang="en-US"/>
           </a:p>
@@ -25239,7 +20175,7 @@
                 <a14:useLocalDpi xmlns:a14="http://schemas.microsoft.com/office/drawing/2010/main" val="0"/>
               </a:ext>
               <a:ext uri="{96DAC541-7B7A-43D3-8B79-37D633B846F1}">
-                <asvg:svgBlip xmlns:asvg="http://schemas.microsoft.com/office/drawing/2016/SVG/main" r:embed="rId5"/>
+                <asvg:svgBlip xmlns:asvg="http://schemas.microsoft.com/office/drawing/2016/SVG/main" xmlns="" r:embed="rId5"/>
               </a:ext>
             </a:extLst>
           </a:blip>
@@ -25278,7 +20214,7 @@
                 <a14:useLocalDpi xmlns:a14="http://schemas.microsoft.com/office/drawing/2010/main" val="0"/>
               </a:ext>
               <a:ext uri="{96DAC541-7B7A-43D3-8B79-37D633B846F1}">
-                <asvg:svgBlip xmlns:asvg="http://schemas.microsoft.com/office/drawing/2016/SVG/main" r:embed="rId7"/>
+                <asvg:svgBlip xmlns:asvg="http://schemas.microsoft.com/office/drawing/2016/SVG/main" xmlns="" r:embed="rId7"/>
               </a:ext>
             </a:extLst>
           </a:blip>
@@ -25317,7 +20253,7 @@
                 <a14:useLocalDpi xmlns:a14="http://schemas.microsoft.com/office/drawing/2010/main" val="0"/>
               </a:ext>
               <a:ext uri="{96DAC541-7B7A-43D3-8B79-37D633B846F1}">
-                <asvg:svgBlip xmlns:asvg="http://schemas.microsoft.com/office/drawing/2016/SVG/main" r:embed="rId9"/>
+                <asvg:svgBlip xmlns:asvg="http://schemas.microsoft.com/office/drawing/2016/SVG/main" xmlns="" r:embed="rId9"/>
               </a:ext>
             </a:extLst>
           </a:blip>
@@ -25356,7 +20292,7 @@
                 <a14:useLocalDpi xmlns:a14="http://schemas.microsoft.com/office/drawing/2010/main" val="0"/>
               </a:ext>
               <a:ext uri="{96DAC541-7B7A-43D3-8B79-37D633B846F1}">
-                <asvg:svgBlip xmlns:asvg="http://schemas.microsoft.com/office/drawing/2016/SVG/main" r:embed="rId11"/>
+                <asvg:svgBlip xmlns:asvg="http://schemas.microsoft.com/office/drawing/2016/SVG/main" xmlns="" r:embed="rId11"/>
               </a:ext>
             </a:extLst>
           </a:blip>
@@ -25523,7 +20459,7 @@
         </p:spPr>
         <p:txBody>
           <a:bodyPr>
-            <a:normAutofit fontScale="92500"/>
+            <a:normAutofit/>
           </a:bodyPr>
           <a:lstStyle/>
           <a:p>
@@ -27929,6 +22865,13 @@
               </a:rPr>
               <a:t>했을때의 스테이징에</a:t>
             </a:r>
+            <a:r>
+              <a:rPr lang="en-US" altLang="ko-KR" sz="2000">
+                <a:latin typeface="G마켓 산스 TTF Medium" panose="02000000000000000000" pitchFamily="2" charset="-127"/>
+                <a:ea typeface="G마켓 산스 TTF Medium" panose="02000000000000000000" pitchFamily="2" charset="-127"/>
+              </a:rPr>
+              <a:t/>
+            </a:r>
             <a:br>
               <a:rPr lang="en-US" altLang="ko-KR" sz="2000">
                 <a:latin typeface="G마켓 산스 TTF Medium" panose="02000000000000000000" pitchFamily="2" charset="-127"/>
@@ -28155,6 +23098,13 @@
               </a:rPr>
               <a:t>개 더 생성하기</a:t>
             </a:r>
+            <a:r>
+              <a:rPr lang="en-US" altLang="ko-KR" sz="2400">
+                <a:latin typeface="G마켓 산스 TTF Medium" panose="02000000000000000000" pitchFamily="2" charset="-127"/>
+                <a:ea typeface="G마켓 산스 TTF Medium" panose="02000000000000000000" pitchFamily="2" charset="-127"/>
+              </a:rPr>
+              <a:t/>
+            </a:r>
             <a:br>
               <a:rPr lang="en-US" altLang="ko-KR" sz="2400">
                 <a:latin typeface="G마켓 산스 TTF Medium" panose="02000000000000000000" pitchFamily="2" charset="-127"/>
@@ -28389,7 +23339,7 @@
           <a:p>
             <a:fld id="{3C9CE3CE-253F-4F9D-BA15-C226C8D8501E}" type="datetime6">
               <a:rPr lang="ko-KR" altLang="en-US" smtClean="0"/>
-              <a:t>2025년 4월</a:t>
+              <a:t>2025년 6월</a:t>
             </a:fld>
             <a:endParaRPr lang="ko-KR" altLang="en-US"/>
           </a:p>
@@ -28465,7 +23415,7 @@
                   <a14:useLocalDpi xmlns:a14="http://schemas.microsoft.com/office/drawing/2010/main" val="0"/>
                 </a:ext>
                 <a:ext uri="{96DAC541-7B7A-43D3-8B79-37D633B846F1}">
-                  <asvg:svgBlip xmlns:asvg="http://schemas.microsoft.com/office/drawing/2016/SVG/main" r:embed="rId4"/>
+                  <asvg:svgBlip xmlns:asvg="http://schemas.microsoft.com/office/drawing/2016/SVG/main" xmlns="" r:embed="rId4"/>
                 </a:ext>
               </a:extLst>
             </a:blip>
@@ -28561,7 +23511,7 @@
                   <a14:useLocalDpi xmlns:a14="http://schemas.microsoft.com/office/drawing/2010/main" val="0"/>
                 </a:ext>
                 <a:ext uri="{96DAC541-7B7A-43D3-8B79-37D633B846F1}">
-                  <asvg:svgBlip xmlns:asvg="http://schemas.microsoft.com/office/drawing/2016/SVG/main" r:embed="rId4"/>
+                  <asvg:svgBlip xmlns:asvg="http://schemas.microsoft.com/office/drawing/2016/SVG/main" xmlns="" r:embed="rId4"/>
                 </a:ext>
               </a:extLst>
             </a:blip>
@@ -28747,7 +23697,7 @@
                   <a14:useLocalDpi xmlns:a14="http://schemas.microsoft.com/office/drawing/2010/main" val="0"/>
                 </a:ext>
                 <a:ext uri="{96DAC541-7B7A-43D3-8B79-37D633B846F1}">
-                  <asvg:svgBlip xmlns:asvg="http://schemas.microsoft.com/office/drawing/2016/SVG/main" r:embed="rId4"/>
+                  <asvg:svgBlip xmlns:asvg="http://schemas.microsoft.com/office/drawing/2016/SVG/main" xmlns="" r:embed="rId4"/>
                 </a:ext>
               </a:extLst>
             </a:blip>
@@ -28843,7 +23793,7 @@
                   <a14:useLocalDpi xmlns:a14="http://schemas.microsoft.com/office/drawing/2010/main" val="0"/>
                 </a:ext>
                 <a:ext uri="{96DAC541-7B7A-43D3-8B79-37D633B846F1}">
-                  <asvg:svgBlip xmlns:asvg="http://schemas.microsoft.com/office/drawing/2016/SVG/main" r:embed="rId4"/>
+                  <asvg:svgBlip xmlns:asvg="http://schemas.microsoft.com/office/drawing/2016/SVG/main" xmlns="" r:embed="rId4"/>
                 </a:ext>
               </a:extLst>
             </a:blip>
@@ -29560,7 +24510,7 @@
           <a:p>
             <a:fld id="{0F78D9C4-20C1-4B15-A116-16DC77AD9A1E}" type="datetime1">
               <a:rPr lang="ko-KR" altLang="en-US" smtClean="0"/>
-              <a:t>2025-04-21</a:t>
+              <a:t>2025-06-08</a:t>
             </a:fld>
             <a:endParaRPr lang="ko-KR" altLang="en-US"/>
           </a:p>
@@ -29806,7 +24756,7 @@
           <a:p>
             <a:fld id="{0F78D9C4-20C1-4B15-A116-16DC77AD9A1E}" type="datetime1">
               <a:rPr lang="ko-KR" altLang="en-US" smtClean="0"/>
-              <a:t>2025-04-21</a:t>
+              <a:t>2025-06-08</a:t>
             </a:fld>
             <a:endParaRPr lang="ko-KR" altLang="en-US" dirty="0"/>
           </a:p>
@@ -29882,7 +24832,7 @@
                   <a14:useLocalDpi xmlns:a14="http://schemas.microsoft.com/office/drawing/2010/main" val="0"/>
                 </a:ext>
                 <a:ext uri="{96DAC541-7B7A-43D3-8B79-37D633B846F1}">
-                  <asvg:svgBlip xmlns:asvg="http://schemas.microsoft.com/office/drawing/2016/SVG/main" r:embed="rId3"/>
+                  <asvg:svgBlip xmlns:asvg="http://schemas.microsoft.com/office/drawing/2016/SVG/main" xmlns="" r:embed="rId3"/>
                 </a:ext>
               </a:extLst>
             </a:blip>
@@ -29978,7 +24928,7 @@
                   <a14:useLocalDpi xmlns:a14="http://schemas.microsoft.com/office/drawing/2010/main" val="0"/>
                 </a:ext>
                 <a:ext uri="{96DAC541-7B7A-43D3-8B79-37D633B846F1}">
-                  <asvg:svgBlip xmlns:asvg="http://schemas.microsoft.com/office/drawing/2016/SVG/main" r:embed="rId3"/>
+                  <asvg:svgBlip xmlns:asvg="http://schemas.microsoft.com/office/drawing/2016/SVG/main" xmlns="" r:embed="rId3"/>
                 </a:ext>
               </a:extLst>
             </a:blip>
@@ -30074,7 +25024,7 @@
                   <a14:useLocalDpi xmlns:a14="http://schemas.microsoft.com/office/drawing/2010/main" val="0"/>
                 </a:ext>
                 <a:ext uri="{96DAC541-7B7A-43D3-8B79-37D633B846F1}">
-                  <asvg:svgBlip xmlns:asvg="http://schemas.microsoft.com/office/drawing/2016/SVG/main" r:embed="rId3"/>
+                  <asvg:svgBlip xmlns:asvg="http://schemas.microsoft.com/office/drawing/2016/SVG/main" xmlns="" r:embed="rId3"/>
                 </a:ext>
               </a:extLst>
             </a:blip>
@@ -30170,7 +25120,7 @@
                   <a14:useLocalDpi xmlns:a14="http://schemas.microsoft.com/office/drawing/2010/main" val="0"/>
                 </a:ext>
                 <a:ext uri="{96DAC541-7B7A-43D3-8B79-37D633B846F1}">
-                  <asvg:svgBlip xmlns:asvg="http://schemas.microsoft.com/office/drawing/2016/SVG/main" r:embed="rId3"/>
+                  <asvg:svgBlip xmlns:asvg="http://schemas.microsoft.com/office/drawing/2016/SVG/main" xmlns="" r:embed="rId3"/>
                 </a:ext>
               </a:extLst>
             </a:blip>
@@ -30980,7 +25930,7 @@
         <p:spPr/>
         <p:txBody>
           <a:bodyPr>
-            <a:normAutofit lnSpcReduction="10000"/>
+            <a:normAutofit/>
           </a:bodyPr>
           <a:lstStyle/>
           <a:p>
@@ -31301,7 +26251,7 @@
           <a:p>
             <a:fld id="{0F78D9C4-20C1-4B15-A116-16DC77AD9A1E}" type="datetime1">
               <a:rPr lang="ko-KR" altLang="en-US" smtClean="0"/>
-              <a:t>2025-04-21</a:t>
+              <a:t>2025-06-08</a:t>
             </a:fld>
             <a:endParaRPr lang="ko-KR" altLang="en-US"/>
           </a:p>
@@ -31659,6 +26609,13 @@
               </a:rPr>
               <a:t>하게 되면 원격저장소에 파일이 업로드됨</a:t>
             </a:r>
+            <a:r>
+              <a:rPr lang="en-US" altLang="ko-KR" sz="2400">
+                <a:latin typeface="G마켓 산스 TTF Medium" panose="02000000000000000000" pitchFamily="2" charset="-127"/>
+                <a:ea typeface="G마켓 산스 TTF Medium" panose="02000000000000000000" pitchFamily="2" charset="-127"/>
+              </a:rPr>
+              <a:t/>
+            </a:r>
             <a:br>
               <a:rPr lang="en-US" altLang="ko-KR" sz="2400">
                 <a:latin typeface="G마켓 산스 TTF Medium" panose="02000000000000000000" pitchFamily="2" charset="-127"/>
@@ -32381,6 +27338,13 @@
               </a:rPr>
               <a:t>을 하여 </a:t>
             </a:r>
+            <a:r>
+              <a:rPr lang="en-US" altLang="ko-KR" sz="2000">
+                <a:latin typeface="G마켓 산스 TTF Medium" panose="02000000000000000000" pitchFamily="2" charset="-127"/>
+                <a:ea typeface="G마켓 산스 TTF Medium" panose="02000000000000000000" pitchFamily="2" charset="-127"/>
+              </a:rPr>
+              <a:t/>
+            </a:r>
             <a:br>
               <a:rPr lang="en-US" altLang="ko-KR" sz="2000">
                 <a:latin typeface="G마켓 산스 TTF Medium" panose="02000000000000000000" pitchFamily="2" charset="-127"/>
@@ -32445,6 +27409,13 @@
               </a:rPr>
               <a:t>를 하게 되면</a:t>
             </a:r>
+            <a:r>
+              <a:rPr lang="en-US" altLang="ko-KR" sz="2000">
+                <a:latin typeface="G마켓 산스 TTF Medium" panose="02000000000000000000" pitchFamily="2" charset="-127"/>
+                <a:ea typeface="G마켓 산스 TTF Medium" panose="02000000000000000000" pitchFamily="2" charset="-127"/>
+              </a:rPr>
+              <a:t/>
+            </a:r>
             <a:br>
               <a:rPr lang="en-US" altLang="ko-KR" sz="2000">
                 <a:latin typeface="G마켓 산스 TTF Medium" panose="02000000000000000000" pitchFamily="2" charset="-127"/>
@@ -32496,6 +27467,13 @@
               </a:rPr>
               <a:t>의 내용으로 원격저장소를 찾게 되는데</a:t>
             </a:r>
+            <a:r>
+              <a:rPr lang="en-US" altLang="ko-KR" sz="2000">
+                <a:latin typeface="G마켓 산스 TTF Medium" panose="02000000000000000000" pitchFamily="2" charset="-127"/>
+                <a:ea typeface="G마켓 산스 TTF Medium" panose="02000000000000000000" pitchFamily="2" charset="-127"/>
+              </a:rPr>
+              <a:t/>
+            </a:r>
             <a:br>
               <a:rPr lang="en-US" altLang="ko-KR" sz="2000">
                 <a:latin typeface="G마켓 산스 TTF Medium" panose="02000000000000000000" pitchFamily="2" charset="-127"/>
@@ -32529,6 +27507,13 @@
                 <a:ea typeface="G마켓 산스 TTF Medium" panose="02000000000000000000" pitchFamily="2" charset="-127"/>
               </a:rPr>
               <a:t>이 두개가 생기게 되면서</a:t>
+            </a:r>
+            <a:r>
+              <a:rPr lang="en-US" altLang="ko-KR" sz="2000">
+                <a:latin typeface="G마켓 산스 TTF Medium" panose="02000000000000000000" pitchFamily="2" charset="-127"/>
+                <a:ea typeface="G마켓 산스 TTF Medium" panose="02000000000000000000" pitchFamily="2" charset="-127"/>
+              </a:rPr>
+              <a:t/>
             </a:r>
             <a:br>
               <a:rPr lang="en-US" altLang="ko-KR" sz="2000">
@@ -32762,6 +27747,13 @@
               </a:rPr>
               <a:t> 등 외부에 노출하면 안되는 정보는 </a:t>
             </a:r>
+            <a:r>
+              <a:rPr lang="en-US" altLang="ko-KR" sz="2800" dirty="0">
+                <a:latin typeface="G마켓 산스 TTF Medium" panose="02000000000000000000" pitchFamily="2" charset="-127"/>
+                <a:ea typeface="G마켓 산스 TTF Medium" panose="02000000000000000000" pitchFamily="2" charset="-127"/>
+              </a:rPr>
+              <a:t/>
+            </a:r>
             <a:br>
               <a:rPr lang="en-US" altLang="ko-KR" sz="2800" dirty="0">
                 <a:latin typeface="G마켓 산스 TTF Medium" panose="02000000000000000000" pitchFamily="2" charset="-127"/>
@@ -33245,6 +28237,13 @@
               </a:rPr>
               <a:t>폴더의 </a:t>
             </a:r>
+            <a:r>
+              <a:rPr lang="en-US" altLang="ko-KR" sz="2400" dirty="0">
+                <a:latin typeface="G마켓 산스 TTF Medium" panose="02000000000000000000" pitchFamily="2" charset="-127"/>
+                <a:ea typeface="G마켓 산스 TTF Medium" panose="02000000000000000000" pitchFamily="2" charset="-127"/>
+              </a:rPr>
+              <a:t/>
+            </a:r>
             <a:br>
               <a:rPr lang="en-US" altLang="ko-KR" sz="2400" dirty="0">
                 <a:latin typeface="G마켓 산스 TTF Medium" panose="02000000000000000000" pitchFamily="2" charset="-127"/>
@@ -33776,7 +28775,7 @@
           <a:p>
             <a:fld id="{126F6B89-4082-49DC-A306-910E461DCB41}" type="datetime6">
               <a:rPr lang="ko-KR" altLang="en-US" smtClean="0"/>
-              <a:t>2025년 4월</a:t>
+              <a:t>2025년 6월</a:t>
             </a:fld>
             <a:endParaRPr lang="ko-KR" altLang="en-US"/>
           </a:p>
@@ -34104,7 +29103,7 @@
                 <a14:useLocalDpi xmlns:a14="http://schemas.microsoft.com/office/drawing/2010/main" val="0"/>
               </a:ext>
               <a:ext uri="{96DAC541-7B7A-43D3-8B79-37D633B846F1}">
-                <asvg:svgBlip xmlns:asvg="http://schemas.microsoft.com/office/drawing/2016/SVG/main" r:embed="rId5"/>
+                <asvg:svgBlip xmlns:asvg="http://schemas.microsoft.com/office/drawing/2016/SVG/main" xmlns="" r:embed="rId5"/>
               </a:ext>
             </a:extLst>
           </a:blip>
@@ -34143,7 +29142,7 @@
                 <a14:useLocalDpi xmlns:a14="http://schemas.microsoft.com/office/drawing/2010/main" val="0"/>
               </a:ext>
               <a:ext uri="{96DAC541-7B7A-43D3-8B79-37D633B846F1}">
-                <asvg:svgBlip xmlns:asvg="http://schemas.microsoft.com/office/drawing/2016/SVG/main" r:embed="rId7"/>
+                <asvg:svgBlip xmlns:asvg="http://schemas.microsoft.com/office/drawing/2016/SVG/main" xmlns="" r:embed="rId7"/>
               </a:ext>
             </a:extLst>
           </a:blip>
@@ -34182,7 +29181,7 @@
                 <a14:useLocalDpi xmlns:a14="http://schemas.microsoft.com/office/drawing/2010/main" val="0"/>
               </a:ext>
               <a:ext uri="{96DAC541-7B7A-43D3-8B79-37D633B846F1}">
-                <asvg:svgBlip xmlns:asvg="http://schemas.microsoft.com/office/drawing/2016/SVG/main" r:embed="rId9"/>
+                <asvg:svgBlip xmlns:asvg="http://schemas.microsoft.com/office/drawing/2016/SVG/main" xmlns="" r:embed="rId9"/>
               </a:ext>
             </a:extLst>
           </a:blip>
@@ -34221,7 +29220,7 @@
                 <a14:useLocalDpi xmlns:a14="http://schemas.microsoft.com/office/drawing/2010/main" val="0"/>
               </a:ext>
               <a:ext uri="{96DAC541-7B7A-43D3-8B79-37D633B846F1}">
-                <asvg:svgBlip xmlns:asvg="http://schemas.microsoft.com/office/drawing/2016/SVG/main" r:embed="rId11"/>
+                <asvg:svgBlip xmlns:asvg="http://schemas.microsoft.com/office/drawing/2016/SVG/main" xmlns="" r:embed="rId11"/>
               </a:ext>
             </a:extLst>
           </a:blip>
@@ -34391,7 +29390,7 @@
         </p:spPr>
         <p:txBody>
           <a:bodyPr>
-            <a:normAutofit fontScale="92500"/>
+            <a:normAutofit/>
           </a:bodyPr>
           <a:lstStyle/>
           <a:p>
@@ -34587,7 +29586,7 @@
           <a:p>
             <a:fld id="{3C9CE3CE-253F-4F9D-BA15-C226C8D8501E}" type="datetime6">
               <a:rPr lang="ko-KR" altLang="en-US" smtClean="0"/>
-              <a:t>2025년 4월</a:t>
+              <a:t>2025년 6월</a:t>
             </a:fld>
             <a:endParaRPr lang="ko-KR" altLang="en-US"/>
           </a:p>
@@ -34663,7 +29662,7 @@
                   <a14:useLocalDpi xmlns:a14="http://schemas.microsoft.com/office/drawing/2010/main" val="0"/>
                 </a:ext>
                 <a:ext uri="{96DAC541-7B7A-43D3-8B79-37D633B846F1}">
-                  <asvg:svgBlip xmlns:asvg="http://schemas.microsoft.com/office/drawing/2016/SVG/main" r:embed="rId4"/>
+                  <asvg:svgBlip xmlns:asvg="http://schemas.microsoft.com/office/drawing/2016/SVG/main" xmlns="" r:embed="rId4"/>
                 </a:ext>
               </a:extLst>
             </a:blip>
@@ -34759,7 +29758,7 @@
                   <a14:useLocalDpi xmlns:a14="http://schemas.microsoft.com/office/drawing/2010/main" val="0"/>
                 </a:ext>
                 <a:ext uri="{96DAC541-7B7A-43D3-8B79-37D633B846F1}">
-                  <asvg:svgBlip xmlns:asvg="http://schemas.microsoft.com/office/drawing/2016/SVG/main" r:embed="rId4"/>
+                  <asvg:svgBlip xmlns:asvg="http://schemas.microsoft.com/office/drawing/2016/SVG/main" xmlns="" r:embed="rId4"/>
                 </a:ext>
               </a:extLst>
             </a:blip>
@@ -34855,7 +29854,7 @@
                   <a14:useLocalDpi xmlns:a14="http://schemas.microsoft.com/office/drawing/2010/main" val="0"/>
                 </a:ext>
                 <a:ext uri="{96DAC541-7B7A-43D3-8B79-37D633B846F1}">
-                  <asvg:svgBlip xmlns:asvg="http://schemas.microsoft.com/office/drawing/2016/SVG/main" r:embed="rId4"/>
+                  <asvg:svgBlip xmlns:asvg="http://schemas.microsoft.com/office/drawing/2016/SVG/main" xmlns="" r:embed="rId4"/>
                 </a:ext>
               </a:extLst>
             </a:blip>
@@ -34951,7 +29950,7 @@
                   <a14:useLocalDpi xmlns:a14="http://schemas.microsoft.com/office/drawing/2010/main" val="0"/>
                 </a:ext>
                 <a:ext uri="{96DAC541-7B7A-43D3-8B79-37D633B846F1}">
-                  <asvg:svgBlip xmlns:asvg="http://schemas.microsoft.com/office/drawing/2016/SVG/main" r:embed="rId4"/>
+                  <asvg:svgBlip xmlns:asvg="http://schemas.microsoft.com/office/drawing/2016/SVG/main" xmlns="" r:embed="rId4"/>
                 </a:ext>
               </a:extLst>
             </a:blip>
@@ -36166,6 +31165,13 @@
                 <a:ea typeface="G마켓 산스 TTF Light" panose="02000000000000000000" pitchFamily="2" charset="-127"/>
               </a:rPr>
               <a:t>이 완료되면 폴더안에 원격저장소에있던 파일들이 </a:t>
+            </a:r>
+            <a:r>
+              <a:rPr lang="en-US" altLang="ko-KR" sz="2000">
+                <a:latin typeface="G마켓 산스 TTF Light" panose="02000000000000000000" pitchFamily="2" charset="-127"/>
+                <a:ea typeface="G마켓 산스 TTF Light" panose="02000000000000000000" pitchFamily="2" charset="-127"/>
+              </a:rPr>
+              <a:t/>
             </a:r>
             <a:br>
               <a:rPr lang="en-US" altLang="ko-KR" sz="2000">
@@ -37356,7 +32362,7 @@
           <a:p>
             <a:fld id="{D5470E82-21E3-488C-BCDC-EB030ADC6AB3}" type="datetime6">
               <a:rPr lang="ko-KR" altLang="en-US" smtClean="0"/>
-              <a:t>2025년 4월</a:t>
+              <a:t>2025년 6월</a:t>
             </a:fld>
             <a:endParaRPr lang="ko-KR" altLang="en-US"/>
           </a:p>
@@ -37938,7 +32944,7 @@
           <a:p>
             <a:fld id="{0F78D9C4-20C1-4B15-A116-16DC77AD9A1E}" type="datetime1">
               <a:rPr lang="ko-KR" altLang="en-US" smtClean="0"/>
-              <a:t>2025-04-21</a:t>
+              <a:t>2025-06-08</a:t>
             </a:fld>
             <a:endParaRPr lang="ko-KR" altLang="en-US"/>
           </a:p>
@@ -38202,7 +33208,7 @@
           <a:p>
             <a:fld id="{0F78D9C4-20C1-4B15-A116-16DC77AD9A1E}" type="datetime1">
               <a:rPr lang="ko-KR" altLang="en-US" smtClean="0"/>
-              <a:t>2025-04-21</a:t>
+              <a:t>2025-06-08</a:t>
             </a:fld>
             <a:endParaRPr lang="ko-KR" altLang="en-US"/>
           </a:p>
@@ -38676,7 +33682,7 @@
           <a:p>
             <a:fld id="{0F78D9C4-20C1-4B15-A116-16DC77AD9A1E}" type="datetime1">
               <a:rPr lang="ko-KR" altLang="en-US" smtClean="0"/>
-              <a:t>2025-04-21</a:t>
+              <a:t>2025-06-08</a:t>
             </a:fld>
             <a:endParaRPr lang="ko-KR" altLang="en-US"/>
           </a:p>
@@ -39283,7 +34289,7 @@
           <a:p>
             <a:fld id="{0F78D9C4-20C1-4B15-A116-16DC77AD9A1E}" type="datetime1">
               <a:rPr lang="ko-KR" altLang="en-US" smtClean="0"/>
-              <a:t>2025-04-21</a:t>
+              <a:t>2025-06-08</a:t>
             </a:fld>
             <a:endParaRPr lang="ko-KR" altLang="en-US"/>
           </a:p>
@@ -39428,7 +34434,7 @@
         <p:spPr/>
         <p:txBody>
           <a:bodyPr>
-            <a:normAutofit fontScale="92500"/>
+            <a:normAutofit/>
           </a:bodyPr>
           <a:lstStyle/>
           <a:p>
@@ -39619,7 +34625,7 @@
           <a:p>
             <a:fld id="{0F78D9C4-20C1-4B15-A116-16DC77AD9A1E}" type="datetime1">
               <a:rPr lang="ko-KR" altLang="en-US" smtClean="0"/>
-              <a:t>2025-04-21</a:t>
+              <a:t>2025-06-08</a:t>
             </a:fld>
             <a:endParaRPr lang="ko-KR" altLang="en-US"/>
           </a:p>
@@ -39707,7 +34713,7 @@
           <a:p>
             <a:fld id="{3C9CE3CE-253F-4F9D-BA15-C226C8D8501E}" type="datetime6">
               <a:rPr lang="ko-KR" altLang="en-US" smtClean="0"/>
-              <a:t>2025년 4월</a:t>
+              <a:t>2025년 6월</a:t>
             </a:fld>
             <a:endParaRPr lang="ko-KR" altLang="en-US"/>
           </a:p>
@@ -39783,7 +34789,7 @@
                   <a14:useLocalDpi xmlns:a14="http://schemas.microsoft.com/office/drawing/2010/main" val="0"/>
                 </a:ext>
                 <a:ext uri="{96DAC541-7B7A-43D3-8B79-37D633B846F1}">
-                  <asvg:svgBlip xmlns:asvg="http://schemas.microsoft.com/office/drawing/2016/SVG/main" r:embed="rId4"/>
+                  <asvg:svgBlip xmlns:asvg="http://schemas.microsoft.com/office/drawing/2016/SVG/main" xmlns="" r:embed="rId4"/>
                 </a:ext>
               </a:extLst>
             </a:blip>
@@ -39879,7 +34885,7 @@
                   <a14:useLocalDpi xmlns:a14="http://schemas.microsoft.com/office/drawing/2010/main" val="0"/>
                 </a:ext>
                 <a:ext uri="{96DAC541-7B7A-43D3-8B79-37D633B846F1}">
-                  <asvg:svgBlip xmlns:asvg="http://schemas.microsoft.com/office/drawing/2016/SVG/main" r:embed="rId4"/>
+                  <asvg:svgBlip xmlns:asvg="http://schemas.microsoft.com/office/drawing/2016/SVG/main" xmlns="" r:embed="rId4"/>
                 </a:ext>
               </a:extLst>
             </a:blip>
@@ -40049,7 +35055,7 @@
                   <a14:useLocalDpi xmlns:a14="http://schemas.microsoft.com/office/drawing/2010/main" val="0"/>
                 </a:ext>
                 <a:ext uri="{96DAC541-7B7A-43D3-8B79-37D633B846F1}">
-                  <asvg:svgBlip xmlns:asvg="http://schemas.microsoft.com/office/drawing/2016/SVG/main" r:embed="rId4"/>
+                  <asvg:svgBlip xmlns:asvg="http://schemas.microsoft.com/office/drawing/2016/SVG/main" xmlns="" r:embed="rId4"/>
                 </a:ext>
               </a:extLst>
             </a:blip>
@@ -40145,7 +35151,7 @@
                   <a14:useLocalDpi xmlns:a14="http://schemas.microsoft.com/office/drawing/2010/main" val="0"/>
                 </a:ext>
                 <a:ext uri="{96DAC541-7B7A-43D3-8B79-37D633B846F1}">
-                  <asvg:svgBlip xmlns:asvg="http://schemas.microsoft.com/office/drawing/2016/SVG/main" r:embed="rId4"/>
+                  <asvg:svgBlip xmlns:asvg="http://schemas.microsoft.com/office/drawing/2016/SVG/main" xmlns="" r:embed="rId4"/>
                 </a:ext>
               </a:extLst>
             </a:blip>
@@ -40818,7 +35824,7 @@
           <a:p>
             <a:fld id="{0F78D9C4-20C1-4B15-A116-16DC77AD9A1E}" type="datetime1">
               <a:rPr lang="ko-KR" altLang="en-US" smtClean="0"/>
-              <a:t>2025-04-21</a:t>
+              <a:t>2025-06-08</a:t>
             </a:fld>
             <a:endParaRPr lang="ko-KR" altLang="en-US"/>
           </a:p>
@@ -41122,7 +36128,7 @@
           <a:p>
             <a:fld id="{0F78D9C4-20C1-4B15-A116-16DC77AD9A1E}" type="datetime1">
               <a:rPr lang="ko-KR" altLang="en-US" smtClean="0"/>
-              <a:t>2025-04-21</a:t>
+              <a:t>2025-06-08</a:t>
             </a:fld>
             <a:endParaRPr lang="ko-KR" altLang="en-US"/>
           </a:p>
@@ -41585,7 +36591,7 @@
           <a:p>
             <a:fld id="{0F78D9C4-20C1-4B15-A116-16DC77AD9A1E}" type="datetime1">
               <a:rPr lang="ko-KR" altLang="en-US" smtClean="0"/>
-              <a:t>2025-04-21</a:t>
+              <a:t>2025-06-08</a:t>
             </a:fld>
             <a:endParaRPr lang="ko-KR" altLang="en-US"/>
           </a:p>
@@ -42766,7 +37772,7 @@
           <a:p>
             <a:fld id="{0F78D9C4-20C1-4B15-A116-16DC77AD9A1E}" type="datetime1">
               <a:rPr lang="ko-KR" altLang="en-US" smtClean="0"/>
-              <a:t>2025-04-21</a:t>
+              <a:t>2025-06-08</a:t>
             </a:fld>
             <a:endParaRPr lang="ko-KR" altLang="en-US"/>
           </a:p>
@@ -44064,7 +39070,7 @@
           <p:nvPr/>
         </p:nvPicPr>
         <p:blipFill>
-          <a:blip r:embed="rId2">
+          <a:blip r:embed="rId3">
             <a:extLst>
               <a:ext uri="{28A0092B-C50C-407E-A947-70E740481C1C}">
                 <a14:useLocalDpi xmlns:a14="http://schemas.microsoft.com/office/drawing/2010/main" val="0"/>
@@ -44138,7 +39144,7 @@
           <a:p>
             <a:fld id="{3C9CE3CE-253F-4F9D-BA15-C226C8D8501E}" type="datetime6">
               <a:rPr lang="ko-KR" altLang="en-US" smtClean="0"/>
-              <a:t>2025년 4월</a:t>
+              <a:t>2025년 6월</a:t>
             </a:fld>
             <a:endParaRPr lang="ko-KR" altLang="en-US"/>
           </a:p>
@@ -44238,7 +39244,7 @@
                 <a14:useLocalDpi xmlns:a14="http://schemas.microsoft.com/office/drawing/2010/main" val="0"/>
               </a:ext>
               <a:ext uri="{96DAC541-7B7A-43D3-8B79-37D633B846F1}">
-                <asvg:svgBlip xmlns:asvg="http://schemas.microsoft.com/office/drawing/2016/SVG/main" r:embed="rId4"/>
+                <asvg:svgBlip xmlns:asvg="http://schemas.microsoft.com/office/drawing/2016/SVG/main" xmlns="" r:embed="rId4"/>
               </a:ext>
             </a:extLst>
           </a:blip>
@@ -44277,7 +39283,7 @@
                 <a14:useLocalDpi xmlns:a14="http://schemas.microsoft.com/office/drawing/2010/main" val="0"/>
               </a:ext>
               <a:ext uri="{96DAC541-7B7A-43D3-8B79-37D633B846F1}">
-                <asvg:svgBlip xmlns:asvg="http://schemas.microsoft.com/office/drawing/2016/SVG/main" r:embed="rId6"/>
+                <asvg:svgBlip xmlns:asvg="http://schemas.microsoft.com/office/drawing/2016/SVG/main" xmlns="" r:embed="rId6"/>
               </a:ext>
             </a:extLst>
           </a:blip>
@@ -44316,7 +39322,7 @@
                 <a14:useLocalDpi xmlns:a14="http://schemas.microsoft.com/office/drawing/2010/main" val="0"/>
               </a:ext>
               <a:ext uri="{96DAC541-7B7A-43D3-8B79-37D633B846F1}">
-                <asvg:svgBlip xmlns:asvg="http://schemas.microsoft.com/office/drawing/2016/SVG/main" r:embed="rId8"/>
+                <asvg:svgBlip xmlns:asvg="http://schemas.microsoft.com/office/drawing/2016/SVG/main" xmlns="" r:embed="rId8"/>
               </a:ext>
             </a:extLst>
           </a:blip>
@@ -44355,7 +39361,7 @@
                 <a14:useLocalDpi xmlns:a14="http://schemas.microsoft.com/office/drawing/2010/main" val="0"/>
               </a:ext>
               <a:ext uri="{96DAC541-7B7A-43D3-8B79-37D633B846F1}">
-                <asvg:svgBlip xmlns:asvg="http://schemas.microsoft.com/office/drawing/2016/SVG/main" r:embed="rId10"/>
+                <asvg:svgBlip xmlns:asvg="http://schemas.microsoft.com/office/drawing/2016/SVG/main" xmlns="" r:embed="rId10"/>
               </a:ext>
             </a:extLst>
           </a:blip>
@@ -44394,7 +39400,7 @@
                 <a14:useLocalDpi xmlns:a14="http://schemas.microsoft.com/office/drawing/2010/main" val="0"/>
               </a:ext>
               <a:ext uri="{96DAC541-7B7A-43D3-8B79-37D633B846F1}">
-                <asvg:svgBlip xmlns:asvg="http://schemas.microsoft.com/office/drawing/2016/SVG/main" r:embed="rId12"/>
+                <asvg:svgBlip xmlns:asvg="http://schemas.microsoft.com/office/drawing/2016/SVG/main" xmlns="" r:embed="rId12"/>
               </a:ext>
             </a:extLst>
           </a:blip>
@@ -44595,7 +39601,7 @@
                 <a14:useLocalDpi xmlns:a14="http://schemas.microsoft.com/office/drawing/2010/main" val="0"/>
               </a:ext>
               <a:ext uri="{96DAC541-7B7A-43D3-8B79-37D633B846F1}">
-                <asvg:svgBlip xmlns:asvg="http://schemas.microsoft.com/office/drawing/2016/SVG/main" r:embed="rId14"/>
+                <asvg:svgBlip xmlns:asvg="http://schemas.microsoft.com/office/drawing/2016/SVG/main" xmlns="" r:embed="rId14"/>
               </a:ext>
             </a:extLst>
           </a:blip>
@@ -44634,7 +39640,7 @@
                 <a14:useLocalDpi xmlns:a14="http://schemas.microsoft.com/office/drawing/2010/main" val="0"/>
               </a:ext>
               <a:ext uri="{96DAC541-7B7A-43D3-8B79-37D633B846F1}">
-                <asvg:svgBlip xmlns:asvg="http://schemas.microsoft.com/office/drawing/2016/SVG/main" r:embed="rId8"/>
+                <asvg:svgBlip xmlns:asvg="http://schemas.microsoft.com/office/drawing/2016/SVG/main" xmlns="" r:embed="rId8"/>
               </a:ext>
             </a:extLst>
           </a:blip>
@@ -44673,7 +39679,7 @@
                 <a14:useLocalDpi xmlns:a14="http://schemas.microsoft.com/office/drawing/2010/main" val="0"/>
               </a:ext>
               <a:ext uri="{96DAC541-7B7A-43D3-8B79-37D633B846F1}">
-                <asvg:svgBlip xmlns:asvg="http://schemas.microsoft.com/office/drawing/2016/SVG/main" r:embed="rId14"/>
+                <asvg:svgBlip xmlns:asvg="http://schemas.microsoft.com/office/drawing/2016/SVG/main" xmlns="" r:embed="rId14"/>
               </a:ext>
             </a:extLst>
           </a:blip>
@@ -44712,7 +39718,7 @@
                 <a14:useLocalDpi xmlns:a14="http://schemas.microsoft.com/office/drawing/2010/main" val="0"/>
               </a:ext>
               <a:ext uri="{96DAC541-7B7A-43D3-8B79-37D633B846F1}">
-                <asvg:svgBlip xmlns:asvg="http://schemas.microsoft.com/office/drawing/2016/SVG/main" r:embed="rId10"/>
+                <asvg:svgBlip xmlns:asvg="http://schemas.microsoft.com/office/drawing/2016/SVG/main" xmlns="" r:embed="rId10"/>
               </a:ext>
             </a:extLst>
           </a:blip>
@@ -44751,7 +39757,7 @@
                 <a14:useLocalDpi xmlns:a14="http://schemas.microsoft.com/office/drawing/2010/main" val="0"/>
               </a:ext>
               <a:ext uri="{96DAC541-7B7A-43D3-8B79-37D633B846F1}">
-                <asvg:svgBlip xmlns:asvg="http://schemas.microsoft.com/office/drawing/2016/SVG/main" r:embed="rId14"/>
+                <asvg:svgBlip xmlns:asvg="http://schemas.microsoft.com/office/drawing/2016/SVG/main" xmlns="" r:embed="rId14"/>
               </a:ext>
             </a:extLst>
           </a:blip>
@@ -44790,7 +39796,7 @@
                 <a14:useLocalDpi xmlns:a14="http://schemas.microsoft.com/office/drawing/2010/main" val="0"/>
               </a:ext>
               <a:ext uri="{96DAC541-7B7A-43D3-8B79-37D633B846F1}">
-                <asvg:svgBlip xmlns:asvg="http://schemas.microsoft.com/office/drawing/2016/SVG/main" r:embed="rId12"/>
+                <asvg:svgBlip xmlns:asvg="http://schemas.microsoft.com/office/drawing/2016/SVG/main" xmlns="" r:embed="rId12"/>
               </a:ext>
             </a:extLst>
           </a:blip>
@@ -44829,7 +39835,7 @@
                 <a14:useLocalDpi xmlns:a14="http://schemas.microsoft.com/office/drawing/2010/main" val="0"/>
               </a:ext>
               <a:ext uri="{96DAC541-7B7A-43D3-8B79-37D633B846F1}">
-                <asvg:svgBlip xmlns:asvg="http://schemas.microsoft.com/office/drawing/2016/SVG/main" r:embed="rId14"/>
+                <asvg:svgBlip xmlns:asvg="http://schemas.microsoft.com/office/drawing/2016/SVG/main" xmlns="" r:embed="rId14"/>
               </a:ext>
             </a:extLst>
           </a:blip>
@@ -44868,7 +39874,7 @@
                 <a14:useLocalDpi xmlns:a14="http://schemas.microsoft.com/office/drawing/2010/main" val="0"/>
               </a:ext>
               <a:ext uri="{96DAC541-7B7A-43D3-8B79-37D633B846F1}">
-                <asvg:svgBlip xmlns:asvg="http://schemas.microsoft.com/office/drawing/2016/SVG/main" r:embed="rId6"/>
+                <asvg:svgBlip xmlns:asvg="http://schemas.microsoft.com/office/drawing/2016/SVG/main" xmlns="" r:embed="rId6"/>
               </a:ext>
             </a:extLst>
           </a:blip>
@@ -44907,7 +39913,7 @@
                 <a14:useLocalDpi xmlns:a14="http://schemas.microsoft.com/office/drawing/2010/main" val="0"/>
               </a:ext>
               <a:ext uri="{96DAC541-7B7A-43D3-8B79-37D633B846F1}">
-                <asvg:svgBlip xmlns:asvg="http://schemas.microsoft.com/office/drawing/2016/SVG/main" r:embed="rId14"/>
+                <asvg:svgBlip xmlns:asvg="http://schemas.microsoft.com/office/drawing/2016/SVG/main" xmlns="" r:embed="rId14"/>
               </a:ext>
             </a:extLst>
           </a:blip>
@@ -44946,7 +39952,7 @@
                 <a14:useLocalDpi xmlns:a14="http://schemas.microsoft.com/office/drawing/2010/main" val="0"/>
               </a:ext>
               <a:ext uri="{96DAC541-7B7A-43D3-8B79-37D633B846F1}">
-                <asvg:svgBlip xmlns:asvg="http://schemas.microsoft.com/office/drawing/2016/SVG/main" r:embed="rId4"/>
+                <asvg:svgBlip xmlns:asvg="http://schemas.microsoft.com/office/drawing/2016/SVG/main" xmlns="" r:embed="rId4"/>
               </a:ext>
             </a:extLst>
           </a:blip>
@@ -45153,7 +40159,7 @@
                 <a14:useLocalDpi xmlns:a14="http://schemas.microsoft.com/office/drawing/2010/main" val="0"/>
               </a:ext>
               <a:ext uri="{96DAC541-7B7A-43D3-8B79-37D633B846F1}">
-                <asvg:svgBlip xmlns:asvg="http://schemas.microsoft.com/office/drawing/2016/SVG/main" r:embed="rId14"/>
+                <asvg:svgBlip xmlns:asvg="http://schemas.microsoft.com/office/drawing/2016/SVG/main" xmlns="" r:embed="rId14"/>
               </a:ext>
             </a:extLst>
           </a:blip>
@@ -45224,7 +40230,7 @@
           <a:p>
             <a:fld id="{3C9CE3CE-253F-4F9D-BA15-C226C8D8501E}" type="datetime6">
               <a:rPr lang="ko-KR" altLang="en-US" smtClean="0"/>
-              <a:t>2025년 4월</a:t>
+              <a:t>2025년 6월</a:t>
             </a:fld>
             <a:endParaRPr lang="ko-KR" altLang="en-US"/>
           </a:p>
@@ -45328,7 +40334,7 @@
                 <a14:useLocalDpi xmlns:a14="http://schemas.microsoft.com/office/drawing/2010/main" val="0"/>
               </a:ext>
               <a:ext uri="{96DAC541-7B7A-43D3-8B79-37D633B846F1}">
-                <asvg:svgBlip xmlns:asvg="http://schemas.microsoft.com/office/drawing/2016/SVG/main" r:embed="rId4"/>
+                <asvg:svgBlip xmlns:asvg="http://schemas.microsoft.com/office/drawing/2016/SVG/main" xmlns="" r:embed="rId4"/>
               </a:ext>
             </a:extLst>
           </a:blip>
@@ -45367,7 +40373,7 @@
                 <a14:useLocalDpi xmlns:a14="http://schemas.microsoft.com/office/drawing/2010/main" val="0"/>
               </a:ext>
               <a:ext uri="{96DAC541-7B7A-43D3-8B79-37D633B846F1}">
-                <asvg:svgBlip xmlns:asvg="http://schemas.microsoft.com/office/drawing/2016/SVG/main" r:embed="rId6"/>
+                <asvg:svgBlip xmlns:asvg="http://schemas.microsoft.com/office/drawing/2016/SVG/main" xmlns="" r:embed="rId6"/>
               </a:ext>
             </a:extLst>
           </a:blip>
@@ -45406,7 +40412,7 @@
                 <a14:useLocalDpi xmlns:a14="http://schemas.microsoft.com/office/drawing/2010/main" val="0"/>
               </a:ext>
               <a:ext uri="{96DAC541-7B7A-43D3-8B79-37D633B846F1}">
-                <asvg:svgBlip xmlns:asvg="http://schemas.microsoft.com/office/drawing/2016/SVG/main" r:embed="rId8"/>
+                <asvg:svgBlip xmlns:asvg="http://schemas.microsoft.com/office/drawing/2016/SVG/main" xmlns="" r:embed="rId8"/>
               </a:ext>
             </a:extLst>
           </a:blip>
@@ -45445,7 +40451,7 @@
                 <a14:useLocalDpi xmlns:a14="http://schemas.microsoft.com/office/drawing/2010/main" val="0"/>
               </a:ext>
               <a:ext uri="{96DAC541-7B7A-43D3-8B79-37D633B846F1}">
-                <asvg:svgBlip xmlns:asvg="http://schemas.microsoft.com/office/drawing/2016/SVG/main" r:embed="rId10"/>
+                <asvg:svgBlip xmlns:asvg="http://schemas.microsoft.com/office/drawing/2016/SVG/main" xmlns="" r:embed="rId10"/>
               </a:ext>
             </a:extLst>
           </a:blip>
@@ -45484,7 +40490,7 @@
                 <a14:useLocalDpi xmlns:a14="http://schemas.microsoft.com/office/drawing/2010/main" val="0"/>
               </a:ext>
               <a:ext uri="{96DAC541-7B7A-43D3-8B79-37D633B846F1}">
-                <asvg:svgBlip xmlns:asvg="http://schemas.microsoft.com/office/drawing/2016/SVG/main" r:embed="rId12"/>
+                <asvg:svgBlip xmlns:asvg="http://schemas.microsoft.com/office/drawing/2016/SVG/main" xmlns="" r:embed="rId12"/>
               </a:ext>
             </a:extLst>
           </a:blip>
@@ -45685,7 +40691,7 @@
                 <a14:useLocalDpi xmlns:a14="http://schemas.microsoft.com/office/drawing/2010/main" val="0"/>
               </a:ext>
               <a:ext uri="{96DAC541-7B7A-43D3-8B79-37D633B846F1}">
-                <asvg:svgBlip xmlns:asvg="http://schemas.microsoft.com/office/drawing/2016/SVG/main" r:embed="rId14"/>
+                <asvg:svgBlip xmlns:asvg="http://schemas.microsoft.com/office/drawing/2016/SVG/main" xmlns="" r:embed="rId14"/>
               </a:ext>
             </a:extLst>
           </a:blip>
@@ -45724,7 +40730,7 @@
                 <a14:useLocalDpi xmlns:a14="http://schemas.microsoft.com/office/drawing/2010/main" val="0"/>
               </a:ext>
               <a:ext uri="{96DAC541-7B7A-43D3-8B79-37D633B846F1}">
-                <asvg:svgBlip xmlns:asvg="http://schemas.microsoft.com/office/drawing/2016/SVG/main" r:embed="rId8"/>
+                <asvg:svgBlip xmlns:asvg="http://schemas.microsoft.com/office/drawing/2016/SVG/main" xmlns="" r:embed="rId8"/>
               </a:ext>
             </a:extLst>
           </a:blip>
@@ -45763,7 +40769,7 @@
                 <a14:useLocalDpi xmlns:a14="http://schemas.microsoft.com/office/drawing/2010/main" val="0"/>
               </a:ext>
               <a:ext uri="{96DAC541-7B7A-43D3-8B79-37D633B846F1}">
-                <asvg:svgBlip xmlns:asvg="http://schemas.microsoft.com/office/drawing/2016/SVG/main" r:embed="rId14"/>
+                <asvg:svgBlip xmlns:asvg="http://schemas.microsoft.com/office/drawing/2016/SVG/main" xmlns="" r:embed="rId14"/>
               </a:ext>
             </a:extLst>
           </a:blip>
@@ -45802,7 +40808,7 @@
                 <a14:useLocalDpi xmlns:a14="http://schemas.microsoft.com/office/drawing/2010/main" val="0"/>
               </a:ext>
               <a:ext uri="{96DAC541-7B7A-43D3-8B79-37D633B846F1}">
-                <asvg:svgBlip xmlns:asvg="http://schemas.microsoft.com/office/drawing/2016/SVG/main" r:embed="rId10"/>
+                <asvg:svgBlip xmlns:asvg="http://schemas.microsoft.com/office/drawing/2016/SVG/main" xmlns="" r:embed="rId10"/>
               </a:ext>
             </a:extLst>
           </a:blip>
@@ -45841,7 +40847,7 @@
                 <a14:useLocalDpi xmlns:a14="http://schemas.microsoft.com/office/drawing/2010/main" val="0"/>
               </a:ext>
               <a:ext uri="{96DAC541-7B7A-43D3-8B79-37D633B846F1}">
-                <asvg:svgBlip xmlns:asvg="http://schemas.microsoft.com/office/drawing/2016/SVG/main" r:embed="rId14"/>
+                <asvg:svgBlip xmlns:asvg="http://schemas.microsoft.com/office/drawing/2016/SVG/main" xmlns="" r:embed="rId14"/>
               </a:ext>
             </a:extLst>
           </a:blip>
@@ -45880,7 +40886,7 @@
                 <a14:useLocalDpi xmlns:a14="http://schemas.microsoft.com/office/drawing/2010/main" val="0"/>
               </a:ext>
               <a:ext uri="{96DAC541-7B7A-43D3-8B79-37D633B846F1}">
-                <asvg:svgBlip xmlns:asvg="http://schemas.microsoft.com/office/drawing/2016/SVG/main" r:embed="rId12"/>
+                <asvg:svgBlip xmlns:asvg="http://schemas.microsoft.com/office/drawing/2016/SVG/main" xmlns="" r:embed="rId12"/>
               </a:ext>
             </a:extLst>
           </a:blip>
@@ -45919,7 +40925,7 @@
                 <a14:useLocalDpi xmlns:a14="http://schemas.microsoft.com/office/drawing/2010/main" val="0"/>
               </a:ext>
               <a:ext uri="{96DAC541-7B7A-43D3-8B79-37D633B846F1}">
-                <asvg:svgBlip xmlns:asvg="http://schemas.microsoft.com/office/drawing/2016/SVG/main" r:embed="rId14"/>
+                <asvg:svgBlip xmlns:asvg="http://schemas.microsoft.com/office/drawing/2016/SVG/main" xmlns="" r:embed="rId14"/>
               </a:ext>
             </a:extLst>
           </a:blip>
@@ -45958,7 +40964,7 @@
                 <a14:useLocalDpi xmlns:a14="http://schemas.microsoft.com/office/drawing/2010/main" val="0"/>
               </a:ext>
               <a:ext uri="{96DAC541-7B7A-43D3-8B79-37D633B846F1}">
-                <asvg:svgBlip xmlns:asvg="http://schemas.microsoft.com/office/drawing/2016/SVG/main" r:embed="rId6"/>
+                <asvg:svgBlip xmlns:asvg="http://schemas.microsoft.com/office/drawing/2016/SVG/main" xmlns="" r:embed="rId6"/>
               </a:ext>
             </a:extLst>
           </a:blip>
@@ -45997,7 +41003,7 @@
                 <a14:useLocalDpi xmlns:a14="http://schemas.microsoft.com/office/drawing/2010/main" val="0"/>
               </a:ext>
               <a:ext uri="{96DAC541-7B7A-43D3-8B79-37D633B846F1}">
-                <asvg:svgBlip xmlns:asvg="http://schemas.microsoft.com/office/drawing/2016/SVG/main" r:embed="rId14"/>
+                <asvg:svgBlip xmlns:asvg="http://schemas.microsoft.com/office/drawing/2016/SVG/main" xmlns="" r:embed="rId14"/>
               </a:ext>
             </a:extLst>
           </a:blip>
@@ -46036,7 +41042,7 @@
                 <a14:useLocalDpi xmlns:a14="http://schemas.microsoft.com/office/drawing/2010/main" val="0"/>
               </a:ext>
               <a:ext uri="{96DAC541-7B7A-43D3-8B79-37D633B846F1}">
-                <asvg:svgBlip xmlns:asvg="http://schemas.microsoft.com/office/drawing/2016/SVG/main" r:embed="rId4"/>
+                <asvg:svgBlip xmlns:asvg="http://schemas.microsoft.com/office/drawing/2016/SVG/main" xmlns="" r:embed="rId4"/>
               </a:ext>
             </a:extLst>
           </a:blip>
@@ -46520,7 +41526,7 @@
             <a:fld id="{09FE4672-E219-4AF7-BCFD-84211D3D1F47}" type="datetime6">
               <a:rPr lang="ko-KR" altLang="en-US" smtClean="0"/>
               <a:pPr/>
-              <a:t>2025년 4월</a:t>
+              <a:t>2025년 6월</a:t>
             </a:fld>
             <a:endParaRPr lang="ko-KR" altLang="en-US"/>
           </a:p>
